--- a/پاورپوينت معماري.pptx
+++ b/پاورپوينت معماري.pptx
@@ -6,7 +6,7 @@
     <p:sldMasterId id="2147483714" r:id="rId2"/>
   </p:sldMasterIdLst>
   <p:notesMasterIdLst>
-    <p:notesMasterId r:id="rId15"/>
+    <p:notesMasterId r:id="rId16"/>
   </p:notesMasterIdLst>
   <p:sldIdLst>
     <p:sldId id="256" r:id="rId3"/>
@@ -18,9 +18,10 @@
     <p:sldId id="262" r:id="rId9"/>
     <p:sldId id="263" r:id="rId10"/>
     <p:sldId id="264" r:id="rId11"/>
-    <p:sldId id="265" r:id="rId12"/>
-    <p:sldId id="266" r:id="rId13"/>
-    <p:sldId id="267" r:id="rId14"/>
+    <p:sldId id="268" r:id="rId12"/>
+    <p:sldId id="265" r:id="rId13"/>
+    <p:sldId id="266" r:id="rId14"/>
+    <p:sldId id="267" r:id="rId15"/>
   </p:sldIdLst>
   <p:sldSz cx="12192000" cy="6858000"/>
   <p:notesSz cx="6858000" cy="9144000"/>
@@ -9371,47 +9372,20 @@
           <a:bodyPr/>
           <a:lstStyle/>
           <a:p>
-            <a:pPr marL="342900" lvl="0" indent="-342900" algn="ctr" rtl="1">
-              <a:spcBef>
-                <a:spcPts val="1000"/>
-              </a:spcBef>
-            </a:pPr>
-            <a:r>
-              <a:rPr lang="fa-IR" u="sng" dirty="0">
+            <a:pPr algn="ctr"/>
+            <a:r>
+              <a:rPr lang="fa-IR" u="sng" dirty="0" smtClean="0">
                 <a:solidFill>
                   <a:srgbClr val="C00000"/>
                 </a:solidFill>
-                <a:ea typeface="+mn-ea"/>
                 <a:cs typeface="B Nazanin" panose="00000400000000000000" pitchFamily="2" charset="-78"/>
               </a:rPr>
-              <a:t>نكات ضرروري راجب استفاده از الگوي معماري رويداد محور </a:t>
-            </a:r>
-            <a:r>
-              <a:rPr lang="fa-IR" sz="2400" dirty="0">
-                <a:solidFill>
-                  <a:prstClr val="black">
-                    <a:lumMod val="75000"/>
-                    <a:lumOff val="25000"/>
-                  </a:prstClr>
-                </a:solidFill>
-                <a:ea typeface="+mn-ea"/>
-                <a:cs typeface="B Nazanin" panose="00000400000000000000" pitchFamily="2" charset="-78"/>
-              </a:rPr>
-              <a:t/>
-            </a:r>
-            <a:br>
-              <a:rPr lang="fa-IR" sz="2400" dirty="0">
-                <a:solidFill>
-                  <a:prstClr val="black">
-                    <a:lumMod val="75000"/>
-                    <a:lumOff val="25000"/>
-                  </a:prstClr>
-                </a:solidFill>
-                <a:ea typeface="+mn-ea"/>
-                <a:cs typeface="B Nazanin" panose="00000400000000000000" pitchFamily="2" charset="-78"/>
-              </a:rPr>
-            </a:br>
-            <a:endParaRPr lang="en-US" dirty="0">
+              <a:t>تحليل الگوي معماري رويداد محور </a:t>
+            </a:r>
+            <a:endParaRPr lang="en-US" u="sng" dirty="0">
+              <a:solidFill>
+                <a:srgbClr val="C00000"/>
+              </a:solidFill>
               <a:cs typeface="B Nazanin" panose="00000400000000000000" pitchFamily="2" charset="-78"/>
             </a:endParaRPr>
           </a:p>
@@ -9453,7 +9427,7 @@
           <a:p>
             <a:fld id="{C2DB2716-ABCB-47E4-A5E7-31908A35B483}" type="uaqdatetime1">
               <a:rPr lang="fa-IR" smtClean="0"/>
-              <a:t>20/05/1443</a:t>
+              <a:t>21/05/1443</a:t>
             </a:fld>
             <a:endParaRPr lang="en-US"/>
           </a:p>
@@ -9485,7 +9459,7 @@
     </p:spTree>
     <p:extLst>
       <p:ext uri="{BB962C8B-B14F-4D97-AF65-F5344CB8AC3E}">
-        <p14:creationId xmlns:p14="http://schemas.microsoft.com/office/powerpoint/2010/main" val="4067526682"/>
+        <p14:creationId xmlns:p14="http://schemas.microsoft.com/office/powerpoint/2010/main" val="2751533732"/>
       </p:ext>
     </p:extLst>
   </p:cSld>
@@ -9534,20 +9508,47 @@
           <a:bodyPr/>
           <a:lstStyle/>
           <a:p>
-            <a:pPr algn="ctr" rtl="1"/>
-            <a:r>
-              <a:rPr lang="fa-IR" u="sng" dirty="0" smtClean="0">
+            <a:pPr marL="342900" lvl="0" indent="-342900" algn="ctr" rtl="1">
+              <a:spcBef>
+                <a:spcPts val="1000"/>
+              </a:spcBef>
+            </a:pPr>
+            <a:r>
+              <a:rPr lang="fa-IR" u="sng" dirty="0">
                 <a:solidFill>
                   <a:srgbClr val="C00000"/>
                 </a:solidFill>
+                <a:ea typeface="+mn-ea"/>
                 <a:cs typeface="B Nazanin" panose="00000400000000000000" pitchFamily="2" charset="-78"/>
               </a:rPr>
-              <a:t>جمع بندي </a:t>
-            </a:r>
-            <a:endParaRPr lang="en-US" u="sng" dirty="0">
-              <a:solidFill>
-                <a:srgbClr val="C00000"/>
-              </a:solidFill>
+              <a:t>نكات ضرروري راجب استفاده از الگوي معماري رويداد محور </a:t>
+            </a:r>
+            <a:r>
+              <a:rPr lang="fa-IR" sz="2400" dirty="0">
+                <a:solidFill>
+                  <a:prstClr val="black">
+                    <a:lumMod val="75000"/>
+                    <a:lumOff val="25000"/>
+                  </a:prstClr>
+                </a:solidFill>
+                <a:ea typeface="+mn-ea"/>
+                <a:cs typeface="B Nazanin" panose="00000400000000000000" pitchFamily="2" charset="-78"/>
+              </a:rPr>
+              <a:t/>
+            </a:r>
+            <a:br>
+              <a:rPr lang="fa-IR" sz="2400" dirty="0">
+                <a:solidFill>
+                  <a:prstClr val="black">
+                    <a:lumMod val="75000"/>
+                    <a:lumOff val="25000"/>
+                  </a:prstClr>
+                </a:solidFill>
+                <a:ea typeface="+mn-ea"/>
+                <a:cs typeface="B Nazanin" panose="00000400000000000000" pitchFamily="2" charset="-78"/>
+              </a:rPr>
+            </a:br>
+            <a:endParaRPr lang="en-US" dirty="0">
               <a:cs typeface="B Nazanin" panose="00000400000000000000" pitchFamily="2" charset="-78"/>
             </a:endParaRPr>
           </a:p>
@@ -9621,7 +9622,7 @@
     </p:spTree>
     <p:extLst>
       <p:ext uri="{BB962C8B-B14F-4D97-AF65-F5344CB8AC3E}">
-        <p14:creationId xmlns:p14="http://schemas.microsoft.com/office/powerpoint/2010/main" val="3418445611"/>
+        <p14:creationId xmlns:p14="http://schemas.microsoft.com/office/powerpoint/2010/main" val="4067526682"/>
       </p:ext>
     </p:extLst>
   </p:cSld>
@@ -9670,6 +9671,142 @@
           <a:bodyPr/>
           <a:lstStyle/>
           <a:p>
+            <a:pPr algn="ctr" rtl="1"/>
+            <a:r>
+              <a:rPr lang="fa-IR" u="sng" dirty="0" smtClean="0">
+                <a:solidFill>
+                  <a:srgbClr val="C00000"/>
+                </a:solidFill>
+                <a:cs typeface="B Nazanin" panose="00000400000000000000" pitchFamily="2" charset="-78"/>
+              </a:rPr>
+              <a:t>جمع بندي </a:t>
+            </a:r>
+            <a:endParaRPr lang="en-US" u="sng" dirty="0">
+              <a:solidFill>
+                <a:srgbClr val="C00000"/>
+              </a:solidFill>
+              <a:cs typeface="B Nazanin" panose="00000400000000000000" pitchFamily="2" charset="-78"/>
+            </a:endParaRPr>
+          </a:p>
+        </p:txBody>
+      </p:sp>
+      <p:sp>
+        <p:nvSpPr>
+          <p:cNvPr id="3" name="Content Placeholder 2"/>
+          <p:cNvSpPr>
+            <a:spLocks noGrp="1"/>
+          </p:cNvSpPr>
+          <p:nvPr>
+            <p:ph idx="1"/>
+          </p:nvPr>
+        </p:nvSpPr>
+        <p:spPr/>
+        <p:txBody>
+          <a:bodyPr/>
+          <a:lstStyle/>
+          <a:p>
+            <a:endParaRPr lang="en-US"/>
+          </a:p>
+        </p:txBody>
+      </p:sp>
+      <p:sp>
+        <p:nvSpPr>
+          <p:cNvPr id="4" name="Date Placeholder 3"/>
+          <p:cNvSpPr>
+            <a:spLocks noGrp="1"/>
+          </p:cNvSpPr>
+          <p:nvPr>
+            <p:ph type="dt" sz="half" idx="10"/>
+          </p:nvPr>
+        </p:nvSpPr>
+        <p:spPr/>
+        <p:txBody>
+          <a:bodyPr/>
+          <a:lstStyle/>
+          <a:p>
+            <a:fld id="{C2DB2716-ABCB-47E4-A5E7-31908A35B483}" type="uaqdatetime1">
+              <a:rPr lang="fa-IR" smtClean="0"/>
+              <a:t>20/05/1443</a:t>
+            </a:fld>
+            <a:endParaRPr lang="en-US"/>
+          </a:p>
+        </p:txBody>
+      </p:sp>
+      <p:sp>
+        <p:nvSpPr>
+          <p:cNvPr id="5" name="Slide Number Placeholder 4"/>
+          <p:cNvSpPr>
+            <a:spLocks noGrp="1"/>
+          </p:cNvSpPr>
+          <p:nvPr>
+            <p:ph type="sldNum" sz="quarter" idx="12"/>
+          </p:nvPr>
+        </p:nvSpPr>
+        <p:spPr/>
+        <p:txBody>
+          <a:bodyPr/>
+          <a:lstStyle/>
+          <a:p>
+            <a:fld id="{4BC6469D-48EF-44E1-BF07-A9CE4893D6D6}" type="slidenum">
+              <a:rPr lang="en-US" smtClean="0"/>
+              <a:t>12</a:t>
+            </a:fld>
+            <a:endParaRPr lang="en-US"/>
+          </a:p>
+        </p:txBody>
+      </p:sp>
+    </p:spTree>
+    <p:extLst>
+      <p:ext uri="{BB962C8B-B14F-4D97-AF65-F5344CB8AC3E}">
+        <p14:creationId xmlns:p14="http://schemas.microsoft.com/office/powerpoint/2010/main" val="3418445611"/>
+      </p:ext>
+    </p:extLst>
+  </p:cSld>
+  <p:clrMapOvr>
+    <a:masterClrMapping/>
+  </p:clrMapOvr>
+  <p:timing>
+    <p:tnLst>
+      <p:par>
+        <p:cTn id="1" dur="indefinite" restart="never" nodeType="tmRoot"/>
+      </p:par>
+    </p:tnLst>
+  </p:timing>
+</p:sld>
+</file>
+
+<file path=ppt/slides/slide13.xml><?xml version="1.0" encoding="utf-8"?>
+<p:sld xmlns:a="http://schemas.openxmlformats.org/drawingml/2006/main" xmlns:r="http://schemas.openxmlformats.org/officeDocument/2006/relationships" xmlns:p="http://schemas.openxmlformats.org/presentationml/2006/main">
+  <p:cSld>
+    <p:spTree>
+      <p:nvGrpSpPr>
+        <p:cNvPr id="1" name=""/>
+        <p:cNvGrpSpPr/>
+        <p:nvPr/>
+      </p:nvGrpSpPr>
+      <p:grpSpPr>
+        <a:xfrm>
+          <a:off x="0" y="0"/>
+          <a:ext cx="0" cy="0"/>
+          <a:chOff x="0" y="0"/>
+          <a:chExt cx="0" cy="0"/>
+        </a:xfrm>
+      </p:grpSpPr>
+      <p:sp>
+        <p:nvSpPr>
+          <p:cNvPr id="2" name="Title 1"/>
+          <p:cNvSpPr>
+            <a:spLocks noGrp="1"/>
+          </p:cNvSpPr>
+          <p:nvPr>
+            <p:ph type="title"/>
+          </p:nvPr>
+        </p:nvSpPr>
+        <p:spPr/>
+        <p:txBody>
+          <a:bodyPr/>
+          <a:lstStyle/>
+          <a:p>
             <a:pPr algn="ctr"/>
             <a:r>
               <a:rPr lang="fa-IR" u="sng" dirty="0" smtClean="0">
@@ -9748,7 +9885,7 @@
           <a:p>
             <a:fld id="{4BC6469D-48EF-44E1-BF07-A9CE4893D6D6}" type="slidenum">
               <a:rPr lang="en-US" smtClean="0"/>
-              <a:t>12</a:t>
+              <a:t>13</a:t>
             </a:fld>
             <a:endParaRPr lang="en-US"/>
           </a:p>
@@ -9937,14 +10074,11 @@
               <a:buChar char="§"/>
             </a:pPr>
             <a:r>
-              <a:rPr lang="fa-IR" sz="2400" smtClean="0">
+              <a:rPr lang="fa-IR" sz="2400" dirty="0" smtClean="0">
                 <a:cs typeface="B Nazanin" panose="00000400000000000000" pitchFamily="2" charset="-78"/>
               </a:rPr>
               <a:t>تحليل الگوي معماري رويداد محور  </a:t>
             </a:r>
-            <a:endParaRPr lang="fa-IR" sz="2400" dirty="0" smtClean="0">
-              <a:cs typeface="B Nazanin" panose="00000400000000000000" pitchFamily="2" charset="-78"/>
-            </a:endParaRPr>
           </a:p>
           <a:p>
             <a:pPr algn="r" rtl="1">
@@ -10289,16 +10423,7 @@
                 </a:solidFill>
                 <a:cs typeface="B Nazanin" panose="00000400000000000000" pitchFamily="2" charset="-78"/>
               </a:rPr>
-              <a:t>تعريف الگوي معماري رويداد محور</a:t>
-            </a:r>
-            <a:r>
-              <a:rPr lang="fa-IR" dirty="0" smtClean="0">
-                <a:solidFill>
-                  <a:srgbClr val="C00000"/>
-                </a:solidFill>
-                <a:cs typeface="B Nazanin" panose="00000400000000000000" pitchFamily="2" charset="-78"/>
-              </a:rPr>
-              <a:t> </a:t>
+              <a:t>شناخت الگوي معماري رويداد محور </a:t>
             </a:r>
             <a:endParaRPr lang="en-US" dirty="0">
               <a:solidFill>
@@ -10319,9 +10444,16 @@
             <p:ph idx="1"/>
           </p:nvPr>
         </p:nvSpPr>
-        <p:spPr/>
-        <p:txBody>
-          <a:bodyPr/>
+        <p:spPr>
+          <a:xfrm>
+            <a:off x="677334" y="1865025"/>
+            <a:ext cx="8596668" cy="3880773"/>
+          </a:xfrm>
+        </p:spPr>
+        <p:txBody>
+          <a:bodyPr>
+            <a:normAutofit/>
+          </a:bodyPr>
           <a:lstStyle/>
           <a:p>
             <a:pPr algn="r" rtl="1">
@@ -10329,12 +10461,52 @@
               <a:buChar char="§"/>
             </a:pPr>
             <a:r>
-              <a:rPr lang="fa-IR" dirty="0" smtClean="0">
+              <a:rPr lang="fa-IR" sz="2400" dirty="0" smtClean="0">
                 <a:solidFill>
                   <a:srgbClr val="C00000"/>
                 </a:solidFill>
+                <a:cs typeface="B Nazanin" panose="00000400000000000000" pitchFamily="2" charset="-78"/>
               </a:rPr>
-              <a:t>تعريف اول </a:t>
+              <a:t>الگوي معماري رويداد محور </a:t>
+            </a:r>
+            <a:r>
+              <a:rPr lang="fa-IR" sz="2400" dirty="0" smtClean="0">
+                <a:cs typeface="B Nazanin" panose="00000400000000000000" pitchFamily="2" charset="-78"/>
+              </a:rPr>
+              <a:t>يك الگوي معماري </a:t>
+            </a:r>
+            <a:r>
+              <a:rPr lang="fa-IR" sz="2400" dirty="0" smtClean="0">
+                <a:solidFill>
+                  <a:srgbClr val="C00000"/>
+                </a:solidFill>
+                <a:cs typeface="B Nazanin" panose="00000400000000000000" pitchFamily="2" charset="-78"/>
+              </a:rPr>
+              <a:t>ناهمزمان</a:t>
+            </a:r>
+            <a:r>
+              <a:rPr lang="fa-IR" sz="2400" dirty="0" smtClean="0">
+                <a:cs typeface="B Nazanin" panose="00000400000000000000" pitchFamily="2" charset="-78"/>
+              </a:rPr>
+              <a:t> </a:t>
+            </a:r>
+            <a:r>
+              <a:rPr lang="fa-IR" sz="2400" dirty="0" smtClean="0">
+                <a:solidFill>
+                  <a:srgbClr val="C00000"/>
+                </a:solidFill>
+                <a:cs typeface="B Nazanin" panose="00000400000000000000" pitchFamily="2" charset="-78"/>
+              </a:rPr>
+              <a:t>توزيع شده  </a:t>
+            </a:r>
+            <a:r>
+              <a:rPr lang="fa-IR" sz="2400" dirty="0" smtClean="0">
+                <a:solidFill>
+                  <a:schemeClr val="tx1"/>
+                </a:solidFill>
+                <a:cs typeface="B Nazanin" panose="00000400000000000000" pitchFamily="2" charset="-78"/>
+              </a:rPr>
+              <a:t>است .</a:t>
             </a:r>
           </a:p>
           <a:p>
@@ -10343,13 +10515,110 @@
               <a:buChar char="§"/>
             </a:pPr>
             <a:r>
-              <a:rPr lang="fa-IR" dirty="0" smtClean="0">
+              <a:rPr lang="fa-IR" sz="2400" dirty="0" smtClean="0">
+                <a:solidFill>
+                  <a:schemeClr val="tx1"/>
+                </a:solidFill>
+                <a:cs typeface="B Nazanin" panose="00000400000000000000" pitchFamily="2" charset="-78"/>
+              </a:rPr>
+              <a:t>از محبوبيت بالايي برخوردار است و داراي </a:t>
+            </a:r>
+            <a:r>
+              <a:rPr lang="fa-IR" sz="2400" dirty="0" smtClean="0">
                 <a:solidFill>
                   <a:srgbClr val="C00000"/>
                 </a:solidFill>
+                <a:cs typeface="B Nazanin" panose="00000400000000000000" pitchFamily="2" charset="-78"/>
               </a:rPr>
-              <a:t>تعريف دوم</a:t>
-            </a:r>
+              <a:t>قابليت سازگاري </a:t>
+            </a:r>
+            <a:r>
+              <a:rPr lang="fa-IR" sz="2400" dirty="0" smtClean="0">
+                <a:solidFill>
+                  <a:schemeClr val="tx1"/>
+                </a:solidFill>
+                <a:cs typeface="B Nazanin" panose="00000400000000000000" pitchFamily="2" charset="-78"/>
+              </a:rPr>
+              <a:t>بالايي است .</a:t>
+            </a:r>
+          </a:p>
+          <a:p>
+            <a:pPr algn="r" rtl="1">
+              <a:buFont typeface="Wingdings" panose="05000000000000000000" pitchFamily="2" charset="2"/>
+              <a:buChar char="§"/>
+            </a:pPr>
+            <a:r>
+              <a:rPr lang="fa-IR" sz="2400" dirty="0" smtClean="0">
+                <a:solidFill>
+                  <a:schemeClr val="tx1"/>
+                </a:solidFill>
+                <a:cs typeface="B Nazanin" panose="00000400000000000000" pitchFamily="2" charset="-78"/>
+              </a:rPr>
+              <a:t>به خوبي براي نرم افزار هاي كوچك و همچنين نرم افزار‌هاي بسيار بزرگ و پيچيده استفاده مي‌شود.</a:t>
+            </a:r>
+          </a:p>
+          <a:p>
+            <a:pPr algn="r" rtl="1">
+              <a:buFont typeface="Wingdings" panose="05000000000000000000" pitchFamily="2" charset="2"/>
+              <a:buChar char="§"/>
+            </a:pPr>
+            <a:r>
+              <a:rPr lang="fa-IR" sz="2400" dirty="0" smtClean="0">
+                <a:solidFill>
+                  <a:schemeClr val="tx1"/>
+                </a:solidFill>
+                <a:cs typeface="B Nazanin" panose="00000400000000000000" pitchFamily="2" charset="-78"/>
+              </a:rPr>
+              <a:t>معماري رويداد محور از اجزاي </a:t>
+            </a:r>
+            <a:r>
+              <a:rPr lang="fa-IR" sz="2400" dirty="0" smtClean="0">
+                <a:solidFill>
+                  <a:srgbClr val="C00000"/>
+                </a:solidFill>
+                <a:cs typeface="B Nazanin" panose="00000400000000000000" pitchFamily="2" charset="-78"/>
+              </a:rPr>
+              <a:t>پردازش رويداد جداشده </a:t>
+            </a:r>
+            <a:r>
+              <a:rPr lang="fa-IR" sz="2400" dirty="0" smtClean="0">
+                <a:solidFill>
+                  <a:schemeClr val="tx1"/>
+                </a:solidFill>
+                <a:cs typeface="B Nazanin" panose="00000400000000000000" pitchFamily="2" charset="-78"/>
+              </a:rPr>
+              <a:t>و تك منظوره تشكيل شده است كه فرآيند ها را به طور </a:t>
+            </a:r>
+            <a:r>
+              <a:rPr lang="fa-IR" sz="2400" dirty="0" smtClean="0">
+                <a:solidFill>
+                  <a:srgbClr val="C00000"/>
+                </a:solidFill>
+                <a:cs typeface="B Nazanin" panose="00000400000000000000" pitchFamily="2" charset="-78"/>
+              </a:rPr>
+              <a:t>ناهمزمان</a:t>
+            </a:r>
+            <a:r>
+              <a:rPr lang="fa-IR" sz="2400" dirty="0" smtClean="0">
+                <a:solidFill>
+                  <a:schemeClr val="tx1"/>
+                </a:solidFill>
+                <a:cs typeface="B Nazanin" panose="00000400000000000000" pitchFamily="2" charset="-78"/>
+              </a:rPr>
+              <a:t> دريافت و پردازش مي‌كنند.</a:t>
+            </a:r>
+            <a:endParaRPr lang="en-US" sz="2400" dirty="0" smtClean="0">
+              <a:solidFill>
+                <a:srgbClr val="C00000"/>
+              </a:solidFill>
+              <a:cs typeface="B Nazanin" panose="00000400000000000000" pitchFamily="2" charset="-78"/>
+            </a:endParaRPr>
+          </a:p>
+          <a:p>
+            <a:pPr algn="r" rtl="1">
+              <a:buFont typeface="Wingdings" panose="05000000000000000000" pitchFamily="2" charset="2"/>
+              <a:buChar char="§"/>
+            </a:pPr>
             <a:endParaRPr lang="en-US" dirty="0">
               <a:solidFill>
                 <a:srgbClr val="C00000"/>
@@ -10375,7 +10644,7 @@
           <a:p>
             <a:fld id="{97B56645-9C37-419D-86C0-AA05FDDD1398}" type="uaqdatetime1">
               <a:rPr lang="fa-IR" smtClean="0"/>
-              <a:t>20/05/1443</a:t>
+              <a:t>21/05/1443</a:t>
             </a:fld>
             <a:endParaRPr lang="en-US"/>
           </a:p>
@@ -10487,10 +10756,134 @@
         </p:nvSpPr>
         <p:spPr/>
         <p:txBody>
-          <a:bodyPr/>
-          <a:lstStyle/>
-          <a:p>
-            <a:endParaRPr lang="en-US"/>
+          <a:bodyPr>
+            <a:normAutofit/>
+          </a:bodyPr>
+          <a:lstStyle/>
+          <a:p>
+            <a:pPr marL="0" marR="0" algn="just" rtl="1">
+              <a:lnSpc>
+                <a:spcPct val="150000"/>
+              </a:lnSpc>
+              <a:spcBef>
+                <a:spcPts val="600"/>
+              </a:spcBef>
+              <a:spcAft>
+                <a:spcPts val="600"/>
+              </a:spcAft>
+            </a:pPr>
+            <a:r>
+              <a:rPr lang="fa-IR" sz="2000" dirty="0" smtClean="0">
+                <a:latin typeface="B Nazanin" panose="00000400000000000000" pitchFamily="2" charset="-78"/>
+                <a:ea typeface="Calibri" panose="020F0502020204030204" pitchFamily="34" charset="0"/>
+                <a:cs typeface="B Nazanin" panose="00000400000000000000" pitchFamily="2" charset="-78"/>
+              </a:rPr>
+              <a:t>يك رويداد هر رخداد قابل توجه يا تغيير دروضعيت براي سيستم سخت‌افزاري يا نرم‌افزاري است . </a:t>
+            </a:r>
+          </a:p>
+          <a:p>
+            <a:pPr marL="0" marR="0" algn="just" rtl="1">
+              <a:lnSpc>
+                <a:spcPct val="150000"/>
+              </a:lnSpc>
+              <a:spcBef>
+                <a:spcPts val="600"/>
+              </a:spcBef>
+              <a:spcAft>
+                <a:spcPts val="600"/>
+              </a:spcAft>
+            </a:pPr>
+            <a:r>
+              <a:rPr lang="fa-IR" sz="2000" dirty="0" smtClean="0">
+                <a:latin typeface="B Nazanin" panose="00000400000000000000" pitchFamily="2" charset="-78"/>
+                <a:ea typeface="Calibri" panose="020F0502020204030204" pitchFamily="34" charset="0"/>
+                <a:cs typeface="B Nazanin" panose="00000400000000000000" pitchFamily="2" charset="-78"/>
+              </a:rPr>
+              <a:t>منبع يك رويداد مي‌تواند ناشي از ورودي هاي خارجي يا داخلي باشد .</a:t>
+            </a:r>
+          </a:p>
+          <a:p>
+            <a:pPr marL="0" marR="0" algn="just" rtl="1">
+              <a:lnSpc>
+                <a:spcPct val="150000"/>
+              </a:lnSpc>
+              <a:spcBef>
+                <a:spcPts val="600"/>
+              </a:spcBef>
+              <a:spcAft>
+                <a:spcPts val="600"/>
+              </a:spcAft>
+            </a:pPr>
+            <a:r>
+              <a:rPr lang="fa-IR" sz="2000" dirty="0" smtClean="0">
+                <a:latin typeface="B Nazanin" panose="00000400000000000000" pitchFamily="2" charset="-78"/>
+                <a:ea typeface="Calibri" panose="020F0502020204030204" pitchFamily="34" charset="0"/>
+                <a:cs typeface="B Nazanin" panose="00000400000000000000" pitchFamily="2" charset="-78"/>
+              </a:rPr>
+              <a:t>رويداد مي‌تواند توسط يك كاربر به وجود آيد ،براي مثال مي‌تواند يك كليك موس يا كيبورد باشد . </a:t>
+            </a:r>
+          </a:p>
+          <a:p>
+            <a:pPr marL="0" marR="0" algn="just" rtl="1">
+              <a:lnSpc>
+                <a:spcPct val="150000"/>
+              </a:lnSpc>
+              <a:spcBef>
+                <a:spcPts val="600"/>
+              </a:spcBef>
+              <a:spcAft>
+                <a:spcPts val="600"/>
+              </a:spcAft>
+            </a:pPr>
+            <a:r>
+              <a:rPr lang="fa-IR" sz="2000" dirty="0" smtClean="0">
+                <a:latin typeface="B Nazanin" panose="00000400000000000000" pitchFamily="2" charset="-78"/>
+                <a:ea typeface="Calibri" panose="020F0502020204030204" pitchFamily="34" charset="0"/>
+                <a:cs typeface="B Nazanin" panose="00000400000000000000" pitchFamily="2" charset="-78"/>
+              </a:rPr>
+              <a:t>يا توسط يك منبع خارجي مانند سنسور خارجي يا از داخل سيستم باشد مانند لود شدن يك برنامه .</a:t>
+            </a:r>
+          </a:p>
+          <a:p>
+            <a:pPr marL="0" marR="0" algn="just" rtl="1">
+              <a:lnSpc>
+                <a:spcPct val="150000"/>
+              </a:lnSpc>
+              <a:spcBef>
+                <a:spcPts val="600"/>
+              </a:spcBef>
+              <a:spcAft>
+                <a:spcPts val="600"/>
+              </a:spcAft>
+            </a:pPr>
+            <a:endParaRPr lang="fa-IR" dirty="0">
+              <a:latin typeface="B Nazanin" panose="00000400000000000000" pitchFamily="2" charset="-78"/>
+              <a:ea typeface="Calibri" panose="020F0502020204030204" pitchFamily="34" charset="0"/>
+              <a:cs typeface="B Nazanin" panose="00000400000000000000" pitchFamily="2" charset="-78"/>
+            </a:endParaRPr>
+          </a:p>
+          <a:p>
+            <a:pPr marL="0" marR="0" indent="0" algn="just" rtl="1">
+              <a:lnSpc>
+                <a:spcPct val="150000"/>
+              </a:lnSpc>
+              <a:spcBef>
+                <a:spcPts val="600"/>
+              </a:spcBef>
+              <a:spcAft>
+                <a:spcPts val="600"/>
+              </a:spcAft>
+              <a:buNone/>
+            </a:pPr>
+            <a:r>
+              <a:rPr lang="fa-IR" dirty="0" smtClean="0">
+                <a:latin typeface="B Nazanin" panose="00000400000000000000" pitchFamily="2" charset="-78"/>
+                <a:ea typeface="Calibri" panose="020F0502020204030204" pitchFamily="34" charset="0"/>
+                <a:cs typeface="B Nazanin" panose="00000400000000000000" pitchFamily="2" charset="-78"/>
+              </a:rPr>
+              <a:t>.</a:t>
+            </a:r>
+            <a:endParaRPr lang="en-US" dirty="0"/>
           </a:p>
         </p:txBody>
       </p:sp>
@@ -10511,7 +10904,7 @@
           <a:p>
             <a:fld id="{99F17209-2804-43DE-A57B-2B84D7B02C1B}" type="uaqdatetime1">
               <a:rPr lang="fa-IR" smtClean="0"/>
-              <a:t>20/05/1443</a:t>
+              <a:t>21/05/1443</a:t>
             </a:fld>
             <a:endParaRPr lang="en-US"/>
           </a:p>

--- a/پاورپوينت معماري.pptx
+++ b/پاورپوينت معماري.pptx
@@ -6,7 +6,7 @@
     <p:sldMasterId id="2147483714" r:id="rId2"/>
   </p:sldMasterIdLst>
   <p:notesMasterIdLst>
-    <p:notesMasterId r:id="rId16"/>
+    <p:notesMasterId r:id="rId18"/>
   </p:notesMasterIdLst>
   <p:sldIdLst>
     <p:sldId id="256" r:id="rId3"/>
@@ -15,13 +15,15 @@
     <p:sldId id="259" r:id="rId6"/>
     <p:sldId id="260" r:id="rId7"/>
     <p:sldId id="261" r:id="rId8"/>
-    <p:sldId id="262" r:id="rId9"/>
-    <p:sldId id="263" r:id="rId10"/>
-    <p:sldId id="264" r:id="rId11"/>
-    <p:sldId id="268" r:id="rId12"/>
-    <p:sldId id="265" r:id="rId13"/>
-    <p:sldId id="266" r:id="rId14"/>
-    <p:sldId id="267" r:id="rId15"/>
+    <p:sldId id="269" r:id="rId9"/>
+    <p:sldId id="270" r:id="rId10"/>
+    <p:sldId id="262" r:id="rId11"/>
+    <p:sldId id="263" r:id="rId12"/>
+    <p:sldId id="264" r:id="rId13"/>
+    <p:sldId id="268" r:id="rId14"/>
+    <p:sldId id="265" r:id="rId15"/>
+    <p:sldId id="266" r:id="rId16"/>
+    <p:sldId id="267" r:id="rId17"/>
   </p:sldIdLst>
   <p:sldSz cx="12192000" cy="6858000"/>
   <p:notesSz cx="6858000" cy="9144000"/>
@@ -120,6 +122,11 @@
       </a:defRPr>
     </a:lvl9pPr>
   </p:defaultTextStyle>
+  <p:extLst>
+    <p:ext uri="{EFAFB233-063F-42B5-8137-9DF3F51BA10A}">
+      <p15:sldGuideLst xmlns:p15="http://schemas.microsoft.com/office/powerpoint/2012/main"/>
+    </p:ext>
+  </p:extLst>
 </p:presentation>
 </file>
 
@@ -205,7 +212,7 @@
           <a:p>
             <a:fld id="{99A79AD5-89C0-4010-833A-1389C66235E8}" type="datetimeFigureOut">
               <a:rPr lang="en-US" smtClean="0"/>
-              <a:t>12/24/2021</a:t>
+              <a:t>12/25/2021</a:t>
             </a:fld>
             <a:endParaRPr lang="en-US"/>
           </a:p>
@@ -604,7 +611,7 @@
           <a:p>
             <a:fld id="{368C5E72-8645-4A1C-ABEF-CB6D5603A07D}" type="uaqdatetime1">
               <a:rPr lang="fa-IR" smtClean="0"/>
-              <a:t>20/05/1443</a:t>
+              <a:t>21/05/1443</a:t>
             </a:fld>
             <a:endParaRPr lang="en-US"/>
           </a:p>
@@ -774,7 +781,7 @@
           <a:p>
             <a:fld id="{FEE89845-ACCD-4029-B63C-55DACAC9F8A6}" type="uaqdatetime1">
               <a:rPr lang="fa-IR" smtClean="0"/>
-              <a:t>20/05/1443</a:t>
+              <a:t>21/05/1443</a:t>
             </a:fld>
             <a:endParaRPr lang="en-US"/>
           </a:p>
@@ -954,7 +961,7 @@
           <a:p>
             <a:fld id="{BFDBF3F9-34DA-49D7-B5B9-BF4380A179B7}" type="uaqdatetime1">
               <a:rPr lang="fa-IR" smtClean="0"/>
-              <a:t>20/05/1443</a:t>
+              <a:t>21/05/1443</a:t>
             </a:fld>
             <a:endParaRPr lang="en-US"/>
           </a:p>
@@ -1737,7 +1744,7 @@
           <a:p>
             <a:fld id="{F10BAB51-C249-4008-BDCF-2CF4A269A7AF}" type="uaqdatetime1">
               <a:rPr lang="fa-IR" smtClean="0"/>
-              <a:t>20/05/1443</a:t>
+              <a:t>21/05/1443</a:t>
             </a:fld>
             <a:endParaRPr lang="en-US"/>
           </a:p>
@@ -1913,7 +1920,7 @@
           <a:p>
             <a:fld id="{C2DB2716-ABCB-47E4-A5E7-31908A35B483}" type="uaqdatetime1">
               <a:rPr lang="fa-IR" smtClean="0"/>
-              <a:t>20/05/1443</a:t>
+              <a:t>21/05/1443</a:t>
             </a:fld>
             <a:endParaRPr lang="en-US"/>
           </a:p>
@@ -2160,7 +2167,7 @@
           <a:p>
             <a:fld id="{C622DE71-A244-4B76-AC9B-8BEBDCFBF113}" type="uaqdatetime1">
               <a:rPr lang="fa-IR" smtClean="0"/>
-              <a:t>20/05/1443</a:t>
+              <a:t>21/05/1443</a:t>
             </a:fld>
             <a:endParaRPr lang="en-US"/>
           </a:p>
@@ -2392,7 +2399,7 @@
           <a:p>
             <a:fld id="{63063A94-4B19-4715-A6F5-BC5271064D5F}" type="uaqdatetime1">
               <a:rPr lang="fa-IR" smtClean="0"/>
-              <a:t>20/05/1443</a:t>
+              <a:t>21/05/1443</a:t>
             </a:fld>
             <a:endParaRPr lang="en-US"/>
           </a:p>
@@ -2766,7 +2773,7 @@
           <a:p>
             <a:fld id="{A200B10F-126C-4BD9-9680-253A992077D9}" type="uaqdatetime1">
               <a:rPr lang="fa-IR" smtClean="0"/>
-              <a:t>20/05/1443</a:t>
+              <a:t>21/05/1443</a:t>
             </a:fld>
             <a:endParaRPr lang="en-US"/>
           </a:p>
@@ -2889,7 +2896,7 @@
           <a:p>
             <a:fld id="{9615CACD-4514-494C-8EDE-79AC6EEC06C2}" type="uaqdatetime1">
               <a:rPr lang="fa-IR" smtClean="0"/>
-              <a:t>20/05/1443</a:t>
+              <a:t>21/05/1443</a:t>
             </a:fld>
             <a:endParaRPr lang="en-US"/>
           </a:p>
@@ -2984,7 +2991,7 @@
           <a:p>
             <a:fld id="{F3F06863-F7DF-4F8C-AE42-C2F4086E416F}" type="uaqdatetime1">
               <a:rPr lang="fa-IR" smtClean="0"/>
-              <a:t>20/05/1443</a:t>
+              <a:t>21/05/1443</a:t>
             </a:fld>
             <a:endParaRPr lang="en-US"/>
           </a:p>
@@ -3239,7 +3246,7 @@
           <a:p>
             <a:fld id="{D2CE04D5-4FBF-4FC1-9F14-41E071A94D47}" type="uaqdatetime1">
               <a:rPr lang="fa-IR" smtClean="0"/>
-              <a:t>20/05/1443</a:t>
+              <a:t>21/05/1443</a:t>
             </a:fld>
             <a:endParaRPr lang="en-US"/>
           </a:p>
@@ -3409,7 +3416,7 @@
           <a:p>
             <a:fld id="{508AADD2-40D1-402F-9823-C486C22D7A8F}" type="uaqdatetime1">
               <a:rPr lang="fa-IR" smtClean="0"/>
-              <a:t>20/05/1443</a:t>
+              <a:t>21/05/1443</a:t>
             </a:fld>
             <a:endParaRPr lang="en-US"/>
           </a:p>
@@ -3672,7 +3679,7 @@
           <a:p>
             <a:fld id="{2C337B5C-D2EF-4024-89A5-854290C04778}" type="uaqdatetime1">
               <a:rPr lang="fa-IR" smtClean="0"/>
-              <a:t>20/05/1443</a:t>
+              <a:t>21/05/1443</a:t>
             </a:fld>
             <a:endParaRPr lang="en-US"/>
           </a:p>
@@ -3923,7 +3930,7 @@
           <a:p>
             <a:fld id="{0083D68B-0458-4622-8439-EF1CD618009C}" type="uaqdatetime1">
               <a:rPr lang="fa-IR" smtClean="0"/>
-              <a:t>20/05/1443</a:t>
+              <a:t>21/05/1443</a:t>
             </a:fld>
             <a:endParaRPr lang="en-US"/>
           </a:p>
@@ -4238,7 +4245,7 @@
           <a:p>
             <a:fld id="{0083D68B-0458-4622-8439-EF1CD618009C}" type="uaqdatetime1">
               <a:rPr lang="fa-IR" smtClean="0"/>
-              <a:t>20/05/1443</a:t>
+              <a:t>21/05/1443</a:t>
             </a:fld>
             <a:endParaRPr lang="en-US"/>
           </a:p>
@@ -4580,7 +4587,7 @@
           <a:p>
             <a:fld id="{0083D68B-0458-4622-8439-EF1CD618009C}" type="uaqdatetime1">
               <a:rPr lang="fa-IR" smtClean="0"/>
-              <a:t>20/05/1443</a:t>
+              <a:t>21/05/1443</a:t>
             </a:fld>
             <a:endParaRPr lang="en-US"/>
           </a:p>
@@ -4895,7 +4902,7 @@
           <a:p>
             <a:fld id="{0083D68B-0458-4622-8439-EF1CD618009C}" type="uaqdatetime1">
               <a:rPr lang="fa-IR" smtClean="0"/>
-              <a:t>20/05/1443</a:t>
+              <a:t>21/05/1443</a:t>
             </a:fld>
             <a:endParaRPr lang="en-US"/>
           </a:p>
@@ -5289,7 +5296,7 @@
           <a:p>
             <a:fld id="{0083D68B-0458-4622-8439-EF1CD618009C}" type="uaqdatetime1">
               <a:rPr lang="fa-IR" smtClean="0"/>
-              <a:t>20/05/1443</a:t>
+              <a:t>21/05/1443</a:t>
             </a:fld>
             <a:endParaRPr lang="en-US"/>
           </a:p>
@@ -5460,7 +5467,7 @@
           <a:p>
             <a:fld id="{4F5917E5-01AE-43F6-BF61-636EE6DB08D0}" type="uaqdatetime1">
               <a:rPr lang="fa-IR" smtClean="0"/>
-              <a:t>20/05/1443</a:t>
+              <a:t>21/05/1443</a:t>
             </a:fld>
             <a:endParaRPr lang="en-US"/>
           </a:p>
@@ -5640,7 +5647,7 @@
           <a:p>
             <a:fld id="{328645A7-8A95-4F1F-855E-3EA030BFC41E}" type="uaqdatetime1">
               <a:rPr lang="fa-IR" smtClean="0"/>
-              <a:t>20/05/1443</a:t>
+              <a:t>21/05/1443</a:t>
             </a:fld>
             <a:endParaRPr lang="en-US"/>
           </a:p>
@@ -5886,7 +5893,7 @@
           <a:p>
             <a:fld id="{7402CB9B-D49C-43E8-87FF-3860F10A70AD}" type="uaqdatetime1">
               <a:rPr lang="fa-IR" smtClean="0"/>
-              <a:t>20/05/1443</a:t>
+              <a:t>21/05/1443</a:t>
             </a:fld>
             <a:endParaRPr lang="en-US"/>
           </a:p>
@@ -6118,7 +6125,7 @@
           <a:p>
             <a:fld id="{054213FF-4287-47B0-AEA1-26ED6271FDBD}" type="uaqdatetime1">
               <a:rPr lang="fa-IR" smtClean="0"/>
-              <a:t>20/05/1443</a:t>
+              <a:t>21/05/1443</a:t>
             </a:fld>
             <a:endParaRPr lang="en-US"/>
           </a:p>
@@ -6485,7 +6492,7 @@
           <a:p>
             <a:fld id="{B3E81681-D140-4A7C-AA8D-F6AF5CD222B2}" type="uaqdatetime1">
               <a:rPr lang="fa-IR" smtClean="0"/>
-              <a:t>20/05/1443</a:t>
+              <a:t>21/05/1443</a:t>
             </a:fld>
             <a:endParaRPr lang="en-US"/>
           </a:p>
@@ -6603,7 +6610,7 @@
           <a:p>
             <a:fld id="{A95CEF31-DA62-4E2F-9C89-3307C5A0C734}" type="uaqdatetime1">
               <a:rPr lang="fa-IR" smtClean="0"/>
-              <a:t>20/05/1443</a:t>
+              <a:t>21/05/1443</a:t>
             </a:fld>
             <a:endParaRPr lang="en-US"/>
           </a:p>
@@ -6698,7 +6705,7 @@
           <a:p>
             <a:fld id="{B1B4EA98-43D8-40B0-BB71-087C8B1FD830}" type="uaqdatetime1">
               <a:rPr lang="fa-IR" smtClean="0"/>
-              <a:t>20/05/1443</a:t>
+              <a:t>21/05/1443</a:t>
             </a:fld>
             <a:endParaRPr lang="en-US"/>
           </a:p>
@@ -6975,7 +6982,7 @@
           <a:p>
             <a:fld id="{C1E2536D-405E-4F6F-A4C1-8D3F6F41F560}" type="uaqdatetime1">
               <a:rPr lang="fa-IR" smtClean="0"/>
-              <a:t>20/05/1443</a:t>
+              <a:t>21/05/1443</a:t>
             </a:fld>
             <a:endParaRPr lang="en-US"/>
           </a:p>
@@ -7228,7 +7235,7 @@
           <a:p>
             <a:fld id="{4253EB68-0FB1-41FC-BD4A-2E738737AF01}" type="uaqdatetime1">
               <a:rPr lang="fa-IR" smtClean="0"/>
-              <a:t>20/05/1443</a:t>
+              <a:t>21/05/1443</a:t>
             </a:fld>
             <a:endParaRPr lang="en-US"/>
           </a:p>
@@ -7441,7 +7448,7 @@
           <a:p>
             <a:fld id="{0083D68B-0458-4622-8439-EF1CD618009C}" type="uaqdatetime1">
               <a:rPr lang="fa-IR" smtClean="0"/>
-              <a:t>20/05/1443</a:t>
+              <a:t>21/05/1443</a:t>
             </a:fld>
             <a:endParaRPr lang="en-US"/>
           </a:p>
@@ -8549,7 +8556,7 @@
           <a:p>
             <a:fld id="{0083D68B-0458-4622-8439-EF1CD618009C}" type="uaqdatetime1">
               <a:rPr lang="fa-IR" smtClean="0"/>
-              <a:t>20/05/1443</a:t>
+              <a:t>21/05/1443</a:t>
             </a:fld>
             <a:endParaRPr lang="en-US"/>
           </a:p>
@@ -9261,7 +9268,7 @@
           <a:p>
             <a:fld id="{8C0179CC-04B9-4F54-B86D-A42F84AF298F}" type="uaqdatetime1">
               <a:rPr lang="fa-IR" smtClean="0"/>
-              <a:t>20/05/1443</a:t>
+              <a:t>21/05/1443</a:t>
             </a:fld>
             <a:endParaRPr lang="en-US"/>
           </a:p>
@@ -9380,7 +9387,7 @@
                 </a:solidFill>
                 <a:cs typeface="B Nazanin" panose="00000400000000000000" pitchFamily="2" charset="-78"/>
               </a:rPr>
-              <a:t>تحليل الگوي معماري رويداد محور </a:t>
+              <a:t>مزاياي الگوي معماري رويداد محور </a:t>
             </a:r>
             <a:endParaRPr lang="en-US" u="sng" dirty="0">
               <a:solidFill>
@@ -9459,7 +9466,7 @@
     </p:spTree>
     <p:extLst>
       <p:ext uri="{BB962C8B-B14F-4D97-AF65-F5344CB8AC3E}">
-        <p14:creationId xmlns:p14="http://schemas.microsoft.com/office/powerpoint/2010/main" val="2751533732"/>
+        <p14:creationId xmlns:p14="http://schemas.microsoft.com/office/powerpoint/2010/main" val="3294123311"/>
       </p:ext>
     </p:extLst>
   </p:cSld>
@@ -9508,47 +9515,20 @@
           <a:bodyPr/>
           <a:lstStyle/>
           <a:p>
-            <a:pPr marL="342900" lvl="0" indent="-342900" algn="ctr" rtl="1">
-              <a:spcBef>
-                <a:spcPts val="1000"/>
-              </a:spcBef>
-            </a:pPr>
-            <a:r>
-              <a:rPr lang="fa-IR" u="sng" dirty="0">
+            <a:pPr algn="ctr" rtl="1"/>
+            <a:r>
+              <a:rPr lang="fa-IR" u="sng" dirty="0" smtClean="0">
                 <a:solidFill>
                   <a:srgbClr val="C00000"/>
                 </a:solidFill>
-                <a:ea typeface="+mn-ea"/>
                 <a:cs typeface="B Nazanin" panose="00000400000000000000" pitchFamily="2" charset="-78"/>
               </a:rPr>
-              <a:t>نكات ضرروري راجب استفاده از الگوي معماري رويداد محور </a:t>
-            </a:r>
-            <a:r>
-              <a:rPr lang="fa-IR" sz="2400" dirty="0">
-                <a:solidFill>
-                  <a:prstClr val="black">
-                    <a:lumMod val="75000"/>
-                    <a:lumOff val="25000"/>
-                  </a:prstClr>
-                </a:solidFill>
-                <a:ea typeface="+mn-ea"/>
-                <a:cs typeface="B Nazanin" panose="00000400000000000000" pitchFamily="2" charset="-78"/>
-              </a:rPr>
-              <a:t/>
-            </a:r>
-            <a:br>
-              <a:rPr lang="fa-IR" sz="2400" dirty="0">
-                <a:solidFill>
-                  <a:prstClr val="black">
-                    <a:lumMod val="75000"/>
-                    <a:lumOff val="25000"/>
-                  </a:prstClr>
-                </a:solidFill>
-                <a:ea typeface="+mn-ea"/>
-                <a:cs typeface="B Nazanin" panose="00000400000000000000" pitchFamily="2" charset="-78"/>
-              </a:rPr>
-            </a:br>
-            <a:endParaRPr lang="en-US" dirty="0">
+              <a:t>معايب الگوي معماري رويداد محور</a:t>
+            </a:r>
+            <a:endParaRPr lang="en-US" u="sng" dirty="0">
+              <a:solidFill>
+                <a:srgbClr val="C00000"/>
+              </a:solidFill>
               <a:cs typeface="B Nazanin" panose="00000400000000000000" pitchFamily="2" charset="-78"/>
             </a:endParaRPr>
           </a:p>
@@ -9590,7 +9570,7 @@
           <a:p>
             <a:fld id="{C2DB2716-ABCB-47E4-A5E7-31908A35B483}" type="uaqdatetime1">
               <a:rPr lang="fa-IR" smtClean="0"/>
-              <a:t>20/05/1443</a:t>
+              <a:t>21/05/1443</a:t>
             </a:fld>
             <a:endParaRPr lang="en-US"/>
           </a:p>
@@ -9622,7 +9602,7 @@
     </p:spTree>
     <p:extLst>
       <p:ext uri="{BB962C8B-B14F-4D97-AF65-F5344CB8AC3E}">
-        <p14:creationId xmlns:p14="http://schemas.microsoft.com/office/powerpoint/2010/main" val="4067526682"/>
+        <p14:creationId xmlns:p14="http://schemas.microsoft.com/office/powerpoint/2010/main" val="3232359525"/>
       </p:ext>
     </p:extLst>
   </p:cSld>
@@ -9671,7 +9651,7 @@
           <a:bodyPr/>
           <a:lstStyle/>
           <a:p>
-            <a:pPr algn="ctr" rtl="1"/>
+            <a:pPr algn="ctr"/>
             <a:r>
               <a:rPr lang="fa-IR" u="sng" dirty="0" smtClean="0">
                 <a:solidFill>
@@ -9679,7 +9659,7 @@
                 </a:solidFill>
                 <a:cs typeface="B Nazanin" panose="00000400000000000000" pitchFamily="2" charset="-78"/>
               </a:rPr>
-              <a:t>جمع بندي </a:t>
+              <a:t>تحليل الگوي معماري رويداد محور </a:t>
             </a:r>
             <a:endParaRPr lang="en-US" u="sng" dirty="0">
               <a:solidFill>
@@ -9726,7 +9706,7 @@
           <a:p>
             <a:fld id="{C2DB2716-ABCB-47E4-A5E7-31908A35B483}" type="uaqdatetime1">
               <a:rPr lang="fa-IR" smtClean="0"/>
-              <a:t>20/05/1443</a:t>
+              <a:t>21/05/1443</a:t>
             </a:fld>
             <a:endParaRPr lang="en-US"/>
           </a:p>
@@ -9758,7 +9738,7 @@
     </p:spTree>
     <p:extLst>
       <p:ext uri="{BB962C8B-B14F-4D97-AF65-F5344CB8AC3E}">
-        <p14:creationId xmlns:p14="http://schemas.microsoft.com/office/powerpoint/2010/main" val="3418445611"/>
+        <p14:creationId xmlns:p14="http://schemas.microsoft.com/office/powerpoint/2010/main" val="2751533732"/>
       </p:ext>
     </p:extLst>
   </p:cSld>
@@ -9807,15 +9787,178 @@
           <a:bodyPr/>
           <a:lstStyle/>
           <a:p>
-            <a:pPr algn="ctr"/>
-            <a:r>
-              <a:rPr lang="fa-IR" u="sng" dirty="0" smtClean="0">
+            <a:pPr marL="342900" lvl="0" indent="-342900" algn="ctr" rtl="1">
+              <a:spcBef>
+                <a:spcPts val="1000"/>
+              </a:spcBef>
+            </a:pPr>
+            <a:r>
+              <a:rPr lang="fa-IR" u="sng" dirty="0">
                 <a:solidFill>
                   <a:srgbClr val="C00000"/>
                 </a:solidFill>
+                <a:ea typeface="+mn-ea"/>
                 <a:cs typeface="B Nazanin" panose="00000400000000000000" pitchFamily="2" charset="-78"/>
               </a:rPr>
-              <a:t>مراجع</a:t>
+              <a:t>نكات ضرروري راجب استفاده از الگوي معماري رويداد محور </a:t>
+            </a:r>
+            <a:r>
+              <a:rPr lang="fa-IR" sz="2400" dirty="0">
+                <a:solidFill>
+                  <a:prstClr val="black">
+                    <a:lumMod val="75000"/>
+                    <a:lumOff val="25000"/>
+                  </a:prstClr>
+                </a:solidFill>
+                <a:ea typeface="+mn-ea"/>
+                <a:cs typeface="B Nazanin" panose="00000400000000000000" pitchFamily="2" charset="-78"/>
+              </a:rPr>
+              <a:t/>
+            </a:r>
+            <a:br>
+              <a:rPr lang="fa-IR" sz="2400" dirty="0">
+                <a:solidFill>
+                  <a:prstClr val="black">
+                    <a:lumMod val="75000"/>
+                    <a:lumOff val="25000"/>
+                  </a:prstClr>
+                </a:solidFill>
+                <a:ea typeface="+mn-ea"/>
+                <a:cs typeface="B Nazanin" panose="00000400000000000000" pitchFamily="2" charset="-78"/>
+              </a:rPr>
+            </a:br>
+            <a:endParaRPr lang="en-US" dirty="0">
+              <a:cs typeface="B Nazanin" panose="00000400000000000000" pitchFamily="2" charset="-78"/>
+            </a:endParaRPr>
+          </a:p>
+        </p:txBody>
+      </p:sp>
+      <p:sp>
+        <p:nvSpPr>
+          <p:cNvPr id="3" name="Content Placeholder 2"/>
+          <p:cNvSpPr>
+            <a:spLocks noGrp="1"/>
+          </p:cNvSpPr>
+          <p:nvPr>
+            <p:ph idx="1"/>
+          </p:nvPr>
+        </p:nvSpPr>
+        <p:spPr/>
+        <p:txBody>
+          <a:bodyPr/>
+          <a:lstStyle/>
+          <a:p>
+            <a:endParaRPr lang="en-US"/>
+          </a:p>
+        </p:txBody>
+      </p:sp>
+      <p:sp>
+        <p:nvSpPr>
+          <p:cNvPr id="4" name="Date Placeholder 3"/>
+          <p:cNvSpPr>
+            <a:spLocks noGrp="1"/>
+          </p:cNvSpPr>
+          <p:nvPr>
+            <p:ph type="dt" sz="half" idx="10"/>
+          </p:nvPr>
+        </p:nvSpPr>
+        <p:spPr/>
+        <p:txBody>
+          <a:bodyPr/>
+          <a:lstStyle/>
+          <a:p>
+            <a:fld id="{C2DB2716-ABCB-47E4-A5E7-31908A35B483}" type="uaqdatetime1">
+              <a:rPr lang="fa-IR" smtClean="0"/>
+              <a:t>21/05/1443</a:t>
+            </a:fld>
+            <a:endParaRPr lang="en-US"/>
+          </a:p>
+        </p:txBody>
+      </p:sp>
+      <p:sp>
+        <p:nvSpPr>
+          <p:cNvPr id="5" name="Slide Number Placeholder 4"/>
+          <p:cNvSpPr>
+            <a:spLocks noGrp="1"/>
+          </p:cNvSpPr>
+          <p:nvPr>
+            <p:ph type="sldNum" sz="quarter" idx="12"/>
+          </p:nvPr>
+        </p:nvSpPr>
+        <p:spPr/>
+        <p:txBody>
+          <a:bodyPr/>
+          <a:lstStyle/>
+          <a:p>
+            <a:fld id="{4BC6469D-48EF-44E1-BF07-A9CE4893D6D6}" type="slidenum">
+              <a:rPr lang="en-US" smtClean="0"/>
+              <a:t>13</a:t>
+            </a:fld>
+            <a:endParaRPr lang="en-US"/>
+          </a:p>
+        </p:txBody>
+      </p:sp>
+    </p:spTree>
+    <p:extLst>
+      <p:ext uri="{BB962C8B-B14F-4D97-AF65-F5344CB8AC3E}">
+        <p14:creationId xmlns:p14="http://schemas.microsoft.com/office/powerpoint/2010/main" val="4067526682"/>
+      </p:ext>
+    </p:extLst>
+  </p:cSld>
+  <p:clrMapOvr>
+    <a:masterClrMapping/>
+  </p:clrMapOvr>
+  <p:timing>
+    <p:tnLst>
+      <p:par>
+        <p:cTn id="1" dur="indefinite" restart="never" nodeType="tmRoot"/>
+      </p:par>
+    </p:tnLst>
+  </p:timing>
+</p:sld>
+</file>
+
+<file path=ppt/slides/slide14.xml><?xml version="1.0" encoding="utf-8"?>
+<p:sld xmlns:a="http://schemas.openxmlformats.org/drawingml/2006/main" xmlns:r="http://schemas.openxmlformats.org/officeDocument/2006/relationships" xmlns:p="http://schemas.openxmlformats.org/presentationml/2006/main">
+  <p:cSld>
+    <p:spTree>
+      <p:nvGrpSpPr>
+        <p:cNvPr id="1" name=""/>
+        <p:cNvGrpSpPr/>
+        <p:nvPr/>
+      </p:nvGrpSpPr>
+      <p:grpSpPr>
+        <a:xfrm>
+          <a:off x="0" y="0"/>
+          <a:ext cx="0" cy="0"/>
+          <a:chOff x="0" y="0"/>
+          <a:chExt cx="0" cy="0"/>
+        </a:xfrm>
+      </p:grpSpPr>
+      <p:sp>
+        <p:nvSpPr>
+          <p:cNvPr id="2" name="Title 1"/>
+          <p:cNvSpPr>
+            <a:spLocks noGrp="1"/>
+          </p:cNvSpPr>
+          <p:nvPr>
+            <p:ph type="title"/>
+          </p:nvPr>
+        </p:nvSpPr>
+        <p:spPr/>
+        <p:txBody>
+          <a:bodyPr/>
+          <a:lstStyle/>
+          <a:p>
+            <a:pPr algn="ctr" rtl="1"/>
+            <a:r>
+              <a:rPr lang="fa-IR" u="sng" dirty="0" smtClean="0">
+                <a:solidFill>
+                  <a:srgbClr val="C00000"/>
+                </a:solidFill>
+                <a:cs typeface="B Nazanin" panose="00000400000000000000" pitchFamily="2" charset="-78"/>
+              </a:rPr>
+              <a:t>جمع بندي </a:t>
             </a:r>
             <a:endParaRPr lang="en-US" u="sng" dirty="0">
               <a:solidFill>
@@ -9862,7 +10005,7 @@
           <a:p>
             <a:fld id="{C2DB2716-ABCB-47E4-A5E7-31908A35B483}" type="uaqdatetime1">
               <a:rPr lang="fa-IR" smtClean="0"/>
-              <a:t>20/05/1443</a:t>
+              <a:t>21/05/1443</a:t>
             </a:fld>
             <a:endParaRPr lang="en-US"/>
           </a:p>
@@ -9885,7 +10028,143 @@
           <a:p>
             <a:fld id="{4BC6469D-48EF-44E1-BF07-A9CE4893D6D6}" type="slidenum">
               <a:rPr lang="en-US" smtClean="0"/>
-              <a:t>13</a:t>
+              <a:t>14</a:t>
+            </a:fld>
+            <a:endParaRPr lang="en-US"/>
+          </a:p>
+        </p:txBody>
+      </p:sp>
+    </p:spTree>
+    <p:extLst>
+      <p:ext uri="{BB962C8B-B14F-4D97-AF65-F5344CB8AC3E}">
+        <p14:creationId xmlns:p14="http://schemas.microsoft.com/office/powerpoint/2010/main" val="3418445611"/>
+      </p:ext>
+    </p:extLst>
+  </p:cSld>
+  <p:clrMapOvr>
+    <a:masterClrMapping/>
+  </p:clrMapOvr>
+  <p:timing>
+    <p:tnLst>
+      <p:par>
+        <p:cTn id="1" dur="indefinite" restart="never" nodeType="tmRoot"/>
+      </p:par>
+    </p:tnLst>
+  </p:timing>
+</p:sld>
+</file>
+
+<file path=ppt/slides/slide15.xml><?xml version="1.0" encoding="utf-8"?>
+<p:sld xmlns:a="http://schemas.openxmlformats.org/drawingml/2006/main" xmlns:r="http://schemas.openxmlformats.org/officeDocument/2006/relationships" xmlns:p="http://schemas.openxmlformats.org/presentationml/2006/main">
+  <p:cSld>
+    <p:spTree>
+      <p:nvGrpSpPr>
+        <p:cNvPr id="1" name=""/>
+        <p:cNvGrpSpPr/>
+        <p:nvPr/>
+      </p:nvGrpSpPr>
+      <p:grpSpPr>
+        <a:xfrm>
+          <a:off x="0" y="0"/>
+          <a:ext cx="0" cy="0"/>
+          <a:chOff x="0" y="0"/>
+          <a:chExt cx="0" cy="0"/>
+        </a:xfrm>
+      </p:grpSpPr>
+      <p:sp>
+        <p:nvSpPr>
+          <p:cNvPr id="2" name="Title 1"/>
+          <p:cNvSpPr>
+            <a:spLocks noGrp="1"/>
+          </p:cNvSpPr>
+          <p:nvPr>
+            <p:ph type="title"/>
+          </p:nvPr>
+        </p:nvSpPr>
+        <p:spPr/>
+        <p:txBody>
+          <a:bodyPr/>
+          <a:lstStyle/>
+          <a:p>
+            <a:pPr algn="ctr"/>
+            <a:r>
+              <a:rPr lang="fa-IR" u="sng" dirty="0" smtClean="0">
+                <a:solidFill>
+                  <a:srgbClr val="C00000"/>
+                </a:solidFill>
+                <a:cs typeface="B Nazanin" panose="00000400000000000000" pitchFamily="2" charset="-78"/>
+              </a:rPr>
+              <a:t>مراجع</a:t>
+            </a:r>
+            <a:endParaRPr lang="en-US" u="sng" dirty="0">
+              <a:solidFill>
+                <a:srgbClr val="C00000"/>
+              </a:solidFill>
+              <a:cs typeface="B Nazanin" panose="00000400000000000000" pitchFamily="2" charset="-78"/>
+            </a:endParaRPr>
+          </a:p>
+        </p:txBody>
+      </p:sp>
+      <p:sp>
+        <p:nvSpPr>
+          <p:cNvPr id="3" name="Content Placeholder 2"/>
+          <p:cNvSpPr>
+            <a:spLocks noGrp="1"/>
+          </p:cNvSpPr>
+          <p:nvPr>
+            <p:ph idx="1"/>
+          </p:nvPr>
+        </p:nvSpPr>
+        <p:spPr/>
+        <p:txBody>
+          <a:bodyPr/>
+          <a:lstStyle/>
+          <a:p>
+            <a:endParaRPr lang="en-US"/>
+          </a:p>
+        </p:txBody>
+      </p:sp>
+      <p:sp>
+        <p:nvSpPr>
+          <p:cNvPr id="4" name="Date Placeholder 3"/>
+          <p:cNvSpPr>
+            <a:spLocks noGrp="1"/>
+          </p:cNvSpPr>
+          <p:nvPr>
+            <p:ph type="dt" sz="half" idx="10"/>
+          </p:nvPr>
+        </p:nvSpPr>
+        <p:spPr/>
+        <p:txBody>
+          <a:bodyPr/>
+          <a:lstStyle/>
+          <a:p>
+            <a:fld id="{C2DB2716-ABCB-47E4-A5E7-31908A35B483}" type="uaqdatetime1">
+              <a:rPr lang="fa-IR" smtClean="0"/>
+              <a:t>21/05/1443</a:t>
+            </a:fld>
+            <a:endParaRPr lang="en-US"/>
+          </a:p>
+        </p:txBody>
+      </p:sp>
+      <p:sp>
+        <p:nvSpPr>
+          <p:cNvPr id="5" name="Slide Number Placeholder 4"/>
+          <p:cNvSpPr>
+            <a:spLocks noGrp="1"/>
+          </p:cNvSpPr>
+          <p:nvPr>
+            <p:ph type="sldNum" sz="quarter" idx="12"/>
+          </p:nvPr>
+        </p:nvSpPr>
+        <p:spPr/>
+        <p:txBody>
+          <a:bodyPr/>
+          <a:lstStyle/>
+          <a:p>
+            <a:fld id="{4BC6469D-48EF-44E1-BF07-A9CE4893D6D6}" type="slidenum">
+              <a:rPr lang="en-US" smtClean="0"/>
+              <a:t>15</a:t>
             </a:fld>
             <a:endParaRPr lang="en-US"/>
           </a:p>
@@ -10114,7 +10393,7 @@
           <a:p>
             <a:fld id="{85D879EB-1AC6-4DAD-A7D9-A5ED0E43FD94}" type="uaqdatetime1">
               <a:rPr lang="fa-IR" smtClean="0"/>
-              <a:t>20/05/1443</a:t>
+              <a:t>21/05/1443</a:t>
             </a:fld>
             <a:endParaRPr lang="en-US"/>
           </a:p>
@@ -10232,7 +10511,7 @@
               <a:buChar char="§"/>
             </a:pPr>
             <a:r>
-              <a:rPr lang="fa-IR" sz="4000" dirty="0" smtClean="0">
+              <a:rPr lang="fa-IR" sz="2400" dirty="0" smtClean="0">
                 <a:cs typeface="B Nazanin" panose="00000400000000000000" pitchFamily="2" charset="-78"/>
               </a:rPr>
               <a:t>هدف اين ارائه برموارد زير تمركز دارد :</a:t>
@@ -10250,7 +10529,7 @@
               <a:t> </a:t>
             </a:r>
             <a:r>
-              <a:rPr lang="fa-IR" sz="2800" dirty="0" smtClean="0">
+              <a:rPr lang="fa-IR" sz="2400" dirty="0" smtClean="0">
                 <a:cs typeface="B Nazanin" panose="00000400000000000000" pitchFamily="2" charset="-78"/>
               </a:rPr>
               <a:t>معرفي الگوي معماري رويداد محور و نحوه عملكرد آن</a:t>
@@ -10262,7 +10541,7 @@
               <a:buChar char="q"/>
             </a:pPr>
             <a:r>
-              <a:rPr lang="fa-IR" sz="2800" dirty="0" smtClean="0">
+              <a:rPr lang="fa-IR" sz="2400" dirty="0" smtClean="0">
                 <a:cs typeface="B Nazanin" panose="00000400000000000000" pitchFamily="2" charset="-78"/>
               </a:rPr>
               <a:t>فرصت هاي استفاده از الگوي معماري رويداد محور</a:t>
@@ -10274,7 +10553,7 @@
               <a:buChar char="q"/>
             </a:pPr>
             <a:r>
-              <a:rPr lang="fa-IR" sz="2800" dirty="0" smtClean="0">
+              <a:rPr lang="fa-IR" sz="2400" dirty="0" smtClean="0">
                 <a:cs typeface="B Nazanin" panose="00000400000000000000" pitchFamily="2" charset="-78"/>
               </a:rPr>
               <a:t>مزايا و معايب الگوي معماري رويداد محور </a:t>
@@ -10286,7 +10565,7 @@
               <a:buChar char="q"/>
             </a:pPr>
             <a:r>
-              <a:rPr lang="fa-IR" sz="2800" dirty="0" smtClean="0">
+              <a:rPr lang="fa-IR" sz="2400" dirty="0" smtClean="0">
                 <a:cs typeface="B Nazanin" panose="00000400000000000000" pitchFamily="2" charset="-78"/>
               </a:rPr>
               <a:t>نكاتي كه بايد راجب استفاده از اين الگو بايد دانست </a:t>
@@ -10297,7 +10576,7 @@
               <a:buNone/>
             </a:pPr>
             <a:r>
-              <a:rPr lang="fa-IR" dirty="0" smtClean="0"/>
+              <a:rPr lang="fa-IR" sz="2400" dirty="0" smtClean="0"/>
               <a:t> </a:t>
             </a:r>
           </a:p>
@@ -10334,7 +10613,7 @@
           <a:p>
             <a:fld id="{44424082-5CA2-48E6-9B05-0898A8B9FA3C}" type="uaqdatetime1">
               <a:rPr lang="fa-IR" smtClean="0"/>
-              <a:t>20/05/1443</a:t>
+              <a:t>21/05/1443</a:t>
             </a:fld>
             <a:endParaRPr lang="en-US"/>
           </a:p>
@@ -11040,7 +11319,7 @@
           <a:p>
             <a:fld id="{006FBB09-33D0-4E85-A34E-7878EB333873}" type="uaqdatetime1">
               <a:rPr lang="fa-IR" smtClean="0"/>
-              <a:t>20/05/1443</a:t>
+              <a:t>21/05/1443</a:t>
             </a:fld>
             <a:endParaRPr lang="en-US"/>
           </a:p>
@@ -11116,17 +11395,12 @@
             <p:ph type="title"/>
           </p:nvPr>
         </p:nvSpPr>
-        <p:spPr>
-          <a:xfrm>
-            <a:off x="677333" y="609600"/>
-            <a:ext cx="8808411" cy="1320800"/>
-          </a:xfrm>
-        </p:spPr>
-        <p:txBody>
-          <a:bodyPr/>
-          <a:lstStyle/>
-          <a:p>
-            <a:pPr algn="ctr"/>
+        <p:spPr/>
+        <p:txBody>
+          <a:bodyPr/>
+          <a:lstStyle/>
+          <a:p>
+            <a:pPr algn="ctr" rtl="1"/>
             <a:r>
               <a:rPr lang="fa-IR" u="sng" dirty="0" smtClean="0">
                 <a:solidFill>
@@ -11134,7 +11408,7 @@
                 </a:solidFill>
                 <a:cs typeface="B Nazanin" panose="00000400000000000000" pitchFamily="2" charset="-78"/>
               </a:rPr>
-              <a:t>چه زمان هايي از الگوي معماري رويداد محور استفاده مي‌شود؟</a:t>
+              <a:t>سبك‌هاي مختلف الگوي معماري رويداد محور</a:t>
             </a:r>
             <a:endParaRPr lang="en-US" u="sng" dirty="0">
               <a:solidFill>
@@ -11155,12 +11429,162 @@
             <p:ph idx="1"/>
           </p:nvPr>
         </p:nvSpPr>
-        <p:spPr/>
-        <p:txBody>
-          <a:bodyPr/>
-          <a:lstStyle/>
-          <a:p>
-            <a:endParaRPr lang="en-US" dirty="0"/>
+        <p:spPr>
+          <a:xfrm>
+            <a:off x="677334" y="1717965"/>
+            <a:ext cx="8596668" cy="4323398"/>
+          </a:xfrm>
+        </p:spPr>
+        <p:txBody>
+          <a:bodyPr>
+            <a:normAutofit fontScale="92500"/>
+          </a:bodyPr>
+          <a:lstStyle/>
+          <a:p>
+            <a:pPr algn="r" rtl="1">
+              <a:buFont typeface="Arial" panose="020B0604020202020204" pitchFamily="34" charset="0"/>
+              <a:buChar char="•"/>
+            </a:pPr>
+            <a:r>
+              <a:rPr lang="fa-IR" sz="2400" dirty="0" smtClean="0">
+                <a:cs typeface="B Nazanin" panose="00000400000000000000" pitchFamily="2" charset="-78"/>
+              </a:rPr>
+              <a:t>سبك‌هاي مختلف الگوي معماري رويداد محور بر حسب نحوه عملكرد خود به دو مدل تقسيم ميشوند :</a:t>
+            </a:r>
+          </a:p>
+          <a:p>
+            <a:pPr algn="r" rtl="1">
+              <a:buFont typeface="Arial" panose="020B0604020202020204" pitchFamily="34" charset="0"/>
+              <a:buChar char="•"/>
+            </a:pPr>
+            <a:r>
+              <a:rPr lang="fa-IR" sz="2400" dirty="0" smtClean="0">
+                <a:cs typeface="B Nazanin" panose="00000400000000000000" pitchFamily="2" charset="-78"/>
+              </a:rPr>
+              <a:t>1- </a:t>
+            </a:r>
+            <a:r>
+              <a:rPr lang="fa-IR" sz="2400" dirty="0" smtClean="0">
+                <a:solidFill>
+                  <a:schemeClr val="tx1"/>
+                </a:solidFill>
+                <a:cs typeface="B Nazanin" panose="00000400000000000000" pitchFamily="2" charset="-78"/>
+              </a:rPr>
+              <a:t>مدل انتشار اشتراك </a:t>
+            </a:r>
+          </a:p>
+          <a:p>
+            <a:pPr lvl="1" algn="r" rtl="1">
+              <a:buFont typeface="Arial" panose="020B0604020202020204" pitchFamily="34" charset="0"/>
+              <a:buChar char="•"/>
+            </a:pPr>
+            <a:r>
+              <a:rPr lang="fa-IR" sz="2000" dirty="0" smtClean="0">
+                <a:solidFill>
+                  <a:schemeClr val="tx1"/>
+                </a:solidFill>
+                <a:cs typeface="B Nazanin" panose="00000400000000000000" pitchFamily="2" charset="-78"/>
+              </a:rPr>
+              <a:t>اين يك زير ساخت پيام رساني مبتني بر اشتراك داده است .</a:t>
+            </a:r>
+          </a:p>
+          <a:p>
+            <a:pPr lvl="1" algn="r" rtl="1">
+              <a:buFont typeface="Arial" panose="020B0604020202020204" pitchFamily="34" charset="0"/>
+              <a:buChar char="•"/>
+            </a:pPr>
+            <a:r>
+              <a:rPr lang="fa-IR" sz="2000" dirty="0">
+                <a:solidFill>
+                  <a:schemeClr val="tx1"/>
+                </a:solidFill>
+                <a:cs typeface="B Nazanin" panose="00000400000000000000" pitchFamily="2" charset="-78"/>
+              </a:rPr>
+              <a:t>در اين مدل بعد از اينكه يه رويداد رخ داد يا اينكه منتشر شد ، به مشتركيني (مصرف كنندگان) كه نياز به پيام رساني دارند ارسال مي‌شود .</a:t>
+            </a:r>
+            <a:endParaRPr lang="fa-IR" sz="2000" dirty="0" smtClean="0">
+              <a:solidFill>
+                <a:schemeClr val="tx1"/>
+              </a:solidFill>
+              <a:cs typeface="B Nazanin" panose="00000400000000000000" pitchFamily="2" charset="-78"/>
+            </a:endParaRPr>
+          </a:p>
+          <a:p>
+            <a:pPr algn="r" rtl="1">
+              <a:buFont typeface="Arial" panose="020B0604020202020204" pitchFamily="34" charset="0"/>
+              <a:buChar char="•"/>
+            </a:pPr>
+            <a:r>
+              <a:rPr lang="fa-IR" sz="2400" dirty="0" smtClean="0">
+                <a:cs typeface="B Nazanin" panose="00000400000000000000" pitchFamily="2" charset="-78"/>
+              </a:rPr>
+              <a:t>2- مدل جريان رويداد </a:t>
+            </a:r>
+          </a:p>
+          <a:p>
+            <a:pPr marL="457200" lvl="1" indent="0" algn="r" rtl="1">
+              <a:buNone/>
+            </a:pPr>
+            <a:r>
+              <a:rPr lang="fa-IR" sz="2200" dirty="0">
+                <a:cs typeface="B Nazanin" panose="00000400000000000000" pitchFamily="2" charset="-78"/>
+              </a:rPr>
+              <a:t> با یک مدل جریان رویداد ، رویداد‌ها در یک گزارش نوشته می‌شوند. </a:t>
+            </a:r>
+            <a:endParaRPr lang="fa-IR" sz="2200" dirty="0" smtClean="0">
+              <a:cs typeface="B Nazanin" panose="00000400000000000000" pitchFamily="2" charset="-78"/>
+            </a:endParaRPr>
+          </a:p>
+          <a:p>
+            <a:pPr marL="457200" lvl="1" indent="0" algn="r" rtl="1">
+              <a:buNone/>
+            </a:pPr>
+            <a:r>
+              <a:rPr lang="fa-IR" sz="2200" dirty="0" smtClean="0">
+                <a:cs typeface="B Nazanin" panose="00000400000000000000" pitchFamily="2" charset="-78"/>
+              </a:rPr>
+              <a:t>مصرف </a:t>
+            </a:r>
+            <a:r>
+              <a:rPr lang="fa-IR" sz="2200" dirty="0">
+                <a:cs typeface="B Nazanin" panose="00000400000000000000" pitchFamily="2" charset="-78"/>
+              </a:rPr>
+              <a:t>کنندگان رویداد در یک جریان رویداد مشترک نمی‌شوند . </a:t>
+            </a:r>
+            <a:endParaRPr lang="fa-IR" sz="2200" dirty="0" smtClean="0">
+              <a:cs typeface="B Nazanin" panose="00000400000000000000" pitchFamily="2" charset="-78"/>
+            </a:endParaRPr>
+          </a:p>
+          <a:p>
+            <a:pPr marL="457200" lvl="1" indent="0" algn="r" rtl="1">
+              <a:buNone/>
+            </a:pPr>
+            <a:r>
+              <a:rPr lang="fa-IR" sz="2200" dirty="0" smtClean="0">
+                <a:cs typeface="B Nazanin" panose="00000400000000000000" pitchFamily="2" charset="-78"/>
+              </a:rPr>
+              <a:t>در عوض </a:t>
+            </a:r>
+            <a:r>
+              <a:rPr lang="fa-IR" sz="2200" dirty="0">
+                <a:cs typeface="B Nazanin" panose="00000400000000000000" pitchFamily="2" charset="-78"/>
+              </a:rPr>
+              <a:t>آنها می توانند از هر بخشی از جریان بخوانند و در هر زمان می توانند به جریان بپیوندند</a:t>
+            </a:r>
+            <a:r>
+              <a:rPr lang="fa-IR" sz="2200" dirty="0" smtClean="0">
+                <a:cs typeface="B Nazanin" panose="00000400000000000000" pitchFamily="2" charset="-78"/>
+              </a:rPr>
+              <a:t>.</a:t>
+            </a:r>
+          </a:p>
+          <a:p>
+            <a:pPr marL="457200" lvl="1" indent="0" algn="r" rtl="1">
+              <a:buNone/>
+            </a:pPr>
+            <a:endParaRPr lang="en-US" sz="2200" dirty="0">
+              <a:cs typeface="B Nazanin" panose="00000400000000000000" pitchFamily="2" charset="-78"/>
+            </a:endParaRPr>
           </a:p>
         </p:txBody>
       </p:sp>
@@ -11181,7 +11605,7 @@
           <a:p>
             <a:fld id="{C2DB2716-ABCB-47E4-A5E7-31908A35B483}" type="uaqdatetime1">
               <a:rPr lang="fa-IR" smtClean="0"/>
-              <a:t>20/05/1443</a:t>
+              <a:t>21/05/1443</a:t>
             </a:fld>
             <a:endParaRPr lang="en-US"/>
           </a:p>
@@ -11213,20 +11637,13 @@
     </p:spTree>
     <p:extLst>
       <p:ext uri="{BB962C8B-B14F-4D97-AF65-F5344CB8AC3E}">
-        <p14:creationId xmlns:p14="http://schemas.microsoft.com/office/powerpoint/2010/main" val="2415462884"/>
+        <p14:creationId xmlns:p14="http://schemas.microsoft.com/office/powerpoint/2010/main" val="4275060141"/>
       </p:ext>
     </p:extLst>
   </p:cSld>
   <p:clrMapOvr>
     <a:masterClrMapping/>
   </p:clrMapOvr>
-  <p:timing>
-    <p:tnLst>
-      <p:par>
-        <p:cTn id="1" dur="indefinite" restart="never" nodeType="tmRoot"/>
-      </p:par>
-    </p:tnLst>
-  </p:timing>
 </p:sld>
 </file>
 
@@ -11262,7 +11679,7 @@
           <a:bodyPr/>
           <a:lstStyle/>
           <a:p>
-            <a:pPr algn="ctr"/>
+            <a:pPr algn="ctr" rtl="1"/>
             <a:r>
               <a:rPr lang="fa-IR" u="sng" dirty="0" smtClean="0">
                 <a:solidFill>
@@ -11270,7 +11687,16 @@
                 </a:solidFill>
                 <a:cs typeface="B Nazanin" panose="00000400000000000000" pitchFamily="2" charset="-78"/>
               </a:rPr>
-              <a:t>مزاياي الگوي معماري رويداد محور </a:t>
+              <a:t>سبك‌هاي مختلف الگوي معماري رويداد </a:t>
+            </a:r>
+            <a:r>
+              <a:rPr lang="fa-IR" u="sng" dirty="0" smtClean="0">
+                <a:solidFill>
+                  <a:srgbClr val="C00000"/>
+                </a:solidFill>
+                <a:cs typeface="B Nazanin" panose="00000400000000000000" pitchFamily="2" charset="-78"/>
+              </a:rPr>
+              <a:t>محور(ادامه)</a:t>
             </a:r>
             <a:endParaRPr lang="en-US" u="sng" dirty="0">
               <a:solidFill>
@@ -11291,12 +11717,178 @@
             <p:ph idx="1"/>
           </p:nvPr>
         </p:nvSpPr>
-        <p:spPr/>
-        <p:txBody>
-          <a:bodyPr/>
-          <a:lstStyle/>
-          <a:p>
-            <a:endParaRPr lang="en-US"/>
+        <p:spPr>
+          <a:xfrm>
+            <a:off x="677334" y="1348509"/>
+            <a:ext cx="8596668" cy="4692854"/>
+          </a:xfrm>
+        </p:spPr>
+        <p:txBody>
+          <a:bodyPr>
+            <a:normAutofit/>
+          </a:bodyPr>
+          <a:lstStyle/>
+          <a:p>
+            <a:pPr marL="457200" lvl="1" indent="0" algn="r" rtl="1">
+              <a:buClr>
+                <a:srgbClr val="3494BA"/>
+              </a:buClr>
+              <a:buNone/>
+            </a:pPr>
+            <a:r>
+              <a:rPr lang="fa-IR" sz="2000" dirty="0" smtClean="0">
+                <a:solidFill>
+                  <a:prstClr val="black">
+                    <a:lumMod val="75000"/>
+                    <a:lumOff val="25000"/>
+                  </a:prstClr>
+                </a:solidFill>
+                <a:cs typeface="B Nazanin" panose="00000400000000000000" pitchFamily="2" charset="-78"/>
+              </a:rPr>
+              <a:t>مدل </a:t>
+            </a:r>
+            <a:r>
+              <a:rPr lang="fa-IR" sz="2000" dirty="0">
+                <a:solidFill>
+                  <a:prstClr val="black">
+                    <a:lumMod val="75000"/>
+                    <a:lumOff val="25000"/>
+                  </a:prstClr>
+                </a:solidFill>
+                <a:cs typeface="B Nazanin" panose="00000400000000000000" pitchFamily="2" charset="-78"/>
+              </a:rPr>
+              <a:t>جريان </a:t>
+            </a:r>
+            <a:r>
+              <a:rPr lang="fa-IR" sz="2000" dirty="0" smtClean="0">
+                <a:solidFill>
+                  <a:prstClr val="black">
+                    <a:lumMod val="75000"/>
+                    <a:lumOff val="25000"/>
+                  </a:prstClr>
+                </a:solidFill>
+                <a:cs typeface="B Nazanin" panose="00000400000000000000" pitchFamily="2" charset="-78"/>
+              </a:rPr>
+              <a:t>رويداد </a:t>
+            </a:r>
+            <a:r>
+              <a:rPr lang="fa-IR" sz="2000" dirty="0">
+                <a:solidFill>
+                  <a:prstClr val="black">
+                    <a:lumMod val="75000"/>
+                    <a:lumOff val="25000"/>
+                  </a:prstClr>
+                </a:solidFill>
+                <a:cs typeface="B Nazanin" panose="00000400000000000000" pitchFamily="2" charset="-78"/>
+              </a:rPr>
+              <a:t>برحسب نوع جريان رويداد به سه گونه زير است</a:t>
+            </a:r>
+            <a:r>
+              <a:rPr lang="fa-IR" sz="2000" dirty="0" smtClean="0">
+                <a:solidFill>
+                  <a:prstClr val="black">
+                    <a:lumMod val="75000"/>
+                    <a:lumOff val="25000"/>
+                  </a:prstClr>
+                </a:solidFill>
+                <a:cs typeface="B Nazanin" panose="00000400000000000000" pitchFamily="2" charset="-78"/>
+              </a:rPr>
+              <a:t>:</a:t>
+            </a:r>
+            <a:endParaRPr lang="fa-IR" sz="2200" dirty="0">
+              <a:cs typeface="B Nazanin" panose="00000400000000000000" pitchFamily="2" charset="-78"/>
+            </a:endParaRPr>
+          </a:p>
+          <a:p>
+            <a:pPr lvl="1" algn="r" rtl="1">
+              <a:buFont typeface="Wingdings" panose="05000000000000000000" pitchFamily="2" charset="2"/>
+              <a:buChar char="§"/>
+            </a:pPr>
+            <a:r>
+              <a:rPr lang="fa-IR" sz="2200" dirty="0" smtClean="0">
+                <a:cs typeface="B Nazanin" panose="00000400000000000000" pitchFamily="2" charset="-78"/>
+              </a:rPr>
+              <a:t>1- پردازش رويداد گسترده </a:t>
+            </a:r>
+          </a:p>
+          <a:p>
+            <a:pPr marL="914400" lvl="2" indent="0" algn="r" rtl="1">
+              <a:buNone/>
+            </a:pPr>
+            <a:r>
+              <a:rPr lang="fa-IR" sz="2000" dirty="0">
+                <a:latin typeface="B Nazanin" panose="00000400000000000000" pitchFamily="2" charset="-78"/>
+                <a:ea typeface="Calibri" panose="020F0502020204030204" pitchFamily="34" charset="0"/>
+                <a:cs typeface="B Nazanin" panose="00000400000000000000" pitchFamily="2" charset="-78"/>
+              </a:rPr>
+              <a:t>پردازش یک جریان نامحدود از رویدادهای مرتبط، که در آن سوابق رویداد به ترتیب خاصي ظاهر می شوند و با آگاهی از رویدادهای گذشته پردازش می شوند</a:t>
+            </a:r>
+            <a:endParaRPr lang="fa-IR" sz="2000" dirty="0" smtClean="0">
+              <a:cs typeface="B Nazanin" panose="00000400000000000000" pitchFamily="2" charset="-78"/>
+            </a:endParaRPr>
+          </a:p>
+          <a:p>
+            <a:pPr lvl="1" algn="r" rtl="1">
+              <a:buFont typeface="Wingdings" panose="05000000000000000000" pitchFamily="2" charset="2"/>
+              <a:buChar char="§"/>
+            </a:pPr>
+            <a:r>
+              <a:rPr lang="fa-IR" sz="2200" dirty="0" smtClean="0">
+                <a:cs typeface="B Nazanin" panose="00000400000000000000" pitchFamily="2" charset="-78"/>
+              </a:rPr>
+              <a:t>2-پردازش رويداد ساده </a:t>
+            </a:r>
+          </a:p>
+          <a:p>
+            <a:pPr marL="914400" lvl="2" indent="0" algn="r" rtl="1">
+              <a:buNone/>
+            </a:pPr>
+            <a:r>
+              <a:rPr lang="fa-IR" sz="2000" dirty="0">
+                <a:latin typeface="Calibri" panose="020F0502020204030204" pitchFamily="34" charset="0"/>
+                <a:ea typeface="Calibri" panose="020F0502020204030204" pitchFamily="34" charset="0"/>
+                <a:cs typeface="B Nazanin" panose="00000400000000000000" pitchFamily="2" charset="-78"/>
+              </a:rPr>
+              <a:t> پردازش رویداد ساده زمانی است که یک رویداد بلافاصله اقدامی را در مصرف کننده رویداد ایجاد می کند.</a:t>
+            </a:r>
+            <a:endParaRPr lang="fa-IR" sz="2000" dirty="0" smtClean="0">
+              <a:cs typeface="B Nazanin" panose="00000400000000000000" pitchFamily="2" charset="-78"/>
+            </a:endParaRPr>
+          </a:p>
+          <a:p>
+            <a:pPr lvl="1" algn="r" rtl="1">
+              <a:buFont typeface="Wingdings" panose="05000000000000000000" pitchFamily="2" charset="2"/>
+              <a:buChar char="§"/>
+            </a:pPr>
+            <a:r>
+              <a:rPr lang="fa-IR" sz="2200" dirty="0" smtClean="0">
+                <a:cs typeface="B Nazanin" panose="00000400000000000000" pitchFamily="2" charset="-78"/>
+              </a:rPr>
+              <a:t>3- پردازش رويداد پيچيده </a:t>
+            </a:r>
+          </a:p>
+          <a:p>
+            <a:pPr marL="857250" lvl="2" indent="0" algn="r" rtl="1">
+              <a:buNone/>
+            </a:pPr>
+            <a:r>
+              <a:rPr lang="fa-IR" sz="2000">
+                <a:cs typeface="B Nazanin" panose="00000400000000000000" pitchFamily="2" charset="-78"/>
+              </a:rPr>
+              <a:t> پردازش رويداد پيچيده الگوهاي رويداد پيچيده را از يك سري رويداد‌هاي ساده استخراج يا شناسايي مي‌كند </a:t>
+            </a:r>
+            <a:endParaRPr lang="fa-IR" sz="2000" dirty="0" smtClean="0">
+              <a:cs typeface="B Nazanin" panose="00000400000000000000" pitchFamily="2" charset="-78"/>
+            </a:endParaRPr>
+          </a:p>
+          <a:p>
+            <a:pPr lvl="1" algn="r" rtl="1">
+              <a:buFont typeface="Wingdings" panose="05000000000000000000" pitchFamily="2" charset="2"/>
+              <a:buChar char="§"/>
+            </a:pPr>
+            <a:endParaRPr lang="en-US" sz="2200" dirty="0">
+              <a:cs typeface="B Nazanin" panose="00000400000000000000" pitchFamily="2" charset="-78"/>
+            </a:endParaRPr>
           </a:p>
         </p:txBody>
       </p:sp>
@@ -11317,7 +11909,7 @@
           <a:p>
             <a:fld id="{C2DB2716-ABCB-47E4-A5E7-31908A35B483}" type="uaqdatetime1">
               <a:rPr lang="fa-IR" smtClean="0"/>
-              <a:t>20/05/1443</a:t>
+              <a:t>21/05/1443</a:t>
             </a:fld>
             <a:endParaRPr lang="en-US"/>
           </a:p>
@@ -11349,20 +11941,13 @@
     </p:spTree>
     <p:extLst>
       <p:ext uri="{BB962C8B-B14F-4D97-AF65-F5344CB8AC3E}">
-        <p14:creationId xmlns:p14="http://schemas.microsoft.com/office/powerpoint/2010/main" val="3294123311"/>
+        <p14:creationId xmlns:p14="http://schemas.microsoft.com/office/powerpoint/2010/main" val="3318079166"/>
       </p:ext>
     </p:extLst>
   </p:cSld>
   <p:clrMapOvr>
     <a:masterClrMapping/>
   </p:clrMapOvr>
-  <p:timing>
-    <p:tnLst>
-      <p:par>
-        <p:cTn id="1" dur="indefinite" restart="never" nodeType="tmRoot"/>
-      </p:par>
-    </p:tnLst>
-  </p:timing>
 </p:sld>
 </file>
 
@@ -11393,12 +11978,17 @@
             <p:ph type="title"/>
           </p:nvPr>
         </p:nvSpPr>
-        <p:spPr/>
-        <p:txBody>
-          <a:bodyPr/>
-          <a:lstStyle/>
-          <a:p>
-            <a:pPr algn="ctr" rtl="1"/>
+        <p:spPr>
+          <a:xfrm>
+            <a:off x="677333" y="609600"/>
+            <a:ext cx="8808411" cy="1320800"/>
+          </a:xfrm>
+        </p:spPr>
+        <p:txBody>
+          <a:bodyPr/>
+          <a:lstStyle/>
+          <a:p>
+            <a:pPr algn="ctr"/>
             <a:r>
               <a:rPr lang="fa-IR" u="sng" dirty="0" smtClean="0">
                 <a:solidFill>
@@ -11406,7 +11996,7 @@
                 </a:solidFill>
                 <a:cs typeface="B Nazanin" panose="00000400000000000000" pitchFamily="2" charset="-78"/>
               </a:rPr>
-              <a:t>معايب الگوي معماري رويداد محور</a:t>
+              <a:t>چه زمان هايي از الگوي معماري رويداد محور استفاده مي‌شود؟</a:t>
             </a:r>
             <a:endParaRPr lang="en-US" u="sng" dirty="0">
               <a:solidFill>
@@ -11432,7 +12022,7 @@
           <a:bodyPr/>
           <a:lstStyle/>
           <a:p>
-            <a:endParaRPr lang="en-US"/>
+            <a:endParaRPr lang="en-US" dirty="0"/>
           </a:p>
         </p:txBody>
       </p:sp>
@@ -11453,7 +12043,7 @@
           <a:p>
             <a:fld id="{C2DB2716-ABCB-47E4-A5E7-31908A35B483}" type="uaqdatetime1">
               <a:rPr lang="fa-IR" smtClean="0"/>
-              <a:t>20/05/1443</a:t>
+              <a:t>21/05/1443</a:t>
             </a:fld>
             <a:endParaRPr lang="en-US"/>
           </a:p>
@@ -11485,7 +12075,7 @@
     </p:spTree>
     <p:extLst>
       <p:ext uri="{BB962C8B-B14F-4D97-AF65-F5344CB8AC3E}">
-        <p14:creationId xmlns:p14="http://schemas.microsoft.com/office/powerpoint/2010/main" val="3232359525"/>
+        <p14:creationId xmlns:p14="http://schemas.microsoft.com/office/powerpoint/2010/main" val="2415462884"/>
       </p:ext>
     </p:extLst>
   </p:cSld>

--- a/پاورپوينت معماري.pptx
+++ b/پاورپوينت معماري.pptx
@@ -6,7 +6,7 @@
     <p:sldMasterId id="2147483714" r:id="rId2"/>
   </p:sldMasterIdLst>
   <p:notesMasterIdLst>
-    <p:notesMasterId r:id="rId18"/>
+    <p:notesMasterId r:id="rId20"/>
   </p:notesMasterIdLst>
   <p:sldIdLst>
     <p:sldId id="256" r:id="rId3"/>
@@ -14,16 +14,18 @@
     <p:sldId id="258" r:id="rId5"/>
     <p:sldId id="259" r:id="rId6"/>
     <p:sldId id="260" r:id="rId7"/>
-    <p:sldId id="261" r:id="rId8"/>
-    <p:sldId id="269" r:id="rId9"/>
-    <p:sldId id="270" r:id="rId10"/>
-    <p:sldId id="262" r:id="rId11"/>
-    <p:sldId id="263" r:id="rId12"/>
-    <p:sldId id="264" r:id="rId13"/>
-    <p:sldId id="268" r:id="rId14"/>
-    <p:sldId id="265" r:id="rId15"/>
-    <p:sldId id="266" r:id="rId16"/>
-    <p:sldId id="267" r:id="rId17"/>
+    <p:sldId id="272" r:id="rId8"/>
+    <p:sldId id="261" r:id="rId9"/>
+    <p:sldId id="269" r:id="rId10"/>
+    <p:sldId id="270" r:id="rId11"/>
+    <p:sldId id="262" r:id="rId12"/>
+    <p:sldId id="263" r:id="rId13"/>
+    <p:sldId id="271" r:id="rId14"/>
+    <p:sldId id="264" r:id="rId15"/>
+    <p:sldId id="268" r:id="rId16"/>
+    <p:sldId id="265" r:id="rId17"/>
+    <p:sldId id="266" r:id="rId18"/>
+    <p:sldId id="267" r:id="rId19"/>
   </p:sldIdLst>
   <p:sldSz cx="12192000" cy="6858000"/>
   <p:notesSz cx="6858000" cy="9144000"/>
@@ -212,7 +214,7 @@
           <a:p>
             <a:fld id="{99A79AD5-89C0-4010-833A-1389C66235E8}" type="datetimeFigureOut">
               <a:rPr lang="en-US" smtClean="0"/>
-              <a:t>12/25/2021</a:t>
+              <a:t>1/10/2022</a:t>
             </a:fld>
             <a:endParaRPr lang="en-US"/>
           </a:p>
@@ -611,7 +613,7 @@
           <a:p>
             <a:fld id="{368C5E72-8645-4A1C-ABEF-CB6D5603A07D}" type="uaqdatetime1">
               <a:rPr lang="fa-IR" smtClean="0"/>
-              <a:t>21/05/1443</a:t>
+              <a:t>07/06/1443</a:t>
             </a:fld>
             <a:endParaRPr lang="en-US"/>
           </a:p>
@@ -781,7 +783,7 @@
           <a:p>
             <a:fld id="{FEE89845-ACCD-4029-B63C-55DACAC9F8A6}" type="uaqdatetime1">
               <a:rPr lang="fa-IR" smtClean="0"/>
-              <a:t>21/05/1443</a:t>
+              <a:t>07/06/1443</a:t>
             </a:fld>
             <a:endParaRPr lang="en-US"/>
           </a:p>
@@ -961,7 +963,7 @@
           <a:p>
             <a:fld id="{BFDBF3F9-34DA-49D7-B5B9-BF4380A179B7}" type="uaqdatetime1">
               <a:rPr lang="fa-IR" smtClean="0"/>
-              <a:t>21/05/1443</a:t>
+              <a:t>07/06/1443</a:t>
             </a:fld>
             <a:endParaRPr lang="en-US"/>
           </a:p>
@@ -1744,7 +1746,7 @@
           <a:p>
             <a:fld id="{F10BAB51-C249-4008-BDCF-2CF4A269A7AF}" type="uaqdatetime1">
               <a:rPr lang="fa-IR" smtClean="0"/>
-              <a:t>21/05/1443</a:t>
+              <a:t>07/06/1443</a:t>
             </a:fld>
             <a:endParaRPr lang="en-US"/>
           </a:p>
@@ -1920,7 +1922,7 @@
           <a:p>
             <a:fld id="{C2DB2716-ABCB-47E4-A5E7-31908A35B483}" type="uaqdatetime1">
               <a:rPr lang="fa-IR" smtClean="0"/>
-              <a:t>21/05/1443</a:t>
+              <a:t>07/06/1443</a:t>
             </a:fld>
             <a:endParaRPr lang="en-US"/>
           </a:p>
@@ -2167,7 +2169,7 @@
           <a:p>
             <a:fld id="{C622DE71-A244-4B76-AC9B-8BEBDCFBF113}" type="uaqdatetime1">
               <a:rPr lang="fa-IR" smtClean="0"/>
-              <a:t>21/05/1443</a:t>
+              <a:t>07/06/1443</a:t>
             </a:fld>
             <a:endParaRPr lang="en-US"/>
           </a:p>
@@ -2399,7 +2401,7 @@
           <a:p>
             <a:fld id="{63063A94-4B19-4715-A6F5-BC5271064D5F}" type="uaqdatetime1">
               <a:rPr lang="fa-IR" smtClean="0"/>
-              <a:t>21/05/1443</a:t>
+              <a:t>07/06/1443</a:t>
             </a:fld>
             <a:endParaRPr lang="en-US"/>
           </a:p>
@@ -2773,7 +2775,7 @@
           <a:p>
             <a:fld id="{A200B10F-126C-4BD9-9680-253A992077D9}" type="uaqdatetime1">
               <a:rPr lang="fa-IR" smtClean="0"/>
-              <a:t>21/05/1443</a:t>
+              <a:t>07/06/1443</a:t>
             </a:fld>
             <a:endParaRPr lang="en-US"/>
           </a:p>
@@ -2896,7 +2898,7 @@
           <a:p>
             <a:fld id="{9615CACD-4514-494C-8EDE-79AC6EEC06C2}" type="uaqdatetime1">
               <a:rPr lang="fa-IR" smtClean="0"/>
-              <a:t>21/05/1443</a:t>
+              <a:t>07/06/1443</a:t>
             </a:fld>
             <a:endParaRPr lang="en-US"/>
           </a:p>
@@ -2991,7 +2993,7 @@
           <a:p>
             <a:fld id="{F3F06863-F7DF-4F8C-AE42-C2F4086E416F}" type="uaqdatetime1">
               <a:rPr lang="fa-IR" smtClean="0"/>
-              <a:t>21/05/1443</a:t>
+              <a:t>07/06/1443</a:t>
             </a:fld>
             <a:endParaRPr lang="en-US"/>
           </a:p>
@@ -3246,7 +3248,7 @@
           <a:p>
             <a:fld id="{D2CE04D5-4FBF-4FC1-9F14-41E071A94D47}" type="uaqdatetime1">
               <a:rPr lang="fa-IR" smtClean="0"/>
-              <a:t>21/05/1443</a:t>
+              <a:t>07/06/1443</a:t>
             </a:fld>
             <a:endParaRPr lang="en-US"/>
           </a:p>
@@ -3416,7 +3418,7 @@
           <a:p>
             <a:fld id="{508AADD2-40D1-402F-9823-C486C22D7A8F}" type="uaqdatetime1">
               <a:rPr lang="fa-IR" smtClean="0"/>
-              <a:t>21/05/1443</a:t>
+              <a:t>07/06/1443</a:t>
             </a:fld>
             <a:endParaRPr lang="en-US"/>
           </a:p>
@@ -3679,7 +3681,7 @@
           <a:p>
             <a:fld id="{2C337B5C-D2EF-4024-89A5-854290C04778}" type="uaqdatetime1">
               <a:rPr lang="fa-IR" smtClean="0"/>
-              <a:t>21/05/1443</a:t>
+              <a:t>07/06/1443</a:t>
             </a:fld>
             <a:endParaRPr lang="en-US"/>
           </a:p>
@@ -3930,7 +3932,7 @@
           <a:p>
             <a:fld id="{0083D68B-0458-4622-8439-EF1CD618009C}" type="uaqdatetime1">
               <a:rPr lang="fa-IR" smtClean="0"/>
-              <a:t>21/05/1443</a:t>
+              <a:t>07/06/1443</a:t>
             </a:fld>
             <a:endParaRPr lang="en-US"/>
           </a:p>
@@ -4245,7 +4247,7 @@
           <a:p>
             <a:fld id="{0083D68B-0458-4622-8439-EF1CD618009C}" type="uaqdatetime1">
               <a:rPr lang="fa-IR" smtClean="0"/>
-              <a:t>21/05/1443</a:t>
+              <a:t>07/06/1443</a:t>
             </a:fld>
             <a:endParaRPr lang="en-US"/>
           </a:p>
@@ -4587,7 +4589,7 @@
           <a:p>
             <a:fld id="{0083D68B-0458-4622-8439-EF1CD618009C}" type="uaqdatetime1">
               <a:rPr lang="fa-IR" smtClean="0"/>
-              <a:t>21/05/1443</a:t>
+              <a:t>07/06/1443</a:t>
             </a:fld>
             <a:endParaRPr lang="en-US"/>
           </a:p>
@@ -4902,7 +4904,7 @@
           <a:p>
             <a:fld id="{0083D68B-0458-4622-8439-EF1CD618009C}" type="uaqdatetime1">
               <a:rPr lang="fa-IR" smtClean="0"/>
-              <a:t>21/05/1443</a:t>
+              <a:t>07/06/1443</a:t>
             </a:fld>
             <a:endParaRPr lang="en-US"/>
           </a:p>
@@ -5296,7 +5298,7 @@
           <a:p>
             <a:fld id="{0083D68B-0458-4622-8439-EF1CD618009C}" type="uaqdatetime1">
               <a:rPr lang="fa-IR" smtClean="0"/>
-              <a:t>21/05/1443</a:t>
+              <a:t>07/06/1443</a:t>
             </a:fld>
             <a:endParaRPr lang="en-US"/>
           </a:p>
@@ -5467,7 +5469,7 @@
           <a:p>
             <a:fld id="{4F5917E5-01AE-43F6-BF61-636EE6DB08D0}" type="uaqdatetime1">
               <a:rPr lang="fa-IR" smtClean="0"/>
-              <a:t>21/05/1443</a:t>
+              <a:t>07/06/1443</a:t>
             </a:fld>
             <a:endParaRPr lang="en-US"/>
           </a:p>
@@ -5647,7 +5649,7 @@
           <a:p>
             <a:fld id="{328645A7-8A95-4F1F-855E-3EA030BFC41E}" type="uaqdatetime1">
               <a:rPr lang="fa-IR" smtClean="0"/>
-              <a:t>21/05/1443</a:t>
+              <a:t>07/06/1443</a:t>
             </a:fld>
             <a:endParaRPr lang="en-US"/>
           </a:p>
@@ -5893,7 +5895,7 @@
           <a:p>
             <a:fld id="{7402CB9B-D49C-43E8-87FF-3860F10A70AD}" type="uaqdatetime1">
               <a:rPr lang="fa-IR" smtClean="0"/>
-              <a:t>21/05/1443</a:t>
+              <a:t>07/06/1443</a:t>
             </a:fld>
             <a:endParaRPr lang="en-US"/>
           </a:p>
@@ -6125,7 +6127,7 @@
           <a:p>
             <a:fld id="{054213FF-4287-47B0-AEA1-26ED6271FDBD}" type="uaqdatetime1">
               <a:rPr lang="fa-IR" smtClean="0"/>
-              <a:t>21/05/1443</a:t>
+              <a:t>07/06/1443</a:t>
             </a:fld>
             <a:endParaRPr lang="en-US"/>
           </a:p>
@@ -6492,7 +6494,7 @@
           <a:p>
             <a:fld id="{B3E81681-D140-4A7C-AA8D-F6AF5CD222B2}" type="uaqdatetime1">
               <a:rPr lang="fa-IR" smtClean="0"/>
-              <a:t>21/05/1443</a:t>
+              <a:t>07/06/1443</a:t>
             </a:fld>
             <a:endParaRPr lang="en-US"/>
           </a:p>
@@ -6610,7 +6612,7 @@
           <a:p>
             <a:fld id="{A95CEF31-DA62-4E2F-9C89-3307C5A0C734}" type="uaqdatetime1">
               <a:rPr lang="fa-IR" smtClean="0"/>
-              <a:t>21/05/1443</a:t>
+              <a:t>07/06/1443</a:t>
             </a:fld>
             <a:endParaRPr lang="en-US"/>
           </a:p>
@@ -6705,7 +6707,7 @@
           <a:p>
             <a:fld id="{B1B4EA98-43D8-40B0-BB71-087C8B1FD830}" type="uaqdatetime1">
               <a:rPr lang="fa-IR" smtClean="0"/>
-              <a:t>21/05/1443</a:t>
+              <a:t>07/06/1443</a:t>
             </a:fld>
             <a:endParaRPr lang="en-US"/>
           </a:p>
@@ -6982,7 +6984,7 @@
           <a:p>
             <a:fld id="{C1E2536D-405E-4F6F-A4C1-8D3F6F41F560}" type="uaqdatetime1">
               <a:rPr lang="fa-IR" smtClean="0"/>
-              <a:t>21/05/1443</a:t>
+              <a:t>07/06/1443</a:t>
             </a:fld>
             <a:endParaRPr lang="en-US"/>
           </a:p>
@@ -7235,7 +7237,7 @@
           <a:p>
             <a:fld id="{4253EB68-0FB1-41FC-BD4A-2E738737AF01}" type="uaqdatetime1">
               <a:rPr lang="fa-IR" smtClean="0"/>
-              <a:t>21/05/1443</a:t>
+              <a:t>07/06/1443</a:t>
             </a:fld>
             <a:endParaRPr lang="en-US"/>
           </a:p>
@@ -7448,7 +7450,7 @@
           <a:p>
             <a:fld id="{0083D68B-0458-4622-8439-EF1CD618009C}" type="uaqdatetime1">
               <a:rPr lang="fa-IR" smtClean="0"/>
-              <a:t>21/05/1443</a:t>
+              <a:t>07/06/1443</a:t>
             </a:fld>
             <a:endParaRPr lang="en-US"/>
           </a:p>
@@ -8556,7 +8558,7 @@
           <a:p>
             <a:fld id="{0083D68B-0458-4622-8439-EF1CD618009C}" type="uaqdatetime1">
               <a:rPr lang="fa-IR" smtClean="0"/>
-              <a:t>21/05/1443</a:t>
+              <a:t>07/06/1443</a:t>
             </a:fld>
             <a:endParaRPr lang="en-US"/>
           </a:p>
@@ -9268,7 +9270,7 @@
           <a:p>
             <a:fld id="{8C0179CC-04B9-4F54-B86D-A42F84AF298F}" type="uaqdatetime1">
               <a:rPr lang="fa-IR" smtClean="0"/>
-              <a:t>21/05/1443</a:t>
+              <a:t>07/06/1443</a:t>
             </a:fld>
             <a:endParaRPr lang="en-US"/>
           </a:p>
@@ -9374,7 +9376,12 @@
             <p:ph type="title"/>
           </p:nvPr>
         </p:nvSpPr>
-        <p:spPr/>
+        <p:spPr>
+          <a:xfrm>
+            <a:off x="677333" y="609600"/>
+            <a:ext cx="8808411" cy="1320800"/>
+          </a:xfrm>
+        </p:spPr>
         <p:txBody>
           <a:bodyPr/>
           <a:lstStyle/>
@@ -9387,7 +9394,7 @@
                 </a:solidFill>
                 <a:cs typeface="B Nazanin" panose="00000400000000000000" pitchFamily="2" charset="-78"/>
               </a:rPr>
-              <a:t>مزاياي الگوي معماري رويداد محور </a:t>
+              <a:t>چه زمان هايي از الگوي معماري رويداد محور استفاده مي‌شود؟</a:t>
             </a:r>
             <a:endParaRPr lang="en-US" u="sng" dirty="0">
               <a:solidFill>
@@ -9413,7 +9420,54 @@
           <a:bodyPr/>
           <a:lstStyle/>
           <a:p>
-            <a:endParaRPr lang="en-US"/>
+            <a:pPr algn="r" rtl="1">
+              <a:buFont typeface="Wingdings" panose="05000000000000000000" pitchFamily="2" charset="2"/>
+              <a:buChar char="§"/>
+            </a:pPr>
+            <a:r>
+              <a:rPr lang="fa-IR" dirty="0" smtClean="0">
+                <a:cs typeface="B Nazanin" panose="00000400000000000000" pitchFamily="2" charset="-78"/>
+              </a:rPr>
+              <a:t>تجمیع سیستم‌های ناهمگن</a:t>
+            </a:r>
+          </a:p>
+          <a:p>
+            <a:pPr algn="r" rtl="1">
+              <a:buFont typeface="Wingdings" panose="05000000000000000000" pitchFamily="2" charset="2"/>
+              <a:buChar char="§"/>
+            </a:pPr>
+            <a:r>
+              <a:rPr lang="fa-IR" dirty="0" smtClean="0">
+                <a:cs typeface="B Nazanin" panose="00000400000000000000" pitchFamily="2" charset="-78"/>
+              </a:rPr>
+              <a:t>ظرفیت خروجی بالا </a:t>
+            </a:r>
+          </a:p>
+          <a:p>
+            <a:pPr algn="r" rtl="1">
+              <a:buFont typeface="Wingdings" panose="05000000000000000000" pitchFamily="2" charset="2"/>
+              <a:buChar char="§"/>
+            </a:pPr>
+            <a:r>
+              <a:rPr lang="fa-IR" dirty="0" smtClean="0">
+                <a:cs typeface="B Nazanin" panose="00000400000000000000" pitchFamily="2" charset="-78"/>
+              </a:rPr>
+              <a:t>نظارت بر منابع </a:t>
+            </a:r>
+          </a:p>
+          <a:p>
+            <a:pPr marL="0" indent="0" algn="r" rtl="1">
+              <a:buNone/>
+            </a:pPr>
+            <a:r>
+              <a:rPr lang="fa-IR" dirty="0" smtClean="0">
+                <a:cs typeface="B Nazanin" panose="00000400000000000000" pitchFamily="2" charset="-78"/>
+              </a:rPr>
+              <a:t>به جای بررسی مداوم منابع خود می‌شود از الگوی معماری رویداد محور برای نظارت و دریافت هشدار نسبت به هرگونه رخدادی در مورد منابع استفاده کرد .</a:t>
+            </a:r>
+            <a:endParaRPr lang="en-US" dirty="0">
+              <a:cs typeface="B Nazanin" panose="00000400000000000000" pitchFamily="2" charset="-78"/>
+            </a:endParaRPr>
           </a:p>
         </p:txBody>
       </p:sp>
@@ -9434,7 +9488,7 @@
           <a:p>
             <a:fld id="{C2DB2716-ABCB-47E4-A5E7-31908A35B483}" type="uaqdatetime1">
               <a:rPr lang="fa-IR" smtClean="0"/>
-              <a:t>21/05/1443</a:t>
+              <a:t>07/06/1443</a:t>
             </a:fld>
             <a:endParaRPr lang="en-US"/>
           </a:p>
@@ -9466,7 +9520,7 @@
     </p:spTree>
     <p:extLst>
       <p:ext uri="{BB962C8B-B14F-4D97-AF65-F5344CB8AC3E}">
-        <p14:creationId xmlns:p14="http://schemas.microsoft.com/office/powerpoint/2010/main" val="3294123311"/>
+        <p14:creationId xmlns:p14="http://schemas.microsoft.com/office/powerpoint/2010/main" val="2415462884"/>
       </p:ext>
     </p:extLst>
   </p:cSld>
@@ -9515,7 +9569,7 @@
           <a:bodyPr/>
           <a:lstStyle/>
           <a:p>
-            <a:pPr algn="ctr" rtl="1"/>
+            <a:pPr algn="ctr"/>
             <a:r>
               <a:rPr lang="fa-IR" u="sng" dirty="0" smtClean="0">
                 <a:solidFill>
@@ -9523,7 +9577,7 @@
                 </a:solidFill>
                 <a:cs typeface="B Nazanin" panose="00000400000000000000" pitchFamily="2" charset="-78"/>
               </a:rPr>
-              <a:t>معايب الگوي معماري رويداد محور</a:t>
+              <a:t>مزاياي الگوي معماري رويداد محور </a:t>
             </a:r>
             <a:endParaRPr lang="en-US" u="sng" dirty="0">
               <a:solidFill>
@@ -9546,10 +9600,90 @@
         </p:nvSpPr>
         <p:spPr/>
         <p:txBody>
-          <a:bodyPr/>
-          <a:lstStyle/>
-          <a:p>
-            <a:endParaRPr lang="en-US"/>
+          <a:bodyPr>
+            <a:normAutofit/>
+          </a:bodyPr>
+          <a:lstStyle/>
+          <a:p>
+            <a:pPr algn="r" rtl="1">
+              <a:buFont typeface="Arial" panose="020B0604020202020204" pitchFamily="34" charset="0"/>
+              <a:buChar char="•"/>
+            </a:pPr>
+            <a:r>
+              <a:rPr lang="fa-IR" sz="2000" dirty="0" smtClean="0">
+                <a:solidFill>
+                  <a:schemeClr val="tx1"/>
+                </a:solidFill>
+                <a:cs typeface="B Nazanin" panose="00000400000000000000" pitchFamily="2" charset="-78"/>
+              </a:rPr>
+              <a:t>قابلیت تحمل خطا و بافرکردن </a:t>
+            </a:r>
+          </a:p>
+          <a:p>
+            <a:pPr algn="r" rtl="1">
+              <a:buFont typeface="Arial" panose="020B0604020202020204" pitchFamily="34" charset="0"/>
+              <a:buChar char="•"/>
+            </a:pPr>
+            <a:r>
+              <a:rPr lang="fa-IR" sz="2000" dirty="0" smtClean="0">
+                <a:solidFill>
+                  <a:schemeClr val="tx1"/>
+                </a:solidFill>
+                <a:cs typeface="B Nazanin" panose="00000400000000000000" pitchFamily="2" charset="-78"/>
+              </a:rPr>
+              <a:t>اتصال سست یا جداسازی تولییدکنندگان و مصرف‌کنندگان</a:t>
+            </a:r>
+          </a:p>
+          <a:p>
+            <a:pPr algn="r" rtl="1">
+              <a:buFont typeface="Arial" panose="020B0604020202020204" pitchFamily="34" charset="0"/>
+              <a:buChar char="•"/>
+            </a:pPr>
+            <a:r>
+              <a:rPr lang="fa-IR" sz="2000" dirty="0" smtClean="0">
+                <a:solidFill>
+                  <a:schemeClr val="tx1"/>
+                </a:solidFill>
+                <a:cs typeface="B Nazanin" panose="00000400000000000000" pitchFamily="2" charset="-78"/>
+              </a:rPr>
+              <a:t>مقرون به صرفگی</a:t>
+            </a:r>
+          </a:p>
+          <a:p>
+            <a:pPr algn="r" rtl="1">
+              <a:buFont typeface="Arial" panose="020B0604020202020204" pitchFamily="34" charset="0"/>
+              <a:buChar char="•"/>
+            </a:pPr>
+            <a:r>
+              <a:rPr lang="fa-IR" sz="2000" dirty="0" smtClean="0">
+                <a:solidFill>
+                  <a:schemeClr val="tx1"/>
+                </a:solidFill>
+                <a:cs typeface="B Nazanin" panose="00000400000000000000" pitchFamily="2" charset="-78"/>
+              </a:rPr>
+              <a:t>قابلیت مقیاس پذیری زیاد</a:t>
+            </a:r>
+          </a:p>
+          <a:p>
+            <a:pPr algn="r" rtl="1">
+              <a:buFont typeface="Arial" panose="020B0604020202020204" pitchFamily="34" charset="0"/>
+              <a:buChar char="•"/>
+            </a:pPr>
+            <a:r>
+              <a:rPr lang="fa-IR" sz="2000" dirty="0" smtClean="0">
+                <a:solidFill>
+                  <a:schemeClr val="tx1"/>
+                </a:solidFill>
+                <a:cs typeface="B Nazanin" panose="00000400000000000000" pitchFamily="2" charset="-78"/>
+              </a:rPr>
+              <a:t>تجربه کاربری بلادرنگ بهتر</a:t>
+            </a:r>
+            <a:endParaRPr lang="en-US" sz="2000" dirty="0">
+              <a:solidFill>
+                <a:schemeClr val="tx1"/>
+              </a:solidFill>
+              <a:cs typeface="B Nazanin" panose="00000400000000000000" pitchFamily="2" charset="-78"/>
+            </a:endParaRPr>
           </a:p>
         </p:txBody>
       </p:sp>
@@ -9570,7 +9704,7 @@
           <a:p>
             <a:fld id="{C2DB2716-ABCB-47E4-A5E7-31908A35B483}" type="uaqdatetime1">
               <a:rPr lang="fa-IR" smtClean="0"/>
-              <a:t>21/05/1443</a:t>
+              <a:t>07/06/1443</a:t>
             </a:fld>
             <a:endParaRPr lang="en-US"/>
           </a:p>
@@ -9602,7 +9736,7 @@
     </p:spTree>
     <p:extLst>
       <p:ext uri="{BB962C8B-B14F-4D97-AF65-F5344CB8AC3E}">
-        <p14:creationId xmlns:p14="http://schemas.microsoft.com/office/powerpoint/2010/main" val="3232359525"/>
+        <p14:creationId xmlns:p14="http://schemas.microsoft.com/office/powerpoint/2010/main" val="3294123311"/>
       </p:ext>
     </p:extLst>
   </p:cSld>
@@ -9659,7 +9793,7 @@
                 </a:solidFill>
                 <a:cs typeface="B Nazanin" panose="00000400000000000000" pitchFamily="2" charset="-78"/>
               </a:rPr>
-              <a:t>تحليل الگوي معماري رويداد محور </a:t>
+              <a:t>مزاياي الگوي معماري رويداد محور(ادامه) </a:t>
             </a:r>
             <a:endParaRPr lang="en-US" u="sng" dirty="0">
               <a:solidFill>
@@ -9682,10 +9816,90 @@
         </p:nvSpPr>
         <p:spPr/>
         <p:txBody>
-          <a:bodyPr/>
-          <a:lstStyle/>
-          <a:p>
-            <a:endParaRPr lang="en-US"/>
+          <a:bodyPr>
+            <a:normAutofit/>
+          </a:bodyPr>
+          <a:lstStyle/>
+          <a:p>
+            <a:pPr algn="r" rtl="1">
+              <a:buFont typeface="Arial" panose="020B0604020202020204" pitchFamily="34" charset="0"/>
+              <a:buChar char="•"/>
+            </a:pPr>
+            <a:r>
+              <a:rPr lang="fa-IR" sz="2000" dirty="0" smtClean="0">
+                <a:solidFill>
+                  <a:schemeClr val="tx1"/>
+                </a:solidFill>
+                <a:cs typeface="B Nazanin" panose="00000400000000000000" pitchFamily="2" charset="-78"/>
+              </a:rPr>
+              <a:t>قابلیت تحمل خطا و بافرکردن </a:t>
+            </a:r>
+          </a:p>
+          <a:p>
+            <a:pPr algn="r" rtl="1">
+              <a:buFont typeface="Arial" panose="020B0604020202020204" pitchFamily="34" charset="0"/>
+              <a:buChar char="•"/>
+            </a:pPr>
+            <a:r>
+              <a:rPr lang="fa-IR" sz="2000" dirty="0" smtClean="0">
+                <a:solidFill>
+                  <a:schemeClr val="tx1"/>
+                </a:solidFill>
+                <a:cs typeface="B Nazanin" panose="00000400000000000000" pitchFamily="2" charset="-78"/>
+              </a:rPr>
+              <a:t>اتصال سست یا جداسازی تولییدکنندگان و مصرف‌کنندگان</a:t>
+            </a:r>
+          </a:p>
+          <a:p>
+            <a:pPr algn="r" rtl="1">
+              <a:buFont typeface="Arial" panose="020B0604020202020204" pitchFamily="34" charset="0"/>
+              <a:buChar char="•"/>
+            </a:pPr>
+            <a:r>
+              <a:rPr lang="fa-IR" sz="2000" dirty="0" smtClean="0">
+                <a:solidFill>
+                  <a:schemeClr val="tx1"/>
+                </a:solidFill>
+                <a:cs typeface="B Nazanin" panose="00000400000000000000" pitchFamily="2" charset="-78"/>
+              </a:rPr>
+              <a:t>مقرون به صرفگی</a:t>
+            </a:r>
+          </a:p>
+          <a:p>
+            <a:pPr algn="r" rtl="1">
+              <a:buFont typeface="Arial" panose="020B0604020202020204" pitchFamily="34" charset="0"/>
+              <a:buChar char="•"/>
+            </a:pPr>
+            <a:r>
+              <a:rPr lang="fa-IR" sz="2000" dirty="0" smtClean="0">
+                <a:solidFill>
+                  <a:schemeClr val="tx1"/>
+                </a:solidFill>
+                <a:cs typeface="B Nazanin" panose="00000400000000000000" pitchFamily="2" charset="-78"/>
+              </a:rPr>
+              <a:t>قابلیت مقیاس پذیری زیاد</a:t>
+            </a:r>
+          </a:p>
+          <a:p>
+            <a:pPr algn="r" rtl="1">
+              <a:buFont typeface="Arial" panose="020B0604020202020204" pitchFamily="34" charset="0"/>
+              <a:buChar char="•"/>
+            </a:pPr>
+            <a:r>
+              <a:rPr lang="fa-IR" sz="2000" dirty="0" smtClean="0">
+                <a:solidFill>
+                  <a:schemeClr val="tx1"/>
+                </a:solidFill>
+                <a:cs typeface="B Nazanin" panose="00000400000000000000" pitchFamily="2" charset="-78"/>
+              </a:rPr>
+              <a:t>تجربه کاربری بلادرنگ بهتر</a:t>
+            </a:r>
+            <a:endParaRPr lang="en-US" sz="2000" dirty="0">
+              <a:solidFill>
+                <a:schemeClr val="tx1"/>
+              </a:solidFill>
+              <a:cs typeface="B Nazanin" panose="00000400000000000000" pitchFamily="2" charset="-78"/>
+            </a:endParaRPr>
           </a:p>
         </p:txBody>
       </p:sp>
@@ -9706,7 +9920,7 @@
           <a:p>
             <a:fld id="{C2DB2716-ABCB-47E4-A5E7-31908A35B483}" type="uaqdatetime1">
               <a:rPr lang="fa-IR" smtClean="0"/>
-              <a:t>21/05/1443</a:t>
+              <a:t>07/06/1443</a:t>
             </a:fld>
             <a:endParaRPr lang="en-US"/>
           </a:p>
@@ -9738,7 +9952,7 @@
     </p:spTree>
     <p:extLst>
       <p:ext uri="{BB962C8B-B14F-4D97-AF65-F5344CB8AC3E}">
-        <p14:creationId xmlns:p14="http://schemas.microsoft.com/office/powerpoint/2010/main" val="2751533732"/>
+        <p14:creationId xmlns:p14="http://schemas.microsoft.com/office/powerpoint/2010/main" val="3370708145"/>
       </p:ext>
     </p:extLst>
   </p:cSld>
@@ -9787,47 +10001,107 @@
           <a:bodyPr/>
           <a:lstStyle/>
           <a:p>
-            <a:pPr marL="342900" lvl="0" indent="-342900" algn="ctr" rtl="1">
-              <a:spcBef>
-                <a:spcPts val="1000"/>
-              </a:spcBef>
-            </a:pPr>
-            <a:r>
-              <a:rPr lang="fa-IR" u="sng" dirty="0">
+            <a:pPr algn="ctr" rtl="1"/>
+            <a:r>
+              <a:rPr lang="fa-IR" u="sng" dirty="0" smtClean="0">
                 <a:solidFill>
                   <a:srgbClr val="C00000"/>
                 </a:solidFill>
-                <a:ea typeface="+mn-ea"/>
                 <a:cs typeface="B Nazanin" panose="00000400000000000000" pitchFamily="2" charset="-78"/>
               </a:rPr>
-              <a:t>نكات ضرروري راجب استفاده از الگوي معماري رويداد محور </a:t>
-            </a:r>
-            <a:r>
-              <a:rPr lang="fa-IR" sz="2400" dirty="0">
-                <a:solidFill>
-                  <a:prstClr val="black">
-                    <a:lumMod val="75000"/>
-                    <a:lumOff val="25000"/>
-                  </a:prstClr>
-                </a:solidFill>
-                <a:ea typeface="+mn-ea"/>
+              <a:t>معايب الگوي معماري رويداد محور</a:t>
+            </a:r>
+            <a:endParaRPr lang="en-US" u="sng" dirty="0">
+              <a:solidFill>
+                <a:srgbClr val="C00000"/>
+              </a:solidFill>
+              <a:cs typeface="B Nazanin" panose="00000400000000000000" pitchFamily="2" charset="-78"/>
+            </a:endParaRPr>
+          </a:p>
+        </p:txBody>
+      </p:sp>
+      <p:sp>
+        <p:nvSpPr>
+          <p:cNvPr id="3" name="Content Placeholder 2"/>
+          <p:cNvSpPr>
+            <a:spLocks noGrp="1"/>
+          </p:cNvSpPr>
+          <p:nvPr>
+            <p:ph idx="1"/>
+          </p:nvPr>
+        </p:nvSpPr>
+        <p:spPr/>
+        <p:txBody>
+          <a:bodyPr>
+            <a:normAutofit/>
+          </a:bodyPr>
+          <a:lstStyle/>
+          <a:p>
+            <a:pPr algn="r" rtl="1">
+              <a:buFont typeface="Wingdings" panose="05000000000000000000" pitchFamily="2" charset="2"/>
+              <a:buChar char="§"/>
+            </a:pPr>
+            <a:r>
+              <a:rPr lang="fa-IR" sz="2000" dirty="0" smtClean="0">
                 <a:cs typeface="B Nazanin" panose="00000400000000000000" pitchFamily="2" charset="-78"/>
               </a:rPr>
-              <a:t/>
-            </a:r>
-            <a:br>
-              <a:rPr lang="fa-IR" sz="2400" dirty="0">
-                <a:solidFill>
-                  <a:prstClr val="black">
-                    <a:lumMod val="75000"/>
-                    <a:lumOff val="25000"/>
-                  </a:prstClr>
-                </a:solidFill>
-                <a:ea typeface="+mn-ea"/>
+              <a:t>محدود به پردازش ناهمزمان </a:t>
+            </a:r>
+          </a:p>
+          <a:p>
+            <a:pPr algn="r" rtl="1">
+              <a:buFont typeface="Wingdings" panose="05000000000000000000" pitchFamily="2" charset="2"/>
+              <a:buChar char="§"/>
+            </a:pPr>
+            <a:r>
+              <a:rPr lang="fa-IR" sz="2000" dirty="0" smtClean="0">
                 <a:cs typeface="B Nazanin" panose="00000400000000000000" pitchFamily="2" charset="-78"/>
               </a:rPr>
-            </a:br>
-            <a:endParaRPr lang="en-US" dirty="0">
+              <a:t>ايجاد پيچيدگي </a:t>
+            </a:r>
+            <a:r>
+              <a:rPr lang="fa-IR" sz="2000" dirty="0" smtClean="0">
+                <a:cs typeface="B Nazanin" panose="00000400000000000000" pitchFamily="2" charset="-78"/>
+              </a:rPr>
+              <a:t>اضافي</a:t>
+            </a:r>
+          </a:p>
+          <a:p>
+            <a:pPr algn="r" rtl="1">
+              <a:buFont typeface="Wingdings" panose="05000000000000000000" pitchFamily="2" charset="2"/>
+              <a:buChar char="§"/>
+            </a:pPr>
+            <a:r>
+              <a:rPr lang="fa-IR" sz="2000" dirty="0" smtClean="0">
+                <a:cs typeface="B Nazanin" panose="00000400000000000000" pitchFamily="2" charset="-78"/>
+              </a:rPr>
+              <a:t>رفتار ناسازگار </a:t>
+            </a:r>
+          </a:p>
+          <a:p>
+            <a:pPr algn="r" rtl="1">
+              <a:buFont typeface="Wingdings" panose="05000000000000000000" pitchFamily="2" charset="2"/>
+              <a:buChar char="§"/>
+            </a:pPr>
+            <a:r>
+              <a:rPr lang="fa-IR" sz="2000" dirty="0" smtClean="0">
+                <a:cs typeface="B Nazanin" panose="00000400000000000000" pitchFamily="2" charset="-78"/>
+              </a:rPr>
+              <a:t>آزمون‌پذیری پایین </a:t>
+            </a:r>
+          </a:p>
+          <a:p>
+            <a:pPr algn="r" rtl="1">
+              <a:buFont typeface="Wingdings" panose="05000000000000000000" pitchFamily="2" charset="2"/>
+              <a:buChar char="§"/>
+            </a:pPr>
+            <a:r>
+              <a:rPr lang="fa-IR" sz="2000" dirty="0" smtClean="0">
+                <a:cs typeface="B Nazanin" panose="00000400000000000000" pitchFamily="2" charset="-78"/>
+              </a:rPr>
+              <a:t>توسعه سخت </a:t>
+            </a:r>
+            <a:endParaRPr lang="en-US" sz="2000" dirty="0">
               <a:cs typeface="B Nazanin" panose="00000400000000000000" pitchFamily="2" charset="-78"/>
             </a:endParaRPr>
           </a:p>
@@ -9835,25 +10109,6 @@
       </p:sp>
       <p:sp>
         <p:nvSpPr>
-          <p:cNvPr id="3" name="Content Placeholder 2"/>
-          <p:cNvSpPr>
-            <a:spLocks noGrp="1"/>
-          </p:cNvSpPr>
-          <p:nvPr>
-            <p:ph idx="1"/>
-          </p:nvPr>
-        </p:nvSpPr>
-        <p:spPr/>
-        <p:txBody>
-          <a:bodyPr/>
-          <a:lstStyle/>
-          <a:p>
-            <a:endParaRPr lang="en-US"/>
-          </a:p>
-        </p:txBody>
-      </p:sp>
-      <p:sp>
-        <p:nvSpPr>
           <p:cNvPr id="4" name="Date Placeholder 3"/>
           <p:cNvSpPr>
             <a:spLocks noGrp="1"/>
@@ -9869,7 +10124,7 @@
           <a:p>
             <a:fld id="{C2DB2716-ABCB-47E4-A5E7-31908A35B483}" type="uaqdatetime1">
               <a:rPr lang="fa-IR" smtClean="0"/>
-              <a:t>21/05/1443</a:t>
+              <a:t>07/06/1443</a:t>
             </a:fld>
             <a:endParaRPr lang="en-US"/>
           </a:p>
@@ -9901,7 +10156,7 @@
     </p:spTree>
     <p:extLst>
       <p:ext uri="{BB962C8B-B14F-4D97-AF65-F5344CB8AC3E}">
-        <p14:creationId xmlns:p14="http://schemas.microsoft.com/office/powerpoint/2010/main" val="4067526682"/>
+        <p14:creationId xmlns:p14="http://schemas.microsoft.com/office/powerpoint/2010/main" val="3232359525"/>
       </p:ext>
     </p:extLst>
   </p:cSld>
@@ -9950,7 +10205,7 @@
           <a:bodyPr/>
           <a:lstStyle/>
           <a:p>
-            <a:pPr algn="ctr" rtl="1"/>
+            <a:pPr algn="ctr"/>
             <a:r>
               <a:rPr lang="fa-IR" u="sng" dirty="0" smtClean="0">
                 <a:solidFill>
@@ -9958,7 +10213,7 @@
                 </a:solidFill>
                 <a:cs typeface="B Nazanin" panose="00000400000000000000" pitchFamily="2" charset="-78"/>
               </a:rPr>
-              <a:t>جمع بندي </a:t>
+              <a:t>تحليل الگوي معماري رويداد محور </a:t>
             </a:r>
             <a:endParaRPr lang="en-US" u="sng" dirty="0">
               <a:solidFill>
@@ -9984,7 +10239,10 @@
           <a:bodyPr/>
           <a:lstStyle/>
           <a:p>
-            <a:endParaRPr lang="en-US"/>
+            <a:pPr algn="r" rtl="1"/>
+            <a:endParaRPr lang="en-US" dirty="0">
+              <a:cs typeface="B Nazanin" panose="00000400000000000000" pitchFamily="2" charset="-78"/>
+            </a:endParaRPr>
           </a:p>
         </p:txBody>
       </p:sp>
@@ -10005,7 +10263,7 @@
           <a:p>
             <a:fld id="{C2DB2716-ABCB-47E4-A5E7-31908A35B483}" type="uaqdatetime1">
               <a:rPr lang="fa-IR" smtClean="0"/>
-              <a:t>21/05/1443</a:t>
+              <a:t>07/06/1443</a:t>
             </a:fld>
             <a:endParaRPr lang="en-US"/>
           </a:p>
@@ -10037,7 +10295,7 @@
     </p:spTree>
     <p:extLst>
       <p:ext uri="{BB962C8B-B14F-4D97-AF65-F5344CB8AC3E}">
-        <p14:creationId xmlns:p14="http://schemas.microsoft.com/office/powerpoint/2010/main" val="3418445611"/>
+        <p14:creationId xmlns:p14="http://schemas.microsoft.com/office/powerpoint/2010/main" val="2751533732"/>
       </p:ext>
     </p:extLst>
   </p:cSld>
@@ -10086,15 +10344,178 @@
           <a:bodyPr/>
           <a:lstStyle/>
           <a:p>
-            <a:pPr algn="ctr"/>
-            <a:r>
-              <a:rPr lang="fa-IR" u="sng" dirty="0" smtClean="0">
+            <a:pPr marL="342900" lvl="0" indent="-342900" algn="ctr" rtl="1">
+              <a:spcBef>
+                <a:spcPts val="1000"/>
+              </a:spcBef>
+            </a:pPr>
+            <a:r>
+              <a:rPr lang="fa-IR" u="sng" dirty="0">
                 <a:solidFill>
                   <a:srgbClr val="C00000"/>
                 </a:solidFill>
+                <a:ea typeface="+mn-ea"/>
                 <a:cs typeface="B Nazanin" panose="00000400000000000000" pitchFamily="2" charset="-78"/>
               </a:rPr>
-              <a:t>مراجع</a:t>
+              <a:t>نكات ضرروري راجب استفاده از الگوي معماري رويداد محور </a:t>
+            </a:r>
+            <a:r>
+              <a:rPr lang="fa-IR" sz="2400" dirty="0">
+                <a:solidFill>
+                  <a:prstClr val="black">
+                    <a:lumMod val="75000"/>
+                    <a:lumOff val="25000"/>
+                  </a:prstClr>
+                </a:solidFill>
+                <a:ea typeface="+mn-ea"/>
+                <a:cs typeface="B Nazanin" panose="00000400000000000000" pitchFamily="2" charset="-78"/>
+              </a:rPr>
+              <a:t/>
+            </a:r>
+            <a:br>
+              <a:rPr lang="fa-IR" sz="2400" dirty="0">
+                <a:solidFill>
+                  <a:prstClr val="black">
+                    <a:lumMod val="75000"/>
+                    <a:lumOff val="25000"/>
+                  </a:prstClr>
+                </a:solidFill>
+                <a:ea typeface="+mn-ea"/>
+                <a:cs typeface="B Nazanin" panose="00000400000000000000" pitchFamily="2" charset="-78"/>
+              </a:rPr>
+            </a:br>
+            <a:endParaRPr lang="en-US" dirty="0">
+              <a:cs typeface="B Nazanin" panose="00000400000000000000" pitchFamily="2" charset="-78"/>
+            </a:endParaRPr>
+          </a:p>
+        </p:txBody>
+      </p:sp>
+      <p:sp>
+        <p:nvSpPr>
+          <p:cNvPr id="3" name="Content Placeholder 2"/>
+          <p:cNvSpPr>
+            <a:spLocks noGrp="1"/>
+          </p:cNvSpPr>
+          <p:nvPr>
+            <p:ph idx="1"/>
+          </p:nvPr>
+        </p:nvSpPr>
+        <p:spPr/>
+        <p:txBody>
+          <a:bodyPr/>
+          <a:lstStyle/>
+          <a:p>
+            <a:endParaRPr lang="en-US"/>
+          </a:p>
+        </p:txBody>
+      </p:sp>
+      <p:sp>
+        <p:nvSpPr>
+          <p:cNvPr id="4" name="Date Placeholder 3"/>
+          <p:cNvSpPr>
+            <a:spLocks noGrp="1"/>
+          </p:cNvSpPr>
+          <p:nvPr>
+            <p:ph type="dt" sz="half" idx="10"/>
+          </p:nvPr>
+        </p:nvSpPr>
+        <p:spPr/>
+        <p:txBody>
+          <a:bodyPr/>
+          <a:lstStyle/>
+          <a:p>
+            <a:fld id="{C2DB2716-ABCB-47E4-A5E7-31908A35B483}" type="uaqdatetime1">
+              <a:rPr lang="fa-IR" smtClean="0"/>
+              <a:t>07/06/1443</a:t>
+            </a:fld>
+            <a:endParaRPr lang="en-US"/>
+          </a:p>
+        </p:txBody>
+      </p:sp>
+      <p:sp>
+        <p:nvSpPr>
+          <p:cNvPr id="5" name="Slide Number Placeholder 4"/>
+          <p:cNvSpPr>
+            <a:spLocks noGrp="1"/>
+          </p:cNvSpPr>
+          <p:nvPr>
+            <p:ph type="sldNum" sz="quarter" idx="12"/>
+          </p:nvPr>
+        </p:nvSpPr>
+        <p:spPr/>
+        <p:txBody>
+          <a:bodyPr/>
+          <a:lstStyle/>
+          <a:p>
+            <a:fld id="{4BC6469D-48EF-44E1-BF07-A9CE4893D6D6}" type="slidenum">
+              <a:rPr lang="en-US" smtClean="0"/>
+              <a:t>15</a:t>
+            </a:fld>
+            <a:endParaRPr lang="en-US"/>
+          </a:p>
+        </p:txBody>
+      </p:sp>
+    </p:spTree>
+    <p:extLst>
+      <p:ext uri="{BB962C8B-B14F-4D97-AF65-F5344CB8AC3E}">
+        <p14:creationId xmlns:p14="http://schemas.microsoft.com/office/powerpoint/2010/main" val="4067526682"/>
+      </p:ext>
+    </p:extLst>
+  </p:cSld>
+  <p:clrMapOvr>
+    <a:masterClrMapping/>
+  </p:clrMapOvr>
+  <p:timing>
+    <p:tnLst>
+      <p:par>
+        <p:cTn id="1" dur="indefinite" restart="never" nodeType="tmRoot"/>
+      </p:par>
+    </p:tnLst>
+  </p:timing>
+</p:sld>
+</file>
+
+<file path=ppt/slides/slide16.xml><?xml version="1.0" encoding="utf-8"?>
+<p:sld xmlns:a="http://schemas.openxmlformats.org/drawingml/2006/main" xmlns:r="http://schemas.openxmlformats.org/officeDocument/2006/relationships" xmlns:p="http://schemas.openxmlformats.org/presentationml/2006/main">
+  <p:cSld>
+    <p:spTree>
+      <p:nvGrpSpPr>
+        <p:cNvPr id="1" name=""/>
+        <p:cNvGrpSpPr/>
+        <p:nvPr/>
+      </p:nvGrpSpPr>
+      <p:grpSpPr>
+        <a:xfrm>
+          <a:off x="0" y="0"/>
+          <a:ext cx="0" cy="0"/>
+          <a:chOff x="0" y="0"/>
+          <a:chExt cx="0" cy="0"/>
+        </a:xfrm>
+      </p:grpSpPr>
+      <p:sp>
+        <p:nvSpPr>
+          <p:cNvPr id="2" name="Title 1"/>
+          <p:cNvSpPr>
+            <a:spLocks noGrp="1"/>
+          </p:cNvSpPr>
+          <p:nvPr>
+            <p:ph type="title"/>
+          </p:nvPr>
+        </p:nvSpPr>
+        <p:spPr/>
+        <p:txBody>
+          <a:bodyPr/>
+          <a:lstStyle/>
+          <a:p>
+            <a:pPr algn="ctr" rtl="1"/>
+            <a:r>
+              <a:rPr lang="fa-IR" u="sng" dirty="0" smtClean="0">
+                <a:solidFill>
+                  <a:srgbClr val="C00000"/>
+                </a:solidFill>
+                <a:cs typeface="B Nazanin" panose="00000400000000000000" pitchFamily="2" charset="-78"/>
+              </a:rPr>
+              <a:t>جمع بندي </a:t>
             </a:r>
             <a:endParaRPr lang="en-US" u="sng" dirty="0">
               <a:solidFill>
@@ -10141,7 +10562,7 @@
           <a:p>
             <a:fld id="{C2DB2716-ABCB-47E4-A5E7-31908A35B483}" type="uaqdatetime1">
               <a:rPr lang="fa-IR" smtClean="0"/>
-              <a:t>21/05/1443</a:t>
+              <a:t>07/06/1443</a:t>
             </a:fld>
             <a:endParaRPr lang="en-US"/>
           </a:p>
@@ -10164,7 +10585,143 @@
           <a:p>
             <a:fld id="{4BC6469D-48EF-44E1-BF07-A9CE4893D6D6}" type="slidenum">
               <a:rPr lang="en-US" smtClean="0"/>
-              <a:t>15</a:t>
+              <a:t>16</a:t>
+            </a:fld>
+            <a:endParaRPr lang="en-US"/>
+          </a:p>
+        </p:txBody>
+      </p:sp>
+    </p:spTree>
+    <p:extLst>
+      <p:ext uri="{BB962C8B-B14F-4D97-AF65-F5344CB8AC3E}">
+        <p14:creationId xmlns:p14="http://schemas.microsoft.com/office/powerpoint/2010/main" val="3418445611"/>
+      </p:ext>
+    </p:extLst>
+  </p:cSld>
+  <p:clrMapOvr>
+    <a:masterClrMapping/>
+  </p:clrMapOvr>
+  <p:timing>
+    <p:tnLst>
+      <p:par>
+        <p:cTn id="1" dur="indefinite" restart="never" nodeType="tmRoot"/>
+      </p:par>
+    </p:tnLst>
+  </p:timing>
+</p:sld>
+</file>
+
+<file path=ppt/slides/slide17.xml><?xml version="1.0" encoding="utf-8"?>
+<p:sld xmlns:a="http://schemas.openxmlformats.org/drawingml/2006/main" xmlns:r="http://schemas.openxmlformats.org/officeDocument/2006/relationships" xmlns:p="http://schemas.openxmlformats.org/presentationml/2006/main">
+  <p:cSld>
+    <p:spTree>
+      <p:nvGrpSpPr>
+        <p:cNvPr id="1" name=""/>
+        <p:cNvGrpSpPr/>
+        <p:nvPr/>
+      </p:nvGrpSpPr>
+      <p:grpSpPr>
+        <a:xfrm>
+          <a:off x="0" y="0"/>
+          <a:ext cx="0" cy="0"/>
+          <a:chOff x="0" y="0"/>
+          <a:chExt cx="0" cy="0"/>
+        </a:xfrm>
+      </p:grpSpPr>
+      <p:sp>
+        <p:nvSpPr>
+          <p:cNvPr id="2" name="Title 1"/>
+          <p:cNvSpPr>
+            <a:spLocks noGrp="1"/>
+          </p:cNvSpPr>
+          <p:nvPr>
+            <p:ph type="title"/>
+          </p:nvPr>
+        </p:nvSpPr>
+        <p:spPr/>
+        <p:txBody>
+          <a:bodyPr/>
+          <a:lstStyle/>
+          <a:p>
+            <a:pPr algn="ctr"/>
+            <a:r>
+              <a:rPr lang="fa-IR" u="sng" dirty="0" smtClean="0">
+                <a:solidFill>
+                  <a:srgbClr val="C00000"/>
+                </a:solidFill>
+                <a:cs typeface="B Nazanin" panose="00000400000000000000" pitchFamily="2" charset="-78"/>
+              </a:rPr>
+              <a:t>مراجع</a:t>
+            </a:r>
+            <a:endParaRPr lang="en-US" u="sng" dirty="0">
+              <a:solidFill>
+                <a:srgbClr val="C00000"/>
+              </a:solidFill>
+              <a:cs typeface="B Nazanin" panose="00000400000000000000" pitchFamily="2" charset="-78"/>
+            </a:endParaRPr>
+          </a:p>
+        </p:txBody>
+      </p:sp>
+      <p:sp>
+        <p:nvSpPr>
+          <p:cNvPr id="3" name="Content Placeholder 2"/>
+          <p:cNvSpPr>
+            <a:spLocks noGrp="1"/>
+          </p:cNvSpPr>
+          <p:nvPr>
+            <p:ph idx="1"/>
+          </p:nvPr>
+        </p:nvSpPr>
+        <p:spPr/>
+        <p:txBody>
+          <a:bodyPr/>
+          <a:lstStyle/>
+          <a:p>
+            <a:endParaRPr lang="en-US"/>
+          </a:p>
+        </p:txBody>
+      </p:sp>
+      <p:sp>
+        <p:nvSpPr>
+          <p:cNvPr id="4" name="Date Placeholder 3"/>
+          <p:cNvSpPr>
+            <a:spLocks noGrp="1"/>
+          </p:cNvSpPr>
+          <p:nvPr>
+            <p:ph type="dt" sz="half" idx="10"/>
+          </p:nvPr>
+        </p:nvSpPr>
+        <p:spPr/>
+        <p:txBody>
+          <a:bodyPr/>
+          <a:lstStyle/>
+          <a:p>
+            <a:fld id="{C2DB2716-ABCB-47E4-A5E7-31908A35B483}" type="uaqdatetime1">
+              <a:rPr lang="fa-IR" smtClean="0"/>
+              <a:t>07/06/1443</a:t>
+            </a:fld>
+            <a:endParaRPr lang="en-US"/>
+          </a:p>
+        </p:txBody>
+      </p:sp>
+      <p:sp>
+        <p:nvSpPr>
+          <p:cNvPr id="5" name="Slide Number Placeholder 4"/>
+          <p:cNvSpPr>
+            <a:spLocks noGrp="1"/>
+          </p:cNvSpPr>
+          <p:nvPr>
+            <p:ph type="sldNum" sz="quarter" idx="12"/>
+          </p:nvPr>
+        </p:nvSpPr>
+        <p:spPr/>
+        <p:txBody>
+          <a:bodyPr/>
+          <a:lstStyle/>
+          <a:p>
+            <a:fld id="{4BC6469D-48EF-44E1-BF07-A9CE4893D6D6}" type="slidenum">
+              <a:rPr lang="en-US" smtClean="0"/>
+              <a:t>17</a:t>
             </a:fld>
             <a:endParaRPr lang="en-US"/>
           </a:p>
@@ -10393,7 +10950,7 @@
           <a:p>
             <a:fld id="{85D879EB-1AC6-4DAD-A7D9-A5ED0E43FD94}" type="uaqdatetime1">
               <a:rPr lang="fa-IR" smtClean="0"/>
-              <a:t>21/05/1443</a:t>
+              <a:t>07/06/1443</a:t>
             </a:fld>
             <a:endParaRPr lang="en-US"/>
           </a:p>
@@ -10471,22 +11028,26 @@
         </p:nvSpPr>
         <p:spPr/>
         <p:txBody>
-          <a:bodyPr/>
+          <a:bodyPr>
+            <a:normAutofit/>
+          </a:bodyPr>
           <a:lstStyle/>
           <a:p>
             <a:pPr algn="ctr"/>
             <a:r>
-              <a:rPr lang="fa-IR" u="sng" dirty="0" smtClean="0">
+              <a:rPr lang="fa-IR" sz="4000" u="sng" dirty="0" smtClean="0">
                 <a:solidFill>
                   <a:srgbClr val="C00000"/>
                 </a:solidFill>
+                <a:cs typeface="B Nazanin" panose="00000400000000000000" pitchFamily="2" charset="-78"/>
               </a:rPr>
               <a:t>مقدمه</a:t>
             </a:r>
-            <a:endParaRPr lang="en-US" u="sng" dirty="0">
+            <a:endParaRPr lang="en-US" sz="4000" u="sng" dirty="0">
               <a:solidFill>
                 <a:srgbClr val="C00000"/>
               </a:solidFill>
+              <a:cs typeface="B Nazanin" panose="00000400000000000000" pitchFamily="2" charset="-78"/>
             </a:endParaRPr>
           </a:p>
         </p:txBody>
@@ -10613,7 +11174,7 @@
           <a:p>
             <a:fld id="{44424082-5CA2-48E6-9B05-0898A8B9FA3C}" type="uaqdatetime1">
               <a:rPr lang="fa-IR" smtClean="0"/>
-              <a:t>21/05/1443</a:t>
+              <a:t>07/06/1443</a:t>
             </a:fld>
             <a:endParaRPr lang="en-US"/>
           </a:p>
@@ -10923,7 +11484,7 @@
           <a:p>
             <a:fld id="{97B56645-9C37-419D-86C0-AA05FDDD1398}" type="uaqdatetime1">
               <a:rPr lang="fa-IR" smtClean="0"/>
-              <a:t>21/05/1443</a:t>
+              <a:t>07/06/1443</a:t>
             </a:fld>
             <a:endParaRPr lang="en-US"/>
           </a:p>
@@ -11183,7 +11744,7 @@
           <a:p>
             <a:fld id="{99F17209-2804-43DE-A57B-2B84D7B02C1B}" type="uaqdatetime1">
               <a:rPr lang="fa-IR" smtClean="0"/>
-              <a:t>21/05/1443</a:t>
+              <a:t>07/06/1443</a:t>
             </a:fld>
             <a:endParaRPr lang="en-US"/>
           </a:p>
@@ -11266,6 +11827,211 @@
           <a:p>
             <a:pPr algn="ctr"/>
             <a:r>
+              <a:rPr lang="fa-IR" dirty="0" smtClean="0">
+                <a:solidFill>
+                  <a:srgbClr val="C00000"/>
+                </a:solidFill>
+                <a:cs typeface="B Nazanin" panose="00000400000000000000" pitchFamily="2" charset="-78"/>
+              </a:rPr>
+              <a:t>ا</a:t>
+            </a:r>
+            <a:r>
+              <a:rPr lang="fa-IR" u="sng" dirty="0" smtClean="0">
+                <a:solidFill>
+                  <a:srgbClr val="C00000"/>
+                </a:solidFill>
+                <a:cs typeface="B Nazanin" panose="00000400000000000000" pitchFamily="2" charset="-78"/>
+              </a:rPr>
+              <a:t>جزای اصلی تشکیل دهنده الگوی معماری رویداد محور </a:t>
+            </a:r>
+            <a:endParaRPr lang="fa-IR" u="sng" dirty="0">
+              <a:solidFill>
+                <a:srgbClr val="C00000"/>
+              </a:solidFill>
+              <a:cs typeface="B Nazanin" panose="00000400000000000000" pitchFamily="2" charset="-78"/>
+            </a:endParaRPr>
+          </a:p>
+        </p:txBody>
+      </p:sp>
+      <p:sp>
+        <p:nvSpPr>
+          <p:cNvPr id="3" name="Content Placeholder 2"/>
+          <p:cNvSpPr>
+            <a:spLocks noGrp="1"/>
+          </p:cNvSpPr>
+          <p:nvPr>
+            <p:ph idx="1"/>
+          </p:nvPr>
+        </p:nvSpPr>
+        <p:spPr/>
+        <p:txBody>
+          <a:bodyPr/>
+          <a:lstStyle/>
+          <a:p>
+            <a:pPr algn="r" rtl="1">
+              <a:buFont typeface="Wingdings" panose="05000000000000000000" pitchFamily="2" charset="2"/>
+              <a:buChar char="§"/>
+            </a:pPr>
+            <a:r>
+              <a:rPr lang="fa-IR" dirty="0" smtClean="0"/>
+              <a:t>تولیید‌کننده رویداد </a:t>
+            </a:r>
+          </a:p>
+          <a:p>
+            <a:pPr marL="0" indent="0" algn="r" rtl="1">
+              <a:buNone/>
+            </a:pPr>
+            <a:r>
+              <a:rPr lang="fa-IR" dirty="0" smtClean="0"/>
+              <a:t>مسئول تولیید و انتشار رویدادها می‌باشد </a:t>
+            </a:r>
+          </a:p>
+          <a:p>
+            <a:pPr algn="r" rtl="1">
+              <a:buFont typeface="Wingdings" panose="05000000000000000000" pitchFamily="2" charset="2"/>
+              <a:buChar char="§"/>
+            </a:pPr>
+            <a:r>
+              <a:rPr lang="fa-IR" dirty="0" smtClean="0"/>
+              <a:t>روتر رویداد </a:t>
+            </a:r>
+          </a:p>
+          <a:p>
+            <a:pPr marL="0" indent="0" algn="r" rtl="1">
+              <a:buNone/>
+            </a:pPr>
+            <a:r>
+              <a:rPr lang="fa-IR" dirty="0" smtClean="0"/>
+              <a:t>    وظیفه </a:t>
+            </a:r>
+            <a:r>
+              <a:rPr lang="fa-IR" dirty="0"/>
+              <a:t>فیلتر ، پردازش و مسیریابی رویدادها برای رسیدن به مصرف‌کنندگان برعهده روترهای رویداد است </a:t>
+            </a:r>
+            <a:endParaRPr lang="fa-IR" dirty="0" smtClean="0"/>
+          </a:p>
+          <a:p>
+            <a:pPr algn="r" rtl="1">
+              <a:buFont typeface="Wingdings" panose="05000000000000000000" pitchFamily="2" charset="2"/>
+              <a:buChar char="§"/>
+            </a:pPr>
+            <a:r>
+              <a:rPr lang="fa-IR" dirty="0" smtClean="0"/>
+              <a:t>مصرف‌کننده رویداد </a:t>
+            </a:r>
+          </a:p>
+          <a:p>
+            <a:pPr marL="0" indent="0" algn="r" rtl="1">
+              <a:buNone/>
+            </a:pPr>
+            <a:r>
+              <a:rPr lang="fa-IR" smtClean="0"/>
+              <a:t>رویداد را دریافت کرد و نصب به آن اقدام مناسبی را اتخاذ می‌کند . </a:t>
+            </a:r>
+            <a:endParaRPr lang="fa-IR" dirty="0" smtClean="0"/>
+          </a:p>
+          <a:p>
+            <a:pPr algn="r" rtl="1">
+              <a:buFont typeface="Wingdings" panose="05000000000000000000" pitchFamily="2" charset="2"/>
+              <a:buChar char="§"/>
+            </a:pPr>
+            <a:endParaRPr lang="fa-IR" dirty="0"/>
+          </a:p>
+        </p:txBody>
+      </p:sp>
+      <p:sp>
+        <p:nvSpPr>
+          <p:cNvPr id="4" name="Date Placeholder 3"/>
+          <p:cNvSpPr>
+            <a:spLocks noGrp="1"/>
+          </p:cNvSpPr>
+          <p:nvPr>
+            <p:ph type="dt" sz="half" idx="10"/>
+          </p:nvPr>
+        </p:nvSpPr>
+        <p:spPr/>
+        <p:txBody>
+          <a:bodyPr/>
+          <a:lstStyle/>
+          <a:p>
+            <a:fld id="{C2DB2716-ABCB-47E4-A5E7-31908A35B483}" type="uaqdatetime1">
+              <a:rPr lang="fa-IR" smtClean="0"/>
+              <a:t>08/06/1443</a:t>
+            </a:fld>
+            <a:endParaRPr lang="en-US"/>
+          </a:p>
+        </p:txBody>
+      </p:sp>
+      <p:sp>
+        <p:nvSpPr>
+          <p:cNvPr id="5" name="Slide Number Placeholder 4"/>
+          <p:cNvSpPr>
+            <a:spLocks noGrp="1"/>
+          </p:cNvSpPr>
+          <p:nvPr>
+            <p:ph type="sldNum" sz="quarter" idx="12"/>
+          </p:nvPr>
+        </p:nvSpPr>
+        <p:spPr/>
+        <p:txBody>
+          <a:bodyPr/>
+          <a:lstStyle/>
+          <a:p>
+            <a:fld id="{4BC6469D-48EF-44E1-BF07-A9CE4893D6D6}" type="slidenum">
+              <a:rPr lang="en-US" smtClean="0"/>
+              <a:t>6</a:t>
+            </a:fld>
+            <a:endParaRPr lang="en-US"/>
+          </a:p>
+        </p:txBody>
+      </p:sp>
+    </p:spTree>
+    <p:extLst>
+      <p:ext uri="{BB962C8B-B14F-4D97-AF65-F5344CB8AC3E}">
+        <p14:creationId xmlns:p14="http://schemas.microsoft.com/office/powerpoint/2010/main" val="2342865760"/>
+      </p:ext>
+    </p:extLst>
+  </p:cSld>
+  <p:clrMapOvr>
+    <a:masterClrMapping/>
+  </p:clrMapOvr>
+</p:sld>
+</file>
+
+<file path=ppt/slides/slide7.xml><?xml version="1.0" encoding="utf-8"?>
+<p:sld xmlns:a="http://schemas.openxmlformats.org/drawingml/2006/main" xmlns:r="http://schemas.openxmlformats.org/officeDocument/2006/relationships" xmlns:p="http://schemas.openxmlformats.org/presentationml/2006/main">
+  <p:cSld>
+    <p:spTree>
+      <p:nvGrpSpPr>
+        <p:cNvPr id="1" name=""/>
+        <p:cNvGrpSpPr/>
+        <p:nvPr/>
+      </p:nvGrpSpPr>
+      <p:grpSpPr>
+        <a:xfrm>
+          <a:off x="0" y="0"/>
+          <a:ext cx="0" cy="0"/>
+          <a:chOff x="0" y="0"/>
+          <a:chExt cx="0" cy="0"/>
+        </a:xfrm>
+      </p:grpSpPr>
+      <p:sp>
+        <p:nvSpPr>
+          <p:cNvPr id="2" name="Title 1"/>
+          <p:cNvSpPr>
+            <a:spLocks noGrp="1"/>
+          </p:cNvSpPr>
+          <p:nvPr>
+            <p:ph type="title"/>
+          </p:nvPr>
+        </p:nvSpPr>
+        <p:spPr/>
+        <p:txBody>
+          <a:bodyPr/>
+          <a:lstStyle/>
+          <a:p>
+            <a:pPr algn="ctr"/>
+            <a:r>
               <a:rPr lang="fa-IR" u="sng" dirty="0" smtClean="0">
                 <a:solidFill>
                   <a:srgbClr val="C00000"/>
@@ -11319,7 +12085,7 @@
           <a:p>
             <a:fld id="{006FBB09-33D0-4E85-A34E-7878EB333873}" type="uaqdatetime1">
               <a:rPr lang="fa-IR" smtClean="0"/>
-              <a:t>21/05/1443</a:t>
+              <a:t>07/06/1443</a:t>
             </a:fld>
             <a:endParaRPr lang="en-US"/>
           </a:p>
@@ -11342,7 +12108,7 @@
           <a:p>
             <a:fld id="{4BC6469D-48EF-44E1-BF07-A9CE4893D6D6}" type="slidenum">
               <a:rPr lang="en-US" smtClean="0"/>
-              <a:t>6</a:t>
+              <a:t>7</a:t>
             </a:fld>
             <a:endParaRPr lang="en-US"/>
           </a:p>
@@ -11368,285 +12134,6 @@
 </p:sld>
 </file>
 
-<file path=ppt/slides/slide7.xml><?xml version="1.0" encoding="utf-8"?>
-<p:sld xmlns:a="http://schemas.openxmlformats.org/drawingml/2006/main" xmlns:r="http://schemas.openxmlformats.org/officeDocument/2006/relationships" xmlns:p="http://schemas.openxmlformats.org/presentationml/2006/main">
-  <p:cSld>
-    <p:spTree>
-      <p:nvGrpSpPr>
-        <p:cNvPr id="1" name=""/>
-        <p:cNvGrpSpPr/>
-        <p:nvPr/>
-      </p:nvGrpSpPr>
-      <p:grpSpPr>
-        <a:xfrm>
-          <a:off x="0" y="0"/>
-          <a:ext cx="0" cy="0"/>
-          <a:chOff x="0" y="0"/>
-          <a:chExt cx="0" cy="0"/>
-        </a:xfrm>
-      </p:grpSpPr>
-      <p:sp>
-        <p:nvSpPr>
-          <p:cNvPr id="2" name="Title 1"/>
-          <p:cNvSpPr>
-            <a:spLocks noGrp="1"/>
-          </p:cNvSpPr>
-          <p:nvPr>
-            <p:ph type="title"/>
-          </p:nvPr>
-        </p:nvSpPr>
-        <p:spPr/>
-        <p:txBody>
-          <a:bodyPr/>
-          <a:lstStyle/>
-          <a:p>
-            <a:pPr algn="ctr" rtl="1"/>
-            <a:r>
-              <a:rPr lang="fa-IR" u="sng" dirty="0" smtClean="0">
-                <a:solidFill>
-                  <a:srgbClr val="C00000"/>
-                </a:solidFill>
-                <a:cs typeface="B Nazanin" panose="00000400000000000000" pitchFamily="2" charset="-78"/>
-              </a:rPr>
-              <a:t>سبك‌هاي مختلف الگوي معماري رويداد محور</a:t>
-            </a:r>
-            <a:endParaRPr lang="en-US" u="sng" dirty="0">
-              <a:solidFill>
-                <a:srgbClr val="C00000"/>
-              </a:solidFill>
-              <a:cs typeface="B Nazanin" panose="00000400000000000000" pitchFamily="2" charset="-78"/>
-            </a:endParaRPr>
-          </a:p>
-        </p:txBody>
-      </p:sp>
-      <p:sp>
-        <p:nvSpPr>
-          <p:cNvPr id="3" name="Content Placeholder 2"/>
-          <p:cNvSpPr>
-            <a:spLocks noGrp="1"/>
-          </p:cNvSpPr>
-          <p:nvPr>
-            <p:ph idx="1"/>
-          </p:nvPr>
-        </p:nvSpPr>
-        <p:spPr>
-          <a:xfrm>
-            <a:off x="677334" y="1717965"/>
-            <a:ext cx="8596668" cy="4323398"/>
-          </a:xfrm>
-        </p:spPr>
-        <p:txBody>
-          <a:bodyPr>
-            <a:normAutofit fontScale="92500"/>
-          </a:bodyPr>
-          <a:lstStyle/>
-          <a:p>
-            <a:pPr algn="r" rtl="1">
-              <a:buFont typeface="Arial" panose="020B0604020202020204" pitchFamily="34" charset="0"/>
-              <a:buChar char="•"/>
-            </a:pPr>
-            <a:r>
-              <a:rPr lang="fa-IR" sz="2400" dirty="0" smtClean="0">
-                <a:cs typeface="B Nazanin" panose="00000400000000000000" pitchFamily="2" charset="-78"/>
-              </a:rPr>
-              <a:t>سبك‌هاي مختلف الگوي معماري رويداد محور بر حسب نحوه عملكرد خود به دو مدل تقسيم ميشوند :</a:t>
-            </a:r>
-          </a:p>
-          <a:p>
-            <a:pPr algn="r" rtl="1">
-              <a:buFont typeface="Arial" panose="020B0604020202020204" pitchFamily="34" charset="0"/>
-              <a:buChar char="•"/>
-            </a:pPr>
-            <a:r>
-              <a:rPr lang="fa-IR" sz="2400" dirty="0" smtClean="0">
-                <a:cs typeface="B Nazanin" panose="00000400000000000000" pitchFamily="2" charset="-78"/>
-              </a:rPr>
-              <a:t>1- </a:t>
-            </a:r>
-            <a:r>
-              <a:rPr lang="fa-IR" sz="2400" dirty="0" smtClean="0">
-                <a:solidFill>
-                  <a:schemeClr val="tx1"/>
-                </a:solidFill>
-                <a:cs typeface="B Nazanin" panose="00000400000000000000" pitchFamily="2" charset="-78"/>
-              </a:rPr>
-              <a:t>مدل انتشار اشتراك </a:t>
-            </a:r>
-          </a:p>
-          <a:p>
-            <a:pPr lvl="1" algn="r" rtl="1">
-              <a:buFont typeface="Arial" panose="020B0604020202020204" pitchFamily="34" charset="0"/>
-              <a:buChar char="•"/>
-            </a:pPr>
-            <a:r>
-              <a:rPr lang="fa-IR" sz="2000" dirty="0" smtClean="0">
-                <a:solidFill>
-                  <a:schemeClr val="tx1"/>
-                </a:solidFill>
-                <a:cs typeface="B Nazanin" panose="00000400000000000000" pitchFamily="2" charset="-78"/>
-              </a:rPr>
-              <a:t>اين يك زير ساخت پيام رساني مبتني بر اشتراك داده است .</a:t>
-            </a:r>
-          </a:p>
-          <a:p>
-            <a:pPr lvl="1" algn="r" rtl="1">
-              <a:buFont typeface="Arial" panose="020B0604020202020204" pitchFamily="34" charset="0"/>
-              <a:buChar char="•"/>
-            </a:pPr>
-            <a:r>
-              <a:rPr lang="fa-IR" sz="2000" dirty="0">
-                <a:solidFill>
-                  <a:schemeClr val="tx1"/>
-                </a:solidFill>
-                <a:cs typeface="B Nazanin" panose="00000400000000000000" pitchFamily="2" charset="-78"/>
-              </a:rPr>
-              <a:t>در اين مدل بعد از اينكه يه رويداد رخ داد يا اينكه منتشر شد ، به مشتركيني (مصرف كنندگان) كه نياز به پيام رساني دارند ارسال مي‌شود .</a:t>
-            </a:r>
-            <a:endParaRPr lang="fa-IR" sz="2000" dirty="0" smtClean="0">
-              <a:solidFill>
-                <a:schemeClr val="tx1"/>
-              </a:solidFill>
-              <a:cs typeface="B Nazanin" panose="00000400000000000000" pitchFamily="2" charset="-78"/>
-            </a:endParaRPr>
-          </a:p>
-          <a:p>
-            <a:pPr algn="r" rtl="1">
-              <a:buFont typeface="Arial" panose="020B0604020202020204" pitchFamily="34" charset="0"/>
-              <a:buChar char="•"/>
-            </a:pPr>
-            <a:r>
-              <a:rPr lang="fa-IR" sz="2400" dirty="0" smtClean="0">
-                <a:cs typeface="B Nazanin" panose="00000400000000000000" pitchFamily="2" charset="-78"/>
-              </a:rPr>
-              <a:t>2- مدل جريان رويداد </a:t>
-            </a:r>
-          </a:p>
-          <a:p>
-            <a:pPr marL="457200" lvl="1" indent="0" algn="r" rtl="1">
-              <a:buNone/>
-            </a:pPr>
-            <a:r>
-              <a:rPr lang="fa-IR" sz="2200" dirty="0">
-                <a:cs typeface="B Nazanin" panose="00000400000000000000" pitchFamily="2" charset="-78"/>
-              </a:rPr>
-              <a:t> با یک مدل جریان رویداد ، رویداد‌ها در یک گزارش نوشته می‌شوند. </a:t>
-            </a:r>
-            <a:endParaRPr lang="fa-IR" sz="2200" dirty="0" smtClean="0">
-              <a:cs typeface="B Nazanin" panose="00000400000000000000" pitchFamily="2" charset="-78"/>
-            </a:endParaRPr>
-          </a:p>
-          <a:p>
-            <a:pPr marL="457200" lvl="1" indent="0" algn="r" rtl="1">
-              <a:buNone/>
-            </a:pPr>
-            <a:r>
-              <a:rPr lang="fa-IR" sz="2200" dirty="0" smtClean="0">
-                <a:cs typeface="B Nazanin" panose="00000400000000000000" pitchFamily="2" charset="-78"/>
-              </a:rPr>
-              <a:t>مصرف </a:t>
-            </a:r>
-            <a:r>
-              <a:rPr lang="fa-IR" sz="2200" dirty="0">
-                <a:cs typeface="B Nazanin" panose="00000400000000000000" pitchFamily="2" charset="-78"/>
-              </a:rPr>
-              <a:t>کنندگان رویداد در یک جریان رویداد مشترک نمی‌شوند . </a:t>
-            </a:r>
-            <a:endParaRPr lang="fa-IR" sz="2200" dirty="0" smtClean="0">
-              <a:cs typeface="B Nazanin" panose="00000400000000000000" pitchFamily="2" charset="-78"/>
-            </a:endParaRPr>
-          </a:p>
-          <a:p>
-            <a:pPr marL="457200" lvl="1" indent="0" algn="r" rtl="1">
-              <a:buNone/>
-            </a:pPr>
-            <a:r>
-              <a:rPr lang="fa-IR" sz="2200" dirty="0" smtClean="0">
-                <a:cs typeface="B Nazanin" panose="00000400000000000000" pitchFamily="2" charset="-78"/>
-              </a:rPr>
-              <a:t>در عوض </a:t>
-            </a:r>
-            <a:r>
-              <a:rPr lang="fa-IR" sz="2200" dirty="0">
-                <a:cs typeface="B Nazanin" panose="00000400000000000000" pitchFamily="2" charset="-78"/>
-              </a:rPr>
-              <a:t>آنها می توانند از هر بخشی از جریان بخوانند و در هر زمان می توانند به جریان بپیوندند</a:t>
-            </a:r>
-            <a:r>
-              <a:rPr lang="fa-IR" sz="2200" dirty="0" smtClean="0">
-                <a:cs typeface="B Nazanin" panose="00000400000000000000" pitchFamily="2" charset="-78"/>
-              </a:rPr>
-              <a:t>.</a:t>
-            </a:r>
-          </a:p>
-          <a:p>
-            <a:pPr marL="457200" lvl="1" indent="0" algn="r" rtl="1">
-              <a:buNone/>
-            </a:pPr>
-            <a:endParaRPr lang="en-US" sz="2200" dirty="0">
-              <a:cs typeface="B Nazanin" panose="00000400000000000000" pitchFamily="2" charset="-78"/>
-            </a:endParaRPr>
-          </a:p>
-        </p:txBody>
-      </p:sp>
-      <p:sp>
-        <p:nvSpPr>
-          <p:cNvPr id="4" name="Date Placeholder 3"/>
-          <p:cNvSpPr>
-            <a:spLocks noGrp="1"/>
-          </p:cNvSpPr>
-          <p:nvPr>
-            <p:ph type="dt" sz="half" idx="10"/>
-          </p:nvPr>
-        </p:nvSpPr>
-        <p:spPr/>
-        <p:txBody>
-          <a:bodyPr/>
-          <a:lstStyle/>
-          <a:p>
-            <a:fld id="{C2DB2716-ABCB-47E4-A5E7-31908A35B483}" type="uaqdatetime1">
-              <a:rPr lang="fa-IR" smtClean="0"/>
-              <a:t>21/05/1443</a:t>
-            </a:fld>
-            <a:endParaRPr lang="en-US"/>
-          </a:p>
-        </p:txBody>
-      </p:sp>
-      <p:sp>
-        <p:nvSpPr>
-          <p:cNvPr id="5" name="Slide Number Placeholder 4"/>
-          <p:cNvSpPr>
-            <a:spLocks noGrp="1"/>
-          </p:cNvSpPr>
-          <p:nvPr>
-            <p:ph type="sldNum" sz="quarter" idx="12"/>
-          </p:nvPr>
-        </p:nvSpPr>
-        <p:spPr/>
-        <p:txBody>
-          <a:bodyPr/>
-          <a:lstStyle/>
-          <a:p>
-            <a:fld id="{4BC6469D-48EF-44E1-BF07-A9CE4893D6D6}" type="slidenum">
-              <a:rPr lang="en-US" smtClean="0"/>
-              <a:t>7</a:t>
-            </a:fld>
-            <a:endParaRPr lang="en-US"/>
-          </a:p>
-        </p:txBody>
-      </p:sp>
-    </p:spTree>
-    <p:extLst>
-      <p:ext uri="{BB962C8B-B14F-4D97-AF65-F5344CB8AC3E}">
-        <p14:creationId xmlns:p14="http://schemas.microsoft.com/office/powerpoint/2010/main" val="4275060141"/>
-      </p:ext>
-    </p:extLst>
-  </p:cSld>
-  <p:clrMapOvr>
-    <a:masterClrMapping/>
-  </p:clrMapOvr>
-</p:sld>
-</file>
-
 <file path=ppt/slides/slide8.xml><?xml version="1.0" encoding="utf-8"?>
 <p:sld xmlns:a="http://schemas.openxmlformats.org/drawingml/2006/main" xmlns:r="http://schemas.openxmlformats.org/officeDocument/2006/relationships" xmlns:p="http://schemas.openxmlformats.org/presentationml/2006/main">
   <p:cSld>
@@ -11687,16 +12174,7 @@
                 </a:solidFill>
                 <a:cs typeface="B Nazanin" panose="00000400000000000000" pitchFamily="2" charset="-78"/>
               </a:rPr>
-              <a:t>سبك‌هاي مختلف الگوي معماري رويداد </a:t>
-            </a:r>
-            <a:r>
-              <a:rPr lang="fa-IR" u="sng" dirty="0" smtClean="0">
-                <a:solidFill>
-                  <a:srgbClr val="C00000"/>
-                </a:solidFill>
-                <a:cs typeface="B Nazanin" panose="00000400000000000000" pitchFamily="2" charset="-78"/>
-              </a:rPr>
-              <a:t>محور(ادامه)</a:t>
+              <a:t>سبك‌هاي مختلف الگوي معماري رويداد محور</a:t>
             </a:r>
             <a:endParaRPr lang="en-US" u="sng" dirty="0">
               <a:solidFill>
@@ -11719,172 +12197,156 @@
         </p:nvSpPr>
         <p:spPr>
           <a:xfrm>
-            <a:off x="677334" y="1348509"/>
-            <a:ext cx="8596668" cy="4692854"/>
+            <a:off x="677334" y="1717965"/>
+            <a:ext cx="8596668" cy="4323398"/>
           </a:xfrm>
         </p:spPr>
         <p:txBody>
           <a:bodyPr>
-            <a:normAutofit/>
+            <a:normAutofit fontScale="92500"/>
           </a:bodyPr>
           <a:lstStyle/>
           <a:p>
-            <a:pPr marL="457200" lvl="1" indent="0" algn="r" rtl="1">
-              <a:buClr>
-                <a:srgbClr val="3494BA"/>
-              </a:buClr>
-              <a:buNone/>
+            <a:pPr algn="r" rtl="1">
+              <a:buFont typeface="Arial" panose="020B0604020202020204" pitchFamily="34" charset="0"/>
+              <a:buChar char="•"/>
             </a:pPr>
             <a:r>
-              <a:rPr lang="fa-IR" sz="2000" dirty="0" smtClean="0">
-                <a:solidFill>
-                  <a:prstClr val="black">
-                    <a:lumMod val="75000"/>
-                    <a:lumOff val="25000"/>
-                  </a:prstClr>
-                </a:solidFill>
+              <a:rPr lang="fa-IR" sz="2400" dirty="0" smtClean="0">
                 <a:cs typeface="B Nazanin" panose="00000400000000000000" pitchFamily="2" charset="-78"/>
               </a:rPr>
-              <a:t>مدل </a:t>
-            </a:r>
-            <a:r>
-              <a:rPr lang="fa-IR" sz="2000" dirty="0">
-                <a:solidFill>
-                  <a:prstClr val="black">
-                    <a:lumMod val="75000"/>
-                    <a:lumOff val="25000"/>
-                  </a:prstClr>
-                </a:solidFill>
+              <a:t>سبك‌هاي مختلف الگوي معماري رويداد محور بر حسب نحوه عملكرد خود به دو مدل تقسيم ميشوند :</a:t>
+            </a:r>
+          </a:p>
+          <a:p>
+            <a:pPr algn="r" rtl="1">
+              <a:buFont typeface="Arial" panose="020B0604020202020204" pitchFamily="34" charset="0"/>
+              <a:buChar char="•"/>
+            </a:pPr>
+            <a:r>
+              <a:rPr lang="fa-IR" sz="2400" dirty="0" smtClean="0">
                 <a:cs typeface="B Nazanin" panose="00000400000000000000" pitchFamily="2" charset="-78"/>
               </a:rPr>
-              <a:t>جريان </a:t>
-            </a:r>
-            <a:r>
-              <a:rPr lang="fa-IR" sz="2000" dirty="0" smtClean="0">
-                <a:solidFill>
-                  <a:prstClr val="black">
-                    <a:lumMod val="75000"/>
-                    <a:lumOff val="25000"/>
-                  </a:prstClr>
+              <a:t>1- </a:t>
+            </a:r>
+            <a:r>
+              <a:rPr lang="fa-IR" sz="2400" dirty="0" smtClean="0">
+                <a:solidFill>
+                  <a:schemeClr val="tx1"/>
                 </a:solidFill>
                 <a:cs typeface="B Nazanin" panose="00000400000000000000" pitchFamily="2" charset="-78"/>
               </a:rPr>
-              <a:t>رويداد </a:t>
-            </a:r>
-            <a:r>
-              <a:rPr lang="fa-IR" sz="2000" dirty="0">
-                <a:solidFill>
-                  <a:prstClr val="black">
-                    <a:lumMod val="75000"/>
-                    <a:lumOff val="25000"/>
-                  </a:prstClr>
+              <a:t>مدل انتشار اشتراك </a:t>
+            </a:r>
+          </a:p>
+          <a:p>
+            <a:pPr lvl="1" algn="r" rtl="1">
+              <a:buFont typeface="Arial" panose="020B0604020202020204" pitchFamily="34" charset="0"/>
+              <a:buChar char="•"/>
+            </a:pPr>
+            <a:r>
+              <a:rPr lang="fa-IR" sz="2000" dirty="0" smtClean="0">
+                <a:solidFill>
+                  <a:schemeClr val="tx1"/>
                 </a:solidFill>
                 <a:cs typeface="B Nazanin" panose="00000400000000000000" pitchFamily="2" charset="-78"/>
               </a:rPr>
-              <a:t>برحسب نوع جريان رويداد به سه گونه زير است</a:t>
-            </a:r>
-            <a:r>
-              <a:rPr lang="fa-IR" sz="2000" dirty="0" smtClean="0">
-                <a:solidFill>
-                  <a:prstClr val="black">
-                    <a:lumMod val="75000"/>
-                    <a:lumOff val="25000"/>
-                  </a:prstClr>
+              <a:t>اين يك زير ساخت پيام رساني مبتني بر اشتراك داده است .</a:t>
+            </a:r>
+          </a:p>
+          <a:p>
+            <a:pPr lvl="1" algn="r" rtl="1">
+              <a:buFont typeface="Arial" panose="020B0604020202020204" pitchFamily="34" charset="0"/>
+              <a:buChar char="•"/>
+            </a:pPr>
+            <a:r>
+              <a:rPr lang="fa-IR" sz="2000" dirty="0">
+                <a:solidFill>
+                  <a:schemeClr val="tx1"/>
                 </a:solidFill>
                 <a:cs typeface="B Nazanin" panose="00000400000000000000" pitchFamily="2" charset="-78"/>
               </a:rPr>
-              <a:t>:</a:t>
-            </a:r>
-            <a:endParaRPr lang="fa-IR" sz="2200" dirty="0">
+              <a:t>در اين مدل بعد از اينكه يه رويداد رخ داد يا اينكه منتشر شد ، به مشتركيني (مصرف كنندگان) كه نياز به پيام رساني دارند ارسال مي‌شود .</a:t>
+            </a:r>
+            <a:endParaRPr lang="fa-IR" sz="2000" dirty="0" smtClean="0">
+              <a:solidFill>
+                <a:schemeClr val="tx1"/>
+              </a:solidFill>
               <a:cs typeface="B Nazanin" panose="00000400000000000000" pitchFamily="2" charset="-78"/>
             </a:endParaRPr>
           </a:p>
           <a:p>
-            <a:pPr lvl="1" algn="r" rtl="1">
-              <a:buFont typeface="Wingdings" panose="05000000000000000000" pitchFamily="2" charset="2"/>
-              <a:buChar char="§"/>
+            <a:pPr algn="r" rtl="1">
+              <a:buFont typeface="Arial" panose="020B0604020202020204" pitchFamily="34" charset="0"/>
+              <a:buChar char="•"/>
+            </a:pPr>
+            <a:r>
+              <a:rPr lang="fa-IR" sz="2400" dirty="0" smtClean="0">
+                <a:cs typeface="B Nazanin" panose="00000400000000000000" pitchFamily="2" charset="-78"/>
+              </a:rPr>
+              <a:t>2- مدل جريان رويداد </a:t>
+            </a:r>
+          </a:p>
+          <a:p>
+            <a:pPr marL="457200" lvl="1" indent="0" algn="r" rtl="1">
+              <a:buNone/>
+            </a:pPr>
+            <a:r>
+              <a:rPr lang="fa-IR" sz="2200" dirty="0">
+                <a:cs typeface="B Nazanin" panose="00000400000000000000" pitchFamily="2" charset="-78"/>
+              </a:rPr>
+              <a:t> با یک مدل جریان رویداد ، رویداد‌ها در یک گزارش نوشته می‌شوند. </a:t>
+            </a:r>
+            <a:endParaRPr lang="fa-IR" sz="2200" dirty="0" smtClean="0">
+              <a:cs typeface="B Nazanin" panose="00000400000000000000" pitchFamily="2" charset="-78"/>
+            </a:endParaRPr>
+          </a:p>
+          <a:p>
+            <a:pPr marL="457200" lvl="1" indent="0" algn="r" rtl="1">
+              <a:buNone/>
             </a:pPr>
             <a:r>
               <a:rPr lang="fa-IR" sz="2200" dirty="0" smtClean="0">
                 <a:cs typeface="B Nazanin" panose="00000400000000000000" pitchFamily="2" charset="-78"/>
               </a:rPr>
-              <a:t>1- پردازش رويداد گسترده </a:t>
-            </a:r>
-          </a:p>
-          <a:p>
-            <a:pPr marL="914400" lvl="2" indent="0" algn="r" rtl="1">
-              <a:buNone/>
-            </a:pPr>
-            <a:r>
-              <a:rPr lang="fa-IR" sz="2000" dirty="0">
-                <a:latin typeface="B Nazanin" panose="00000400000000000000" pitchFamily="2" charset="-78"/>
-                <a:ea typeface="Calibri" panose="020F0502020204030204" pitchFamily="34" charset="0"/>
+              <a:t>مصرف </a:t>
+            </a:r>
+            <a:r>
+              <a:rPr lang="fa-IR" sz="2200" dirty="0">
                 <a:cs typeface="B Nazanin" panose="00000400000000000000" pitchFamily="2" charset="-78"/>
               </a:rPr>
-              <a:t>پردازش یک جریان نامحدود از رویدادهای مرتبط، که در آن سوابق رویداد به ترتیب خاصي ظاهر می شوند و با آگاهی از رویدادهای گذشته پردازش می شوند</a:t>
-            </a:r>
-            <a:endParaRPr lang="fa-IR" sz="2000" dirty="0" smtClean="0">
+              <a:t>کنندگان رویداد در یک جریان رویداد مشترک نمی‌شوند . </a:t>
+            </a:r>
+            <a:endParaRPr lang="fa-IR" sz="2200" dirty="0" smtClean="0">
               <a:cs typeface="B Nazanin" panose="00000400000000000000" pitchFamily="2" charset="-78"/>
             </a:endParaRPr>
           </a:p>
           <a:p>
-            <a:pPr lvl="1" algn="r" rtl="1">
-              <a:buFont typeface="Wingdings" panose="05000000000000000000" pitchFamily="2" charset="2"/>
-              <a:buChar char="§"/>
+            <a:pPr marL="457200" lvl="1" indent="0" algn="r" rtl="1">
+              <a:buNone/>
             </a:pPr>
             <a:r>
               <a:rPr lang="fa-IR" sz="2200" dirty="0" smtClean="0">
                 <a:cs typeface="B Nazanin" panose="00000400000000000000" pitchFamily="2" charset="-78"/>
               </a:rPr>
-              <a:t>2-پردازش رويداد ساده </a:t>
-            </a:r>
-          </a:p>
-          <a:p>
-            <a:pPr marL="914400" lvl="2" indent="0" algn="r" rtl="1">
-              <a:buNone/>
-            </a:pPr>
-            <a:r>
-              <a:rPr lang="fa-IR" sz="2000" dirty="0">
-                <a:latin typeface="Calibri" panose="020F0502020204030204" pitchFamily="34" charset="0"/>
-                <a:ea typeface="Calibri" panose="020F0502020204030204" pitchFamily="34" charset="0"/>
+              <a:t>در عوض </a:t>
+            </a:r>
+            <a:r>
+              <a:rPr lang="fa-IR" sz="2200" dirty="0">
                 <a:cs typeface="B Nazanin" panose="00000400000000000000" pitchFamily="2" charset="-78"/>
               </a:rPr>
-              <a:t> پردازش رویداد ساده زمانی است که یک رویداد بلافاصله اقدامی را در مصرف کننده رویداد ایجاد می کند.</a:t>
-            </a:r>
-            <a:endParaRPr lang="fa-IR" sz="2000" dirty="0" smtClean="0">
-              <a:cs typeface="B Nazanin" panose="00000400000000000000" pitchFamily="2" charset="-78"/>
-            </a:endParaRPr>
-          </a:p>
-          <a:p>
-            <a:pPr lvl="1" algn="r" rtl="1">
-              <a:buFont typeface="Wingdings" panose="05000000000000000000" pitchFamily="2" charset="2"/>
-              <a:buChar char="§"/>
-            </a:pPr>
+              <a:t>آنها می توانند از هر بخشی از جریان بخوانند و در هر زمان می توانند به جریان بپیوندند</a:t>
+            </a:r>
             <a:r>
               <a:rPr lang="fa-IR" sz="2200" dirty="0" smtClean="0">
                 <a:cs typeface="B Nazanin" panose="00000400000000000000" pitchFamily="2" charset="-78"/>
               </a:rPr>
-              <a:t>3- پردازش رويداد پيچيده </a:t>
-            </a:r>
-          </a:p>
-          <a:p>
-            <a:pPr marL="857250" lvl="2" indent="0" algn="r" rtl="1">
-              <a:buNone/>
-            </a:pPr>
-            <a:r>
-              <a:rPr lang="fa-IR" sz="2000">
-                <a:cs typeface="B Nazanin" panose="00000400000000000000" pitchFamily="2" charset="-78"/>
-              </a:rPr>
-              <a:t> پردازش رويداد پيچيده الگوهاي رويداد پيچيده را از يك سري رويداد‌هاي ساده استخراج يا شناسايي مي‌كند </a:t>
-            </a:r>
-            <a:endParaRPr lang="fa-IR" sz="2000" dirty="0" smtClean="0">
-              <a:cs typeface="B Nazanin" panose="00000400000000000000" pitchFamily="2" charset="-78"/>
-            </a:endParaRPr>
-          </a:p>
-          <a:p>
-            <a:pPr lvl="1" algn="r" rtl="1">
-              <a:buFont typeface="Wingdings" panose="05000000000000000000" pitchFamily="2" charset="2"/>
-              <a:buChar char="§"/>
+              <a:t>.</a:t>
+            </a:r>
+          </a:p>
+          <a:p>
+            <a:pPr marL="457200" lvl="1" indent="0" algn="r" rtl="1">
+              <a:buNone/>
             </a:pPr>
             <a:endParaRPr lang="en-US" sz="2200" dirty="0">
               <a:cs typeface="B Nazanin" panose="00000400000000000000" pitchFamily="2" charset="-78"/>
@@ -11909,7 +12371,7 @@
           <a:p>
             <a:fld id="{C2DB2716-ABCB-47E4-A5E7-31908A35B483}" type="uaqdatetime1">
               <a:rPr lang="fa-IR" smtClean="0"/>
-              <a:t>21/05/1443</a:t>
+              <a:t>07/06/1443</a:t>
             </a:fld>
             <a:endParaRPr lang="en-US"/>
           </a:p>
@@ -11941,7 +12403,7 @@
     </p:spTree>
     <p:extLst>
       <p:ext uri="{BB962C8B-B14F-4D97-AF65-F5344CB8AC3E}">
-        <p14:creationId xmlns:p14="http://schemas.microsoft.com/office/powerpoint/2010/main" val="3318079166"/>
+        <p14:creationId xmlns:p14="http://schemas.microsoft.com/office/powerpoint/2010/main" val="4275060141"/>
       </p:ext>
     </p:extLst>
   </p:cSld>
@@ -11978,17 +12440,12 @@
             <p:ph type="title"/>
           </p:nvPr>
         </p:nvSpPr>
-        <p:spPr>
-          <a:xfrm>
-            <a:off x="677333" y="609600"/>
-            <a:ext cx="8808411" cy="1320800"/>
-          </a:xfrm>
-        </p:spPr>
-        <p:txBody>
-          <a:bodyPr/>
-          <a:lstStyle/>
-          <a:p>
-            <a:pPr algn="ctr"/>
+        <p:spPr/>
+        <p:txBody>
+          <a:bodyPr/>
+          <a:lstStyle/>
+          <a:p>
+            <a:pPr algn="ctr" rtl="1"/>
             <a:r>
               <a:rPr lang="fa-IR" u="sng" dirty="0" smtClean="0">
                 <a:solidFill>
@@ -11996,7 +12453,7 @@
                 </a:solidFill>
                 <a:cs typeface="B Nazanin" panose="00000400000000000000" pitchFamily="2" charset="-78"/>
               </a:rPr>
-              <a:t>چه زمان هايي از الگوي معماري رويداد محور استفاده مي‌شود؟</a:t>
+              <a:t>سبك‌هاي مختلف الگوي معماري رويداد محور(ادامه)</a:t>
             </a:r>
             <a:endParaRPr lang="en-US" u="sng" dirty="0">
               <a:solidFill>
@@ -12017,12 +12474,184 @@
             <p:ph idx="1"/>
           </p:nvPr>
         </p:nvSpPr>
-        <p:spPr/>
-        <p:txBody>
-          <a:bodyPr/>
-          <a:lstStyle/>
-          <a:p>
-            <a:endParaRPr lang="en-US" dirty="0"/>
+        <p:spPr>
+          <a:xfrm>
+            <a:off x="677334" y="1348509"/>
+            <a:ext cx="8596668" cy="4692854"/>
+          </a:xfrm>
+        </p:spPr>
+        <p:txBody>
+          <a:bodyPr>
+            <a:normAutofit/>
+          </a:bodyPr>
+          <a:lstStyle/>
+          <a:p>
+            <a:pPr marL="457200" lvl="1" indent="0" algn="r" rtl="1">
+              <a:buClr>
+                <a:srgbClr val="3494BA"/>
+              </a:buClr>
+              <a:buNone/>
+            </a:pPr>
+            <a:r>
+              <a:rPr lang="fa-IR" sz="2000" dirty="0" smtClean="0">
+                <a:solidFill>
+                  <a:prstClr val="black">
+                    <a:lumMod val="75000"/>
+                    <a:lumOff val="25000"/>
+                  </a:prstClr>
+                </a:solidFill>
+                <a:cs typeface="B Nazanin" panose="00000400000000000000" pitchFamily="2" charset="-78"/>
+              </a:rPr>
+              <a:t>مدل </a:t>
+            </a:r>
+            <a:r>
+              <a:rPr lang="fa-IR" sz="2000" dirty="0">
+                <a:solidFill>
+                  <a:prstClr val="black">
+                    <a:lumMod val="75000"/>
+                    <a:lumOff val="25000"/>
+                  </a:prstClr>
+                </a:solidFill>
+                <a:cs typeface="B Nazanin" panose="00000400000000000000" pitchFamily="2" charset="-78"/>
+              </a:rPr>
+              <a:t>جريان </a:t>
+            </a:r>
+            <a:r>
+              <a:rPr lang="fa-IR" sz="2000" dirty="0" smtClean="0">
+                <a:solidFill>
+                  <a:prstClr val="black">
+                    <a:lumMod val="75000"/>
+                    <a:lumOff val="25000"/>
+                  </a:prstClr>
+                </a:solidFill>
+                <a:cs typeface="B Nazanin" panose="00000400000000000000" pitchFamily="2" charset="-78"/>
+              </a:rPr>
+              <a:t>رويداد </a:t>
+            </a:r>
+            <a:r>
+              <a:rPr lang="fa-IR" sz="2000" dirty="0">
+                <a:solidFill>
+                  <a:prstClr val="black">
+                    <a:lumMod val="75000"/>
+                    <a:lumOff val="25000"/>
+                  </a:prstClr>
+                </a:solidFill>
+                <a:cs typeface="B Nazanin" panose="00000400000000000000" pitchFamily="2" charset="-78"/>
+              </a:rPr>
+              <a:t>برحسب نوع جريان رويداد به سه گونه زير است</a:t>
+            </a:r>
+            <a:r>
+              <a:rPr lang="fa-IR" sz="2000" dirty="0" smtClean="0">
+                <a:solidFill>
+                  <a:prstClr val="black">
+                    <a:lumMod val="75000"/>
+                    <a:lumOff val="25000"/>
+                  </a:prstClr>
+                </a:solidFill>
+                <a:cs typeface="B Nazanin" panose="00000400000000000000" pitchFamily="2" charset="-78"/>
+              </a:rPr>
+              <a:t>:</a:t>
+            </a:r>
+            <a:endParaRPr lang="fa-IR" sz="2200" dirty="0">
+              <a:cs typeface="B Nazanin" panose="00000400000000000000" pitchFamily="2" charset="-78"/>
+            </a:endParaRPr>
+          </a:p>
+          <a:p>
+            <a:pPr lvl="1" algn="r" rtl="1">
+              <a:buFont typeface="Wingdings" panose="05000000000000000000" pitchFamily="2" charset="2"/>
+              <a:buChar char="§"/>
+            </a:pPr>
+            <a:r>
+              <a:rPr lang="fa-IR" sz="2200" dirty="0" smtClean="0">
+                <a:cs typeface="B Nazanin" panose="00000400000000000000" pitchFamily="2" charset="-78"/>
+              </a:rPr>
+              <a:t> پردازش رويداد گسترده </a:t>
+            </a:r>
+          </a:p>
+          <a:p>
+            <a:pPr marL="914400" lvl="2" indent="0" algn="r" rtl="1">
+              <a:buNone/>
+            </a:pPr>
+            <a:r>
+              <a:rPr lang="fa-IR" sz="2000" dirty="0">
+                <a:latin typeface="B Nazanin" panose="00000400000000000000" pitchFamily="2" charset="-78"/>
+                <a:ea typeface="Calibri" panose="020F0502020204030204" pitchFamily="34" charset="0"/>
+                <a:cs typeface="B Nazanin" panose="00000400000000000000" pitchFamily="2" charset="-78"/>
+              </a:rPr>
+              <a:t>پردازش یک جریان نامحدود از رویدادهای مرتبط، که در آن سوابق رویداد به ترتیب خاصي ظاهر می شوند و با آگاهی از رویدادهای گذشته پردازش می شوند</a:t>
+            </a:r>
+            <a:endParaRPr lang="fa-IR" sz="2000" dirty="0" smtClean="0">
+              <a:cs typeface="B Nazanin" panose="00000400000000000000" pitchFamily="2" charset="-78"/>
+            </a:endParaRPr>
+          </a:p>
+          <a:p>
+            <a:pPr lvl="1" algn="r" rtl="1">
+              <a:buFont typeface="Wingdings" panose="05000000000000000000" pitchFamily="2" charset="2"/>
+              <a:buChar char="§"/>
+            </a:pPr>
+            <a:r>
+              <a:rPr lang="fa-IR" sz="2200" dirty="0" smtClean="0">
+                <a:cs typeface="B Nazanin" panose="00000400000000000000" pitchFamily="2" charset="-78"/>
+              </a:rPr>
+              <a:t>پردازش رويداد ساده </a:t>
+            </a:r>
+          </a:p>
+          <a:p>
+            <a:pPr marL="914400" lvl="2" indent="0" algn="r" rtl="1">
+              <a:buNone/>
+            </a:pPr>
+            <a:r>
+              <a:rPr lang="fa-IR" sz="2000" dirty="0">
+                <a:latin typeface="Calibri" panose="020F0502020204030204" pitchFamily="34" charset="0"/>
+                <a:ea typeface="Calibri" panose="020F0502020204030204" pitchFamily="34" charset="0"/>
+                <a:cs typeface="B Nazanin" panose="00000400000000000000" pitchFamily="2" charset="-78"/>
+              </a:rPr>
+              <a:t> پردازش رویداد ساده زمانی است که یک رویداد بلافاصله اقدامی را در مصرف کننده رویداد ایجاد می کند.</a:t>
+            </a:r>
+            <a:endParaRPr lang="fa-IR" sz="2000" dirty="0" smtClean="0">
+              <a:cs typeface="B Nazanin" panose="00000400000000000000" pitchFamily="2" charset="-78"/>
+            </a:endParaRPr>
+          </a:p>
+          <a:p>
+            <a:pPr lvl="1" algn="r" rtl="1">
+              <a:buFont typeface="Wingdings" panose="05000000000000000000" pitchFamily="2" charset="2"/>
+              <a:buChar char="§"/>
+            </a:pPr>
+            <a:r>
+              <a:rPr lang="fa-IR" sz="2200" smtClean="0">
+                <a:cs typeface="B Nazanin" panose="00000400000000000000" pitchFamily="2" charset="-78"/>
+              </a:rPr>
+              <a:t> </a:t>
+            </a:r>
+            <a:r>
+              <a:rPr lang="fa-IR" sz="2200" dirty="0" smtClean="0">
+                <a:cs typeface="B Nazanin" panose="00000400000000000000" pitchFamily="2" charset="-78"/>
+              </a:rPr>
+              <a:t>پردازش رويداد پيچيده </a:t>
+            </a:r>
+          </a:p>
+          <a:p>
+            <a:pPr marL="857250" lvl="2" indent="0" algn="r" rtl="1">
+              <a:buNone/>
+            </a:pPr>
+            <a:r>
+              <a:rPr lang="fa-IR" sz="2000" dirty="0">
+                <a:cs typeface="B Nazanin" panose="00000400000000000000" pitchFamily="2" charset="-78"/>
+              </a:rPr>
+              <a:t> پردازش رويداد پيچيده الگوهاي رويداد پيچيده را از يك سري رويداد‌هاي ساده استخراج يا شناسايي مي‌كند </a:t>
+            </a:r>
+            <a:endParaRPr lang="fa-IR" sz="2000" dirty="0" smtClean="0">
+              <a:cs typeface="B Nazanin" panose="00000400000000000000" pitchFamily="2" charset="-78"/>
+            </a:endParaRPr>
+          </a:p>
+          <a:p>
+            <a:pPr lvl="1" algn="r" rtl="1">
+              <a:buFont typeface="Wingdings" panose="05000000000000000000" pitchFamily="2" charset="2"/>
+              <a:buChar char="§"/>
+            </a:pPr>
+            <a:endParaRPr lang="en-US" sz="2200" dirty="0">
+              <a:cs typeface="B Nazanin" panose="00000400000000000000" pitchFamily="2" charset="-78"/>
+            </a:endParaRPr>
           </a:p>
         </p:txBody>
       </p:sp>
@@ -12043,7 +12672,7 @@
           <a:p>
             <a:fld id="{C2DB2716-ABCB-47E4-A5E7-31908A35B483}" type="uaqdatetime1">
               <a:rPr lang="fa-IR" smtClean="0"/>
-              <a:t>21/05/1443</a:t>
+              <a:t>07/06/1443</a:t>
             </a:fld>
             <a:endParaRPr lang="en-US"/>
           </a:p>
@@ -12075,20 +12704,13 @@
     </p:spTree>
     <p:extLst>
       <p:ext uri="{BB962C8B-B14F-4D97-AF65-F5344CB8AC3E}">
-        <p14:creationId xmlns:p14="http://schemas.microsoft.com/office/powerpoint/2010/main" val="2415462884"/>
+        <p14:creationId xmlns:p14="http://schemas.microsoft.com/office/powerpoint/2010/main" val="3318079166"/>
       </p:ext>
     </p:extLst>
   </p:cSld>
   <p:clrMapOvr>
     <a:masterClrMapping/>
   </p:clrMapOvr>
-  <p:timing>
-    <p:tnLst>
-      <p:par>
-        <p:cTn id="1" dur="indefinite" restart="never" nodeType="tmRoot"/>
-      </p:par>
-    </p:tnLst>
-  </p:timing>
 </p:sld>
 </file>
 

--- a/پاورپوينت معماري.pptx
+++ b/پاورپوينت معماري.pptx
@@ -3,10 +3,10 @@
 <p:presentation xmlns:a="http://schemas.openxmlformats.org/drawingml/2006/main" xmlns:r="http://schemas.openxmlformats.org/officeDocument/2006/relationships" xmlns:p="http://schemas.openxmlformats.org/presentationml/2006/main" saveSubsetFonts="1">
   <p:sldMasterIdLst>
     <p:sldMasterId id="2147483660" r:id="rId1"/>
-    <p:sldMasterId id="2147483714" r:id="rId2"/>
+    <p:sldMasterId id="2147483684" r:id="rId2"/>
   </p:sldMasterIdLst>
   <p:notesMasterIdLst>
-    <p:notesMasterId r:id="rId20"/>
+    <p:notesMasterId r:id="rId19"/>
   </p:notesMasterIdLst>
   <p:sldIdLst>
     <p:sldId id="256" r:id="rId3"/>
@@ -22,10 +22,9 @@
     <p:sldId id="263" r:id="rId13"/>
     <p:sldId id="271" r:id="rId14"/>
     <p:sldId id="264" r:id="rId15"/>
-    <p:sldId id="268" r:id="rId16"/>
-    <p:sldId id="265" r:id="rId17"/>
-    <p:sldId id="266" r:id="rId18"/>
-    <p:sldId id="267" r:id="rId19"/>
+    <p:sldId id="265" r:id="rId16"/>
+    <p:sldId id="266" r:id="rId17"/>
+    <p:sldId id="267" r:id="rId18"/>
   </p:sldIdLst>
   <p:sldSz cx="12192000" cy="6858000"/>
   <p:notesSz cx="6858000" cy="9144000"/>
@@ -214,7 +213,7 @@
           <a:p>
             <a:fld id="{99A79AD5-89C0-4010-833A-1389C66235E8}" type="datetimeFigureOut">
               <a:rPr lang="en-US" smtClean="0"/>
-              <a:t>1/10/2022</a:t>
+              <a:t>1/11/2022</a:t>
             </a:fld>
             <a:endParaRPr lang="en-US"/>
           </a:p>
@@ -613,7 +612,7 @@
           <a:p>
             <a:fld id="{368C5E72-8645-4A1C-ABEF-CB6D5603A07D}" type="uaqdatetime1">
               <a:rPr lang="fa-IR" smtClean="0"/>
-              <a:t>07/06/1443</a:t>
+              <a:t>08/06/1443</a:t>
             </a:fld>
             <a:endParaRPr lang="en-US"/>
           </a:p>
@@ -783,7 +782,7 @@
           <a:p>
             <a:fld id="{FEE89845-ACCD-4029-B63C-55DACAC9F8A6}" type="uaqdatetime1">
               <a:rPr lang="fa-IR" smtClean="0"/>
-              <a:t>07/06/1443</a:t>
+              <a:t>08/06/1443</a:t>
             </a:fld>
             <a:endParaRPr lang="en-US"/>
           </a:p>
@@ -963,7 +962,7 @@
           <a:p>
             <a:fld id="{BFDBF3F9-34DA-49D7-B5B9-BF4380A179B7}" type="uaqdatetime1">
               <a:rPr lang="fa-IR" smtClean="0"/>
-              <a:t>07/06/1443</a:t>
+              <a:t>08/06/1443</a:t>
             </a:fld>
             <a:endParaRPr lang="en-US"/>
           </a:p>
@@ -1025,7 +1024,7 @@
 </file>
 
 <file path=ppt/slideLayouts/slideLayout12.xml><?xml version="1.0" encoding="utf-8"?>
-<p:sldLayout xmlns:a="http://schemas.openxmlformats.org/drawingml/2006/main" xmlns:r="http://schemas.openxmlformats.org/officeDocument/2006/relationships" xmlns:p="http://schemas.openxmlformats.org/presentationml/2006/main" showMasterSp="0" type="title" preserve="1">
+<p:sldLayout xmlns:a="http://schemas.openxmlformats.org/drawingml/2006/main" xmlns:r="http://schemas.openxmlformats.org/officeDocument/2006/relationships" xmlns:p="http://schemas.openxmlformats.org/presentationml/2006/main" type="title" preserve="1">
   <p:cSld name="Title Slide">
     <p:spTree>
       <p:nvGrpSpPr>
@@ -1041,536 +1040,6 @@
           <a:chExt cx="0" cy="0"/>
         </a:xfrm>
       </p:grpSpPr>
-      <p:grpSp>
-        <p:nvGrpSpPr>
-          <p:cNvPr id="7" name="Group 6"/>
-          <p:cNvGrpSpPr/>
-          <p:nvPr/>
-        </p:nvGrpSpPr>
-        <p:grpSpPr>
-          <a:xfrm>
-            <a:off x="0" y="-8467"/>
-            <a:ext cx="12192000" cy="6866467"/>
-            <a:chOff x="0" y="-8467"/>
-            <a:chExt cx="12192000" cy="6866467"/>
-          </a:xfrm>
-        </p:grpSpPr>
-        <p:cxnSp>
-          <p:nvCxnSpPr>
-            <p:cNvPr id="32" name="Straight Connector 31"/>
-            <p:cNvCxnSpPr/>
-            <p:nvPr/>
-          </p:nvCxnSpPr>
-          <p:spPr>
-            <a:xfrm>
-              <a:off x="9371012" y="0"/>
-              <a:ext cx="1219200" cy="6858000"/>
-            </a:xfrm>
-            <a:prstGeom prst="line">
-              <a:avLst/>
-            </a:prstGeom>
-            <a:ln w="9525">
-              <a:solidFill>
-                <a:schemeClr val="bg1">
-                  <a:lumMod val="75000"/>
-                </a:schemeClr>
-              </a:solidFill>
-            </a:ln>
-          </p:spPr>
-          <p:style>
-            <a:lnRef idx="2">
-              <a:schemeClr val="accent1"/>
-            </a:lnRef>
-            <a:fillRef idx="0">
-              <a:schemeClr val="accent1"/>
-            </a:fillRef>
-            <a:effectRef idx="1">
-              <a:schemeClr val="accent1"/>
-            </a:effectRef>
-            <a:fontRef idx="minor">
-              <a:schemeClr val="tx1"/>
-            </a:fontRef>
-          </p:style>
-        </p:cxnSp>
-        <p:cxnSp>
-          <p:nvCxnSpPr>
-            <p:cNvPr id="21" name="Straight Connector 20"/>
-            <p:cNvCxnSpPr/>
-            <p:nvPr/>
-          </p:nvCxnSpPr>
-          <p:spPr>
-            <a:xfrm flipH="1">
-              <a:off x="7425267" y="3681413"/>
-              <a:ext cx="4763558" cy="3176587"/>
-            </a:xfrm>
-            <a:prstGeom prst="line">
-              <a:avLst/>
-            </a:prstGeom>
-            <a:ln w="9525">
-              <a:solidFill>
-                <a:schemeClr val="bg1">
-                  <a:lumMod val="85000"/>
-                </a:schemeClr>
-              </a:solidFill>
-            </a:ln>
-          </p:spPr>
-          <p:style>
-            <a:lnRef idx="2">
-              <a:schemeClr val="accent1"/>
-            </a:lnRef>
-            <a:fillRef idx="0">
-              <a:schemeClr val="accent1"/>
-            </a:fillRef>
-            <a:effectRef idx="1">
-              <a:schemeClr val="accent1"/>
-            </a:effectRef>
-            <a:fontRef idx="minor">
-              <a:schemeClr val="tx1"/>
-            </a:fontRef>
-          </p:style>
-        </p:cxnSp>
-        <p:sp>
-          <p:nvSpPr>
-            <p:cNvPr id="24" name="Rectangle 23"/>
-            <p:cNvSpPr/>
-            <p:nvPr/>
-          </p:nvSpPr>
-          <p:spPr>
-            <a:xfrm>
-              <a:off x="9181476" y="-8467"/>
-              <a:ext cx="3007349" cy="6866467"/>
-            </a:xfrm>
-            <a:custGeom>
-              <a:avLst/>
-              <a:gdLst/>
-              <a:ahLst/>
-              <a:cxnLst/>
-              <a:rect l="l" t="t" r="r" b="b"/>
-              <a:pathLst>
-                <a:path w="3007349" h="6866467">
-                  <a:moveTo>
-                    <a:pt x="2045532" y="0"/>
-                  </a:moveTo>
-                  <a:lnTo>
-                    <a:pt x="3007349" y="0"/>
-                  </a:lnTo>
-                  <a:lnTo>
-                    <a:pt x="3007349" y="6866467"/>
-                  </a:lnTo>
-                  <a:lnTo>
-                    <a:pt x="0" y="6866467"/>
-                  </a:lnTo>
-                  <a:lnTo>
-                    <a:pt x="2045532" y="0"/>
-                  </a:lnTo>
-                  <a:close/>
-                </a:path>
-              </a:pathLst>
-            </a:custGeom>
-            <a:solidFill>
-              <a:schemeClr val="accent1">
-                <a:alpha val="30000"/>
-              </a:schemeClr>
-            </a:solidFill>
-            <a:ln>
-              <a:noFill/>
-            </a:ln>
-            <a:effectLst/>
-          </p:spPr>
-          <p:style>
-            <a:lnRef idx="1">
-              <a:schemeClr val="accent1"/>
-            </a:lnRef>
-            <a:fillRef idx="3">
-              <a:schemeClr val="accent1"/>
-            </a:fillRef>
-            <a:effectRef idx="2">
-              <a:schemeClr val="accent1"/>
-            </a:effectRef>
-            <a:fontRef idx="minor">
-              <a:schemeClr val="lt1"/>
-            </a:fontRef>
-          </p:style>
-        </p:sp>
-        <p:sp>
-          <p:nvSpPr>
-            <p:cNvPr id="26" name="Rectangle 25"/>
-            <p:cNvSpPr/>
-            <p:nvPr/>
-          </p:nvSpPr>
-          <p:spPr>
-            <a:xfrm>
-              <a:off x="9603442" y="-8467"/>
-              <a:ext cx="2588558" cy="6866467"/>
-            </a:xfrm>
-            <a:custGeom>
-              <a:avLst/>
-              <a:gdLst/>
-              <a:ahLst/>
-              <a:cxnLst/>
-              <a:rect l="l" t="t" r="r" b="b"/>
-              <a:pathLst>
-                <a:path w="2573311" h="6866467">
-                  <a:moveTo>
-                    <a:pt x="0" y="0"/>
-                  </a:moveTo>
-                  <a:lnTo>
-                    <a:pt x="2573311" y="0"/>
-                  </a:lnTo>
-                  <a:lnTo>
-                    <a:pt x="2573311" y="6866467"/>
-                  </a:lnTo>
-                  <a:lnTo>
-                    <a:pt x="1202336" y="6866467"/>
-                  </a:lnTo>
-                  <a:lnTo>
-                    <a:pt x="0" y="0"/>
-                  </a:lnTo>
-                  <a:close/>
-                </a:path>
-              </a:pathLst>
-            </a:custGeom>
-            <a:solidFill>
-              <a:schemeClr val="accent1">
-                <a:alpha val="20000"/>
-              </a:schemeClr>
-            </a:solidFill>
-            <a:ln>
-              <a:noFill/>
-            </a:ln>
-            <a:effectLst/>
-          </p:spPr>
-          <p:style>
-            <a:lnRef idx="1">
-              <a:schemeClr val="accent1"/>
-            </a:lnRef>
-            <a:fillRef idx="3">
-              <a:schemeClr val="accent1"/>
-            </a:fillRef>
-            <a:effectRef idx="2">
-              <a:schemeClr val="accent1"/>
-            </a:effectRef>
-            <a:fontRef idx="minor">
-              <a:schemeClr val="lt1"/>
-            </a:fontRef>
-          </p:style>
-        </p:sp>
-        <p:sp>
-          <p:nvSpPr>
-            <p:cNvPr id="27" name="Isosceles Triangle 26"/>
-            <p:cNvSpPr/>
-            <p:nvPr/>
-          </p:nvSpPr>
-          <p:spPr>
-            <a:xfrm>
-              <a:off x="8932333" y="3048000"/>
-              <a:ext cx="3259667" cy="3810000"/>
-            </a:xfrm>
-            <a:prstGeom prst="triangle">
-              <a:avLst>
-                <a:gd name="adj" fmla="val 100000"/>
-              </a:avLst>
-            </a:prstGeom>
-            <a:solidFill>
-              <a:schemeClr val="accent2">
-                <a:alpha val="72000"/>
-              </a:schemeClr>
-            </a:solidFill>
-            <a:ln>
-              <a:noFill/>
-            </a:ln>
-            <a:effectLst/>
-          </p:spPr>
-          <p:style>
-            <a:lnRef idx="1">
-              <a:schemeClr val="accent1"/>
-            </a:lnRef>
-            <a:fillRef idx="3">
-              <a:schemeClr val="accent1"/>
-            </a:fillRef>
-            <a:effectRef idx="2">
-              <a:schemeClr val="accent1"/>
-            </a:effectRef>
-            <a:fontRef idx="minor">
-              <a:schemeClr val="lt1"/>
-            </a:fontRef>
-          </p:style>
-        </p:sp>
-        <p:sp>
-          <p:nvSpPr>
-            <p:cNvPr id="28" name="Rectangle 27"/>
-            <p:cNvSpPr/>
-            <p:nvPr/>
-          </p:nvSpPr>
-          <p:spPr>
-            <a:xfrm>
-              <a:off x="9334500" y="-8467"/>
-              <a:ext cx="2854326" cy="6866467"/>
-            </a:xfrm>
-            <a:custGeom>
-              <a:avLst/>
-              <a:gdLst/>
-              <a:ahLst/>
-              <a:cxnLst/>
-              <a:rect l="l" t="t" r="r" b="b"/>
-              <a:pathLst>
-                <a:path w="2858013" h="6866467">
-                  <a:moveTo>
-                    <a:pt x="0" y="0"/>
-                  </a:moveTo>
-                  <a:lnTo>
-                    <a:pt x="2858013" y="0"/>
-                  </a:lnTo>
-                  <a:lnTo>
-                    <a:pt x="2858013" y="6866467"/>
-                  </a:lnTo>
-                  <a:lnTo>
-                    <a:pt x="2473942" y="6866467"/>
-                  </a:lnTo>
-                  <a:lnTo>
-                    <a:pt x="0" y="0"/>
-                  </a:lnTo>
-                  <a:close/>
-                </a:path>
-              </a:pathLst>
-            </a:custGeom>
-            <a:solidFill>
-              <a:schemeClr val="accent2">
-                <a:lumMod val="75000"/>
-                <a:alpha val="70000"/>
-              </a:schemeClr>
-            </a:solidFill>
-            <a:ln>
-              <a:noFill/>
-            </a:ln>
-            <a:effectLst/>
-          </p:spPr>
-          <p:style>
-            <a:lnRef idx="1">
-              <a:schemeClr val="accent1"/>
-            </a:lnRef>
-            <a:fillRef idx="3">
-              <a:schemeClr val="accent1"/>
-            </a:fillRef>
-            <a:effectRef idx="2">
-              <a:schemeClr val="accent1"/>
-            </a:effectRef>
-            <a:fontRef idx="minor">
-              <a:schemeClr val="lt1"/>
-            </a:fontRef>
-          </p:style>
-        </p:sp>
-        <p:sp>
-          <p:nvSpPr>
-            <p:cNvPr id="29" name="Rectangle 28"/>
-            <p:cNvSpPr/>
-            <p:nvPr/>
-          </p:nvSpPr>
-          <p:spPr>
-            <a:xfrm>
-              <a:off x="10898730" y="-8467"/>
-              <a:ext cx="1290094" cy="6866467"/>
-            </a:xfrm>
-            <a:custGeom>
-              <a:avLst/>
-              <a:gdLst/>
-              <a:ahLst/>
-              <a:cxnLst/>
-              <a:rect l="l" t="t" r="r" b="b"/>
-              <a:pathLst>
-                <a:path w="1290094" h="6858000">
-                  <a:moveTo>
-                    <a:pt x="1019735" y="0"/>
-                  </a:moveTo>
-                  <a:lnTo>
-                    <a:pt x="1290094" y="0"/>
-                  </a:lnTo>
-                  <a:lnTo>
-                    <a:pt x="1290094" y="6858000"/>
-                  </a:lnTo>
-                  <a:lnTo>
-                    <a:pt x="0" y="6858000"/>
-                  </a:lnTo>
-                  <a:lnTo>
-                    <a:pt x="1019735" y="0"/>
-                  </a:lnTo>
-                  <a:close/>
-                </a:path>
-              </a:pathLst>
-            </a:custGeom>
-            <a:solidFill>
-              <a:schemeClr val="accent1">
-                <a:lumMod val="60000"/>
-                <a:lumOff val="40000"/>
-                <a:alpha val="70000"/>
-              </a:schemeClr>
-            </a:solidFill>
-            <a:ln>
-              <a:noFill/>
-            </a:ln>
-            <a:effectLst/>
-          </p:spPr>
-          <p:style>
-            <a:lnRef idx="1">
-              <a:schemeClr val="accent1"/>
-            </a:lnRef>
-            <a:fillRef idx="3">
-              <a:schemeClr val="accent1"/>
-            </a:fillRef>
-            <a:effectRef idx="2">
-              <a:schemeClr val="accent1"/>
-            </a:effectRef>
-            <a:fontRef idx="minor">
-              <a:schemeClr val="lt1"/>
-            </a:fontRef>
-          </p:style>
-        </p:sp>
-        <p:sp>
-          <p:nvSpPr>
-            <p:cNvPr id="30" name="Rectangle 29"/>
-            <p:cNvSpPr/>
-            <p:nvPr/>
-          </p:nvSpPr>
-          <p:spPr>
-            <a:xfrm>
-              <a:off x="10938999" y="-8467"/>
-              <a:ext cx="1249825" cy="6866467"/>
-            </a:xfrm>
-            <a:custGeom>
-              <a:avLst/>
-              <a:gdLst/>
-              <a:ahLst/>
-              <a:cxnLst/>
-              <a:rect l="l" t="t" r="r" b="b"/>
-              <a:pathLst>
-                <a:path w="1249825" h="6858000">
-                  <a:moveTo>
-                    <a:pt x="0" y="0"/>
-                  </a:moveTo>
-                  <a:lnTo>
-                    <a:pt x="1249825" y="0"/>
-                  </a:lnTo>
-                  <a:lnTo>
-                    <a:pt x="1249825" y="6858000"/>
-                  </a:lnTo>
-                  <a:lnTo>
-                    <a:pt x="1109382" y="6858000"/>
-                  </a:lnTo>
-                  <a:lnTo>
-                    <a:pt x="0" y="0"/>
-                  </a:lnTo>
-                  <a:close/>
-                </a:path>
-              </a:pathLst>
-            </a:custGeom>
-            <a:solidFill>
-              <a:schemeClr val="accent1">
-                <a:alpha val="65000"/>
-              </a:schemeClr>
-            </a:solidFill>
-            <a:ln>
-              <a:noFill/>
-            </a:ln>
-            <a:effectLst/>
-          </p:spPr>
-          <p:style>
-            <a:lnRef idx="1">
-              <a:schemeClr val="accent1"/>
-            </a:lnRef>
-            <a:fillRef idx="3">
-              <a:schemeClr val="accent1"/>
-            </a:fillRef>
-            <a:effectRef idx="2">
-              <a:schemeClr val="accent1"/>
-            </a:effectRef>
-            <a:fontRef idx="minor">
-              <a:schemeClr val="lt1"/>
-            </a:fontRef>
-          </p:style>
-        </p:sp>
-        <p:sp>
-          <p:nvSpPr>
-            <p:cNvPr id="31" name="Isosceles Triangle 30"/>
-            <p:cNvSpPr/>
-            <p:nvPr/>
-          </p:nvSpPr>
-          <p:spPr>
-            <a:xfrm>
-              <a:off x="10371666" y="3589867"/>
-              <a:ext cx="1817159" cy="3268133"/>
-            </a:xfrm>
-            <a:prstGeom prst="triangle">
-              <a:avLst>
-                <a:gd name="adj" fmla="val 100000"/>
-              </a:avLst>
-            </a:prstGeom>
-            <a:solidFill>
-              <a:schemeClr val="accent1">
-                <a:alpha val="80000"/>
-              </a:schemeClr>
-            </a:solidFill>
-            <a:ln>
-              <a:noFill/>
-            </a:ln>
-            <a:effectLst/>
-          </p:spPr>
-          <p:style>
-            <a:lnRef idx="1">
-              <a:schemeClr val="accent1"/>
-            </a:lnRef>
-            <a:fillRef idx="3">
-              <a:schemeClr val="accent1"/>
-            </a:fillRef>
-            <a:effectRef idx="2">
-              <a:schemeClr val="accent1"/>
-            </a:effectRef>
-            <a:fontRef idx="minor">
-              <a:schemeClr val="lt1"/>
-            </a:fontRef>
-          </p:style>
-        </p:sp>
-        <p:sp>
-          <p:nvSpPr>
-            <p:cNvPr id="19" name="Isosceles Triangle 18"/>
-            <p:cNvSpPr/>
-            <p:nvPr/>
-          </p:nvSpPr>
-          <p:spPr>
-            <a:xfrm rot="10800000">
-              <a:off x="0" y="0"/>
-              <a:ext cx="842596" cy="5666154"/>
-            </a:xfrm>
-            <a:prstGeom prst="triangle">
-              <a:avLst>
-                <a:gd name="adj" fmla="val 100000"/>
-              </a:avLst>
-            </a:prstGeom>
-            <a:solidFill>
-              <a:schemeClr val="accent1">
-                <a:alpha val="85000"/>
-              </a:schemeClr>
-            </a:solidFill>
-            <a:ln>
-              <a:noFill/>
-            </a:ln>
-            <a:effectLst/>
-          </p:spPr>
-          <p:style>
-            <a:lnRef idx="1">
-              <a:schemeClr val="accent1"/>
-            </a:lnRef>
-            <a:fillRef idx="3">
-              <a:schemeClr val="accent1"/>
-            </a:fillRef>
-            <a:effectRef idx="2">
-              <a:schemeClr val="accent1"/>
-            </a:effectRef>
-            <a:fontRef idx="minor">
-              <a:schemeClr val="lt1"/>
-            </a:fontRef>
-          </p:style>
-        </p:sp>
-      </p:grpSp>
       <p:sp>
         <p:nvSpPr>
           <p:cNvPr id="2" name="Title 1"/>
@@ -1583,21 +1052,15 @@
         </p:nvSpPr>
         <p:spPr>
           <a:xfrm>
-            <a:off x="1507067" y="2404534"/>
-            <a:ext cx="7766936" cy="1646302"/>
+            <a:off x="1524000" y="1122363"/>
+            <a:ext cx="9144000" cy="2387600"/>
           </a:xfrm>
         </p:spPr>
         <p:txBody>
-          <a:bodyPr anchor="b">
-            <a:noAutofit/>
-          </a:bodyPr>
+          <a:bodyPr anchor="b"/>
           <a:lstStyle>
-            <a:lvl1pPr algn="r">
-              <a:defRPr sz="5400">
-                <a:solidFill>
-                  <a:schemeClr val="accent1"/>
-                </a:solidFill>
-              </a:defRPr>
+            <a:lvl1pPr algn="ctr">
+              <a:defRPr sz="6000"/>
             </a:lvl1pPr>
           </a:lstStyle>
           <a:p>
@@ -1605,7 +1068,7 @@
               <a:rPr lang="en-US" smtClean="0"/>
               <a:t>Click to edit Master title style</a:t>
             </a:r>
-            <a:endParaRPr lang="en-US" dirty="0"/>
+            <a:endParaRPr lang="fa-IR"/>
           </a:p>
         </p:txBody>
       </p:sp>
@@ -1621,103 +1084,48 @@
         </p:nvSpPr>
         <p:spPr>
           <a:xfrm>
-            <a:off x="1507067" y="4050833"/>
-            <a:ext cx="7766936" cy="1096899"/>
+            <a:off x="1524000" y="3602038"/>
+            <a:ext cx="9144000" cy="1655762"/>
           </a:xfrm>
         </p:spPr>
         <p:txBody>
-          <a:bodyPr anchor="t"/>
+          <a:bodyPr/>
           <a:lstStyle>
-            <a:lvl1pPr marL="0" indent="0" algn="r">
-              <a:buNone/>
-              <a:defRPr>
-                <a:solidFill>
-                  <a:schemeClr val="tx1">
-                    <a:lumMod val="50000"/>
-                    <a:lumOff val="50000"/>
-                  </a:schemeClr>
-                </a:solidFill>
-              </a:defRPr>
+            <a:lvl1pPr marL="0" indent="0" algn="ctr">
+              <a:buNone/>
+              <a:defRPr sz="2400"/>
             </a:lvl1pPr>
             <a:lvl2pPr marL="457200" indent="0" algn="ctr">
               <a:buNone/>
-              <a:defRPr>
-                <a:solidFill>
-                  <a:schemeClr val="tx1">
-                    <a:tint val="75000"/>
-                  </a:schemeClr>
-                </a:solidFill>
-              </a:defRPr>
+              <a:defRPr sz="2000"/>
             </a:lvl2pPr>
             <a:lvl3pPr marL="914400" indent="0" algn="ctr">
               <a:buNone/>
-              <a:defRPr>
-                <a:solidFill>
-                  <a:schemeClr val="tx1">
-                    <a:tint val="75000"/>
-                  </a:schemeClr>
-                </a:solidFill>
-              </a:defRPr>
+              <a:defRPr sz="1800"/>
             </a:lvl3pPr>
             <a:lvl4pPr marL="1371600" indent="0" algn="ctr">
               <a:buNone/>
-              <a:defRPr>
-                <a:solidFill>
-                  <a:schemeClr val="tx1">
-                    <a:tint val="75000"/>
-                  </a:schemeClr>
-                </a:solidFill>
-              </a:defRPr>
+              <a:defRPr sz="1600"/>
             </a:lvl4pPr>
             <a:lvl5pPr marL="1828800" indent="0" algn="ctr">
               <a:buNone/>
-              <a:defRPr>
-                <a:solidFill>
-                  <a:schemeClr val="tx1">
-                    <a:tint val="75000"/>
-                  </a:schemeClr>
-                </a:solidFill>
-              </a:defRPr>
+              <a:defRPr sz="1600"/>
             </a:lvl5pPr>
             <a:lvl6pPr marL="2286000" indent="0" algn="ctr">
               <a:buNone/>
-              <a:defRPr>
-                <a:solidFill>
-                  <a:schemeClr val="tx1">
-                    <a:tint val="75000"/>
-                  </a:schemeClr>
-                </a:solidFill>
-              </a:defRPr>
+              <a:defRPr sz="1600"/>
             </a:lvl6pPr>
             <a:lvl7pPr marL="2743200" indent="0" algn="ctr">
               <a:buNone/>
-              <a:defRPr>
-                <a:solidFill>
-                  <a:schemeClr val="tx1">
-                    <a:tint val="75000"/>
-                  </a:schemeClr>
-                </a:solidFill>
-              </a:defRPr>
+              <a:defRPr sz="1600"/>
             </a:lvl7pPr>
             <a:lvl8pPr marL="3200400" indent="0" algn="ctr">
               <a:buNone/>
-              <a:defRPr>
-                <a:solidFill>
-                  <a:schemeClr val="tx1">
-                    <a:tint val="75000"/>
-                  </a:schemeClr>
-                </a:solidFill>
-              </a:defRPr>
+              <a:defRPr sz="1600"/>
             </a:lvl8pPr>
             <a:lvl9pPr marL="3657600" indent="0" algn="ctr">
               <a:buNone/>
-              <a:defRPr>
-                <a:solidFill>
-                  <a:schemeClr val="tx1">
-                    <a:tint val="75000"/>
-                  </a:schemeClr>
-                </a:solidFill>
-              </a:defRPr>
+              <a:defRPr sz="1600"/>
             </a:lvl9pPr>
           </a:lstStyle>
           <a:p>
@@ -1725,7 +1133,7 @@
               <a:rPr lang="en-US" smtClean="0"/>
               <a:t>Click to edit Master subtitle style</a:t>
             </a:r>
-            <a:endParaRPr lang="en-US" dirty="0"/>
+            <a:endParaRPr lang="fa-IR"/>
           </a:p>
         </p:txBody>
       </p:sp>
@@ -1744,9 +1152,9 @@
           <a:bodyPr/>
           <a:lstStyle/>
           <a:p>
-            <a:fld id="{F10BAB51-C249-4008-BDCF-2CF4A269A7AF}" type="uaqdatetime1">
+            <a:fld id="{368C5E72-8645-4A1C-ABEF-CB6D5603A07D}" type="uaqdatetime1">
               <a:rPr lang="fa-IR" smtClean="0"/>
-              <a:t>07/06/1443</a:t>
+              <a:t>08/06/1443</a:t>
             </a:fld>
             <a:endParaRPr lang="en-US"/>
           </a:p>
@@ -1786,7 +1194,7 @@
           <a:bodyPr/>
           <a:lstStyle/>
           <a:p>
-            <a:fld id="{4BC6469D-48EF-44E1-BF07-A9CE4893D6D6}" type="slidenum">
+            <a:fld id="{517767EB-4571-463A-9878-3CB86E448BD6}" type="slidenum">
               <a:rPr lang="en-US" smtClean="0"/>
               <a:t>‹#›</a:t>
             </a:fld>
@@ -1797,13 +1205,20 @@
     </p:spTree>
     <p:extLst>
       <p:ext uri="{BB962C8B-B14F-4D97-AF65-F5344CB8AC3E}">
-        <p14:creationId xmlns:p14="http://schemas.microsoft.com/office/powerpoint/2010/main" val="3997229275"/>
+        <p14:creationId xmlns:p14="http://schemas.microsoft.com/office/powerpoint/2010/main" val="276955325"/>
       </p:ext>
     </p:extLst>
   </p:cSld>
   <p:clrMapOvr>
     <a:masterClrMapping/>
   </p:clrMapOvr>
+  <p:timing>
+    <p:tnLst>
+      <p:par>
+        <p:cTn id="1" dur="indefinite" restart="never" nodeType="tmRoot"/>
+      </p:par>
+    </p:tnLst>
+  </p:timing>
 </p:sldLayout>
 </file>
 
@@ -1836,20 +1251,14 @@
         </p:nvSpPr>
         <p:spPr/>
         <p:txBody>
-          <a:bodyPr>
-            <a:normAutofit/>
-          </a:bodyPr>
-          <a:lstStyle>
-            <a:lvl1pPr>
-              <a:defRPr sz="3600"/>
-            </a:lvl1pPr>
-          </a:lstStyle>
+          <a:bodyPr/>
+          <a:lstStyle/>
           <a:p>
             <a:r>
               <a:rPr lang="en-US" smtClean="0"/>
               <a:t>Click to edit Master title style</a:t>
             </a:r>
-            <a:endParaRPr lang="en-US" dirty="0"/>
+            <a:endParaRPr lang="fa-IR"/>
           </a:p>
         </p:txBody>
       </p:sp>
@@ -1901,7 +1310,7 @@
               <a:rPr lang="en-US" smtClean="0"/>
               <a:t>Fifth level</a:t>
             </a:r>
-            <a:endParaRPr lang="en-US" dirty="0"/>
+            <a:endParaRPr lang="fa-IR"/>
           </a:p>
         </p:txBody>
       </p:sp>
@@ -1920,9 +1329,9 @@
           <a:bodyPr/>
           <a:lstStyle/>
           <a:p>
-            <a:fld id="{C2DB2716-ABCB-47E4-A5E7-31908A35B483}" type="uaqdatetime1">
+            <a:fld id="{508AADD2-40D1-402F-9823-C486C22D7A8F}" type="uaqdatetime1">
               <a:rPr lang="fa-IR" smtClean="0"/>
-              <a:t>07/06/1443</a:t>
+              <a:t>08/06/1443</a:t>
             </a:fld>
             <a:endParaRPr lang="en-US"/>
           </a:p>
@@ -1962,7 +1371,7 @@
           <a:bodyPr/>
           <a:lstStyle/>
           <a:p>
-            <a:fld id="{4BC6469D-48EF-44E1-BF07-A9CE4893D6D6}" type="slidenum">
+            <a:fld id="{517767EB-4571-463A-9878-3CB86E448BD6}" type="slidenum">
               <a:rPr lang="en-US" smtClean="0"/>
               <a:t>‹#›</a:t>
             </a:fld>
@@ -1973,7 +1382,7 @@
     </p:spTree>
     <p:extLst>
       <p:ext uri="{BB962C8B-B14F-4D97-AF65-F5344CB8AC3E}">
-        <p14:creationId xmlns:p14="http://schemas.microsoft.com/office/powerpoint/2010/main" val="1629616016"/>
+        <p14:creationId xmlns:p14="http://schemas.microsoft.com/office/powerpoint/2010/main" val="1419797193"/>
       </p:ext>
     </p:extLst>
   </p:cSld>
@@ -2012,15 +1421,15 @@
         </p:nvSpPr>
         <p:spPr>
           <a:xfrm>
-            <a:off x="677335" y="2700867"/>
-            <a:ext cx="8596668" cy="1826581"/>
+            <a:off x="831850" y="1709738"/>
+            <a:ext cx="10515600" cy="2852737"/>
           </a:xfrm>
         </p:spPr>
         <p:txBody>
           <a:bodyPr anchor="b"/>
           <a:lstStyle>
-            <a:lvl1pPr algn="l">
-              <a:defRPr sz="4000" b="0" cap="none"/>
+            <a:lvl1pPr>
+              <a:defRPr sz="6000"/>
             </a:lvl1pPr>
           </a:lstStyle>
           <a:p>
@@ -2028,7 +1437,7 @@
               <a:rPr lang="en-US" smtClean="0"/>
               <a:t>Click to edit Master title style</a:t>
             </a:r>
-            <a:endParaRPr lang="en-US" dirty="0"/>
+            <a:endParaRPr lang="fa-IR"/>
           </a:p>
         </p:txBody>
       </p:sp>
@@ -2044,27 +1453,26 @@
         </p:nvSpPr>
         <p:spPr>
           <a:xfrm>
-            <a:off x="677335" y="4527448"/>
-            <a:ext cx="8596668" cy="860400"/>
+            <a:off x="831850" y="4589463"/>
+            <a:ext cx="10515600" cy="1500187"/>
           </a:xfrm>
         </p:spPr>
         <p:txBody>
-          <a:bodyPr anchor="t"/>
+          <a:bodyPr/>
           <a:lstStyle>
-            <a:lvl1pPr marL="0" indent="0" algn="l">
-              <a:buNone/>
-              <a:defRPr sz="2000">
+            <a:lvl1pPr marL="0" indent="0">
+              <a:buNone/>
+              <a:defRPr sz="2400">
                 <a:solidFill>
                   <a:schemeClr val="tx1">
-                    <a:lumMod val="50000"/>
-                    <a:lumOff val="50000"/>
+                    <a:tint val="75000"/>
                   </a:schemeClr>
                 </a:solidFill>
               </a:defRPr>
             </a:lvl1pPr>
             <a:lvl2pPr marL="457200" indent="0">
               <a:buNone/>
-              <a:defRPr sz="1800">
+              <a:defRPr sz="2000">
                 <a:solidFill>
                   <a:schemeClr val="tx1">
                     <a:tint val="75000"/>
@@ -2074,7 +1482,7 @@
             </a:lvl2pPr>
             <a:lvl3pPr marL="914400" indent="0">
               <a:buNone/>
-              <a:defRPr sz="1600">
+              <a:defRPr sz="1800">
                 <a:solidFill>
                   <a:schemeClr val="tx1">
                     <a:tint val="75000"/>
@@ -2084,7 +1492,7 @@
             </a:lvl3pPr>
             <a:lvl4pPr marL="1371600" indent="0">
               <a:buNone/>
-              <a:defRPr sz="1400">
+              <a:defRPr sz="1600">
                 <a:solidFill>
                   <a:schemeClr val="tx1">
                     <a:tint val="75000"/>
@@ -2094,7 +1502,7 @@
             </a:lvl4pPr>
             <a:lvl5pPr marL="1828800" indent="0">
               <a:buNone/>
-              <a:defRPr sz="1400">
+              <a:defRPr sz="1600">
                 <a:solidFill>
                   <a:schemeClr val="tx1">
                     <a:tint val="75000"/>
@@ -2104,7 +1512,7 @@
             </a:lvl5pPr>
             <a:lvl6pPr marL="2286000" indent="0">
               <a:buNone/>
-              <a:defRPr sz="1400">
+              <a:defRPr sz="1600">
                 <a:solidFill>
                   <a:schemeClr val="tx1">
                     <a:tint val="75000"/>
@@ -2114,7 +1522,7 @@
             </a:lvl6pPr>
             <a:lvl7pPr marL="2743200" indent="0">
               <a:buNone/>
-              <a:defRPr sz="1400">
+              <a:defRPr sz="1600">
                 <a:solidFill>
                   <a:schemeClr val="tx1">
                     <a:tint val="75000"/>
@@ -2124,7 +1532,7 @@
             </a:lvl7pPr>
             <a:lvl8pPr marL="3200400" indent="0">
               <a:buNone/>
-              <a:defRPr sz="1400">
+              <a:defRPr sz="1600">
                 <a:solidFill>
                   <a:schemeClr val="tx1">
                     <a:tint val="75000"/>
@@ -2134,7 +1542,7 @@
             </a:lvl8pPr>
             <a:lvl9pPr marL="3657600" indent="0">
               <a:buNone/>
-              <a:defRPr sz="1400">
+              <a:defRPr sz="1600">
                 <a:solidFill>
                   <a:schemeClr val="tx1">
                     <a:tint val="75000"/>
@@ -2167,9 +1575,9 @@
           <a:bodyPr/>
           <a:lstStyle/>
           <a:p>
-            <a:fld id="{C622DE71-A244-4B76-AC9B-8BEBDCFBF113}" type="uaqdatetime1">
+            <a:fld id="{7402CB9B-D49C-43E8-87FF-3860F10A70AD}" type="uaqdatetime1">
               <a:rPr lang="fa-IR" smtClean="0"/>
-              <a:t>07/06/1443</a:t>
+              <a:t>08/06/1443</a:t>
             </a:fld>
             <a:endParaRPr lang="en-US"/>
           </a:p>
@@ -2209,7 +1617,7 @@
           <a:bodyPr/>
           <a:lstStyle/>
           <a:p>
-            <a:fld id="{4BC6469D-48EF-44E1-BF07-A9CE4893D6D6}" type="slidenum">
+            <a:fld id="{517767EB-4571-463A-9878-3CB86E448BD6}" type="slidenum">
               <a:rPr lang="en-US" smtClean="0"/>
               <a:t>‹#›</a:t>
             </a:fld>
@@ -2220,13 +1628,20 @@
     </p:spTree>
     <p:extLst>
       <p:ext uri="{BB962C8B-B14F-4D97-AF65-F5344CB8AC3E}">
-        <p14:creationId xmlns:p14="http://schemas.microsoft.com/office/powerpoint/2010/main" val="896175936"/>
+        <p14:creationId xmlns:p14="http://schemas.microsoft.com/office/powerpoint/2010/main" val="147374772"/>
       </p:ext>
     </p:extLst>
   </p:cSld>
   <p:clrMapOvr>
     <a:masterClrMapping/>
   </p:clrMapOvr>
+  <p:timing>
+    <p:tnLst>
+      <p:par>
+        <p:cTn id="1" dur="indefinite" restart="never" nodeType="tmRoot"/>
+      </p:par>
+    </p:tnLst>
+  </p:timing>
 </p:sldLayout>
 </file>
 
@@ -2266,7 +1681,7 @@
               <a:rPr lang="en-US" smtClean="0"/>
               <a:t>Click to edit Master title style</a:t>
             </a:r>
-            <a:endParaRPr lang="en-US" dirty="0"/>
+            <a:endParaRPr lang="fa-IR"/>
           </a:p>
         </p:txBody>
       </p:sp>
@@ -2282,8 +1697,8 @@
         </p:nvSpPr>
         <p:spPr>
           <a:xfrm>
-            <a:off x="677334" y="2160589"/>
-            <a:ext cx="4184035" cy="3880772"/>
+            <a:off x="838200" y="1825625"/>
+            <a:ext cx="5181600" cy="4351338"/>
           </a:xfrm>
         </p:spPr>
         <p:txBody>
@@ -2323,7 +1738,7 @@
               <a:rPr lang="en-US" smtClean="0"/>
               <a:t>Fifth level</a:t>
             </a:r>
-            <a:endParaRPr lang="en-US" dirty="0"/>
+            <a:endParaRPr lang="fa-IR"/>
           </a:p>
         </p:txBody>
       </p:sp>
@@ -2339,8 +1754,8 @@
         </p:nvSpPr>
         <p:spPr>
           <a:xfrm>
-            <a:off x="5089970" y="2160589"/>
-            <a:ext cx="4184034" cy="3880773"/>
+            <a:off x="6172200" y="1825625"/>
+            <a:ext cx="5181600" cy="4351338"/>
           </a:xfrm>
         </p:spPr>
         <p:txBody>
@@ -2380,7 +1795,7 @@
               <a:rPr lang="en-US" smtClean="0"/>
               <a:t>Fifth level</a:t>
             </a:r>
-            <a:endParaRPr lang="en-US" dirty="0"/>
+            <a:endParaRPr lang="fa-IR"/>
           </a:p>
         </p:txBody>
       </p:sp>
@@ -2399,9 +1814,9 @@
           <a:bodyPr/>
           <a:lstStyle/>
           <a:p>
-            <a:fld id="{63063A94-4B19-4715-A6F5-BC5271064D5F}" type="uaqdatetime1">
+            <a:fld id="{054213FF-4287-47B0-AEA1-26ED6271FDBD}" type="uaqdatetime1">
               <a:rPr lang="fa-IR" smtClean="0"/>
-              <a:t>07/06/1443</a:t>
+              <a:t>08/06/1443</a:t>
             </a:fld>
             <a:endParaRPr lang="en-US"/>
           </a:p>
@@ -2441,7 +1856,7 @@
           <a:bodyPr/>
           <a:lstStyle/>
           <a:p>
-            <a:fld id="{4BC6469D-48EF-44E1-BF07-A9CE4893D6D6}" type="slidenum">
+            <a:fld id="{517767EB-4571-463A-9878-3CB86E448BD6}" type="slidenum">
               <a:rPr lang="en-US" smtClean="0"/>
               <a:t>‹#›</a:t>
             </a:fld>
@@ -2452,13 +1867,20 @@
     </p:spTree>
     <p:extLst>
       <p:ext uri="{BB962C8B-B14F-4D97-AF65-F5344CB8AC3E}">
-        <p14:creationId xmlns:p14="http://schemas.microsoft.com/office/powerpoint/2010/main" val="1213972703"/>
+        <p14:creationId xmlns:p14="http://schemas.microsoft.com/office/powerpoint/2010/main" val="3878883452"/>
       </p:ext>
     </p:extLst>
   </p:cSld>
   <p:clrMapOvr>
     <a:masterClrMapping/>
   </p:clrMapOvr>
+  <p:timing>
+    <p:tnLst>
+      <p:par>
+        <p:cTn id="1" dur="indefinite" restart="never" nodeType="tmRoot"/>
+      </p:par>
+    </p:tnLst>
+  </p:timing>
 </p:sldLayout>
 </file>
 
@@ -2489,47 +1911,46 @@
             <p:ph type="title"/>
           </p:nvPr>
         </p:nvSpPr>
-        <p:spPr/>
-        <p:txBody>
-          <a:bodyPr/>
-          <a:lstStyle>
-            <a:lvl1pPr>
-              <a:defRPr/>
-            </a:lvl1pPr>
-          </a:lstStyle>
-          <a:p>
-            <a:r>
-              <a:rPr lang="en-US" smtClean="0"/>
-              <a:t>Click to edit Master title style</a:t>
-            </a:r>
-            <a:endParaRPr lang="en-US" dirty="0"/>
-          </a:p>
-        </p:txBody>
-      </p:sp>
-      <p:sp>
-        <p:nvSpPr>
-          <p:cNvPr id="3" name="Text Placeholder 2"/>
-          <p:cNvSpPr>
-            <a:spLocks noGrp="1"/>
-          </p:cNvSpPr>
-          <p:nvPr>
-            <p:ph type="body" idx="1"/>
-          </p:nvPr>
-        </p:nvSpPr>
         <p:spPr>
           <a:xfrm>
-            <a:off x="675745" y="2160983"/>
-            <a:ext cx="4185623" cy="576262"/>
+            <a:off x="839788" y="365125"/>
+            <a:ext cx="10515600" cy="1325563"/>
           </a:xfrm>
         </p:spPr>
         <p:txBody>
-          <a:bodyPr anchor="b">
-            <a:noAutofit/>
-          </a:bodyPr>
+          <a:bodyPr/>
+          <a:lstStyle/>
+          <a:p>
+            <a:r>
+              <a:rPr lang="en-US" smtClean="0"/>
+              <a:t>Click to edit Master title style</a:t>
+            </a:r>
+            <a:endParaRPr lang="fa-IR"/>
+          </a:p>
+        </p:txBody>
+      </p:sp>
+      <p:sp>
+        <p:nvSpPr>
+          <p:cNvPr id="3" name="Text Placeholder 2"/>
+          <p:cNvSpPr>
+            <a:spLocks noGrp="1"/>
+          </p:cNvSpPr>
+          <p:nvPr>
+            <p:ph type="body" idx="1"/>
+          </p:nvPr>
+        </p:nvSpPr>
+        <p:spPr>
+          <a:xfrm>
+            <a:off x="839788" y="1681163"/>
+            <a:ext cx="5157787" cy="823912"/>
+          </a:xfrm>
+        </p:spPr>
+        <p:txBody>
+          <a:bodyPr anchor="b"/>
           <a:lstStyle>
             <a:lvl1pPr marL="0" indent="0">
               <a:buNone/>
-              <a:defRPr sz="2400" b="0"/>
+              <a:defRPr sz="2400" b="1"/>
             </a:lvl1pPr>
             <a:lvl2pPr marL="457200" indent="0">
               <a:buNone/>
@@ -2585,14 +2006,12 @@
         </p:nvSpPr>
         <p:spPr>
           <a:xfrm>
-            <a:off x="675745" y="2737245"/>
-            <a:ext cx="4185623" cy="3304117"/>
+            <a:off x="839788" y="2505075"/>
+            <a:ext cx="5157787" cy="3684588"/>
           </a:xfrm>
         </p:spPr>
         <p:txBody>
-          <a:bodyPr>
-            <a:normAutofit/>
-          </a:bodyPr>
+          <a:bodyPr/>
           <a:lstStyle/>
           <a:p>
             <a:pPr lvl="0"/>
@@ -2628,7 +2047,7 @@
               <a:rPr lang="en-US" smtClean="0"/>
               <a:t>Fifth level</a:t>
             </a:r>
-            <a:endParaRPr lang="en-US" dirty="0"/>
+            <a:endParaRPr lang="fa-IR"/>
           </a:p>
         </p:txBody>
       </p:sp>
@@ -2644,18 +2063,16 @@
         </p:nvSpPr>
         <p:spPr>
           <a:xfrm>
-            <a:off x="5088383" y="2160983"/>
-            <a:ext cx="4185618" cy="576262"/>
+            <a:off x="6172200" y="1681163"/>
+            <a:ext cx="5183188" cy="823912"/>
           </a:xfrm>
         </p:spPr>
         <p:txBody>
-          <a:bodyPr anchor="b">
-            <a:noAutofit/>
-          </a:bodyPr>
+          <a:bodyPr anchor="b"/>
           <a:lstStyle>
             <a:lvl1pPr marL="0" indent="0">
               <a:buNone/>
-              <a:defRPr sz="2400" b="0"/>
+              <a:defRPr sz="2400" b="1"/>
             </a:lvl1pPr>
             <a:lvl2pPr marL="457200" indent="0">
               <a:buNone/>
@@ -2711,14 +2128,12 @@
         </p:nvSpPr>
         <p:spPr>
           <a:xfrm>
-            <a:off x="5088384" y="2737245"/>
-            <a:ext cx="4185617" cy="3304117"/>
+            <a:off x="6172200" y="2505075"/>
+            <a:ext cx="5183188" cy="3684588"/>
           </a:xfrm>
         </p:spPr>
         <p:txBody>
-          <a:bodyPr>
-            <a:normAutofit/>
-          </a:bodyPr>
+          <a:bodyPr/>
           <a:lstStyle/>
           <a:p>
             <a:pPr lvl="0"/>
@@ -2754,7 +2169,7 @@
               <a:rPr lang="en-US" smtClean="0"/>
               <a:t>Fifth level</a:t>
             </a:r>
-            <a:endParaRPr lang="en-US" dirty="0"/>
+            <a:endParaRPr lang="fa-IR"/>
           </a:p>
         </p:txBody>
       </p:sp>
@@ -2773,9 +2188,9 @@
           <a:bodyPr/>
           <a:lstStyle/>
           <a:p>
-            <a:fld id="{A200B10F-126C-4BD9-9680-253A992077D9}" type="uaqdatetime1">
+            <a:fld id="{B3E81681-D140-4A7C-AA8D-F6AF5CD222B2}" type="uaqdatetime1">
               <a:rPr lang="fa-IR" smtClean="0"/>
-              <a:t>07/06/1443</a:t>
+              <a:t>08/06/1443</a:t>
             </a:fld>
             <a:endParaRPr lang="en-US"/>
           </a:p>
@@ -2815,7 +2230,7 @@
           <a:bodyPr/>
           <a:lstStyle/>
           <a:p>
-            <a:fld id="{4BC6469D-48EF-44E1-BF07-A9CE4893D6D6}" type="slidenum">
+            <a:fld id="{517767EB-4571-463A-9878-3CB86E448BD6}" type="slidenum">
               <a:rPr lang="en-US" smtClean="0"/>
               <a:t>‹#›</a:t>
             </a:fld>
@@ -2826,7 +2241,7 @@
     </p:spTree>
     <p:extLst>
       <p:ext uri="{BB962C8B-B14F-4D97-AF65-F5344CB8AC3E}">
-        <p14:creationId xmlns:p14="http://schemas.microsoft.com/office/powerpoint/2010/main" val="2906590344"/>
+        <p14:creationId xmlns:p14="http://schemas.microsoft.com/office/powerpoint/2010/main" val="437335519"/>
       </p:ext>
     </p:extLst>
   </p:cSld>
@@ -2863,12 +2278,7 @@
             <p:ph type="title"/>
           </p:nvPr>
         </p:nvSpPr>
-        <p:spPr>
-          <a:xfrm>
-            <a:off x="677334" y="609600"/>
-            <a:ext cx="8596668" cy="1320800"/>
-          </a:xfrm>
-        </p:spPr>
+        <p:spPr/>
         <p:txBody>
           <a:bodyPr/>
           <a:lstStyle/>
@@ -2877,7 +2287,7 @@
               <a:rPr lang="en-US" smtClean="0"/>
               <a:t>Click to edit Master title style</a:t>
             </a:r>
-            <a:endParaRPr lang="en-US" dirty="0"/>
+            <a:endParaRPr lang="fa-IR"/>
           </a:p>
         </p:txBody>
       </p:sp>
@@ -2896,9 +2306,9 @@
           <a:bodyPr/>
           <a:lstStyle/>
           <a:p>
-            <a:fld id="{9615CACD-4514-494C-8EDE-79AC6EEC06C2}" type="uaqdatetime1">
+            <a:fld id="{A95CEF31-DA62-4E2F-9C89-3307C5A0C734}" type="uaqdatetime1">
               <a:rPr lang="fa-IR" smtClean="0"/>
-              <a:t>07/06/1443</a:t>
+              <a:t>08/06/1443</a:t>
             </a:fld>
             <a:endParaRPr lang="en-US"/>
           </a:p>
@@ -2938,7 +2348,7 @@
           <a:bodyPr/>
           <a:lstStyle/>
           <a:p>
-            <a:fld id="{4BC6469D-48EF-44E1-BF07-A9CE4893D6D6}" type="slidenum">
+            <a:fld id="{517767EB-4571-463A-9878-3CB86E448BD6}" type="slidenum">
               <a:rPr lang="en-US" smtClean="0"/>
               <a:t>‹#›</a:t>
             </a:fld>
@@ -2949,7 +2359,7 @@
     </p:spTree>
     <p:extLst>
       <p:ext uri="{BB962C8B-B14F-4D97-AF65-F5344CB8AC3E}">
-        <p14:creationId xmlns:p14="http://schemas.microsoft.com/office/powerpoint/2010/main" val="1319592451"/>
+        <p14:creationId xmlns:p14="http://schemas.microsoft.com/office/powerpoint/2010/main" val="492809094"/>
       </p:ext>
     </p:extLst>
   </p:cSld>
@@ -2991,9 +2401,9 @@
           <a:bodyPr/>
           <a:lstStyle/>
           <a:p>
-            <a:fld id="{F3F06863-F7DF-4F8C-AE42-C2F4086E416F}" type="uaqdatetime1">
+            <a:fld id="{B1B4EA98-43D8-40B0-BB71-087C8B1FD830}" type="uaqdatetime1">
               <a:rPr lang="fa-IR" smtClean="0"/>
-              <a:t>07/06/1443</a:t>
+              <a:t>08/06/1443</a:t>
             </a:fld>
             <a:endParaRPr lang="en-US"/>
           </a:p>
@@ -3033,7 +2443,7 @@
           <a:bodyPr/>
           <a:lstStyle/>
           <a:p>
-            <a:fld id="{4BC6469D-48EF-44E1-BF07-A9CE4893D6D6}" type="slidenum">
+            <a:fld id="{517767EB-4571-463A-9878-3CB86E448BD6}" type="slidenum">
               <a:rPr lang="en-US" smtClean="0"/>
               <a:t>‹#›</a:t>
             </a:fld>
@@ -3044,7 +2454,7 @@
     </p:spTree>
     <p:extLst>
       <p:ext uri="{BB962C8B-B14F-4D97-AF65-F5344CB8AC3E}">
-        <p14:creationId xmlns:p14="http://schemas.microsoft.com/office/powerpoint/2010/main" val="3690409340"/>
+        <p14:creationId xmlns:p14="http://schemas.microsoft.com/office/powerpoint/2010/main" val="2194583537"/>
       </p:ext>
     </p:extLst>
   </p:cSld>
@@ -3083,17 +2493,15 @@
         </p:nvSpPr>
         <p:spPr>
           <a:xfrm>
-            <a:off x="677334" y="1498604"/>
-            <a:ext cx="3854528" cy="1278466"/>
+            <a:off x="839788" y="457200"/>
+            <a:ext cx="3932237" cy="1600200"/>
           </a:xfrm>
         </p:spPr>
         <p:txBody>
-          <a:bodyPr anchor="b">
-            <a:normAutofit/>
-          </a:bodyPr>
+          <a:bodyPr anchor="b"/>
           <a:lstStyle>
             <a:lvl1pPr>
-              <a:defRPr sz="2000"/>
+              <a:defRPr sz="3200"/>
             </a:lvl1pPr>
           </a:lstStyle>
           <a:p>
@@ -3101,7 +2509,7 @@
               <a:rPr lang="en-US" smtClean="0"/>
               <a:t>Click to edit Master title style</a:t>
             </a:r>
-            <a:endParaRPr lang="en-US" dirty="0"/>
+            <a:endParaRPr lang="fa-IR"/>
           </a:p>
         </p:txBody>
       </p:sp>
@@ -3117,15 +2525,41 @@
         </p:nvSpPr>
         <p:spPr>
           <a:xfrm>
-            <a:off x="4760461" y="514924"/>
-            <a:ext cx="4513541" cy="5526437"/>
+            <a:off x="5183188" y="987425"/>
+            <a:ext cx="6172200" cy="4873625"/>
           </a:xfrm>
         </p:spPr>
         <p:txBody>
-          <a:bodyPr>
-            <a:normAutofit/>
-          </a:bodyPr>
-          <a:lstStyle/>
+          <a:bodyPr/>
+          <a:lstStyle>
+            <a:lvl1pPr>
+              <a:defRPr sz="3200"/>
+            </a:lvl1pPr>
+            <a:lvl2pPr>
+              <a:defRPr sz="2800"/>
+            </a:lvl2pPr>
+            <a:lvl3pPr>
+              <a:defRPr sz="2400"/>
+            </a:lvl3pPr>
+            <a:lvl4pPr>
+              <a:defRPr sz="2000"/>
+            </a:lvl4pPr>
+            <a:lvl5pPr>
+              <a:defRPr sz="2000"/>
+            </a:lvl5pPr>
+            <a:lvl6pPr>
+              <a:defRPr sz="2000"/>
+            </a:lvl6pPr>
+            <a:lvl7pPr>
+              <a:defRPr sz="2000"/>
+            </a:lvl7pPr>
+            <a:lvl8pPr>
+              <a:defRPr sz="2000"/>
+            </a:lvl8pPr>
+            <a:lvl9pPr>
+              <a:defRPr sz="2000"/>
+            </a:lvl9pPr>
+          </a:lstStyle>
           <a:p>
             <a:pPr lvl="0"/>
             <a:r>
@@ -3160,7 +2594,7 @@
               <a:rPr lang="en-US" smtClean="0"/>
               <a:t>Fifth level</a:t>
             </a:r>
-            <a:endParaRPr lang="en-US" dirty="0"/>
+            <a:endParaRPr lang="fa-IR"/>
           </a:p>
         </p:txBody>
       </p:sp>
@@ -3176,48 +2610,46 @@
         </p:nvSpPr>
         <p:spPr>
           <a:xfrm>
-            <a:off x="677334" y="2777069"/>
-            <a:ext cx="3854528" cy="2584449"/>
+            <a:off x="839788" y="2057400"/>
+            <a:ext cx="3932237" cy="3811588"/>
           </a:xfrm>
         </p:spPr>
         <p:txBody>
-          <a:bodyPr>
-            <a:normAutofit/>
-          </a:bodyPr>
+          <a:bodyPr/>
           <a:lstStyle>
             <a:lvl1pPr marL="0" indent="0">
               <a:buNone/>
-              <a:defRPr sz="1400"/>
+              <a:defRPr sz="1600"/>
             </a:lvl1pPr>
-            <a:lvl2pPr marL="457063" indent="0">
+            <a:lvl2pPr marL="457200" indent="0">
               <a:buNone/>
               <a:defRPr sz="1400"/>
             </a:lvl2pPr>
-            <a:lvl3pPr marL="914126" indent="0">
+            <a:lvl3pPr marL="914400" indent="0">
               <a:buNone/>
               <a:defRPr sz="1200"/>
             </a:lvl3pPr>
-            <a:lvl4pPr marL="1371189" indent="0">
+            <a:lvl4pPr marL="1371600" indent="0">
               <a:buNone/>
               <a:defRPr sz="1000"/>
             </a:lvl4pPr>
-            <a:lvl5pPr marL="1828251" indent="0">
+            <a:lvl5pPr marL="1828800" indent="0">
               <a:buNone/>
               <a:defRPr sz="1000"/>
             </a:lvl5pPr>
-            <a:lvl6pPr marL="2285314" indent="0">
+            <a:lvl6pPr marL="2286000" indent="0">
               <a:buNone/>
               <a:defRPr sz="1000"/>
             </a:lvl6pPr>
-            <a:lvl7pPr marL="2742377" indent="0">
+            <a:lvl7pPr marL="2743200" indent="0">
               <a:buNone/>
               <a:defRPr sz="1000"/>
             </a:lvl7pPr>
-            <a:lvl8pPr marL="3199440" indent="0">
+            <a:lvl8pPr marL="3200400" indent="0">
               <a:buNone/>
               <a:defRPr sz="1000"/>
             </a:lvl8pPr>
-            <a:lvl9pPr marL="3656503" indent="0">
+            <a:lvl9pPr marL="3657600" indent="0">
               <a:buNone/>
               <a:defRPr sz="1000"/>
             </a:lvl9pPr>
@@ -3246,9 +2678,9 @@
           <a:bodyPr/>
           <a:lstStyle/>
           <a:p>
-            <a:fld id="{D2CE04D5-4FBF-4FC1-9F14-41E071A94D47}" type="uaqdatetime1">
+            <a:fld id="{C1E2536D-405E-4F6F-A4C1-8D3F6F41F560}" type="uaqdatetime1">
               <a:rPr lang="fa-IR" smtClean="0"/>
-              <a:t>07/06/1443</a:t>
+              <a:t>08/06/1443</a:t>
             </a:fld>
             <a:endParaRPr lang="en-US"/>
           </a:p>
@@ -3288,7 +2720,7 @@
           <a:bodyPr/>
           <a:lstStyle/>
           <a:p>
-            <a:fld id="{4BC6469D-48EF-44E1-BF07-A9CE4893D6D6}" type="slidenum">
+            <a:fld id="{517767EB-4571-463A-9878-3CB86E448BD6}" type="slidenum">
               <a:rPr lang="en-US" smtClean="0"/>
               <a:t>‹#›</a:t>
             </a:fld>
@@ -3299,7 +2731,7 @@
     </p:spTree>
     <p:extLst>
       <p:ext uri="{BB962C8B-B14F-4D97-AF65-F5344CB8AC3E}">
-        <p14:creationId xmlns:p14="http://schemas.microsoft.com/office/powerpoint/2010/main" val="1928152227"/>
+        <p14:creationId xmlns:p14="http://schemas.microsoft.com/office/powerpoint/2010/main" val="3196865425"/>
       </p:ext>
     </p:extLst>
   </p:cSld>
@@ -3418,7 +2850,7 @@
           <a:p>
             <a:fld id="{508AADD2-40D1-402F-9823-C486C22D7A8F}" type="uaqdatetime1">
               <a:rPr lang="fa-IR" smtClean="0"/>
-              <a:t>07/06/1443</a:t>
+              <a:t>08/06/1443</a:t>
             </a:fld>
             <a:endParaRPr lang="en-US"/>
           </a:p>
@@ -3508,17 +2940,15 @@
         </p:nvSpPr>
         <p:spPr>
           <a:xfrm>
-            <a:off x="677334" y="4800600"/>
-            <a:ext cx="8596667" cy="566738"/>
+            <a:off x="839788" y="457200"/>
+            <a:ext cx="3932237" cy="1600200"/>
           </a:xfrm>
         </p:spPr>
         <p:txBody>
-          <a:bodyPr anchor="b">
-            <a:normAutofit/>
-          </a:bodyPr>
+          <a:bodyPr anchor="b"/>
           <a:lstStyle>
-            <a:lvl1pPr algn="l">
-              <a:defRPr sz="2400" b="0"/>
+            <a:lvl1pPr>
+              <a:defRPr sz="3200"/>
             </a:lvl1pPr>
           </a:lstStyle>
           <a:p>
@@ -3526,7 +2956,7 @@
               <a:rPr lang="en-US" smtClean="0"/>
               <a:t>Click to edit Master title style</a:t>
             </a:r>
-            <a:endParaRPr lang="en-US" dirty="0"/>
+            <a:endParaRPr lang="fa-IR"/>
           </a:p>
         </p:txBody>
       </p:sp>
@@ -3534,7 +2964,7 @@
         <p:nvSpPr>
           <p:cNvPr id="3" name="Picture Placeholder 2"/>
           <p:cNvSpPr>
-            <a:spLocks noGrp="1" noChangeAspect="1"/>
+            <a:spLocks noGrp="1"/>
           </p:cNvSpPr>
           <p:nvPr>
             <p:ph type="pic" idx="1"/>
@@ -3542,120 +2972,112 @@
         </p:nvSpPr>
         <p:spPr>
           <a:xfrm>
-            <a:off x="677334" y="609600"/>
-            <a:ext cx="8596668" cy="3845718"/>
+            <a:off x="5183188" y="987425"/>
+            <a:ext cx="6172200" cy="4873625"/>
           </a:xfrm>
         </p:spPr>
         <p:txBody>
-          <a:bodyPr anchor="t">
-            <a:normAutofit/>
-          </a:bodyPr>
+          <a:bodyPr/>
           <a:lstStyle>
-            <a:lvl1pPr marL="0" indent="0" algn="ctr">
+            <a:lvl1pPr marL="0" indent="0">
+              <a:buNone/>
+              <a:defRPr sz="3200"/>
+            </a:lvl1pPr>
+            <a:lvl2pPr marL="457200" indent="0">
+              <a:buNone/>
+              <a:defRPr sz="2800"/>
+            </a:lvl2pPr>
+            <a:lvl3pPr marL="914400" indent="0">
+              <a:buNone/>
+              <a:defRPr sz="2400"/>
+            </a:lvl3pPr>
+            <a:lvl4pPr marL="1371600" indent="0">
+              <a:buNone/>
+              <a:defRPr sz="2000"/>
+            </a:lvl4pPr>
+            <a:lvl5pPr marL="1828800" indent="0">
+              <a:buNone/>
+              <a:defRPr sz="2000"/>
+            </a:lvl5pPr>
+            <a:lvl6pPr marL="2286000" indent="0">
+              <a:buNone/>
+              <a:defRPr sz="2000"/>
+            </a:lvl6pPr>
+            <a:lvl7pPr marL="2743200" indent="0">
+              <a:buNone/>
+              <a:defRPr sz="2000"/>
+            </a:lvl7pPr>
+            <a:lvl8pPr marL="3200400" indent="0">
+              <a:buNone/>
+              <a:defRPr sz="2000"/>
+            </a:lvl8pPr>
+            <a:lvl9pPr marL="3657600" indent="0">
+              <a:buNone/>
+              <a:defRPr sz="2000"/>
+            </a:lvl9pPr>
+          </a:lstStyle>
+          <a:p>
+            <a:endParaRPr lang="fa-IR"/>
+          </a:p>
+        </p:txBody>
+      </p:sp>
+      <p:sp>
+        <p:nvSpPr>
+          <p:cNvPr id="4" name="Text Placeholder 3"/>
+          <p:cNvSpPr>
+            <a:spLocks noGrp="1"/>
+          </p:cNvSpPr>
+          <p:nvPr>
+            <p:ph type="body" sz="half" idx="2"/>
+          </p:nvPr>
+        </p:nvSpPr>
+        <p:spPr>
+          <a:xfrm>
+            <a:off x="839788" y="2057400"/>
+            <a:ext cx="3932237" cy="3811588"/>
+          </a:xfrm>
+        </p:spPr>
+        <p:txBody>
+          <a:bodyPr/>
+          <a:lstStyle>
+            <a:lvl1pPr marL="0" indent="0">
               <a:buNone/>
               <a:defRPr sz="1600"/>
             </a:lvl1pPr>
             <a:lvl2pPr marL="457200" indent="0">
               <a:buNone/>
-              <a:defRPr sz="1600"/>
+              <a:defRPr sz="1400"/>
             </a:lvl2pPr>
             <a:lvl3pPr marL="914400" indent="0">
               <a:buNone/>
-              <a:defRPr sz="1600"/>
+              <a:defRPr sz="1200"/>
             </a:lvl3pPr>
             <a:lvl4pPr marL="1371600" indent="0">
               <a:buNone/>
-              <a:defRPr sz="1600"/>
+              <a:defRPr sz="1000"/>
             </a:lvl4pPr>
             <a:lvl5pPr marL="1828800" indent="0">
               <a:buNone/>
-              <a:defRPr sz="1600"/>
+              <a:defRPr sz="1000"/>
             </a:lvl5pPr>
             <a:lvl6pPr marL="2286000" indent="0">
               <a:buNone/>
-              <a:defRPr sz="1600"/>
+              <a:defRPr sz="1000"/>
             </a:lvl6pPr>
             <a:lvl7pPr marL="2743200" indent="0">
               <a:buNone/>
-              <a:defRPr sz="1600"/>
+              <a:defRPr sz="1000"/>
             </a:lvl7pPr>
             <a:lvl8pPr marL="3200400" indent="0">
               <a:buNone/>
-              <a:defRPr sz="1600"/>
+              <a:defRPr sz="1000"/>
             </a:lvl8pPr>
             <a:lvl9pPr marL="3657600" indent="0">
               <a:buNone/>
-              <a:defRPr sz="1600"/>
+              <a:defRPr sz="1000"/>
             </a:lvl9pPr>
           </a:lstStyle>
           <a:p>
-            <a:r>
-              <a:rPr lang="en-US" smtClean="0"/>
-              <a:t>Click icon to add picture</a:t>
-            </a:r>
-            <a:endParaRPr lang="en-US" dirty="0"/>
-          </a:p>
-        </p:txBody>
-      </p:sp>
-      <p:sp>
-        <p:nvSpPr>
-          <p:cNvPr id="4" name="Text Placeholder 3"/>
-          <p:cNvSpPr>
-            <a:spLocks noGrp="1"/>
-          </p:cNvSpPr>
-          <p:nvPr>
-            <p:ph type="body" sz="half" idx="2"/>
-          </p:nvPr>
-        </p:nvSpPr>
-        <p:spPr>
-          <a:xfrm>
-            <a:off x="677334" y="5367338"/>
-            <a:ext cx="8596667" cy="674024"/>
-          </a:xfrm>
-        </p:spPr>
-        <p:txBody>
-          <a:bodyPr>
-            <a:normAutofit/>
-          </a:bodyPr>
-          <a:lstStyle>
-            <a:lvl1pPr marL="0" indent="0">
-              <a:buNone/>
-              <a:defRPr sz="1200"/>
-            </a:lvl1pPr>
-            <a:lvl2pPr marL="457200" indent="0">
-              <a:buNone/>
-              <a:defRPr sz="1200"/>
-            </a:lvl2pPr>
-            <a:lvl3pPr marL="914400" indent="0">
-              <a:buNone/>
-              <a:defRPr sz="1000"/>
-            </a:lvl3pPr>
-            <a:lvl4pPr marL="1371600" indent="0">
-              <a:buNone/>
-              <a:defRPr sz="900"/>
-            </a:lvl4pPr>
-            <a:lvl5pPr marL="1828800" indent="0">
-              <a:buNone/>
-              <a:defRPr sz="900"/>
-            </a:lvl5pPr>
-            <a:lvl6pPr marL="2286000" indent="0">
-              <a:buNone/>
-              <a:defRPr sz="900"/>
-            </a:lvl6pPr>
-            <a:lvl7pPr marL="2743200" indent="0">
-              <a:buNone/>
-              <a:defRPr sz="900"/>
-            </a:lvl7pPr>
-            <a:lvl8pPr marL="3200400" indent="0">
-              <a:buNone/>
-              <a:defRPr sz="900"/>
-            </a:lvl8pPr>
-            <a:lvl9pPr marL="3657600" indent="0">
-              <a:buNone/>
-              <a:defRPr sz="900"/>
-            </a:lvl9pPr>
-          </a:lstStyle>
-          <a:p>
             <a:pPr lvl="0"/>
             <a:r>
               <a:rPr lang="en-US" smtClean="0"/>
@@ -3679,9 +3101,9 @@
           <a:bodyPr/>
           <a:lstStyle/>
           <a:p>
-            <a:fld id="{2C337B5C-D2EF-4024-89A5-854290C04778}" type="uaqdatetime1">
+            <a:fld id="{4253EB68-0FB1-41FC-BD4A-2E738737AF01}" type="uaqdatetime1">
               <a:rPr lang="fa-IR" smtClean="0"/>
-              <a:t>07/06/1443</a:t>
+              <a:t>08/06/1443</a:t>
             </a:fld>
             <a:endParaRPr lang="en-US"/>
           </a:p>
@@ -3721,7 +3143,7 @@
           <a:bodyPr/>
           <a:lstStyle/>
           <a:p>
-            <a:fld id="{4BC6469D-48EF-44E1-BF07-A9CE4893D6D6}" type="slidenum">
+            <a:fld id="{517767EB-4571-463A-9878-3CB86E448BD6}" type="slidenum">
               <a:rPr lang="en-US" smtClean="0"/>
               <a:t>‹#›</a:t>
             </a:fld>
@@ -3732,7 +3154,7 @@
     </p:spTree>
     <p:extLst>
       <p:ext uri="{BB962C8B-B14F-4D97-AF65-F5344CB8AC3E}">
-        <p14:creationId xmlns:p14="http://schemas.microsoft.com/office/powerpoint/2010/main" val="3602832052"/>
+        <p14:creationId xmlns:p14="http://schemas.microsoft.com/office/powerpoint/2010/main" val="459759763"/>
       </p:ext>
     </p:extLst>
   </p:cSld>
@@ -3743,1624 +3165,6 @@
 </file>
 
 <file path=ppt/slideLayouts/slideLayout21.xml><?xml version="1.0" encoding="utf-8"?>
-<p:sldLayout xmlns:a="http://schemas.openxmlformats.org/drawingml/2006/main" xmlns:r="http://schemas.openxmlformats.org/officeDocument/2006/relationships" xmlns:p="http://schemas.openxmlformats.org/presentationml/2006/main" preserve="1">
-  <p:cSld name="Title and Caption">
-    <p:spTree>
-      <p:nvGrpSpPr>
-        <p:cNvPr id="1" name=""/>
-        <p:cNvGrpSpPr/>
-        <p:nvPr/>
-      </p:nvGrpSpPr>
-      <p:grpSpPr>
-        <a:xfrm>
-          <a:off x="0" y="0"/>
-          <a:ext cx="0" cy="0"/>
-          <a:chOff x="0" y="0"/>
-          <a:chExt cx="0" cy="0"/>
-        </a:xfrm>
-      </p:grpSpPr>
-      <p:sp>
-        <p:nvSpPr>
-          <p:cNvPr id="2" name="Title 1"/>
-          <p:cNvSpPr>
-            <a:spLocks noGrp="1"/>
-          </p:cNvSpPr>
-          <p:nvPr>
-            <p:ph type="title"/>
-          </p:nvPr>
-        </p:nvSpPr>
-        <p:spPr>
-          <a:xfrm>
-            <a:off x="677335" y="609600"/>
-            <a:ext cx="8596668" cy="3403600"/>
-          </a:xfrm>
-        </p:spPr>
-        <p:txBody>
-          <a:bodyPr anchor="ctr">
-            <a:normAutofit/>
-          </a:bodyPr>
-          <a:lstStyle>
-            <a:lvl1pPr algn="l">
-              <a:defRPr sz="4400" b="0" cap="none"/>
-            </a:lvl1pPr>
-          </a:lstStyle>
-          <a:p>
-            <a:r>
-              <a:rPr lang="en-US" smtClean="0"/>
-              <a:t>Click to edit Master title style</a:t>
-            </a:r>
-            <a:endParaRPr lang="en-US" dirty="0"/>
-          </a:p>
-        </p:txBody>
-      </p:sp>
-      <p:sp>
-        <p:nvSpPr>
-          <p:cNvPr id="3" name="Text Placeholder 2"/>
-          <p:cNvSpPr>
-            <a:spLocks noGrp="1"/>
-          </p:cNvSpPr>
-          <p:nvPr>
-            <p:ph type="body" idx="1"/>
-          </p:nvPr>
-        </p:nvSpPr>
-        <p:spPr>
-          <a:xfrm>
-            <a:off x="677335" y="4470400"/>
-            <a:ext cx="8596668" cy="1570962"/>
-          </a:xfrm>
-        </p:spPr>
-        <p:txBody>
-          <a:bodyPr anchor="ctr">
-            <a:normAutofit/>
-          </a:bodyPr>
-          <a:lstStyle>
-            <a:lvl1pPr marL="0" indent="0" algn="l">
-              <a:buNone/>
-              <a:defRPr sz="1800">
-                <a:solidFill>
-                  <a:schemeClr val="tx1">
-                    <a:lumMod val="75000"/>
-                    <a:lumOff val="25000"/>
-                  </a:schemeClr>
-                </a:solidFill>
-              </a:defRPr>
-            </a:lvl1pPr>
-            <a:lvl2pPr marL="457200" indent="0">
-              <a:buNone/>
-              <a:defRPr sz="1800">
-                <a:solidFill>
-                  <a:schemeClr val="tx1">
-                    <a:tint val="75000"/>
-                  </a:schemeClr>
-                </a:solidFill>
-              </a:defRPr>
-            </a:lvl2pPr>
-            <a:lvl3pPr marL="914400" indent="0">
-              <a:buNone/>
-              <a:defRPr sz="1600">
-                <a:solidFill>
-                  <a:schemeClr val="tx1">
-                    <a:tint val="75000"/>
-                  </a:schemeClr>
-                </a:solidFill>
-              </a:defRPr>
-            </a:lvl3pPr>
-            <a:lvl4pPr marL="1371600" indent="0">
-              <a:buNone/>
-              <a:defRPr sz="1400">
-                <a:solidFill>
-                  <a:schemeClr val="tx1">
-                    <a:tint val="75000"/>
-                  </a:schemeClr>
-                </a:solidFill>
-              </a:defRPr>
-            </a:lvl4pPr>
-            <a:lvl5pPr marL="1828800" indent="0">
-              <a:buNone/>
-              <a:defRPr sz="1400">
-                <a:solidFill>
-                  <a:schemeClr val="tx1">
-                    <a:tint val="75000"/>
-                  </a:schemeClr>
-                </a:solidFill>
-              </a:defRPr>
-            </a:lvl5pPr>
-            <a:lvl6pPr marL="2286000" indent="0">
-              <a:buNone/>
-              <a:defRPr sz="1400">
-                <a:solidFill>
-                  <a:schemeClr val="tx1">
-                    <a:tint val="75000"/>
-                  </a:schemeClr>
-                </a:solidFill>
-              </a:defRPr>
-            </a:lvl6pPr>
-            <a:lvl7pPr marL="2743200" indent="0">
-              <a:buNone/>
-              <a:defRPr sz="1400">
-                <a:solidFill>
-                  <a:schemeClr val="tx1">
-                    <a:tint val="75000"/>
-                  </a:schemeClr>
-                </a:solidFill>
-              </a:defRPr>
-            </a:lvl7pPr>
-            <a:lvl8pPr marL="3200400" indent="0">
-              <a:buNone/>
-              <a:defRPr sz="1400">
-                <a:solidFill>
-                  <a:schemeClr val="tx1">
-                    <a:tint val="75000"/>
-                  </a:schemeClr>
-                </a:solidFill>
-              </a:defRPr>
-            </a:lvl8pPr>
-            <a:lvl9pPr marL="3657600" indent="0">
-              <a:buNone/>
-              <a:defRPr sz="1400">
-                <a:solidFill>
-                  <a:schemeClr val="tx1">
-                    <a:tint val="75000"/>
-                  </a:schemeClr>
-                </a:solidFill>
-              </a:defRPr>
-            </a:lvl9pPr>
-          </a:lstStyle>
-          <a:p>
-            <a:pPr lvl="0"/>
-            <a:r>
-              <a:rPr lang="en-US" smtClean="0"/>
-              <a:t>Edit Master text styles</a:t>
-            </a:r>
-          </a:p>
-        </p:txBody>
-      </p:sp>
-      <p:sp>
-        <p:nvSpPr>
-          <p:cNvPr id="4" name="Date Placeholder 3"/>
-          <p:cNvSpPr>
-            <a:spLocks noGrp="1"/>
-          </p:cNvSpPr>
-          <p:nvPr>
-            <p:ph type="dt" sz="half" idx="10"/>
-          </p:nvPr>
-        </p:nvSpPr>
-        <p:spPr/>
-        <p:txBody>
-          <a:bodyPr/>
-          <a:lstStyle/>
-          <a:p>
-            <a:fld id="{0083D68B-0458-4622-8439-EF1CD618009C}" type="uaqdatetime1">
-              <a:rPr lang="fa-IR" smtClean="0"/>
-              <a:t>07/06/1443</a:t>
-            </a:fld>
-            <a:endParaRPr lang="en-US"/>
-          </a:p>
-        </p:txBody>
-      </p:sp>
-      <p:sp>
-        <p:nvSpPr>
-          <p:cNvPr id="5" name="Footer Placeholder 4"/>
-          <p:cNvSpPr>
-            <a:spLocks noGrp="1"/>
-          </p:cNvSpPr>
-          <p:nvPr>
-            <p:ph type="ftr" sz="quarter" idx="11"/>
-          </p:nvPr>
-        </p:nvSpPr>
-        <p:spPr/>
-        <p:txBody>
-          <a:bodyPr/>
-          <a:lstStyle/>
-          <a:p>
-            <a:endParaRPr lang="en-US"/>
-          </a:p>
-        </p:txBody>
-      </p:sp>
-      <p:sp>
-        <p:nvSpPr>
-          <p:cNvPr id="6" name="Slide Number Placeholder 5"/>
-          <p:cNvSpPr>
-            <a:spLocks noGrp="1"/>
-          </p:cNvSpPr>
-          <p:nvPr>
-            <p:ph type="sldNum" sz="quarter" idx="12"/>
-          </p:nvPr>
-        </p:nvSpPr>
-        <p:spPr/>
-        <p:txBody>
-          <a:bodyPr/>
-          <a:lstStyle/>
-          <a:p>
-            <a:fld id="{517767EB-4571-463A-9878-3CB86E448BD6}" type="slidenum">
-              <a:rPr lang="en-US" smtClean="0"/>
-              <a:t>‹#›</a:t>
-            </a:fld>
-            <a:endParaRPr lang="en-US"/>
-          </a:p>
-        </p:txBody>
-      </p:sp>
-    </p:spTree>
-    <p:extLst>
-      <p:ext uri="{BB962C8B-B14F-4D97-AF65-F5344CB8AC3E}">
-        <p14:creationId xmlns:p14="http://schemas.microsoft.com/office/powerpoint/2010/main" val="2544240938"/>
-      </p:ext>
-    </p:extLst>
-  </p:cSld>
-  <p:clrMapOvr>
-    <a:masterClrMapping/>
-  </p:clrMapOvr>
-  <p:hf hdr="0" ftr="0"/>
-</p:sldLayout>
-</file>
-
-<file path=ppt/slideLayouts/slideLayout22.xml><?xml version="1.0" encoding="utf-8"?>
-<p:sldLayout xmlns:a="http://schemas.openxmlformats.org/drawingml/2006/main" xmlns:r="http://schemas.openxmlformats.org/officeDocument/2006/relationships" xmlns:p="http://schemas.openxmlformats.org/presentationml/2006/main" preserve="1">
-  <p:cSld name="Quote with Caption">
-    <p:spTree>
-      <p:nvGrpSpPr>
-        <p:cNvPr id="1" name=""/>
-        <p:cNvGrpSpPr/>
-        <p:nvPr/>
-      </p:nvGrpSpPr>
-      <p:grpSpPr>
-        <a:xfrm>
-          <a:off x="0" y="0"/>
-          <a:ext cx="0" cy="0"/>
-          <a:chOff x="0" y="0"/>
-          <a:chExt cx="0" cy="0"/>
-        </a:xfrm>
-      </p:grpSpPr>
-      <p:sp>
-        <p:nvSpPr>
-          <p:cNvPr id="2" name="Title 1"/>
-          <p:cNvSpPr>
-            <a:spLocks noGrp="1"/>
-          </p:cNvSpPr>
-          <p:nvPr>
-            <p:ph type="title"/>
-          </p:nvPr>
-        </p:nvSpPr>
-        <p:spPr>
-          <a:xfrm>
-            <a:off x="931334" y="609600"/>
-            <a:ext cx="8094134" cy="3022600"/>
-          </a:xfrm>
-        </p:spPr>
-        <p:txBody>
-          <a:bodyPr anchor="ctr">
-            <a:normAutofit/>
-          </a:bodyPr>
-          <a:lstStyle>
-            <a:lvl1pPr algn="l">
-              <a:defRPr sz="4400" b="0" cap="none"/>
-            </a:lvl1pPr>
-          </a:lstStyle>
-          <a:p>
-            <a:r>
-              <a:rPr lang="en-US" smtClean="0"/>
-              <a:t>Click to edit Master title style</a:t>
-            </a:r>
-            <a:endParaRPr lang="en-US" dirty="0"/>
-          </a:p>
-        </p:txBody>
-      </p:sp>
-      <p:sp>
-        <p:nvSpPr>
-          <p:cNvPr id="23" name="Text Placeholder 9"/>
-          <p:cNvSpPr>
-            <a:spLocks noGrp="1"/>
-          </p:cNvSpPr>
-          <p:nvPr>
-            <p:ph type="body" sz="quarter" idx="13"/>
-          </p:nvPr>
-        </p:nvSpPr>
-        <p:spPr>
-          <a:xfrm>
-            <a:off x="1366139" y="3632200"/>
-            <a:ext cx="7224524" cy="381000"/>
-          </a:xfrm>
-        </p:spPr>
-        <p:txBody>
-          <a:bodyPr anchor="ctr">
-            <a:noAutofit/>
-          </a:bodyPr>
-          <a:lstStyle>
-            <a:lvl1pPr marL="0" indent="0">
-              <a:buFontTx/>
-              <a:buNone/>
-              <a:defRPr sz="1600">
-                <a:solidFill>
-                  <a:schemeClr val="tx1">
-                    <a:lumMod val="50000"/>
-                    <a:lumOff val="50000"/>
-                  </a:schemeClr>
-                </a:solidFill>
-              </a:defRPr>
-            </a:lvl1pPr>
-            <a:lvl2pPr marL="457200" indent="0">
-              <a:buFontTx/>
-              <a:buNone/>
-              <a:defRPr/>
-            </a:lvl2pPr>
-            <a:lvl3pPr marL="914400" indent="0">
-              <a:buFontTx/>
-              <a:buNone/>
-              <a:defRPr/>
-            </a:lvl3pPr>
-            <a:lvl4pPr marL="1371600" indent="0">
-              <a:buFontTx/>
-              <a:buNone/>
-              <a:defRPr/>
-            </a:lvl4pPr>
-            <a:lvl5pPr marL="1828800" indent="0">
-              <a:buFontTx/>
-              <a:buNone/>
-              <a:defRPr/>
-            </a:lvl5pPr>
-          </a:lstStyle>
-          <a:p>
-            <a:pPr lvl="0"/>
-            <a:r>
-              <a:rPr lang="en-US" smtClean="0"/>
-              <a:t>Edit Master text styles</a:t>
-            </a:r>
-          </a:p>
-        </p:txBody>
-      </p:sp>
-      <p:sp>
-        <p:nvSpPr>
-          <p:cNvPr id="3" name="Text Placeholder 2"/>
-          <p:cNvSpPr>
-            <a:spLocks noGrp="1"/>
-          </p:cNvSpPr>
-          <p:nvPr>
-            <p:ph type="body" idx="1"/>
-          </p:nvPr>
-        </p:nvSpPr>
-        <p:spPr>
-          <a:xfrm>
-            <a:off x="677335" y="4470400"/>
-            <a:ext cx="8596668" cy="1570962"/>
-          </a:xfrm>
-        </p:spPr>
-        <p:txBody>
-          <a:bodyPr anchor="ctr">
-            <a:normAutofit/>
-          </a:bodyPr>
-          <a:lstStyle>
-            <a:lvl1pPr marL="0" indent="0" algn="l">
-              <a:buNone/>
-              <a:defRPr sz="1800">
-                <a:solidFill>
-                  <a:schemeClr val="tx1">
-                    <a:lumMod val="75000"/>
-                    <a:lumOff val="25000"/>
-                  </a:schemeClr>
-                </a:solidFill>
-              </a:defRPr>
-            </a:lvl1pPr>
-            <a:lvl2pPr marL="457200" indent="0">
-              <a:buNone/>
-              <a:defRPr sz="1800">
-                <a:solidFill>
-                  <a:schemeClr val="tx1">
-                    <a:tint val="75000"/>
-                  </a:schemeClr>
-                </a:solidFill>
-              </a:defRPr>
-            </a:lvl2pPr>
-            <a:lvl3pPr marL="914400" indent="0">
-              <a:buNone/>
-              <a:defRPr sz="1600">
-                <a:solidFill>
-                  <a:schemeClr val="tx1">
-                    <a:tint val="75000"/>
-                  </a:schemeClr>
-                </a:solidFill>
-              </a:defRPr>
-            </a:lvl3pPr>
-            <a:lvl4pPr marL="1371600" indent="0">
-              <a:buNone/>
-              <a:defRPr sz="1400">
-                <a:solidFill>
-                  <a:schemeClr val="tx1">
-                    <a:tint val="75000"/>
-                  </a:schemeClr>
-                </a:solidFill>
-              </a:defRPr>
-            </a:lvl4pPr>
-            <a:lvl5pPr marL="1828800" indent="0">
-              <a:buNone/>
-              <a:defRPr sz="1400">
-                <a:solidFill>
-                  <a:schemeClr val="tx1">
-                    <a:tint val="75000"/>
-                  </a:schemeClr>
-                </a:solidFill>
-              </a:defRPr>
-            </a:lvl5pPr>
-            <a:lvl6pPr marL="2286000" indent="0">
-              <a:buNone/>
-              <a:defRPr sz="1400">
-                <a:solidFill>
-                  <a:schemeClr val="tx1">
-                    <a:tint val="75000"/>
-                  </a:schemeClr>
-                </a:solidFill>
-              </a:defRPr>
-            </a:lvl6pPr>
-            <a:lvl7pPr marL="2743200" indent="0">
-              <a:buNone/>
-              <a:defRPr sz="1400">
-                <a:solidFill>
-                  <a:schemeClr val="tx1">
-                    <a:tint val="75000"/>
-                  </a:schemeClr>
-                </a:solidFill>
-              </a:defRPr>
-            </a:lvl7pPr>
-            <a:lvl8pPr marL="3200400" indent="0">
-              <a:buNone/>
-              <a:defRPr sz="1400">
-                <a:solidFill>
-                  <a:schemeClr val="tx1">
-                    <a:tint val="75000"/>
-                  </a:schemeClr>
-                </a:solidFill>
-              </a:defRPr>
-            </a:lvl8pPr>
-            <a:lvl9pPr marL="3657600" indent="0">
-              <a:buNone/>
-              <a:defRPr sz="1400">
-                <a:solidFill>
-                  <a:schemeClr val="tx1">
-                    <a:tint val="75000"/>
-                  </a:schemeClr>
-                </a:solidFill>
-              </a:defRPr>
-            </a:lvl9pPr>
-          </a:lstStyle>
-          <a:p>
-            <a:pPr lvl="0"/>
-            <a:r>
-              <a:rPr lang="en-US" smtClean="0"/>
-              <a:t>Edit Master text styles</a:t>
-            </a:r>
-          </a:p>
-        </p:txBody>
-      </p:sp>
-      <p:sp>
-        <p:nvSpPr>
-          <p:cNvPr id="4" name="Date Placeholder 3"/>
-          <p:cNvSpPr>
-            <a:spLocks noGrp="1"/>
-          </p:cNvSpPr>
-          <p:nvPr>
-            <p:ph type="dt" sz="half" idx="10"/>
-          </p:nvPr>
-        </p:nvSpPr>
-        <p:spPr/>
-        <p:txBody>
-          <a:bodyPr/>
-          <a:lstStyle/>
-          <a:p>
-            <a:fld id="{0083D68B-0458-4622-8439-EF1CD618009C}" type="uaqdatetime1">
-              <a:rPr lang="fa-IR" smtClean="0"/>
-              <a:t>07/06/1443</a:t>
-            </a:fld>
-            <a:endParaRPr lang="en-US"/>
-          </a:p>
-        </p:txBody>
-      </p:sp>
-      <p:sp>
-        <p:nvSpPr>
-          <p:cNvPr id="5" name="Footer Placeholder 4"/>
-          <p:cNvSpPr>
-            <a:spLocks noGrp="1"/>
-          </p:cNvSpPr>
-          <p:nvPr>
-            <p:ph type="ftr" sz="quarter" idx="11"/>
-          </p:nvPr>
-        </p:nvSpPr>
-        <p:spPr/>
-        <p:txBody>
-          <a:bodyPr/>
-          <a:lstStyle/>
-          <a:p>
-            <a:endParaRPr lang="en-US"/>
-          </a:p>
-        </p:txBody>
-      </p:sp>
-      <p:sp>
-        <p:nvSpPr>
-          <p:cNvPr id="6" name="Slide Number Placeholder 5"/>
-          <p:cNvSpPr>
-            <a:spLocks noGrp="1"/>
-          </p:cNvSpPr>
-          <p:nvPr>
-            <p:ph type="sldNum" sz="quarter" idx="12"/>
-          </p:nvPr>
-        </p:nvSpPr>
-        <p:spPr/>
-        <p:txBody>
-          <a:bodyPr/>
-          <a:lstStyle/>
-          <a:p>
-            <a:fld id="{517767EB-4571-463A-9878-3CB86E448BD6}" type="slidenum">
-              <a:rPr lang="en-US" smtClean="0"/>
-              <a:t>‹#›</a:t>
-            </a:fld>
-            <a:endParaRPr lang="en-US"/>
-          </a:p>
-        </p:txBody>
-      </p:sp>
-      <p:sp>
-        <p:nvSpPr>
-          <p:cNvPr id="20" name="TextBox 19"/>
-          <p:cNvSpPr txBox="1"/>
-          <p:nvPr/>
-        </p:nvSpPr>
-        <p:spPr>
-          <a:xfrm>
-            <a:off x="541870" y="790378"/>
-            <a:ext cx="609600" cy="584776"/>
-          </a:xfrm>
-          <a:prstGeom prst="rect">
-            <a:avLst/>
-          </a:prstGeom>
-        </p:spPr>
-        <p:txBody>
-          <a:bodyPr vert="horz" lIns="91440" tIns="45720" rIns="91440" bIns="45720" rtlCol="0" anchor="ctr">
-            <a:noAutofit/>
-          </a:bodyPr>
-          <a:lstStyle/>
-          <a:p>
-            <a:pPr lvl="0"/>
-            <a:r>
-              <a:rPr lang="en-US" sz="8000" baseline="0" dirty="0">
-                <a:ln w="3175" cmpd="sng">
-                  <a:noFill/>
-                </a:ln>
-                <a:solidFill>
-                  <a:schemeClr val="accent1">
-                    <a:lumMod val="60000"/>
-                    <a:lumOff val="40000"/>
-                  </a:schemeClr>
-                </a:solidFill>
-                <a:effectLst/>
-                <a:latin typeface="Arial"/>
-              </a:rPr>
-              <a:t>“</a:t>
-            </a:r>
-          </a:p>
-        </p:txBody>
-      </p:sp>
-      <p:sp>
-        <p:nvSpPr>
-          <p:cNvPr id="22" name="TextBox 21"/>
-          <p:cNvSpPr txBox="1"/>
-          <p:nvPr/>
-        </p:nvSpPr>
-        <p:spPr>
-          <a:xfrm>
-            <a:off x="8893011" y="2886556"/>
-            <a:ext cx="609600" cy="584776"/>
-          </a:xfrm>
-          <a:prstGeom prst="rect">
-            <a:avLst/>
-          </a:prstGeom>
-        </p:spPr>
-        <p:txBody>
-          <a:bodyPr vert="horz" lIns="91440" tIns="45720" rIns="91440" bIns="45720" rtlCol="0" anchor="ctr">
-            <a:noAutofit/>
-          </a:bodyPr>
-          <a:lstStyle/>
-          <a:p>
-            <a:pPr lvl="0"/>
-            <a:r>
-              <a:rPr lang="en-US" sz="8000" baseline="0" dirty="0">
-                <a:ln w="3175" cmpd="sng">
-                  <a:noFill/>
-                </a:ln>
-                <a:solidFill>
-                  <a:schemeClr val="accent1">
-                    <a:lumMod val="60000"/>
-                    <a:lumOff val="40000"/>
-                  </a:schemeClr>
-                </a:solidFill>
-                <a:latin typeface="Arial"/>
-              </a:rPr>
-              <a:t>”</a:t>
-            </a:r>
-            <a:endParaRPr lang="en-US" dirty="0">
-              <a:solidFill>
-                <a:schemeClr val="accent1">
-                  <a:lumMod val="60000"/>
-                  <a:lumOff val="40000"/>
-                </a:schemeClr>
-              </a:solidFill>
-              <a:latin typeface="Arial"/>
-            </a:endParaRPr>
-          </a:p>
-        </p:txBody>
-      </p:sp>
-    </p:spTree>
-    <p:extLst>
-      <p:ext uri="{BB962C8B-B14F-4D97-AF65-F5344CB8AC3E}">
-        <p14:creationId xmlns:p14="http://schemas.microsoft.com/office/powerpoint/2010/main" val="349433356"/>
-      </p:ext>
-    </p:extLst>
-  </p:cSld>
-  <p:clrMapOvr>
-    <a:masterClrMapping/>
-  </p:clrMapOvr>
-  <p:hf hdr="0" ftr="0"/>
-</p:sldLayout>
-</file>
-
-<file path=ppt/slideLayouts/slideLayout23.xml><?xml version="1.0" encoding="utf-8"?>
-<p:sldLayout xmlns:a="http://schemas.openxmlformats.org/drawingml/2006/main" xmlns:r="http://schemas.openxmlformats.org/officeDocument/2006/relationships" xmlns:p="http://schemas.openxmlformats.org/presentationml/2006/main" preserve="1">
-  <p:cSld name="Name Card">
-    <p:spTree>
-      <p:nvGrpSpPr>
-        <p:cNvPr id="1" name=""/>
-        <p:cNvGrpSpPr/>
-        <p:nvPr/>
-      </p:nvGrpSpPr>
-      <p:grpSpPr>
-        <a:xfrm>
-          <a:off x="0" y="0"/>
-          <a:ext cx="0" cy="0"/>
-          <a:chOff x="0" y="0"/>
-          <a:chExt cx="0" cy="0"/>
-        </a:xfrm>
-      </p:grpSpPr>
-      <p:sp>
-        <p:nvSpPr>
-          <p:cNvPr id="2" name="Title 1"/>
-          <p:cNvSpPr>
-            <a:spLocks noGrp="1"/>
-          </p:cNvSpPr>
-          <p:nvPr>
-            <p:ph type="title"/>
-          </p:nvPr>
-        </p:nvSpPr>
-        <p:spPr>
-          <a:xfrm>
-            <a:off x="677335" y="1931988"/>
-            <a:ext cx="8596668" cy="2595460"/>
-          </a:xfrm>
-        </p:spPr>
-        <p:txBody>
-          <a:bodyPr anchor="b">
-            <a:normAutofit/>
-          </a:bodyPr>
-          <a:lstStyle>
-            <a:lvl1pPr algn="l">
-              <a:defRPr sz="4400" b="0" cap="none"/>
-            </a:lvl1pPr>
-          </a:lstStyle>
-          <a:p>
-            <a:r>
-              <a:rPr lang="en-US" smtClean="0"/>
-              <a:t>Click to edit Master title style</a:t>
-            </a:r>
-            <a:endParaRPr lang="en-US" dirty="0"/>
-          </a:p>
-        </p:txBody>
-      </p:sp>
-      <p:sp>
-        <p:nvSpPr>
-          <p:cNvPr id="3" name="Text Placeholder 2"/>
-          <p:cNvSpPr>
-            <a:spLocks noGrp="1"/>
-          </p:cNvSpPr>
-          <p:nvPr>
-            <p:ph type="body" idx="1"/>
-          </p:nvPr>
-        </p:nvSpPr>
-        <p:spPr>
-          <a:xfrm>
-            <a:off x="677335" y="4527448"/>
-            <a:ext cx="8596668" cy="1513914"/>
-          </a:xfrm>
-        </p:spPr>
-        <p:txBody>
-          <a:bodyPr anchor="t">
-            <a:normAutofit/>
-          </a:bodyPr>
-          <a:lstStyle>
-            <a:lvl1pPr marL="0" indent="0" algn="l">
-              <a:buNone/>
-              <a:defRPr sz="1800">
-                <a:solidFill>
-                  <a:schemeClr val="tx1">
-                    <a:lumMod val="75000"/>
-                    <a:lumOff val="25000"/>
-                  </a:schemeClr>
-                </a:solidFill>
-              </a:defRPr>
-            </a:lvl1pPr>
-            <a:lvl2pPr marL="457200" indent="0">
-              <a:buNone/>
-              <a:defRPr sz="1800">
-                <a:solidFill>
-                  <a:schemeClr val="tx1">
-                    <a:tint val="75000"/>
-                  </a:schemeClr>
-                </a:solidFill>
-              </a:defRPr>
-            </a:lvl2pPr>
-            <a:lvl3pPr marL="914400" indent="0">
-              <a:buNone/>
-              <a:defRPr sz="1600">
-                <a:solidFill>
-                  <a:schemeClr val="tx1">
-                    <a:tint val="75000"/>
-                  </a:schemeClr>
-                </a:solidFill>
-              </a:defRPr>
-            </a:lvl3pPr>
-            <a:lvl4pPr marL="1371600" indent="0">
-              <a:buNone/>
-              <a:defRPr sz="1400">
-                <a:solidFill>
-                  <a:schemeClr val="tx1">
-                    <a:tint val="75000"/>
-                  </a:schemeClr>
-                </a:solidFill>
-              </a:defRPr>
-            </a:lvl4pPr>
-            <a:lvl5pPr marL="1828800" indent="0">
-              <a:buNone/>
-              <a:defRPr sz="1400">
-                <a:solidFill>
-                  <a:schemeClr val="tx1">
-                    <a:tint val="75000"/>
-                  </a:schemeClr>
-                </a:solidFill>
-              </a:defRPr>
-            </a:lvl5pPr>
-            <a:lvl6pPr marL="2286000" indent="0">
-              <a:buNone/>
-              <a:defRPr sz="1400">
-                <a:solidFill>
-                  <a:schemeClr val="tx1">
-                    <a:tint val="75000"/>
-                  </a:schemeClr>
-                </a:solidFill>
-              </a:defRPr>
-            </a:lvl6pPr>
-            <a:lvl7pPr marL="2743200" indent="0">
-              <a:buNone/>
-              <a:defRPr sz="1400">
-                <a:solidFill>
-                  <a:schemeClr val="tx1">
-                    <a:tint val="75000"/>
-                  </a:schemeClr>
-                </a:solidFill>
-              </a:defRPr>
-            </a:lvl7pPr>
-            <a:lvl8pPr marL="3200400" indent="0">
-              <a:buNone/>
-              <a:defRPr sz="1400">
-                <a:solidFill>
-                  <a:schemeClr val="tx1">
-                    <a:tint val="75000"/>
-                  </a:schemeClr>
-                </a:solidFill>
-              </a:defRPr>
-            </a:lvl8pPr>
-            <a:lvl9pPr marL="3657600" indent="0">
-              <a:buNone/>
-              <a:defRPr sz="1400">
-                <a:solidFill>
-                  <a:schemeClr val="tx1">
-                    <a:tint val="75000"/>
-                  </a:schemeClr>
-                </a:solidFill>
-              </a:defRPr>
-            </a:lvl9pPr>
-          </a:lstStyle>
-          <a:p>
-            <a:pPr lvl="0"/>
-            <a:r>
-              <a:rPr lang="en-US" smtClean="0"/>
-              <a:t>Edit Master text styles</a:t>
-            </a:r>
-          </a:p>
-        </p:txBody>
-      </p:sp>
-      <p:sp>
-        <p:nvSpPr>
-          <p:cNvPr id="4" name="Date Placeholder 3"/>
-          <p:cNvSpPr>
-            <a:spLocks noGrp="1"/>
-          </p:cNvSpPr>
-          <p:nvPr>
-            <p:ph type="dt" sz="half" idx="10"/>
-          </p:nvPr>
-        </p:nvSpPr>
-        <p:spPr/>
-        <p:txBody>
-          <a:bodyPr/>
-          <a:lstStyle/>
-          <a:p>
-            <a:fld id="{0083D68B-0458-4622-8439-EF1CD618009C}" type="uaqdatetime1">
-              <a:rPr lang="fa-IR" smtClean="0"/>
-              <a:t>07/06/1443</a:t>
-            </a:fld>
-            <a:endParaRPr lang="en-US"/>
-          </a:p>
-        </p:txBody>
-      </p:sp>
-      <p:sp>
-        <p:nvSpPr>
-          <p:cNvPr id="5" name="Footer Placeholder 4"/>
-          <p:cNvSpPr>
-            <a:spLocks noGrp="1"/>
-          </p:cNvSpPr>
-          <p:nvPr>
-            <p:ph type="ftr" sz="quarter" idx="11"/>
-          </p:nvPr>
-        </p:nvSpPr>
-        <p:spPr/>
-        <p:txBody>
-          <a:bodyPr/>
-          <a:lstStyle/>
-          <a:p>
-            <a:endParaRPr lang="en-US"/>
-          </a:p>
-        </p:txBody>
-      </p:sp>
-      <p:sp>
-        <p:nvSpPr>
-          <p:cNvPr id="6" name="Slide Number Placeholder 5"/>
-          <p:cNvSpPr>
-            <a:spLocks noGrp="1"/>
-          </p:cNvSpPr>
-          <p:nvPr>
-            <p:ph type="sldNum" sz="quarter" idx="12"/>
-          </p:nvPr>
-        </p:nvSpPr>
-        <p:spPr/>
-        <p:txBody>
-          <a:bodyPr/>
-          <a:lstStyle/>
-          <a:p>
-            <a:fld id="{517767EB-4571-463A-9878-3CB86E448BD6}" type="slidenum">
-              <a:rPr lang="en-US" smtClean="0"/>
-              <a:t>‹#›</a:t>
-            </a:fld>
-            <a:endParaRPr lang="en-US"/>
-          </a:p>
-        </p:txBody>
-      </p:sp>
-    </p:spTree>
-    <p:extLst>
-      <p:ext uri="{BB962C8B-B14F-4D97-AF65-F5344CB8AC3E}">
-        <p14:creationId xmlns:p14="http://schemas.microsoft.com/office/powerpoint/2010/main" val="2942484819"/>
-      </p:ext>
-    </p:extLst>
-  </p:cSld>
-  <p:clrMapOvr>
-    <a:masterClrMapping/>
-  </p:clrMapOvr>
-  <p:hf hdr="0" ftr="0"/>
-</p:sldLayout>
-</file>
-
-<file path=ppt/slideLayouts/slideLayout24.xml><?xml version="1.0" encoding="utf-8"?>
-<p:sldLayout xmlns:a="http://schemas.openxmlformats.org/drawingml/2006/main" xmlns:r="http://schemas.openxmlformats.org/officeDocument/2006/relationships" xmlns:p="http://schemas.openxmlformats.org/presentationml/2006/main" preserve="1">
-  <p:cSld name="Quote Name Card">
-    <p:spTree>
-      <p:nvGrpSpPr>
-        <p:cNvPr id="1" name=""/>
-        <p:cNvGrpSpPr/>
-        <p:nvPr/>
-      </p:nvGrpSpPr>
-      <p:grpSpPr>
-        <a:xfrm>
-          <a:off x="0" y="0"/>
-          <a:ext cx="0" cy="0"/>
-          <a:chOff x="0" y="0"/>
-          <a:chExt cx="0" cy="0"/>
-        </a:xfrm>
-      </p:grpSpPr>
-      <p:sp>
-        <p:nvSpPr>
-          <p:cNvPr id="2" name="Title 1"/>
-          <p:cNvSpPr>
-            <a:spLocks noGrp="1"/>
-          </p:cNvSpPr>
-          <p:nvPr>
-            <p:ph type="title"/>
-          </p:nvPr>
-        </p:nvSpPr>
-        <p:spPr>
-          <a:xfrm>
-            <a:off x="931334" y="609600"/>
-            <a:ext cx="8094134" cy="3022600"/>
-          </a:xfrm>
-        </p:spPr>
-        <p:txBody>
-          <a:bodyPr anchor="ctr">
-            <a:normAutofit/>
-          </a:bodyPr>
-          <a:lstStyle>
-            <a:lvl1pPr algn="l">
-              <a:defRPr sz="4400" b="0" cap="none"/>
-            </a:lvl1pPr>
-          </a:lstStyle>
-          <a:p>
-            <a:r>
-              <a:rPr lang="en-US" smtClean="0"/>
-              <a:t>Click to edit Master title style</a:t>
-            </a:r>
-            <a:endParaRPr lang="en-US" dirty="0"/>
-          </a:p>
-        </p:txBody>
-      </p:sp>
-      <p:sp>
-        <p:nvSpPr>
-          <p:cNvPr id="23" name="Text Placeholder 9"/>
-          <p:cNvSpPr>
-            <a:spLocks noGrp="1"/>
-          </p:cNvSpPr>
-          <p:nvPr>
-            <p:ph type="body" sz="quarter" idx="13"/>
-          </p:nvPr>
-        </p:nvSpPr>
-        <p:spPr>
-          <a:xfrm>
-            <a:off x="677332" y="4013200"/>
-            <a:ext cx="8596669" cy="514248"/>
-          </a:xfrm>
-        </p:spPr>
-        <p:txBody>
-          <a:bodyPr anchor="b">
-            <a:noAutofit/>
-          </a:bodyPr>
-          <a:lstStyle>
-            <a:lvl1pPr marL="0" indent="0">
-              <a:buFontTx/>
-              <a:buNone/>
-              <a:defRPr sz="2400">
-                <a:solidFill>
-                  <a:schemeClr val="tx1">
-                    <a:lumMod val="75000"/>
-                    <a:lumOff val="25000"/>
-                  </a:schemeClr>
-                </a:solidFill>
-              </a:defRPr>
-            </a:lvl1pPr>
-            <a:lvl2pPr marL="457200" indent="0">
-              <a:buFontTx/>
-              <a:buNone/>
-              <a:defRPr/>
-            </a:lvl2pPr>
-            <a:lvl3pPr marL="914400" indent="0">
-              <a:buFontTx/>
-              <a:buNone/>
-              <a:defRPr/>
-            </a:lvl3pPr>
-            <a:lvl4pPr marL="1371600" indent="0">
-              <a:buFontTx/>
-              <a:buNone/>
-              <a:defRPr/>
-            </a:lvl4pPr>
-            <a:lvl5pPr marL="1828800" indent="0">
-              <a:buFontTx/>
-              <a:buNone/>
-              <a:defRPr/>
-            </a:lvl5pPr>
-          </a:lstStyle>
-          <a:p>
-            <a:pPr lvl="0"/>
-            <a:r>
-              <a:rPr lang="en-US" smtClean="0"/>
-              <a:t>Edit Master text styles</a:t>
-            </a:r>
-          </a:p>
-        </p:txBody>
-      </p:sp>
-      <p:sp>
-        <p:nvSpPr>
-          <p:cNvPr id="3" name="Text Placeholder 2"/>
-          <p:cNvSpPr>
-            <a:spLocks noGrp="1"/>
-          </p:cNvSpPr>
-          <p:nvPr>
-            <p:ph type="body" idx="1"/>
-          </p:nvPr>
-        </p:nvSpPr>
-        <p:spPr>
-          <a:xfrm>
-            <a:off x="677335" y="4527448"/>
-            <a:ext cx="8596668" cy="1513914"/>
-          </a:xfrm>
-        </p:spPr>
-        <p:txBody>
-          <a:bodyPr anchor="t">
-            <a:normAutofit/>
-          </a:bodyPr>
-          <a:lstStyle>
-            <a:lvl1pPr marL="0" indent="0" algn="l">
-              <a:buNone/>
-              <a:defRPr sz="1800">
-                <a:solidFill>
-                  <a:schemeClr val="tx1">
-                    <a:lumMod val="50000"/>
-                    <a:lumOff val="50000"/>
-                  </a:schemeClr>
-                </a:solidFill>
-              </a:defRPr>
-            </a:lvl1pPr>
-            <a:lvl2pPr marL="457200" indent="0">
-              <a:buNone/>
-              <a:defRPr sz="1800">
-                <a:solidFill>
-                  <a:schemeClr val="tx1">
-                    <a:tint val="75000"/>
-                  </a:schemeClr>
-                </a:solidFill>
-              </a:defRPr>
-            </a:lvl2pPr>
-            <a:lvl3pPr marL="914400" indent="0">
-              <a:buNone/>
-              <a:defRPr sz="1600">
-                <a:solidFill>
-                  <a:schemeClr val="tx1">
-                    <a:tint val="75000"/>
-                  </a:schemeClr>
-                </a:solidFill>
-              </a:defRPr>
-            </a:lvl3pPr>
-            <a:lvl4pPr marL="1371600" indent="0">
-              <a:buNone/>
-              <a:defRPr sz="1400">
-                <a:solidFill>
-                  <a:schemeClr val="tx1">
-                    <a:tint val="75000"/>
-                  </a:schemeClr>
-                </a:solidFill>
-              </a:defRPr>
-            </a:lvl4pPr>
-            <a:lvl5pPr marL="1828800" indent="0">
-              <a:buNone/>
-              <a:defRPr sz="1400">
-                <a:solidFill>
-                  <a:schemeClr val="tx1">
-                    <a:tint val="75000"/>
-                  </a:schemeClr>
-                </a:solidFill>
-              </a:defRPr>
-            </a:lvl5pPr>
-            <a:lvl6pPr marL="2286000" indent="0">
-              <a:buNone/>
-              <a:defRPr sz="1400">
-                <a:solidFill>
-                  <a:schemeClr val="tx1">
-                    <a:tint val="75000"/>
-                  </a:schemeClr>
-                </a:solidFill>
-              </a:defRPr>
-            </a:lvl6pPr>
-            <a:lvl7pPr marL="2743200" indent="0">
-              <a:buNone/>
-              <a:defRPr sz="1400">
-                <a:solidFill>
-                  <a:schemeClr val="tx1">
-                    <a:tint val="75000"/>
-                  </a:schemeClr>
-                </a:solidFill>
-              </a:defRPr>
-            </a:lvl7pPr>
-            <a:lvl8pPr marL="3200400" indent="0">
-              <a:buNone/>
-              <a:defRPr sz="1400">
-                <a:solidFill>
-                  <a:schemeClr val="tx1">
-                    <a:tint val="75000"/>
-                  </a:schemeClr>
-                </a:solidFill>
-              </a:defRPr>
-            </a:lvl8pPr>
-            <a:lvl9pPr marL="3657600" indent="0">
-              <a:buNone/>
-              <a:defRPr sz="1400">
-                <a:solidFill>
-                  <a:schemeClr val="tx1">
-                    <a:tint val="75000"/>
-                  </a:schemeClr>
-                </a:solidFill>
-              </a:defRPr>
-            </a:lvl9pPr>
-          </a:lstStyle>
-          <a:p>
-            <a:pPr lvl="0"/>
-            <a:r>
-              <a:rPr lang="en-US" smtClean="0"/>
-              <a:t>Edit Master text styles</a:t>
-            </a:r>
-          </a:p>
-        </p:txBody>
-      </p:sp>
-      <p:sp>
-        <p:nvSpPr>
-          <p:cNvPr id="4" name="Date Placeholder 3"/>
-          <p:cNvSpPr>
-            <a:spLocks noGrp="1"/>
-          </p:cNvSpPr>
-          <p:nvPr>
-            <p:ph type="dt" sz="half" idx="10"/>
-          </p:nvPr>
-        </p:nvSpPr>
-        <p:spPr/>
-        <p:txBody>
-          <a:bodyPr/>
-          <a:lstStyle/>
-          <a:p>
-            <a:fld id="{0083D68B-0458-4622-8439-EF1CD618009C}" type="uaqdatetime1">
-              <a:rPr lang="fa-IR" smtClean="0"/>
-              <a:t>07/06/1443</a:t>
-            </a:fld>
-            <a:endParaRPr lang="en-US"/>
-          </a:p>
-        </p:txBody>
-      </p:sp>
-      <p:sp>
-        <p:nvSpPr>
-          <p:cNvPr id="5" name="Footer Placeholder 4"/>
-          <p:cNvSpPr>
-            <a:spLocks noGrp="1"/>
-          </p:cNvSpPr>
-          <p:nvPr>
-            <p:ph type="ftr" sz="quarter" idx="11"/>
-          </p:nvPr>
-        </p:nvSpPr>
-        <p:spPr/>
-        <p:txBody>
-          <a:bodyPr/>
-          <a:lstStyle/>
-          <a:p>
-            <a:endParaRPr lang="en-US"/>
-          </a:p>
-        </p:txBody>
-      </p:sp>
-      <p:sp>
-        <p:nvSpPr>
-          <p:cNvPr id="6" name="Slide Number Placeholder 5"/>
-          <p:cNvSpPr>
-            <a:spLocks noGrp="1"/>
-          </p:cNvSpPr>
-          <p:nvPr>
-            <p:ph type="sldNum" sz="quarter" idx="12"/>
-          </p:nvPr>
-        </p:nvSpPr>
-        <p:spPr/>
-        <p:txBody>
-          <a:bodyPr/>
-          <a:lstStyle/>
-          <a:p>
-            <a:fld id="{517767EB-4571-463A-9878-3CB86E448BD6}" type="slidenum">
-              <a:rPr lang="en-US" smtClean="0"/>
-              <a:t>‹#›</a:t>
-            </a:fld>
-            <a:endParaRPr lang="en-US"/>
-          </a:p>
-        </p:txBody>
-      </p:sp>
-      <p:sp>
-        <p:nvSpPr>
-          <p:cNvPr id="24" name="TextBox 23"/>
-          <p:cNvSpPr txBox="1"/>
-          <p:nvPr/>
-        </p:nvSpPr>
-        <p:spPr>
-          <a:xfrm>
-            <a:off x="541870" y="790378"/>
-            <a:ext cx="609600" cy="584776"/>
-          </a:xfrm>
-          <a:prstGeom prst="rect">
-            <a:avLst/>
-          </a:prstGeom>
-        </p:spPr>
-        <p:txBody>
-          <a:bodyPr vert="horz" lIns="91440" tIns="45720" rIns="91440" bIns="45720" rtlCol="0" anchor="ctr">
-            <a:noAutofit/>
-          </a:bodyPr>
-          <a:lstStyle/>
-          <a:p>
-            <a:pPr lvl="0"/>
-            <a:r>
-              <a:rPr lang="en-US" sz="8000" baseline="0" dirty="0">
-                <a:ln w="3175" cmpd="sng">
-                  <a:noFill/>
-                </a:ln>
-                <a:solidFill>
-                  <a:schemeClr val="accent1">
-                    <a:lumMod val="60000"/>
-                    <a:lumOff val="40000"/>
-                  </a:schemeClr>
-                </a:solidFill>
-                <a:effectLst/>
-                <a:latin typeface="Arial"/>
-              </a:rPr>
-              <a:t>“</a:t>
-            </a:r>
-          </a:p>
-        </p:txBody>
-      </p:sp>
-      <p:sp>
-        <p:nvSpPr>
-          <p:cNvPr id="25" name="TextBox 24"/>
-          <p:cNvSpPr txBox="1"/>
-          <p:nvPr/>
-        </p:nvSpPr>
-        <p:spPr>
-          <a:xfrm>
-            <a:off x="8893011" y="2886556"/>
-            <a:ext cx="609600" cy="584776"/>
-          </a:xfrm>
-          <a:prstGeom prst="rect">
-            <a:avLst/>
-          </a:prstGeom>
-        </p:spPr>
-        <p:txBody>
-          <a:bodyPr vert="horz" lIns="91440" tIns="45720" rIns="91440" bIns="45720" rtlCol="0" anchor="ctr">
-            <a:noAutofit/>
-          </a:bodyPr>
-          <a:lstStyle/>
-          <a:p>
-            <a:pPr lvl="0"/>
-            <a:r>
-              <a:rPr lang="en-US" sz="8000" baseline="0" dirty="0">
-                <a:ln w="3175" cmpd="sng">
-                  <a:noFill/>
-                </a:ln>
-                <a:solidFill>
-                  <a:schemeClr val="accent1">
-                    <a:lumMod val="60000"/>
-                    <a:lumOff val="40000"/>
-                  </a:schemeClr>
-                </a:solidFill>
-                <a:effectLst/>
-                <a:latin typeface="Arial"/>
-              </a:rPr>
-              <a:t>”</a:t>
-            </a:r>
-          </a:p>
-        </p:txBody>
-      </p:sp>
-    </p:spTree>
-    <p:extLst>
-      <p:ext uri="{BB962C8B-B14F-4D97-AF65-F5344CB8AC3E}">
-        <p14:creationId xmlns:p14="http://schemas.microsoft.com/office/powerpoint/2010/main" val="3014296944"/>
-      </p:ext>
-    </p:extLst>
-  </p:cSld>
-  <p:clrMapOvr>
-    <a:masterClrMapping/>
-  </p:clrMapOvr>
-  <p:hf hdr="0" ftr="0"/>
-</p:sldLayout>
-</file>
-
-<file path=ppt/slideLayouts/slideLayout25.xml><?xml version="1.0" encoding="utf-8"?>
-<p:sldLayout xmlns:a="http://schemas.openxmlformats.org/drawingml/2006/main" xmlns:r="http://schemas.openxmlformats.org/officeDocument/2006/relationships" xmlns:p="http://schemas.openxmlformats.org/presentationml/2006/main" preserve="1">
-  <p:cSld name="True or False">
-    <p:spTree>
-      <p:nvGrpSpPr>
-        <p:cNvPr id="1" name=""/>
-        <p:cNvGrpSpPr/>
-        <p:nvPr/>
-      </p:nvGrpSpPr>
-      <p:grpSpPr>
-        <a:xfrm>
-          <a:off x="0" y="0"/>
-          <a:ext cx="0" cy="0"/>
-          <a:chOff x="0" y="0"/>
-          <a:chExt cx="0" cy="0"/>
-        </a:xfrm>
-      </p:grpSpPr>
-      <p:sp>
-        <p:nvSpPr>
-          <p:cNvPr id="2" name="Title 1"/>
-          <p:cNvSpPr>
-            <a:spLocks noGrp="1"/>
-          </p:cNvSpPr>
-          <p:nvPr>
-            <p:ph type="title"/>
-          </p:nvPr>
-        </p:nvSpPr>
-        <p:spPr>
-          <a:xfrm>
-            <a:off x="685799" y="609600"/>
-            <a:ext cx="8588203" cy="3022600"/>
-          </a:xfrm>
-        </p:spPr>
-        <p:txBody>
-          <a:bodyPr anchor="ctr">
-            <a:normAutofit/>
-          </a:bodyPr>
-          <a:lstStyle>
-            <a:lvl1pPr algn="l">
-              <a:defRPr sz="4400" b="0" cap="none"/>
-            </a:lvl1pPr>
-          </a:lstStyle>
-          <a:p>
-            <a:r>
-              <a:rPr lang="en-US" smtClean="0"/>
-              <a:t>Click to edit Master title style</a:t>
-            </a:r>
-            <a:endParaRPr lang="en-US" dirty="0"/>
-          </a:p>
-        </p:txBody>
-      </p:sp>
-      <p:sp>
-        <p:nvSpPr>
-          <p:cNvPr id="23" name="Text Placeholder 9"/>
-          <p:cNvSpPr>
-            <a:spLocks noGrp="1"/>
-          </p:cNvSpPr>
-          <p:nvPr>
-            <p:ph type="body" sz="quarter" idx="13"/>
-          </p:nvPr>
-        </p:nvSpPr>
-        <p:spPr>
-          <a:xfrm>
-            <a:off x="677332" y="4013200"/>
-            <a:ext cx="8596669" cy="514248"/>
-          </a:xfrm>
-        </p:spPr>
-        <p:txBody>
-          <a:bodyPr anchor="b">
-            <a:noAutofit/>
-          </a:bodyPr>
-          <a:lstStyle>
-            <a:lvl1pPr marL="0" indent="0">
-              <a:buFontTx/>
-              <a:buNone/>
-              <a:defRPr sz="2400">
-                <a:solidFill>
-                  <a:schemeClr val="accent1"/>
-                </a:solidFill>
-              </a:defRPr>
-            </a:lvl1pPr>
-            <a:lvl2pPr marL="457200" indent="0">
-              <a:buFontTx/>
-              <a:buNone/>
-              <a:defRPr/>
-            </a:lvl2pPr>
-            <a:lvl3pPr marL="914400" indent="0">
-              <a:buFontTx/>
-              <a:buNone/>
-              <a:defRPr/>
-            </a:lvl3pPr>
-            <a:lvl4pPr marL="1371600" indent="0">
-              <a:buFontTx/>
-              <a:buNone/>
-              <a:defRPr/>
-            </a:lvl4pPr>
-            <a:lvl5pPr marL="1828800" indent="0">
-              <a:buFontTx/>
-              <a:buNone/>
-              <a:defRPr/>
-            </a:lvl5pPr>
-          </a:lstStyle>
-          <a:p>
-            <a:pPr lvl="0"/>
-            <a:r>
-              <a:rPr lang="en-US" smtClean="0"/>
-              <a:t>Edit Master text styles</a:t>
-            </a:r>
-          </a:p>
-        </p:txBody>
-      </p:sp>
-      <p:sp>
-        <p:nvSpPr>
-          <p:cNvPr id="3" name="Text Placeholder 2"/>
-          <p:cNvSpPr>
-            <a:spLocks noGrp="1"/>
-          </p:cNvSpPr>
-          <p:nvPr>
-            <p:ph type="body" idx="1"/>
-          </p:nvPr>
-        </p:nvSpPr>
-        <p:spPr>
-          <a:xfrm>
-            <a:off x="677335" y="4527448"/>
-            <a:ext cx="8596668" cy="1513914"/>
-          </a:xfrm>
-        </p:spPr>
-        <p:txBody>
-          <a:bodyPr anchor="t">
-            <a:normAutofit/>
-          </a:bodyPr>
-          <a:lstStyle>
-            <a:lvl1pPr marL="0" indent="0" algn="l">
-              <a:buNone/>
-              <a:defRPr sz="1800">
-                <a:solidFill>
-                  <a:schemeClr val="tx1">
-                    <a:lumMod val="50000"/>
-                    <a:lumOff val="50000"/>
-                  </a:schemeClr>
-                </a:solidFill>
-              </a:defRPr>
-            </a:lvl1pPr>
-            <a:lvl2pPr marL="457200" indent="0">
-              <a:buNone/>
-              <a:defRPr sz="1800">
-                <a:solidFill>
-                  <a:schemeClr val="tx1">
-                    <a:tint val="75000"/>
-                  </a:schemeClr>
-                </a:solidFill>
-              </a:defRPr>
-            </a:lvl2pPr>
-            <a:lvl3pPr marL="914400" indent="0">
-              <a:buNone/>
-              <a:defRPr sz="1600">
-                <a:solidFill>
-                  <a:schemeClr val="tx1">
-                    <a:tint val="75000"/>
-                  </a:schemeClr>
-                </a:solidFill>
-              </a:defRPr>
-            </a:lvl3pPr>
-            <a:lvl4pPr marL="1371600" indent="0">
-              <a:buNone/>
-              <a:defRPr sz="1400">
-                <a:solidFill>
-                  <a:schemeClr val="tx1">
-                    <a:tint val="75000"/>
-                  </a:schemeClr>
-                </a:solidFill>
-              </a:defRPr>
-            </a:lvl4pPr>
-            <a:lvl5pPr marL="1828800" indent="0">
-              <a:buNone/>
-              <a:defRPr sz="1400">
-                <a:solidFill>
-                  <a:schemeClr val="tx1">
-                    <a:tint val="75000"/>
-                  </a:schemeClr>
-                </a:solidFill>
-              </a:defRPr>
-            </a:lvl5pPr>
-            <a:lvl6pPr marL="2286000" indent="0">
-              <a:buNone/>
-              <a:defRPr sz="1400">
-                <a:solidFill>
-                  <a:schemeClr val="tx1">
-                    <a:tint val="75000"/>
-                  </a:schemeClr>
-                </a:solidFill>
-              </a:defRPr>
-            </a:lvl6pPr>
-            <a:lvl7pPr marL="2743200" indent="0">
-              <a:buNone/>
-              <a:defRPr sz="1400">
-                <a:solidFill>
-                  <a:schemeClr val="tx1">
-                    <a:tint val="75000"/>
-                  </a:schemeClr>
-                </a:solidFill>
-              </a:defRPr>
-            </a:lvl7pPr>
-            <a:lvl8pPr marL="3200400" indent="0">
-              <a:buNone/>
-              <a:defRPr sz="1400">
-                <a:solidFill>
-                  <a:schemeClr val="tx1">
-                    <a:tint val="75000"/>
-                  </a:schemeClr>
-                </a:solidFill>
-              </a:defRPr>
-            </a:lvl8pPr>
-            <a:lvl9pPr marL="3657600" indent="0">
-              <a:buNone/>
-              <a:defRPr sz="1400">
-                <a:solidFill>
-                  <a:schemeClr val="tx1">
-                    <a:tint val="75000"/>
-                  </a:schemeClr>
-                </a:solidFill>
-              </a:defRPr>
-            </a:lvl9pPr>
-          </a:lstStyle>
-          <a:p>
-            <a:pPr lvl="0"/>
-            <a:r>
-              <a:rPr lang="en-US" smtClean="0"/>
-              <a:t>Edit Master text styles</a:t>
-            </a:r>
-          </a:p>
-        </p:txBody>
-      </p:sp>
-      <p:sp>
-        <p:nvSpPr>
-          <p:cNvPr id="4" name="Date Placeholder 3"/>
-          <p:cNvSpPr>
-            <a:spLocks noGrp="1"/>
-          </p:cNvSpPr>
-          <p:nvPr>
-            <p:ph type="dt" sz="half" idx="10"/>
-          </p:nvPr>
-        </p:nvSpPr>
-        <p:spPr/>
-        <p:txBody>
-          <a:bodyPr/>
-          <a:lstStyle/>
-          <a:p>
-            <a:fld id="{0083D68B-0458-4622-8439-EF1CD618009C}" type="uaqdatetime1">
-              <a:rPr lang="fa-IR" smtClean="0"/>
-              <a:t>07/06/1443</a:t>
-            </a:fld>
-            <a:endParaRPr lang="en-US"/>
-          </a:p>
-        </p:txBody>
-      </p:sp>
-      <p:sp>
-        <p:nvSpPr>
-          <p:cNvPr id="5" name="Footer Placeholder 4"/>
-          <p:cNvSpPr>
-            <a:spLocks noGrp="1"/>
-          </p:cNvSpPr>
-          <p:nvPr>
-            <p:ph type="ftr" sz="quarter" idx="11"/>
-          </p:nvPr>
-        </p:nvSpPr>
-        <p:spPr/>
-        <p:txBody>
-          <a:bodyPr/>
-          <a:lstStyle/>
-          <a:p>
-            <a:endParaRPr lang="en-US"/>
-          </a:p>
-        </p:txBody>
-      </p:sp>
-      <p:sp>
-        <p:nvSpPr>
-          <p:cNvPr id="6" name="Slide Number Placeholder 5"/>
-          <p:cNvSpPr>
-            <a:spLocks noGrp="1"/>
-          </p:cNvSpPr>
-          <p:nvPr>
-            <p:ph type="sldNum" sz="quarter" idx="12"/>
-          </p:nvPr>
-        </p:nvSpPr>
-        <p:spPr/>
-        <p:txBody>
-          <a:bodyPr/>
-          <a:lstStyle/>
-          <a:p>
-            <a:fld id="{517767EB-4571-463A-9878-3CB86E448BD6}" type="slidenum">
-              <a:rPr lang="en-US" smtClean="0"/>
-              <a:t>‹#›</a:t>
-            </a:fld>
-            <a:endParaRPr lang="en-US"/>
-          </a:p>
-        </p:txBody>
-      </p:sp>
-    </p:spTree>
-    <p:extLst>
-      <p:ext uri="{BB962C8B-B14F-4D97-AF65-F5344CB8AC3E}">
-        <p14:creationId xmlns:p14="http://schemas.microsoft.com/office/powerpoint/2010/main" val="2223781950"/>
-      </p:ext>
-    </p:extLst>
-  </p:cSld>
-  <p:clrMapOvr>
-    <a:masterClrMapping/>
-  </p:clrMapOvr>
-  <p:hf hdr="0" ftr="0"/>
-</p:sldLayout>
-</file>
-
-<file path=ppt/slideLayouts/slideLayout26.xml><?xml version="1.0" encoding="utf-8"?>
 <p:sldLayout xmlns:a="http://schemas.openxmlformats.org/drawingml/2006/main" xmlns:r="http://schemas.openxmlformats.org/officeDocument/2006/relationships" xmlns:p="http://schemas.openxmlformats.org/presentationml/2006/main" type="vertTx" preserve="1">
   <p:cSld name="Title and Vertical Text">
     <p:spTree>
@@ -5396,7 +3200,7 @@
               <a:rPr lang="en-US" smtClean="0"/>
               <a:t>Click to edit Master title style</a:t>
             </a:r>
-            <a:endParaRPr lang="en-US" dirty="0"/>
+            <a:endParaRPr lang="fa-IR"/>
           </a:p>
         </p:txBody>
       </p:sp>
@@ -5448,7 +3252,7 @@
               <a:rPr lang="en-US" smtClean="0"/>
               <a:t>Fifth level</a:t>
             </a:r>
-            <a:endParaRPr lang="en-US" dirty="0"/>
+            <a:endParaRPr lang="fa-IR"/>
           </a:p>
         </p:txBody>
       </p:sp>
@@ -5467,9 +3271,9 @@
           <a:bodyPr/>
           <a:lstStyle/>
           <a:p>
-            <a:fld id="{4F5917E5-01AE-43F6-BF61-636EE6DB08D0}" type="uaqdatetime1">
+            <a:fld id="{FEE89845-ACCD-4029-B63C-55DACAC9F8A6}" type="uaqdatetime1">
               <a:rPr lang="fa-IR" smtClean="0"/>
-              <a:t>07/06/1443</a:t>
+              <a:t>08/06/1443</a:t>
             </a:fld>
             <a:endParaRPr lang="en-US"/>
           </a:p>
@@ -5509,7 +3313,7 @@
           <a:bodyPr/>
           <a:lstStyle/>
           <a:p>
-            <a:fld id="{4BC6469D-48EF-44E1-BF07-A9CE4893D6D6}" type="slidenum">
+            <a:fld id="{517767EB-4571-463A-9878-3CB86E448BD6}" type="slidenum">
               <a:rPr lang="en-US" smtClean="0"/>
               <a:t>‹#›</a:t>
             </a:fld>
@@ -5520,7 +3324,7 @@
     </p:spTree>
     <p:extLst>
       <p:ext uri="{BB962C8B-B14F-4D97-AF65-F5344CB8AC3E}">
-        <p14:creationId xmlns:p14="http://schemas.microsoft.com/office/powerpoint/2010/main" val="2790649281"/>
+        <p14:creationId xmlns:p14="http://schemas.microsoft.com/office/powerpoint/2010/main" val="3120945142"/>
       </p:ext>
     </p:extLst>
   </p:cSld>
@@ -5530,7 +3334,7 @@
 </p:sldLayout>
 </file>
 
-<file path=ppt/slideLayouts/slideLayout27.xml><?xml version="1.0" encoding="utf-8"?>
+<file path=ppt/slideLayouts/slideLayout22.xml><?xml version="1.0" encoding="utf-8"?>
 <p:sldLayout xmlns:a="http://schemas.openxmlformats.org/drawingml/2006/main" xmlns:r="http://schemas.openxmlformats.org/officeDocument/2006/relationships" xmlns:p="http://schemas.openxmlformats.org/presentationml/2006/main" type="vertTitleAndTx" preserve="1">
   <p:cSld name="Vertical Title and Text">
     <p:spTree>
@@ -5559,19 +3363,19 @@
         </p:nvSpPr>
         <p:spPr>
           <a:xfrm>
-            <a:off x="7967673" y="609599"/>
-            <a:ext cx="1304743" cy="5251451"/>
+            <a:off x="8724900" y="365125"/>
+            <a:ext cx="2628900" cy="5811838"/>
           </a:xfrm>
         </p:spPr>
         <p:txBody>
-          <a:bodyPr vert="eaVert" anchor="ctr"/>
+          <a:bodyPr vert="eaVert"/>
           <a:lstStyle/>
           <a:p>
             <a:r>
               <a:rPr lang="en-US" smtClean="0"/>
               <a:t>Click to edit Master title style</a:t>
             </a:r>
-            <a:endParaRPr lang="en-US" dirty="0"/>
+            <a:endParaRPr lang="fa-IR"/>
           </a:p>
         </p:txBody>
       </p:sp>
@@ -5587,8 +3391,8 @@
         </p:nvSpPr>
         <p:spPr>
           <a:xfrm>
-            <a:off x="677335" y="609600"/>
-            <a:ext cx="7060150" cy="5251450"/>
+            <a:off x="838200" y="365125"/>
+            <a:ext cx="7734300" cy="5811838"/>
           </a:xfrm>
         </p:spPr>
         <p:txBody>
@@ -5628,7 +3432,7 @@
               <a:rPr lang="en-US" smtClean="0"/>
               <a:t>Fifth level</a:t>
             </a:r>
-            <a:endParaRPr lang="en-US" dirty="0"/>
+            <a:endParaRPr lang="fa-IR"/>
           </a:p>
         </p:txBody>
       </p:sp>
@@ -5647,9 +3451,9 @@
           <a:bodyPr/>
           <a:lstStyle/>
           <a:p>
-            <a:fld id="{328645A7-8A95-4F1F-855E-3EA030BFC41E}" type="uaqdatetime1">
+            <a:fld id="{BFDBF3F9-34DA-49D7-B5B9-BF4380A179B7}" type="uaqdatetime1">
               <a:rPr lang="fa-IR" smtClean="0"/>
-              <a:t>07/06/1443</a:t>
+              <a:t>08/06/1443</a:t>
             </a:fld>
             <a:endParaRPr lang="en-US"/>
           </a:p>
@@ -5689,7 +3493,7 @@
           <a:bodyPr/>
           <a:lstStyle/>
           <a:p>
-            <a:fld id="{4BC6469D-48EF-44E1-BF07-A9CE4893D6D6}" type="slidenum">
+            <a:fld id="{517767EB-4571-463A-9878-3CB86E448BD6}" type="slidenum">
               <a:rPr lang="en-US" smtClean="0"/>
               <a:t>‹#›</a:t>
             </a:fld>
@@ -5700,7 +3504,7 @@
     </p:spTree>
     <p:extLst>
       <p:ext uri="{BB962C8B-B14F-4D97-AF65-F5344CB8AC3E}">
-        <p14:creationId xmlns:p14="http://schemas.microsoft.com/office/powerpoint/2010/main" val="2217644147"/>
+        <p14:creationId xmlns:p14="http://schemas.microsoft.com/office/powerpoint/2010/main" val="1299512816"/>
       </p:ext>
     </p:extLst>
   </p:cSld>
@@ -5895,7 +3699,7 @@
           <a:p>
             <a:fld id="{7402CB9B-D49C-43E8-87FF-3860F10A70AD}" type="uaqdatetime1">
               <a:rPr lang="fa-IR" smtClean="0"/>
-              <a:t>07/06/1443</a:t>
+              <a:t>08/06/1443</a:t>
             </a:fld>
             <a:endParaRPr lang="en-US"/>
           </a:p>
@@ -6127,7 +3931,7 @@
           <a:p>
             <a:fld id="{054213FF-4287-47B0-AEA1-26ED6271FDBD}" type="uaqdatetime1">
               <a:rPr lang="fa-IR" smtClean="0"/>
-              <a:t>07/06/1443</a:t>
+              <a:t>08/06/1443</a:t>
             </a:fld>
             <a:endParaRPr lang="en-US"/>
           </a:p>
@@ -6494,7 +4298,7 @@
           <a:p>
             <a:fld id="{B3E81681-D140-4A7C-AA8D-F6AF5CD222B2}" type="uaqdatetime1">
               <a:rPr lang="fa-IR" smtClean="0"/>
-              <a:t>07/06/1443</a:t>
+              <a:t>08/06/1443</a:t>
             </a:fld>
             <a:endParaRPr lang="en-US"/>
           </a:p>
@@ -6612,7 +4416,7 @@
           <a:p>
             <a:fld id="{A95CEF31-DA62-4E2F-9C89-3307C5A0C734}" type="uaqdatetime1">
               <a:rPr lang="fa-IR" smtClean="0"/>
-              <a:t>07/06/1443</a:t>
+              <a:t>08/06/1443</a:t>
             </a:fld>
             <a:endParaRPr lang="en-US"/>
           </a:p>
@@ -6707,7 +4511,7 @@
           <a:p>
             <a:fld id="{B1B4EA98-43D8-40B0-BB71-087C8B1FD830}" type="uaqdatetime1">
               <a:rPr lang="fa-IR" smtClean="0"/>
-              <a:t>07/06/1443</a:t>
+              <a:t>08/06/1443</a:t>
             </a:fld>
             <a:endParaRPr lang="en-US"/>
           </a:p>
@@ -6984,7 +4788,7 @@
           <a:p>
             <a:fld id="{C1E2536D-405E-4F6F-A4C1-8D3F6F41F560}" type="uaqdatetime1">
               <a:rPr lang="fa-IR" smtClean="0"/>
-              <a:t>07/06/1443</a:t>
+              <a:t>08/06/1443</a:t>
             </a:fld>
             <a:endParaRPr lang="en-US"/>
           </a:p>
@@ -7237,7 +5041,7 @@
           <a:p>
             <a:fld id="{4253EB68-0FB1-41FC-BD4A-2E738737AF01}" type="uaqdatetime1">
               <a:rPr lang="fa-IR" smtClean="0"/>
-              <a:t>07/06/1443</a:t>
+              <a:t>08/06/1443</a:t>
             </a:fld>
             <a:endParaRPr lang="en-US"/>
           </a:p>
@@ -7450,7 +5254,7 @@
           <a:p>
             <a:fld id="{0083D68B-0458-4622-8439-EF1CD618009C}" type="uaqdatetime1">
               <a:rPr lang="fa-IR" smtClean="0"/>
-              <a:t>07/06/1443</a:t>
+              <a:t>08/06/1443</a:t>
             </a:fld>
             <a:endParaRPr lang="en-US"/>
           </a:p>
@@ -7534,36 +5338,6 @@
           </a:p>
         </p:txBody>
       </p:sp>
-      <p:pic>
-        <p:nvPicPr>
-          <p:cNvPr id="7" name="Picture 6"/>
-          <p:cNvPicPr>
-            <a:picLocks noChangeAspect="1"/>
-          </p:cNvPicPr>
-          <p:nvPr userDrawn="1"/>
-        </p:nvPicPr>
-        <p:blipFill>
-          <a:blip r:embed="rId13">
-            <a:extLst>
-              <a:ext uri="{28A0092B-C50C-407E-A947-70E740481C1C}">
-                <a14:useLocalDpi xmlns:a14="http://schemas.microsoft.com/office/drawing/2010/main" val="0"/>
-              </a:ext>
-            </a:extLst>
-          </a:blip>
-          <a:stretch>
-            <a:fillRect/>
-          </a:stretch>
-        </p:blipFill>
-        <p:spPr>
-          <a:xfrm>
-            <a:off x="10749081" y="283146"/>
-            <a:ext cx="1209437" cy="1452786"/>
-          </a:xfrm>
-          <a:prstGeom prst="rect">
-            <a:avLst/>
-          </a:prstGeom>
-        </p:spPr>
-      </p:pic>
     </p:spTree>
     <p:extLst>
       <p:ext uri="{BB962C8B-B14F-4D97-AF65-F5344CB8AC3E}">
@@ -7898,536 +5672,6 @@
           <a:chExt cx="0" cy="0"/>
         </a:xfrm>
       </p:grpSpPr>
-      <p:grpSp>
-        <p:nvGrpSpPr>
-          <p:cNvPr id="7" name="Group 6"/>
-          <p:cNvGrpSpPr/>
-          <p:nvPr/>
-        </p:nvGrpSpPr>
-        <p:grpSpPr>
-          <a:xfrm>
-            <a:off x="0" y="-8467"/>
-            <a:ext cx="12192000" cy="6866467"/>
-            <a:chOff x="0" y="-8467"/>
-            <a:chExt cx="12192000" cy="6866467"/>
-          </a:xfrm>
-        </p:grpSpPr>
-        <p:cxnSp>
-          <p:nvCxnSpPr>
-            <p:cNvPr id="20" name="Straight Connector 19"/>
-            <p:cNvCxnSpPr/>
-            <p:nvPr/>
-          </p:nvCxnSpPr>
-          <p:spPr>
-            <a:xfrm>
-              <a:off x="9371012" y="0"/>
-              <a:ext cx="1219200" cy="6858000"/>
-            </a:xfrm>
-            <a:prstGeom prst="line">
-              <a:avLst/>
-            </a:prstGeom>
-            <a:ln w="9525">
-              <a:solidFill>
-                <a:schemeClr val="bg1">
-                  <a:lumMod val="75000"/>
-                </a:schemeClr>
-              </a:solidFill>
-            </a:ln>
-          </p:spPr>
-          <p:style>
-            <a:lnRef idx="2">
-              <a:schemeClr val="accent1"/>
-            </a:lnRef>
-            <a:fillRef idx="0">
-              <a:schemeClr val="accent1"/>
-            </a:fillRef>
-            <a:effectRef idx="1">
-              <a:schemeClr val="accent1"/>
-            </a:effectRef>
-            <a:fontRef idx="minor">
-              <a:schemeClr val="tx1"/>
-            </a:fontRef>
-          </p:style>
-        </p:cxnSp>
-        <p:cxnSp>
-          <p:nvCxnSpPr>
-            <p:cNvPr id="21" name="Straight Connector 20"/>
-            <p:cNvCxnSpPr/>
-            <p:nvPr/>
-          </p:nvCxnSpPr>
-          <p:spPr>
-            <a:xfrm flipH="1">
-              <a:off x="7425267" y="3681413"/>
-              <a:ext cx="4763558" cy="3176587"/>
-            </a:xfrm>
-            <a:prstGeom prst="line">
-              <a:avLst/>
-            </a:prstGeom>
-            <a:ln w="9525">
-              <a:solidFill>
-                <a:schemeClr val="bg1">
-                  <a:lumMod val="85000"/>
-                </a:schemeClr>
-              </a:solidFill>
-            </a:ln>
-          </p:spPr>
-          <p:style>
-            <a:lnRef idx="2">
-              <a:schemeClr val="accent1"/>
-            </a:lnRef>
-            <a:fillRef idx="0">
-              <a:schemeClr val="accent1"/>
-            </a:fillRef>
-            <a:effectRef idx="1">
-              <a:schemeClr val="accent1"/>
-            </a:effectRef>
-            <a:fontRef idx="minor">
-              <a:schemeClr val="tx1"/>
-            </a:fontRef>
-          </p:style>
-        </p:cxnSp>
-        <p:sp>
-          <p:nvSpPr>
-            <p:cNvPr id="22" name="Rectangle 23"/>
-            <p:cNvSpPr/>
-            <p:nvPr/>
-          </p:nvSpPr>
-          <p:spPr>
-            <a:xfrm>
-              <a:off x="9181476" y="-8467"/>
-              <a:ext cx="3007349" cy="6866467"/>
-            </a:xfrm>
-            <a:custGeom>
-              <a:avLst/>
-              <a:gdLst/>
-              <a:ahLst/>
-              <a:cxnLst/>
-              <a:rect l="l" t="t" r="r" b="b"/>
-              <a:pathLst>
-                <a:path w="3007349" h="6866467">
-                  <a:moveTo>
-                    <a:pt x="2045532" y="0"/>
-                  </a:moveTo>
-                  <a:lnTo>
-                    <a:pt x="3007349" y="0"/>
-                  </a:lnTo>
-                  <a:lnTo>
-                    <a:pt x="3007349" y="6866467"/>
-                  </a:lnTo>
-                  <a:lnTo>
-                    <a:pt x="0" y="6866467"/>
-                  </a:lnTo>
-                  <a:lnTo>
-                    <a:pt x="2045532" y="0"/>
-                  </a:lnTo>
-                  <a:close/>
-                </a:path>
-              </a:pathLst>
-            </a:custGeom>
-            <a:solidFill>
-              <a:schemeClr val="accent1">
-                <a:alpha val="30000"/>
-              </a:schemeClr>
-            </a:solidFill>
-            <a:ln>
-              <a:noFill/>
-            </a:ln>
-            <a:effectLst/>
-          </p:spPr>
-          <p:style>
-            <a:lnRef idx="1">
-              <a:schemeClr val="accent1"/>
-            </a:lnRef>
-            <a:fillRef idx="3">
-              <a:schemeClr val="accent1"/>
-            </a:fillRef>
-            <a:effectRef idx="2">
-              <a:schemeClr val="accent1"/>
-            </a:effectRef>
-            <a:fontRef idx="minor">
-              <a:schemeClr val="lt1"/>
-            </a:fontRef>
-          </p:style>
-        </p:sp>
-        <p:sp>
-          <p:nvSpPr>
-            <p:cNvPr id="23" name="Rectangle 25"/>
-            <p:cNvSpPr/>
-            <p:nvPr/>
-          </p:nvSpPr>
-          <p:spPr>
-            <a:xfrm>
-              <a:off x="9603442" y="-8467"/>
-              <a:ext cx="2588558" cy="6866467"/>
-            </a:xfrm>
-            <a:custGeom>
-              <a:avLst/>
-              <a:gdLst/>
-              <a:ahLst/>
-              <a:cxnLst/>
-              <a:rect l="l" t="t" r="r" b="b"/>
-              <a:pathLst>
-                <a:path w="2573311" h="6866467">
-                  <a:moveTo>
-                    <a:pt x="0" y="0"/>
-                  </a:moveTo>
-                  <a:lnTo>
-                    <a:pt x="2573311" y="0"/>
-                  </a:lnTo>
-                  <a:lnTo>
-                    <a:pt x="2573311" y="6866467"/>
-                  </a:lnTo>
-                  <a:lnTo>
-                    <a:pt x="1202336" y="6866467"/>
-                  </a:lnTo>
-                  <a:lnTo>
-                    <a:pt x="0" y="0"/>
-                  </a:lnTo>
-                  <a:close/>
-                </a:path>
-              </a:pathLst>
-            </a:custGeom>
-            <a:solidFill>
-              <a:schemeClr val="accent1">
-                <a:alpha val="20000"/>
-              </a:schemeClr>
-            </a:solidFill>
-            <a:ln>
-              <a:noFill/>
-            </a:ln>
-            <a:effectLst/>
-          </p:spPr>
-          <p:style>
-            <a:lnRef idx="1">
-              <a:schemeClr val="accent1"/>
-            </a:lnRef>
-            <a:fillRef idx="3">
-              <a:schemeClr val="accent1"/>
-            </a:fillRef>
-            <a:effectRef idx="2">
-              <a:schemeClr val="accent1"/>
-            </a:effectRef>
-            <a:fontRef idx="minor">
-              <a:schemeClr val="lt1"/>
-            </a:fontRef>
-          </p:style>
-        </p:sp>
-        <p:sp>
-          <p:nvSpPr>
-            <p:cNvPr id="24" name="Isosceles Triangle 23"/>
-            <p:cNvSpPr/>
-            <p:nvPr/>
-          </p:nvSpPr>
-          <p:spPr>
-            <a:xfrm>
-              <a:off x="8932333" y="3048000"/>
-              <a:ext cx="3259667" cy="3810000"/>
-            </a:xfrm>
-            <a:prstGeom prst="triangle">
-              <a:avLst>
-                <a:gd name="adj" fmla="val 100000"/>
-              </a:avLst>
-            </a:prstGeom>
-            <a:solidFill>
-              <a:schemeClr val="accent2">
-                <a:alpha val="72000"/>
-              </a:schemeClr>
-            </a:solidFill>
-            <a:ln>
-              <a:noFill/>
-            </a:ln>
-            <a:effectLst/>
-          </p:spPr>
-          <p:style>
-            <a:lnRef idx="1">
-              <a:schemeClr val="accent1"/>
-            </a:lnRef>
-            <a:fillRef idx="3">
-              <a:schemeClr val="accent1"/>
-            </a:fillRef>
-            <a:effectRef idx="2">
-              <a:schemeClr val="accent1"/>
-            </a:effectRef>
-            <a:fontRef idx="minor">
-              <a:schemeClr val="lt1"/>
-            </a:fontRef>
-          </p:style>
-        </p:sp>
-        <p:sp>
-          <p:nvSpPr>
-            <p:cNvPr id="25" name="Rectangle 27"/>
-            <p:cNvSpPr/>
-            <p:nvPr/>
-          </p:nvSpPr>
-          <p:spPr>
-            <a:xfrm>
-              <a:off x="9334500" y="-8467"/>
-              <a:ext cx="2854326" cy="6866467"/>
-            </a:xfrm>
-            <a:custGeom>
-              <a:avLst/>
-              <a:gdLst/>
-              <a:ahLst/>
-              <a:cxnLst/>
-              <a:rect l="l" t="t" r="r" b="b"/>
-              <a:pathLst>
-                <a:path w="2858013" h="6866467">
-                  <a:moveTo>
-                    <a:pt x="0" y="0"/>
-                  </a:moveTo>
-                  <a:lnTo>
-                    <a:pt x="2858013" y="0"/>
-                  </a:lnTo>
-                  <a:lnTo>
-                    <a:pt x="2858013" y="6866467"/>
-                  </a:lnTo>
-                  <a:lnTo>
-                    <a:pt x="2473942" y="6866467"/>
-                  </a:lnTo>
-                  <a:lnTo>
-                    <a:pt x="0" y="0"/>
-                  </a:lnTo>
-                  <a:close/>
-                </a:path>
-              </a:pathLst>
-            </a:custGeom>
-            <a:solidFill>
-              <a:schemeClr val="accent2">
-                <a:lumMod val="75000"/>
-                <a:alpha val="70000"/>
-              </a:schemeClr>
-            </a:solidFill>
-            <a:ln>
-              <a:noFill/>
-            </a:ln>
-            <a:effectLst/>
-          </p:spPr>
-          <p:style>
-            <a:lnRef idx="1">
-              <a:schemeClr val="accent1"/>
-            </a:lnRef>
-            <a:fillRef idx="3">
-              <a:schemeClr val="accent1"/>
-            </a:fillRef>
-            <a:effectRef idx="2">
-              <a:schemeClr val="accent1"/>
-            </a:effectRef>
-            <a:fontRef idx="minor">
-              <a:schemeClr val="lt1"/>
-            </a:fontRef>
-          </p:style>
-        </p:sp>
-        <p:sp>
-          <p:nvSpPr>
-            <p:cNvPr id="26" name="Rectangle 28"/>
-            <p:cNvSpPr/>
-            <p:nvPr/>
-          </p:nvSpPr>
-          <p:spPr>
-            <a:xfrm>
-              <a:off x="10898730" y="-8467"/>
-              <a:ext cx="1290094" cy="6866467"/>
-            </a:xfrm>
-            <a:custGeom>
-              <a:avLst/>
-              <a:gdLst/>
-              <a:ahLst/>
-              <a:cxnLst/>
-              <a:rect l="l" t="t" r="r" b="b"/>
-              <a:pathLst>
-                <a:path w="1290094" h="6858000">
-                  <a:moveTo>
-                    <a:pt x="1019735" y="0"/>
-                  </a:moveTo>
-                  <a:lnTo>
-                    <a:pt x="1290094" y="0"/>
-                  </a:lnTo>
-                  <a:lnTo>
-                    <a:pt x="1290094" y="6858000"/>
-                  </a:lnTo>
-                  <a:lnTo>
-                    <a:pt x="0" y="6858000"/>
-                  </a:lnTo>
-                  <a:lnTo>
-                    <a:pt x="1019735" y="0"/>
-                  </a:lnTo>
-                  <a:close/>
-                </a:path>
-              </a:pathLst>
-            </a:custGeom>
-            <a:solidFill>
-              <a:schemeClr val="accent1">
-                <a:lumMod val="60000"/>
-                <a:lumOff val="40000"/>
-                <a:alpha val="70000"/>
-              </a:schemeClr>
-            </a:solidFill>
-            <a:ln>
-              <a:noFill/>
-            </a:ln>
-            <a:effectLst/>
-          </p:spPr>
-          <p:style>
-            <a:lnRef idx="1">
-              <a:schemeClr val="accent1"/>
-            </a:lnRef>
-            <a:fillRef idx="3">
-              <a:schemeClr val="accent1"/>
-            </a:fillRef>
-            <a:effectRef idx="2">
-              <a:schemeClr val="accent1"/>
-            </a:effectRef>
-            <a:fontRef idx="minor">
-              <a:schemeClr val="lt1"/>
-            </a:fontRef>
-          </p:style>
-        </p:sp>
-        <p:sp>
-          <p:nvSpPr>
-            <p:cNvPr id="27" name="Rectangle 29"/>
-            <p:cNvSpPr/>
-            <p:nvPr/>
-          </p:nvSpPr>
-          <p:spPr>
-            <a:xfrm>
-              <a:off x="10938999" y="-8467"/>
-              <a:ext cx="1249825" cy="6866467"/>
-            </a:xfrm>
-            <a:custGeom>
-              <a:avLst/>
-              <a:gdLst/>
-              <a:ahLst/>
-              <a:cxnLst/>
-              <a:rect l="l" t="t" r="r" b="b"/>
-              <a:pathLst>
-                <a:path w="1249825" h="6858000">
-                  <a:moveTo>
-                    <a:pt x="0" y="0"/>
-                  </a:moveTo>
-                  <a:lnTo>
-                    <a:pt x="1249825" y="0"/>
-                  </a:lnTo>
-                  <a:lnTo>
-                    <a:pt x="1249825" y="6858000"/>
-                  </a:lnTo>
-                  <a:lnTo>
-                    <a:pt x="1109382" y="6858000"/>
-                  </a:lnTo>
-                  <a:lnTo>
-                    <a:pt x="0" y="0"/>
-                  </a:lnTo>
-                  <a:close/>
-                </a:path>
-              </a:pathLst>
-            </a:custGeom>
-            <a:solidFill>
-              <a:schemeClr val="accent1">
-                <a:alpha val="65000"/>
-              </a:schemeClr>
-            </a:solidFill>
-            <a:ln>
-              <a:noFill/>
-            </a:ln>
-            <a:effectLst/>
-          </p:spPr>
-          <p:style>
-            <a:lnRef idx="1">
-              <a:schemeClr val="accent1"/>
-            </a:lnRef>
-            <a:fillRef idx="3">
-              <a:schemeClr val="accent1"/>
-            </a:fillRef>
-            <a:effectRef idx="2">
-              <a:schemeClr val="accent1"/>
-            </a:effectRef>
-            <a:fontRef idx="minor">
-              <a:schemeClr val="lt1"/>
-            </a:fontRef>
-          </p:style>
-        </p:sp>
-        <p:sp>
-          <p:nvSpPr>
-            <p:cNvPr id="28" name="Isosceles Triangle 27"/>
-            <p:cNvSpPr/>
-            <p:nvPr/>
-          </p:nvSpPr>
-          <p:spPr>
-            <a:xfrm>
-              <a:off x="10371666" y="3589867"/>
-              <a:ext cx="1817159" cy="3268133"/>
-            </a:xfrm>
-            <a:prstGeom prst="triangle">
-              <a:avLst>
-                <a:gd name="adj" fmla="val 100000"/>
-              </a:avLst>
-            </a:prstGeom>
-            <a:solidFill>
-              <a:schemeClr val="accent1">
-                <a:alpha val="80000"/>
-              </a:schemeClr>
-            </a:solidFill>
-            <a:ln>
-              <a:noFill/>
-            </a:ln>
-            <a:effectLst/>
-          </p:spPr>
-          <p:style>
-            <a:lnRef idx="1">
-              <a:schemeClr val="accent1"/>
-            </a:lnRef>
-            <a:fillRef idx="3">
-              <a:schemeClr val="accent1"/>
-            </a:fillRef>
-            <a:effectRef idx="2">
-              <a:schemeClr val="accent1"/>
-            </a:effectRef>
-            <a:fontRef idx="minor">
-              <a:schemeClr val="lt1"/>
-            </a:fontRef>
-          </p:style>
-        </p:sp>
-        <p:sp>
-          <p:nvSpPr>
-            <p:cNvPr id="29" name="Isosceles Triangle 28"/>
-            <p:cNvSpPr/>
-            <p:nvPr/>
-          </p:nvSpPr>
-          <p:spPr>
-            <a:xfrm>
-              <a:off x="0" y="4013200"/>
-              <a:ext cx="448733" cy="2844800"/>
-            </a:xfrm>
-            <a:prstGeom prst="triangle">
-              <a:avLst>
-                <a:gd name="adj" fmla="val 0"/>
-              </a:avLst>
-            </a:prstGeom>
-            <a:solidFill>
-              <a:schemeClr val="accent1">
-                <a:alpha val="85000"/>
-              </a:schemeClr>
-            </a:solidFill>
-            <a:ln>
-              <a:noFill/>
-            </a:ln>
-            <a:effectLst/>
-          </p:spPr>
-          <p:style>
-            <a:lnRef idx="1">
-              <a:schemeClr val="accent1"/>
-            </a:lnRef>
-            <a:fillRef idx="3">
-              <a:schemeClr val="accent1"/>
-            </a:fillRef>
-            <a:effectRef idx="2">
-              <a:schemeClr val="accent1"/>
-            </a:effectRef>
-            <a:fontRef idx="minor">
-              <a:schemeClr val="lt1"/>
-            </a:fontRef>
-          </p:style>
-        </p:sp>
-      </p:grpSp>
       <p:sp>
         <p:nvSpPr>
           <p:cNvPr id="2" name="Title Placeholder 1"/>
@@ -8440,15 +5684,15 @@
         </p:nvSpPr>
         <p:spPr>
           <a:xfrm>
-            <a:off x="677334" y="609600"/>
-            <a:ext cx="8596668" cy="1320800"/>
+            <a:off x="838200" y="365125"/>
+            <a:ext cx="10515600" cy="1325563"/>
           </a:xfrm>
           <a:prstGeom prst="rect">
             <a:avLst/>
           </a:prstGeom>
         </p:spPr>
         <p:txBody>
-          <a:bodyPr vert="horz" lIns="91440" tIns="45720" rIns="91440" bIns="45720" rtlCol="0" anchor="t">
+          <a:bodyPr vert="horz" lIns="91440" tIns="45720" rIns="91440" bIns="45720" rtlCol="0" anchor="ctr">
             <a:normAutofit/>
           </a:bodyPr>
           <a:lstStyle/>
@@ -8457,7 +5701,7 @@
               <a:rPr lang="en-US" smtClean="0"/>
               <a:t>Click to edit Master title style</a:t>
             </a:r>
-            <a:endParaRPr lang="en-US" dirty="0"/>
+            <a:endParaRPr lang="fa-IR"/>
           </a:p>
         </p:txBody>
       </p:sp>
@@ -8473,8 +5717,8 @@
         </p:nvSpPr>
         <p:spPr>
           <a:xfrm>
-            <a:off x="677334" y="2160589"/>
-            <a:ext cx="8596668" cy="3880773"/>
+            <a:off x="838200" y="1825625"/>
+            <a:ext cx="10515600" cy="4351338"/>
           </a:xfrm>
           <a:prstGeom prst="rect">
             <a:avLst/>
@@ -8519,7 +5763,7 @@
               <a:rPr lang="en-US" smtClean="0"/>
               <a:t>Fifth level</a:t>
             </a:r>
-            <a:endParaRPr lang="en-US" dirty="0"/>
+            <a:endParaRPr lang="fa-IR"/>
           </a:p>
         </p:txBody>
       </p:sp>
@@ -8535,8 +5779,8 @@
         </p:nvSpPr>
         <p:spPr>
           <a:xfrm>
-            <a:off x="7205133" y="6041362"/>
-            <a:ext cx="911939" cy="365125"/>
+            <a:off x="838200" y="6356350"/>
+            <a:ext cx="2743200" cy="365125"/>
           </a:xfrm>
           <a:prstGeom prst="rect">
             <a:avLst/>
@@ -8546,7 +5790,7 @@
           <a:bodyPr vert="horz" lIns="91440" tIns="45720" rIns="91440" bIns="45720" rtlCol="0" anchor="ctr"/>
           <a:lstStyle>
             <a:lvl1pPr algn="r">
-              <a:defRPr sz="900">
+              <a:defRPr sz="1200">
                 <a:solidFill>
                   <a:schemeClr val="tx1">
                     <a:tint val="75000"/>
@@ -8558,7 +5802,7 @@
           <a:p>
             <a:fld id="{0083D68B-0458-4622-8439-EF1CD618009C}" type="uaqdatetime1">
               <a:rPr lang="fa-IR" smtClean="0"/>
-              <a:t>07/06/1443</a:t>
+              <a:t>08/06/1443</a:t>
             </a:fld>
             <a:endParaRPr lang="en-US"/>
           </a:p>
@@ -8576,8 +5820,8 @@
         </p:nvSpPr>
         <p:spPr>
           <a:xfrm>
-            <a:off x="677334" y="6041362"/>
-            <a:ext cx="6297612" cy="365125"/>
+            <a:off x="4038600" y="6356350"/>
+            <a:ext cx="4114800" cy="365125"/>
           </a:xfrm>
           <a:prstGeom prst="rect">
             <a:avLst/>
@@ -8586,8 +5830,8 @@
         <p:txBody>
           <a:bodyPr vert="horz" lIns="91440" tIns="45720" rIns="91440" bIns="45720" rtlCol="0" anchor="ctr"/>
           <a:lstStyle>
-            <a:lvl1pPr algn="l">
-              <a:defRPr sz="900">
+            <a:lvl1pPr algn="ctr">
+              <a:defRPr sz="1200">
                 <a:solidFill>
                   <a:schemeClr val="tx1">
                     <a:tint val="75000"/>
@@ -8613,8 +5857,8 @@
         </p:nvSpPr>
         <p:spPr>
           <a:xfrm>
-            <a:off x="8590663" y="6041362"/>
-            <a:ext cx="683339" cy="365125"/>
+            <a:off x="8610600" y="6356350"/>
+            <a:ext cx="2743200" cy="365125"/>
           </a:xfrm>
           <a:prstGeom prst="rect">
             <a:avLst/>
@@ -8623,10 +5867,12 @@
         <p:txBody>
           <a:bodyPr vert="horz" lIns="91440" tIns="45720" rIns="91440" bIns="45720" rtlCol="0" anchor="ctr"/>
           <a:lstStyle>
-            <a:lvl1pPr algn="r">
-              <a:defRPr sz="900">
-                <a:solidFill>
-                  <a:schemeClr val="accent1"/>
+            <a:lvl1pPr algn="l">
+              <a:defRPr sz="1200">
+                <a:solidFill>
+                  <a:schemeClr val="tx1">
+                    <a:tint val="75000"/>
+                  </a:schemeClr>
                 </a:solidFill>
               </a:defRPr>
             </a:lvl1pPr>
@@ -8640,356 +5886,212 @@
           </a:p>
         </p:txBody>
       </p:sp>
-      <p:pic>
-        <p:nvPicPr>
-          <p:cNvPr id="18" name="Picture 17"/>
-          <p:cNvPicPr>
-            <a:picLocks noChangeAspect="1"/>
-          </p:cNvPicPr>
-          <p:nvPr userDrawn="1"/>
-        </p:nvPicPr>
-        <p:blipFill>
-          <a:blip r:embed="rId18">
-            <a:extLst>
-              <a:ext uri="{28A0092B-C50C-407E-A947-70E740481C1C}">
-                <a14:useLocalDpi xmlns:a14="http://schemas.microsoft.com/office/drawing/2010/main" val="0"/>
-              </a:ext>
-            </a:extLst>
-          </a:blip>
-          <a:stretch>
-            <a:fillRect/>
-          </a:stretch>
-        </p:blipFill>
-        <p:spPr>
-          <a:xfrm>
-            <a:off x="10677763" y="279741"/>
-            <a:ext cx="1122352" cy="1496330"/>
-          </a:xfrm>
-          <a:prstGeom prst="rect">
-            <a:avLst/>
-          </a:prstGeom>
-        </p:spPr>
-      </p:pic>
     </p:spTree>
     <p:extLst>
       <p:ext uri="{BB962C8B-B14F-4D97-AF65-F5344CB8AC3E}">
-        <p14:creationId xmlns:p14="http://schemas.microsoft.com/office/powerpoint/2010/main" val="3148188424"/>
+        <p14:creationId xmlns:p14="http://schemas.microsoft.com/office/powerpoint/2010/main" val="1240779405"/>
       </p:ext>
     </p:extLst>
   </p:cSld>
   <p:clrMap bg1="lt1" tx1="dk1" bg2="lt2" tx2="dk2" accent1="accent1" accent2="accent2" accent3="accent3" accent4="accent4" accent5="accent5" accent6="accent6" hlink="hlink" folHlink="folHlink"/>
   <p:sldLayoutIdLst>
-    <p:sldLayoutId id="2147483715" r:id="rId1"/>
-    <p:sldLayoutId id="2147483716" r:id="rId2"/>
-    <p:sldLayoutId id="2147483717" r:id="rId3"/>
-    <p:sldLayoutId id="2147483718" r:id="rId4"/>
-    <p:sldLayoutId id="2147483719" r:id="rId5"/>
-    <p:sldLayoutId id="2147483720" r:id="rId6"/>
-    <p:sldLayoutId id="2147483721" r:id="rId7"/>
-    <p:sldLayoutId id="2147483722" r:id="rId8"/>
-    <p:sldLayoutId id="2147483723" r:id="rId9"/>
-    <p:sldLayoutId id="2147483724" r:id="rId10"/>
-    <p:sldLayoutId id="2147483725" r:id="rId11"/>
-    <p:sldLayoutId id="2147483726" r:id="rId12"/>
-    <p:sldLayoutId id="2147483727" r:id="rId13"/>
-    <p:sldLayoutId id="2147483728" r:id="rId14"/>
-    <p:sldLayoutId id="2147483729" r:id="rId15"/>
-    <p:sldLayoutId id="2147483730" r:id="rId16"/>
+    <p:sldLayoutId id="2147483685" r:id="rId1"/>
+    <p:sldLayoutId id="2147483686" r:id="rId2"/>
+    <p:sldLayoutId id="2147483687" r:id="rId3"/>
+    <p:sldLayoutId id="2147483688" r:id="rId4"/>
+    <p:sldLayoutId id="2147483689" r:id="rId5"/>
+    <p:sldLayoutId id="2147483690" r:id="rId6"/>
+    <p:sldLayoutId id="2147483691" r:id="rId7"/>
+    <p:sldLayoutId id="2147483692" r:id="rId8"/>
+    <p:sldLayoutId id="2147483693" r:id="rId9"/>
+    <p:sldLayoutId id="2147483694" r:id="rId10"/>
+    <p:sldLayoutId id="2147483695" r:id="rId11"/>
   </p:sldLayoutIdLst>
+  <p:timing>
+    <p:tnLst>
+      <p:par>
+        <p:cTn id="1" dur="indefinite" restart="never" nodeType="tmRoot"/>
+      </p:par>
+    </p:tnLst>
+  </p:timing>
   <p:hf hdr="0" ftr="0"/>
   <p:txStyles>
     <p:titleStyle>
-      <a:lvl1pPr algn="l" defTabSz="457200" rtl="0" eaLnBrk="1" latinLnBrk="0" hangingPunct="1">
+      <a:lvl1pPr algn="l" defTabSz="914400" rtl="0" eaLnBrk="1" latinLnBrk="0" hangingPunct="1">
+        <a:lnSpc>
+          <a:spcPct val="90000"/>
+        </a:lnSpc>
         <a:spcBef>
           <a:spcPct val="0"/>
         </a:spcBef>
         <a:buNone/>
-        <a:defRPr sz="3600" kern="1200">
+        <a:defRPr sz="4400" kern="1200">
           <a:solidFill>
-            <a:schemeClr val="accent1"/>
+            <a:schemeClr val="tx1"/>
           </a:solidFill>
           <a:latin typeface="+mj-lt"/>
           <a:ea typeface="+mj-ea"/>
           <a:cs typeface="+mj-cs"/>
         </a:defRPr>
       </a:lvl1pPr>
-      <a:lvl2pPr eaLnBrk="1" hangingPunct="1">
-        <a:defRPr>
-          <a:solidFill>
-            <a:schemeClr val="tx2"/>
-          </a:solidFill>
-        </a:defRPr>
-      </a:lvl2pPr>
-      <a:lvl3pPr eaLnBrk="1" hangingPunct="1">
-        <a:defRPr>
-          <a:solidFill>
-            <a:schemeClr val="tx2"/>
-          </a:solidFill>
-        </a:defRPr>
-      </a:lvl3pPr>
-      <a:lvl4pPr eaLnBrk="1" hangingPunct="1">
-        <a:defRPr>
-          <a:solidFill>
-            <a:schemeClr val="tx2"/>
-          </a:solidFill>
-        </a:defRPr>
-      </a:lvl4pPr>
-      <a:lvl5pPr eaLnBrk="1" hangingPunct="1">
-        <a:defRPr>
-          <a:solidFill>
-            <a:schemeClr val="tx2"/>
-          </a:solidFill>
-        </a:defRPr>
-      </a:lvl5pPr>
-      <a:lvl6pPr eaLnBrk="1" hangingPunct="1">
-        <a:defRPr>
-          <a:solidFill>
-            <a:schemeClr val="tx2"/>
-          </a:solidFill>
-        </a:defRPr>
-      </a:lvl6pPr>
-      <a:lvl7pPr eaLnBrk="1" hangingPunct="1">
-        <a:defRPr>
-          <a:solidFill>
-            <a:schemeClr val="tx2"/>
-          </a:solidFill>
-        </a:defRPr>
-      </a:lvl7pPr>
-      <a:lvl8pPr eaLnBrk="1" hangingPunct="1">
-        <a:defRPr>
-          <a:solidFill>
-            <a:schemeClr val="tx2"/>
-          </a:solidFill>
-        </a:defRPr>
-      </a:lvl8pPr>
-      <a:lvl9pPr eaLnBrk="1" hangingPunct="1">
-        <a:defRPr>
-          <a:solidFill>
-            <a:schemeClr val="tx2"/>
-          </a:solidFill>
-        </a:defRPr>
-      </a:lvl9pPr>
     </p:titleStyle>
     <p:bodyStyle>
-      <a:lvl1pPr marL="342900" indent="-342900" algn="l" defTabSz="457200" rtl="0" eaLnBrk="1" latinLnBrk="0" hangingPunct="1">
+      <a:lvl1pPr marL="228600" indent="-228600" algn="l" defTabSz="914400" rtl="0" eaLnBrk="1" latinLnBrk="0" hangingPunct="1">
+        <a:lnSpc>
+          <a:spcPct val="90000"/>
+        </a:lnSpc>
         <a:spcBef>
           <a:spcPts val="1000"/>
         </a:spcBef>
-        <a:spcAft>
-          <a:spcPts val="0"/>
-        </a:spcAft>
-        <a:buClr>
-          <a:schemeClr val="accent1"/>
-        </a:buClr>
-        <a:buSzPct val="80000"/>
-        <a:buFont typeface="Wingdings 3" charset="2"/>
-        <a:buChar char=""/>
-        <a:defRPr sz="1800" kern="1200">
+        <a:buFont typeface="Arial" panose="020B0604020202020204" pitchFamily="34" charset="0"/>
+        <a:buChar char="•"/>
+        <a:defRPr sz="2800" kern="1200">
           <a:solidFill>
-            <a:schemeClr val="tx1">
-              <a:lumMod val="75000"/>
-              <a:lumOff val="25000"/>
-            </a:schemeClr>
+            <a:schemeClr val="tx1"/>
           </a:solidFill>
           <a:latin typeface="+mn-lt"/>
           <a:ea typeface="+mn-ea"/>
           <a:cs typeface="+mn-cs"/>
         </a:defRPr>
       </a:lvl1pPr>
-      <a:lvl2pPr marL="742950" indent="-285750" algn="l" defTabSz="457200" rtl="0" eaLnBrk="1" latinLnBrk="0" hangingPunct="1">
+      <a:lvl2pPr marL="685800" indent="-228600" algn="l" defTabSz="914400" rtl="0" eaLnBrk="1" latinLnBrk="0" hangingPunct="1">
+        <a:lnSpc>
+          <a:spcPct val="90000"/>
+        </a:lnSpc>
         <a:spcBef>
-          <a:spcPts val="1000"/>
+          <a:spcPts val="500"/>
         </a:spcBef>
-        <a:spcAft>
-          <a:spcPts val="0"/>
-        </a:spcAft>
-        <a:buClr>
-          <a:schemeClr val="accent1"/>
-        </a:buClr>
-        <a:buSzPct val="80000"/>
-        <a:buFont typeface="Wingdings 3" charset="2"/>
-        <a:buChar char=""/>
-        <a:defRPr sz="1600" kern="1200">
+        <a:buFont typeface="Arial" panose="020B0604020202020204" pitchFamily="34" charset="0"/>
+        <a:buChar char="•"/>
+        <a:defRPr sz="2400" kern="1200">
           <a:solidFill>
-            <a:schemeClr val="tx1">
-              <a:lumMod val="75000"/>
-              <a:lumOff val="25000"/>
-            </a:schemeClr>
+            <a:schemeClr val="tx1"/>
           </a:solidFill>
           <a:latin typeface="+mn-lt"/>
           <a:ea typeface="+mn-ea"/>
           <a:cs typeface="+mn-cs"/>
         </a:defRPr>
       </a:lvl2pPr>
-      <a:lvl3pPr marL="1143000" indent="-228600" algn="l" defTabSz="457200" rtl="0" eaLnBrk="1" latinLnBrk="0" hangingPunct="1">
+      <a:lvl3pPr marL="1143000" indent="-228600" algn="l" defTabSz="914400" rtl="0" eaLnBrk="1" latinLnBrk="0" hangingPunct="1">
+        <a:lnSpc>
+          <a:spcPct val="90000"/>
+        </a:lnSpc>
         <a:spcBef>
-          <a:spcPts val="1000"/>
+          <a:spcPts val="500"/>
         </a:spcBef>
-        <a:spcAft>
-          <a:spcPts val="0"/>
-        </a:spcAft>
-        <a:buClr>
-          <a:schemeClr val="accent1"/>
-        </a:buClr>
-        <a:buSzPct val="80000"/>
-        <a:buFont typeface="Wingdings 3" charset="2"/>
-        <a:buChar char=""/>
-        <a:defRPr sz="1400" kern="1200">
+        <a:buFont typeface="Arial" panose="020B0604020202020204" pitchFamily="34" charset="0"/>
+        <a:buChar char="•"/>
+        <a:defRPr sz="2000" kern="1200">
           <a:solidFill>
-            <a:schemeClr val="tx1">
-              <a:lumMod val="75000"/>
-              <a:lumOff val="25000"/>
-            </a:schemeClr>
+            <a:schemeClr val="tx1"/>
           </a:solidFill>
           <a:latin typeface="+mn-lt"/>
           <a:ea typeface="+mn-ea"/>
           <a:cs typeface="+mn-cs"/>
         </a:defRPr>
       </a:lvl3pPr>
-      <a:lvl4pPr marL="1600200" indent="-228600" algn="l" defTabSz="457200" rtl="0" eaLnBrk="1" latinLnBrk="0" hangingPunct="1">
+      <a:lvl4pPr marL="1600200" indent="-228600" algn="l" defTabSz="914400" rtl="0" eaLnBrk="1" latinLnBrk="0" hangingPunct="1">
+        <a:lnSpc>
+          <a:spcPct val="90000"/>
+        </a:lnSpc>
         <a:spcBef>
-          <a:spcPts val="1000"/>
+          <a:spcPts val="500"/>
         </a:spcBef>
-        <a:spcAft>
-          <a:spcPts val="0"/>
-        </a:spcAft>
-        <a:buClr>
-          <a:schemeClr val="accent1"/>
-        </a:buClr>
-        <a:buSzPct val="80000"/>
-        <a:buFont typeface="Wingdings 3" charset="2"/>
-        <a:buChar char=""/>
-        <a:defRPr sz="1200" kern="1200">
+        <a:buFont typeface="Arial" panose="020B0604020202020204" pitchFamily="34" charset="0"/>
+        <a:buChar char="•"/>
+        <a:defRPr sz="1800" kern="1200">
           <a:solidFill>
-            <a:schemeClr val="tx1">
-              <a:lumMod val="75000"/>
-              <a:lumOff val="25000"/>
-            </a:schemeClr>
+            <a:schemeClr val="tx1"/>
           </a:solidFill>
           <a:latin typeface="+mn-lt"/>
           <a:ea typeface="+mn-ea"/>
           <a:cs typeface="+mn-cs"/>
         </a:defRPr>
       </a:lvl4pPr>
-      <a:lvl5pPr marL="2057400" indent="-228600" algn="l" defTabSz="457200" rtl="0" eaLnBrk="1" latinLnBrk="0" hangingPunct="1">
+      <a:lvl5pPr marL="2057400" indent="-228600" algn="l" defTabSz="914400" rtl="0" eaLnBrk="1" latinLnBrk="0" hangingPunct="1">
+        <a:lnSpc>
+          <a:spcPct val="90000"/>
+        </a:lnSpc>
         <a:spcBef>
-          <a:spcPts val="1000"/>
+          <a:spcPts val="500"/>
         </a:spcBef>
-        <a:spcAft>
-          <a:spcPts val="0"/>
-        </a:spcAft>
-        <a:buClr>
-          <a:schemeClr val="accent1"/>
-        </a:buClr>
-        <a:buSzPct val="80000"/>
-        <a:buFont typeface="Wingdings 3" charset="2"/>
-        <a:buChar char=""/>
-        <a:defRPr sz="1200" kern="1200">
+        <a:buFont typeface="Arial" panose="020B0604020202020204" pitchFamily="34" charset="0"/>
+        <a:buChar char="•"/>
+        <a:defRPr sz="1800" kern="1200">
           <a:solidFill>
-            <a:schemeClr val="tx1">
-              <a:lumMod val="75000"/>
-              <a:lumOff val="25000"/>
-            </a:schemeClr>
+            <a:schemeClr val="tx1"/>
           </a:solidFill>
           <a:latin typeface="+mn-lt"/>
           <a:ea typeface="+mn-ea"/>
           <a:cs typeface="+mn-cs"/>
         </a:defRPr>
       </a:lvl5pPr>
-      <a:lvl6pPr marL="2514600" indent="-228600" algn="l" defTabSz="457200" rtl="0" eaLnBrk="1" latinLnBrk="0" hangingPunct="1">
+      <a:lvl6pPr marL="2514600" indent="-228600" algn="l" defTabSz="914400" rtl="0" eaLnBrk="1" latinLnBrk="0" hangingPunct="1">
+        <a:lnSpc>
+          <a:spcPct val="90000"/>
+        </a:lnSpc>
         <a:spcBef>
-          <a:spcPts val="1000"/>
+          <a:spcPts val="500"/>
         </a:spcBef>
-        <a:spcAft>
-          <a:spcPts val="0"/>
-        </a:spcAft>
-        <a:buClr>
-          <a:schemeClr val="accent1"/>
-        </a:buClr>
-        <a:buSzPct val="80000"/>
-        <a:buFont typeface="Wingdings 3" charset="2"/>
-        <a:buChar char=""/>
-        <a:defRPr sz="1200" kern="1200">
+        <a:buFont typeface="Arial" panose="020B0604020202020204" pitchFamily="34" charset="0"/>
+        <a:buChar char="•"/>
+        <a:defRPr sz="1800" kern="1200">
           <a:solidFill>
-            <a:schemeClr val="tx1">
-              <a:lumMod val="75000"/>
-              <a:lumOff val="25000"/>
-            </a:schemeClr>
+            <a:schemeClr val="tx1"/>
           </a:solidFill>
           <a:latin typeface="+mn-lt"/>
           <a:ea typeface="+mn-ea"/>
           <a:cs typeface="+mn-cs"/>
         </a:defRPr>
       </a:lvl6pPr>
-      <a:lvl7pPr marL="2971800" indent="-228600" algn="l" defTabSz="457200" rtl="0" eaLnBrk="1" latinLnBrk="0" hangingPunct="1">
+      <a:lvl7pPr marL="2971800" indent="-228600" algn="l" defTabSz="914400" rtl="0" eaLnBrk="1" latinLnBrk="0" hangingPunct="1">
+        <a:lnSpc>
+          <a:spcPct val="90000"/>
+        </a:lnSpc>
         <a:spcBef>
-          <a:spcPts val="1000"/>
+          <a:spcPts val="500"/>
         </a:spcBef>
-        <a:spcAft>
-          <a:spcPts val="0"/>
-        </a:spcAft>
-        <a:buClr>
-          <a:schemeClr val="accent1"/>
-        </a:buClr>
-        <a:buSzPct val="80000"/>
-        <a:buFont typeface="Wingdings 3" charset="2"/>
-        <a:buChar char=""/>
-        <a:defRPr sz="1200" kern="1200">
+        <a:buFont typeface="Arial" panose="020B0604020202020204" pitchFamily="34" charset="0"/>
+        <a:buChar char="•"/>
+        <a:defRPr sz="1800" kern="1200">
           <a:solidFill>
-            <a:schemeClr val="tx1">
-              <a:lumMod val="75000"/>
-              <a:lumOff val="25000"/>
-            </a:schemeClr>
+            <a:schemeClr val="tx1"/>
           </a:solidFill>
           <a:latin typeface="+mn-lt"/>
           <a:ea typeface="+mn-ea"/>
           <a:cs typeface="+mn-cs"/>
         </a:defRPr>
       </a:lvl7pPr>
-      <a:lvl8pPr marL="3429000" indent="-228600" algn="l" defTabSz="457200" rtl="0" eaLnBrk="1" latinLnBrk="0" hangingPunct="1">
+      <a:lvl8pPr marL="3429000" indent="-228600" algn="l" defTabSz="914400" rtl="0" eaLnBrk="1" latinLnBrk="0" hangingPunct="1">
+        <a:lnSpc>
+          <a:spcPct val="90000"/>
+        </a:lnSpc>
         <a:spcBef>
-          <a:spcPts val="1000"/>
+          <a:spcPts val="500"/>
         </a:spcBef>
-        <a:spcAft>
-          <a:spcPts val="0"/>
-        </a:spcAft>
-        <a:buClr>
-          <a:schemeClr val="accent1"/>
-        </a:buClr>
-        <a:buSzPct val="80000"/>
-        <a:buFont typeface="Wingdings 3" charset="2"/>
-        <a:buChar char=""/>
-        <a:defRPr sz="1200" kern="1200">
+        <a:buFont typeface="Arial" panose="020B0604020202020204" pitchFamily="34" charset="0"/>
+        <a:buChar char="•"/>
+        <a:defRPr sz="1800" kern="1200">
           <a:solidFill>
-            <a:schemeClr val="tx1">
-              <a:lumMod val="75000"/>
-              <a:lumOff val="25000"/>
-            </a:schemeClr>
+            <a:schemeClr val="tx1"/>
           </a:solidFill>
           <a:latin typeface="+mn-lt"/>
           <a:ea typeface="+mn-ea"/>
           <a:cs typeface="+mn-cs"/>
         </a:defRPr>
       </a:lvl8pPr>
-      <a:lvl9pPr marL="3886200" indent="-228600" algn="l" defTabSz="457200" rtl="0" eaLnBrk="1" latinLnBrk="0" hangingPunct="1">
+      <a:lvl9pPr marL="3886200" indent="-228600" algn="l" defTabSz="914400" rtl="0" eaLnBrk="1" latinLnBrk="0" hangingPunct="1">
+        <a:lnSpc>
+          <a:spcPct val="90000"/>
+        </a:lnSpc>
         <a:spcBef>
-          <a:spcPts val="1000"/>
+          <a:spcPts val="500"/>
         </a:spcBef>
-        <a:spcAft>
-          <a:spcPts val="0"/>
-        </a:spcAft>
-        <a:buClr>
-          <a:schemeClr val="accent1"/>
-        </a:buClr>
-        <a:buSzPct val="80000"/>
-        <a:buFont typeface="Wingdings 3" charset="2"/>
-        <a:buChar char=""/>
-        <a:defRPr sz="1200" kern="1200">
+        <a:buFont typeface="Arial" panose="020B0604020202020204" pitchFamily="34" charset="0"/>
+        <a:buChar char="•"/>
+        <a:defRPr sz="1800" kern="1200">
           <a:solidFill>
-            <a:schemeClr val="tx1">
-              <a:lumMod val="75000"/>
-              <a:lumOff val="25000"/>
-            </a:schemeClr>
+            <a:schemeClr val="tx1"/>
           </a:solidFill>
           <a:latin typeface="+mn-lt"/>
           <a:ea typeface="+mn-ea"/>
@@ -8999,9 +6101,9 @@
     </p:bodyStyle>
     <p:otherStyle>
       <a:defPPr>
-        <a:defRPr lang="en-US"/>
+        <a:defRPr lang="fa-IR"/>
       </a:defPPr>
-      <a:lvl1pPr marL="0" algn="l" defTabSz="457200" rtl="0" eaLnBrk="1" latinLnBrk="0" hangingPunct="1">
+      <a:lvl1pPr marL="0" algn="l" defTabSz="914400" rtl="0" eaLnBrk="1" latinLnBrk="0" hangingPunct="1">
         <a:defRPr sz="1800" kern="1200">
           <a:solidFill>
             <a:schemeClr val="tx1"/>
@@ -9011,7 +6113,7 @@
           <a:cs typeface="+mn-cs"/>
         </a:defRPr>
       </a:lvl1pPr>
-      <a:lvl2pPr marL="457200" algn="l" defTabSz="457200" rtl="0" eaLnBrk="1" latinLnBrk="0" hangingPunct="1">
+      <a:lvl2pPr marL="457200" algn="l" defTabSz="914400" rtl="0" eaLnBrk="1" latinLnBrk="0" hangingPunct="1">
         <a:defRPr sz="1800" kern="1200">
           <a:solidFill>
             <a:schemeClr val="tx1"/>
@@ -9021,7 +6123,7 @@
           <a:cs typeface="+mn-cs"/>
         </a:defRPr>
       </a:lvl2pPr>
-      <a:lvl3pPr marL="914400" algn="l" defTabSz="457200" rtl="0" eaLnBrk="1" latinLnBrk="0" hangingPunct="1">
+      <a:lvl3pPr marL="914400" algn="l" defTabSz="914400" rtl="0" eaLnBrk="1" latinLnBrk="0" hangingPunct="1">
         <a:defRPr sz="1800" kern="1200">
           <a:solidFill>
             <a:schemeClr val="tx1"/>
@@ -9031,7 +6133,7 @@
           <a:cs typeface="+mn-cs"/>
         </a:defRPr>
       </a:lvl3pPr>
-      <a:lvl4pPr marL="1371600" algn="l" defTabSz="457200" rtl="0" eaLnBrk="1" latinLnBrk="0" hangingPunct="1">
+      <a:lvl4pPr marL="1371600" algn="l" defTabSz="914400" rtl="0" eaLnBrk="1" latinLnBrk="0" hangingPunct="1">
         <a:defRPr sz="1800" kern="1200">
           <a:solidFill>
             <a:schemeClr val="tx1"/>
@@ -9041,7 +6143,7 @@
           <a:cs typeface="+mn-cs"/>
         </a:defRPr>
       </a:lvl4pPr>
-      <a:lvl5pPr marL="1828800" algn="l" defTabSz="457200" rtl="0" eaLnBrk="1" latinLnBrk="0" hangingPunct="1">
+      <a:lvl5pPr marL="1828800" algn="l" defTabSz="914400" rtl="0" eaLnBrk="1" latinLnBrk="0" hangingPunct="1">
         <a:defRPr sz="1800" kern="1200">
           <a:solidFill>
             <a:schemeClr val="tx1"/>
@@ -9051,7 +6153,7 @@
           <a:cs typeface="+mn-cs"/>
         </a:defRPr>
       </a:lvl5pPr>
-      <a:lvl6pPr marL="2286000" algn="l" defTabSz="457200" rtl="0" eaLnBrk="1" latinLnBrk="0" hangingPunct="1">
+      <a:lvl6pPr marL="2286000" algn="l" defTabSz="914400" rtl="0" eaLnBrk="1" latinLnBrk="0" hangingPunct="1">
         <a:defRPr sz="1800" kern="1200">
           <a:solidFill>
             <a:schemeClr val="tx1"/>
@@ -9061,7 +6163,7 @@
           <a:cs typeface="+mn-cs"/>
         </a:defRPr>
       </a:lvl6pPr>
-      <a:lvl7pPr marL="2743200" algn="l" defTabSz="457200" rtl="0" eaLnBrk="1" latinLnBrk="0" hangingPunct="1">
+      <a:lvl7pPr marL="2743200" algn="l" defTabSz="914400" rtl="0" eaLnBrk="1" latinLnBrk="0" hangingPunct="1">
         <a:defRPr sz="1800" kern="1200">
           <a:solidFill>
             <a:schemeClr val="tx1"/>
@@ -9071,7 +6173,7 @@
           <a:cs typeface="+mn-cs"/>
         </a:defRPr>
       </a:lvl7pPr>
-      <a:lvl8pPr marL="3200400" algn="l" defTabSz="457200" rtl="0" eaLnBrk="1" latinLnBrk="0" hangingPunct="1">
+      <a:lvl8pPr marL="3200400" algn="l" defTabSz="914400" rtl="0" eaLnBrk="1" latinLnBrk="0" hangingPunct="1">
         <a:defRPr sz="1800" kern="1200">
           <a:solidFill>
             <a:schemeClr val="tx1"/>
@@ -9081,7 +6183,7 @@
           <a:cs typeface="+mn-cs"/>
         </a:defRPr>
       </a:lvl8pPr>
-      <a:lvl9pPr marL="3657600" algn="l" defTabSz="457200" rtl="0" eaLnBrk="1" latinLnBrk="0" hangingPunct="1">
+      <a:lvl9pPr marL="3657600" algn="l" defTabSz="914400" rtl="0" eaLnBrk="1" latinLnBrk="0" hangingPunct="1">
         <a:defRPr sz="1800" kern="1200">
           <a:solidFill>
             <a:schemeClr val="tx1"/>
@@ -9131,7 +6233,7 @@
         </p:spPr>
         <p:txBody>
           <a:bodyPr>
-            <a:normAutofit fontScale="92500" lnSpcReduction="10000"/>
+            <a:normAutofit/>
           </a:bodyPr>
           <a:lstStyle/>
           <a:p>
@@ -9270,7 +6372,7 @@
           <a:p>
             <a:fld id="{8C0179CC-04B9-4F54-B86D-A42F84AF298F}" type="uaqdatetime1">
               <a:rPr lang="fa-IR" smtClean="0"/>
-              <a:t>07/06/1443</a:t>
+              <a:t>08/06/1443</a:t>
             </a:fld>
             <a:endParaRPr lang="en-US"/>
           </a:p>
@@ -9383,7 +6485,9 @@
           </a:xfrm>
         </p:spPr>
         <p:txBody>
-          <a:bodyPr/>
+          <a:bodyPr>
+            <a:normAutofit/>
+          </a:bodyPr>
           <a:lstStyle/>
           <a:p>
             <a:pPr algn="ctr"/>
@@ -9417,15 +6521,20 @@
         </p:nvSpPr>
         <p:spPr/>
         <p:txBody>
-          <a:bodyPr/>
+          <a:bodyPr>
+            <a:normAutofit/>
+          </a:bodyPr>
           <a:lstStyle/>
           <a:p>
             <a:pPr algn="r" rtl="1">
               <a:buFont typeface="Wingdings" panose="05000000000000000000" pitchFamily="2" charset="2"/>
-              <a:buChar char="§"/>
+              <a:buChar char="q"/>
             </a:pPr>
             <a:r>
-              <a:rPr lang="fa-IR" dirty="0" smtClean="0">
+              <a:rPr lang="fa-IR" sz="2000" dirty="0" smtClean="0">
+                <a:solidFill>
+                  <a:srgbClr val="C00000"/>
+                </a:solidFill>
                 <a:cs typeface="B Nazanin" panose="00000400000000000000" pitchFamily="2" charset="-78"/>
               </a:rPr>
               <a:t>تجمیع سیستم‌های ناهمگن</a:t>
@@ -9434,10 +6543,13 @@
           <a:p>
             <a:pPr algn="r" rtl="1">
               <a:buFont typeface="Wingdings" panose="05000000000000000000" pitchFamily="2" charset="2"/>
-              <a:buChar char="§"/>
+              <a:buChar char="q"/>
             </a:pPr>
             <a:r>
-              <a:rPr lang="fa-IR" dirty="0" smtClean="0">
+              <a:rPr lang="fa-IR" sz="2000" dirty="0" smtClean="0">
+                <a:solidFill>
+                  <a:srgbClr val="C00000"/>
+                </a:solidFill>
                 <a:cs typeface="B Nazanin" panose="00000400000000000000" pitchFamily="2" charset="-78"/>
               </a:rPr>
               <a:t>ظرفیت خروجی بالا </a:t>
@@ -9446,10 +6558,13 @@
           <a:p>
             <a:pPr algn="r" rtl="1">
               <a:buFont typeface="Wingdings" panose="05000000000000000000" pitchFamily="2" charset="2"/>
-              <a:buChar char="§"/>
+              <a:buChar char="q"/>
             </a:pPr>
             <a:r>
-              <a:rPr lang="fa-IR" dirty="0" smtClean="0">
+              <a:rPr lang="fa-IR" sz="2000" dirty="0" smtClean="0">
+                <a:solidFill>
+                  <a:srgbClr val="C00000"/>
+                </a:solidFill>
                 <a:cs typeface="B Nazanin" panose="00000400000000000000" pitchFamily="2" charset="-78"/>
               </a:rPr>
               <a:t>نظارت بر منابع </a:t>
@@ -9460,12 +6575,12 @@
               <a:buNone/>
             </a:pPr>
             <a:r>
-              <a:rPr lang="fa-IR" dirty="0" smtClean="0">
+              <a:rPr lang="fa-IR" sz="2000" dirty="0" smtClean="0">
                 <a:cs typeface="B Nazanin" panose="00000400000000000000" pitchFamily="2" charset="-78"/>
               </a:rPr>
               <a:t>به جای بررسی مداوم منابع خود می‌شود از الگوی معماری رویداد محور برای نظارت و دریافت هشدار نسبت به هرگونه رخدادی در مورد منابع استفاده کرد .</a:t>
             </a:r>
-            <a:endParaRPr lang="en-US" dirty="0">
+            <a:endParaRPr lang="en-US" sz="2000" dirty="0">
               <a:cs typeface="B Nazanin" panose="00000400000000000000" pitchFamily="2" charset="-78"/>
             </a:endParaRPr>
           </a:p>
@@ -9488,7 +6603,7 @@
           <a:p>
             <a:fld id="{C2DB2716-ABCB-47E4-A5E7-31908A35B483}" type="uaqdatetime1">
               <a:rPr lang="fa-IR" smtClean="0"/>
-              <a:t>07/06/1443</a:t>
+              <a:t>08/06/1443</a:t>
             </a:fld>
             <a:endParaRPr lang="en-US"/>
           </a:p>
@@ -9564,7 +6679,12 @@
             <p:ph type="title"/>
           </p:nvPr>
         </p:nvSpPr>
-        <p:spPr/>
+        <p:spPr>
+          <a:xfrm>
+            <a:off x="838200" y="365126"/>
+            <a:ext cx="10515600" cy="983384"/>
+          </a:xfrm>
+        </p:spPr>
         <p:txBody>
           <a:bodyPr/>
           <a:lstStyle/>
@@ -9598,12 +6718,47 @@
             <p:ph idx="1"/>
           </p:nvPr>
         </p:nvSpPr>
-        <p:spPr/>
+        <p:spPr>
+          <a:xfrm>
+            <a:off x="677334" y="1348510"/>
+            <a:ext cx="11154448" cy="4692852"/>
+          </a:xfrm>
+        </p:spPr>
         <p:txBody>
           <a:bodyPr>
             <a:normAutofit/>
           </a:bodyPr>
           <a:lstStyle/>
+          <a:p>
+            <a:pPr algn="r" rtl="1">
+              <a:buFont typeface="Wingdings" panose="05000000000000000000" pitchFamily="2" charset="2"/>
+              <a:buChar char="q"/>
+            </a:pPr>
+            <a:r>
+              <a:rPr lang="fa-IR" sz="2000" dirty="0" smtClean="0">
+                <a:solidFill>
+                  <a:srgbClr val="C00000"/>
+                </a:solidFill>
+                <a:cs typeface="B Nazanin" panose="00000400000000000000" pitchFamily="2" charset="-78"/>
+              </a:rPr>
+              <a:t> قابلیت </a:t>
+            </a:r>
+            <a:r>
+              <a:rPr lang="fa-IR" sz="2000" dirty="0" smtClean="0">
+                <a:solidFill>
+                  <a:srgbClr val="C00000"/>
+                </a:solidFill>
+                <a:cs typeface="B Nazanin" panose="00000400000000000000" pitchFamily="2" charset="-78"/>
+              </a:rPr>
+              <a:t>تحمل خطا و بافرکردن </a:t>
+            </a:r>
+            <a:endParaRPr lang="fa-IR" sz="2000" dirty="0" smtClean="0">
+              <a:solidFill>
+                <a:srgbClr val="C00000"/>
+              </a:solidFill>
+              <a:cs typeface="B Nazanin" panose="00000400000000000000" pitchFamily="2" charset="-78"/>
+            </a:endParaRPr>
+          </a:p>
           <a:p>
             <a:pPr algn="r" rtl="1">
               <a:buFont typeface="Arial" panose="020B0604020202020204" pitchFamily="34" charset="0"/>
@@ -9616,7 +6771,7 @@
                 </a:solidFill>
                 <a:cs typeface="B Nazanin" panose="00000400000000000000" pitchFamily="2" charset="-78"/>
               </a:rPr>
-              <a:t>قابلیت تحمل خطا و بافرکردن </a:t>
+              <a:t>رویدادها ناهمزامان هستند و به محض اینکه اتفاق بیافتند توسط تولييدكننده رويداد منتشر مي‌شوند.</a:t>
             </a:r>
           </a:p>
           <a:p>
@@ -9631,7 +6786,7 @@
                 </a:solidFill>
                 <a:cs typeface="B Nazanin" panose="00000400000000000000" pitchFamily="2" charset="-78"/>
               </a:rPr>
-              <a:t>اتصال سست یا جداسازی تولییدکنندگان و مصرف‌کنندگان</a:t>
+              <a:t>مولفه مصرف كننده نيز يا در اين رويدادها مشترك مي‌شوند يا از جريان داده برداشت مي‌كنند .</a:t>
             </a:r>
           </a:p>
           <a:p>
@@ -9646,45 +6801,139 @@
                 </a:solidFill>
                 <a:cs typeface="B Nazanin" panose="00000400000000000000" pitchFamily="2" charset="-78"/>
               </a:rPr>
-              <a:t>مقرون به صرفگی</a:t>
-            </a:r>
-          </a:p>
-          <a:p>
-            <a:pPr algn="r" rtl="1">
-              <a:buFont typeface="Arial" panose="020B0604020202020204" pitchFamily="34" charset="0"/>
-              <a:buChar char="•"/>
-            </a:pPr>
-            <a:r>
-              <a:rPr lang="fa-IR" sz="2000" dirty="0" smtClean="0">
-                <a:solidFill>
-                  <a:schemeClr val="tx1"/>
-                </a:solidFill>
-                <a:cs typeface="B Nazanin" panose="00000400000000000000" pitchFamily="2" charset="-78"/>
-              </a:rPr>
-              <a:t>قابلیت مقیاس پذیری زیاد</a:t>
-            </a:r>
-          </a:p>
-          <a:p>
-            <a:pPr algn="r" rtl="1">
-              <a:buFont typeface="Arial" panose="020B0604020202020204" pitchFamily="34" charset="0"/>
-              <a:buChar char="•"/>
-            </a:pPr>
-            <a:r>
-              <a:rPr lang="fa-IR" sz="2000" dirty="0" smtClean="0">
-                <a:solidFill>
-                  <a:schemeClr val="tx1"/>
-                </a:solidFill>
-                <a:cs typeface="B Nazanin" panose="00000400000000000000" pitchFamily="2" charset="-78"/>
-              </a:rPr>
-              <a:t>تجربه کاربری بلادرنگ بهتر</a:t>
-            </a:r>
-            <a:endParaRPr lang="en-US" sz="2000" dirty="0">
+              <a:t> بنابريان بر اثر از كارافتادن مصرف‌كننده ها ، رويداد ها در مسيرياب بافر مي‌شوند ، تا مصرف كننده ها از موقعيت شكست بيرون بيايند و اقدام به پردازش رويدادهاي ذخيره شده بنمايند . </a:t>
+            </a:r>
+            <a:endParaRPr lang="fa-IR" sz="2000" dirty="0" smtClean="0">
               <a:solidFill>
                 <a:schemeClr val="tx1"/>
               </a:solidFill>
               <a:cs typeface="B Nazanin" panose="00000400000000000000" pitchFamily="2" charset="-78"/>
             </a:endParaRPr>
           </a:p>
+          <a:p>
+            <a:pPr algn="r" rtl="1">
+              <a:buFont typeface="Wingdings" panose="05000000000000000000" pitchFamily="2" charset="2"/>
+              <a:buChar char="q"/>
+            </a:pPr>
+            <a:r>
+              <a:rPr lang="fa-IR" sz="2000" dirty="0" smtClean="0">
+                <a:solidFill>
+                  <a:srgbClr val="C00000"/>
+                </a:solidFill>
+                <a:cs typeface="B Nazanin" panose="00000400000000000000" pitchFamily="2" charset="-78"/>
+              </a:rPr>
+              <a:t> اتصال </a:t>
+            </a:r>
+            <a:r>
+              <a:rPr lang="fa-IR" sz="2000" dirty="0" smtClean="0">
+                <a:solidFill>
+                  <a:srgbClr val="C00000"/>
+                </a:solidFill>
+                <a:cs typeface="B Nazanin" panose="00000400000000000000" pitchFamily="2" charset="-78"/>
+              </a:rPr>
+              <a:t>سست یا جداسازی تولییدکنندگان و </a:t>
+            </a:r>
+            <a:r>
+              <a:rPr lang="fa-IR" sz="2000" dirty="0" smtClean="0">
+                <a:solidFill>
+                  <a:srgbClr val="C00000"/>
+                </a:solidFill>
+                <a:cs typeface="B Nazanin" panose="00000400000000000000" pitchFamily="2" charset="-78"/>
+              </a:rPr>
+              <a:t>مصرف‌کنندگان</a:t>
+            </a:r>
+          </a:p>
+          <a:p>
+            <a:pPr algn="r" rtl="1">
+              <a:buFont typeface="Wingdings" panose="05000000000000000000" pitchFamily="2" charset="2"/>
+              <a:buChar char="§"/>
+            </a:pPr>
+            <a:r>
+              <a:rPr lang="fa-IR" sz="2000" dirty="0" smtClean="0">
+                <a:solidFill>
+                  <a:schemeClr val="tx1"/>
+                </a:solidFill>
+                <a:cs typeface="B Nazanin" panose="00000400000000000000" pitchFamily="2" charset="-78"/>
+              </a:rPr>
+              <a:t>سيستم‌هايي كه از معماري رويداد محور استفاده مي‌كنند داراي اجزايي هستند كه به طور سست متصل شده اند .</a:t>
+            </a:r>
+          </a:p>
+          <a:p>
+            <a:pPr algn="r" rtl="1">
+              <a:buFont typeface="Wingdings" panose="05000000000000000000" pitchFamily="2" charset="2"/>
+              <a:buChar char="§"/>
+            </a:pPr>
+            <a:r>
+              <a:rPr lang="fa-IR" sz="2000" dirty="0" smtClean="0">
+                <a:solidFill>
+                  <a:schemeClr val="tx1"/>
+                </a:solidFill>
+                <a:cs typeface="B Nazanin" panose="00000400000000000000" pitchFamily="2" charset="-78"/>
+              </a:rPr>
+              <a:t>به دليل اين اتصال سست هر كدام از اجزا را مي‌توان توسط يك زبان ديگر يا از طريق يك فناوري ديگر گسترش داد . </a:t>
+            </a:r>
+          </a:p>
+          <a:p>
+            <a:pPr algn="r" rtl="1">
+              <a:buFont typeface="Wingdings" panose="05000000000000000000" pitchFamily="2" charset="2"/>
+              <a:buChar char="q"/>
+            </a:pPr>
+            <a:r>
+              <a:rPr lang="fa-IR" sz="2000" dirty="0" smtClean="0">
+                <a:solidFill>
+                  <a:srgbClr val="C00000"/>
+                </a:solidFill>
+                <a:cs typeface="B Nazanin" panose="00000400000000000000" pitchFamily="2" charset="-78"/>
+              </a:rPr>
+              <a:t>قابلیت مقیاس پذیری زیاد</a:t>
+            </a:r>
+          </a:p>
+          <a:p>
+            <a:pPr algn="r" rtl="1">
+              <a:buFont typeface="Wingdings" panose="05000000000000000000" pitchFamily="2" charset="2"/>
+              <a:buChar char="§"/>
+            </a:pPr>
+            <a:r>
+              <a:rPr lang="fa-IR" sz="2000" dirty="0" smtClean="0">
+                <a:solidFill>
+                  <a:schemeClr val="tx1"/>
+                </a:solidFill>
+                <a:cs typeface="B Nazanin" panose="00000400000000000000" pitchFamily="2" charset="-78"/>
+              </a:rPr>
+              <a:t>اغلب مي‌توان جريان رويداد را به زيرجريان‌هاي نامرتبط تقسيم كرد و آنها را به صورت موازي پردازش كرد .</a:t>
+            </a:r>
+          </a:p>
+          <a:p>
+            <a:pPr algn="r" rtl="1">
+              <a:buFont typeface="Wingdings" panose="05000000000000000000" pitchFamily="2" charset="2"/>
+              <a:buChar char="§"/>
+            </a:pPr>
+            <a:r>
+              <a:rPr lang="fa-IR" sz="2000" dirty="0" smtClean="0">
+                <a:latin typeface="B Nazanin" panose="00000400000000000000" pitchFamily="2" charset="-78"/>
+                <a:ea typeface="Calibri" panose="020F0502020204030204" pitchFamily="34" charset="0"/>
+              </a:rPr>
+              <a:t>همچنین می‌توانیم تعداد مصرف‌کنندگان را برای پاسخگویی به تقاضای بار ، در صورت افزایش حجم رویدادها، مقیاس کنیم.</a:t>
+            </a:r>
+            <a:endParaRPr lang="fa-IR" sz="2000" dirty="0" smtClean="0">
+              <a:solidFill>
+                <a:schemeClr val="tx1"/>
+              </a:solidFill>
+              <a:cs typeface="B Nazanin" panose="00000400000000000000" pitchFamily="2" charset="-78"/>
+            </a:endParaRPr>
+          </a:p>
+          <a:p>
+            <a:pPr algn="r" rtl="1">
+              <a:buFont typeface="Wingdings" panose="05000000000000000000" pitchFamily="2" charset="2"/>
+              <a:buChar char="§"/>
+            </a:pPr>
+            <a:endParaRPr lang="fa-IR" sz="2000" dirty="0" smtClean="0">
+              <a:solidFill>
+                <a:schemeClr val="tx1"/>
+              </a:solidFill>
+              <a:cs typeface="B Nazanin" panose="00000400000000000000" pitchFamily="2" charset="-78"/>
+            </a:endParaRPr>
+          </a:p>
         </p:txBody>
       </p:sp>
       <p:sp>
@@ -9704,7 +6953,7 @@
           <a:p>
             <a:fld id="{C2DB2716-ABCB-47E4-A5E7-31908A35B483}" type="uaqdatetime1">
               <a:rPr lang="fa-IR" smtClean="0"/>
-              <a:t>07/06/1443</a:t>
+              <a:t>09/06/1443</a:t>
             </a:fld>
             <a:endParaRPr lang="en-US"/>
           </a:p>
@@ -9814,93 +7063,159 @@
             <p:ph idx="1"/>
           </p:nvPr>
         </p:nvSpPr>
-        <p:spPr/>
+        <p:spPr>
+          <a:xfrm>
+            <a:off x="677334" y="1847273"/>
+            <a:ext cx="10997430" cy="4194089"/>
+          </a:xfrm>
+        </p:spPr>
         <p:txBody>
           <a:bodyPr>
             <a:normAutofit/>
           </a:bodyPr>
           <a:lstStyle/>
           <a:p>
-            <a:pPr algn="r" rtl="1">
-              <a:buFont typeface="Arial" panose="020B0604020202020204" pitchFamily="34" charset="0"/>
-              <a:buChar char="•"/>
+            <a:pPr lvl="0" algn="r" rtl="1">
+              <a:buFont typeface="Wingdings" panose="05000000000000000000" pitchFamily="2" charset="2"/>
+              <a:buChar char="q"/>
             </a:pPr>
             <a:r>
               <a:rPr lang="fa-IR" sz="2000" dirty="0" smtClean="0">
                 <a:solidFill>
-                  <a:schemeClr val="tx1"/>
-                </a:solidFill>
-                <a:cs typeface="B Nazanin" panose="00000400000000000000" pitchFamily="2" charset="-78"/>
-              </a:rPr>
-              <a:t>قابلیت تحمل خطا و بافرکردن </a:t>
-            </a:r>
-          </a:p>
-          <a:p>
-            <a:pPr algn="r" rtl="1">
-              <a:buFont typeface="Arial" panose="020B0604020202020204" pitchFamily="34" charset="0"/>
-              <a:buChar char="•"/>
-            </a:pPr>
+                  <a:srgbClr val="C00000"/>
+                </a:solidFill>
+                <a:cs typeface="B Nazanin" panose="00000400000000000000" pitchFamily="2" charset="-78"/>
+              </a:rPr>
+              <a:t> </a:t>
+            </a:r>
+            <a:r>
+              <a:rPr lang="fa-IR" sz="2000" dirty="0">
+                <a:solidFill>
+                  <a:srgbClr val="C00000"/>
+                </a:solidFill>
+                <a:cs typeface="B Nazanin" panose="00000400000000000000" pitchFamily="2" charset="-78"/>
+              </a:rPr>
+              <a:t> مقرون به </a:t>
+            </a:r>
             <a:r>
               <a:rPr lang="fa-IR" sz="2000" dirty="0" smtClean="0">
                 <a:solidFill>
-                  <a:schemeClr val="tx1"/>
-                </a:solidFill>
-                <a:cs typeface="B Nazanin" panose="00000400000000000000" pitchFamily="2" charset="-78"/>
-              </a:rPr>
-              <a:t>اتصال سست یا جداسازی تولییدکنندگان و مصرف‌کنندگان</a:t>
-            </a:r>
-          </a:p>
-          <a:p>
-            <a:pPr algn="r" rtl="1">
-              <a:buFont typeface="Arial" panose="020B0604020202020204" pitchFamily="34" charset="0"/>
-              <a:buChar char="•"/>
-            </a:pPr>
-            <a:r>
-              <a:rPr lang="fa-IR" sz="2000" dirty="0" smtClean="0">
-                <a:solidFill>
-                  <a:schemeClr val="tx1"/>
-                </a:solidFill>
-                <a:cs typeface="B Nazanin" panose="00000400000000000000" pitchFamily="2" charset="-78"/>
-              </a:rPr>
-              <a:t>مقرون به صرفگی</a:t>
-            </a:r>
-          </a:p>
-          <a:p>
-            <a:pPr algn="r" rtl="1">
-              <a:buFont typeface="Arial" panose="020B0604020202020204" pitchFamily="34" charset="0"/>
-              <a:buChar char="•"/>
-            </a:pPr>
-            <a:r>
-              <a:rPr lang="fa-IR" sz="2000" dirty="0" smtClean="0">
-                <a:solidFill>
-                  <a:schemeClr val="tx1"/>
-                </a:solidFill>
-                <a:cs typeface="B Nazanin" panose="00000400000000000000" pitchFamily="2" charset="-78"/>
-              </a:rPr>
-              <a:t>قابلیت مقیاس پذیری زیاد</a:t>
-            </a:r>
-          </a:p>
-          <a:p>
-            <a:pPr algn="r" rtl="1">
-              <a:buFont typeface="Arial" panose="020B0604020202020204" pitchFamily="34" charset="0"/>
-              <a:buChar char="•"/>
-            </a:pPr>
-            <a:r>
-              <a:rPr lang="fa-IR" sz="2000" dirty="0" smtClean="0">
-                <a:solidFill>
-                  <a:schemeClr val="tx1"/>
-                </a:solidFill>
-                <a:cs typeface="B Nazanin" panose="00000400000000000000" pitchFamily="2" charset="-78"/>
-              </a:rPr>
-              <a:t>تجربه کاربری بلادرنگ بهتر</a:t>
-            </a:r>
-            <a:endParaRPr lang="en-US" sz="2000" dirty="0">
+                  <a:srgbClr val="C00000"/>
+                </a:solidFill>
+                <a:cs typeface="B Nazanin" panose="00000400000000000000" pitchFamily="2" charset="-78"/>
+              </a:rPr>
+              <a:t>صرفه</a:t>
+            </a:r>
+          </a:p>
+          <a:p>
+            <a:pPr lvl="0" algn="r" rtl="1"/>
+            <a:r>
+              <a:rPr lang="fa-IR" sz="2200" dirty="0" smtClean="0">
+                <a:cs typeface="B Nazanin" panose="00000400000000000000" pitchFamily="2" charset="-78"/>
+              </a:rPr>
+              <a:t>معماری‌های </a:t>
+            </a:r>
+            <a:r>
+              <a:rPr lang="fa-IR" sz="2200" dirty="0">
+                <a:cs typeface="B Nazanin" panose="00000400000000000000" pitchFamily="2" charset="-78"/>
+              </a:rPr>
+              <a:t>رویداد محور مبتنی بر عرضه هستند، بنابراین همه چیز بر حسب تقاضا اتفاق می‌افتد، زیرا رویداد خود را در روتر نشان </a:t>
+            </a:r>
+            <a:r>
+              <a:rPr lang="fa-IR" sz="2200" dirty="0" smtClean="0">
+                <a:cs typeface="B Nazanin" panose="00000400000000000000" pitchFamily="2" charset="-78"/>
+              </a:rPr>
+              <a:t>می‌دهد.</a:t>
+            </a:r>
+          </a:p>
+          <a:p>
+            <a:pPr lvl="0" algn="r" rtl="1"/>
+            <a:r>
+              <a:rPr lang="fa-IR" sz="2000" dirty="0">
+                <a:cs typeface="B Nazanin" panose="00000400000000000000" pitchFamily="2" charset="-78"/>
+              </a:rPr>
+              <a:t>به این ترتیب، برای نظرسنجی مداوم برای بررسی یک رویداد هزینه ای پرداخت نمی کنید. این به معنای مصرف کمتر پهنای باند شبکه، استفاده کمتر از پردازنده است </a:t>
+            </a:r>
+            <a:endParaRPr lang="fa-IR" sz="2000" dirty="0" smtClean="0">
               <a:solidFill>
-                <a:schemeClr val="tx1"/>
+                <a:srgbClr val="C00000"/>
               </a:solidFill>
               <a:cs typeface="B Nazanin" panose="00000400000000000000" pitchFamily="2" charset="-78"/>
             </a:endParaRPr>
           </a:p>
+          <a:p>
+            <a:pPr algn="r" rtl="1">
+              <a:buFont typeface="Wingdings" panose="05000000000000000000" pitchFamily="2" charset="2"/>
+              <a:buChar char="q"/>
+            </a:pPr>
+            <a:r>
+              <a:rPr lang="fa-IR" sz="2000" dirty="0" smtClean="0">
+                <a:solidFill>
+                  <a:srgbClr val="C00000"/>
+                </a:solidFill>
+                <a:cs typeface="B Nazanin" panose="00000400000000000000" pitchFamily="2" charset="-78"/>
+              </a:rPr>
+              <a:t>تجربه </a:t>
+            </a:r>
+            <a:r>
+              <a:rPr lang="fa-IR" sz="2000" dirty="0" smtClean="0">
+                <a:solidFill>
+                  <a:srgbClr val="C00000"/>
+                </a:solidFill>
+                <a:cs typeface="B Nazanin" panose="00000400000000000000" pitchFamily="2" charset="-78"/>
+              </a:rPr>
+              <a:t>کاربری بلادرنگ </a:t>
+            </a:r>
+            <a:r>
+              <a:rPr lang="fa-IR" sz="2000" dirty="0" smtClean="0">
+                <a:solidFill>
+                  <a:srgbClr val="C00000"/>
+                </a:solidFill>
+                <a:cs typeface="B Nazanin" panose="00000400000000000000" pitchFamily="2" charset="-78"/>
+              </a:rPr>
+              <a:t>بهتر</a:t>
+            </a:r>
+          </a:p>
+          <a:p>
+            <a:pPr algn="r" rtl="1">
+              <a:buFont typeface="Wingdings" panose="05000000000000000000" pitchFamily="2" charset="2"/>
+              <a:buChar char="§"/>
+            </a:pPr>
+            <a:r>
+              <a:rPr lang="fa-IR" sz="2000" dirty="0">
+                <a:latin typeface="B Nazanin" panose="00000400000000000000" pitchFamily="2" charset="-78"/>
+                <a:ea typeface="Calibri" panose="020F0502020204030204" pitchFamily="34" charset="0"/>
+              </a:rPr>
+              <a:t>رابطهای برنامه نویسی کاربردی رویداد محور با حذف بسیاری از مسئولیت‌هایی که قبلاً به کاربران محول شده بود، منجر به تجربه تعاملی بهتری برای کاربر نهایی با نیازهای تعاملی مدرن می‌شوند. </a:t>
+            </a:r>
+            <a:endParaRPr lang="fa-IR" sz="2000" dirty="0" smtClean="0">
+              <a:latin typeface="B Nazanin" panose="00000400000000000000" pitchFamily="2" charset="-78"/>
+              <a:ea typeface="Calibri" panose="020F0502020204030204" pitchFamily="34" charset="0"/>
+            </a:endParaRPr>
+          </a:p>
+          <a:p>
+            <a:pPr algn="r" rtl="1">
+              <a:buFont typeface="Wingdings" panose="05000000000000000000" pitchFamily="2" charset="2"/>
+              <a:buChar char="§"/>
+            </a:pPr>
+            <a:r>
+              <a:rPr lang="fa-IR" sz="2000" dirty="0" smtClean="0">
+                <a:latin typeface="B Nazanin" panose="00000400000000000000" pitchFamily="2" charset="-78"/>
+                <a:ea typeface="Calibri" panose="020F0502020204030204" pitchFamily="34" charset="0"/>
+              </a:rPr>
+              <a:t>البته</a:t>
+            </a:r>
+            <a:r>
+              <a:rPr lang="fa-IR" sz="2000" dirty="0">
+                <a:latin typeface="B Nazanin" panose="00000400000000000000" pitchFamily="2" charset="-78"/>
+                <a:ea typeface="Calibri" panose="020F0502020204030204" pitchFamily="34" charset="0"/>
+              </a:rPr>
+              <a:t>، این ممکن است پیچیدگی را در تولید کننده افزایش دهد، اما خروجی کار ارزش آن را دارد </a:t>
+            </a:r>
+            <a:endParaRPr lang="en-US" sz="2000" dirty="0">
+              <a:cs typeface="B Nazanin" panose="00000400000000000000" pitchFamily="2" charset="-78"/>
+            </a:endParaRPr>
+          </a:p>
         </p:txBody>
       </p:sp>
       <p:sp>
@@ -9920,7 +7235,7 @@
           <a:p>
             <a:fld id="{C2DB2716-ABCB-47E4-A5E7-31908A35B483}" type="uaqdatetime1">
               <a:rPr lang="fa-IR" smtClean="0"/>
-              <a:t>07/06/1443</a:t>
+              <a:t>09/06/1443</a:t>
             </a:fld>
             <a:endParaRPr lang="en-US"/>
           </a:p>
@@ -9996,14 +7311,21 @@
             <p:ph type="title"/>
           </p:nvPr>
         </p:nvSpPr>
-        <p:spPr/>
-        <p:txBody>
-          <a:bodyPr/>
+        <p:spPr>
+          <a:xfrm>
+            <a:off x="838200" y="365126"/>
+            <a:ext cx="10515600" cy="706292"/>
+          </a:xfrm>
+        </p:spPr>
+        <p:txBody>
+          <a:bodyPr>
+            <a:normAutofit/>
+          </a:bodyPr>
           <a:lstStyle/>
           <a:p>
             <a:pPr algn="ctr" rtl="1"/>
             <a:r>
-              <a:rPr lang="fa-IR" u="sng" dirty="0" smtClean="0">
+              <a:rPr lang="fa-IR" sz="4000" u="sng" dirty="0" smtClean="0">
                 <a:solidFill>
                   <a:srgbClr val="C00000"/>
                 </a:solidFill>
@@ -10011,7 +7333,7 @@
               </a:rPr>
               <a:t>معايب الگوي معماري رويداد محور</a:t>
             </a:r>
-            <a:endParaRPr lang="en-US" u="sng" dirty="0">
+            <a:endParaRPr lang="en-US" sz="4000" u="sng" dirty="0">
               <a:solidFill>
                 <a:srgbClr val="C00000"/>
               </a:solidFill>
@@ -10030,12 +7352,38 @@
             <p:ph idx="1"/>
           </p:nvPr>
         </p:nvSpPr>
-        <p:spPr/>
+        <p:spPr>
+          <a:xfrm>
+            <a:off x="838200" y="1182256"/>
+            <a:ext cx="10515600" cy="4994707"/>
+          </a:xfrm>
+        </p:spPr>
         <p:txBody>
           <a:bodyPr>
-            <a:normAutofit/>
+            <a:normAutofit fontScale="92500" lnSpcReduction="10000"/>
           </a:bodyPr>
           <a:lstStyle/>
+          <a:p>
+            <a:pPr algn="r" rtl="1">
+              <a:buFont typeface="Wingdings" panose="05000000000000000000" pitchFamily="2" charset="2"/>
+              <a:buChar char="q"/>
+            </a:pPr>
+            <a:r>
+              <a:rPr lang="fa-IR" sz="2000" dirty="0" smtClean="0">
+                <a:solidFill>
+                  <a:srgbClr val="C00000"/>
+                </a:solidFill>
+                <a:cs typeface="B Nazanin" panose="00000400000000000000" pitchFamily="2" charset="-78"/>
+              </a:rPr>
+              <a:t>محدود به پردازش ناهمزمان </a:t>
+            </a:r>
+            <a:endParaRPr lang="fa-IR" sz="2000" dirty="0" smtClean="0">
+              <a:solidFill>
+                <a:srgbClr val="C00000"/>
+              </a:solidFill>
+              <a:cs typeface="B Nazanin" panose="00000400000000000000" pitchFamily="2" charset="-78"/>
+            </a:endParaRPr>
+          </a:p>
           <a:p>
             <a:pPr algn="r" rtl="1">
               <a:buFont typeface="Wingdings" panose="05000000000000000000" pitchFamily="2" charset="2"/>
@@ -10043,9 +7391,12 @@
             </a:pPr>
             <a:r>
               <a:rPr lang="fa-IR" sz="2000" dirty="0" smtClean="0">
-                <a:cs typeface="B Nazanin" panose="00000400000000000000" pitchFamily="2" charset="-78"/>
-              </a:rPr>
-              <a:t>محدود به پردازش ناهمزمان </a:t>
+                <a:effectLst/>
+                <a:latin typeface="B Nazanin" panose="00000400000000000000" pitchFamily="2" charset="-78"/>
+                <a:ea typeface="Calibri" panose="020F0502020204030204" pitchFamily="34" charset="0"/>
+                <a:cs typeface="B Nazanin" panose="00000400000000000000" pitchFamily="2" charset="-78"/>
+              </a:rPr>
+              <a:t> اگرچه معماری رویداد محور یک الگوی قوی برای جداسازی سیستم‌هاست ، اما کاربرد آن به پردازش‌ رویداد‌های ناهمزمان محدود می‌شود</a:t>
             </a:r>
           </a:p>
           <a:p>
@@ -10055,16 +7406,94 @@
             </a:pPr>
             <a:r>
               <a:rPr lang="fa-IR" sz="2000" dirty="0" smtClean="0">
+                <a:effectLst/>
+                <a:latin typeface="B Nazanin" panose="00000400000000000000" pitchFamily="2" charset="-78"/>
+                <a:ea typeface="Calibri" panose="020F0502020204030204" pitchFamily="34" charset="0"/>
+                <a:cs typeface="B Nazanin" panose="00000400000000000000" pitchFamily="2" charset="-78"/>
+              </a:rPr>
+              <a:t>. معماری رویداد محور در جایی که آغاز کننده باید قبل از ادامه به کار باید منتظر پاسخ باشد، نمی‌تواند به خوبی به عنوان جایگزینی برای تعاملات درخواست-پاسخ کار کند </a:t>
+            </a:r>
+            <a:endParaRPr lang="fa-IR" sz="2000" dirty="0" smtClean="0">
+              <a:solidFill>
+                <a:srgbClr val="C00000"/>
+              </a:solidFill>
+              <a:cs typeface="B Nazanin" panose="00000400000000000000" pitchFamily="2" charset="-78"/>
+            </a:endParaRPr>
+          </a:p>
+          <a:p>
+            <a:pPr algn="r" rtl="1">
+              <a:buFont typeface="Wingdings" panose="05000000000000000000" pitchFamily="2" charset="2"/>
+              <a:buChar char="q"/>
+            </a:pPr>
+            <a:r>
+              <a:rPr lang="fa-IR" sz="2000" dirty="0" smtClean="0">
+                <a:solidFill>
+                  <a:srgbClr val="C00000"/>
+                </a:solidFill>
                 <a:cs typeface="B Nazanin" panose="00000400000000000000" pitchFamily="2" charset="-78"/>
               </a:rPr>
               <a:t>ايجاد پيچيدگي </a:t>
             </a:r>
             <a:r>
               <a:rPr lang="fa-IR" sz="2000" dirty="0" smtClean="0">
+                <a:solidFill>
+                  <a:srgbClr val="C00000"/>
+                </a:solidFill>
                 <a:cs typeface="B Nazanin" panose="00000400000000000000" pitchFamily="2" charset="-78"/>
               </a:rPr>
               <a:t>اضافي</a:t>
             </a:r>
+          </a:p>
+          <a:p>
+            <a:pPr algn="r" rtl="1"/>
+            <a:r>
+              <a:rPr lang="fa-IR" sz="2000" dirty="0" smtClean="0">
+                <a:cs typeface="B Nazanin" panose="00000400000000000000" pitchFamily="2" charset="-78"/>
+              </a:rPr>
+              <a:t>در الگوهاي قديمي تر درخواست-پاسخ و مشتري سرور فقط شامل دو جزء اصلي بود . </a:t>
+            </a:r>
+          </a:p>
+          <a:p>
+            <a:pPr algn="r" rtl="1"/>
+            <a:r>
+              <a:rPr lang="fa-IR" sz="2000" dirty="0" smtClean="0">
+                <a:cs typeface="B Nazanin" panose="00000400000000000000" pitchFamily="2" charset="-78"/>
+              </a:rPr>
+              <a:t>پذيرش الگوي معماري رويداد محور نياز به يك كارگزار (مسيرياب رويداد) براي ميانجيگري تعاملات بين توليدكنندگان و مصرف‌كنندگان دارد . </a:t>
+            </a:r>
+            <a:endParaRPr lang="fa-IR" sz="2000" dirty="0" smtClean="0">
+              <a:cs typeface="B Nazanin" panose="00000400000000000000" pitchFamily="2" charset="-78"/>
+            </a:endParaRPr>
+          </a:p>
+          <a:p>
+            <a:pPr algn="r" rtl="1">
+              <a:buFont typeface="Wingdings" panose="05000000000000000000" pitchFamily="2" charset="2"/>
+              <a:buChar char="q"/>
+            </a:pPr>
+            <a:r>
+              <a:rPr lang="fa-IR" sz="2000" dirty="0" smtClean="0">
+                <a:solidFill>
+                  <a:srgbClr val="C00000"/>
+                </a:solidFill>
+                <a:cs typeface="B Nazanin" panose="00000400000000000000" pitchFamily="2" charset="-78"/>
+              </a:rPr>
+              <a:t>آزمون‌پذیری </a:t>
+            </a:r>
+            <a:r>
+              <a:rPr lang="fa-IR" sz="2000" dirty="0" smtClean="0">
+                <a:solidFill>
+                  <a:srgbClr val="C00000"/>
+                </a:solidFill>
+                <a:cs typeface="B Nazanin" panose="00000400000000000000" pitchFamily="2" charset="-78"/>
+              </a:rPr>
+              <a:t>پایین </a:t>
+            </a:r>
+            <a:endParaRPr lang="fa-IR" sz="2000" dirty="0" smtClean="0">
+              <a:solidFill>
+                <a:srgbClr val="C00000"/>
+              </a:solidFill>
+              <a:cs typeface="B Nazanin" panose="00000400000000000000" pitchFamily="2" charset="-78"/>
+            </a:endParaRPr>
           </a:p>
           <a:p>
             <a:pPr algn="r" rtl="1">
@@ -10073,9 +7502,12 @@
             </a:pPr>
             <a:r>
               <a:rPr lang="fa-IR" sz="2000" dirty="0" smtClean="0">
-                <a:cs typeface="B Nazanin" panose="00000400000000000000" pitchFamily="2" charset="-78"/>
-              </a:rPr>
-              <a:t>رفتار ناسازگار </a:t>
+                <a:effectLst/>
+                <a:latin typeface="B Nazanin" panose="00000400000000000000" pitchFamily="2" charset="-78"/>
+                <a:ea typeface="Calibri" panose="020F0502020204030204" pitchFamily="34" charset="0"/>
+                <a:cs typeface="B Nazanin" panose="00000400000000000000" pitchFamily="2" charset="-78"/>
+              </a:rPr>
+              <a:t>گرچه تست واحد به طور کلی چندان سخت نیست . اما به یک سری ابزارهای تست خاص برای ایجاد رویدادها نیاز است .</a:t>
             </a:r>
           </a:p>
           <a:p>
@@ -10085,10 +7517,40 @@
             </a:pPr>
             <a:r>
               <a:rPr lang="fa-IR" sz="2000" dirty="0" smtClean="0">
-                <a:cs typeface="B Nazanin" panose="00000400000000000000" pitchFamily="2" charset="-78"/>
-              </a:rPr>
-              <a:t>آزمون‌پذیری پایین </a:t>
-            </a:r>
+                <a:effectLst/>
+                <a:latin typeface="B Nazanin" panose="00000400000000000000" pitchFamily="2" charset="-78"/>
+                <a:ea typeface="Calibri" panose="020F0502020204030204" pitchFamily="34" charset="0"/>
+                <a:cs typeface="B Nazanin" panose="00000400000000000000" pitchFamily="2" charset="-78"/>
+              </a:rPr>
+              <a:t> به علاوه بابت ماهیت آسنکرون این الگو ، آزمون‌پذیری پیچیده‌تر می‌شود </a:t>
+            </a:r>
+            <a:endParaRPr lang="fa-IR" sz="2000" dirty="0" smtClean="0">
+              <a:solidFill>
+                <a:srgbClr val="C00000"/>
+              </a:solidFill>
+              <a:cs typeface="B Nazanin" panose="00000400000000000000" pitchFamily="2" charset="-78"/>
+            </a:endParaRPr>
+          </a:p>
+          <a:p>
+            <a:pPr algn="r" rtl="1">
+              <a:buFont typeface="Wingdings" panose="05000000000000000000" pitchFamily="2" charset="2"/>
+              <a:buChar char="q"/>
+            </a:pPr>
+            <a:r>
+              <a:rPr lang="fa-IR" sz="2000" dirty="0" smtClean="0">
+                <a:solidFill>
+                  <a:srgbClr val="C00000"/>
+                </a:solidFill>
+                <a:cs typeface="B Nazanin" panose="00000400000000000000" pitchFamily="2" charset="-78"/>
+              </a:rPr>
+              <a:t>توسعه سخت </a:t>
+            </a:r>
+            <a:endParaRPr lang="fa-IR" sz="2000" dirty="0" smtClean="0">
+              <a:solidFill>
+                <a:srgbClr val="C00000"/>
+              </a:solidFill>
+              <a:cs typeface="B Nazanin" panose="00000400000000000000" pitchFamily="2" charset="-78"/>
+            </a:endParaRPr>
           </a:p>
           <a:p>
             <a:pPr algn="r" rtl="1">
@@ -10097,11 +7559,17 @@
             </a:pPr>
             <a:r>
               <a:rPr lang="fa-IR" sz="2000" dirty="0" smtClean="0">
-                <a:cs typeface="B Nazanin" panose="00000400000000000000" pitchFamily="2" charset="-78"/>
-              </a:rPr>
-              <a:t>توسعه سخت </a:t>
+                <a:effectLst/>
+                <a:latin typeface="B Nazanin" panose="00000400000000000000" pitchFamily="2" charset="-78"/>
+                <a:ea typeface="Calibri" panose="020F0502020204030204" pitchFamily="34" charset="0"/>
+                <a:cs typeface="B Nazanin" panose="00000400000000000000" pitchFamily="2" charset="-78"/>
+              </a:rPr>
+              <a:t>توسعه به دلیل ماهیت ناهمزمان الگو و همچنین ایجاد قرارداد ونیاز به شرایط مدیریت خطای پیشرفته‌‌‌‌‌‌‌‌‌‌‌‌‌تر در کد برای پردازشگرهای رویدادی که پاسخگو نیستند تا حدودی پیچیده می باشد</a:t>
             </a:r>
             <a:endParaRPr lang="en-US" sz="2000" dirty="0">
+              <a:solidFill>
+                <a:srgbClr val="C00000"/>
+              </a:solidFill>
               <a:cs typeface="B Nazanin" panose="00000400000000000000" pitchFamily="2" charset="-78"/>
             </a:endParaRPr>
           </a:p>
@@ -10124,7 +7592,7 @@
           <a:p>
             <a:fld id="{C2DB2716-ABCB-47E4-A5E7-31908A35B483}" type="uaqdatetime1">
               <a:rPr lang="fa-IR" smtClean="0"/>
-              <a:t>07/06/1443</a:t>
+              <a:t>09/06/1443</a:t>
             </a:fld>
             <a:endParaRPr lang="en-US"/>
           </a:p>
@@ -10202,44 +7670,51 @@
         </p:nvSpPr>
         <p:spPr/>
         <p:txBody>
-          <a:bodyPr/>
-          <a:lstStyle/>
-          <a:p>
-            <a:pPr algn="ctr"/>
-            <a:r>
-              <a:rPr lang="fa-IR" u="sng" dirty="0" smtClean="0">
+          <a:bodyPr>
+            <a:normAutofit/>
+          </a:bodyPr>
+          <a:lstStyle/>
+          <a:p>
+            <a:pPr marL="342900" lvl="0" indent="-342900" algn="ctr" rtl="1">
+              <a:spcBef>
+                <a:spcPts val="1000"/>
+              </a:spcBef>
+            </a:pPr>
+            <a:r>
+              <a:rPr lang="fa-IR" u="sng" dirty="0">
                 <a:solidFill>
                   <a:srgbClr val="C00000"/>
                 </a:solidFill>
-                <a:cs typeface="B Nazanin" panose="00000400000000000000" pitchFamily="2" charset="-78"/>
-              </a:rPr>
-              <a:t>تحليل الگوي معماري رويداد محور </a:t>
-            </a:r>
-            <a:endParaRPr lang="en-US" u="sng" dirty="0">
-              <a:solidFill>
-                <a:srgbClr val="C00000"/>
-              </a:solidFill>
-              <a:cs typeface="B Nazanin" panose="00000400000000000000" pitchFamily="2" charset="-78"/>
-            </a:endParaRPr>
-          </a:p>
-        </p:txBody>
-      </p:sp>
-      <p:sp>
-        <p:nvSpPr>
-          <p:cNvPr id="3" name="Content Placeholder 2"/>
-          <p:cNvSpPr>
-            <a:spLocks noGrp="1"/>
-          </p:cNvSpPr>
-          <p:nvPr>
-            <p:ph idx="1"/>
-          </p:nvPr>
-        </p:nvSpPr>
-        <p:spPr/>
-        <p:txBody>
-          <a:bodyPr/>
-          <a:lstStyle/>
-          <a:p>
-            <a:pPr algn="r" rtl="1"/>
+                <a:ea typeface="+mn-ea"/>
+                <a:cs typeface="B Nazanin" panose="00000400000000000000" pitchFamily="2" charset="-78"/>
+              </a:rPr>
+              <a:t>نكات ضرروري راجب استفاده از الگوي معماري رويداد محور </a:t>
+            </a:r>
+            <a:r>
+              <a:rPr lang="fa-IR" sz="2400" dirty="0">
+                <a:solidFill>
+                  <a:prstClr val="black">
+                    <a:lumMod val="75000"/>
+                    <a:lumOff val="25000"/>
+                  </a:prstClr>
+                </a:solidFill>
+                <a:ea typeface="+mn-ea"/>
+                <a:cs typeface="B Nazanin" panose="00000400000000000000" pitchFamily="2" charset="-78"/>
+              </a:rPr>
+              <a:t/>
+            </a:r>
+            <a:br>
+              <a:rPr lang="fa-IR" sz="2400" dirty="0">
+                <a:solidFill>
+                  <a:prstClr val="black">
+                    <a:lumMod val="75000"/>
+                    <a:lumOff val="25000"/>
+                  </a:prstClr>
+                </a:solidFill>
+                <a:ea typeface="+mn-ea"/>
+                <a:cs typeface="B Nazanin" panose="00000400000000000000" pitchFamily="2" charset="-78"/>
+              </a:rPr>
+            </a:br>
             <a:endParaRPr lang="en-US" dirty="0">
               <a:cs typeface="B Nazanin" panose="00000400000000000000" pitchFamily="2" charset="-78"/>
             </a:endParaRPr>
@@ -10248,6 +7723,25 @@
       </p:sp>
       <p:sp>
         <p:nvSpPr>
+          <p:cNvPr id="3" name="Content Placeholder 2"/>
+          <p:cNvSpPr>
+            <a:spLocks noGrp="1"/>
+          </p:cNvSpPr>
+          <p:nvPr>
+            <p:ph idx="1"/>
+          </p:nvPr>
+        </p:nvSpPr>
+        <p:spPr/>
+        <p:txBody>
+          <a:bodyPr/>
+          <a:lstStyle/>
+          <a:p>
+            <a:endParaRPr lang="en-US"/>
+          </a:p>
+        </p:txBody>
+      </p:sp>
+      <p:sp>
+        <p:nvSpPr>
           <p:cNvPr id="4" name="Date Placeholder 3"/>
           <p:cNvSpPr>
             <a:spLocks noGrp="1"/>
@@ -10263,7 +7757,7 @@
           <a:p>
             <a:fld id="{C2DB2716-ABCB-47E4-A5E7-31908A35B483}" type="uaqdatetime1">
               <a:rPr lang="fa-IR" smtClean="0"/>
-              <a:t>07/06/1443</a:t>
+              <a:t>08/06/1443</a:t>
             </a:fld>
             <a:endParaRPr lang="en-US"/>
           </a:p>
@@ -10295,7 +7789,7 @@
     </p:spTree>
     <p:extLst>
       <p:ext uri="{BB962C8B-B14F-4D97-AF65-F5344CB8AC3E}">
-        <p14:creationId xmlns:p14="http://schemas.microsoft.com/office/powerpoint/2010/main" val="2751533732"/>
+        <p14:creationId xmlns:p14="http://schemas.microsoft.com/office/powerpoint/2010/main" val="4067526682"/>
       </p:ext>
     </p:extLst>
   </p:cSld>
@@ -10344,47 +7838,20 @@
           <a:bodyPr/>
           <a:lstStyle/>
           <a:p>
-            <a:pPr marL="342900" lvl="0" indent="-342900" algn="ctr" rtl="1">
-              <a:spcBef>
-                <a:spcPts val="1000"/>
-              </a:spcBef>
-            </a:pPr>
-            <a:r>
-              <a:rPr lang="fa-IR" u="sng" dirty="0">
+            <a:pPr algn="ctr" rtl="1"/>
+            <a:r>
+              <a:rPr lang="fa-IR" u="sng" dirty="0" smtClean="0">
                 <a:solidFill>
                   <a:srgbClr val="C00000"/>
                 </a:solidFill>
-                <a:ea typeface="+mn-ea"/>
-                <a:cs typeface="B Nazanin" panose="00000400000000000000" pitchFamily="2" charset="-78"/>
-              </a:rPr>
-              <a:t>نكات ضرروري راجب استفاده از الگوي معماري رويداد محور </a:t>
-            </a:r>
-            <a:r>
-              <a:rPr lang="fa-IR" sz="2400" dirty="0">
-                <a:solidFill>
-                  <a:prstClr val="black">
-                    <a:lumMod val="75000"/>
-                    <a:lumOff val="25000"/>
-                  </a:prstClr>
-                </a:solidFill>
-                <a:ea typeface="+mn-ea"/>
-                <a:cs typeface="B Nazanin" panose="00000400000000000000" pitchFamily="2" charset="-78"/>
-              </a:rPr>
-              <a:t/>
-            </a:r>
-            <a:br>
-              <a:rPr lang="fa-IR" sz="2400" dirty="0">
-                <a:solidFill>
-                  <a:prstClr val="black">
-                    <a:lumMod val="75000"/>
-                    <a:lumOff val="25000"/>
-                  </a:prstClr>
-                </a:solidFill>
-                <a:ea typeface="+mn-ea"/>
-                <a:cs typeface="B Nazanin" panose="00000400000000000000" pitchFamily="2" charset="-78"/>
-              </a:rPr>
-            </a:br>
-            <a:endParaRPr lang="en-US" dirty="0">
+                <a:cs typeface="B Nazanin" panose="00000400000000000000" pitchFamily="2" charset="-78"/>
+              </a:rPr>
+              <a:t>جمع بندي </a:t>
+            </a:r>
+            <a:endParaRPr lang="en-US" u="sng" dirty="0">
+              <a:solidFill>
+                <a:srgbClr val="C00000"/>
+              </a:solidFill>
               <a:cs typeface="B Nazanin" panose="00000400000000000000" pitchFamily="2" charset="-78"/>
             </a:endParaRPr>
           </a:p>
@@ -10426,7 +7893,7 @@
           <a:p>
             <a:fld id="{C2DB2716-ABCB-47E4-A5E7-31908A35B483}" type="uaqdatetime1">
               <a:rPr lang="fa-IR" smtClean="0"/>
-              <a:t>07/06/1443</a:t>
+              <a:t>08/06/1443</a:t>
             </a:fld>
             <a:endParaRPr lang="en-US"/>
           </a:p>
@@ -10458,7 +7925,7 @@
     </p:spTree>
     <p:extLst>
       <p:ext uri="{BB962C8B-B14F-4D97-AF65-F5344CB8AC3E}">
-        <p14:creationId xmlns:p14="http://schemas.microsoft.com/office/powerpoint/2010/main" val="4067526682"/>
+        <p14:creationId xmlns:p14="http://schemas.microsoft.com/office/powerpoint/2010/main" val="3418445611"/>
       </p:ext>
     </p:extLst>
   </p:cSld>
@@ -10507,7 +7974,7 @@
           <a:bodyPr/>
           <a:lstStyle/>
           <a:p>
-            <a:pPr algn="ctr" rtl="1"/>
+            <a:pPr algn="ctr"/>
             <a:r>
               <a:rPr lang="fa-IR" u="sng" dirty="0" smtClean="0">
                 <a:solidFill>
@@ -10515,7 +7982,7 @@
                 </a:solidFill>
                 <a:cs typeface="B Nazanin" panose="00000400000000000000" pitchFamily="2" charset="-78"/>
               </a:rPr>
-              <a:t>جمع بندي </a:t>
+              <a:t>مراجع</a:t>
             </a:r>
             <a:endParaRPr lang="en-US" u="sng" dirty="0">
               <a:solidFill>
@@ -10562,7 +8029,7 @@
           <a:p>
             <a:fld id="{C2DB2716-ABCB-47E4-A5E7-31908A35B483}" type="uaqdatetime1">
               <a:rPr lang="fa-IR" smtClean="0"/>
-              <a:t>07/06/1443</a:t>
+              <a:t>08/06/1443</a:t>
             </a:fld>
             <a:endParaRPr lang="en-US"/>
           </a:p>
@@ -10586,142 +8053,6 @@
             <a:fld id="{4BC6469D-48EF-44E1-BF07-A9CE4893D6D6}" type="slidenum">
               <a:rPr lang="en-US" smtClean="0"/>
               <a:t>16</a:t>
-            </a:fld>
-            <a:endParaRPr lang="en-US"/>
-          </a:p>
-        </p:txBody>
-      </p:sp>
-    </p:spTree>
-    <p:extLst>
-      <p:ext uri="{BB962C8B-B14F-4D97-AF65-F5344CB8AC3E}">
-        <p14:creationId xmlns:p14="http://schemas.microsoft.com/office/powerpoint/2010/main" val="3418445611"/>
-      </p:ext>
-    </p:extLst>
-  </p:cSld>
-  <p:clrMapOvr>
-    <a:masterClrMapping/>
-  </p:clrMapOvr>
-  <p:timing>
-    <p:tnLst>
-      <p:par>
-        <p:cTn id="1" dur="indefinite" restart="never" nodeType="tmRoot"/>
-      </p:par>
-    </p:tnLst>
-  </p:timing>
-</p:sld>
-</file>
-
-<file path=ppt/slides/slide17.xml><?xml version="1.0" encoding="utf-8"?>
-<p:sld xmlns:a="http://schemas.openxmlformats.org/drawingml/2006/main" xmlns:r="http://schemas.openxmlformats.org/officeDocument/2006/relationships" xmlns:p="http://schemas.openxmlformats.org/presentationml/2006/main">
-  <p:cSld>
-    <p:spTree>
-      <p:nvGrpSpPr>
-        <p:cNvPr id="1" name=""/>
-        <p:cNvGrpSpPr/>
-        <p:nvPr/>
-      </p:nvGrpSpPr>
-      <p:grpSpPr>
-        <a:xfrm>
-          <a:off x="0" y="0"/>
-          <a:ext cx="0" cy="0"/>
-          <a:chOff x="0" y="0"/>
-          <a:chExt cx="0" cy="0"/>
-        </a:xfrm>
-      </p:grpSpPr>
-      <p:sp>
-        <p:nvSpPr>
-          <p:cNvPr id="2" name="Title 1"/>
-          <p:cNvSpPr>
-            <a:spLocks noGrp="1"/>
-          </p:cNvSpPr>
-          <p:nvPr>
-            <p:ph type="title"/>
-          </p:nvPr>
-        </p:nvSpPr>
-        <p:spPr/>
-        <p:txBody>
-          <a:bodyPr/>
-          <a:lstStyle/>
-          <a:p>
-            <a:pPr algn="ctr"/>
-            <a:r>
-              <a:rPr lang="fa-IR" u="sng" dirty="0" smtClean="0">
-                <a:solidFill>
-                  <a:srgbClr val="C00000"/>
-                </a:solidFill>
-                <a:cs typeface="B Nazanin" panose="00000400000000000000" pitchFamily="2" charset="-78"/>
-              </a:rPr>
-              <a:t>مراجع</a:t>
-            </a:r>
-            <a:endParaRPr lang="en-US" u="sng" dirty="0">
-              <a:solidFill>
-                <a:srgbClr val="C00000"/>
-              </a:solidFill>
-              <a:cs typeface="B Nazanin" panose="00000400000000000000" pitchFamily="2" charset="-78"/>
-            </a:endParaRPr>
-          </a:p>
-        </p:txBody>
-      </p:sp>
-      <p:sp>
-        <p:nvSpPr>
-          <p:cNvPr id="3" name="Content Placeholder 2"/>
-          <p:cNvSpPr>
-            <a:spLocks noGrp="1"/>
-          </p:cNvSpPr>
-          <p:nvPr>
-            <p:ph idx="1"/>
-          </p:nvPr>
-        </p:nvSpPr>
-        <p:spPr/>
-        <p:txBody>
-          <a:bodyPr/>
-          <a:lstStyle/>
-          <a:p>
-            <a:endParaRPr lang="en-US"/>
-          </a:p>
-        </p:txBody>
-      </p:sp>
-      <p:sp>
-        <p:nvSpPr>
-          <p:cNvPr id="4" name="Date Placeholder 3"/>
-          <p:cNvSpPr>
-            <a:spLocks noGrp="1"/>
-          </p:cNvSpPr>
-          <p:nvPr>
-            <p:ph type="dt" sz="half" idx="10"/>
-          </p:nvPr>
-        </p:nvSpPr>
-        <p:spPr/>
-        <p:txBody>
-          <a:bodyPr/>
-          <a:lstStyle/>
-          <a:p>
-            <a:fld id="{C2DB2716-ABCB-47E4-A5E7-31908A35B483}" type="uaqdatetime1">
-              <a:rPr lang="fa-IR" smtClean="0"/>
-              <a:t>07/06/1443</a:t>
-            </a:fld>
-            <a:endParaRPr lang="en-US"/>
-          </a:p>
-        </p:txBody>
-      </p:sp>
-      <p:sp>
-        <p:nvSpPr>
-          <p:cNvPr id="5" name="Slide Number Placeholder 4"/>
-          <p:cNvSpPr>
-            <a:spLocks noGrp="1"/>
-          </p:cNvSpPr>
-          <p:nvPr>
-            <p:ph type="sldNum" sz="quarter" idx="12"/>
-          </p:nvPr>
-        </p:nvSpPr>
-        <p:spPr/>
-        <p:txBody>
-          <a:bodyPr/>
-          <a:lstStyle/>
-          <a:p>
-            <a:fld id="{4BC6469D-48EF-44E1-BF07-A9CE4893D6D6}" type="slidenum">
-              <a:rPr lang="en-US" smtClean="0"/>
-              <a:t>17</a:t>
             </a:fld>
             <a:endParaRPr lang="en-US"/>
           </a:p>
@@ -10814,7 +8145,7 @@
         </p:spPr>
         <p:txBody>
           <a:bodyPr>
-            <a:normAutofit lnSpcReduction="10000"/>
+            <a:normAutofit/>
           </a:bodyPr>
           <a:lstStyle/>
           <a:p>
@@ -10824,6 +8155,9 @@
             </a:pPr>
             <a:r>
               <a:rPr lang="fa-IR" sz="2400" dirty="0" smtClean="0">
+                <a:solidFill>
+                  <a:srgbClr val="0070C0"/>
+                </a:solidFill>
                 <a:cs typeface="B Nazanin" panose="00000400000000000000" pitchFamily="2" charset="-78"/>
               </a:rPr>
               <a:t>شناخت و تعريف الگوي معماري رويداد محور </a:t>
@@ -10913,19 +8247,13 @@
               <a:rPr lang="fa-IR" sz="2400" dirty="0" smtClean="0">
                 <a:cs typeface="B Nazanin" panose="00000400000000000000" pitchFamily="2" charset="-78"/>
               </a:rPr>
-              <a:t>تحليل الگوي معماري رويداد محور  </a:t>
-            </a:r>
-          </a:p>
-          <a:p>
-            <a:pPr algn="r" rtl="1">
-              <a:buFont typeface="Wingdings" panose="05000000000000000000" pitchFamily="2" charset="2"/>
-              <a:buChar char="§"/>
-            </a:pPr>
+              <a:t>جمع </a:t>
+            </a:r>
             <a:r>
               <a:rPr lang="fa-IR" sz="2400" dirty="0" smtClean="0">
                 <a:cs typeface="B Nazanin" panose="00000400000000000000" pitchFamily="2" charset="-78"/>
               </a:rPr>
-              <a:t>جمع بندي </a:t>
+              <a:t>بندي </a:t>
             </a:r>
             <a:endParaRPr lang="fa-IR" sz="2400" dirty="0">
               <a:cs typeface="B Nazanin" panose="00000400000000000000" pitchFamily="2" charset="-78"/>
@@ -10950,7 +8278,7 @@
           <a:p>
             <a:fld id="{85D879EB-1AC6-4DAD-A7D9-A5ED0E43FD94}" type="uaqdatetime1">
               <a:rPr lang="fa-IR" smtClean="0"/>
-              <a:t>07/06/1443</a:t>
+              <a:t>08/06/1443</a:t>
             </a:fld>
             <a:endParaRPr lang="en-US"/>
           </a:p>
@@ -11174,7 +8502,7 @@
           <a:p>
             <a:fld id="{44424082-5CA2-48E6-9B05-0898A8B9FA3C}" type="uaqdatetime1">
               <a:rPr lang="fa-IR" smtClean="0"/>
-              <a:t>07/06/1443</a:t>
+              <a:t>08/06/1443</a:t>
             </a:fld>
             <a:endParaRPr lang="en-US"/>
           </a:p>
@@ -11250,7 +8578,12 @@
             <p:ph type="title"/>
           </p:nvPr>
         </p:nvSpPr>
-        <p:spPr/>
+        <p:spPr>
+          <a:xfrm>
+            <a:off x="838200" y="365125"/>
+            <a:ext cx="10515600" cy="955675"/>
+          </a:xfrm>
+        </p:spPr>
         <p:txBody>
           <a:bodyPr/>
           <a:lstStyle/>
@@ -11286,8 +8619,8 @@
         </p:nvSpPr>
         <p:spPr>
           <a:xfrm>
-            <a:off x="677334" y="1865025"/>
-            <a:ext cx="8596668" cy="3880773"/>
+            <a:off x="677333" y="1431637"/>
+            <a:ext cx="10886593" cy="4314162"/>
           </a:xfrm>
         </p:spPr>
         <p:txBody>
@@ -11484,7 +8817,7 @@
           <a:p>
             <a:fld id="{97B56645-9C37-419D-86C0-AA05FDDD1398}" type="uaqdatetime1">
               <a:rPr lang="fa-IR" smtClean="0"/>
-              <a:t>07/06/1443</a:t>
+              <a:t>08/06/1443</a:t>
             </a:fld>
             <a:endParaRPr lang="en-US"/>
           </a:p>
@@ -11618,7 +8951,26 @@
                 <a:ea typeface="Calibri" panose="020F0502020204030204" pitchFamily="34" charset="0"/>
                 <a:cs typeface="B Nazanin" panose="00000400000000000000" pitchFamily="2" charset="-78"/>
               </a:rPr>
-              <a:t>يك رويداد هر رخداد قابل توجه يا تغيير دروضعيت براي سيستم سخت‌افزاري يا نرم‌افزاري است . </a:t>
+              <a:t>يك </a:t>
+            </a:r>
+            <a:r>
+              <a:rPr lang="fa-IR" sz="2000" dirty="0" smtClean="0">
+                <a:solidFill>
+                  <a:srgbClr val="C00000"/>
+                </a:solidFill>
+                <a:latin typeface="B Nazanin" panose="00000400000000000000" pitchFamily="2" charset="-78"/>
+                <a:ea typeface="Calibri" panose="020F0502020204030204" pitchFamily="34" charset="0"/>
+                <a:cs typeface="B Nazanin" panose="00000400000000000000" pitchFamily="2" charset="-78"/>
+              </a:rPr>
+              <a:t>رويداد</a:t>
+            </a:r>
+            <a:r>
+              <a:rPr lang="fa-IR" sz="2000" dirty="0" smtClean="0">
+                <a:latin typeface="B Nazanin" panose="00000400000000000000" pitchFamily="2" charset="-78"/>
+                <a:ea typeface="Calibri" panose="020F0502020204030204" pitchFamily="34" charset="0"/>
+                <a:cs typeface="B Nazanin" panose="00000400000000000000" pitchFamily="2" charset="-78"/>
+              </a:rPr>
+              <a:t> هر رخداد قابل توجه يا تغيير دروضعيت براي سيستم سخت‌افزاري يا نرم‌افزاري است . </a:t>
             </a:r>
           </a:p>
           <a:p>
@@ -11639,7 +8991,26 @@
                 <a:ea typeface="Calibri" panose="020F0502020204030204" pitchFamily="34" charset="0"/>
                 <a:cs typeface="B Nazanin" panose="00000400000000000000" pitchFamily="2" charset="-78"/>
               </a:rPr>
-              <a:t>منبع يك رويداد مي‌تواند ناشي از ورودي هاي خارجي يا داخلي باشد .</a:t>
+              <a:t>منبع يك </a:t>
+            </a:r>
+            <a:r>
+              <a:rPr lang="fa-IR" sz="2000" dirty="0" smtClean="0">
+                <a:solidFill>
+                  <a:srgbClr val="C00000"/>
+                </a:solidFill>
+                <a:latin typeface="B Nazanin" panose="00000400000000000000" pitchFamily="2" charset="-78"/>
+                <a:ea typeface="Calibri" panose="020F0502020204030204" pitchFamily="34" charset="0"/>
+                <a:cs typeface="B Nazanin" panose="00000400000000000000" pitchFamily="2" charset="-78"/>
+              </a:rPr>
+              <a:t>رويداد</a:t>
+            </a:r>
+            <a:r>
+              <a:rPr lang="fa-IR" sz="2000" dirty="0" smtClean="0">
+                <a:latin typeface="B Nazanin" panose="00000400000000000000" pitchFamily="2" charset="-78"/>
+                <a:ea typeface="Calibri" panose="020F0502020204030204" pitchFamily="34" charset="0"/>
+                <a:cs typeface="B Nazanin" panose="00000400000000000000" pitchFamily="2" charset="-78"/>
+              </a:rPr>
+              <a:t> مي‌تواند ناشي از ورودي هاي خارجي يا داخلي باشد .</a:t>
             </a:r>
           </a:p>
           <a:p>
@@ -11656,11 +9027,22 @@
             </a:pPr>
             <a:r>
               <a:rPr lang="fa-IR" sz="2000" dirty="0" smtClean="0">
+                <a:solidFill>
+                  <a:srgbClr val="C00000"/>
+                </a:solidFill>
                 <a:latin typeface="B Nazanin" panose="00000400000000000000" pitchFamily="2" charset="-78"/>
                 <a:ea typeface="Calibri" panose="020F0502020204030204" pitchFamily="34" charset="0"/>
                 <a:cs typeface="B Nazanin" panose="00000400000000000000" pitchFamily="2" charset="-78"/>
               </a:rPr>
-              <a:t>رويداد مي‌تواند توسط يك كاربر به وجود آيد ،براي مثال مي‌تواند يك كليك موس يا كيبورد باشد . </a:t>
+              <a:t>رويداد</a:t>
+            </a:r>
+            <a:r>
+              <a:rPr lang="fa-IR" sz="2000" dirty="0" smtClean="0">
+                <a:latin typeface="B Nazanin" panose="00000400000000000000" pitchFamily="2" charset="-78"/>
+                <a:ea typeface="Calibri" panose="020F0502020204030204" pitchFamily="34" charset="0"/>
+                <a:cs typeface="B Nazanin" panose="00000400000000000000" pitchFamily="2" charset="-78"/>
+              </a:rPr>
+              <a:t> مي‌تواند توسط يك كاربر به وجود آيد ،براي مثال مي‌تواند يك كليك موس يا كيبورد باشد . </a:t>
             </a:r>
           </a:p>
           <a:p>
@@ -11744,7 +9126,7 @@
           <a:p>
             <a:fld id="{99F17209-2804-43DE-A57B-2B84D7B02C1B}" type="uaqdatetime1">
               <a:rPr lang="fa-IR" smtClean="0"/>
-              <a:t>07/06/1443</a:t>
+              <a:t>08/06/1443</a:t>
             </a:fld>
             <a:endParaRPr lang="en-US"/>
           </a:p>
@@ -11873,16 +9255,29 @@
               <a:buChar char="§"/>
             </a:pPr>
             <a:r>
-              <a:rPr lang="fa-IR" dirty="0" smtClean="0"/>
-              <a:t>تولیید‌کننده رویداد </a:t>
-            </a:r>
+              <a:rPr lang="fa-IR" sz="2000" dirty="0" smtClean="0">
+                <a:solidFill>
+                  <a:srgbClr val="C00000"/>
+                </a:solidFill>
+                <a:cs typeface="B Nazanin" panose="00000400000000000000" pitchFamily="2" charset="-78"/>
+              </a:rPr>
+              <a:t>تولیید‌کننده‌رویداد </a:t>
+            </a:r>
+            <a:endParaRPr lang="fa-IR" sz="2000" dirty="0" smtClean="0">
+              <a:solidFill>
+                <a:srgbClr val="C00000"/>
+              </a:solidFill>
+              <a:cs typeface="B Nazanin" panose="00000400000000000000" pitchFamily="2" charset="-78"/>
+            </a:endParaRPr>
           </a:p>
           <a:p>
             <a:pPr marL="0" indent="0" algn="r" rtl="1">
               <a:buNone/>
             </a:pPr>
             <a:r>
-              <a:rPr lang="fa-IR" dirty="0" smtClean="0"/>
+              <a:rPr lang="fa-IR" sz="2000" dirty="0" smtClean="0">
+                <a:cs typeface="B Nazanin" panose="00000400000000000000" pitchFamily="2" charset="-78"/>
+              </a:rPr>
               <a:t>مسئول تولیید و انتشار رویدادها می‌باشد </a:t>
             </a:r>
           </a:p>
@@ -11892,23 +9287,82 @@
               <a:buChar char="§"/>
             </a:pPr>
             <a:r>
-              <a:rPr lang="fa-IR" dirty="0" smtClean="0"/>
-              <a:t>روتر رویداد </a:t>
-            </a:r>
+              <a:rPr lang="fa-IR" sz="2000" dirty="0" smtClean="0">
+                <a:solidFill>
+                  <a:srgbClr val="C00000"/>
+                </a:solidFill>
+                <a:cs typeface="B Nazanin" panose="00000400000000000000" pitchFamily="2" charset="-78"/>
+              </a:rPr>
+              <a:t>مسیریاب‌رویداد</a:t>
+            </a:r>
+            <a:r>
+              <a:rPr lang="fa-IR" sz="2000" dirty="0" smtClean="0">
+                <a:cs typeface="B Nazanin" panose="00000400000000000000" pitchFamily="2" charset="-78"/>
+              </a:rPr>
+              <a:t> </a:t>
+            </a:r>
+            <a:endParaRPr lang="fa-IR" sz="2000" dirty="0" smtClean="0">
+              <a:cs typeface="B Nazanin" panose="00000400000000000000" pitchFamily="2" charset="-78"/>
+            </a:endParaRPr>
           </a:p>
           <a:p>
             <a:pPr marL="0" indent="0" algn="r" rtl="1">
               <a:buNone/>
             </a:pPr>
             <a:r>
-              <a:rPr lang="fa-IR" dirty="0" smtClean="0"/>
+              <a:rPr lang="fa-IR" sz="2000" dirty="0" smtClean="0">
+                <a:cs typeface="B Nazanin" panose="00000400000000000000" pitchFamily="2" charset="-78"/>
+              </a:rPr>
               <a:t>    وظیفه </a:t>
             </a:r>
             <a:r>
-              <a:rPr lang="fa-IR" dirty="0"/>
-              <a:t>فیلتر ، پردازش و مسیریابی رویدادها برای رسیدن به مصرف‌کنندگان برعهده روترهای رویداد است </a:t>
-            </a:r>
-            <a:endParaRPr lang="fa-IR" dirty="0" smtClean="0"/>
+              <a:rPr lang="fa-IR" sz="2000" dirty="0">
+                <a:cs typeface="B Nazanin" panose="00000400000000000000" pitchFamily="2" charset="-78"/>
+              </a:rPr>
+              <a:t>فیلتر ، پردازش و مسیریابی رویدادها برای رسیدن به </a:t>
+            </a:r>
+            <a:r>
+              <a:rPr lang="fa-IR" sz="2000" dirty="0" smtClean="0">
+                <a:solidFill>
+                  <a:srgbClr val="C00000"/>
+                </a:solidFill>
+                <a:cs typeface="B Nazanin" panose="00000400000000000000" pitchFamily="2" charset="-78"/>
+              </a:rPr>
+              <a:t>مصرف‌کنندگان رویداد </a:t>
+            </a:r>
+            <a:r>
+              <a:rPr lang="fa-IR" sz="2000" dirty="0">
+                <a:cs typeface="B Nazanin" panose="00000400000000000000" pitchFamily="2" charset="-78"/>
+              </a:rPr>
+              <a:t>برعهده</a:t>
+            </a:r>
+            <a:r>
+              <a:rPr lang="fa-IR" sz="2000" dirty="0">
+                <a:solidFill>
+                  <a:srgbClr val="C00000"/>
+                </a:solidFill>
+                <a:cs typeface="B Nazanin" panose="00000400000000000000" pitchFamily="2" charset="-78"/>
+              </a:rPr>
+              <a:t> </a:t>
+            </a:r>
+            <a:r>
+              <a:rPr lang="fa-IR" sz="2000" dirty="0" smtClean="0">
+                <a:solidFill>
+                  <a:srgbClr val="C00000"/>
+                </a:solidFill>
+                <a:cs typeface="B Nazanin" panose="00000400000000000000" pitchFamily="2" charset="-78"/>
+              </a:rPr>
+              <a:t>مسیریاب‌رویداد </a:t>
+            </a:r>
+            <a:r>
+              <a:rPr lang="fa-IR" sz="2000" dirty="0">
+                <a:cs typeface="B Nazanin" panose="00000400000000000000" pitchFamily="2" charset="-78"/>
+              </a:rPr>
+              <a:t>است </a:t>
+            </a:r>
+            <a:endParaRPr lang="fa-IR" sz="2000" dirty="0" smtClean="0">
+              <a:cs typeface="B Nazanin" panose="00000400000000000000" pitchFamily="2" charset="-78"/>
+            </a:endParaRPr>
           </a:p>
           <a:p>
             <a:pPr algn="r" rtl="1">
@@ -11916,19 +9370,37 @@
               <a:buChar char="§"/>
             </a:pPr>
             <a:r>
-              <a:rPr lang="fa-IR" dirty="0" smtClean="0"/>
-              <a:t>مصرف‌کننده رویداد </a:t>
-            </a:r>
+              <a:rPr lang="fa-IR" sz="2000" dirty="0" smtClean="0">
+                <a:solidFill>
+                  <a:srgbClr val="C00000"/>
+                </a:solidFill>
+                <a:cs typeface="B Nazanin" panose="00000400000000000000" pitchFamily="2" charset="-78"/>
+              </a:rPr>
+              <a:t>مصرف‌کننده‌رویداد </a:t>
+            </a:r>
+            <a:endParaRPr lang="fa-IR" sz="2000" dirty="0" smtClean="0">
+              <a:solidFill>
+                <a:srgbClr val="C00000"/>
+              </a:solidFill>
+              <a:cs typeface="B Nazanin" panose="00000400000000000000" pitchFamily="2" charset="-78"/>
+            </a:endParaRPr>
           </a:p>
           <a:p>
             <a:pPr marL="0" indent="0" algn="r" rtl="1">
               <a:buNone/>
             </a:pPr>
             <a:r>
-              <a:rPr lang="fa-IR" smtClean="0"/>
-              <a:t>رویداد را دریافت کرد و نصب به آن اقدام مناسبی را اتخاذ می‌کند . </a:t>
-            </a:r>
-            <a:endParaRPr lang="fa-IR" dirty="0" smtClean="0"/>
+              <a:rPr lang="fa-IR" sz="2000" dirty="0" smtClean="0">
+                <a:cs typeface="B Nazanin" panose="00000400000000000000" pitchFamily="2" charset="-78"/>
+              </a:rPr>
+              <a:t>رویداد را دریافت کرد و نصب به آن اقدام مناسبی را اتخاذ می‌کند </a:t>
+            </a:r>
+            <a:r>
+              <a:rPr lang="fa-IR" dirty="0" smtClean="0">
+                <a:cs typeface="B Nazanin" panose="00000400000000000000" pitchFamily="2" charset="-78"/>
+              </a:rPr>
+              <a:t>. </a:t>
+            </a:r>
           </a:p>
           <a:p>
             <a:pPr algn="r" rtl="1">
@@ -11995,6 +9467,13 @@
   <p:clrMapOvr>
     <a:masterClrMapping/>
   </p:clrMapOvr>
+  <p:timing>
+    <p:tnLst>
+      <p:par>
+        <p:cTn id="1" dur="indefinite" restart="never" nodeType="tmRoot"/>
+      </p:par>
+    </p:tnLst>
+  </p:timing>
 </p:sld>
 </file>
 
@@ -12059,12 +9538,379 @@
             <p:ph idx="1"/>
           </p:nvPr>
         </p:nvSpPr>
-        <p:spPr/>
-        <p:txBody>
-          <a:bodyPr/>
-          <a:lstStyle/>
-          <a:p>
-            <a:endParaRPr lang="en-US"/>
+        <p:spPr>
+          <a:xfrm>
+            <a:off x="677333" y="1440873"/>
+            <a:ext cx="11126739" cy="4600489"/>
+          </a:xfrm>
+        </p:spPr>
+        <p:txBody>
+          <a:bodyPr>
+            <a:noAutofit/>
+          </a:bodyPr>
+          <a:lstStyle/>
+          <a:p>
+            <a:pPr algn="r" rtl="1">
+              <a:buFont typeface="Wingdings" panose="05000000000000000000" pitchFamily="2" charset="2"/>
+              <a:buChar char="§"/>
+            </a:pPr>
+            <a:r>
+              <a:rPr lang="fa-IR" sz="2000" dirty="0" smtClean="0">
+                <a:cs typeface="B Nazanin" panose="00000400000000000000" pitchFamily="2" charset="-78"/>
+              </a:rPr>
+              <a:t>همانطور كه توضيح داده شد معماری رویداد محور از سه قسمت </a:t>
+            </a:r>
+            <a:r>
+              <a:rPr lang="fa-IR" sz="2000" dirty="0" smtClean="0">
+                <a:solidFill>
+                  <a:srgbClr val="C00000"/>
+                </a:solidFill>
+                <a:cs typeface="B Nazanin" panose="00000400000000000000" pitchFamily="2" charset="-78"/>
+              </a:rPr>
+              <a:t>تولییدکننده رویداد </a:t>
+            </a:r>
+            <a:r>
+              <a:rPr lang="fa-IR" sz="2000" dirty="0" smtClean="0">
+                <a:cs typeface="B Nazanin" panose="00000400000000000000" pitchFamily="2" charset="-78"/>
+              </a:rPr>
+              <a:t>، </a:t>
+            </a:r>
+            <a:r>
+              <a:rPr lang="fa-IR" sz="2000" dirty="0" smtClean="0">
+                <a:solidFill>
+                  <a:srgbClr val="C00000"/>
+                </a:solidFill>
+                <a:cs typeface="B Nazanin" panose="00000400000000000000" pitchFamily="2" charset="-78"/>
+              </a:rPr>
+              <a:t>مصرف‌کننده رویداد </a:t>
+            </a:r>
+            <a:r>
+              <a:rPr lang="fa-IR" sz="2000" dirty="0" smtClean="0">
+                <a:cs typeface="B Nazanin" panose="00000400000000000000" pitchFamily="2" charset="-78"/>
+              </a:rPr>
+              <a:t>و </a:t>
+            </a:r>
+            <a:r>
+              <a:rPr lang="fa-IR" sz="2000" dirty="0" smtClean="0">
+                <a:solidFill>
+                  <a:srgbClr val="C00000"/>
+                </a:solidFill>
+                <a:cs typeface="B Nazanin" panose="00000400000000000000" pitchFamily="2" charset="-78"/>
+              </a:rPr>
+              <a:t>مسیریاب رویداد </a:t>
+            </a:r>
+            <a:r>
+              <a:rPr lang="fa-IR" sz="2000" dirty="0" smtClean="0">
+                <a:cs typeface="B Nazanin" panose="00000400000000000000" pitchFamily="2" charset="-78"/>
+              </a:rPr>
+              <a:t>تشکیل شده است .</a:t>
+            </a:r>
+          </a:p>
+          <a:p>
+            <a:pPr algn="r" rtl="1">
+              <a:buFont typeface="Wingdings" panose="05000000000000000000" pitchFamily="2" charset="2"/>
+              <a:buChar char="§"/>
+            </a:pPr>
+            <a:r>
+              <a:rPr lang="fa-IR" sz="2000" dirty="0" smtClean="0">
+                <a:cs typeface="B Nazanin" panose="00000400000000000000" pitchFamily="2" charset="-78"/>
+              </a:rPr>
+              <a:t>یک </a:t>
+            </a:r>
+            <a:r>
+              <a:rPr lang="fa-IR" sz="2000" dirty="0" smtClean="0">
+                <a:solidFill>
+                  <a:srgbClr val="C00000"/>
+                </a:solidFill>
+                <a:cs typeface="B Nazanin" panose="00000400000000000000" pitchFamily="2" charset="-78"/>
+              </a:rPr>
+              <a:t>تولییدکننده رویداد </a:t>
+            </a:r>
+            <a:r>
+              <a:rPr lang="fa-IR" sz="2000" dirty="0" smtClean="0">
+                <a:cs typeface="B Nazanin" panose="00000400000000000000" pitchFamily="2" charset="-78"/>
+              </a:rPr>
+              <a:t>یک </a:t>
+            </a:r>
+            <a:r>
+              <a:rPr lang="fa-IR" sz="2000" dirty="0" smtClean="0">
+                <a:solidFill>
+                  <a:srgbClr val="C00000"/>
+                </a:solidFill>
+                <a:cs typeface="B Nazanin" panose="00000400000000000000" pitchFamily="2" charset="-78"/>
+              </a:rPr>
+              <a:t>رویداد</a:t>
+            </a:r>
+            <a:r>
+              <a:rPr lang="fa-IR" sz="2000" dirty="0" smtClean="0">
+                <a:cs typeface="B Nazanin" panose="00000400000000000000" pitchFamily="2" charset="-78"/>
+              </a:rPr>
+              <a:t> را تشخیص یا حس می‌کند و رویداد  را به عنوان پیام نمایش می‌دهد . </a:t>
+            </a:r>
+          </a:p>
+          <a:p>
+            <a:pPr algn="r" rtl="1">
+              <a:buFont typeface="Wingdings" panose="05000000000000000000" pitchFamily="2" charset="2"/>
+              <a:buChar char="§"/>
+            </a:pPr>
+            <a:r>
+              <a:rPr lang="fa-IR" sz="2000" dirty="0" smtClean="0">
+                <a:cs typeface="B Nazanin" panose="00000400000000000000" pitchFamily="2" charset="-78"/>
+              </a:rPr>
+              <a:t> </a:t>
+            </a:r>
+            <a:r>
+              <a:rPr lang="fa-IR" sz="2000" dirty="0">
+                <a:cs typeface="B Nazanin" panose="00000400000000000000" pitchFamily="2" charset="-78"/>
+              </a:rPr>
+              <a:t>پس </a:t>
+            </a:r>
+            <a:r>
+              <a:rPr lang="fa-IR" sz="2000" dirty="0" smtClean="0">
+                <a:cs typeface="B Nazanin" panose="00000400000000000000" pitchFamily="2" charset="-78"/>
+              </a:rPr>
+              <a:t>از مرحله  شناسایی، </a:t>
+            </a:r>
+            <a:r>
+              <a:rPr lang="fa-IR" sz="2000" dirty="0">
+                <a:cs typeface="B Nazanin" panose="00000400000000000000" pitchFamily="2" charset="-78"/>
+              </a:rPr>
+              <a:t>یک </a:t>
+            </a:r>
+            <a:r>
+              <a:rPr lang="fa-IR" sz="2000" dirty="0" smtClean="0">
+                <a:solidFill>
+                  <a:srgbClr val="C00000"/>
+                </a:solidFill>
+                <a:cs typeface="B Nazanin" panose="00000400000000000000" pitchFamily="2" charset="-78"/>
+              </a:rPr>
+              <a:t>رویداد</a:t>
+            </a:r>
+            <a:r>
+              <a:rPr lang="fa-IR" sz="2000" dirty="0" smtClean="0">
+                <a:cs typeface="B Nazanin" panose="00000400000000000000" pitchFamily="2" charset="-78"/>
+              </a:rPr>
+              <a:t> </a:t>
+            </a:r>
+            <a:r>
+              <a:rPr lang="fa-IR" sz="2000" dirty="0">
+                <a:cs typeface="B Nazanin" panose="00000400000000000000" pitchFamily="2" charset="-78"/>
+              </a:rPr>
+              <a:t>از </a:t>
+            </a:r>
+            <a:r>
+              <a:rPr lang="fa-IR" sz="2000" dirty="0">
+                <a:solidFill>
+                  <a:srgbClr val="C00000"/>
+                </a:solidFill>
+                <a:cs typeface="B Nazanin" panose="00000400000000000000" pitchFamily="2" charset="-78"/>
+              </a:rPr>
+              <a:t>تولیدکننده رویداد </a:t>
+            </a:r>
+            <a:r>
+              <a:rPr lang="fa-IR" sz="2000" dirty="0">
+                <a:cs typeface="B Nazanin" panose="00000400000000000000" pitchFamily="2" charset="-78"/>
+              </a:rPr>
+              <a:t>از طریق </a:t>
+            </a:r>
+            <a:r>
+              <a:rPr lang="fa-IR" sz="2000" dirty="0">
+                <a:solidFill>
+                  <a:srgbClr val="C00000"/>
+                </a:solidFill>
+                <a:cs typeface="B Nazanin" panose="00000400000000000000" pitchFamily="2" charset="-78"/>
+              </a:rPr>
+              <a:t>مسیریاب رویداد  </a:t>
+            </a:r>
+            <a:r>
+              <a:rPr lang="fa-IR" sz="2000" dirty="0">
+                <a:cs typeface="B Nazanin" panose="00000400000000000000" pitchFamily="2" charset="-78"/>
+              </a:rPr>
+              <a:t>به </a:t>
+            </a:r>
+            <a:r>
+              <a:rPr lang="fa-IR" sz="2000" dirty="0">
+                <a:solidFill>
+                  <a:srgbClr val="C00000"/>
+                </a:solidFill>
+                <a:cs typeface="B Nazanin" panose="00000400000000000000" pitchFamily="2" charset="-78"/>
+              </a:rPr>
+              <a:t>مصرف کنندگان رویداد </a:t>
+            </a:r>
+            <a:r>
+              <a:rPr lang="fa-IR" sz="2000" dirty="0">
+                <a:cs typeface="B Nazanin" panose="00000400000000000000" pitchFamily="2" charset="-78"/>
+              </a:rPr>
+              <a:t>منتقل می شود، جایی که یک </a:t>
+            </a:r>
+            <a:r>
+              <a:rPr lang="fa-IR" sz="2000" dirty="0">
+                <a:solidFill>
+                  <a:srgbClr val="C00000"/>
+                </a:solidFill>
+                <a:cs typeface="B Nazanin" panose="00000400000000000000" pitchFamily="2" charset="-78"/>
+              </a:rPr>
+              <a:t>پلت فرم پردازش رویداد </a:t>
+            </a:r>
+            <a:r>
+              <a:rPr lang="fa-IR" sz="2000" dirty="0">
+                <a:cs typeface="B Nazanin" panose="00000400000000000000" pitchFamily="2" charset="-78"/>
+              </a:rPr>
+              <a:t>، رویداد را به صورت </a:t>
+            </a:r>
+            <a:r>
+              <a:rPr lang="fa-IR" sz="2000" dirty="0">
+                <a:solidFill>
+                  <a:srgbClr val="C00000"/>
+                </a:solidFill>
+                <a:cs typeface="B Nazanin" panose="00000400000000000000" pitchFamily="2" charset="-78"/>
+              </a:rPr>
+              <a:t>ناهمزمان</a:t>
+            </a:r>
+            <a:r>
+              <a:rPr lang="fa-IR" sz="2000" dirty="0">
+                <a:cs typeface="B Nazanin" panose="00000400000000000000" pitchFamily="2" charset="-78"/>
+              </a:rPr>
+              <a:t> پردازش می کند. </a:t>
+            </a:r>
+            <a:endParaRPr lang="fa-IR" sz="2000" dirty="0" smtClean="0">
+              <a:cs typeface="B Nazanin" panose="00000400000000000000" pitchFamily="2" charset="-78"/>
+            </a:endParaRPr>
+          </a:p>
+          <a:p>
+            <a:pPr algn="r" rtl="1">
+              <a:buFont typeface="Wingdings" panose="05000000000000000000" pitchFamily="2" charset="2"/>
+              <a:buChar char="§"/>
+            </a:pPr>
+            <a:r>
+              <a:rPr lang="fa-IR" sz="2000" dirty="0" smtClean="0">
+                <a:solidFill>
+                  <a:srgbClr val="C00000"/>
+                </a:solidFill>
+                <a:cs typeface="B Nazanin" panose="00000400000000000000" pitchFamily="2" charset="-78"/>
+              </a:rPr>
+              <a:t>رویداد </a:t>
+            </a:r>
+            <a:r>
+              <a:rPr lang="fa-IR" sz="2000" dirty="0" smtClean="0">
+                <a:cs typeface="B Nazanin" panose="00000400000000000000" pitchFamily="2" charset="-78"/>
+              </a:rPr>
+              <a:t>ممکن است توسط </a:t>
+            </a:r>
+            <a:r>
+              <a:rPr lang="fa-IR" sz="2000" dirty="0" smtClean="0">
+                <a:solidFill>
+                  <a:srgbClr val="C00000"/>
+                </a:solidFill>
+                <a:cs typeface="B Nazanin" panose="00000400000000000000" pitchFamily="2" charset="-78"/>
+              </a:rPr>
+              <a:t>مصرف‌کننده‌های رویداد </a:t>
+            </a:r>
+            <a:r>
+              <a:rPr lang="fa-IR" sz="2000" dirty="0" smtClean="0">
+                <a:cs typeface="B Nazanin" panose="00000400000000000000" pitchFamily="2" charset="-78"/>
+              </a:rPr>
+              <a:t>پردازش شوند یا فقط آنها را تحت تاثیر قرار دهند . </a:t>
+            </a:r>
+          </a:p>
+          <a:p>
+            <a:pPr algn="r" rtl="1">
+              <a:buFont typeface="Wingdings" panose="05000000000000000000" pitchFamily="2" charset="2"/>
+              <a:buChar char="§"/>
+            </a:pPr>
+            <a:r>
+              <a:rPr lang="fa-IR" sz="2000" dirty="0">
+                <a:cs typeface="B Nazanin" panose="00000400000000000000" pitchFamily="2" charset="-78"/>
+              </a:rPr>
+              <a:t> </a:t>
+            </a:r>
+            <a:r>
+              <a:rPr lang="fa-IR" sz="2000" dirty="0">
+                <a:solidFill>
+                  <a:srgbClr val="C00000"/>
+                </a:solidFill>
+                <a:cs typeface="B Nazanin" panose="00000400000000000000" pitchFamily="2" charset="-78"/>
+              </a:rPr>
+              <a:t>پلتفرم پردازش رویداد </a:t>
+            </a:r>
+            <a:r>
+              <a:rPr lang="fa-IR" sz="2000" dirty="0">
+                <a:cs typeface="B Nazanin" panose="00000400000000000000" pitchFamily="2" charset="-78"/>
+              </a:rPr>
+              <a:t>پاسخ صحیح به یک</a:t>
+            </a:r>
+            <a:r>
+              <a:rPr lang="fa-IR" sz="2000" dirty="0">
+                <a:solidFill>
+                  <a:srgbClr val="C00000"/>
+                </a:solidFill>
+                <a:cs typeface="B Nazanin" panose="00000400000000000000" pitchFamily="2" charset="-78"/>
+              </a:rPr>
+              <a:t> رویداد </a:t>
+            </a:r>
+            <a:r>
+              <a:rPr lang="fa-IR" sz="2000" dirty="0">
+                <a:cs typeface="B Nazanin" panose="00000400000000000000" pitchFamily="2" charset="-78"/>
+              </a:rPr>
+              <a:t>را اجرا می کند و فعالیت را در یک </a:t>
+            </a:r>
+            <a:r>
+              <a:rPr lang="fa-IR" sz="2000" dirty="0">
+                <a:solidFill>
+                  <a:srgbClr val="C00000"/>
+                </a:solidFill>
+                <a:cs typeface="B Nazanin" panose="00000400000000000000" pitchFamily="2" charset="-78"/>
+              </a:rPr>
+              <a:t>جریان سرازیری  </a:t>
+            </a:r>
+            <a:r>
+              <a:rPr lang="fa-IR" sz="2000" dirty="0">
+                <a:cs typeface="B Nazanin" panose="00000400000000000000" pitchFamily="2" charset="-78"/>
+              </a:rPr>
+              <a:t>به مصرف کنندگان مناسب ارسال می کند. این فعالیت جریان سرازیری جایی است که نتیجه یک رویداد دیده می </a:t>
+            </a:r>
+            <a:r>
+              <a:rPr lang="fa-IR" sz="2000" dirty="0" smtClean="0">
+                <a:cs typeface="B Nazanin" panose="00000400000000000000" pitchFamily="2" charset="-78"/>
+              </a:rPr>
+              <a:t>شود.</a:t>
+            </a:r>
+          </a:p>
+          <a:p>
+            <a:pPr algn="r" rtl="1">
+              <a:buFont typeface="Wingdings" panose="05000000000000000000" pitchFamily="2" charset="2"/>
+              <a:buChar char="§"/>
+            </a:pPr>
+            <a:r>
+              <a:rPr lang="en-US" sz="2000" dirty="0">
+                <a:cs typeface="B Nazanin" panose="00000400000000000000" pitchFamily="2" charset="-78"/>
+              </a:rPr>
+              <a:t> </a:t>
+            </a:r>
+            <a:r>
+              <a:rPr lang="ar-SA" sz="2000" dirty="0">
+                <a:cs typeface="B Nazanin" panose="00000400000000000000" pitchFamily="2" charset="-78"/>
+              </a:rPr>
+              <a:t>یک از مشهورترین پلتفرم‌های جریان‌داده توزیع شده </a:t>
+            </a:r>
+            <a:r>
+              <a:rPr lang="ar-SA" sz="2000" dirty="0">
+                <a:solidFill>
+                  <a:srgbClr val="C00000"/>
+                </a:solidFill>
+                <a:cs typeface="B Nazanin" panose="00000400000000000000" pitchFamily="2" charset="-78"/>
+              </a:rPr>
+              <a:t>آپاچی کافکا </a:t>
+            </a:r>
+            <a:r>
+              <a:rPr lang="ar-SA" sz="2000" dirty="0">
+                <a:cs typeface="B Nazanin" panose="00000400000000000000" pitchFamily="2" charset="-78"/>
+              </a:rPr>
+              <a:t>است که یک انتخاب محبوب برای پردازش رویداد است. این پلتفرم می تواند انتشار، اشتراک، ذخیره و پردازش جریان های رویداد را به صورت بلادرنگ  انجام دهد. </a:t>
+            </a:r>
+            <a:endParaRPr lang="en-US" sz="2000" dirty="0">
+              <a:cs typeface="B Nazanin" panose="00000400000000000000" pitchFamily="2" charset="-78"/>
+            </a:endParaRPr>
           </a:p>
         </p:txBody>
       </p:sp>
@@ -12085,7 +9931,7 @@
           <a:p>
             <a:fld id="{006FBB09-33D0-4E85-A34E-7878EB333873}" type="uaqdatetime1">
               <a:rPr lang="fa-IR" smtClean="0"/>
-              <a:t>07/06/1443</a:t>
+              <a:t>08/06/1443</a:t>
             </a:fld>
             <a:endParaRPr lang="en-US"/>
           </a:p>
@@ -12197,13 +10043,13 @@
         </p:nvSpPr>
         <p:spPr>
           <a:xfrm>
-            <a:off x="677334" y="1717965"/>
-            <a:ext cx="8596668" cy="4323398"/>
+            <a:off x="677333" y="1717965"/>
+            <a:ext cx="11071321" cy="4323398"/>
           </a:xfrm>
         </p:spPr>
         <p:txBody>
           <a:bodyPr>
-            <a:normAutofit fontScale="92500"/>
+            <a:normAutofit/>
           </a:bodyPr>
           <a:lstStyle/>
           <a:p>
@@ -12220,23 +10066,26 @@
           </a:p>
           <a:p>
             <a:pPr algn="r" rtl="1">
-              <a:buFont typeface="Arial" panose="020B0604020202020204" pitchFamily="34" charset="0"/>
-              <a:buChar char="•"/>
+              <a:buFont typeface="Wingdings" panose="05000000000000000000" pitchFamily="2" charset="2"/>
+              <a:buChar char="q"/>
             </a:pPr>
             <a:r>
               <a:rPr lang="fa-IR" sz="2400" dirty="0" smtClean="0">
-                <a:cs typeface="B Nazanin" panose="00000400000000000000" pitchFamily="2" charset="-78"/>
-              </a:rPr>
-              <a:t>1- </a:t>
+                <a:solidFill>
+                  <a:srgbClr val="C00000"/>
+                </a:solidFill>
+                <a:cs typeface="B Nazanin" panose="00000400000000000000" pitchFamily="2" charset="-78"/>
+              </a:rPr>
+              <a:t>مدل </a:t>
             </a:r>
             <a:r>
               <a:rPr lang="fa-IR" sz="2400" dirty="0" smtClean="0">
                 <a:solidFill>
-                  <a:schemeClr val="tx1"/>
-                </a:solidFill>
-                <a:cs typeface="B Nazanin" panose="00000400000000000000" pitchFamily="2" charset="-78"/>
-              </a:rPr>
-              <a:t>مدل انتشار اشتراك </a:t>
+                  <a:srgbClr val="C00000"/>
+                </a:solidFill>
+                <a:cs typeface="B Nazanin" panose="00000400000000000000" pitchFamily="2" charset="-78"/>
+              </a:rPr>
+              <a:t>انتشار اشتراك </a:t>
             </a:r>
           </a:p>
           <a:p>
@@ -12277,14 +10126,26 @@
           </a:p>
           <a:p>
             <a:pPr algn="r" rtl="1">
-              <a:buFont typeface="Arial" panose="020B0604020202020204" pitchFamily="34" charset="0"/>
-              <a:buChar char="•"/>
+              <a:buFont typeface="Wingdings" panose="05000000000000000000" pitchFamily="2" charset="2"/>
+              <a:buChar char="q"/>
             </a:pPr>
             <a:r>
               <a:rPr lang="fa-IR" sz="2400" dirty="0" smtClean="0">
-                <a:cs typeface="B Nazanin" panose="00000400000000000000" pitchFamily="2" charset="-78"/>
-              </a:rPr>
-              <a:t>2- مدل جريان رويداد </a:t>
+                <a:solidFill>
+                  <a:srgbClr val="C00000"/>
+                </a:solidFill>
+                <a:cs typeface="B Nazanin" panose="00000400000000000000" pitchFamily="2" charset="-78"/>
+              </a:rPr>
+              <a:t> </a:t>
+            </a:r>
+            <a:r>
+              <a:rPr lang="fa-IR" sz="2400" dirty="0" smtClean="0">
+                <a:solidFill>
+                  <a:srgbClr val="C00000"/>
+                </a:solidFill>
+                <a:cs typeface="B Nazanin" panose="00000400000000000000" pitchFamily="2" charset="-78"/>
+              </a:rPr>
+              <a:t>مدل جريان رويداد </a:t>
             </a:r>
           </a:p>
           <a:p>
@@ -12371,7 +10232,7 @@
           <a:p>
             <a:fld id="{C2DB2716-ABCB-47E4-A5E7-31908A35B483}" type="uaqdatetime1">
               <a:rPr lang="fa-IR" smtClean="0"/>
-              <a:t>07/06/1443</a:t>
+              <a:t>08/06/1443</a:t>
             </a:fld>
             <a:endParaRPr lang="en-US"/>
           </a:p>
@@ -12410,6 +10271,13 @@
   <p:clrMapOvr>
     <a:masterClrMapping/>
   </p:clrMapOvr>
+  <p:timing>
+    <p:tnLst>
+      <p:par>
+        <p:cTn id="1" dur="indefinite" restart="never" nodeType="tmRoot"/>
+      </p:par>
+    </p:tnLst>
+  </p:timing>
 </p:sld>
 </file>
 
@@ -12476,8 +10344,8 @@
         </p:nvSpPr>
         <p:spPr>
           <a:xfrm>
-            <a:off x="677334" y="1348509"/>
-            <a:ext cx="8596668" cy="4692854"/>
+            <a:off x="677334" y="1902691"/>
+            <a:ext cx="10676466" cy="4138672"/>
           </a:xfrm>
         </p:spPr>
         <p:txBody>
@@ -12565,20 +10433,75 @@
               <a:rPr lang="fa-IR" sz="2200" dirty="0" smtClean="0">
                 <a:cs typeface="B Nazanin" panose="00000400000000000000" pitchFamily="2" charset="-78"/>
               </a:rPr>
-              <a:t> پردازش رويداد گسترده </a:t>
+              <a:t> </a:t>
+            </a:r>
+            <a:r>
+              <a:rPr lang="fa-IR" sz="2200" dirty="0" smtClean="0">
+                <a:solidFill>
+                  <a:srgbClr val="C00000"/>
+                </a:solidFill>
+                <a:cs typeface="B Nazanin" panose="00000400000000000000" pitchFamily="2" charset="-78"/>
+              </a:rPr>
+              <a:t>پردازش رويداد گسترده </a:t>
             </a:r>
           </a:p>
           <a:p>
             <a:pPr marL="914400" lvl="2" indent="0" algn="r" rtl="1">
               <a:buNone/>
             </a:pPr>
+            <a:r>
+              <a:rPr lang="fa-IR" sz="2000" dirty="0" smtClean="0">
+                <a:latin typeface="B Nazanin" panose="00000400000000000000" pitchFamily="2" charset="-78"/>
+                <a:ea typeface="Calibri" panose="020F0502020204030204" pitchFamily="34" charset="0"/>
+                <a:cs typeface="B Nazanin" panose="00000400000000000000" pitchFamily="2" charset="-78"/>
+              </a:rPr>
+              <a:t>در </a:t>
+            </a:r>
+            <a:r>
+              <a:rPr lang="fa-IR" sz="2000" dirty="0" smtClean="0">
+                <a:solidFill>
+                  <a:srgbClr val="C00000"/>
+                </a:solidFill>
+                <a:latin typeface="B Nazanin" panose="00000400000000000000" pitchFamily="2" charset="-78"/>
+                <a:ea typeface="Calibri" panose="020F0502020204030204" pitchFamily="34" charset="0"/>
+                <a:cs typeface="B Nazanin" panose="00000400000000000000" pitchFamily="2" charset="-78"/>
+              </a:rPr>
+              <a:t>پردازش رویداد گسترده </a:t>
+            </a:r>
             <a:r>
               <a:rPr lang="fa-IR" sz="2000" dirty="0">
                 <a:latin typeface="B Nazanin" panose="00000400000000000000" pitchFamily="2" charset="-78"/>
                 <a:ea typeface="Calibri" panose="020F0502020204030204" pitchFamily="34" charset="0"/>
                 <a:cs typeface="B Nazanin" panose="00000400000000000000" pitchFamily="2" charset="-78"/>
               </a:rPr>
-              <a:t>پردازش یک جریان نامحدود از رویدادهای مرتبط، که در آن سوابق رویداد به ترتیب خاصي ظاهر می شوند و با آگاهی از رویدادهای گذشته پردازش می شوند</a:t>
+              <a:t>یک جریان نامحدود از</a:t>
+            </a:r>
+            <a:r>
+              <a:rPr lang="fa-IR" sz="2000" dirty="0">
+                <a:solidFill>
+                  <a:srgbClr val="C00000"/>
+                </a:solidFill>
+                <a:latin typeface="B Nazanin" panose="00000400000000000000" pitchFamily="2" charset="-78"/>
+                <a:ea typeface="Calibri" panose="020F0502020204030204" pitchFamily="34" charset="0"/>
+                <a:cs typeface="B Nazanin" panose="00000400000000000000" pitchFamily="2" charset="-78"/>
+              </a:rPr>
+              <a:t> رویدادهای </a:t>
+            </a:r>
+            <a:r>
+              <a:rPr lang="fa-IR" sz="2000" dirty="0">
+                <a:latin typeface="B Nazanin" panose="00000400000000000000" pitchFamily="2" charset="-78"/>
+                <a:ea typeface="Calibri" panose="020F0502020204030204" pitchFamily="34" charset="0"/>
+                <a:cs typeface="B Nazanin" panose="00000400000000000000" pitchFamily="2" charset="-78"/>
+              </a:rPr>
+              <a:t>مرتبط، که در آن سوابق رویداد به ترتیب خاصي ظاهر می شوند و با آگاهی از رویدادهای گذشته پردازش می </a:t>
+            </a:r>
+            <a:r>
+              <a:rPr lang="fa-IR" sz="2000" dirty="0" smtClean="0">
+                <a:latin typeface="B Nazanin" panose="00000400000000000000" pitchFamily="2" charset="-78"/>
+                <a:ea typeface="Calibri" panose="020F0502020204030204" pitchFamily="34" charset="0"/>
+                <a:cs typeface="B Nazanin" panose="00000400000000000000" pitchFamily="2" charset="-78"/>
+              </a:rPr>
+              <a:t>شوند.</a:t>
             </a:r>
             <a:endParaRPr lang="fa-IR" sz="2000" dirty="0" smtClean="0">
               <a:cs typeface="B Nazanin" panose="00000400000000000000" pitchFamily="2" charset="-78"/>
@@ -12591,6 +10514,9 @@
             </a:pPr>
             <a:r>
               <a:rPr lang="fa-IR" sz="2200" dirty="0" smtClean="0">
+                <a:solidFill>
+                  <a:srgbClr val="C00000"/>
+                </a:solidFill>
                 <a:cs typeface="B Nazanin" panose="00000400000000000000" pitchFamily="2" charset="-78"/>
               </a:rPr>
               <a:t>پردازش رويداد ساده </a:t>
@@ -12606,7 +10532,45 @@
                 <a:ea typeface="Calibri" panose="020F0502020204030204" pitchFamily="34" charset="0"/>
                 <a:cs typeface="B Nazanin" panose="00000400000000000000" pitchFamily="2" charset="-78"/>
               </a:rPr>
-              <a:t> پردازش رویداد ساده زمانی است که یک رویداد بلافاصله اقدامی را در مصرف کننده رویداد ایجاد می کند.</a:t>
+              <a:t> </a:t>
+            </a:r>
+            <a:r>
+              <a:rPr lang="fa-IR" sz="2000" dirty="0" smtClean="0">
+                <a:solidFill>
+                  <a:srgbClr val="C00000"/>
+                </a:solidFill>
+                <a:latin typeface="Calibri" panose="020F0502020204030204" pitchFamily="34" charset="0"/>
+                <a:ea typeface="Calibri" panose="020F0502020204030204" pitchFamily="34" charset="0"/>
+                <a:cs typeface="B Nazanin" panose="00000400000000000000" pitchFamily="2" charset="-78"/>
+              </a:rPr>
+              <a:t>پردازش‌رویداد‌ ساده </a:t>
+            </a:r>
+            <a:r>
+              <a:rPr lang="fa-IR" sz="2000" dirty="0">
+                <a:latin typeface="Calibri" panose="020F0502020204030204" pitchFamily="34" charset="0"/>
+                <a:ea typeface="Calibri" panose="020F0502020204030204" pitchFamily="34" charset="0"/>
+                <a:cs typeface="B Nazanin" panose="00000400000000000000" pitchFamily="2" charset="-78"/>
+              </a:rPr>
+              <a:t>زمانی است که یک </a:t>
+            </a:r>
+            <a:r>
+              <a:rPr lang="fa-IR" sz="2000" dirty="0">
+                <a:solidFill>
+                  <a:srgbClr val="C00000"/>
+                </a:solidFill>
+                <a:latin typeface="Calibri" panose="020F0502020204030204" pitchFamily="34" charset="0"/>
+                <a:ea typeface="Calibri" panose="020F0502020204030204" pitchFamily="34" charset="0"/>
+                <a:cs typeface="B Nazanin" panose="00000400000000000000" pitchFamily="2" charset="-78"/>
+              </a:rPr>
+              <a:t>رویداد</a:t>
+            </a:r>
+            <a:r>
+              <a:rPr lang="fa-IR" sz="2000" dirty="0">
+                <a:latin typeface="Calibri" panose="020F0502020204030204" pitchFamily="34" charset="0"/>
+                <a:ea typeface="Calibri" panose="020F0502020204030204" pitchFamily="34" charset="0"/>
+                <a:cs typeface="B Nazanin" panose="00000400000000000000" pitchFamily="2" charset="-78"/>
+              </a:rPr>
+              <a:t> بلافاصله اقدامی را در مصرف کننده رویداد ایجاد می کند.</a:t>
             </a:r>
             <a:endParaRPr lang="fa-IR" sz="2000" dirty="0" smtClean="0">
               <a:cs typeface="B Nazanin" panose="00000400000000000000" pitchFamily="2" charset="-78"/>
@@ -12618,13 +10582,16 @@
               <a:buChar char="§"/>
             </a:pPr>
             <a:r>
-              <a:rPr lang="fa-IR" sz="2200" smtClean="0">
+              <a:rPr lang="fa-IR" sz="2200" dirty="0" smtClean="0">
                 <a:cs typeface="B Nazanin" panose="00000400000000000000" pitchFamily="2" charset="-78"/>
               </a:rPr>
               <a:t> </a:t>
             </a:r>
             <a:r>
               <a:rPr lang="fa-IR" sz="2200" dirty="0" smtClean="0">
+                <a:solidFill>
+                  <a:srgbClr val="C00000"/>
+                </a:solidFill>
                 <a:cs typeface="B Nazanin" panose="00000400000000000000" pitchFamily="2" charset="-78"/>
               </a:rPr>
               <a:t>پردازش رويداد پيچيده </a:t>
@@ -12638,7 +10605,52 @@
               <a:rPr lang="fa-IR" sz="2000" dirty="0">
                 <a:cs typeface="B Nazanin" panose="00000400000000000000" pitchFamily="2" charset="-78"/>
               </a:rPr>
-              <a:t> پردازش رويداد پيچيده الگوهاي رويداد پيچيده را از يك سري رويداد‌هاي ساده استخراج يا شناسايي مي‌كند </a:t>
+              <a:t> </a:t>
+            </a:r>
+            <a:r>
+              <a:rPr lang="fa-IR" sz="2000" dirty="0" smtClean="0">
+                <a:solidFill>
+                  <a:srgbClr val="C00000"/>
+                </a:solidFill>
+                <a:cs typeface="B Nazanin" panose="00000400000000000000" pitchFamily="2" charset="-78"/>
+              </a:rPr>
+              <a:t>پردازش‌رويداد </a:t>
+            </a:r>
+            <a:r>
+              <a:rPr lang="fa-IR" sz="2000" dirty="0">
+                <a:solidFill>
+                  <a:srgbClr val="C00000"/>
+                </a:solidFill>
+                <a:cs typeface="B Nazanin" panose="00000400000000000000" pitchFamily="2" charset="-78"/>
+              </a:rPr>
+              <a:t>پيچيده </a:t>
+            </a:r>
+            <a:r>
+              <a:rPr lang="fa-IR" sz="2000" dirty="0">
+                <a:cs typeface="B Nazanin" panose="00000400000000000000" pitchFamily="2" charset="-78"/>
+              </a:rPr>
+              <a:t>الگوهاي </a:t>
+            </a:r>
+            <a:r>
+              <a:rPr lang="fa-IR" sz="2000" dirty="0">
+                <a:solidFill>
+                  <a:srgbClr val="C00000"/>
+                </a:solidFill>
+                <a:cs typeface="B Nazanin" panose="00000400000000000000" pitchFamily="2" charset="-78"/>
+              </a:rPr>
+              <a:t>رويداد</a:t>
+            </a:r>
+            <a:r>
+              <a:rPr lang="fa-IR" sz="2000" dirty="0">
+                <a:cs typeface="B Nazanin" panose="00000400000000000000" pitchFamily="2" charset="-78"/>
+              </a:rPr>
+              <a:t> پيچيده را از يك سري رويداد‌هاي ساده استخراج يا شناسايي </a:t>
+            </a:r>
+            <a:r>
+              <a:rPr lang="fa-IR" sz="2000" dirty="0" smtClean="0">
+                <a:cs typeface="B Nazanin" panose="00000400000000000000" pitchFamily="2" charset="-78"/>
+              </a:rPr>
+              <a:t>مي‌كند. </a:t>
             </a:r>
             <a:endParaRPr lang="fa-IR" sz="2000" dirty="0" smtClean="0">
               <a:cs typeface="B Nazanin" panose="00000400000000000000" pitchFamily="2" charset="-78"/>
@@ -12672,7 +10684,7 @@
           <a:p>
             <a:fld id="{C2DB2716-ABCB-47E4-A5E7-31908A35B483}" type="uaqdatetime1">
               <a:rPr lang="fa-IR" smtClean="0"/>
-              <a:t>07/06/1443</a:t>
+              <a:t>08/06/1443</a:t>
             </a:fld>
             <a:endParaRPr lang="en-US"/>
           </a:p>
@@ -12711,6 +10723,13 @@
   <p:clrMapOvr>
     <a:masterClrMapping/>
   </p:clrMapOvr>
+  <p:timing>
+    <p:tnLst>
+      <p:par>
+        <p:cTn id="1" dur="indefinite" restart="never" nodeType="tmRoot"/>
+      </p:par>
+    </p:tnLst>
+  </p:timing>
 </p:sld>
 </file>
 
@@ -12976,9 +10995,9 @@
 </file>
 
 <file path=ppt/theme/theme2.xml><?xml version="1.0" encoding="utf-8"?>
-<a:theme xmlns:a="http://schemas.openxmlformats.org/drawingml/2006/main" name="Facet">
+<a:theme xmlns:a="http://schemas.openxmlformats.org/drawingml/2006/main" name="Office Theme">
   <a:themeElements>
-    <a:clrScheme name="Blue Green">
+    <a:clrScheme name="Office">
       <a:dk1>
         <a:sysClr val="windowText" lastClr="000000"/>
       </a:dk1>
@@ -12986,52 +11005,52 @@
         <a:sysClr val="window" lastClr="FFFFFF"/>
       </a:lt1>
       <a:dk2>
-        <a:srgbClr val="373545"/>
+        <a:srgbClr val="44546A"/>
       </a:dk2>
       <a:lt2>
-        <a:srgbClr val="CEDBE6"/>
+        <a:srgbClr val="E7E6E6"/>
       </a:lt2>
       <a:accent1>
-        <a:srgbClr val="3494BA"/>
+        <a:srgbClr val="5B9BD5"/>
       </a:accent1>
       <a:accent2>
-        <a:srgbClr val="58B6C0"/>
+        <a:srgbClr val="ED7D31"/>
       </a:accent2>
       <a:accent3>
-        <a:srgbClr val="75BDA7"/>
+        <a:srgbClr val="A5A5A5"/>
       </a:accent3>
       <a:accent4>
-        <a:srgbClr val="7A8C8E"/>
+        <a:srgbClr val="FFC000"/>
       </a:accent4>
       <a:accent5>
-        <a:srgbClr val="84ACB6"/>
+        <a:srgbClr val="4472C4"/>
       </a:accent5>
       <a:accent6>
-        <a:srgbClr val="2683C6"/>
+        <a:srgbClr val="70AD47"/>
       </a:accent6>
       <a:hlink>
-        <a:srgbClr val="6B9F25"/>
+        <a:srgbClr val="0563C1"/>
       </a:hlink>
       <a:folHlink>
-        <a:srgbClr val="9F6715"/>
+        <a:srgbClr val="954F72"/>
       </a:folHlink>
     </a:clrScheme>
-    <a:fontScheme name="Facet">
+    <a:fontScheme name="Office">
       <a:majorFont>
-        <a:latin typeface="Trebuchet MS" panose="020B0603020202020204"/>
+        <a:latin typeface="Calibri Light" panose="020F0302020204030204"/>
         <a:ea typeface=""/>
         <a:cs typeface=""/>
-        <a:font script="Jpan" typeface="メイリオ"/>
+        <a:font script="Jpan" typeface="游ゴシック Light"/>
         <a:font script="Hang" typeface="맑은 고딕"/>
-        <a:font script="Hans" typeface="方正姚体"/>
-        <a:font script="Hant" typeface="微軟正黑體"/>
-        <a:font script="Arab" typeface="Tahoma"/>
-        <a:font script="Hebr" typeface="Arial"/>
-        <a:font script="Thai" typeface="Cordia New"/>
+        <a:font script="Hans" typeface="等线 Light"/>
+        <a:font script="Hant" typeface="新細明體"/>
+        <a:font script="Arab" typeface="Times New Roman"/>
+        <a:font script="Hebr" typeface="Times New Roman"/>
+        <a:font script="Thai" typeface="Angsana New"/>
         <a:font script="Ethi" typeface="Nyala"/>
         <a:font script="Beng" typeface="Vrinda"/>
         <a:font script="Gujr" typeface="Shruti"/>
-        <a:font script="Khmr" typeface="DaunPenh"/>
+        <a:font script="Khmr" typeface="MoolBoran"/>
         <a:font script="Knda" typeface="Tunga"/>
         <a:font script="Guru" typeface="Raavi"/>
         <a:font script="Cans" typeface="Euphemia"/>
@@ -13048,21 +11067,21 @@
         <a:font script="Laoo" typeface="DokChampa"/>
         <a:font script="Sinh" typeface="Iskoola Pota"/>
         <a:font script="Mong" typeface="Mongolian Baiti"/>
-        <a:font script="Viet" typeface="Tahoma"/>
+        <a:font script="Viet" typeface="Times New Roman"/>
         <a:font script="Uigh" typeface="Microsoft Uighur"/>
         <a:font script="Geor" typeface="Sylfaen"/>
       </a:majorFont>
       <a:minorFont>
-        <a:latin typeface="Trebuchet MS" panose="020B0603020202020204"/>
+        <a:latin typeface="Calibri" panose="020F0502020204030204"/>
         <a:ea typeface=""/>
         <a:cs typeface=""/>
-        <a:font script="Jpan" typeface="メイリオ"/>
-        <a:font script="Hang" typeface="HY그래픽M"/>
-        <a:font script="Hans" typeface="华文新魏"/>
-        <a:font script="Hant" typeface="微軟正黑體"/>
-        <a:font script="Arab" typeface="Tahoma"/>
-        <a:font script="Hebr" typeface="Gisha"/>
-        <a:font script="Thai" typeface="IrisUPC"/>
+        <a:font script="Jpan" typeface="游ゴシック"/>
+        <a:font script="Hang" typeface="맑은 고딕"/>
+        <a:font script="Hans" typeface="等线"/>
+        <a:font script="Hant" typeface="新細明體"/>
+        <a:font script="Arab" typeface="Arial"/>
+        <a:font script="Hebr" typeface="Arial"/>
+        <a:font script="Thai" typeface="Cordia New"/>
         <a:font script="Ethi" typeface="Nyala"/>
         <a:font script="Beng" typeface="Vrinda"/>
         <a:font script="Gujr" typeface="Shruti"/>
@@ -13088,7 +11107,7 @@
         <a:font script="Geor" typeface="Sylfaen"/>
       </a:minorFont>
     </a:fontScheme>
-    <a:fmtScheme name="Facet">
+    <a:fmtScheme name="Office">
       <a:fillStyleLst>
         <a:solidFill>
           <a:schemeClr val="phClr"/>
@@ -13097,13 +11116,23 @@
           <a:gsLst>
             <a:gs pos="0">
               <a:schemeClr val="phClr">
-                <a:tint val="65000"/>
                 <a:lumMod val="110000"/>
+                <a:satMod val="105000"/>
+                <a:tint val="67000"/>
               </a:schemeClr>
             </a:gs>
-            <a:gs pos="88000">
+            <a:gs pos="50000">
               <a:schemeClr val="phClr">
-                <a:tint val="90000"/>
+                <a:lumMod val="105000"/>
+                <a:satMod val="103000"/>
+                <a:tint val="73000"/>
+              </a:schemeClr>
+            </a:gs>
+            <a:gs pos="100000">
+              <a:schemeClr val="phClr">
+                <a:lumMod val="105000"/>
+                <a:satMod val="109000"/>
+                <a:tint val="81000"/>
               </a:schemeClr>
             </a:gs>
           </a:gsLst>
@@ -13113,14 +11142,23 @@
           <a:gsLst>
             <a:gs pos="0">
               <a:schemeClr val="phClr">
-                <a:tint val="96000"/>
-                <a:lumMod val="100000"/>
+                <a:satMod val="103000"/>
+                <a:lumMod val="102000"/>
+                <a:tint val="94000"/>
               </a:schemeClr>
             </a:gs>
-            <a:gs pos="78000">
+            <a:gs pos="50000">
               <a:schemeClr val="phClr">
-                <a:shade val="94000"/>
-                <a:lumMod val="94000"/>
+                <a:satMod val="110000"/>
+                <a:lumMod val="100000"/>
+                <a:shade val="100000"/>
+              </a:schemeClr>
+            </a:gs>
+            <a:gs pos="100000">
+              <a:schemeClr val="phClr">
+                <a:lumMod val="99000"/>
+                <a:satMod val="120000"/>
+                <a:shade val="78000"/>
               </a:schemeClr>
             </a:gs>
           </a:gsLst>
@@ -13128,23 +11166,26 @@
         </a:gradFill>
       </a:fillStyleLst>
       <a:lnStyleLst>
-        <a:ln w="12700" cap="rnd" cmpd="sng" algn="ctr">
+        <a:ln w="6350" cap="flat" cmpd="sng" algn="ctr">
           <a:solidFill>
             <a:schemeClr val="phClr"/>
           </a:solidFill>
           <a:prstDash val="solid"/>
+          <a:miter lim="800000"/>
         </a:ln>
-        <a:ln w="19050" cap="rnd" cmpd="sng" algn="ctr">
+        <a:ln w="12700" cap="flat" cmpd="sng" algn="ctr">
           <a:solidFill>
             <a:schemeClr val="phClr"/>
           </a:solidFill>
           <a:prstDash val="solid"/>
+          <a:miter lim="800000"/>
         </a:ln>
-        <a:ln w="25400" cap="rnd" cmpd="sng" algn="ctr">
+        <a:ln w="19050" cap="flat" cmpd="sng" algn="ctr">
           <a:solidFill>
             <a:schemeClr val="phClr"/>
           </a:solidFill>
           <a:prstDash val="solid"/>
+          <a:miter lim="800000"/>
         </a:ln>
       </a:lnStyleLst>
       <a:effectStyleLst>
@@ -13152,72 +11193,54 @@
           <a:effectLst/>
         </a:effectStyle>
         <a:effectStyle>
+          <a:effectLst/>
+        </a:effectStyle>
+        <a:effectStyle>
           <a:effectLst>
-            <a:outerShdw blurRad="38100" dist="25400" dir="5400000" rotWithShape="0">
+            <a:outerShdw blurRad="57150" dist="19050" dir="5400000" algn="ctr" rotWithShape="0">
               <a:srgbClr val="000000">
-                <a:alpha val="35000"/>
+                <a:alpha val="63000"/>
               </a:srgbClr>
             </a:outerShdw>
           </a:effectLst>
-        </a:effectStyle>
-        <a:effectStyle>
-          <a:effectLst>
-            <a:outerShdw blurRad="50800" dist="38100" dir="5400000" rotWithShape="0">
-              <a:srgbClr val="000000">
-                <a:alpha val="35000"/>
-              </a:srgbClr>
-            </a:outerShdw>
-          </a:effectLst>
-          <a:scene3d>
-            <a:camera prst="orthographicFront">
-              <a:rot lat="0" lon="0" rev="0"/>
-            </a:camera>
-            <a:lightRig rig="threePt" dir="tl"/>
-          </a:scene3d>
-          <a:sp3d prstMaterial="plastic">
-            <a:bevelT w="0" h="0"/>
-          </a:sp3d>
         </a:effectStyle>
       </a:effectStyleLst>
       <a:bgFillStyleLst>
         <a:solidFill>
           <a:schemeClr val="phClr"/>
         </a:solidFill>
+        <a:solidFill>
+          <a:schemeClr val="phClr">
+            <a:tint val="95000"/>
+            <a:satMod val="170000"/>
+          </a:schemeClr>
+        </a:solidFill>
         <a:gradFill rotWithShape="1">
           <a:gsLst>
             <a:gs pos="0">
               <a:schemeClr val="phClr">
-                <a:tint val="90000"/>
-                <a:lumMod val="104000"/>
+                <a:tint val="93000"/>
+                <a:satMod val="150000"/>
+                <a:shade val="98000"/>
+                <a:lumMod val="102000"/>
               </a:schemeClr>
             </a:gs>
-            <a:gs pos="94000">
+            <a:gs pos="50000">
               <a:schemeClr val="phClr">
-                <a:shade val="96000"/>
-                <a:lumMod val="82000"/>
+                <a:tint val="98000"/>
+                <a:satMod val="130000"/>
+                <a:shade val="90000"/>
+                <a:lumMod val="103000"/>
+              </a:schemeClr>
+            </a:gs>
+            <a:gs pos="100000">
+              <a:schemeClr val="phClr">
+                <a:shade val="63000"/>
+                <a:satMod val="120000"/>
               </a:schemeClr>
             </a:gs>
           </a:gsLst>
           <a:lin ang="5400000" scaled="0"/>
-        </a:gradFill>
-        <a:gradFill rotWithShape="1">
-          <a:gsLst>
-            <a:gs pos="0">
-              <a:schemeClr val="phClr">
-                <a:tint val="90000"/>
-                <a:lumMod val="110000"/>
-              </a:schemeClr>
-            </a:gs>
-            <a:gs pos="100000">
-              <a:schemeClr val="phClr">
-                <a:shade val="94000"/>
-                <a:lumMod val="96000"/>
-              </a:schemeClr>
-            </a:gs>
-          </a:gsLst>
-          <a:path path="circle">
-            <a:fillToRect l="50000" t="50000" r="100000" b="100000"/>
-          </a:path>
         </a:gradFill>
       </a:bgFillStyleLst>
     </a:fmtScheme>
@@ -13226,7 +11249,7 @@
   <a:extraClrSchemeLst/>
   <a:extLst>
     <a:ext uri="{05A4C25C-085E-4340-85A3-A5531E510DB2}">
-      <thm15:themeFamily xmlns:thm15="http://schemas.microsoft.com/office/thememl/2012/main" name="Facet" id="{C0C680CD-088A-49FC-A102-D699147F32B2}" vid="{CFBC31BA-B70F-4F30-BCAA-4F3011E16C4D}"/>
+      <thm15:themeFamily xmlns:thm15="http://schemas.microsoft.com/office/thememl/2012/main" name="Office Theme" id="{62F939B6-93AF-4DB8-9C6B-D6C7DFDC589F}" vid="{4A3C46E8-61CC-4603-A589-7422A47A8E4A}"/>
     </a:ext>
   </a:extLst>
 </a:theme>

--- a/پاورپوينت معماري.pptx
+++ b/پاورپوينت معماري.pptx
@@ -213,7 +213,7 @@
           <a:p>
             <a:fld id="{99A79AD5-89C0-4010-833A-1389C66235E8}" type="datetimeFigureOut">
               <a:rPr lang="en-US" smtClean="0"/>
-              <a:t>1/11/2022</a:t>
+              <a:t>1/13/2022</a:t>
             </a:fld>
             <a:endParaRPr lang="en-US"/>
           </a:p>
@@ -612,7 +612,7 @@
           <a:p>
             <a:fld id="{368C5E72-8645-4A1C-ABEF-CB6D5603A07D}" type="uaqdatetime1">
               <a:rPr lang="fa-IR" smtClean="0"/>
-              <a:t>08/06/1443</a:t>
+              <a:t>10/06/1443</a:t>
             </a:fld>
             <a:endParaRPr lang="en-US"/>
           </a:p>
@@ -782,7 +782,7 @@
           <a:p>
             <a:fld id="{FEE89845-ACCD-4029-B63C-55DACAC9F8A6}" type="uaqdatetime1">
               <a:rPr lang="fa-IR" smtClean="0"/>
-              <a:t>08/06/1443</a:t>
+              <a:t>10/06/1443</a:t>
             </a:fld>
             <a:endParaRPr lang="en-US"/>
           </a:p>
@@ -962,7 +962,7 @@
           <a:p>
             <a:fld id="{BFDBF3F9-34DA-49D7-B5B9-BF4380A179B7}" type="uaqdatetime1">
               <a:rPr lang="fa-IR" smtClean="0"/>
-              <a:t>08/06/1443</a:t>
+              <a:t>10/06/1443</a:t>
             </a:fld>
             <a:endParaRPr lang="en-US"/>
           </a:p>
@@ -1154,7 +1154,7 @@
           <a:p>
             <a:fld id="{368C5E72-8645-4A1C-ABEF-CB6D5603A07D}" type="uaqdatetime1">
               <a:rPr lang="fa-IR" smtClean="0"/>
-              <a:t>08/06/1443</a:t>
+              <a:t>10/06/1443</a:t>
             </a:fld>
             <a:endParaRPr lang="en-US"/>
           </a:p>
@@ -1331,7 +1331,7 @@
           <a:p>
             <a:fld id="{508AADD2-40D1-402F-9823-C486C22D7A8F}" type="uaqdatetime1">
               <a:rPr lang="fa-IR" smtClean="0"/>
-              <a:t>08/06/1443</a:t>
+              <a:t>10/06/1443</a:t>
             </a:fld>
             <a:endParaRPr lang="en-US"/>
           </a:p>
@@ -1577,7 +1577,7 @@
           <a:p>
             <a:fld id="{7402CB9B-D49C-43E8-87FF-3860F10A70AD}" type="uaqdatetime1">
               <a:rPr lang="fa-IR" smtClean="0"/>
-              <a:t>08/06/1443</a:t>
+              <a:t>10/06/1443</a:t>
             </a:fld>
             <a:endParaRPr lang="en-US"/>
           </a:p>
@@ -1816,7 +1816,7 @@
           <a:p>
             <a:fld id="{054213FF-4287-47B0-AEA1-26ED6271FDBD}" type="uaqdatetime1">
               <a:rPr lang="fa-IR" smtClean="0"/>
-              <a:t>08/06/1443</a:t>
+              <a:t>10/06/1443</a:t>
             </a:fld>
             <a:endParaRPr lang="en-US"/>
           </a:p>
@@ -2190,7 +2190,7 @@
           <a:p>
             <a:fld id="{B3E81681-D140-4A7C-AA8D-F6AF5CD222B2}" type="uaqdatetime1">
               <a:rPr lang="fa-IR" smtClean="0"/>
-              <a:t>08/06/1443</a:t>
+              <a:t>10/06/1443</a:t>
             </a:fld>
             <a:endParaRPr lang="en-US"/>
           </a:p>
@@ -2308,7 +2308,7 @@
           <a:p>
             <a:fld id="{A95CEF31-DA62-4E2F-9C89-3307C5A0C734}" type="uaqdatetime1">
               <a:rPr lang="fa-IR" smtClean="0"/>
-              <a:t>08/06/1443</a:t>
+              <a:t>10/06/1443</a:t>
             </a:fld>
             <a:endParaRPr lang="en-US"/>
           </a:p>
@@ -2403,7 +2403,7 @@
           <a:p>
             <a:fld id="{B1B4EA98-43D8-40B0-BB71-087C8B1FD830}" type="uaqdatetime1">
               <a:rPr lang="fa-IR" smtClean="0"/>
-              <a:t>08/06/1443</a:t>
+              <a:t>10/06/1443</a:t>
             </a:fld>
             <a:endParaRPr lang="en-US"/>
           </a:p>
@@ -2680,7 +2680,7 @@
           <a:p>
             <a:fld id="{C1E2536D-405E-4F6F-A4C1-8D3F6F41F560}" type="uaqdatetime1">
               <a:rPr lang="fa-IR" smtClean="0"/>
-              <a:t>08/06/1443</a:t>
+              <a:t>10/06/1443</a:t>
             </a:fld>
             <a:endParaRPr lang="en-US"/>
           </a:p>
@@ -2850,7 +2850,7 @@
           <a:p>
             <a:fld id="{508AADD2-40D1-402F-9823-C486C22D7A8F}" type="uaqdatetime1">
               <a:rPr lang="fa-IR" smtClean="0"/>
-              <a:t>08/06/1443</a:t>
+              <a:t>10/06/1443</a:t>
             </a:fld>
             <a:endParaRPr lang="en-US"/>
           </a:p>
@@ -3103,7 +3103,7 @@
           <a:p>
             <a:fld id="{4253EB68-0FB1-41FC-BD4A-2E738737AF01}" type="uaqdatetime1">
               <a:rPr lang="fa-IR" smtClean="0"/>
-              <a:t>08/06/1443</a:t>
+              <a:t>10/06/1443</a:t>
             </a:fld>
             <a:endParaRPr lang="en-US"/>
           </a:p>
@@ -3273,7 +3273,7 @@
           <a:p>
             <a:fld id="{FEE89845-ACCD-4029-B63C-55DACAC9F8A6}" type="uaqdatetime1">
               <a:rPr lang="fa-IR" smtClean="0"/>
-              <a:t>08/06/1443</a:t>
+              <a:t>10/06/1443</a:t>
             </a:fld>
             <a:endParaRPr lang="en-US"/>
           </a:p>
@@ -3453,7 +3453,7 @@
           <a:p>
             <a:fld id="{BFDBF3F9-34DA-49D7-B5B9-BF4380A179B7}" type="uaqdatetime1">
               <a:rPr lang="fa-IR" smtClean="0"/>
-              <a:t>08/06/1443</a:t>
+              <a:t>10/06/1443</a:t>
             </a:fld>
             <a:endParaRPr lang="en-US"/>
           </a:p>
@@ -3699,7 +3699,7 @@
           <a:p>
             <a:fld id="{7402CB9B-D49C-43E8-87FF-3860F10A70AD}" type="uaqdatetime1">
               <a:rPr lang="fa-IR" smtClean="0"/>
-              <a:t>08/06/1443</a:t>
+              <a:t>10/06/1443</a:t>
             </a:fld>
             <a:endParaRPr lang="en-US"/>
           </a:p>
@@ -3931,7 +3931,7 @@
           <a:p>
             <a:fld id="{054213FF-4287-47B0-AEA1-26ED6271FDBD}" type="uaqdatetime1">
               <a:rPr lang="fa-IR" smtClean="0"/>
-              <a:t>08/06/1443</a:t>
+              <a:t>10/06/1443</a:t>
             </a:fld>
             <a:endParaRPr lang="en-US"/>
           </a:p>
@@ -4298,7 +4298,7 @@
           <a:p>
             <a:fld id="{B3E81681-D140-4A7C-AA8D-F6AF5CD222B2}" type="uaqdatetime1">
               <a:rPr lang="fa-IR" smtClean="0"/>
-              <a:t>08/06/1443</a:t>
+              <a:t>10/06/1443</a:t>
             </a:fld>
             <a:endParaRPr lang="en-US"/>
           </a:p>
@@ -4416,7 +4416,7 @@
           <a:p>
             <a:fld id="{A95CEF31-DA62-4E2F-9C89-3307C5A0C734}" type="uaqdatetime1">
               <a:rPr lang="fa-IR" smtClean="0"/>
-              <a:t>08/06/1443</a:t>
+              <a:t>10/06/1443</a:t>
             </a:fld>
             <a:endParaRPr lang="en-US"/>
           </a:p>
@@ -4511,7 +4511,7 @@
           <a:p>
             <a:fld id="{B1B4EA98-43D8-40B0-BB71-087C8B1FD830}" type="uaqdatetime1">
               <a:rPr lang="fa-IR" smtClean="0"/>
-              <a:t>08/06/1443</a:t>
+              <a:t>10/06/1443</a:t>
             </a:fld>
             <a:endParaRPr lang="en-US"/>
           </a:p>
@@ -4788,7 +4788,7 @@
           <a:p>
             <a:fld id="{C1E2536D-405E-4F6F-A4C1-8D3F6F41F560}" type="uaqdatetime1">
               <a:rPr lang="fa-IR" smtClean="0"/>
-              <a:t>08/06/1443</a:t>
+              <a:t>10/06/1443</a:t>
             </a:fld>
             <a:endParaRPr lang="en-US"/>
           </a:p>
@@ -5041,7 +5041,7 @@
           <a:p>
             <a:fld id="{4253EB68-0FB1-41FC-BD4A-2E738737AF01}" type="uaqdatetime1">
               <a:rPr lang="fa-IR" smtClean="0"/>
-              <a:t>08/06/1443</a:t>
+              <a:t>10/06/1443</a:t>
             </a:fld>
             <a:endParaRPr lang="en-US"/>
           </a:p>
@@ -5254,7 +5254,7 @@
           <a:p>
             <a:fld id="{0083D68B-0458-4622-8439-EF1CD618009C}" type="uaqdatetime1">
               <a:rPr lang="fa-IR" smtClean="0"/>
-              <a:t>08/06/1443</a:t>
+              <a:t>10/06/1443</a:t>
             </a:fld>
             <a:endParaRPr lang="en-US"/>
           </a:p>
@@ -5802,7 +5802,7 @@
           <a:p>
             <a:fld id="{0083D68B-0458-4622-8439-EF1CD618009C}" type="uaqdatetime1">
               <a:rPr lang="fa-IR" smtClean="0"/>
-              <a:t>08/06/1443</a:t>
+              <a:t>10/06/1443</a:t>
             </a:fld>
             <a:endParaRPr lang="en-US"/>
           </a:p>
@@ -6372,7 +6372,7 @@
           <a:p>
             <a:fld id="{8C0179CC-04B9-4F54-B86D-A42F84AF298F}" type="uaqdatetime1">
               <a:rPr lang="fa-IR" smtClean="0"/>
-              <a:t>08/06/1443</a:t>
+              <a:t>10/06/1443</a:t>
             </a:fld>
             <a:endParaRPr lang="en-US"/>
           </a:p>
@@ -6603,7 +6603,7 @@
           <a:p>
             <a:fld id="{C2DB2716-ABCB-47E4-A5E7-31908A35B483}" type="uaqdatetime1">
               <a:rPr lang="fa-IR" smtClean="0"/>
-              <a:t>08/06/1443</a:t>
+              <a:t>10/06/1443</a:t>
             </a:fld>
             <a:endParaRPr lang="en-US"/>
           </a:p>
@@ -6741,23 +6741,8 @@
                 </a:solidFill>
                 <a:cs typeface="B Nazanin" panose="00000400000000000000" pitchFamily="2" charset="-78"/>
               </a:rPr>
-              <a:t> قابلیت </a:t>
-            </a:r>
-            <a:r>
-              <a:rPr lang="fa-IR" sz="2000" dirty="0" smtClean="0">
-                <a:solidFill>
-                  <a:srgbClr val="C00000"/>
-                </a:solidFill>
-                <a:cs typeface="B Nazanin" panose="00000400000000000000" pitchFamily="2" charset="-78"/>
-              </a:rPr>
-              <a:t>تحمل خطا و بافرکردن </a:t>
-            </a:r>
-            <a:endParaRPr lang="fa-IR" sz="2000" dirty="0" smtClean="0">
-              <a:solidFill>
-                <a:srgbClr val="C00000"/>
-              </a:solidFill>
-              <a:cs typeface="B Nazanin" panose="00000400000000000000" pitchFamily="2" charset="-78"/>
-            </a:endParaRPr>
+              <a:t> قابلیت تحمل خطا و بافرکردن </a:t>
+            </a:r>
           </a:p>
           <a:p>
             <a:pPr algn="r" rtl="1">
@@ -6803,12 +6788,6 @@
               </a:rPr>
               <a:t> بنابريان بر اثر از كارافتادن مصرف‌كننده ها ، رويداد ها در مسيرياب بافر مي‌شوند ، تا مصرف كننده ها از موقعيت شكست بيرون بيايند و اقدام به پردازش رويدادهاي ذخيره شده بنمايند . </a:t>
             </a:r>
-            <a:endParaRPr lang="fa-IR" sz="2000" dirty="0" smtClean="0">
-              <a:solidFill>
-                <a:schemeClr val="tx1"/>
-              </a:solidFill>
-              <a:cs typeface="B Nazanin" panose="00000400000000000000" pitchFamily="2" charset="-78"/>
-            </a:endParaRPr>
           </a:p>
           <a:p>
             <a:pPr algn="r" rtl="1">
@@ -6822,25 +6801,7 @@
                 </a:solidFill>
                 <a:cs typeface="B Nazanin" panose="00000400000000000000" pitchFamily="2" charset="-78"/>
               </a:rPr>
-              <a:t> اتصال </a:t>
-            </a:r>
-            <a:r>
-              <a:rPr lang="fa-IR" sz="2000" dirty="0" smtClean="0">
-                <a:solidFill>
-                  <a:srgbClr val="C00000"/>
-                </a:solidFill>
-                <a:cs typeface="B Nazanin" panose="00000400000000000000" pitchFamily="2" charset="-78"/>
-              </a:rPr>
-              <a:t>سست یا جداسازی تولییدکنندگان و </a:t>
-            </a:r>
-            <a:r>
-              <a:rPr lang="fa-IR" sz="2000" dirty="0" smtClean="0">
-                <a:solidFill>
-                  <a:srgbClr val="C00000"/>
-                </a:solidFill>
-                <a:cs typeface="B Nazanin" panose="00000400000000000000" pitchFamily="2" charset="-78"/>
-              </a:rPr>
-              <a:t>مصرف‌کنندگان</a:t>
+              <a:t> اتصال سست یا جداسازی تولییدکنندگان و مصرف‌کنندگان</a:t>
             </a:r>
           </a:p>
           <a:p>
@@ -6953,7 +6914,7 @@
           <a:p>
             <a:fld id="{C2DB2716-ABCB-47E4-A5E7-31908A35B483}" type="uaqdatetime1">
               <a:rPr lang="fa-IR" smtClean="0"/>
-              <a:t>09/06/1443</a:t>
+              <a:t>10/06/1443</a:t>
             </a:fld>
             <a:endParaRPr lang="en-US"/>
           </a:p>
@@ -7155,25 +7116,7 @@
                 </a:solidFill>
                 <a:cs typeface="B Nazanin" panose="00000400000000000000" pitchFamily="2" charset="-78"/>
               </a:rPr>
-              <a:t>تجربه </a:t>
-            </a:r>
-            <a:r>
-              <a:rPr lang="fa-IR" sz="2000" dirty="0" smtClean="0">
-                <a:solidFill>
-                  <a:srgbClr val="C00000"/>
-                </a:solidFill>
-                <a:cs typeface="B Nazanin" panose="00000400000000000000" pitchFamily="2" charset="-78"/>
-              </a:rPr>
-              <a:t>کاربری بلادرنگ </a:t>
-            </a:r>
-            <a:r>
-              <a:rPr lang="fa-IR" sz="2000" dirty="0" smtClean="0">
-                <a:solidFill>
-                  <a:srgbClr val="C00000"/>
-                </a:solidFill>
-                <a:cs typeface="B Nazanin" panose="00000400000000000000" pitchFamily="2" charset="-78"/>
-              </a:rPr>
-              <a:t>بهتر</a:t>
+              <a:t>تجربه کاربری بلادرنگ بهتر</a:t>
             </a:r>
           </a:p>
           <a:p>
@@ -7235,7 +7178,7 @@
           <a:p>
             <a:fld id="{C2DB2716-ABCB-47E4-A5E7-31908A35B483}" type="uaqdatetime1">
               <a:rPr lang="fa-IR" smtClean="0"/>
-              <a:t>09/06/1443</a:t>
+              <a:t>10/06/1443</a:t>
             </a:fld>
             <a:endParaRPr lang="en-US"/>
           </a:p>
@@ -7377,6 +7320,36 @@
               </a:rPr>
               <a:t>محدود به پردازش ناهمزمان </a:t>
             </a:r>
+          </a:p>
+          <a:p>
+            <a:pPr algn="r" rtl="1">
+              <a:buFont typeface="Wingdings" panose="05000000000000000000" pitchFamily="2" charset="2"/>
+              <a:buChar char="§"/>
+            </a:pPr>
+            <a:r>
+              <a:rPr lang="fa-IR" sz="2000" dirty="0" smtClean="0">
+                <a:effectLst/>
+                <a:latin typeface="B Nazanin" panose="00000400000000000000" pitchFamily="2" charset="-78"/>
+                <a:ea typeface="Calibri" panose="020F0502020204030204" pitchFamily="34" charset="0"/>
+                <a:cs typeface="B Nazanin" panose="00000400000000000000" pitchFamily="2" charset="-78"/>
+              </a:rPr>
+              <a:t> اگرچه معماری رویداد محور یک الگوی قوی برای جداسازی سیستم‌هاست ، اما کاربرد آن به پردازش‌ رویداد‌های ناهمزمان محدود می‌شود</a:t>
+            </a:r>
+          </a:p>
+          <a:p>
+            <a:pPr algn="r" rtl="1">
+              <a:buFont typeface="Wingdings" panose="05000000000000000000" pitchFamily="2" charset="2"/>
+              <a:buChar char="§"/>
+            </a:pPr>
+            <a:r>
+              <a:rPr lang="fa-IR" sz="2000" dirty="0" smtClean="0">
+                <a:effectLst/>
+                <a:latin typeface="B Nazanin" panose="00000400000000000000" pitchFamily="2" charset="-78"/>
+                <a:ea typeface="Calibri" panose="020F0502020204030204" pitchFamily="34" charset="0"/>
+                <a:cs typeface="B Nazanin" panose="00000400000000000000" pitchFamily="2" charset="-78"/>
+              </a:rPr>
+              <a:t>. معماری رویداد محور در جایی که آغاز کننده باید قبل از ادامه به کار باید منتظر پاسخ باشد، نمی‌تواند به خوبی به عنوان جایگزینی برای تعاملات درخواست-پاسخ کار کند </a:t>
+            </a:r>
             <a:endParaRPr lang="fa-IR" sz="2000" dirty="0" smtClean="0">
               <a:solidFill>
                 <a:srgbClr val="C00000"/>
@@ -7387,6 +7360,54 @@
           <a:p>
             <a:pPr algn="r" rtl="1">
               <a:buFont typeface="Wingdings" panose="05000000000000000000" pitchFamily="2" charset="2"/>
+              <a:buChar char="q"/>
+            </a:pPr>
+            <a:r>
+              <a:rPr lang="fa-IR" sz="2000" dirty="0" smtClean="0">
+                <a:solidFill>
+                  <a:srgbClr val="C00000"/>
+                </a:solidFill>
+                <a:cs typeface="B Nazanin" panose="00000400000000000000" pitchFamily="2" charset="-78"/>
+              </a:rPr>
+              <a:t>ايجاد پيچيدگي اضافي</a:t>
+            </a:r>
+          </a:p>
+          <a:p>
+            <a:pPr algn="r" rtl="1"/>
+            <a:r>
+              <a:rPr lang="fa-IR" sz="2000" dirty="0" smtClean="0">
+                <a:cs typeface="B Nazanin" panose="00000400000000000000" pitchFamily="2" charset="-78"/>
+              </a:rPr>
+              <a:t>در الگوهاي قديمي تر درخواست-پاسخ و مشتري سرور فقط شامل دو جزء اصلي بود . </a:t>
+            </a:r>
+          </a:p>
+          <a:p>
+            <a:pPr algn="r" rtl="1"/>
+            <a:r>
+              <a:rPr lang="fa-IR" sz="2000" dirty="0" smtClean="0">
+                <a:cs typeface="B Nazanin" panose="00000400000000000000" pitchFamily="2" charset="-78"/>
+              </a:rPr>
+              <a:t>پذيرش الگوي معماري رويداد محور نياز به يك كارگزار (مسيرياب رويداد) براي ميانجيگري تعاملات بين توليدكنندگان و مصرف‌كنندگان دارد . </a:t>
+            </a:r>
+          </a:p>
+          <a:p>
+            <a:pPr algn="r" rtl="1">
+              <a:buFont typeface="Wingdings" panose="05000000000000000000" pitchFamily="2" charset="2"/>
+              <a:buChar char="q"/>
+            </a:pPr>
+            <a:r>
+              <a:rPr lang="fa-IR" sz="2000" dirty="0" smtClean="0">
+                <a:solidFill>
+                  <a:srgbClr val="C00000"/>
+                </a:solidFill>
+                <a:cs typeface="B Nazanin" panose="00000400000000000000" pitchFamily="2" charset="-78"/>
+              </a:rPr>
+              <a:t>آزمون‌پذیری پایین </a:t>
+            </a:r>
+          </a:p>
+          <a:p>
+            <a:pPr algn="r" rtl="1">
+              <a:buFont typeface="Wingdings" panose="05000000000000000000" pitchFamily="2" charset="2"/>
               <a:buChar char="§"/>
             </a:pPr>
             <a:r>
@@ -7396,7 +7417,7 @@
                 <a:ea typeface="Calibri" panose="020F0502020204030204" pitchFamily="34" charset="0"/>
                 <a:cs typeface="B Nazanin" panose="00000400000000000000" pitchFamily="2" charset="-78"/>
               </a:rPr>
-              <a:t> اگرچه معماری رویداد محور یک الگوی قوی برای جداسازی سیستم‌هاست ، اما کاربرد آن به پردازش‌ رویداد‌های ناهمزمان محدود می‌شود</a:t>
+              <a:t>گرچه تست واحد به طور کلی چندان سخت نیست . اما به یک سری ابزارهای تست خاص برای ایجاد رویدادها نیاز است .</a:t>
             </a:r>
           </a:p>
           <a:p>
@@ -7411,7 +7432,7 @@
                 <a:ea typeface="Calibri" panose="020F0502020204030204" pitchFamily="34" charset="0"/>
                 <a:cs typeface="B Nazanin" panose="00000400000000000000" pitchFamily="2" charset="-78"/>
               </a:rPr>
-              <a:t>. معماری رویداد محور در جایی که آغاز کننده باید قبل از ادامه به کار باید منتظر پاسخ باشد، نمی‌تواند به خوبی به عنوان جایگزینی برای تعاملات درخواست-پاسخ کار کند </a:t>
+              <a:t> به علاوه بابت ماهیت آسنکرون این الگو ، آزمون‌پذیری پیچیده‌تر می‌شود </a:t>
             </a:r>
             <a:endParaRPr lang="fa-IR" sz="2000" dirty="0" smtClean="0">
               <a:solidFill>
@@ -7432,125 +7453,8 @@
                 </a:solidFill>
                 <a:cs typeface="B Nazanin" panose="00000400000000000000" pitchFamily="2" charset="-78"/>
               </a:rPr>
-              <a:t>ايجاد پيچيدگي </a:t>
-            </a:r>
-            <a:r>
-              <a:rPr lang="fa-IR" sz="2000" dirty="0" smtClean="0">
-                <a:solidFill>
-                  <a:srgbClr val="C00000"/>
-                </a:solidFill>
-                <a:cs typeface="B Nazanin" panose="00000400000000000000" pitchFamily="2" charset="-78"/>
-              </a:rPr>
-              <a:t>اضافي</a:t>
-            </a:r>
-          </a:p>
-          <a:p>
-            <a:pPr algn="r" rtl="1"/>
-            <a:r>
-              <a:rPr lang="fa-IR" sz="2000" dirty="0" smtClean="0">
-                <a:cs typeface="B Nazanin" panose="00000400000000000000" pitchFamily="2" charset="-78"/>
-              </a:rPr>
-              <a:t>در الگوهاي قديمي تر درخواست-پاسخ و مشتري سرور فقط شامل دو جزء اصلي بود . </a:t>
-            </a:r>
-          </a:p>
-          <a:p>
-            <a:pPr algn="r" rtl="1"/>
-            <a:r>
-              <a:rPr lang="fa-IR" sz="2000" dirty="0" smtClean="0">
-                <a:cs typeface="B Nazanin" panose="00000400000000000000" pitchFamily="2" charset="-78"/>
-              </a:rPr>
-              <a:t>پذيرش الگوي معماري رويداد محور نياز به يك كارگزار (مسيرياب رويداد) براي ميانجيگري تعاملات بين توليدكنندگان و مصرف‌كنندگان دارد . </a:t>
-            </a:r>
-            <a:endParaRPr lang="fa-IR" sz="2000" dirty="0" smtClean="0">
-              <a:cs typeface="B Nazanin" panose="00000400000000000000" pitchFamily="2" charset="-78"/>
-            </a:endParaRPr>
-          </a:p>
-          <a:p>
-            <a:pPr algn="r" rtl="1">
-              <a:buFont typeface="Wingdings" panose="05000000000000000000" pitchFamily="2" charset="2"/>
-              <a:buChar char="q"/>
-            </a:pPr>
-            <a:r>
-              <a:rPr lang="fa-IR" sz="2000" dirty="0" smtClean="0">
-                <a:solidFill>
-                  <a:srgbClr val="C00000"/>
-                </a:solidFill>
-                <a:cs typeface="B Nazanin" panose="00000400000000000000" pitchFamily="2" charset="-78"/>
-              </a:rPr>
-              <a:t>آزمون‌پذیری </a:t>
-            </a:r>
-            <a:r>
-              <a:rPr lang="fa-IR" sz="2000" dirty="0" smtClean="0">
-                <a:solidFill>
-                  <a:srgbClr val="C00000"/>
-                </a:solidFill>
-                <a:cs typeface="B Nazanin" panose="00000400000000000000" pitchFamily="2" charset="-78"/>
-              </a:rPr>
-              <a:t>پایین </a:t>
-            </a:r>
-            <a:endParaRPr lang="fa-IR" sz="2000" dirty="0" smtClean="0">
-              <a:solidFill>
-                <a:srgbClr val="C00000"/>
-              </a:solidFill>
-              <a:cs typeface="B Nazanin" panose="00000400000000000000" pitchFamily="2" charset="-78"/>
-            </a:endParaRPr>
-          </a:p>
-          <a:p>
-            <a:pPr algn="r" rtl="1">
-              <a:buFont typeface="Wingdings" panose="05000000000000000000" pitchFamily="2" charset="2"/>
-              <a:buChar char="§"/>
-            </a:pPr>
-            <a:r>
-              <a:rPr lang="fa-IR" sz="2000" dirty="0" smtClean="0">
-                <a:effectLst/>
-                <a:latin typeface="B Nazanin" panose="00000400000000000000" pitchFamily="2" charset="-78"/>
-                <a:ea typeface="Calibri" panose="020F0502020204030204" pitchFamily="34" charset="0"/>
-                <a:cs typeface="B Nazanin" panose="00000400000000000000" pitchFamily="2" charset="-78"/>
-              </a:rPr>
-              <a:t>گرچه تست واحد به طور کلی چندان سخت نیست . اما به یک سری ابزارهای تست خاص برای ایجاد رویدادها نیاز است .</a:t>
-            </a:r>
-          </a:p>
-          <a:p>
-            <a:pPr algn="r" rtl="1">
-              <a:buFont typeface="Wingdings" panose="05000000000000000000" pitchFamily="2" charset="2"/>
-              <a:buChar char="§"/>
-            </a:pPr>
-            <a:r>
-              <a:rPr lang="fa-IR" sz="2000" dirty="0" smtClean="0">
-                <a:effectLst/>
-                <a:latin typeface="B Nazanin" panose="00000400000000000000" pitchFamily="2" charset="-78"/>
-                <a:ea typeface="Calibri" panose="020F0502020204030204" pitchFamily="34" charset="0"/>
-                <a:cs typeface="B Nazanin" panose="00000400000000000000" pitchFamily="2" charset="-78"/>
-              </a:rPr>
-              <a:t> به علاوه بابت ماهیت آسنکرون این الگو ، آزمون‌پذیری پیچیده‌تر می‌شود </a:t>
-            </a:r>
-            <a:endParaRPr lang="fa-IR" sz="2000" dirty="0" smtClean="0">
-              <a:solidFill>
-                <a:srgbClr val="C00000"/>
-              </a:solidFill>
-              <a:cs typeface="B Nazanin" panose="00000400000000000000" pitchFamily="2" charset="-78"/>
-            </a:endParaRPr>
-          </a:p>
-          <a:p>
-            <a:pPr algn="r" rtl="1">
-              <a:buFont typeface="Wingdings" panose="05000000000000000000" pitchFamily="2" charset="2"/>
-              <a:buChar char="q"/>
-            </a:pPr>
-            <a:r>
-              <a:rPr lang="fa-IR" sz="2000" dirty="0" smtClean="0">
-                <a:solidFill>
-                  <a:srgbClr val="C00000"/>
-                </a:solidFill>
-                <a:cs typeface="B Nazanin" panose="00000400000000000000" pitchFamily="2" charset="-78"/>
-              </a:rPr>
               <a:t>توسعه سخت </a:t>
             </a:r>
-            <a:endParaRPr lang="fa-IR" sz="2000" dirty="0" smtClean="0">
-              <a:solidFill>
-                <a:srgbClr val="C00000"/>
-              </a:solidFill>
-              <a:cs typeface="B Nazanin" panose="00000400000000000000" pitchFamily="2" charset="-78"/>
-            </a:endParaRPr>
           </a:p>
           <a:p>
             <a:pPr algn="r" rtl="1">
@@ -7592,7 +7496,7 @@
           <a:p>
             <a:fld id="{C2DB2716-ABCB-47E4-A5E7-31908A35B483}" type="uaqdatetime1">
               <a:rPr lang="fa-IR" smtClean="0"/>
-              <a:t>09/06/1443</a:t>
+              <a:t>10/06/1443</a:t>
             </a:fld>
             <a:endParaRPr lang="en-US"/>
           </a:p>
@@ -7757,7 +7661,7 @@
           <a:p>
             <a:fld id="{C2DB2716-ABCB-47E4-A5E7-31908A35B483}" type="uaqdatetime1">
               <a:rPr lang="fa-IR" smtClean="0"/>
-              <a:t>08/06/1443</a:t>
+              <a:t>10/06/1443</a:t>
             </a:fld>
             <a:endParaRPr lang="en-US"/>
           </a:p>
@@ -7893,7 +7797,7 @@
           <a:p>
             <a:fld id="{C2DB2716-ABCB-47E4-A5E7-31908A35B483}" type="uaqdatetime1">
               <a:rPr lang="fa-IR" smtClean="0"/>
-              <a:t>08/06/1443</a:t>
+              <a:t>10/06/1443</a:t>
             </a:fld>
             <a:endParaRPr lang="en-US"/>
           </a:p>
@@ -8029,7 +7933,7 @@
           <a:p>
             <a:fld id="{C2DB2716-ABCB-47E4-A5E7-31908A35B483}" type="uaqdatetime1">
               <a:rPr lang="fa-IR" smtClean="0"/>
-              <a:t>08/06/1443</a:t>
+              <a:t>10/06/1443</a:t>
             </a:fld>
             <a:endParaRPr lang="en-US"/>
           </a:p>
@@ -8247,13 +8151,7 @@
               <a:rPr lang="fa-IR" sz="2400" dirty="0" smtClean="0">
                 <a:cs typeface="B Nazanin" panose="00000400000000000000" pitchFamily="2" charset="-78"/>
               </a:rPr>
-              <a:t>جمع </a:t>
-            </a:r>
-            <a:r>
-              <a:rPr lang="fa-IR" sz="2400" dirty="0" smtClean="0">
-                <a:cs typeface="B Nazanin" panose="00000400000000000000" pitchFamily="2" charset="-78"/>
-              </a:rPr>
-              <a:t>بندي </a:t>
+              <a:t>جمع بندي </a:t>
             </a:r>
             <a:endParaRPr lang="fa-IR" sz="2400" dirty="0">
               <a:cs typeface="B Nazanin" panose="00000400000000000000" pitchFamily="2" charset="-78"/>
@@ -8278,7 +8176,7 @@
           <a:p>
             <a:fld id="{85D879EB-1AC6-4DAD-A7D9-A5ED0E43FD94}" type="uaqdatetime1">
               <a:rPr lang="fa-IR" smtClean="0"/>
-              <a:t>08/06/1443</a:t>
+              <a:t>10/06/1443</a:t>
             </a:fld>
             <a:endParaRPr lang="en-US"/>
           </a:p>
@@ -8502,7 +8400,7 @@
           <a:p>
             <a:fld id="{44424082-5CA2-48E6-9B05-0898A8B9FA3C}" type="uaqdatetime1">
               <a:rPr lang="fa-IR" smtClean="0"/>
-              <a:t>08/06/1443</a:t>
+              <a:t>10/06/1443</a:t>
             </a:fld>
             <a:endParaRPr lang="en-US"/>
           </a:p>
@@ -8817,7 +8715,7 @@
           <a:p>
             <a:fld id="{97B56645-9C37-419D-86C0-AA05FDDD1398}" type="uaqdatetime1">
               <a:rPr lang="fa-IR" smtClean="0"/>
-              <a:t>08/06/1443</a:t>
+              <a:t>10/06/1443</a:t>
             </a:fld>
             <a:endParaRPr lang="en-US"/>
           </a:p>
@@ -9126,7 +9024,7 @@
           <a:p>
             <a:fld id="{99F17209-2804-43DE-A57B-2B84D7B02C1B}" type="uaqdatetime1">
               <a:rPr lang="fa-IR" smtClean="0"/>
-              <a:t>08/06/1443</a:t>
+              <a:t>10/06/1443</a:t>
             </a:fld>
             <a:endParaRPr lang="en-US"/>
           </a:p>
@@ -9278,7 +9176,22 @@
               <a:rPr lang="fa-IR" sz="2000" dirty="0" smtClean="0">
                 <a:cs typeface="B Nazanin" panose="00000400000000000000" pitchFamily="2" charset="-78"/>
               </a:rPr>
-              <a:t>مسئول تولیید و انتشار رویدادها می‌باشد </a:t>
+              <a:t>مسئول تولیید و انتشار</a:t>
+            </a:r>
+            <a:r>
+              <a:rPr lang="fa-IR" sz="2000" dirty="0" smtClean="0">
+                <a:solidFill>
+                  <a:srgbClr val="FF0000"/>
+                </a:solidFill>
+                <a:cs typeface="B Nazanin" panose="00000400000000000000" pitchFamily="2" charset="-78"/>
+              </a:rPr>
+              <a:t> رویدادها </a:t>
+            </a:r>
+            <a:r>
+              <a:rPr lang="fa-IR" sz="2000" dirty="0" smtClean="0">
+                <a:cs typeface="B Nazanin" panose="00000400000000000000" pitchFamily="2" charset="-78"/>
+              </a:rPr>
+              <a:t>می‌باشد </a:t>
             </a:r>
           </a:p>
           <a:p>
@@ -9301,9 +9214,6 @@
               </a:rPr>
               <a:t> </a:t>
             </a:r>
-            <a:endParaRPr lang="fa-IR" sz="2000" dirty="0" smtClean="0">
-              <a:cs typeface="B Nazanin" panose="00000400000000000000" pitchFamily="2" charset="-78"/>
-            </a:endParaRPr>
           </a:p>
           <a:p>
             <a:pPr marL="0" indent="0" algn="r" rtl="1">
@@ -9378,12 +9288,6 @@
               </a:rPr>
               <a:t>مصرف‌کننده‌رویداد </a:t>
             </a:r>
-            <a:endParaRPr lang="fa-IR" sz="2000" dirty="0" smtClean="0">
-              <a:solidFill>
-                <a:srgbClr val="C00000"/>
-              </a:solidFill>
-              <a:cs typeface="B Nazanin" panose="00000400000000000000" pitchFamily="2" charset="-78"/>
-            </a:endParaRPr>
           </a:p>
           <a:p>
             <a:pPr marL="0" indent="0" algn="r" rtl="1">
@@ -9391,9 +9295,42 @@
             </a:pPr>
             <a:r>
               <a:rPr lang="fa-IR" sz="2000" dirty="0" smtClean="0">
-                <a:cs typeface="B Nazanin" panose="00000400000000000000" pitchFamily="2" charset="-78"/>
-              </a:rPr>
-              <a:t>رویداد را دریافت کرد و نصب به آن اقدام مناسبی را اتخاذ می‌کند </a:t>
+                <a:solidFill>
+                  <a:srgbClr val="FF0000"/>
+                </a:solidFill>
+                <a:cs typeface="B Nazanin" panose="00000400000000000000" pitchFamily="2" charset="-78"/>
+              </a:rPr>
+              <a:t>رویداد</a:t>
+            </a:r>
+            <a:r>
+              <a:rPr lang="fa-IR" sz="2000" dirty="0" smtClean="0">
+                <a:cs typeface="B Nazanin" panose="00000400000000000000" pitchFamily="2" charset="-78"/>
+              </a:rPr>
+              <a:t> را دریافت </a:t>
+            </a:r>
+            <a:r>
+              <a:rPr lang="fa-IR" sz="2000" dirty="0" smtClean="0">
+                <a:cs typeface="B Nazanin" panose="00000400000000000000" pitchFamily="2" charset="-78"/>
+              </a:rPr>
+              <a:t>و پردازش کرده  </a:t>
+            </a:r>
+            <a:r>
+              <a:rPr lang="fa-IR" sz="2000" dirty="0" smtClean="0">
+                <a:cs typeface="B Nazanin" panose="00000400000000000000" pitchFamily="2" charset="-78"/>
+              </a:rPr>
+              <a:t>و </a:t>
+            </a:r>
+            <a:r>
+              <a:rPr lang="fa-IR" sz="2000" dirty="0" smtClean="0">
+                <a:cs typeface="B Nazanin" panose="00000400000000000000" pitchFamily="2" charset="-78"/>
+              </a:rPr>
+              <a:t>نسبت </a:t>
+            </a:r>
+            <a:r>
+              <a:rPr lang="fa-IR" sz="2000" dirty="0" smtClean="0">
+                <a:cs typeface="B Nazanin" panose="00000400000000000000" pitchFamily="2" charset="-78"/>
+              </a:rPr>
+              <a:t>به آن اقدام مناسبی را اتخاذ می‌کند </a:t>
             </a:r>
             <a:r>
               <a:rPr lang="fa-IR" dirty="0" smtClean="0">
@@ -9428,7 +9365,7 @@
           <a:p>
             <a:fld id="{C2DB2716-ABCB-47E4-A5E7-31908A35B483}" type="uaqdatetime1">
               <a:rPr lang="fa-IR" smtClean="0"/>
-              <a:t>08/06/1443</a:t>
+              <a:t>10/06/1443</a:t>
             </a:fld>
             <a:endParaRPr lang="en-US"/>
           </a:p>
@@ -9931,7 +9868,7 @@
           <a:p>
             <a:fld id="{006FBB09-33D0-4E85-A34E-7878EB333873}" type="uaqdatetime1">
               <a:rPr lang="fa-IR" smtClean="0"/>
-              <a:t>08/06/1443</a:t>
+              <a:t>10/06/1443</a:t>
             </a:fld>
             <a:endParaRPr lang="en-US"/>
           </a:p>
@@ -10076,16 +10013,7 @@
                 </a:solidFill>
                 <a:cs typeface="B Nazanin" panose="00000400000000000000" pitchFamily="2" charset="-78"/>
               </a:rPr>
-              <a:t>مدل </a:t>
-            </a:r>
-            <a:r>
-              <a:rPr lang="fa-IR" sz="2400" dirty="0" smtClean="0">
-                <a:solidFill>
-                  <a:srgbClr val="C00000"/>
-                </a:solidFill>
-                <a:cs typeface="B Nazanin" panose="00000400000000000000" pitchFamily="2" charset="-78"/>
-              </a:rPr>
-              <a:t>انتشار اشتراك </a:t>
+              <a:t>مدل انتشار اشتراك </a:t>
             </a:r>
           </a:p>
           <a:p>
@@ -10136,16 +10064,7 @@
                 </a:solidFill>
                 <a:cs typeface="B Nazanin" panose="00000400000000000000" pitchFamily="2" charset="-78"/>
               </a:rPr>
-              <a:t> </a:t>
-            </a:r>
-            <a:r>
-              <a:rPr lang="fa-IR" sz="2400" dirty="0" smtClean="0">
-                <a:solidFill>
-                  <a:srgbClr val="C00000"/>
-                </a:solidFill>
-                <a:cs typeface="B Nazanin" panose="00000400000000000000" pitchFamily="2" charset="-78"/>
-              </a:rPr>
-              <a:t>مدل جريان رويداد </a:t>
+              <a:t> مدل جريان رويداد </a:t>
             </a:r>
           </a:p>
           <a:p>
@@ -10232,7 +10151,7 @@
           <a:p>
             <a:fld id="{C2DB2716-ABCB-47E4-A5E7-31908A35B483}" type="uaqdatetime1">
               <a:rPr lang="fa-IR" smtClean="0"/>
-              <a:t>08/06/1443</a:t>
+              <a:t>10/06/1443</a:t>
             </a:fld>
             <a:endParaRPr lang="en-US"/>
           </a:p>
@@ -10652,9 +10571,6 @@
               </a:rPr>
               <a:t>مي‌كند. </a:t>
             </a:r>
-            <a:endParaRPr lang="fa-IR" sz="2000" dirty="0" smtClean="0">
-              <a:cs typeface="B Nazanin" panose="00000400000000000000" pitchFamily="2" charset="-78"/>
-            </a:endParaRPr>
           </a:p>
           <a:p>
             <a:pPr lvl="1" algn="r" rtl="1">
@@ -10684,7 +10600,7 @@
           <a:p>
             <a:fld id="{C2DB2716-ABCB-47E4-A5E7-31908A35B483}" type="uaqdatetime1">
               <a:rPr lang="fa-IR" smtClean="0"/>
-              <a:t>08/06/1443</a:t>
+              <a:t>10/06/1443</a:t>
             </a:fld>
             <a:endParaRPr lang="en-US"/>
           </a:p>

--- a/پاورپوينت معماري.pptx
+++ b/پاورپوينت معماري.pptx
@@ -6480,8 +6480,8 @@
         </p:nvSpPr>
         <p:spPr>
           <a:xfrm>
-            <a:off x="677333" y="609600"/>
-            <a:ext cx="8808411" cy="1320800"/>
+            <a:off x="677333" y="325437"/>
+            <a:ext cx="11052849" cy="755217"/>
           </a:xfrm>
         </p:spPr>
         <p:txBody>
@@ -6492,7 +6492,7 @@
           <a:p>
             <a:pPr algn="ctr"/>
             <a:r>
-              <a:rPr lang="fa-IR" u="sng" dirty="0" smtClean="0">
+              <a:rPr lang="fa-IR" sz="3600" u="sng" dirty="0" smtClean="0">
                 <a:solidFill>
                   <a:srgbClr val="C00000"/>
                 </a:solidFill>
@@ -6500,7 +6500,7 @@
               </a:rPr>
               <a:t>چه زمان هايي از الگوي معماري رويداد محور استفاده مي‌شود؟</a:t>
             </a:r>
-            <a:endParaRPr lang="en-US" u="sng" dirty="0">
+            <a:endParaRPr lang="en-US" sz="3600" u="sng" dirty="0">
               <a:solidFill>
                 <a:srgbClr val="C00000"/>
               </a:solidFill>
@@ -6519,7 +6519,12 @@
             <p:ph idx="1"/>
           </p:nvPr>
         </p:nvSpPr>
-        <p:spPr/>
+        <p:spPr>
+          <a:xfrm>
+            <a:off x="838200" y="1080654"/>
+            <a:ext cx="10515600" cy="5096309"/>
+          </a:xfrm>
+        </p:spPr>
         <p:txBody>
           <a:bodyPr>
             <a:normAutofit/>
@@ -6528,7 +6533,7 @@
           <a:p>
             <a:pPr algn="r" rtl="1">
               <a:buFont typeface="Wingdings" panose="05000000000000000000" pitchFamily="2" charset="2"/>
-              <a:buChar char="q"/>
+              <a:buChar char="§"/>
             </a:pPr>
             <a:r>
               <a:rPr lang="fa-IR" sz="2000" dirty="0" smtClean="0">
@@ -6537,13 +6542,47 @@
                 </a:solidFill>
                 <a:cs typeface="B Nazanin" panose="00000400000000000000" pitchFamily="2" charset="-78"/>
               </a:rPr>
-              <a:t>تجمیع سیستم‌های ناهمگن</a:t>
-            </a:r>
+              <a:t>تجمیع سیستم‌های </a:t>
+            </a:r>
+            <a:r>
+              <a:rPr lang="fa-IR" sz="2000" dirty="0" smtClean="0">
+                <a:solidFill>
+                  <a:srgbClr val="C00000"/>
+                </a:solidFill>
+                <a:cs typeface="B Nazanin" panose="00000400000000000000" pitchFamily="2" charset="-78"/>
+              </a:rPr>
+              <a:t>ناهمگن</a:t>
+            </a:r>
+          </a:p>
+          <a:p>
+            <a:pPr marL="0" indent="0" algn="r" rtl="1">
+              <a:buNone/>
+            </a:pPr>
+            <a:r>
+              <a:rPr lang="fa-IR" sz="2000" dirty="0" smtClean="0">
+                <a:cs typeface="B Nazanin" panose="00000400000000000000" pitchFamily="2" charset="-78"/>
+              </a:rPr>
+              <a:t>اگر نیاز باشد که دو سیستم را که بر دو پشته مختلف اجرا می‌شوند را بدون اینکه نیاز به جفت شدگی باشد، قابلیت همکاری را  در بین آنها به وجود آورد تا آنها  بتوانند با هم پیام‌ها و داده‌ها را به اشتراک بگذارند .</a:t>
+            </a:r>
+          </a:p>
+          <a:p>
+            <a:pPr marL="0" indent="0" algn="r" rtl="1">
+              <a:buNone/>
+            </a:pPr>
+            <a:r>
+              <a:rPr lang="fa-IR" sz="2000" dirty="0" smtClean="0">
+                <a:cs typeface="B Nazanin" panose="00000400000000000000" pitchFamily="2" charset="-78"/>
+              </a:rPr>
+              <a:t>در این زمان می‌توان از الگوی معماری رویداد محور استفاده کرد تا این قابلیت را به وجود آورد . </a:t>
+            </a:r>
+            <a:endParaRPr lang="fa-IR" sz="2000" dirty="0" smtClean="0">
+              <a:cs typeface="B Nazanin" panose="00000400000000000000" pitchFamily="2" charset="-78"/>
+            </a:endParaRPr>
           </a:p>
           <a:p>
             <a:pPr algn="r" rtl="1">
               <a:buFont typeface="Wingdings" panose="05000000000000000000" pitchFamily="2" charset="2"/>
-              <a:buChar char="q"/>
+              <a:buChar char="§"/>
             </a:pPr>
             <a:r>
               <a:rPr lang="fa-IR" sz="2000" dirty="0" smtClean="0">
@@ -6554,11 +6593,42 @@
               </a:rPr>
               <a:t>ظرفیت خروجی بالا </a:t>
             </a:r>
+            <a:endParaRPr lang="fa-IR" sz="2000" dirty="0" smtClean="0">
+              <a:solidFill>
+                <a:srgbClr val="C00000"/>
+              </a:solidFill>
+              <a:cs typeface="B Nazanin" panose="00000400000000000000" pitchFamily="2" charset="-78"/>
+            </a:endParaRPr>
+          </a:p>
+          <a:p>
+            <a:pPr marL="0" indent="0" algn="r" rtl="1">
+              <a:buNone/>
+            </a:pPr>
+            <a:r>
+              <a:rPr lang="fa-IR" sz="2000" dirty="0" smtClean="0">
+                <a:cs typeface="B Nazanin" panose="00000400000000000000" pitchFamily="2" charset="-78"/>
+              </a:rPr>
+              <a:t>زمانی که سیستم‌هاي زيادي وجود دارند كه به عنوان مصرف‌‌كننده براي پاسخ‌دهي به يك رويداد كار مي‌كنند مي‌شود ،مي‌شود از الگوي معماري رويداد محور براي ارسال رويداد به هر مصرف كننده استفاده كرد .</a:t>
+            </a:r>
+          </a:p>
+          <a:p>
+            <a:pPr marL="0" indent="0" algn="r" rtl="1">
+              <a:buNone/>
+            </a:pPr>
+            <a:r>
+              <a:rPr lang="fa-IR" sz="2000" dirty="0" smtClean="0">
+                <a:cs typeface="B Nazanin" panose="00000400000000000000" pitchFamily="2" charset="-78"/>
+              </a:rPr>
+              <a:t>در اين موقعيت مسيرياب رويداد را به هريك از مصرف‌كنندگان ارسال مي‌كند و آنها به طور موازي اقدام به پردازش رويداد مي‌كنند . </a:t>
+            </a:r>
+            <a:endParaRPr lang="fa-IR" sz="2000" dirty="0" smtClean="0">
+              <a:cs typeface="B Nazanin" panose="00000400000000000000" pitchFamily="2" charset="-78"/>
+            </a:endParaRPr>
           </a:p>
           <a:p>
             <a:pPr algn="r" rtl="1">
               <a:buFont typeface="Wingdings" panose="05000000000000000000" pitchFamily="2" charset="2"/>
-              <a:buChar char="q"/>
+              <a:buChar char="§"/>
             </a:pPr>
             <a:r>
               <a:rPr lang="fa-IR" sz="2000" dirty="0" smtClean="0">
@@ -6578,11 +6648,14 @@
               <a:rPr lang="fa-IR" sz="2000" dirty="0" smtClean="0">
                 <a:cs typeface="B Nazanin" panose="00000400000000000000" pitchFamily="2" charset="-78"/>
               </a:rPr>
-              <a:t>به جای بررسی مداوم منابع خود می‌شود از الگوی معماری رویداد محور برای نظارت و دریافت هشدار نسبت به هرگونه رخدادی در مورد منابع استفاده کرد .</a:t>
-            </a:r>
-            <a:endParaRPr lang="en-US" sz="2000" dirty="0">
-              <a:cs typeface="B Nazanin" panose="00000400000000000000" pitchFamily="2" charset="-78"/>
-            </a:endParaRPr>
+              <a:t>به جای بررسی مداوم منابع خود می‌شود از الگوی معماری رویداد محور برای نظارت و دریافت هشدار نسبت به هرگونه رخدادی در مورد منابع استفاده کرد </a:t>
+            </a:r>
+            <a:r>
+              <a:rPr lang="fa-IR" sz="2000" dirty="0" smtClean="0">
+                <a:cs typeface="B Nazanin" panose="00000400000000000000" pitchFamily="2" charset="-78"/>
+              </a:rPr>
+              <a:t>.</a:t>
+            </a:r>
           </a:p>
         </p:txBody>
       </p:sp>
@@ -6603,7 +6676,7 @@
           <a:p>
             <a:fld id="{C2DB2716-ABCB-47E4-A5E7-31908A35B483}" type="uaqdatetime1">
               <a:rPr lang="fa-IR" smtClean="0"/>
-              <a:t>10/06/1443</a:t>
+              <a:t>11/06/1443</a:t>
             </a:fld>
             <a:endParaRPr lang="en-US"/>
           </a:p>
@@ -8536,154 +8609,147 @@
                 <a:solidFill>
                   <a:srgbClr val="C00000"/>
                 </a:solidFill>
-                <a:cs typeface="B Nazanin" panose="00000400000000000000" pitchFamily="2" charset="-78"/>
-              </a:rPr>
-              <a:t>الگوي معماري رويداد محور </a:t>
+                <a:latin typeface="B Nazanin" panose="00000400000000000000" pitchFamily="2" charset="-78"/>
+                <a:ea typeface="Calibri" panose="020F0502020204030204" pitchFamily="34" charset="0"/>
+                <a:cs typeface="B Nazanin" panose="00000400000000000000" pitchFamily="2" charset="-78"/>
+              </a:rPr>
+              <a:t> الگوی معماری </a:t>
+            </a:r>
+            <a:r>
+              <a:rPr lang="fa-IR" sz="2400" dirty="0">
+                <a:solidFill>
+                  <a:srgbClr val="C00000"/>
+                </a:solidFill>
+                <a:latin typeface="B Nazanin" panose="00000400000000000000" pitchFamily="2" charset="-78"/>
+                <a:ea typeface="Calibri" panose="020F0502020204030204" pitchFamily="34" charset="0"/>
+                <a:cs typeface="B Nazanin" panose="00000400000000000000" pitchFamily="2" charset="-78"/>
+              </a:rPr>
+              <a:t>رویداد محور </a:t>
+            </a:r>
+            <a:r>
+              <a:rPr lang="fa-IR" sz="2400" dirty="0">
+                <a:latin typeface="B Nazanin" panose="00000400000000000000" pitchFamily="2" charset="-78"/>
+                <a:ea typeface="Calibri" panose="020F0502020204030204" pitchFamily="34" charset="0"/>
+                <a:cs typeface="B Nazanin" panose="00000400000000000000" pitchFamily="2" charset="-78"/>
+              </a:rPr>
+              <a:t>یک رویکرد طراحی مدرن است که حول داده‌هایی متمرکز است که رویدادها را توصیف </a:t>
             </a:r>
             <a:r>
               <a:rPr lang="fa-IR" sz="2400" dirty="0" smtClean="0">
-                <a:cs typeface="B Nazanin" panose="00000400000000000000" pitchFamily="2" charset="-78"/>
-              </a:rPr>
-              <a:t>يك الگوي معماري </a:t>
-            </a:r>
-            <a:r>
-              <a:rPr lang="fa-IR" sz="2400" dirty="0" smtClean="0">
-                <a:solidFill>
-                  <a:srgbClr val="C00000"/>
-                </a:solidFill>
-                <a:cs typeface="B Nazanin" panose="00000400000000000000" pitchFamily="2" charset="-78"/>
-              </a:rPr>
-              <a:t>ناهمزمان</a:t>
-            </a:r>
-            <a:r>
-              <a:rPr lang="fa-IR" sz="2400" dirty="0" smtClean="0">
-                <a:cs typeface="B Nazanin" panose="00000400000000000000" pitchFamily="2" charset="-78"/>
-              </a:rPr>
-              <a:t> </a:t>
-            </a:r>
-            <a:r>
-              <a:rPr lang="fa-IR" sz="2400" dirty="0" smtClean="0">
-                <a:solidFill>
-                  <a:srgbClr val="C00000"/>
-                </a:solidFill>
-                <a:cs typeface="B Nazanin" panose="00000400000000000000" pitchFamily="2" charset="-78"/>
-              </a:rPr>
-              <a:t>توزيع شده  </a:t>
-            </a:r>
-            <a:r>
-              <a:rPr lang="fa-IR" sz="2400" dirty="0" smtClean="0">
-                <a:solidFill>
-                  <a:schemeClr val="tx1"/>
-                </a:solidFill>
-                <a:cs typeface="B Nazanin" panose="00000400000000000000" pitchFamily="2" charset="-78"/>
-              </a:rPr>
-              <a:t>است .</a:t>
-            </a:r>
-          </a:p>
-          <a:p>
-            <a:pPr algn="r" rtl="1">
-              <a:buFont typeface="Wingdings" panose="05000000000000000000" pitchFamily="2" charset="2"/>
-              <a:buChar char="§"/>
-            </a:pPr>
-            <a:r>
-              <a:rPr lang="fa-IR" sz="2400" dirty="0" smtClean="0">
-                <a:solidFill>
-                  <a:schemeClr val="tx1"/>
-                </a:solidFill>
-                <a:cs typeface="B Nazanin" panose="00000400000000000000" pitchFamily="2" charset="-78"/>
-              </a:rPr>
-              <a:t>از محبوبيت بالايي برخوردار است و داراي </a:t>
-            </a:r>
-            <a:r>
-              <a:rPr lang="fa-IR" sz="2400" dirty="0" smtClean="0">
-                <a:solidFill>
-                  <a:srgbClr val="C00000"/>
-                </a:solidFill>
-                <a:cs typeface="B Nazanin" panose="00000400000000000000" pitchFamily="2" charset="-78"/>
-              </a:rPr>
-              <a:t>قابليت سازگاري </a:t>
-            </a:r>
-            <a:r>
-              <a:rPr lang="fa-IR" sz="2400" dirty="0" smtClean="0">
-                <a:solidFill>
-                  <a:schemeClr val="tx1"/>
-                </a:solidFill>
-                <a:cs typeface="B Nazanin" panose="00000400000000000000" pitchFamily="2" charset="-78"/>
-              </a:rPr>
-              <a:t>بالايي است .</a:t>
-            </a:r>
-          </a:p>
-          <a:p>
-            <a:pPr algn="r" rtl="1">
-              <a:buFont typeface="Wingdings" panose="05000000000000000000" pitchFamily="2" charset="2"/>
-              <a:buChar char="§"/>
-            </a:pPr>
-            <a:r>
-              <a:rPr lang="fa-IR" sz="2400" dirty="0" smtClean="0">
-                <a:solidFill>
-                  <a:schemeClr val="tx1"/>
-                </a:solidFill>
-                <a:cs typeface="B Nazanin" panose="00000400000000000000" pitchFamily="2" charset="-78"/>
-              </a:rPr>
-              <a:t>به خوبي براي نرم افزار هاي كوچك و همچنين نرم افزار‌هاي بسيار بزرگ و پيچيده استفاده مي‌شود.</a:t>
-            </a:r>
-          </a:p>
-          <a:p>
-            <a:pPr algn="r" rtl="1">
-              <a:buFont typeface="Wingdings" panose="05000000000000000000" pitchFamily="2" charset="2"/>
-              <a:buChar char="§"/>
-            </a:pPr>
-            <a:r>
-              <a:rPr lang="fa-IR" sz="2400" dirty="0" smtClean="0">
-                <a:solidFill>
-                  <a:schemeClr val="tx1"/>
-                </a:solidFill>
-                <a:cs typeface="B Nazanin" panose="00000400000000000000" pitchFamily="2" charset="-78"/>
-              </a:rPr>
-              <a:t>معماري رويداد محور از اجزاي </a:t>
-            </a:r>
-            <a:r>
-              <a:rPr lang="fa-IR" sz="2400" dirty="0" smtClean="0">
-                <a:solidFill>
-                  <a:srgbClr val="C00000"/>
-                </a:solidFill>
-                <a:cs typeface="B Nazanin" panose="00000400000000000000" pitchFamily="2" charset="-78"/>
-              </a:rPr>
-              <a:t>پردازش رويداد جداشده </a:t>
-            </a:r>
-            <a:r>
-              <a:rPr lang="fa-IR" sz="2400" dirty="0" smtClean="0">
-                <a:solidFill>
-                  <a:schemeClr val="tx1"/>
-                </a:solidFill>
-                <a:cs typeface="B Nazanin" panose="00000400000000000000" pitchFamily="2" charset="-78"/>
-              </a:rPr>
-              <a:t>و تك منظوره تشكيل شده است كه فرآيند ها را به طور </a:t>
-            </a:r>
-            <a:r>
-              <a:rPr lang="fa-IR" sz="2400" dirty="0" smtClean="0">
-                <a:solidFill>
-                  <a:srgbClr val="C00000"/>
-                </a:solidFill>
-                <a:cs typeface="B Nazanin" panose="00000400000000000000" pitchFamily="2" charset="-78"/>
-              </a:rPr>
-              <a:t>ناهمزمان</a:t>
-            </a:r>
-            <a:r>
-              <a:rPr lang="fa-IR" sz="2400" dirty="0" smtClean="0">
-                <a:solidFill>
-                  <a:schemeClr val="tx1"/>
-                </a:solidFill>
-                <a:cs typeface="B Nazanin" panose="00000400000000000000" pitchFamily="2" charset="-78"/>
-              </a:rPr>
-              <a:t> دريافت و پردازش مي‌كنند.</a:t>
-            </a:r>
-            <a:endParaRPr lang="en-US" sz="2400" dirty="0" smtClean="0">
+                <a:latin typeface="B Nazanin" panose="00000400000000000000" pitchFamily="2" charset="-78"/>
+                <a:ea typeface="Calibri" panose="020F0502020204030204" pitchFamily="34" charset="0"/>
+                <a:cs typeface="B Nazanin" panose="00000400000000000000" pitchFamily="2" charset="-78"/>
+              </a:rPr>
+              <a:t>می‌کنند .</a:t>
+            </a:r>
+            <a:endParaRPr lang="fa-IR" sz="2400" dirty="0" smtClean="0">
               <a:solidFill>
                 <a:srgbClr val="C00000"/>
               </a:solidFill>
               <a:cs typeface="B Nazanin" panose="00000400000000000000" pitchFamily="2" charset="-78"/>
             </a:endParaRPr>
+          </a:p>
+          <a:p>
+            <a:pPr algn="r" rtl="1">
+              <a:buFont typeface="Wingdings" panose="05000000000000000000" pitchFamily="2" charset="2"/>
+              <a:buChar char="§"/>
+            </a:pPr>
+            <a:r>
+              <a:rPr lang="fa-IR" sz="2400" dirty="0" smtClean="0">
+                <a:solidFill>
+                  <a:srgbClr val="C00000"/>
+                </a:solidFill>
+                <a:cs typeface="B Nazanin" panose="00000400000000000000" pitchFamily="2" charset="-78"/>
+              </a:rPr>
+              <a:t>الگوي معماري رويداد محور </a:t>
+            </a:r>
+            <a:r>
+              <a:rPr lang="fa-IR" sz="2400" dirty="0" smtClean="0">
+                <a:cs typeface="B Nazanin" panose="00000400000000000000" pitchFamily="2" charset="-78"/>
+              </a:rPr>
+              <a:t>يك الگوي معماري </a:t>
+            </a:r>
+            <a:r>
+              <a:rPr lang="fa-IR" sz="2400" dirty="0" smtClean="0">
+                <a:solidFill>
+                  <a:srgbClr val="C00000"/>
+                </a:solidFill>
+                <a:cs typeface="B Nazanin" panose="00000400000000000000" pitchFamily="2" charset="-78"/>
+              </a:rPr>
+              <a:t>ناهمزمان</a:t>
+            </a:r>
+            <a:r>
+              <a:rPr lang="fa-IR" sz="2400" dirty="0" smtClean="0">
+                <a:cs typeface="B Nazanin" panose="00000400000000000000" pitchFamily="2" charset="-78"/>
+              </a:rPr>
+              <a:t> </a:t>
+            </a:r>
+            <a:r>
+              <a:rPr lang="fa-IR" sz="2400" dirty="0" smtClean="0">
+                <a:solidFill>
+                  <a:srgbClr val="C00000"/>
+                </a:solidFill>
+                <a:cs typeface="B Nazanin" panose="00000400000000000000" pitchFamily="2" charset="-78"/>
+              </a:rPr>
+              <a:t>توزيع شده  </a:t>
+            </a:r>
+            <a:r>
+              <a:rPr lang="fa-IR" sz="2400" dirty="0" smtClean="0">
+                <a:solidFill>
+                  <a:schemeClr val="tx1"/>
+                </a:solidFill>
+                <a:cs typeface="B Nazanin" panose="00000400000000000000" pitchFamily="2" charset="-78"/>
+              </a:rPr>
+              <a:t>است .</a:t>
+            </a:r>
+          </a:p>
+          <a:p>
+            <a:pPr algn="r" rtl="1">
+              <a:buFont typeface="Wingdings" panose="05000000000000000000" pitchFamily="2" charset="2"/>
+              <a:buChar char="§"/>
+            </a:pPr>
+            <a:r>
+              <a:rPr lang="fa-IR" sz="2400" dirty="0" smtClean="0">
+                <a:solidFill>
+                  <a:schemeClr val="tx1"/>
+                </a:solidFill>
+                <a:cs typeface="B Nazanin" panose="00000400000000000000" pitchFamily="2" charset="-78"/>
+              </a:rPr>
+              <a:t>از محبوبيت بالايي برخوردار است و داراي </a:t>
+            </a:r>
+            <a:r>
+              <a:rPr lang="fa-IR" sz="2400" dirty="0" smtClean="0">
+                <a:solidFill>
+                  <a:srgbClr val="C00000"/>
+                </a:solidFill>
+                <a:cs typeface="B Nazanin" panose="00000400000000000000" pitchFamily="2" charset="-78"/>
+              </a:rPr>
+              <a:t>قابليت سازگاري </a:t>
+            </a:r>
+            <a:r>
+              <a:rPr lang="fa-IR" sz="2400" dirty="0" smtClean="0">
+                <a:solidFill>
+                  <a:schemeClr val="tx1"/>
+                </a:solidFill>
+                <a:cs typeface="B Nazanin" panose="00000400000000000000" pitchFamily="2" charset="-78"/>
+              </a:rPr>
+              <a:t>بالايي است .</a:t>
+            </a:r>
+          </a:p>
+          <a:p>
+            <a:pPr algn="r" rtl="1">
+              <a:buFont typeface="Wingdings" panose="05000000000000000000" pitchFamily="2" charset="2"/>
+              <a:buChar char="§"/>
+            </a:pPr>
+            <a:r>
+              <a:rPr lang="fa-IR" sz="2400" dirty="0" smtClean="0">
+                <a:solidFill>
+                  <a:schemeClr val="tx1"/>
+                </a:solidFill>
+                <a:cs typeface="B Nazanin" panose="00000400000000000000" pitchFamily="2" charset="-78"/>
+              </a:rPr>
+              <a:t>به خوبي براي نرم افزار هاي كوچك و همچنين نرم افزار‌هاي بسيار بزرگ و پيچيده استفاده مي‌شود.</a:t>
+            </a:r>
           </a:p>
           <a:p>
             <a:pPr algn="r" rtl="1">
@@ -8832,6 +8898,126 @@
           </a:bodyPr>
           <a:lstStyle/>
           <a:p>
+            <a:pPr marL="114300" marR="0" indent="-342900" algn="just" rtl="1">
+              <a:lnSpc>
+                <a:spcPct val="150000"/>
+              </a:lnSpc>
+              <a:spcBef>
+                <a:spcPts val="600"/>
+              </a:spcBef>
+              <a:spcAft>
+                <a:spcPts val="600"/>
+              </a:spcAft>
+              <a:buFont typeface="Wingdings" panose="05000000000000000000" pitchFamily="2" charset="2"/>
+              <a:buChar char="§"/>
+            </a:pPr>
+            <a:r>
+              <a:rPr lang="fa-IR" sz="2000" dirty="0">
+                <a:latin typeface="B Nazanin" panose="00000400000000000000" pitchFamily="2" charset="-78"/>
+                <a:ea typeface="Calibri" panose="020F0502020204030204" pitchFamily="34" charset="0"/>
+                <a:cs typeface="B Nazanin" panose="00000400000000000000" pitchFamily="2" charset="-78"/>
+              </a:rPr>
+              <a:t>یک رویداد را می توان به عنوان "چیزی که اتفاق افتاده است یا تغییر قابل توجهی در وضعیت" توصیف کرد. رویدادها تغییرناپذیرند، یعنی نمی‌توان آن‌ها را تغییر داد یا حذف کرد و به ترتیب ترتیب وقوعشان مرتب می‌شوند.</a:t>
+            </a:r>
+          </a:p>
+          <a:p>
+            <a:pPr marL="114300" marR="0" indent="-342900" algn="just" rtl="1">
+              <a:lnSpc>
+                <a:spcPct val="150000"/>
+              </a:lnSpc>
+              <a:spcBef>
+                <a:spcPts val="600"/>
+              </a:spcBef>
+              <a:spcAft>
+                <a:spcPts val="600"/>
+              </a:spcAft>
+              <a:buFont typeface="Wingdings" panose="05000000000000000000" pitchFamily="2" charset="2"/>
+              <a:buChar char="§"/>
+            </a:pPr>
+            <a:r>
+              <a:rPr lang="fa-IR" sz="2000" dirty="0" smtClean="0">
+                <a:latin typeface="B Nazanin" panose="00000400000000000000" pitchFamily="2" charset="-78"/>
+                <a:ea typeface="Calibri" panose="020F0502020204030204" pitchFamily="34" charset="0"/>
+                <a:cs typeface="B Nazanin" panose="00000400000000000000" pitchFamily="2" charset="-78"/>
+              </a:rPr>
+              <a:t>منبع يك </a:t>
+            </a:r>
+            <a:r>
+              <a:rPr lang="fa-IR" sz="2000" dirty="0" smtClean="0">
+                <a:solidFill>
+                  <a:srgbClr val="C00000"/>
+                </a:solidFill>
+                <a:latin typeface="B Nazanin" panose="00000400000000000000" pitchFamily="2" charset="-78"/>
+                <a:ea typeface="Calibri" panose="020F0502020204030204" pitchFamily="34" charset="0"/>
+                <a:cs typeface="B Nazanin" panose="00000400000000000000" pitchFamily="2" charset="-78"/>
+              </a:rPr>
+              <a:t>رويداد</a:t>
+            </a:r>
+            <a:r>
+              <a:rPr lang="fa-IR" sz="2000" dirty="0" smtClean="0">
+                <a:latin typeface="B Nazanin" panose="00000400000000000000" pitchFamily="2" charset="-78"/>
+                <a:ea typeface="Calibri" panose="020F0502020204030204" pitchFamily="34" charset="0"/>
+                <a:cs typeface="B Nazanin" panose="00000400000000000000" pitchFamily="2" charset="-78"/>
+              </a:rPr>
+              <a:t> مي‌تواند ناشي از ورودي هاي خارجي يا داخلي باشد .</a:t>
+            </a:r>
+          </a:p>
+          <a:p>
+            <a:pPr marL="114300" indent="-342900" algn="just" rtl="1">
+              <a:lnSpc>
+                <a:spcPct val="150000"/>
+              </a:lnSpc>
+              <a:spcBef>
+                <a:spcPts val="600"/>
+              </a:spcBef>
+              <a:spcAft>
+                <a:spcPts val="600"/>
+              </a:spcAft>
+              <a:buFont typeface="Wingdings" panose="05000000000000000000" pitchFamily="2" charset="2"/>
+              <a:buChar char="§"/>
+            </a:pPr>
+            <a:r>
+              <a:rPr lang="fa-IR" sz="2000" dirty="0" smtClean="0">
+                <a:solidFill>
+                  <a:srgbClr val="C00000"/>
+                </a:solidFill>
+                <a:latin typeface="B Nazanin" panose="00000400000000000000" pitchFamily="2" charset="-78"/>
+                <a:ea typeface="Calibri" panose="020F0502020204030204" pitchFamily="34" charset="0"/>
+                <a:cs typeface="B Nazanin" panose="00000400000000000000" pitchFamily="2" charset="-78"/>
+              </a:rPr>
+              <a:t>رويداد</a:t>
+            </a:r>
+            <a:r>
+              <a:rPr lang="fa-IR" sz="2000" dirty="0" smtClean="0">
+                <a:latin typeface="B Nazanin" panose="00000400000000000000" pitchFamily="2" charset="-78"/>
+                <a:ea typeface="Calibri" panose="020F0502020204030204" pitchFamily="34" charset="0"/>
+                <a:cs typeface="B Nazanin" panose="00000400000000000000" pitchFamily="2" charset="-78"/>
+              </a:rPr>
+              <a:t> مي‌تواند توسط يك كاربر به وجود آيد ،براي مثال مي‌تواند يك كليك موس يا </a:t>
+            </a:r>
+            <a:r>
+              <a:rPr lang="fa-IR" sz="2000" dirty="0">
+                <a:latin typeface="B Nazanin" panose="00000400000000000000" pitchFamily="2" charset="-78"/>
+                <a:ea typeface="Calibri" panose="020F0502020204030204" pitchFamily="34" charset="0"/>
+                <a:cs typeface="B Nazanin" panose="00000400000000000000" pitchFamily="2" charset="-78"/>
+              </a:rPr>
+              <a:t>كيبورد باشد، يا توسط يك منبع خارجي مانند </a:t>
+            </a:r>
+            <a:r>
+              <a:rPr lang="fa-IR" sz="2000" dirty="0" smtClean="0">
+                <a:latin typeface="B Nazanin" panose="00000400000000000000" pitchFamily="2" charset="-78"/>
+                <a:ea typeface="Calibri" panose="020F0502020204030204" pitchFamily="34" charset="0"/>
+                <a:cs typeface="B Nazanin" panose="00000400000000000000" pitchFamily="2" charset="-78"/>
+              </a:rPr>
+              <a:t>یک سنسور حرارت سنج به وجود آمده باشد . </a:t>
+            </a:r>
+            <a:endParaRPr lang="fa-IR" sz="2000" dirty="0">
+              <a:latin typeface="B Nazanin" panose="00000400000000000000" pitchFamily="2" charset="-78"/>
+              <a:ea typeface="Calibri" panose="020F0502020204030204" pitchFamily="34" charset="0"/>
+              <a:cs typeface="B Nazanin" panose="00000400000000000000" pitchFamily="2" charset="-78"/>
+            </a:endParaRPr>
+          </a:p>
+          <a:p>
             <a:pPr marL="0" marR="0" algn="just" rtl="1">
               <a:lnSpc>
                 <a:spcPct val="150000"/>
@@ -8843,140 +9029,7 @@
                 <a:spcPts val="600"/>
               </a:spcAft>
             </a:pPr>
-            <a:r>
-              <a:rPr lang="fa-IR" sz="2000" dirty="0" smtClean="0">
-                <a:latin typeface="B Nazanin" panose="00000400000000000000" pitchFamily="2" charset="-78"/>
-                <a:ea typeface="Calibri" panose="020F0502020204030204" pitchFamily="34" charset="0"/>
-                <a:cs typeface="B Nazanin" panose="00000400000000000000" pitchFamily="2" charset="-78"/>
-              </a:rPr>
-              <a:t>يك </a:t>
-            </a:r>
-            <a:r>
-              <a:rPr lang="fa-IR" sz="2000" dirty="0" smtClean="0">
-                <a:solidFill>
-                  <a:srgbClr val="C00000"/>
-                </a:solidFill>
-                <a:latin typeface="B Nazanin" panose="00000400000000000000" pitchFamily="2" charset="-78"/>
-                <a:ea typeface="Calibri" panose="020F0502020204030204" pitchFamily="34" charset="0"/>
-                <a:cs typeface="B Nazanin" panose="00000400000000000000" pitchFamily="2" charset="-78"/>
-              </a:rPr>
-              <a:t>رويداد</a:t>
-            </a:r>
-            <a:r>
-              <a:rPr lang="fa-IR" sz="2000" dirty="0" smtClean="0">
-                <a:latin typeface="B Nazanin" panose="00000400000000000000" pitchFamily="2" charset="-78"/>
-                <a:ea typeface="Calibri" panose="020F0502020204030204" pitchFamily="34" charset="0"/>
-                <a:cs typeface="B Nazanin" panose="00000400000000000000" pitchFamily="2" charset="-78"/>
-              </a:rPr>
-              <a:t> هر رخداد قابل توجه يا تغيير دروضعيت براي سيستم سخت‌افزاري يا نرم‌افزاري است . </a:t>
-            </a:r>
-          </a:p>
-          <a:p>
-            <a:pPr marL="0" marR="0" algn="just" rtl="1">
-              <a:lnSpc>
-                <a:spcPct val="150000"/>
-              </a:lnSpc>
-              <a:spcBef>
-                <a:spcPts val="600"/>
-              </a:spcBef>
-              <a:spcAft>
-                <a:spcPts val="600"/>
-              </a:spcAft>
-            </a:pPr>
-            <a:r>
-              <a:rPr lang="fa-IR" sz="2000" dirty="0" smtClean="0">
-                <a:latin typeface="B Nazanin" panose="00000400000000000000" pitchFamily="2" charset="-78"/>
-                <a:ea typeface="Calibri" panose="020F0502020204030204" pitchFamily="34" charset="0"/>
-                <a:cs typeface="B Nazanin" panose="00000400000000000000" pitchFamily="2" charset="-78"/>
-              </a:rPr>
-              <a:t>منبع يك </a:t>
-            </a:r>
-            <a:r>
-              <a:rPr lang="fa-IR" sz="2000" dirty="0" smtClean="0">
-                <a:solidFill>
-                  <a:srgbClr val="C00000"/>
-                </a:solidFill>
-                <a:latin typeface="B Nazanin" panose="00000400000000000000" pitchFamily="2" charset="-78"/>
-                <a:ea typeface="Calibri" panose="020F0502020204030204" pitchFamily="34" charset="0"/>
-                <a:cs typeface="B Nazanin" panose="00000400000000000000" pitchFamily="2" charset="-78"/>
-              </a:rPr>
-              <a:t>رويداد</a:t>
-            </a:r>
-            <a:r>
-              <a:rPr lang="fa-IR" sz="2000" dirty="0" smtClean="0">
-                <a:latin typeface="B Nazanin" panose="00000400000000000000" pitchFamily="2" charset="-78"/>
-                <a:ea typeface="Calibri" panose="020F0502020204030204" pitchFamily="34" charset="0"/>
-                <a:cs typeface="B Nazanin" panose="00000400000000000000" pitchFamily="2" charset="-78"/>
-              </a:rPr>
-              <a:t> مي‌تواند ناشي از ورودي هاي خارجي يا داخلي باشد .</a:t>
-            </a:r>
-          </a:p>
-          <a:p>
-            <a:pPr marL="0" marR="0" algn="just" rtl="1">
-              <a:lnSpc>
-                <a:spcPct val="150000"/>
-              </a:lnSpc>
-              <a:spcBef>
-                <a:spcPts val="600"/>
-              </a:spcBef>
-              <a:spcAft>
-                <a:spcPts val="600"/>
-              </a:spcAft>
-            </a:pPr>
-            <a:r>
-              <a:rPr lang="fa-IR" sz="2000" dirty="0" smtClean="0">
-                <a:solidFill>
-                  <a:srgbClr val="C00000"/>
-                </a:solidFill>
-                <a:latin typeface="B Nazanin" panose="00000400000000000000" pitchFamily="2" charset="-78"/>
-                <a:ea typeface="Calibri" panose="020F0502020204030204" pitchFamily="34" charset="0"/>
-                <a:cs typeface="B Nazanin" panose="00000400000000000000" pitchFamily="2" charset="-78"/>
-              </a:rPr>
-              <a:t>رويداد</a:t>
-            </a:r>
-            <a:r>
-              <a:rPr lang="fa-IR" sz="2000" dirty="0" smtClean="0">
-                <a:latin typeface="B Nazanin" panose="00000400000000000000" pitchFamily="2" charset="-78"/>
-                <a:ea typeface="Calibri" panose="020F0502020204030204" pitchFamily="34" charset="0"/>
-                <a:cs typeface="B Nazanin" panose="00000400000000000000" pitchFamily="2" charset="-78"/>
-              </a:rPr>
-              <a:t> مي‌تواند توسط يك كاربر به وجود آيد ،براي مثال مي‌تواند يك كليك موس يا كيبورد باشد . </a:t>
-            </a:r>
-          </a:p>
-          <a:p>
-            <a:pPr marL="0" marR="0" algn="just" rtl="1">
-              <a:lnSpc>
-                <a:spcPct val="150000"/>
-              </a:lnSpc>
-              <a:spcBef>
-                <a:spcPts val="600"/>
-              </a:spcBef>
-              <a:spcAft>
-                <a:spcPts val="600"/>
-              </a:spcAft>
-            </a:pPr>
-            <a:r>
-              <a:rPr lang="fa-IR" sz="2000" dirty="0" smtClean="0">
-                <a:latin typeface="B Nazanin" panose="00000400000000000000" pitchFamily="2" charset="-78"/>
-                <a:ea typeface="Calibri" panose="020F0502020204030204" pitchFamily="34" charset="0"/>
-                <a:cs typeface="B Nazanin" panose="00000400000000000000" pitchFamily="2" charset="-78"/>
-              </a:rPr>
-              <a:t>يا توسط يك منبع خارجي مانند سنسور خارجي يا از داخل سيستم باشد مانند لود شدن يك برنامه .</a:t>
-            </a:r>
-          </a:p>
-          <a:p>
-            <a:pPr marL="0" marR="0" algn="just" rtl="1">
-              <a:lnSpc>
-                <a:spcPct val="150000"/>
-              </a:lnSpc>
-              <a:spcBef>
-                <a:spcPts val="600"/>
-              </a:spcBef>
-              <a:spcAft>
-                <a:spcPts val="600"/>
-              </a:spcAft>
-            </a:pPr>
-            <a:endParaRPr lang="fa-IR" dirty="0">
+            <a:endParaRPr lang="fa-IR" dirty="0" smtClean="0">
               <a:latin typeface="B Nazanin" panose="00000400000000000000" pitchFamily="2" charset="-78"/>
               <a:ea typeface="Calibri" panose="020F0502020204030204" pitchFamily="34" charset="0"/>
               <a:cs typeface="B Nazanin" panose="00000400000000000000" pitchFamily="2" charset="-78"/>
@@ -9148,6 +9201,17 @@
           <a:bodyPr/>
           <a:lstStyle/>
           <a:p>
+            <a:pPr marL="0" indent="0" algn="r" rtl="1">
+              <a:buNone/>
+            </a:pPr>
+            <a:r>
+              <a:rPr lang="fa-IR" sz="2000" dirty="0" smtClean="0">
+                <a:cs typeface="B Nazanin" panose="00000400000000000000" pitchFamily="2" charset="-78"/>
+              </a:rPr>
+              <a:t>الگوی معماری رویداد محور از سه بخش اصلی تشکیل می‌شوند که عبارتند از:</a:t>
+            </a:r>
+          </a:p>
+          <a:p>
             <a:pPr algn="r" rtl="1">
               <a:buFont typeface="Wingdings" panose="05000000000000000000" pitchFamily="2" charset="2"/>
               <a:buChar char="§"/>
@@ -9193,6 +9257,15 @@
               </a:rPr>
               <a:t>می‌باشد </a:t>
             </a:r>
+            <a:r>
+              <a:rPr lang="fa-IR" sz="2000" dirty="0" smtClean="0">
+                <a:cs typeface="B Nazanin" panose="00000400000000000000" pitchFamily="2" charset="-78"/>
+              </a:rPr>
+              <a:t>.</a:t>
+            </a:r>
+            <a:endParaRPr lang="fa-IR" sz="2000" dirty="0" smtClean="0">
+              <a:cs typeface="B Nazanin" panose="00000400000000000000" pitchFamily="2" charset="-78"/>
+            </a:endParaRPr>
           </a:p>
           <a:p>
             <a:pPr algn="r" rtl="1">
@@ -9306,31 +9379,7 @@
               <a:rPr lang="fa-IR" sz="2000" dirty="0" smtClean="0">
                 <a:cs typeface="B Nazanin" panose="00000400000000000000" pitchFamily="2" charset="-78"/>
               </a:rPr>
-              <a:t> را دریافت </a:t>
-            </a:r>
-            <a:r>
-              <a:rPr lang="fa-IR" sz="2000" dirty="0" smtClean="0">
-                <a:cs typeface="B Nazanin" panose="00000400000000000000" pitchFamily="2" charset="-78"/>
-              </a:rPr>
-              <a:t>و پردازش کرده  </a:t>
-            </a:r>
-            <a:r>
-              <a:rPr lang="fa-IR" sz="2000" dirty="0" smtClean="0">
-                <a:cs typeface="B Nazanin" panose="00000400000000000000" pitchFamily="2" charset="-78"/>
-              </a:rPr>
-              <a:t>و </a:t>
-            </a:r>
-            <a:r>
-              <a:rPr lang="fa-IR" sz="2000" dirty="0" smtClean="0">
-                <a:cs typeface="B Nazanin" panose="00000400000000000000" pitchFamily="2" charset="-78"/>
-              </a:rPr>
-              <a:t>نسبت </a:t>
-            </a:r>
-            <a:r>
-              <a:rPr lang="fa-IR" sz="2000" dirty="0" smtClean="0">
-                <a:cs typeface="B Nazanin" panose="00000400000000000000" pitchFamily="2" charset="-78"/>
-              </a:rPr>
-              <a:t>به آن اقدام مناسبی را اتخاذ می‌کند </a:t>
+              <a:t> را دریافت و پردازش کرده  و نسبت به آن اقدام مناسبی را اتخاذ می‌کند </a:t>
             </a:r>
             <a:r>
               <a:rPr lang="fa-IR" dirty="0" smtClean="0">
@@ -9441,9 +9490,16 @@
             <p:ph type="title"/>
           </p:nvPr>
         </p:nvSpPr>
-        <p:spPr/>
-        <p:txBody>
-          <a:bodyPr/>
+        <p:spPr>
+          <a:xfrm>
+            <a:off x="838200" y="365126"/>
+            <a:ext cx="10515600" cy="613930"/>
+          </a:xfrm>
+        </p:spPr>
+        <p:txBody>
+          <a:bodyPr>
+            <a:normAutofit fontScale="90000"/>
+          </a:bodyPr>
           <a:lstStyle/>
           <a:p>
             <a:pPr algn="ctr"/>
@@ -9477,8 +9533,8 @@
         </p:nvSpPr>
         <p:spPr>
           <a:xfrm>
-            <a:off x="677333" y="1440873"/>
-            <a:ext cx="11126739" cy="4600489"/>
+            <a:off x="677333" y="1071419"/>
+            <a:ext cx="11126739" cy="4969944"/>
           </a:xfrm>
         </p:spPr>
         <p:txBody>
@@ -9488,6 +9544,9 @@
           <a:lstStyle/>
           <a:p>
             <a:pPr algn="r" rtl="1">
+              <a:lnSpc>
+                <a:spcPct val="150000"/>
+              </a:lnSpc>
               <a:buFont typeface="Wingdings" panose="05000000000000000000" pitchFamily="2" charset="2"/>
               <a:buChar char="§"/>
             </a:pPr>
@@ -9495,19 +9554,34 @@
               <a:rPr lang="fa-IR" sz="2000" dirty="0" smtClean="0">
                 <a:cs typeface="B Nazanin" panose="00000400000000000000" pitchFamily="2" charset="-78"/>
               </a:rPr>
-              <a:t>همانطور كه توضيح داده شد معماری رویداد محور از سه قسمت </a:t>
+              <a:t>همانطور كه توضيح داده شد معماری رویداد محور از </a:t>
             </a:r>
             <a:r>
               <a:rPr lang="fa-IR" sz="2000" dirty="0" smtClean="0">
+                <a:cs typeface="B Nazanin" panose="00000400000000000000" pitchFamily="2" charset="-78"/>
+              </a:rPr>
+              <a:t>سه بخش </a:t>
+            </a:r>
+            <a:r>
+              <a:rPr lang="fa-IR" sz="2000" dirty="0" smtClean="0">
                 <a:solidFill>
                   <a:srgbClr val="C00000"/>
                 </a:solidFill>
                 <a:cs typeface="B Nazanin" panose="00000400000000000000" pitchFamily="2" charset="-78"/>
               </a:rPr>
-              <a:t>تولییدکننده رویداد </a:t>
+              <a:t>تولییدکننده </a:t>
             </a:r>
             <a:r>
               <a:rPr lang="fa-IR" sz="2000" dirty="0" smtClean="0">
+                <a:solidFill>
+                  <a:srgbClr val="C00000"/>
+                </a:solidFill>
+                <a:cs typeface="B Nazanin" panose="00000400000000000000" pitchFamily="2" charset="-78"/>
+              </a:rPr>
+              <a:t>رویداد </a:t>
+            </a:r>
+            <a:r>
+              <a:rPr lang="fa-IR" sz="2000" dirty="0" smtClean="0">
                 <a:cs typeface="B Nazanin" panose="00000400000000000000" pitchFamily="2" charset="-78"/>
               </a:rPr>
               <a:t>، </a:t>
@@ -9540,11 +9614,20 @@
               <a:rPr lang="fa-IR" sz="2000" dirty="0" smtClean="0">
                 <a:cs typeface="B Nazanin" panose="00000400000000000000" pitchFamily="2" charset="-78"/>
               </a:rPr>
-              <a:t>تشکیل شده است .</a:t>
+              <a:t>تشکیل </a:t>
+            </a:r>
+            <a:r>
+              <a:rPr lang="fa-IR" sz="2000" dirty="0" smtClean="0">
+                <a:cs typeface="B Nazanin" panose="00000400000000000000" pitchFamily="2" charset="-78"/>
+              </a:rPr>
+              <a:t>می‌شود.</a:t>
             </a:r>
           </a:p>
           <a:p>
             <a:pPr algn="r" rtl="1">
+              <a:lnSpc>
+                <a:spcPct val="150000"/>
+              </a:lnSpc>
               <a:buFont typeface="Wingdings" panose="05000000000000000000" pitchFamily="2" charset="2"/>
               <a:buChar char="§"/>
             </a:pPr>
@@ -9552,6 +9635,12 @@
               <a:rPr lang="fa-IR" sz="2000" dirty="0" smtClean="0">
                 <a:cs typeface="B Nazanin" panose="00000400000000000000" pitchFamily="2" charset="-78"/>
               </a:rPr>
+              <a:t> </a:t>
+            </a:r>
+            <a:r>
+              <a:rPr lang="fa-IR" sz="2000" dirty="0" smtClean="0">
+                <a:cs typeface="B Nazanin" panose="00000400000000000000" pitchFamily="2" charset="-78"/>
+              </a:rPr>
               <a:t>یک </a:t>
             </a:r>
             <a:r>
@@ -9587,6 +9676,9 @@
           </a:p>
           <a:p>
             <a:pPr algn="r" rtl="1">
+              <a:lnSpc>
+                <a:spcPct val="150000"/>
+              </a:lnSpc>
               <a:buFont typeface="Wingdings" panose="05000000000000000000" pitchFamily="2" charset="2"/>
               <a:buChar char="§"/>
             </a:pPr>
@@ -9716,6 +9808,9 @@
           </a:p>
           <a:p>
             <a:pPr algn="r" rtl="1">
+              <a:lnSpc>
+                <a:spcPct val="150000"/>
+              </a:lnSpc>
               <a:buFont typeface="Wingdings" panose="05000000000000000000" pitchFamily="2" charset="2"/>
               <a:buChar char="§"/>
             </a:pPr>
@@ -9752,6 +9847,9 @@
           </a:p>
           <a:p>
             <a:pPr algn="r" rtl="1">
+              <a:lnSpc>
+                <a:spcPct val="150000"/>
+              </a:lnSpc>
               <a:buFont typeface="Wingdings" panose="05000000000000000000" pitchFamily="2" charset="2"/>
               <a:buChar char="§"/>
             </a:pPr>
@@ -9815,6 +9913,9 @@
           </a:p>
           <a:p>
             <a:pPr algn="r" rtl="1">
+              <a:lnSpc>
+                <a:spcPct val="150000"/>
+              </a:lnSpc>
               <a:buFont typeface="Wingdings" panose="05000000000000000000" pitchFamily="2" charset="2"/>
               <a:buChar char="§"/>
             </a:pPr>

--- a/پاورپوينت معماري.pptx
+++ b/پاورپوينت معماري.pptx
@@ -6,7 +6,7 @@
     <p:sldMasterId id="2147483684" r:id="rId2"/>
   </p:sldMasterIdLst>
   <p:notesMasterIdLst>
-    <p:notesMasterId r:id="rId19"/>
+    <p:notesMasterId r:id="rId20"/>
   </p:notesMasterIdLst>
   <p:sldIdLst>
     <p:sldId id="256" r:id="rId3"/>
@@ -16,15 +16,16 @@
     <p:sldId id="260" r:id="rId7"/>
     <p:sldId id="272" r:id="rId8"/>
     <p:sldId id="261" r:id="rId9"/>
-    <p:sldId id="269" r:id="rId10"/>
-    <p:sldId id="270" r:id="rId11"/>
-    <p:sldId id="262" r:id="rId12"/>
-    <p:sldId id="263" r:id="rId13"/>
-    <p:sldId id="271" r:id="rId14"/>
-    <p:sldId id="264" r:id="rId15"/>
-    <p:sldId id="265" r:id="rId16"/>
-    <p:sldId id="266" r:id="rId17"/>
-    <p:sldId id="267" r:id="rId18"/>
+    <p:sldId id="273" r:id="rId10"/>
+    <p:sldId id="269" r:id="rId11"/>
+    <p:sldId id="270" r:id="rId12"/>
+    <p:sldId id="262" r:id="rId13"/>
+    <p:sldId id="263" r:id="rId14"/>
+    <p:sldId id="271" r:id="rId15"/>
+    <p:sldId id="264" r:id="rId16"/>
+    <p:sldId id="265" r:id="rId17"/>
+    <p:sldId id="266" r:id="rId18"/>
+    <p:sldId id="267" r:id="rId19"/>
   </p:sldIdLst>
   <p:sldSz cx="12192000" cy="6858000"/>
   <p:notesSz cx="6858000" cy="9144000"/>
@@ -213,7 +214,7 @@
           <a:p>
             <a:fld id="{99A79AD5-89C0-4010-833A-1389C66235E8}" type="datetimeFigureOut">
               <a:rPr lang="en-US" smtClean="0"/>
-              <a:t>1/13/2022</a:t>
+              <a:t>1/14/2022</a:t>
             </a:fld>
             <a:endParaRPr lang="en-US"/>
           </a:p>
@@ -612,7 +613,7 @@
           <a:p>
             <a:fld id="{368C5E72-8645-4A1C-ABEF-CB6D5603A07D}" type="uaqdatetime1">
               <a:rPr lang="fa-IR" smtClean="0"/>
-              <a:t>10/06/1443</a:t>
+              <a:t>11/06/1443</a:t>
             </a:fld>
             <a:endParaRPr lang="en-US"/>
           </a:p>
@@ -782,7 +783,7 @@
           <a:p>
             <a:fld id="{FEE89845-ACCD-4029-B63C-55DACAC9F8A6}" type="uaqdatetime1">
               <a:rPr lang="fa-IR" smtClean="0"/>
-              <a:t>10/06/1443</a:t>
+              <a:t>11/06/1443</a:t>
             </a:fld>
             <a:endParaRPr lang="en-US"/>
           </a:p>
@@ -962,7 +963,7 @@
           <a:p>
             <a:fld id="{BFDBF3F9-34DA-49D7-B5B9-BF4380A179B7}" type="uaqdatetime1">
               <a:rPr lang="fa-IR" smtClean="0"/>
-              <a:t>10/06/1443</a:t>
+              <a:t>11/06/1443</a:t>
             </a:fld>
             <a:endParaRPr lang="en-US"/>
           </a:p>
@@ -1154,7 +1155,7 @@
           <a:p>
             <a:fld id="{368C5E72-8645-4A1C-ABEF-CB6D5603A07D}" type="uaqdatetime1">
               <a:rPr lang="fa-IR" smtClean="0"/>
-              <a:t>10/06/1443</a:t>
+              <a:t>11/06/1443</a:t>
             </a:fld>
             <a:endParaRPr lang="en-US"/>
           </a:p>
@@ -1331,7 +1332,7 @@
           <a:p>
             <a:fld id="{508AADD2-40D1-402F-9823-C486C22D7A8F}" type="uaqdatetime1">
               <a:rPr lang="fa-IR" smtClean="0"/>
-              <a:t>10/06/1443</a:t>
+              <a:t>11/06/1443</a:t>
             </a:fld>
             <a:endParaRPr lang="en-US"/>
           </a:p>
@@ -1577,7 +1578,7 @@
           <a:p>
             <a:fld id="{7402CB9B-D49C-43E8-87FF-3860F10A70AD}" type="uaqdatetime1">
               <a:rPr lang="fa-IR" smtClean="0"/>
-              <a:t>10/06/1443</a:t>
+              <a:t>11/06/1443</a:t>
             </a:fld>
             <a:endParaRPr lang="en-US"/>
           </a:p>
@@ -1816,7 +1817,7 @@
           <a:p>
             <a:fld id="{054213FF-4287-47B0-AEA1-26ED6271FDBD}" type="uaqdatetime1">
               <a:rPr lang="fa-IR" smtClean="0"/>
-              <a:t>10/06/1443</a:t>
+              <a:t>11/06/1443</a:t>
             </a:fld>
             <a:endParaRPr lang="en-US"/>
           </a:p>
@@ -2190,7 +2191,7 @@
           <a:p>
             <a:fld id="{B3E81681-D140-4A7C-AA8D-F6AF5CD222B2}" type="uaqdatetime1">
               <a:rPr lang="fa-IR" smtClean="0"/>
-              <a:t>10/06/1443</a:t>
+              <a:t>11/06/1443</a:t>
             </a:fld>
             <a:endParaRPr lang="en-US"/>
           </a:p>
@@ -2308,7 +2309,7 @@
           <a:p>
             <a:fld id="{A95CEF31-DA62-4E2F-9C89-3307C5A0C734}" type="uaqdatetime1">
               <a:rPr lang="fa-IR" smtClean="0"/>
-              <a:t>10/06/1443</a:t>
+              <a:t>11/06/1443</a:t>
             </a:fld>
             <a:endParaRPr lang="en-US"/>
           </a:p>
@@ -2403,7 +2404,7 @@
           <a:p>
             <a:fld id="{B1B4EA98-43D8-40B0-BB71-087C8B1FD830}" type="uaqdatetime1">
               <a:rPr lang="fa-IR" smtClean="0"/>
-              <a:t>10/06/1443</a:t>
+              <a:t>11/06/1443</a:t>
             </a:fld>
             <a:endParaRPr lang="en-US"/>
           </a:p>
@@ -2680,7 +2681,7 @@
           <a:p>
             <a:fld id="{C1E2536D-405E-4F6F-A4C1-8D3F6F41F560}" type="uaqdatetime1">
               <a:rPr lang="fa-IR" smtClean="0"/>
-              <a:t>10/06/1443</a:t>
+              <a:t>11/06/1443</a:t>
             </a:fld>
             <a:endParaRPr lang="en-US"/>
           </a:p>
@@ -2850,7 +2851,7 @@
           <a:p>
             <a:fld id="{508AADD2-40D1-402F-9823-C486C22D7A8F}" type="uaqdatetime1">
               <a:rPr lang="fa-IR" smtClean="0"/>
-              <a:t>10/06/1443</a:t>
+              <a:t>11/06/1443</a:t>
             </a:fld>
             <a:endParaRPr lang="en-US"/>
           </a:p>
@@ -3103,7 +3104,7 @@
           <a:p>
             <a:fld id="{4253EB68-0FB1-41FC-BD4A-2E738737AF01}" type="uaqdatetime1">
               <a:rPr lang="fa-IR" smtClean="0"/>
-              <a:t>10/06/1443</a:t>
+              <a:t>11/06/1443</a:t>
             </a:fld>
             <a:endParaRPr lang="en-US"/>
           </a:p>
@@ -3273,7 +3274,7 @@
           <a:p>
             <a:fld id="{FEE89845-ACCD-4029-B63C-55DACAC9F8A6}" type="uaqdatetime1">
               <a:rPr lang="fa-IR" smtClean="0"/>
-              <a:t>10/06/1443</a:t>
+              <a:t>11/06/1443</a:t>
             </a:fld>
             <a:endParaRPr lang="en-US"/>
           </a:p>
@@ -3453,7 +3454,7 @@
           <a:p>
             <a:fld id="{BFDBF3F9-34DA-49D7-B5B9-BF4380A179B7}" type="uaqdatetime1">
               <a:rPr lang="fa-IR" smtClean="0"/>
-              <a:t>10/06/1443</a:t>
+              <a:t>11/06/1443</a:t>
             </a:fld>
             <a:endParaRPr lang="en-US"/>
           </a:p>
@@ -3699,7 +3700,7 @@
           <a:p>
             <a:fld id="{7402CB9B-D49C-43E8-87FF-3860F10A70AD}" type="uaqdatetime1">
               <a:rPr lang="fa-IR" smtClean="0"/>
-              <a:t>10/06/1443</a:t>
+              <a:t>11/06/1443</a:t>
             </a:fld>
             <a:endParaRPr lang="en-US"/>
           </a:p>
@@ -3931,7 +3932,7 @@
           <a:p>
             <a:fld id="{054213FF-4287-47B0-AEA1-26ED6271FDBD}" type="uaqdatetime1">
               <a:rPr lang="fa-IR" smtClean="0"/>
-              <a:t>10/06/1443</a:t>
+              <a:t>11/06/1443</a:t>
             </a:fld>
             <a:endParaRPr lang="en-US"/>
           </a:p>
@@ -4298,7 +4299,7 @@
           <a:p>
             <a:fld id="{B3E81681-D140-4A7C-AA8D-F6AF5CD222B2}" type="uaqdatetime1">
               <a:rPr lang="fa-IR" smtClean="0"/>
-              <a:t>10/06/1443</a:t>
+              <a:t>11/06/1443</a:t>
             </a:fld>
             <a:endParaRPr lang="en-US"/>
           </a:p>
@@ -4416,7 +4417,7 @@
           <a:p>
             <a:fld id="{A95CEF31-DA62-4E2F-9C89-3307C5A0C734}" type="uaqdatetime1">
               <a:rPr lang="fa-IR" smtClean="0"/>
-              <a:t>10/06/1443</a:t>
+              <a:t>11/06/1443</a:t>
             </a:fld>
             <a:endParaRPr lang="en-US"/>
           </a:p>
@@ -4511,7 +4512,7 @@
           <a:p>
             <a:fld id="{B1B4EA98-43D8-40B0-BB71-087C8B1FD830}" type="uaqdatetime1">
               <a:rPr lang="fa-IR" smtClean="0"/>
-              <a:t>10/06/1443</a:t>
+              <a:t>11/06/1443</a:t>
             </a:fld>
             <a:endParaRPr lang="en-US"/>
           </a:p>
@@ -4788,7 +4789,7 @@
           <a:p>
             <a:fld id="{C1E2536D-405E-4F6F-A4C1-8D3F6F41F560}" type="uaqdatetime1">
               <a:rPr lang="fa-IR" smtClean="0"/>
-              <a:t>10/06/1443</a:t>
+              <a:t>11/06/1443</a:t>
             </a:fld>
             <a:endParaRPr lang="en-US"/>
           </a:p>
@@ -5041,7 +5042,7 @@
           <a:p>
             <a:fld id="{4253EB68-0FB1-41FC-BD4A-2E738737AF01}" type="uaqdatetime1">
               <a:rPr lang="fa-IR" smtClean="0"/>
-              <a:t>10/06/1443</a:t>
+              <a:t>11/06/1443</a:t>
             </a:fld>
             <a:endParaRPr lang="en-US"/>
           </a:p>
@@ -5254,7 +5255,7 @@
           <a:p>
             <a:fld id="{0083D68B-0458-4622-8439-EF1CD618009C}" type="uaqdatetime1">
               <a:rPr lang="fa-IR" smtClean="0"/>
-              <a:t>10/06/1443</a:t>
+              <a:t>11/06/1443</a:t>
             </a:fld>
             <a:endParaRPr lang="en-US"/>
           </a:p>
@@ -5802,7 +5803,7 @@
           <a:p>
             <a:fld id="{0083D68B-0458-4622-8439-EF1CD618009C}" type="uaqdatetime1">
               <a:rPr lang="fa-IR" smtClean="0"/>
-              <a:t>10/06/1443</a:t>
+              <a:t>11/06/1443</a:t>
             </a:fld>
             <a:endParaRPr lang="en-US"/>
           </a:p>
@@ -6372,7 +6373,7 @@
           <a:p>
             <a:fld id="{8C0179CC-04B9-4F54-B86D-A42F84AF298F}" type="uaqdatetime1">
               <a:rPr lang="fa-IR" smtClean="0"/>
-              <a:t>10/06/1443</a:t>
+              <a:t>11/06/1443</a:t>
             </a:fld>
             <a:endParaRPr lang="en-US"/>
           </a:p>
@@ -6478,29 +6479,22 @@
             <p:ph type="title"/>
           </p:nvPr>
         </p:nvSpPr>
-        <p:spPr>
-          <a:xfrm>
-            <a:off x="677333" y="325437"/>
-            <a:ext cx="11052849" cy="755217"/>
-          </a:xfrm>
-        </p:spPr>
-        <p:txBody>
-          <a:bodyPr>
-            <a:normAutofit/>
-          </a:bodyPr>
-          <a:lstStyle/>
-          <a:p>
-            <a:pPr algn="ctr"/>
-            <a:r>
-              <a:rPr lang="fa-IR" sz="3600" u="sng" dirty="0" smtClean="0">
+        <p:spPr/>
+        <p:txBody>
+          <a:bodyPr/>
+          <a:lstStyle/>
+          <a:p>
+            <a:pPr algn="ctr" rtl="1"/>
+            <a:r>
+              <a:rPr lang="fa-IR" u="sng" dirty="0" smtClean="0">
                 <a:solidFill>
                   <a:srgbClr val="C00000"/>
                 </a:solidFill>
                 <a:cs typeface="B Nazanin" panose="00000400000000000000" pitchFamily="2" charset="-78"/>
               </a:rPr>
-              <a:t>چه زمان هايي از الگوي معماري رويداد محور استفاده مي‌شود؟</a:t>
-            </a:r>
-            <a:endParaRPr lang="en-US" sz="3600" u="sng" dirty="0">
+              <a:t>سبك‌هاي مختلف الگوي معماري رويداد محور(ادامه)</a:t>
+            </a:r>
+            <a:endParaRPr lang="en-US" u="sng" dirty="0">
               <a:solidFill>
                 <a:srgbClr val="C00000"/>
               </a:solidFill>
@@ -6521,8 +6515,8 @@
         </p:nvSpPr>
         <p:spPr>
           <a:xfrm>
-            <a:off x="838200" y="1080654"/>
-            <a:ext cx="10515600" cy="5096309"/>
+            <a:off x="677334" y="1902691"/>
+            <a:ext cx="10676466" cy="4138672"/>
           </a:xfrm>
         </p:spPr>
         <p:txBody>
@@ -6531,131 +6525,313 @@
           </a:bodyPr>
           <a:lstStyle/>
           <a:p>
-            <a:pPr algn="r" rtl="1">
+            <a:pPr marL="457200" lvl="1" indent="0" algn="r" rtl="1">
+              <a:buClr>
+                <a:srgbClr val="3494BA"/>
+              </a:buClr>
+              <a:buNone/>
+            </a:pPr>
+            <a:r>
+              <a:rPr lang="fa-IR" sz="2000" dirty="0" smtClean="0">
+                <a:solidFill>
+                  <a:prstClr val="black">
+                    <a:lumMod val="75000"/>
+                    <a:lumOff val="25000"/>
+                  </a:prstClr>
+                </a:solidFill>
+                <a:cs typeface="B Nazanin" panose="00000400000000000000" pitchFamily="2" charset="-78"/>
+              </a:rPr>
+              <a:t>مدل </a:t>
+            </a:r>
+            <a:r>
+              <a:rPr lang="fa-IR" sz="2000" dirty="0">
+                <a:solidFill>
+                  <a:prstClr val="black">
+                    <a:lumMod val="75000"/>
+                    <a:lumOff val="25000"/>
+                  </a:prstClr>
+                </a:solidFill>
+                <a:cs typeface="B Nazanin" panose="00000400000000000000" pitchFamily="2" charset="-78"/>
+              </a:rPr>
+              <a:t>جريان </a:t>
+            </a:r>
+            <a:r>
+              <a:rPr lang="fa-IR" sz="2000" dirty="0" smtClean="0">
+                <a:solidFill>
+                  <a:prstClr val="black">
+                    <a:lumMod val="75000"/>
+                    <a:lumOff val="25000"/>
+                  </a:prstClr>
+                </a:solidFill>
+                <a:cs typeface="B Nazanin" panose="00000400000000000000" pitchFamily="2" charset="-78"/>
+              </a:rPr>
+              <a:t>رويداد </a:t>
+            </a:r>
+            <a:r>
+              <a:rPr lang="fa-IR" sz="2000" dirty="0">
+                <a:solidFill>
+                  <a:prstClr val="black">
+                    <a:lumMod val="75000"/>
+                    <a:lumOff val="25000"/>
+                  </a:prstClr>
+                </a:solidFill>
+                <a:cs typeface="B Nazanin" panose="00000400000000000000" pitchFamily="2" charset="-78"/>
+              </a:rPr>
+              <a:t>برحسب نوع جريان رويداد به سه گونه زير است</a:t>
+            </a:r>
+            <a:r>
+              <a:rPr lang="fa-IR" sz="2000" dirty="0" smtClean="0">
+                <a:solidFill>
+                  <a:prstClr val="black">
+                    <a:lumMod val="75000"/>
+                    <a:lumOff val="25000"/>
+                  </a:prstClr>
+                </a:solidFill>
+                <a:cs typeface="B Nazanin" panose="00000400000000000000" pitchFamily="2" charset="-78"/>
+              </a:rPr>
+              <a:t>:</a:t>
+            </a:r>
+            <a:endParaRPr lang="fa-IR" sz="2200" dirty="0">
+              <a:cs typeface="B Nazanin" panose="00000400000000000000" pitchFamily="2" charset="-78"/>
+            </a:endParaRPr>
+          </a:p>
+          <a:p>
+            <a:pPr lvl="1" algn="r" rtl="1">
               <a:buFont typeface="Wingdings" panose="05000000000000000000" pitchFamily="2" charset="2"/>
               <a:buChar char="§"/>
             </a:pPr>
             <a:r>
+              <a:rPr lang="fa-IR" sz="2200" dirty="0" smtClean="0">
+                <a:cs typeface="B Nazanin" panose="00000400000000000000" pitchFamily="2" charset="-78"/>
+              </a:rPr>
+              <a:t> </a:t>
+            </a:r>
+            <a:r>
+              <a:rPr lang="fa-IR" sz="2200" dirty="0" smtClean="0">
+                <a:solidFill>
+                  <a:srgbClr val="C00000"/>
+                </a:solidFill>
+                <a:cs typeface="B Nazanin" panose="00000400000000000000" pitchFamily="2" charset="-78"/>
+              </a:rPr>
+              <a:t>پردازش رويداد گسترده </a:t>
+            </a:r>
+          </a:p>
+          <a:p>
+            <a:pPr marL="914400" lvl="2" indent="0" algn="r" rtl="1">
+              <a:buNone/>
+            </a:pPr>
+            <a:r>
               <a:rPr lang="fa-IR" sz="2000" dirty="0" smtClean="0">
+                <a:latin typeface="B Nazanin" panose="00000400000000000000" pitchFamily="2" charset="-78"/>
+                <a:ea typeface="Calibri" panose="020F0502020204030204" pitchFamily="34" charset="0"/>
+                <a:cs typeface="B Nazanin" panose="00000400000000000000" pitchFamily="2" charset="-78"/>
+              </a:rPr>
+              <a:t>در </a:t>
+            </a:r>
+            <a:r>
+              <a:rPr lang="fa-IR" sz="2000" dirty="0" smtClean="0">
                 <a:solidFill>
                   <a:srgbClr val="C00000"/>
                 </a:solidFill>
-                <a:cs typeface="B Nazanin" panose="00000400000000000000" pitchFamily="2" charset="-78"/>
-              </a:rPr>
-              <a:t>تجمیع سیستم‌های </a:t>
+                <a:latin typeface="B Nazanin" panose="00000400000000000000" pitchFamily="2" charset="-78"/>
+                <a:ea typeface="Calibri" panose="020F0502020204030204" pitchFamily="34" charset="0"/>
+                <a:cs typeface="B Nazanin" panose="00000400000000000000" pitchFamily="2" charset="-78"/>
+              </a:rPr>
+              <a:t>پردازش رویداد گسترده </a:t>
+            </a:r>
+            <a:r>
+              <a:rPr lang="fa-IR" sz="2000" dirty="0">
+                <a:latin typeface="B Nazanin" panose="00000400000000000000" pitchFamily="2" charset="-78"/>
+                <a:ea typeface="Calibri" panose="020F0502020204030204" pitchFamily="34" charset="0"/>
+                <a:cs typeface="B Nazanin" panose="00000400000000000000" pitchFamily="2" charset="-78"/>
+              </a:rPr>
+              <a:t>یک جریان نامحدود از</a:t>
+            </a:r>
+            <a:r>
+              <a:rPr lang="fa-IR" sz="2000" dirty="0">
+                <a:solidFill>
+                  <a:srgbClr val="C00000"/>
+                </a:solidFill>
+                <a:latin typeface="B Nazanin" panose="00000400000000000000" pitchFamily="2" charset="-78"/>
+                <a:ea typeface="Calibri" panose="020F0502020204030204" pitchFamily="34" charset="0"/>
+                <a:cs typeface="B Nazanin" panose="00000400000000000000" pitchFamily="2" charset="-78"/>
+              </a:rPr>
+              <a:t> رویدادهای </a:t>
+            </a:r>
+            <a:r>
+              <a:rPr lang="fa-IR" sz="2000" dirty="0">
+                <a:latin typeface="B Nazanin" panose="00000400000000000000" pitchFamily="2" charset="-78"/>
+                <a:ea typeface="Calibri" panose="020F0502020204030204" pitchFamily="34" charset="0"/>
+                <a:cs typeface="B Nazanin" panose="00000400000000000000" pitchFamily="2" charset="-78"/>
+              </a:rPr>
+              <a:t>مرتبط، که در آن سوابق رویداد به ترتیب خاصي ظاهر می شوند و با آگاهی از رویدادهای گذشته پردازش می </a:t>
             </a:r>
             <a:r>
               <a:rPr lang="fa-IR" sz="2000" dirty="0" smtClean="0">
-                <a:solidFill>
-                  <a:srgbClr val="C00000"/>
-                </a:solidFill>
-                <a:cs typeface="B Nazanin" panose="00000400000000000000" pitchFamily="2" charset="-78"/>
-              </a:rPr>
-              <a:t>ناهمگن</a:t>
-            </a:r>
-          </a:p>
-          <a:p>
-            <a:pPr marL="0" indent="0" algn="r" rtl="1">
-              <a:buNone/>
-            </a:pPr>
-            <a:r>
-              <a:rPr lang="fa-IR" sz="2000" dirty="0" smtClean="0">
-                <a:cs typeface="B Nazanin" panose="00000400000000000000" pitchFamily="2" charset="-78"/>
-              </a:rPr>
-              <a:t>اگر نیاز باشد که دو سیستم را که بر دو پشته مختلف اجرا می‌شوند را بدون اینکه نیاز به جفت شدگی باشد، قابلیت همکاری را  در بین آنها به وجود آورد تا آنها  بتوانند با هم پیام‌ها و داده‌ها را به اشتراک بگذارند .</a:t>
-            </a:r>
-          </a:p>
-          <a:p>
-            <a:pPr marL="0" indent="0" algn="r" rtl="1">
-              <a:buNone/>
-            </a:pPr>
-            <a:r>
-              <a:rPr lang="fa-IR" sz="2000" dirty="0" smtClean="0">
-                <a:cs typeface="B Nazanin" panose="00000400000000000000" pitchFamily="2" charset="-78"/>
-              </a:rPr>
-              <a:t>در این زمان می‌توان از الگوی معماری رویداد محور استفاده کرد تا این قابلیت را به وجود آورد . </a:t>
+                <a:latin typeface="B Nazanin" panose="00000400000000000000" pitchFamily="2" charset="-78"/>
+                <a:ea typeface="Calibri" panose="020F0502020204030204" pitchFamily="34" charset="0"/>
+                <a:cs typeface="B Nazanin" panose="00000400000000000000" pitchFamily="2" charset="-78"/>
+              </a:rPr>
+              <a:t>شوند.</a:t>
             </a:r>
             <a:endParaRPr lang="fa-IR" sz="2000" dirty="0" smtClean="0">
               <a:cs typeface="B Nazanin" panose="00000400000000000000" pitchFamily="2" charset="-78"/>
             </a:endParaRPr>
           </a:p>
           <a:p>
-            <a:pPr algn="r" rtl="1">
+            <a:pPr lvl="1" algn="r" rtl="1">
               <a:buFont typeface="Wingdings" panose="05000000000000000000" pitchFamily="2" charset="2"/>
               <a:buChar char="§"/>
             </a:pPr>
             <a:r>
+              <a:rPr lang="fa-IR" sz="2200" dirty="0" smtClean="0">
+                <a:solidFill>
+                  <a:srgbClr val="C00000"/>
+                </a:solidFill>
+                <a:cs typeface="B Nazanin" panose="00000400000000000000" pitchFamily="2" charset="-78"/>
+              </a:rPr>
+              <a:t>پردازش رويداد ساده </a:t>
+            </a:r>
+          </a:p>
+          <a:p>
+            <a:pPr marL="914400" lvl="2" indent="0" algn="r" rtl="1">
+              <a:buNone/>
+            </a:pPr>
+            <a:r>
+              <a:rPr lang="fa-IR" sz="2000" dirty="0">
+                <a:latin typeface="Calibri" panose="020F0502020204030204" pitchFamily="34" charset="0"/>
+                <a:ea typeface="Calibri" panose="020F0502020204030204" pitchFamily="34" charset="0"/>
+                <a:cs typeface="B Nazanin" panose="00000400000000000000" pitchFamily="2" charset="-78"/>
+              </a:rPr>
+              <a:t> </a:t>
+            </a:r>
+            <a:r>
               <a:rPr lang="fa-IR" sz="2000" dirty="0" smtClean="0">
                 <a:solidFill>
                   <a:srgbClr val="C00000"/>
                 </a:solidFill>
-                <a:cs typeface="B Nazanin" panose="00000400000000000000" pitchFamily="2" charset="-78"/>
-              </a:rPr>
-              <a:t>ظرفیت خروجی بالا </a:t>
-            </a:r>
-            <a:endParaRPr lang="fa-IR" sz="2000" dirty="0" smtClean="0">
-              <a:solidFill>
-                <a:srgbClr val="C00000"/>
-              </a:solidFill>
-              <a:cs typeface="B Nazanin" panose="00000400000000000000" pitchFamily="2" charset="-78"/>
-            </a:endParaRPr>
-          </a:p>
-          <a:p>
-            <a:pPr marL="0" indent="0" algn="r" rtl="1">
-              <a:buNone/>
-            </a:pPr>
-            <a:r>
-              <a:rPr lang="fa-IR" sz="2000" dirty="0" smtClean="0">
-                <a:cs typeface="B Nazanin" panose="00000400000000000000" pitchFamily="2" charset="-78"/>
-              </a:rPr>
-              <a:t>زمانی که سیستم‌هاي زيادي وجود دارند كه به عنوان مصرف‌‌كننده براي پاسخ‌دهي به يك رويداد كار مي‌كنند مي‌شود ،مي‌شود از الگوي معماري رويداد محور براي ارسال رويداد به هر مصرف كننده استفاده كرد .</a:t>
-            </a:r>
-          </a:p>
-          <a:p>
-            <a:pPr marL="0" indent="0" algn="r" rtl="1">
-              <a:buNone/>
-            </a:pPr>
-            <a:r>
-              <a:rPr lang="fa-IR" sz="2000" dirty="0" smtClean="0">
-                <a:cs typeface="B Nazanin" panose="00000400000000000000" pitchFamily="2" charset="-78"/>
-              </a:rPr>
-              <a:t>در اين موقعيت مسيرياب رويداد را به هريك از مصرف‌كنندگان ارسال مي‌كند و آنها به طور موازي اقدام به پردازش رويداد مي‌كنند . </a:t>
+                <a:latin typeface="Calibri" panose="020F0502020204030204" pitchFamily="34" charset="0"/>
+                <a:ea typeface="Calibri" panose="020F0502020204030204" pitchFamily="34" charset="0"/>
+                <a:cs typeface="B Nazanin" panose="00000400000000000000" pitchFamily="2" charset="-78"/>
+              </a:rPr>
+              <a:t>پردازش‌رویداد‌ ساده </a:t>
+            </a:r>
+            <a:r>
+              <a:rPr lang="fa-IR" sz="2000" dirty="0">
+                <a:latin typeface="Calibri" panose="020F0502020204030204" pitchFamily="34" charset="0"/>
+                <a:ea typeface="Calibri" panose="020F0502020204030204" pitchFamily="34" charset="0"/>
+                <a:cs typeface="B Nazanin" panose="00000400000000000000" pitchFamily="2" charset="-78"/>
+              </a:rPr>
+              <a:t>زمانی است که یک </a:t>
+            </a:r>
+            <a:r>
+              <a:rPr lang="fa-IR" sz="2000" dirty="0">
+                <a:solidFill>
+                  <a:srgbClr val="C00000"/>
+                </a:solidFill>
+                <a:latin typeface="Calibri" panose="020F0502020204030204" pitchFamily="34" charset="0"/>
+                <a:ea typeface="Calibri" panose="020F0502020204030204" pitchFamily="34" charset="0"/>
+                <a:cs typeface="B Nazanin" panose="00000400000000000000" pitchFamily="2" charset="-78"/>
+              </a:rPr>
+              <a:t>رویداد</a:t>
+            </a:r>
+            <a:r>
+              <a:rPr lang="fa-IR" sz="2000" dirty="0">
+                <a:latin typeface="Calibri" panose="020F0502020204030204" pitchFamily="34" charset="0"/>
+                <a:ea typeface="Calibri" panose="020F0502020204030204" pitchFamily="34" charset="0"/>
+                <a:cs typeface="B Nazanin" panose="00000400000000000000" pitchFamily="2" charset="-78"/>
+              </a:rPr>
+              <a:t> بلافاصله اقدامی را در مصرف کننده رویداد ایجاد می کند.</a:t>
             </a:r>
             <a:endParaRPr lang="fa-IR" sz="2000" dirty="0" smtClean="0">
               <a:cs typeface="B Nazanin" panose="00000400000000000000" pitchFamily="2" charset="-78"/>
             </a:endParaRPr>
           </a:p>
           <a:p>
-            <a:pPr algn="r" rtl="1">
+            <a:pPr lvl="1" algn="r" rtl="1">
               <a:buFont typeface="Wingdings" panose="05000000000000000000" pitchFamily="2" charset="2"/>
               <a:buChar char="§"/>
             </a:pPr>
             <a:r>
+              <a:rPr lang="fa-IR" sz="2200" dirty="0" smtClean="0">
+                <a:cs typeface="B Nazanin" panose="00000400000000000000" pitchFamily="2" charset="-78"/>
+              </a:rPr>
+              <a:t> </a:t>
+            </a:r>
+            <a:r>
+              <a:rPr lang="fa-IR" sz="2200" dirty="0" smtClean="0">
+                <a:solidFill>
+                  <a:srgbClr val="C00000"/>
+                </a:solidFill>
+                <a:cs typeface="B Nazanin" panose="00000400000000000000" pitchFamily="2" charset="-78"/>
+              </a:rPr>
+              <a:t>پردازش رويداد پيچيده </a:t>
+            </a:r>
+          </a:p>
+          <a:p>
+            <a:pPr marL="857250" lvl="2" indent="0" algn="r" rtl="1">
+              <a:buNone/>
+            </a:pPr>
+            <a:r>
+              <a:rPr lang="fa-IR" sz="2000" dirty="0">
+                <a:cs typeface="B Nazanin" panose="00000400000000000000" pitchFamily="2" charset="-78"/>
+              </a:rPr>
+              <a:t> </a:t>
+            </a:r>
+            <a:r>
               <a:rPr lang="fa-IR" sz="2000" dirty="0" smtClean="0">
                 <a:solidFill>
                   <a:srgbClr val="C00000"/>
                 </a:solidFill>
                 <a:cs typeface="B Nazanin" panose="00000400000000000000" pitchFamily="2" charset="-78"/>
               </a:rPr>
-              <a:t>نظارت بر منابع </a:t>
-            </a:r>
-          </a:p>
-          <a:p>
-            <a:pPr marL="0" indent="0" algn="r" rtl="1">
-              <a:buNone/>
+              <a:t>پردازش‌رويداد </a:t>
+            </a:r>
+            <a:r>
+              <a:rPr lang="fa-IR" sz="2000" dirty="0">
+                <a:solidFill>
+                  <a:srgbClr val="C00000"/>
+                </a:solidFill>
+                <a:cs typeface="B Nazanin" panose="00000400000000000000" pitchFamily="2" charset="-78"/>
+              </a:rPr>
+              <a:t>پيچيده </a:t>
+            </a:r>
+            <a:r>
+              <a:rPr lang="fa-IR" sz="2000" dirty="0">
+                <a:cs typeface="B Nazanin" panose="00000400000000000000" pitchFamily="2" charset="-78"/>
+              </a:rPr>
+              <a:t>الگوهاي </a:t>
+            </a:r>
+            <a:r>
+              <a:rPr lang="fa-IR" sz="2000" dirty="0">
+                <a:solidFill>
+                  <a:srgbClr val="C00000"/>
+                </a:solidFill>
+                <a:cs typeface="B Nazanin" panose="00000400000000000000" pitchFamily="2" charset="-78"/>
+              </a:rPr>
+              <a:t>رويداد</a:t>
+            </a:r>
+            <a:r>
+              <a:rPr lang="fa-IR" sz="2000" dirty="0">
+                <a:cs typeface="B Nazanin" panose="00000400000000000000" pitchFamily="2" charset="-78"/>
+              </a:rPr>
+              <a:t> پيچيده را از يك سري رويداد‌هاي ساده استخراج يا شناسايي </a:t>
+            </a:r>
+            <a:r>
+              <a:rPr lang="fa-IR" sz="2000" dirty="0" smtClean="0">
+                <a:cs typeface="B Nazanin" panose="00000400000000000000" pitchFamily="2" charset="-78"/>
+              </a:rPr>
+              <a:t>مي‌كند. </a:t>
+            </a:r>
+          </a:p>
+          <a:p>
+            <a:pPr lvl="1" algn="r" rtl="1">
+              <a:buFont typeface="Wingdings" panose="05000000000000000000" pitchFamily="2" charset="2"/>
+              <a:buChar char="§"/>
             </a:pPr>
-            <a:r>
-              <a:rPr lang="fa-IR" sz="2000" dirty="0" smtClean="0">
-                <a:cs typeface="B Nazanin" panose="00000400000000000000" pitchFamily="2" charset="-78"/>
-              </a:rPr>
-              <a:t>به جای بررسی مداوم منابع خود می‌شود از الگوی معماری رویداد محور برای نظارت و دریافت هشدار نسبت به هرگونه رخدادی در مورد منابع استفاده کرد </a:t>
-            </a:r>
-            <a:r>
-              <a:rPr lang="fa-IR" sz="2000" dirty="0" smtClean="0">
-                <a:cs typeface="B Nazanin" panose="00000400000000000000" pitchFamily="2" charset="-78"/>
-              </a:rPr>
-              <a:t>.</a:t>
-            </a:r>
+            <a:endParaRPr lang="en-US" sz="2200" dirty="0">
+              <a:cs typeface="B Nazanin" panose="00000400000000000000" pitchFamily="2" charset="-78"/>
+            </a:endParaRPr>
           </a:p>
         </p:txBody>
       </p:sp>
@@ -6708,7 +6884,7 @@
     </p:spTree>
     <p:extLst>
       <p:ext uri="{BB962C8B-B14F-4D97-AF65-F5344CB8AC3E}">
-        <p14:creationId xmlns:p14="http://schemas.microsoft.com/office/powerpoint/2010/main" val="2415462884"/>
+        <p14:creationId xmlns:p14="http://schemas.microsoft.com/office/powerpoint/2010/main" val="3318079166"/>
       </p:ext>
     </p:extLst>
   </p:cSld>
@@ -6754,25 +6930,27 @@
         </p:nvSpPr>
         <p:spPr>
           <a:xfrm>
-            <a:off x="838200" y="365126"/>
-            <a:ext cx="10515600" cy="983384"/>
+            <a:off x="677333" y="325437"/>
+            <a:ext cx="11052849" cy="755217"/>
           </a:xfrm>
         </p:spPr>
         <p:txBody>
-          <a:bodyPr/>
+          <a:bodyPr>
+            <a:normAutofit/>
+          </a:bodyPr>
           <a:lstStyle/>
           <a:p>
             <a:pPr algn="ctr"/>
             <a:r>
-              <a:rPr lang="fa-IR" u="sng" dirty="0" smtClean="0">
+              <a:rPr lang="fa-IR" sz="3600" u="sng" dirty="0" smtClean="0">
                 <a:solidFill>
                   <a:srgbClr val="C00000"/>
                 </a:solidFill>
                 <a:cs typeface="B Nazanin" panose="00000400000000000000" pitchFamily="2" charset="-78"/>
               </a:rPr>
-              <a:t>مزاياي الگوي معماري رويداد محور </a:t>
-            </a:r>
-            <a:endParaRPr lang="en-US" u="sng" dirty="0">
+              <a:t>چه زمان هايي از الگوي معماري رويداد محور استفاده مي‌شود؟</a:t>
+            </a:r>
+            <a:endParaRPr lang="en-US" sz="3600" u="sng" dirty="0">
               <a:solidFill>
                 <a:srgbClr val="C00000"/>
               </a:solidFill>
@@ -6793,8 +6971,8 @@
         </p:nvSpPr>
         <p:spPr>
           <a:xfrm>
-            <a:off x="677334" y="1348510"/>
-            <a:ext cx="11154448" cy="4692852"/>
+            <a:off x="838200" y="1080654"/>
+            <a:ext cx="10515600" cy="5096309"/>
           </a:xfrm>
         </p:spPr>
         <p:txBody>
@@ -6802,81 +6980,6 @@
             <a:normAutofit/>
           </a:bodyPr>
           <a:lstStyle/>
-          <a:p>
-            <a:pPr algn="r" rtl="1">
-              <a:buFont typeface="Wingdings" panose="05000000000000000000" pitchFamily="2" charset="2"/>
-              <a:buChar char="q"/>
-            </a:pPr>
-            <a:r>
-              <a:rPr lang="fa-IR" sz="2000" dirty="0" smtClean="0">
-                <a:solidFill>
-                  <a:srgbClr val="C00000"/>
-                </a:solidFill>
-                <a:cs typeface="B Nazanin" panose="00000400000000000000" pitchFamily="2" charset="-78"/>
-              </a:rPr>
-              <a:t> قابلیت تحمل خطا و بافرکردن </a:t>
-            </a:r>
-          </a:p>
-          <a:p>
-            <a:pPr algn="r" rtl="1">
-              <a:buFont typeface="Arial" panose="020B0604020202020204" pitchFamily="34" charset="0"/>
-              <a:buChar char="•"/>
-            </a:pPr>
-            <a:r>
-              <a:rPr lang="fa-IR" sz="2000" dirty="0" smtClean="0">
-                <a:solidFill>
-                  <a:schemeClr val="tx1"/>
-                </a:solidFill>
-                <a:cs typeface="B Nazanin" panose="00000400000000000000" pitchFamily="2" charset="-78"/>
-              </a:rPr>
-              <a:t>رویدادها ناهمزامان هستند و به محض اینکه اتفاق بیافتند توسط تولييدكننده رويداد منتشر مي‌شوند.</a:t>
-            </a:r>
-          </a:p>
-          <a:p>
-            <a:pPr algn="r" rtl="1">
-              <a:buFont typeface="Arial" panose="020B0604020202020204" pitchFamily="34" charset="0"/>
-              <a:buChar char="•"/>
-            </a:pPr>
-            <a:r>
-              <a:rPr lang="fa-IR" sz="2000" dirty="0" smtClean="0">
-                <a:solidFill>
-                  <a:schemeClr val="tx1"/>
-                </a:solidFill>
-                <a:cs typeface="B Nazanin" panose="00000400000000000000" pitchFamily="2" charset="-78"/>
-              </a:rPr>
-              <a:t>مولفه مصرف كننده نيز يا در اين رويدادها مشترك مي‌شوند يا از جريان داده برداشت مي‌كنند .</a:t>
-            </a:r>
-          </a:p>
-          <a:p>
-            <a:pPr algn="r" rtl="1">
-              <a:buFont typeface="Arial" panose="020B0604020202020204" pitchFamily="34" charset="0"/>
-              <a:buChar char="•"/>
-            </a:pPr>
-            <a:r>
-              <a:rPr lang="fa-IR" sz="2000" dirty="0" smtClean="0">
-                <a:solidFill>
-                  <a:schemeClr val="tx1"/>
-                </a:solidFill>
-                <a:cs typeface="B Nazanin" panose="00000400000000000000" pitchFamily="2" charset="-78"/>
-              </a:rPr>
-              <a:t> بنابريان بر اثر از كارافتادن مصرف‌كننده ها ، رويداد ها در مسيرياب بافر مي‌شوند ، تا مصرف كننده ها از موقعيت شكست بيرون بيايند و اقدام به پردازش رويدادهاي ذخيره شده بنمايند . </a:t>
-            </a:r>
-          </a:p>
-          <a:p>
-            <a:pPr algn="r" rtl="1">
-              <a:buFont typeface="Wingdings" panose="05000000000000000000" pitchFamily="2" charset="2"/>
-              <a:buChar char="q"/>
-            </a:pPr>
-            <a:r>
-              <a:rPr lang="fa-IR" sz="2000" dirty="0" smtClean="0">
-                <a:solidFill>
-                  <a:srgbClr val="C00000"/>
-                </a:solidFill>
-                <a:cs typeface="B Nazanin" panose="00000400000000000000" pitchFamily="2" charset="-78"/>
-              </a:rPr>
-              <a:t> اتصال سست یا جداسازی تولییدکنندگان و مصرف‌کنندگان</a:t>
-            </a:r>
-          </a:p>
           <a:p>
             <a:pPr algn="r" rtl="1">
               <a:buFont typeface="Wingdings" panose="05000000000000000000" pitchFamily="2" charset="2"/>
@@ -6885,11 +6988,33 @@
             <a:r>
               <a:rPr lang="fa-IR" sz="2000" dirty="0" smtClean="0">
                 <a:solidFill>
-                  <a:schemeClr val="tx1"/>
-                </a:solidFill>
-                <a:cs typeface="B Nazanin" panose="00000400000000000000" pitchFamily="2" charset="-78"/>
-              </a:rPr>
-              <a:t>سيستم‌هايي كه از معماري رويداد محور استفاده مي‌كنند داراي اجزايي هستند كه به طور سست متصل شده اند .</a:t>
+                  <a:srgbClr val="C00000"/>
+                </a:solidFill>
+                <a:cs typeface="B Nazanin" panose="00000400000000000000" pitchFamily="2" charset="-78"/>
+              </a:rPr>
+              <a:t>تجمیع سیستم‌های ناهمگن</a:t>
+            </a:r>
+          </a:p>
+          <a:p>
+            <a:pPr marL="0" indent="0" algn="r" rtl="1">
+              <a:buNone/>
+            </a:pPr>
+            <a:r>
+              <a:rPr lang="fa-IR" sz="2000" dirty="0" smtClean="0">
+                <a:cs typeface="B Nazanin" panose="00000400000000000000" pitchFamily="2" charset="-78"/>
+              </a:rPr>
+              <a:t>اگر نیاز باشد که دو سیستم را که بر دو پشته مختلف اجرا می‌شوند را بدون اینکه نیاز به جفت شدگی باشد، قابلیت همکاری را  در بین آنها به وجود آورد تا آنها  بتوانند با هم پیام‌ها و داده‌ها را به اشتراک بگذارند .</a:t>
+            </a:r>
+          </a:p>
+          <a:p>
+            <a:pPr marL="0" indent="0" algn="r" rtl="1">
+              <a:buNone/>
+            </a:pPr>
+            <a:r>
+              <a:rPr lang="fa-IR" sz="2000" dirty="0" smtClean="0">
+                <a:cs typeface="B Nazanin" panose="00000400000000000000" pitchFamily="2" charset="-78"/>
+              </a:rPr>
+              <a:t>در این زمان می‌توان از الگوی معماری رویداد محور استفاده کرد تا این قابلیت را به وجود آورد . </a:t>
             </a:r>
           </a:p>
           <a:p>
@@ -6900,26 +7025,33 @@
             <a:r>
               <a:rPr lang="fa-IR" sz="2000" dirty="0" smtClean="0">
                 <a:solidFill>
-                  <a:schemeClr val="tx1"/>
-                </a:solidFill>
-                <a:cs typeface="B Nazanin" panose="00000400000000000000" pitchFamily="2" charset="-78"/>
-              </a:rPr>
-              <a:t>به دليل اين اتصال سست هر كدام از اجزا را مي‌توان توسط يك زبان ديگر يا از طريق يك فناوري ديگر گسترش داد . </a:t>
-            </a:r>
-          </a:p>
-          <a:p>
-            <a:pPr algn="r" rtl="1">
-              <a:buFont typeface="Wingdings" panose="05000000000000000000" pitchFamily="2" charset="2"/>
-              <a:buChar char="q"/>
+                  <a:srgbClr val="C00000"/>
+                </a:solidFill>
+                <a:cs typeface="B Nazanin" panose="00000400000000000000" pitchFamily="2" charset="-78"/>
+              </a:rPr>
+              <a:t>ظرفیت خروجی بالا </a:t>
+            </a:r>
+          </a:p>
+          <a:p>
+            <a:pPr marL="0" indent="0" algn="r" rtl="1">
+              <a:buNone/>
             </a:pPr>
             <a:r>
               <a:rPr lang="fa-IR" sz="2000" dirty="0" smtClean="0">
-                <a:solidFill>
-                  <a:srgbClr val="C00000"/>
-                </a:solidFill>
-                <a:cs typeface="B Nazanin" panose="00000400000000000000" pitchFamily="2" charset="-78"/>
-              </a:rPr>
-              <a:t>قابلیت مقیاس پذیری زیاد</a:t>
+                <a:cs typeface="B Nazanin" panose="00000400000000000000" pitchFamily="2" charset="-78"/>
+              </a:rPr>
+              <a:t>زمانی که سیستم‌هاي زيادي وجود دارند كه به عنوان مصرف‌‌كننده براي پاسخ‌دهي به يك رويداد كار مي‌كنند مي‌شود ،مي‌شود از الگوي معماري رويداد محور براي ارسال رويداد به هر مصرف كننده استفاده كرد .</a:t>
+            </a:r>
+          </a:p>
+          <a:p>
+            <a:pPr marL="0" indent="0" algn="r" rtl="1">
+              <a:buNone/>
+            </a:pPr>
+            <a:r>
+              <a:rPr lang="fa-IR" sz="2000" dirty="0" smtClean="0">
+                <a:cs typeface="B Nazanin" panose="00000400000000000000" pitchFamily="2" charset="-78"/>
+              </a:rPr>
+              <a:t>در اين موقعيت مسيرياب رويداد را به هريك از مصرف‌كنندگان ارسال مي‌كند و آنها به طور موازي اقدام به پردازش رويداد مي‌كنند . </a:t>
             </a:r>
           </a:p>
           <a:p>
@@ -6930,43 +7062,23 @@
             <a:r>
               <a:rPr lang="fa-IR" sz="2000" dirty="0" smtClean="0">
                 <a:solidFill>
-                  <a:schemeClr val="tx1"/>
-                </a:solidFill>
-                <a:cs typeface="B Nazanin" panose="00000400000000000000" pitchFamily="2" charset="-78"/>
-              </a:rPr>
-              <a:t>اغلب مي‌توان جريان رويداد را به زيرجريان‌هاي نامرتبط تقسيم كرد و آنها را به صورت موازي پردازش كرد .</a:t>
-            </a:r>
-          </a:p>
-          <a:p>
-            <a:pPr algn="r" rtl="1">
-              <a:buFont typeface="Wingdings" panose="05000000000000000000" pitchFamily="2" charset="2"/>
-              <a:buChar char="§"/>
+                  <a:srgbClr val="C00000"/>
+                </a:solidFill>
+                <a:cs typeface="B Nazanin" panose="00000400000000000000" pitchFamily="2" charset="-78"/>
+              </a:rPr>
+              <a:t>نظارت بر منابع </a:t>
+            </a:r>
+          </a:p>
+          <a:p>
+            <a:pPr marL="0" indent="0" algn="r" rtl="1">
+              <a:buNone/>
             </a:pPr>
             <a:r>
               <a:rPr lang="fa-IR" sz="2000" dirty="0" smtClean="0">
-                <a:latin typeface="B Nazanin" panose="00000400000000000000" pitchFamily="2" charset="-78"/>
-                <a:ea typeface="Calibri" panose="020F0502020204030204" pitchFamily="34" charset="0"/>
-              </a:rPr>
-              <a:t>همچنین می‌توانیم تعداد مصرف‌کنندگان را برای پاسخگویی به تقاضای بار ، در صورت افزایش حجم رویدادها، مقیاس کنیم.</a:t>
-            </a:r>
-            <a:endParaRPr lang="fa-IR" sz="2000" dirty="0" smtClean="0">
-              <a:solidFill>
-                <a:schemeClr val="tx1"/>
-              </a:solidFill>
-              <a:cs typeface="B Nazanin" panose="00000400000000000000" pitchFamily="2" charset="-78"/>
-            </a:endParaRPr>
-          </a:p>
-          <a:p>
-            <a:pPr algn="r" rtl="1">
-              <a:buFont typeface="Wingdings" panose="05000000000000000000" pitchFamily="2" charset="2"/>
-              <a:buChar char="§"/>
-            </a:pPr>
-            <a:endParaRPr lang="fa-IR" sz="2000" dirty="0" smtClean="0">
-              <a:solidFill>
-                <a:schemeClr val="tx1"/>
-              </a:solidFill>
-              <a:cs typeface="B Nazanin" panose="00000400000000000000" pitchFamily="2" charset="-78"/>
-            </a:endParaRPr>
+                <a:cs typeface="B Nazanin" panose="00000400000000000000" pitchFamily="2" charset="-78"/>
+              </a:rPr>
+              <a:t>به جای بررسی مداوم منابع خود می‌شود از الگوی معماری رویداد محور برای نظارت و دریافت هشدار نسبت به هرگونه رخدادی در مورد منابع استفاده کرد .</a:t>
+            </a:r>
           </a:p>
         </p:txBody>
       </p:sp>
@@ -6987,7 +7099,7 @@
           <a:p>
             <a:fld id="{C2DB2716-ABCB-47E4-A5E7-31908A35B483}" type="uaqdatetime1">
               <a:rPr lang="fa-IR" smtClean="0"/>
-              <a:t>10/06/1443</a:t>
+              <a:t>11/06/1443</a:t>
             </a:fld>
             <a:endParaRPr lang="en-US"/>
           </a:p>
@@ -7019,7 +7131,7 @@
     </p:spTree>
     <p:extLst>
       <p:ext uri="{BB962C8B-B14F-4D97-AF65-F5344CB8AC3E}">
-        <p14:creationId xmlns:p14="http://schemas.microsoft.com/office/powerpoint/2010/main" val="3294123311"/>
+        <p14:creationId xmlns:p14="http://schemas.microsoft.com/office/powerpoint/2010/main" val="2415462884"/>
       </p:ext>
     </p:extLst>
   </p:cSld>
@@ -7063,7 +7175,12 @@
             <p:ph type="title"/>
           </p:nvPr>
         </p:nvSpPr>
-        <p:spPr/>
+        <p:spPr>
+          <a:xfrm>
+            <a:off x="838200" y="365126"/>
+            <a:ext cx="10515600" cy="983384"/>
+          </a:xfrm>
+        </p:spPr>
         <p:txBody>
           <a:bodyPr/>
           <a:lstStyle/>
@@ -7076,7 +7193,7 @@
                 </a:solidFill>
                 <a:cs typeface="B Nazanin" panose="00000400000000000000" pitchFamily="2" charset="-78"/>
               </a:rPr>
-              <a:t>مزاياي الگوي معماري رويداد محور(ادامه) </a:t>
+              <a:t>مزاياي الگوي معماري رويداد محور </a:t>
             </a:r>
             <a:endParaRPr lang="en-US" u="sng" dirty="0">
               <a:solidFill>
@@ -7099,8 +7216,8 @@
         </p:nvSpPr>
         <p:spPr>
           <a:xfrm>
-            <a:off x="677334" y="1847273"/>
-            <a:ext cx="10997430" cy="4194089"/>
+            <a:off x="677334" y="1348510"/>
+            <a:ext cx="11154448" cy="4692852"/>
           </a:xfrm>
         </p:spPr>
         <p:txBody>
@@ -7108,75 +7225,6 @@
             <a:normAutofit/>
           </a:bodyPr>
           <a:lstStyle/>
-          <a:p>
-            <a:pPr lvl="0" algn="r" rtl="1">
-              <a:buFont typeface="Wingdings" panose="05000000000000000000" pitchFamily="2" charset="2"/>
-              <a:buChar char="q"/>
-            </a:pPr>
-            <a:r>
-              <a:rPr lang="fa-IR" sz="2000" dirty="0" smtClean="0">
-                <a:solidFill>
-                  <a:srgbClr val="C00000"/>
-                </a:solidFill>
-                <a:cs typeface="B Nazanin" panose="00000400000000000000" pitchFamily="2" charset="-78"/>
-              </a:rPr>
-              <a:t> </a:t>
-            </a:r>
-            <a:r>
-              <a:rPr lang="fa-IR" sz="2000" dirty="0">
-                <a:solidFill>
-                  <a:srgbClr val="C00000"/>
-                </a:solidFill>
-                <a:cs typeface="B Nazanin" panose="00000400000000000000" pitchFamily="2" charset="-78"/>
-              </a:rPr>
-              <a:t> مقرون به </a:t>
-            </a:r>
-            <a:r>
-              <a:rPr lang="fa-IR" sz="2000" dirty="0" smtClean="0">
-                <a:solidFill>
-                  <a:srgbClr val="C00000"/>
-                </a:solidFill>
-                <a:cs typeface="B Nazanin" panose="00000400000000000000" pitchFamily="2" charset="-78"/>
-              </a:rPr>
-              <a:t>صرفه</a:t>
-            </a:r>
-          </a:p>
-          <a:p>
-            <a:pPr lvl="0" algn="r" rtl="1"/>
-            <a:r>
-              <a:rPr lang="fa-IR" sz="2200" dirty="0" smtClean="0">
-                <a:cs typeface="B Nazanin" panose="00000400000000000000" pitchFamily="2" charset="-78"/>
-              </a:rPr>
-              <a:t>معماری‌های </a:t>
-            </a:r>
-            <a:r>
-              <a:rPr lang="fa-IR" sz="2200" dirty="0">
-                <a:cs typeface="B Nazanin" panose="00000400000000000000" pitchFamily="2" charset="-78"/>
-              </a:rPr>
-              <a:t>رویداد محور مبتنی بر عرضه هستند، بنابراین همه چیز بر حسب تقاضا اتفاق می‌افتد، زیرا رویداد خود را در روتر نشان </a:t>
-            </a:r>
-            <a:r>
-              <a:rPr lang="fa-IR" sz="2200" dirty="0" smtClean="0">
-                <a:cs typeface="B Nazanin" panose="00000400000000000000" pitchFamily="2" charset="-78"/>
-              </a:rPr>
-              <a:t>می‌دهد.</a:t>
-            </a:r>
-          </a:p>
-          <a:p>
-            <a:pPr lvl="0" algn="r" rtl="1"/>
-            <a:r>
-              <a:rPr lang="fa-IR" sz="2000" dirty="0">
-                <a:cs typeface="B Nazanin" panose="00000400000000000000" pitchFamily="2" charset="-78"/>
-              </a:rPr>
-              <a:t>به این ترتیب، برای نظرسنجی مداوم برای بررسی یک رویداد هزینه ای پرداخت نمی کنید. این به معنای مصرف کمتر پهنای باند شبکه، استفاده کمتر از پردازنده است </a:t>
-            </a:r>
-            <a:endParaRPr lang="fa-IR" sz="2000" dirty="0" smtClean="0">
-              <a:solidFill>
-                <a:srgbClr val="C00000"/>
-              </a:solidFill>
-              <a:cs typeface="B Nazanin" panose="00000400000000000000" pitchFamily="2" charset="-78"/>
-            </a:endParaRPr>
-          </a:p>
           <a:p>
             <a:pPr algn="r" rtl="1">
               <a:buFont typeface="Wingdings" panose="05000000000000000000" pitchFamily="2" charset="2"/>
@@ -7189,7 +7237,67 @@
                 </a:solidFill>
                 <a:cs typeface="B Nazanin" panose="00000400000000000000" pitchFamily="2" charset="-78"/>
               </a:rPr>
-              <a:t>تجربه کاربری بلادرنگ بهتر</a:t>
+              <a:t> قابلیت تحمل خطا و بافرکردن </a:t>
+            </a:r>
+          </a:p>
+          <a:p>
+            <a:pPr algn="r" rtl="1">
+              <a:buFont typeface="Arial" panose="020B0604020202020204" pitchFamily="34" charset="0"/>
+              <a:buChar char="•"/>
+            </a:pPr>
+            <a:r>
+              <a:rPr lang="fa-IR" sz="2000" dirty="0" smtClean="0">
+                <a:solidFill>
+                  <a:schemeClr val="tx1"/>
+                </a:solidFill>
+                <a:cs typeface="B Nazanin" panose="00000400000000000000" pitchFamily="2" charset="-78"/>
+              </a:rPr>
+              <a:t>رویدادها ناهمزامان هستند و به محض اینکه اتفاق بیافتند توسط تولييدكننده رويداد منتشر مي‌شوند.</a:t>
+            </a:r>
+          </a:p>
+          <a:p>
+            <a:pPr algn="r" rtl="1">
+              <a:buFont typeface="Arial" panose="020B0604020202020204" pitchFamily="34" charset="0"/>
+              <a:buChar char="•"/>
+            </a:pPr>
+            <a:r>
+              <a:rPr lang="fa-IR" sz="2000" dirty="0" smtClean="0">
+                <a:solidFill>
+                  <a:schemeClr val="tx1"/>
+                </a:solidFill>
+                <a:cs typeface="B Nazanin" panose="00000400000000000000" pitchFamily="2" charset="-78"/>
+              </a:rPr>
+              <a:t>مولفه مصرف كننده نيز يا در اين رويدادها مشترك مي‌شوند يا از جريان داده برداشت مي‌كنند .</a:t>
+            </a:r>
+          </a:p>
+          <a:p>
+            <a:pPr algn="r" rtl="1">
+              <a:buFont typeface="Arial" panose="020B0604020202020204" pitchFamily="34" charset="0"/>
+              <a:buChar char="•"/>
+            </a:pPr>
+            <a:r>
+              <a:rPr lang="fa-IR" sz="2000" dirty="0" smtClean="0">
+                <a:solidFill>
+                  <a:schemeClr val="tx1"/>
+                </a:solidFill>
+                <a:cs typeface="B Nazanin" panose="00000400000000000000" pitchFamily="2" charset="-78"/>
+              </a:rPr>
+              <a:t> بنابريان بر اثر از كارافتادن مصرف‌كننده ها ، رويداد ها در مسيرياب بافر مي‌شوند ، تا مصرف كننده ها از موقعيت شكست بيرون بيايند و اقدام به پردازش رويدادهاي ذخيره شده بنمايند . </a:t>
+            </a:r>
+          </a:p>
+          <a:p>
+            <a:pPr algn="r" rtl="1">
+              <a:buFont typeface="Wingdings" panose="05000000000000000000" pitchFamily="2" charset="2"/>
+              <a:buChar char="q"/>
+            </a:pPr>
+            <a:r>
+              <a:rPr lang="fa-IR" sz="2000" dirty="0" smtClean="0">
+                <a:solidFill>
+                  <a:srgbClr val="C00000"/>
+                </a:solidFill>
+                <a:cs typeface="B Nazanin" panose="00000400000000000000" pitchFamily="2" charset="-78"/>
+              </a:rPr>
+              <a:t> اتصال سست یا جداسازی تولییدکنندگان و مصرف‌کنندگان</a:t>
             </a:r>
           </a:p>
           <a:p>
@@ -7198,16 +7306,14 @@
               <a:buChar char="§"/>
             </a:pPr>
             <a:r>
-              <a:rPr lang="fa-IR" sz="2000" dirty="0">
-                <a:latin typeface="B Nazanin" panose="00000400000000000000" pitchFamily="2" charset="-78"/>
-                <a:ea typeface="Calibri" panose="020F0502020204030204" pitchFamily="34" charset="0"/>
-              </a:rPr>
-              <a:t>رابطهای برنامه نویسی کاربردی رویداد محور با حذف بسیاری از مسئولیت‌هایی که قبلاً به کاربران محول شده بود، منجر به تجربه تعاملی بهتری برای کاربر نهایی با نیازهای تعاملی مدرن می‌شوند. </a:t>
-            </a:r>
-            <a:endParaRPr lang="fa-IR" sz="2000" dirty="0" smtClean="0">
-              <a:latin typeface="B Nazanin" panose="00000400000000000000" pitchFamily="2" charset="-78"/>
-              <a:ea typeface="Calibri" panose="020F0502020204030204" pitchFamily="34" charset="0"/>
-            </a:endParaRPr>
+              <a:rPr lang="fa-IR" sz="2000" dirty="0" smtClean="0">
+                <a:solidFill>
+                  <a:schemeClr val="tx1"/>
+                </a:solidFill>
+                <a:cs typeface="B Nazanin" panose="00000400000000000000" pitchFamily="2" charset="-78"/>
+              </a:rPr>
+              <a:t>سيستم‌هايي كه از معماري رويداد محور استفاده مي‌كنند داراي اجزايي هستند كه به طور سست متصل شده اند .</a:t>
+            </a:r>
           </a:p>
           <a:p>
             <a:pPr algn="r" rtl="1">
@@ -7216,22 +7322,75 @@
             </a:pPr>
             <a:r>
               <a:rPr lang="fa-IR" sz="2000" dirty="0" smtClean="0">
+                <a:solidFill>
+                  <a:schemeClr val="tx1"/>
+                </a:solidFill>
+                <a:cs typeface="B Nazanin" panose="00000400000000000000" pitchFamily="2" charset="-78"/>
+              </a:rPr>
+              <a:t>به دليل اين اتصال سست هر كدام از اجزا را مي‌توان توسط يك زبان ديگر يا از طريق يك فناوري ديگر گسترش داد . </a:t>
+            </a:r>
+          </a:p>
+          <a:p>
+            <a:pPr algn="r" rtl="1">
+              <a:buFont typeface="Wingdings" panose="05000000000000000000" pitchFamily="2" charset="2"/>
+              <a:buChar char="q"/>
+            </a:pPr>
+            <a:r>
+              <a:rPr lang="fa-IR" sz="2000" dirty="0" smtClean="0">
+                <a:solidFill>
+                  <a:srgbClr val="C00000"/>
+                </a:solidFill>
+                <a:cs typeface="B Nazanin" panose="00000400000000000000" pitchFamily="2" charset="-78"/>
+              </a:rPr>
+              <a:t>قابلیت مقیاس پذیری زیاد</a:t>
+            </a:r>
+          </a:p>
+          <a:p>
+            <a:pPr algn="r" rtl="1">
+              <a:buFont typeface="Wingdings" panose="05000000000000000000" pitchFamily="2" charset="2"/>
+              <a:buChar char="§"/>
+            </a:pPr>
+            <a:r>
+              <a:rPr lang="fa-IR" sz="2000" dirty="0" smtClean="0">
+                <a:solidFill>
+                  <a:schemeClr val="tx1"/>
+                </a:solidFill>
+                <a:cs typeface="B Nazanin" panose="00000400000000000000" pitchFamily="2" charset="-78"/>
+              </a:rPr>
+              <a:t>اغلب مي‌توان جريان رويداد را به زيرجريان‌هاي نامرتبط تقسيم كرد و آنها را به صورت موازي پردازش كرد .</a:t>
+            </a:r>
+          </a:p>
+          <a:p>
+            <a:pPr algn="r" rtl="1">
+              <a:buFont typeface="Wingdings" panose="05000000000000000000" pitchFamily="2" charset="2"/>
+              <a:buChar char="§"/>
+            </a:pPr>
+            <a:r>
+              <a:rPr lang="fa-IR" sz="2000" dirty="0" smtClean="0">
                 <a:latin typeface="B Nazanin" panose="00000400000000000000" pitchFamily="2" charset="-78"/>
                 <a:ea typeface="Calibri" panose="020F0502020204030204" pitchFamily="34" charset="0"/>
               </a:rPr>
-              <a:t>البته</a:t>
-            </a:r>
-            <a:r>
-              <a:rPr lang="fa-IR" sz="2000" dirty="0">
-                <a:latin typeface="B Nazanin" panose="00000400000000000000" pitchFamily="2" charset="-78"/>
-                <a:ea typeface="Calibri" panose="020F0502020204030204" pitchFamily="34" charset="0"/>
-              </a:rPr>
-              <a:t>، این ممکن است پیچیدگی را در تولید کننده افزایش دهد، اما خروجی کار ارزش آن را دارد </a:t>
-            </a:r>
-            <a:endParaRPr lang="en-US" sz="2000" dirty="0">
+              <a:t>همچنین می‌توانیم تعداد مصرف‌کنندگان را برای پاسخگویی به تقاضای بار ، در صورت افزایش حجم رویدادها، مقیاس کنیم.</a:t>
+            </a:r>
+            <a:endParaRPr lang="fa-IR" sz="2000" dirty="0" smtClean="0">
+              <a:solidFill>
+                <a:schemeClr val="tx1"/>
+              </a:solidFill>
               <a:cs typeface="B Nazanin" panose="00000400000000000000" pitchFamily="2" charset="-78"/>
             </a:endParaRPr>
           </a:p>
+          <a:p>
+            <a:pPr algn="r" rtl="1">
+              <a:buFont typeface="Wingdings" panose="05000000000000000000" pitchFamily="2" charset="2"/>
+              <a:buChar char="§"/>
+            </a:pPr>
+            <a:endParaRPr lang="fa-IR" sz="2000" dirty="0" smtClean="0">
+              <a:solidFill>
+                <a:schemeClr val="tx1"/>
+              </a:solidFill>
+              <a:cs typeface="B Nazanin" panose="00000400000000000000" pitchFamily="2" charset="-78"/>
+            </a:endParaRPr>
+          </a:p>
         </p:txBody>
       </p:sp>
       <p:sp>
@@ -7251,7 +7410,7 @@
           <a:p>
             <a:fld id="{C2DB2716-ABCB-47E4-A5E7-31908A35B483}" type="uaqdatetime1">
               <a:rPr lang="fa-IR" smtClean="0"/>
-              <a:t>10/06/1443</a:t>
+              <a:t>11/06/1443</a:t>
             </a:fld>
             <a:endParaRPr lang="en-US"/>
           </a:p>
@@ -7283,7 +7442,7 @@
     </p:spTree>
     <p:extLst>
       <p:ext uri="{BB962C8B-B14F-4D97-AF65-F5344CB8AC3E}">
-        <p14:creationId xmlns:p14="http://schemas.microsoft.com/office/powerpoint/2010/main" val="3370708145"/>
+        <p14:creationId xmlns:p14="http://schemas.microsoft.com/office/powerpoint/2010/main" val="3294123311"/>
       </p:ext>
     </p:extLst>
   </p:cSld>
@@ -7327,29 +7486,22 @@
             <p:ph type="title"/>
           </p:nvPr>
         </p:nvSpPr>
-        <p:spPr>
-          <a:xfrm>
-            <a:off x="838200" y="365126"/>
-            <a:ext cx="10515600" cy="706292"/>
-          </a:xfrm>
-        </p:spPr>
-        <p:txBody>
-          <a:bodyPr>
-            <a:normAutofit/>
-          </a:bodyPr>
-          <a:lstStyle/>
-          <a:p>
-            <a:pPr algn="ctr" rtl="1"/>
-            <a:r>
-              <a:rPr lang="fa-IR" sz="4000" u="sng" dirty="0" smtClean="0">
+        <p:spPr/>
+        <p:txBody>
+          <a:bodyPr/>
+          <a:lstStyle/>
+          <a:p>
+            <a:pPr algn="ctr"/>
+            <a:r>
+              <a:rPr lang="fa-IR" u="sng" dirty="0" smtClean="0">
                 <a:solidFill>
                   <a:srgbClr val="C00000"/>
                 </a:solidFill>
                 <a:cs typeface="B Nazanin" panose="00000400000000000000" pitchFamily="2" charset="-78"/>
               </a:rPr>
-              <a:t>معايب الگوي معماري رويداد محور</a:t>
-            </a:r>
-            <a:endParaRPr lang="en-US" sz="4000" u="sng" dirty="0">
+              <a:t>مزاياي الگوي معماري رويداد محور(ادامه) </a:t>
+            </a:r>
+            <a:endParaRPr lang="en-US" u="sng" dirty="0">
               <a:solidFill>
                 <a:srgbClr val="C00000"/>
               </a:solidFill>
@@ -7370,17 +7522,17 @@
         </p:nvSpPr>
         <p:spPr>
           <a:xfrm>
-            <a:off x="838200" y="1182256"/>
-            <a:ext cx="10515600" cy="4994707"/>
+            <a:off x="677334" y="1847273"/>
+            <a:ext cx="10997430" cy="4194089"/>
           </a:xfrm>
         </p:spPr>
         <p:txBody>
           <a:bodyPr>
-            <a:normAutofit fontScale="92500" lnSpcReduction="10000"/>
+            <a:normAutofit/>
           </a:bodyPr>
           <a:lstStyle/>
           <a:p>
-            <a:pPr algn="r" rtl="1">
+            <a:pPr lvl="0" algn="r" rtl="1">
               <a:buFont typeface="Wingdings" panose="05000000000000000000" pitchFamily="2" charset="2"/>
               <a:buChar char="q"/>
             </a:pPr>
@@ -7391,37 +7543,55 @@
                 </a:solidFill>
                 <a:cs typeface="B Nazanin" panose="00000400000000000000" pitchFamily="2" charset="-78"/>
               </a:rPr>
-              <a:t>محدود به پردازش ناهمزمان </a:t>
-            </a:r>
-          </a:p>
-          <a:p>
-            <a:pPr algn="r" rtl="1">
-              <a:buFont typeface="Wingdings" panose="05000000000000000000" pitchFamily="2" charset="2"/>
-              <a:buChar char="§"/>
-            </a:pPr>
+              <a:t> </a:t>
+            </a:r>
+            <a:r>
+              <a:rPr lang="fa-IR" sz="2000" dirty="0">
+                <a:solidFill>
+                  <a:srgbClr val="C00000"/>
+                </a:solidFill>
+                <a:cs typeface="B Nazanin" panose="00000400000000000000" pitchFamily="2" charset="-78"/>
+              </a:rPr>
+              <a:t> مقرون به </a:t>
+            </a:r>
             <a:r>
               <a:rPr lang="fa-IR" sz="2000" dirty="0" smtClean="0">
-                <a:effectLst/>
-                <a:latin typeface="B Nazanin" panose="00000400000000000000" pitchFamily="2" charset="-78"/>
-                <a:ea typeface="Calibri" panose="020F0502020204030204" pitchFamily="34" charset="0"/>
-                <a:cs typeface="B Nazanin" panose="00000400000000000000" pitchFamily="2" charset="-78"/>
-              </a:rPr>
-              <a:t> اگرچه معماری رویداد محور یک الگوی قوی برای جداسازی سیستم‌هاست ، اما کاربرد آن به پردازش‌ رویداد‌های ناهمزمان محدود می‌شود</a:t>
-            </a:r>
-          </a:p>
-          <a:p>
-            <a:pPr algn="r" rtl="1">
-              <a:buFont typeface="Wingdings" panose="05000000000000000000" pitchFamily="2" charset="2"/>
-              <a:buChar char="§"/>
-            </a:pPr>
-            <a:r>
-              <a:rPr lang="fa-IR" sz="2000" dirty="0" smtClean="0">
-                <a:effectLst/>
-                <a:latin typeface="B Nazanin" panose="00000400000000000000" pitchFamily="2" charset="-78"/>
-                <a:ea typeface="Calibri" panose="020F0502020204030204" pitchFamily="34" charset="0"/>
-                <a:cs typeface="B Nazanin" panose="00000400000000000000" pitchFamily="2" charset="-78"/>
-              </a:rPr>
-              <a:t>. معماری رویداد محور در جایی که آغاز کننده باید قبل از ادامه به کار باید منتظر پاسخ باشد، نمی‌تواند به خوبی به عنوان جایگزینی برای تعاملات درخواست-پاسخ کار کند </a:t>
+                <a:solidFill>
+                  <a:srgbClr val="C00000"/>
+                </a:solidFill>
+                <a:cs typeface="B Nazanin" panose="00000400000000000000" pitchFamily="2" charset="-78"/>
+              </a:rPr>
+              <a:t>صرفه</a:t>
+            </a:r>
+          </a:p>
+          <a:p>
+            <a:pPr lvl="0" algn="r" rtl="1"/>
+            <a:r>
+              <a:rPr lang="fa-IR" sz="2200" dirty="0" smtClean="0">
+                <a:cs typeface="B Nazanin" panose="00000400000000000000" pitchFamily="2" charset="-78"/>
+              </a:rPr>
+              <a:t>معماری‌های </a:t>
+            </a:r>
+            <a:r>
+              <a:rPr lang="fa-IR" sz="2200" dirty="0">
+                <a:cs typeface="B Nazanin" panose="00000400000000000000" pitchFamily="2" charset="-78"/>
+              </a:rPr>
+              <a:t>رویداد محور مبتنی بر عرضه هستند، بنابراین همه چیز بر حسب تقاضا اتفاق می‌افتد، زیرا رویداد خود را در روتر نشان </a:t>
+            </a:r>
+            <a:r>
+              <a:rPr lang="fa-IR" sz="2200" dirty="0" smtClean="0">
+                <a:cs typeface="B Nazanin" panose="00000400000000000000" pitchFamily="2" charset="-78"/>
+              </a:rPr>
+              <a:t>می‌دهد.</a:t>
+            </a:r>
+          </a:p>
+          <a:p>
+            <a:pPr lvl="0" algn="r" rtl="1"/>
+            <a:r>
+              <a:rPr lang="fa-IR" sz="2000" dirty="0">
+                <a:cs typeface="B Nazanin" panose="00000400000000000000" pitchFamily="2" charset="-78"/>
+              </a:rPr>
+              <a:t>به این ترتیب، برای نظرسنجی مداوم برای بررسی یک رویداد هزینه ای پرداخت نمی کنید. این به معنای مصرف کمتر پهنای باند شبکه، استفاده کمتر از پردازنده است </a:t>
             </a:r>
             <a:endParaRPr lang="fa-IR" sz="2000" dirty="0" smtClean="0">
               <a:solidFill>
@@ -7442,40 +7612,7 @@
                 </a:solidFill>
                 <a:cs typeface="B Nazanin" panose="00000400000000000000" pitchFamily="2" charset="-78"/>
               </a:rPr>
-              <a:t>ايجاد پيچيدگي اضافي</a:t>
-            </a:r>
-          </a:p>
-          <a:p>
-            <a:pPr algn="r" rtl="1"/>
-            <a:r>
-              <a:rPr lang="fa-IR" sz="2000" dirty="0" smtClean="0">
-                <a:cs typeface="B Nazanin" panose="00000400000000000000" pitchFamily="2" charset="-78"/>
-              </a:rPr>
-              <a:t>در الگوهاي قديمي تر درخواست-پاسخ و مشتري سرور فقط شامل دو جزء اصلي بود . </a:t>
-            </a:r>
-          </a:p>
-          <a:p>
-            <a:pPr algn="r" rtl="1"/>
-            <a:r>
-              <a:rPr lang="fa-IR" sz="2000" dirty="0" smtClean="0">
-                <a:cs typeface="B Nazanin" panose="00000400000000000000" pitchFamily="2" charset="-78"/>
-              </a:rPr>
-              <a:t>پذيرش الگوي معماري رويداد محور نياز به يك كارگزار (مسيرياب رويداد) براي ميانجيگري تعاملات بين توليدكنندگان و مصرف‌كنندگان دارد . </a:t>
-            </a:r>
-          </a:p>
-          <a:p>
-            <a:pPr algn="r" rtl="1">
-              <a:buFont typeface="Wingdings" panose="05000000000000000000" pitchFamily="2" charset="2"/>
-              <a:buChar char="q"/>
-            </a:pPr>
-            <a:r>
-              <a:rPr lang="fa-IR" sz="2000" dirty="0" smtClean="0">
-                <a:solidFill>
-                  <a:srgbClr val="C00000"/>
-                </a:solidFill>
-                <a:cs typeface="B Nazanin" panose="00000400000000000000" pitchFamily="2" charset="-78"/>
-              </a:rPr>
-              <a:t>آزمون‌پذیری پایین </a:t>
+              <a:t>تجربه کاربری بلادرنگ بهتر</a:t>
             </a:r>
           </a:p>
           <a:p>
@@ -7484,14 +7621,16 @@
               <a:buChar char="§"/>
             </a:pPr>
             <a:r>
-              <a:rPr lang="fa-IR" sz="2000" dirty="0" smtClean="0">
-                <a:effectLst/>
+              <a:rPr lang="fa-IR" sz="2000" dirty="0">
                 <a:latin typeface="B Nazanin" panose="00000400000000000000" pitchFamily="2" charset="-78"/>
                 <a:ea typeface="Calibri" panose="020F0502020204030204" pitchFamily="34" charset="0"/>
-                <a:cs typeface="B Nazanin" panose="00000400000000000000" pitchFamily="2" charset="-78"/>
-              </a:rPr>
-              <a:t>گرچه تست واحد به طور کلی چندان سخت نیست . اما به یک سری ابزارهای تست خاص برای ایجاد رویدادها نیاز است .</a:t>
-            </a:r>
+              </a:rPr>
+              <a:t>رابطهای برنامه نویسی کاربردی رویداد محور با حذف بسیاری از مسئولیت‌هایی که قبلاً به کاربران محول شده بود، منجر به تجربه تعاملی بهتری برای کاربر نهایی با نیازهای تعاملی مدرن می‌شوند. </a:t>
+            </a:r>
+            <a:endParaRPr lang="fa-IR" sz="2000" dirty="0" smtClean="0">
+              <a:latin typeface="B Nazanin" panose="00000400000000000000" pitchFamily="2" charset="-78"/>
+              <a:ea typeface="Calibri" panose="020F0502020204030204" pitchFamily="34" charset="0"/>
+            </a:endParaRPr>
           </a:p>
           <a:p>
             <a:pPr algn="r" rtl="1">
@@ -7500,56 +7639,22 @@
             </a:pPr>
             <a:r>
               <a:rPr lang="fa-IR" sz="2000" dirty="0" smtClean="0">
-                <a:effectLst/>
                 <a:latin typeface="B Nazanin" panose="00000400000000000000" pitchFamily="2" charset="-78"/>
                 <a:ea typeface="Calibri" panose="020F0502020204030204" pitchFamily="34" charset="0"/>
-                <a:cs typeface="B Nazanin" panose="00000400000000000000" pitchFamily="2" charset="-78"/>
-              </a:rPr>
-              <a:t> به علاوه بابت ماهیت آسنکرون این الگو ، آزمون‌پذیری پیچیده‌تر می‌شود </a:t>
-            </a:r>
-            <a:endParaRPr lang="fa-IR" sz="2000" dirty="0" smtClean="0">
-              <a:solidFill>
-                <a:srgbClr val="C00000"/>
-              </a:solidFill>
+              </a:rPr>
+              <a:t>البته</a:t>
+            </a:r>
+            <a:r>
+              <a:rPr lang="fa-IR" sz="2000" dirty="0">
+                <a:latin typeface="B Nazanin" panose="00000400000000000000" pitchFamily="2" charset="-78"/>
+                <a:ea typeface="Calibri" panose="020F0502020204030204" pitchFamily="34" charset="0"/>
+              </a:rPr>
+              <a:t>، این ممکن است پیچیدگی را در تولید کننده افزایش دهد، اما خروجی کار ارزش آن را دارد </a:t>
+            </a:r>
+            <a:endParaRPr lang="en-US" sz="2000" dirty="0">
               <a:cs typeface="B Nazanin" panose="00000400000000000000" pitchFamily="2" charset="-78"/>
             </a:endParaRPr>
           </a:p>
-          <a:p>
-            <a:pPr algn="r" rtl="1">
-              <a:buFont typeface="Wingdings" panose="05000000000000000000" pitchFamily="2" charset="2"/>
-              <a:buChar char="q"/>
-            </a:pPr>
-            <a:r>
-              <a:rPr lang="fa-IR" sz="2000" dirty="0" smtClean="0">
-                <a:solidFill>
-                  <a:srgbClr val="C00000"/>
-                </a:solidFill>
-                <a:cs typeface="B Nazanin" panose="00000400000000000000" pitchFamily="2" charset="-78"/>
-              </a:rPr>
-              <a:t>توسعه سخت </a:t>
-            </a:r>
-          </a:p>
-          <a:p>
-            <a:pPr algn="r" rtl="1">
-              <a:buFont typeface="Wingdings" panose="05000000000000000000" pitchFamily="2" charset="2"/>
-              <a:buChar char="§"/>
-            </a:pPr>
-            <a:r>
-              <a:rPr lang="fa-IR" sz="2000" dirty="0" smtClean="0">
-                <a:effectLst/>
-                <a:latin typeface="B Nazanin" panose="00000400000000000000" pitchFamily="2" charset="-78"/>
-                <a:ea typeface="Calibri" panose="020F0502020204030204" pitchFamily="34" charset="0"/>
-                <a:cs typeface="B Nazanin" panose="00000400000000000000" pitchFamily="2" charset="-78"/>
-              </a:rPr>
-              <a:t>توسعه به دلیل ماهیت ناهمزمان الگو و همچنین ایجاد قرارداد ونیاز به شرایط مدیریت خطای پیشرفته‌‌‌‌‌‌‌‌‌‌‌‌‌تر در کد برای پردازشگرهای رویدادی که پاسخگو نیستند تا حدودی پیچیده می باشد</a:t>
-            </a:r>
-            <a:endParaRPr lang="en-US" sz="2000" dirty="0">
-              <a:solidFill>
-                <a:srgbClr val="C00000"/>
-              </a:solidFill>
-              <a:cs typeface="B Nazanin" panose="00000400000000000000" pitchFamily="2" charset="-78"/>
-            </a:endParaRPr>
-          </a:p>
         </p:txBody>
       </p:sp>
       <p:sp>
@@ -7569,7 +7674,7 @@
           <a:p>
             <a:fld id="{C2DB2716-ABCB-47E4-A5E7-31908A35B483}" type="uaqdatetime1">
               <a:rPr lang="fa-IR" smtClean="0"/>
-              <a:t>10/06/1443</a:t>
+              <a:t>11/06/1443</a:t>
             </a:fld>
             <a:endParaRPr lang="en-US"/>
           </a:p>
@@ -7601,7 +7706,7 @@
     </p:spTree>
     <p:extLst>
       <p:ext uri="{BB962C8B-B14F-4D97-AF65-F5344CB8AC3E}">
-        <p14:creationId xmlns:p14="http://schemas.microsoft.com/office/powerpoint/2010/main" val="3232359525"/>
+        <p14:creationId xmlns:p14="http://schemas.microsoft.com/office/powerpoint/2010/main" val="3370708145"/>
       </p:ext>
     </p:extLst>
   </p:cSld>
@@ -7645,54 +7750,32 @@
             <p:ph type="title"/>
           </p:nvPr>
         </p:nvSpPr>
-        <p:spPr/>
+        <p:spPr>
+          <a:xfrm>
+            <a:off x="838200" y="365126"/>
+            <a:ext cx="10515600" cy="706292"/>
+          </a:xfrm>
+        </p:spPr>
         <p:txBody>
           <a:bodyPr>
             <a:normAutofit/>
           </a:bodyPr>
           <a:lstStyle/>
           <a:p>
-            <a:pPr marL="342900" lvl="0" indent="-342900" algn="ctr" rtl="1">
-              <a:spcBef>
-                <a:spcPts val="1000"/>
-              </a:spcBef>
-            </a:pPr>
-            <a:r>
-              <a:rPr lang="fa-IR" u="sng" dirty="0">
+            <a:pPr algn="ctr" rtl="1"/>
+            <a:r>
+              <a:rPr lang="fa-IR" sz="4000" u="sng" dirty="0" smtClean="0">
                 <a:solidFill>
                   <a:srgbClr val="C00000"/>
                 </a:solidFill>
-                <a:ea typeface="+mn-ea"/>
-                <a:cs typeface="B Nazanin" panose="00000400000000000000" pitchFamily="2" charset="-78"/>
-              </a:rPr>
-              <a:t>نكات ضرروري راجب استفاده از الگوي معماري رويداد محور </a:t>
-            </a:r>
-            <a:r>
-              <a:rPr lang="fa-IR" sz="2400" dirty="0">
-                <a:solidFill>
-                  <a:prstClr val="black">
-                    <a:lumMod val="75000"/>
-                    <a:lumOff val="25000"/>
-                  </a:prstClr>
-                </a:solidFill>
-                <a:ea typeface="+mn-ea"/>
-                <a:cs typeface="B Nazanin" panose="00000400000000000000" pitchFamily="2" charset="-78"/>
-              </a:rPr>
-              <a:t/>
-            </a:r>
-            <a:br>
-              <a:rPr lang="fa-IR" sz="2400" dirty="0">
-                <a:solidFill>
-                  <a:prstClr val="black">
-                    <a:lumMod val="75000"/>
-                    <a:lumOff val="25000"/>
-                  </a:prstClr>
-                </a:solidFill>
-                <a:ea typeface="+mn-ea"/>
-                <a:cs typeface="B Nazanin" panose="00000400000000000000" pitchFamily="2" charset="-78"/>
-              </a:rPr>
-            </a:br>
-            <a:endParaRPr lang="en-US" dirty="0">
+                <a:cs typeface="B Nazanin" panose="00000400000000000000" pitchFamily="2" charset="-78"/>
+              </a:rPr>
+              <a:t>معايب الگوي معماري رويداد محور</a:t>
+            </a:r>
+            <a:endParaRPr lang="en-US" sz="4000" u="sng" dirty="0">
+              <a:solidFill>
+                <a:srgbClr val="C00000"/>
+              </a:solidFill>
               <a:cs typeface="B Nazanin" panose="00000400000000000000" pitchFamily="2" charset="-78"/>
             </a:endParaRPr>
           </a:p>
@@ -7708,12 +7791,187 @@
             <p:ph idx="1"/>
           </p:nvPr>
         </p:nvSpPr>
-        <p:spPr/>
-        <p:txBody>
-          <a:bodyPr/>
-          <a:lstStyle/>
-          <a:p>
-            <a:endParaRPr lang="en-US"/>
+        <p:spPr>
+          <a:xfrm>
+            <a:off x="838200" y="1182256"/>
+            <a:ext cx="10515600" cy="4994707"/>
+          </a:xfrm>
+        </p:spPr>
+        <p:txBody>
+          <a:bodyPr>
+            <a:normAutofit fontScale="92500" lnSpcReduction="10000"/>
+          </a:bodyPr>
+          <a:lstStyle/>
+          <a:p>
+            <a:pPr algn="r" rtl="1">
+              <a:buFont typeface="Wingdings" panose="05000000000000000000" pitchFamily="2" charset="2"/>
+              <a:buChar char="q"/>
+            </a:pPr>
+            <a:r>
+              <a:rPr lang="fa-IR" sz="2000" dirty="0" smtClean="0">
+                <a:solidFill>
+                  <a:srgbClr val="C00000"/>
+                </a:solidFill>
+                <a:cs typeface="B Nazanin" panose="00000400000000000000" pitchFamily="2" charset="-78"/>
+              </a:rPr>
+              <a:t>محدود به پردازش ناهمزمان </a:t>
+            </a:r>
+          </a:p>
+          <a:p>
+            <a:pPr algn="r" rtl="1">
+              <a:buFont typeface="Wingdings" panose="05000000000000000000" pitchFamily="2" charset="2"/>
+              <a:buChar char="§"/>
+            </a:pPr>
+            <a:r>
+              <a:rPr lang="fa-IR" sz="2000" dirty="0" smtClean="0">
+                <a:effectLst/>
+                <a:latin typeface="B Nazanin" panose="00000400000000000000" pitchFamily="2" charset="-78"/>
+                <a:ea typeface="Calibri" panose="020F0502020204030204" pitchFamily="34" charset="0"/>
+                <a:cs typeface="B Nazanin" panose="00000400000000000000" pitchFamily="2" charset="-78"/>
+              </a:rPr>
+              <a:t> اگرچه معماری رویداد محور یک الگوی قوی برای جداسازی سیستم‌هاست ، اما کاربرد آن به پردازش‌ رویداد‌های ناهمزمان محدود می‌شود</a:t>
+            </a:r>
+          </a:p>
+          <a:p>
+            <a:pPr algn="r" rtl="1">
+              <a:buFont typeface="Wingdings" panose="05000000000000000000" pitchFamily="2" charset="2"/>
+              <a:buChar char="§"/>
+            </a:pPr>
+            <a:r>
+              <a:rPr lang="fa-IR" sz="2000" dirty="0" smtClean="0">
+                <a:effectLst/>
+                <a:latin typeface="B Nazanin" panose="00000400000000000000" pitchFamily="2" charset="-78"/>
+                <a:ea typeface="Calibri" panose="020F0502020204030204" pitchFamily="34" charset="0"/>
+                <a:cs typeface="B Nazanin" panose="00000400000000000000" pitchFamily="2" charset="-78"/>
+              </a:rPr>
+              <a:t>. معماری رویداد محور در جایی که آغاز کننده باید قبل از ادامه به کار باید منتظر پاسخ باشد، نمی‌تواند به خوبی به عنوان جایگزینی برای تعاملات درخواست-پاسخ کار کند </a:t>
+            </a:r>
+            <a:endParaRPr lang="fa-IR" sz="2000" dirty="0" smtClean="0">
+              <a:solidFill>
+                <a:srgbClr val="C00000"/>
+              </a:solidFill>
+              <a:cs typeface="B Nazanin" panose="00000400000000000000" pitchFamily="2" charset="-78"/>
+            </a:endParaRPr>
+          </a:p>
+          <a:p>
+            <a:pPr algn="r" rtl="1">
+              <a:buFont typeface="Wingdings" panose="05000000000000000000" pitchFamily="2" charset="2"/>
+              <a:buChar char="q"/>
+            </a:pPr>
+            <a:r>
+              <a:rPr lang="fa-IR" sz="2000" dirty="0" smtClean="0">
+                <a:solidFill>
+                  <a:srgbClr val="C00000"/>
+                </a:solidFill>
+                <a:cs typeface="B Nazanin" panose="00000400000000000000" pitchFamily="2" charset="-78"/>
+              </a:rPr>
+              <a:t>ايجاد پيچيدگي اضافي</a:t>
+            </a:r>
+          </a:p>
+          <a:p>
+            <a:pPr algn="r" rtl="1"/>
+            <a:r>
+              <a:rPr lang="fa-IR" sz="2000" dirty="0" smtClean="0">
+                <a:cs typeface="B Nazanin" panose="00000400000000000000" pitchFamily="2" charset="-78"/>
+              </a:rPr>
+              <a:t>در الگوهاي قديمي تر درخواست-پاسخ و مشتري سرور فقط شامل دو جزء اصلي بود . </a:t>
+            </a:r>
+          </a:p>
+          <a:p>
+            <a:pPr algn="r" rtl="1"/>
+            <a:r>
+              <a:rPr lang="fa-IR" sz="2000" dirty="0" smtClean="0">
+                <a:cs typeface="B Nazanin" panose="00000400000000000000" pitchFamily="2" charset="-78"/>
+              </a:rPr>
+              <a:t>پذيرش الگوي معماري رويداد محور نياز به يك كارگزار (مسيرياب رويداد) براي ميانجيگري تعاملات بين توليدكنندگان و مصرف‌كنندگان دارد . </a:t>
+            </a:r>
+          </a:p>
+          <a:p>
+            <a:pPr algn="r" rtl="1">
+              <a:buFont typeface="Wingdings" panose="05000000000000000000" pitchFamily="2" charset="2"/>
+              <a:buChar char="q"/>
+            </a:pPr>
+            <a:r>
+              <a:rPr lang="fa-IR" sz="2000" dirty="0" smtClean="0">
+                <a:solidFill>
+                  <a:srgbClr val="C00000"/>
+                </a:solidFill>
+                <a:cs typeface="B Nazanin" panose="00000400000000000000" pitchFamily="2" charset="-78"/>
+              </a:rPr>
+              <a:t>آزمون‌پذیری پایین </a:t>
+            </a:r>
+          </a:p>
+          <a:p>
+            <a:pPr algn="r" rtl="1">
+              <a:buFont typeface="Wingdings" panose="05000000000000000000" pitchFamily="2" charset="2"/>
+              <a:buChar char="§"/>
+            </a:pPr>
+            <a:r>
+              <a:rPr lang="fa-IR" sz="2000" dirty="0" smtClean="0">
+                <a:effectLst/>
+                <a:latin typeface="B Nazanin" panose="00000400000000000000" pitchFamily="2" charset="-78"/>
+                <a:ea typeface="Calibri" panose="020F0502020204030204" pitchFamily="34" charset="0"/>
+                <a:cs typeface="B Nazanin" panose="00000400000000000000" pitchFamily="2" charset="-78"/>
+              </a:rPr>
+              <a:t>گرچه تست واحد به طور کلی چندان سخت نیست . اما به یک سری ابزارهای تست خاص برای ایجاد رویدادها نیاز است .</a:t>
+            </a:r>
+          </a:p>
+          <a:p>
+            <a:pPr algn="r" rtl="1">
+              <a:buFont typeface="Wingdings" panose="05000000000000000000" pitchFamily="2" charset="2"/>
+              <a:buChar char="§"/>
+            </a:pPr>
+            <a:r>
+              <a:rPr lang="fa-IR" sz="2000" dirty="0" smtClean="0">
+                <a:effectLst/>
+                <a:latin typeface="B Nazanin" panose="00000400000000000000" pitchFamily="2" charset="-78"/>
+                <a:ea typeface="Calibri" panose="020F0502020204030204" pitchFamily="34" charset="0"/>
+                <a:cs typeface="B Nazanin" panose="00000400000000000000" pitchFamily="2" charset="-78"/>
+              </a:rPr>
+              <a:t> به علاوه بابت ماهیت آسنکرون این الگو ، آزمون‌پذیری پیچیده‌تر می‌شود </a:t>
+            </a:r>
+            <a:endParaRPr lang="fa-IR" sz="2000" dirty="0" smtClean="0">
+              <a:solidFill>
+                <a:srgbClr val="C00000"/>
+              </a:solidFill>
+              <a:cs typeface="B Nazanin" panose="00000400000000000000" pitchFamily="2" charset="-78"/>
+            </a:endParaRPr>
+          </a:p>
+          <a:p>
+            <a:pPr algn="r" rtl="1">
+              <a:buFont typeface="Wingdings" panose="05000000000000000000" pitchFamily="2" charset="2"/>
+              <a:buChar char="q"/>
+            </a:pPr>
+            <a:r>
+              <a:rPr lang="fa-IR" sz="2000" dirty="0" smtClean="0">
+                <a:solidFill>
+                  <a:srgbClr val="C00000"/>
+                </a:solidFill>
+                <a:cs typeface="B Nazanin" panose="00000400000000000000" pitchFamily="2" charset="-78"/>
+              </a:rPr>
+              <a:t>توسعه سخت </a:t>
+            </a:r>
+          </a:p>
+          <a:p>
+            <a:pPr algn="r" rtl="1">
+              <a:buFont typeface="Wingdings" panose="05000000000000000000" pitchFamily="2" charset="2"/>
+              <a:buChar char="§"/>
+            </a:pPr>
+            <a:r>
+              <a:rPr lang="fa-IR" sz="2000" dirty="0" smtClean="0">
+                <a:effectLst/>
+                <a:latin typeface="B Nazanin" panose="00000400000000000000" pitchFamily="2" charset="-78"/>
+                <a:ea typeface="Calibri" panose="020F0502020204030204" pitchFamily="34" charset="0"/>
+                <a:cs typeface="B Nazanin" panose="00000400000000000000" pitchFamily="2" charset="-78"/>
+              </a:rPr>
+              <a:t>توسعه به دلیل ماهیت ناهمزمان الگو و همچنین ایجاد قرارداد ونیاز به شرایط مدیریت خطای پیشرفته‌‌‌‌‌‌‌‌‌‌‌‌‌تر در کد برای پردازشگرهای رویدادی که پاسخگو نیستند تا حدودی پیچیده می باشد</a:t>
+            </a:r>
+            <a:endParaRPr lang="en-US" sz="2000" dirty="0">
+              <a:solidFill>
+                <a:srgbClr val="C00000"/>
+              </a:solidFill>
+              <a:cs typeface="B Nazanin" panose="00000400000000000000" pitchFamily="2" charset="-78"/>
+            </a:endParaRPr>
           </a:p>
         </p:txBody>
       </p:sp>
@@ -7734,7 +7992,7 @@
           <a:p>
             <a:fld id="{C2DB2716-ABCB-47E4-A5E7-31908A35B483}" type="uaqdatetime1">
               <a:rPr lang="fa-IR" smtClean="0"/>
-              <a:t>10/06/1443</a:t>
+              <a:t>11/06/1443</a:t>
             </a:fld>
             <a:endParaRPr lang="en-US"/>
           </a:p>
@@ -7766,7 +8024,7 @@
     </p:spTree>
     <p:extLst>
       <p:ext uri="{BB962C8B-B14F-4D97-AF65-F5344CB8AC3E}">
-        <p14:creationId xmlns:p14="http://schemas.microsoft.com/office/powerpoint/2010/main" val="4067526682"/>
+        <p14:creationId xmlns:p14="http://schemas.microsoft.com/office/powerpoint/2010/main" val="3232359525"/>
       </p:ext>
     </p:extLst>
   </p:cSld>
@@ -7812,23 +8070,52 @@
         </p:nvSpPr>
         <p:spPr/>
         <p:txBody>
-          <a:bodyPr/>
-          <a:lstStyle/>
-          <a:p>
-            <a:pPr algn="ctr" rtl="1"/>
-            <a:r>
-              <a:rPr lang="fa-IR" u="sng" dirty="0" smtClean="0">
+          <a:bodyPr>
+            <a:normAutofit/>
+          </a:bodyPr>
+          <a:lstStyle/>
+          <a:p>
+            <a:pPr marL="342900" lvl="0" indent="-342900" algn="ctr" rtl="1">
+              <a:spcBef>
+                <a:spcPts val="1000"/>
+              </a:spcBef>
+            </a:pPr>
+            <a:r>
+              <a:rPr lang="fa-IR" u="sng" dirty="0">
                 <a:solidFill>
                   <a:srgbClr val="C00000"/>
                 </a:solidFill>
-                <a:cs typeface="B Nazanin" panose="00000400000000000000" pitchFamily="2" charset="-78"/>
-              </a:rPr>
-              <a:t>جمع بندي </a:t>
-            </a:r>
-            <a:endParaRPr lang="en-US" u="sng" dirty="0">
-              <a:solidFill>
-                <a:srgbClr val="C00000"/>
-              </a:solidFill>
+                <a:ea typeface="+mn-ea"/>
+                <a:cs typeface="B Nazanin" panose="00000400000000000000" pitchFamily="2" charset="-78"/>
+              </a:rPr>
+              <a:t>نكات ضرروري راجب استفاده از الگوي معماري رويداد محور </a:t>
+            </a:r>
+            <a:r>
+              <a:rPr lang="fa-IR" sz="2400" dirty="0">
+                <a:solidFill>
+                  <a:prstClr val="black">
+                    <a:lumMod val="75000"/>
+                    <a:lumOff val="25000"/>
+                  </a:prstClr>
+                </a:solidFill>
+                <a:ea typeface="+mn-ea"/>
+                <a:cs typeface="B Nazanin" panose="00000400000000000000" pitchFamily="2" charset="-78"/>
+              </a:rPr>
+              <a:t/>
+            </a:r>
+            <a:br>
+              <a:rPr lang="fa-IR" sz="2400" dirty="0">
+                <a:solidFill>
+                  <a:prstClr val="black">
+                    <a:lumMod val="75000"/>
+                    <a:lumOff val="25000"/>
+                  </a:prstClr>
+                </a:solidFill>
+                <a:ea typeface="+mn-ea"/>
+                <a:cs typeface="B Nazanin" panose="00000400000000000000" pitchFamily="2" charset="-78"/>
+              </a:rPr>
+            </a:br>
+            <a:endParaRPr lang="en-US" dirty="0">
               <a:cs typeface="B Nazanin" panose="00000400000000000000" pitchFamily="2" charset="-78"/>
             </a:endParaRPr>
           </a:p>
@@ -7870,7 +8157,7 @@
           <a:p>
             <a:fld id="{C2DB2716-ABCB-47E4-A5E7-31908A35B483}" type="uaqdatetime1">
               <a:rPr lang="fa-IR" smtClean="0"/>
-              <a:t>10/06/1443</a:t>
+              <a:t>11/06/1443</a:t>
             </a:fld>
             <a:endParaRPr lang="en-US"/>
           </a:p>
@@ -7902,7 +8189,7 @@
     </p:spTree>
     <p:extLst>
       <p:ext uri="{BB962C8B-B14F-4D97-AF65-F5344CB8AC3E}">
-        <p14:creationId xmlns:p14="http://schemas.microsoft.com/office/powerpoint/2010/main" val="3418445611"/>
+        <p14:creationId xmlns:p14="http://schemas.microsoft.com/office/powerpoint/2010/main" val="4067526682"/>
       </p:ext>
     </p:extLst>
   </p:cSld>
@@ -7951,7 +8238,7 @@
           <a:bodyPr/>
           <a:lstStyle/>
           <a:p>
-            <a:pPr algn="ctr"/>
+            <a:pPr algn="ctr" rtl="1"/>
             <a:r>
               <a:rPr lang="fa-IR" u="sng" dirty="0" smtClean="0">
                 <a:solidFill>
@@ -7959,7 +8246,7 @@
                 </a:solidFill>
                 <a:cs typeface="B Nazanin" panose="00000400000000000000" pitchFamily="2" charset="-78"/>
               </a:rPr>
-              <a:t>مراجع</a:t>
+              <a:t>جمع بندي </a:t>
             </a:r>
             <a:endParaRPr lang="en-US" u="sng" dirty="0">
               <a:solidFill>
@@ -8006,7 +8293,7 @@
           <a:p>
             <a:fld id="{C2DB2716-ABCB-47E4-A5E7-31908A35B483}" type="uaqdatetime1">
               <a:rPr lang="fa-IR" smtClean="0"/>
-              <a:t>10/06/1443</a:t>
+              <a:t>11/06/1443</a:t>
             </a:fld>
             <a:endParaRPr lang="en-US"/>
           </a:p>
@@ -8030,6 +8317,142 @@
             <a:fld id="{4BC6469D-48EF-44E1-BF07-A9CE4893D6D6}" type="slidenum">
               <a:rPr lang="en-US" smtClean="0"/>
               <a:t>16</a:t>
+            </a:fld>
+            <a:endParaRPr lang="en-US"/>
+          </a:p>
+        </p:txBody>
+      </p:sp>
+    </p:spTree>
+    <p:extLst>
+      <p:ext uri="{BB962C8B-B14F-4D97-AF65-F5344CB8AC3E}">
+        <p14:creationId xmlns:p14="http://schemas.microsoft.com/office/powerpoint/2010/main" val="3418445611"/>
+      </p:ext>
+    </p:extLst>
+  </p:cSld>
+  <p:clrMapOvr>
+    <a:masterClrMapping/>
+  </p:clrMapOvr>
+  <p:timing>
+    <p:tnLst>
+      <p:par>
+        <p:cTn id="1" dur="indefinite" restart="never" nodeType="tmRoot"/>
+      </p:par>
+    </p:tnLst>
+  </p:timing>
+</p:sld>
+</file>
+
+<file path=ppt/slides/slide17.xml><?xml version="1.0" encoding="utf-8"?>
+<p:sld xmlns:a="http://schemas.openxmlformats.org/drawingml/2006/main" xmlns:r="http://schemas.openxmlformats.org/officeDocument/2006/relationships" xmlns:p="http://schemas.openxmlformats.org/presentationml/2006/main">
+  <p:cSld>
+    <p:spTree>
+      <p:nvGrpSpPr>
+        <p:cNvPr id="1" name=""/>
+        <p:cNvGrpSpPr/>
+        <p:nvPr/>
+      </p:nvGrpSpPr>
+      <p:grpSpPr>
+        <a:xfrm>
+          <a:off x="0" y="0"/>
+          <a:ext cx="0" cy="0"/>
+          <a:chOff x="0" y="0"/>
+          <a:chExt cx="0" cy="0"/>
+        </a:xfrm>
+      </p:grpSpPr>
+      <p:sp>
+        <p:nvSpPr>
+          <p:cNvPr id="2" name="Title 1"/>
+          <p:cNvSpPr>
+            <a:spLocks noGrp="1"/>
+          </p:cNvSpPr>
+          <p:nvPr>
+            <p:ph type="title"/>
+          </p:nvPr>
+        </p:nvSpPr>
+        <p:spPr/>
+        <p:txBody>
+          <a:bodyPr/>
+          <a:lstStyle/>
+          <a:p>
+            <a:pPr algn="ctr"/>
+            <a:r>
+              <a:rPr lang="fa-IR" u="sng" dirty="0" smtClean="0">
+                <a:solidFill>
+                  <a:srgbClr val="C00000"/>
+                </a:solidFill>
+                <a:cs typeface="B Nazanin" panose="00000400000000000000" pitchFamily="2" charset="-78"/>
+              </a:rPr>
+              <a:t>مراجع</a:t>
+            </a:r>
+            <a:endParaRPr lang="en-US" u="sng" dirty="0">
+              <a:solidFill>
+                <a:srgbClr val="C00000"/>
+              </a:solidFill>
+              <a:cs typeface="B Nazanin" panose="00000400000000000000" pitchFamily="2" charset="-78"/>
+            </a:endParaRPr>
+          </a:p>
+        </p:txBody>
+      </p:sp>
+      <p:sp>
+        <p:nvSpPr>
+          <p:cNvPr id="3" name="Content Placeholder 2"/>
+          <p:cNvSpPr>
+            <a:spLocks noGrp="1"/>
+          </p:cNvSpPr>
+          <p:nvPr>
+            <p:ph idx="1"/>
+          </p:nvPr>
+        </p:nvSpPr>
+        <p:spPr/>
+        <p:txBody>
+          <a:bodyPr/>
+          <a:lstStyle/>
+          <a:p>
+            <a:endParaRPr lang="en-US"/>
+          </a:p>
+        </p:txBody>
+      </p:sp>
+      <p:sp>
+        <p:nvSpPr>
+          <p:cNvPr id="4" name="Date Placeholder 3"/>
+          <p:cNvSpPr>
+            <a:spLocks noGrp="1"/>
+          </p:cNvSpPr>
+          <p:nvPr>
+            <p:ph type="dt" sz="half" idx="10"/>
+          </p:nvPr>
+        </p:nvSpPr>
+        <p:spPr/>
+        <p:txBody>
+          <a:bodyPr/>
+          <a:lstStyle/>
+          <a:p>
+            <a:fld id="{C2DB2716-ABCB-47E4-A5E7-31908A35B483}" type="uaqdatetime1">
+              <a:rPr lang="fa-IR" smtClean="0"/>
+              <a:t>11/06/1443</a:t>
+            </a:fld>
+            <a:endParaRPr lang="en-US"/>
+          </a:p>
+        </p:txBody>
+      </p:sp>
+      <p:sp>
+        <p:nvSpPr>
+          <p:cNvPr id="5" name="Slide Number Placeholder 4"/>
+          <p:cNvSpPr>
+            <a:spLocks noGrp="1"/>
+          </p:cNvSpPr>
+          <p:nvPr>
+            <p:ph type="sldNum" sz="quarter" idx="12"/>
+          </p:nvPr>
+        </p:nvSpPr>
+        <p:spPr/>
+        <p:txBody>
+          <a:bodyPr/>
+          <a:lstStyle/>
+          <a:p>
+            <a:fld id="{4BC6469D-48EF-44E1-BF07-A9CE4893D6D6}" type="slidenum">
+              <a:rPr lang="en-US" smtClean="0"/>
+              <a:t>17</a:t>
             </a:fld>
             <a:endParaRPr lang="en-US"/>
           </a:p>
@@ -8249,7 +8672,7 @@
           <a:p>
             <a:fld id="{85D879EB-1AC6-4DAD-A7D9-A5ED0E43FD94}" type="uaqdatetime1">
               <a:rPr lang="fa-IR" smtClean="0"/>
-              <a:t>10/06/1443</a:t>
+              <a:t>11/06/1443</a:t>
             </a:fld>
             <a:endParaRPr lang="en-US"/>
           </a:p>
@@ -8473,7 +8896,7 @@
           <a:p>
             <a:fld id="{44424082-5CA2-48E6-9B05-0898A8B9FA3C}" type="uaqdatetime1">
               <a:rPr lang="fa-IR" smtClean="0"/>
-              <a:t>10/06/1443</a:t>
+              <a:t>11/06/1443</a:t>
             </a:fld>
             <a:endParaRPr lang="en-US"/>
           </a:p>
@@ -8781,7 +9204,7 @@
           <a:p>
             <a:fld id="{97B56645-9C37-419D-86C0-AA05FDDD1398}" type="uaqdatetime1">
               <a:rPr lang="fa-IR" smtClean="0"/>
-              <a:t>10/06/1443</a:t>
+              <a:t>11/06/1443</a:t>
             </a:fld>
             <a:endParaRPr lang="en-US"/>
           </a:p>
@@ -9077,7 +9500,7 @@
           <a:p>
             <a:fld id="{99F17209-2804-43DE-A57B-2B84D7B02C1B}" type="uaqdatetime1">
               <a:rPr lang="fa-IR" smtClean="0"/>
-              <a:t>10/06/1443</a:t>
+              <a:t>11/06/1443</a:t>
             </a:fld>
             <a:endParaRPr lang="en-US"/>
           </a:p>
@@ -9153,14 +9576,21 @@
             <p:ph type="title"/>
           </p:nvPr>
         </p:nvSpPr>
-        <p:spPr/>
-        <p:txBody>
-          <a:bodyPr/>
+        <p:spPr>
+          <a:xfrm>
+            <a:off x="838200" y="365126"/>
+            <a:ext cx="10515600" cy="937202"/>
+          </a:xfrm>
+        </p:spPr>
+        <p:txBody>
+          <a:bodyPr>
+            <a:normAutofit/>
+          </a:bodyPr>
           <a:lstStyle/>
           <a:p>
             <a:pPr algn="ctr"/>
             <a:r>
-              <a:rPr lang="fa-IR" dirty="0" smtClean="0">
+              <a:rPr lang="fa-IR" sz="4000" dirty="0" smtClean="0">
                 <a:solidFill>
                   <a:srgbClr val="C00000"/>
                 </a:solidFill>
@@ -9169,7 +9599,7 @@
               <a:t>ا</a:t>
             </a:r>
             <a:r>
-              <a:rPr lang="fa-IR" u="sng" dirty="0" smtClean="0">
+              <a:rPr lang="fa-IR" sz="4000" u="sng" dirty="0" smtClean="0">
                 <a:solidFill>
                   <a:srgbClr val="C00000"/>
                 </a:solidFill>
@@ -9177,7 +9607,7 @@
               </a:rPr>
               <a:t>جزای اصلی تشکیل دهنده الگوی معماری رویداد محور </a:t>
             </a:r>
-            <a:endParaRPr lang="fa-IR" u="sng" dirty="0">
+            <a:endParaRPr lang="fa-IR" sz="4000" u="sng" dirty="0">
               <a:solidFill>
                 <a:srgbClr val="C00000"/>
               </a:solidFill>
@@ -9225,12 +9655,6 @@
               </a:rPr>
               <a:t>تولیید‌کننده‌رویداد </a:t>
             </a:r>
-            <a:endParaRPr lang="fa-IR" sz="2000" dirty="0" smtClean="0">
-              <a:solidFill>
-                <a:srgbClr val="C00000"/>
-              </a:solidFill>
-              <a:cs typeface="B Nazanin" panose="00000400000000000000" pitchFamily="2" charset="-78"/>
-            </a:endParaRPr>
           </a:p>
           <a:p>
             <a:pPr marL="0" indent="0" algn="r" rtl="1">
@@ -9249,23 +9673,32 @@
                 </a:solidFill>
                 <a:cs typeface="B Nazanin" panose="00000400000000000000" pitchFamily="2" charset="-78"/>
               </a:rPr>
-              <a:t> رویدادها </a:t>
+              <a:t> </a:t>
             </a:r>
             <a:r>
               <a:rPr lang="fa-IR" sz="2000" dirty="0" smtClean="0">
-                <a:cs typeface="B Nazanin" panose="00000400000000000000" pitchFamily="2" charset="-78"/>
-              </a:rPr>
-              <a:t>می‌باشد </a:t>
+                <a:solidFill>
+                  <a:srgbClr val="C00000"/>
+                </a:solidFill>
+                <a:cs typeface="B Nazanin" panose="00000400000000000000" pitchFamily="2" charset="-78"/>
+              </a:rPr>
+              <a:t>رویدادها</a:t>
             </a:r>
             <a:r>
               <a:rPr lang="fa-IR" sz="2000" dirty="0" smtClean="0">
-                <a:cs typeface="B Nazanin" panose="00000400000000000000" pitchFamily="2" charset="-78"/>
-              </a:rPr>
-              <a:t>.</a:t>
-            </a:r>
-            <a:endParaRPr lang="fa-IR" sz="2000" dirty="0" smtClean="0">
-              <a:cs typeface="B Nazanin" panose="00000400000000000000" pitchFamily="2" charset="-78"/>
-            </a:endParaRPr>
+                <a:solidFill>
+                  <a:srgbClr val="FF0000"/>
+                </a:solidFill>
+                <a:cs typeface="B Nazanin" panose="00000400000000000000" pitchFamily="2" charset="-78"/>
+              </a:rPr>
+              <a:t> </a:t>
+            </a:r>
+            <a:r>
+              <a:rPr lang="fa-IR" sz="2000" dirty="0" smtClean="0">
+                <a:cs typeface="B Nazanin" panose="00000400000000000000" pitchFamily="2" charset="-78"/>
+              </a:rPr>
+              <a:t>می‌باشد .</a:t>
+            </a:r>
           </a:p>
           <a:p>
             <a:pPr algn="r" rtl="1">
@@ -9369,7 +9802,7 @@
             <a:r>
               <a:rPr lang="fa-IR" sz="2000" dirty="0" smtClean="0">
                 <a:solidFill>
-                  <a:srgbClr val="FF0000"/>
+                  <a:srgbClr val="C00000"/>
                 </a:solidFill>
                 <a:cs typeface="B Nazanin" panose="00000400000000000000" pitchFamily="2" charset="-78"/>
               </a:rPr>
@@ -9414,7 +9847,7 @@
           <a:p>
             <a:fld id="{C2DB2716-ABCB-47E4-A5E7-31908A35B483}" type="uaqdatetime1">
               <a:rPr lang="fa-IR" smtClean="0"/>
-              <a:t>10/06/1443</a:t>
+              <a:t>11/06/1443</a:t>
             </a:fld>
             <a:endParaRPr lang="en-US"/>
           </a:p>
@@ -9554,13 +9987,13 @@
               <a:rPr lang="fa-IR" sz="2000" dirty="0" smtClean="0">
                 <a:cs typeface="B Nazanin" panose="00000400000000000000" pitchFamily="2" charset="-78"/>
               </a:rPr>
-              <a:t>همانطور كه توضيح داده شد معماری رویداد محور از </a:t>
+              <a:t>معماری </a:t>
             </a:r>
             <a:r>
               <a:rPr lang="fa-IR" sz="2000" dirty="0" smtClean="0">
                 <a:cs typeface="B Nazanin" panose="00000400000000000000" pitchFamily="2" charset="-78"/>
               </a:rPr>
-              <a:t>سه بخش </a:t>
+              <a:t>رویداد محور از سه بخش </a:t>
             </a:r>
             <a:r>
               <a:rPr lang="fa-IR" sz="2000" dirty="0" smtClean="0">
@@ -9569,22 +10002,28 @@
                 </a:solidFill>
                 <a:cs typeface="B Nazanin" panose="00000400000000000000" pitchFamily="2" charset="-78"/>
               </a:rPr>
-              <a:t>تولییدکننده </a:t>
+              <a:t>تولییدکننده رویداد </a:t>
             </a:r>
             <a:r>
               <a:rPr lang="fa-IR" sz="2000" dirty="0" smtClean="0">
+                <a:cs typeface="B Nazanin" panose="00000400000000000000" pitchFamily="2" charset="-78"/>
+              </a:rPr>
+              <a:t>، </a:t>
+            </a:r>
+            <a:r>
+              <a:rPr lang="fa-IR" sz="2000" dirty="0" smtClean="0">
                 <a:solidFill>
                   <a:srgbClr val="C00000"/>
                 </a:solidFill>
                 <a:cs typeface="B Nazanin" panose="00000400000000000000" pitchFamily="2" charset="-78"/>
               </a:rPr>
-              <a:t>رویداد </a:t>
+              <a:t>مصرف‌کننده رویداد </a:t>
             </a:r>
             <a:r>
               <a:rPr lang="fa-IR" sz="2000" dirty="0" smtClean="0">
                 <a:cs typeface="B Nazanin" panose="00000400000000000000" pitchFamily="2" charset="-78"/>
               </a:rPr>
-              <a:t>، </a:t>
+              <a:t>و </a:t>
             </a:r>
             <a:r>
               <a:rPr lang="fa-IR" sz="2000" dirty="0" smtClean="0">
@@ -9593,34 +10032,13 @@
                 </a:solidFill>
                 <a:cs typeface="B Nazanin" panose="00000400000000000000" pitchFamily="2" charset="-78"/>
               </a:rPr>
-              <a:t>مصرف‌کننده رویداد </a:t>
+              <a:t>مسیریاب رویداد </a:t>
             </a:r>
             <a:r>
               <a:rPr lang="fa-IR" sz="2000" dirty="0" smtClean="0">
                 <a:cs typeface="B Nazanin" panose="00000400000000000000" pitchFamily="2" charset="-78"/>
               </a:rPr>
-              <a:t>و </a:t>
-            </a:r>
-            <a:r>
-              <a:rPr lang="fa-IR" sz="2000" dirty="0" smtClean="0">
-                <a:solidFill>
-                  <a:srgbClr val="C00000"/>
-                </a:solidFill>
-                <a:cs typeface="B Nazanin" panose="00000400000000000000" pitchFamily="2" charset="-78"/>
-              </a:rPr>
-              <a:t>مسیریاب رویداد </a:t>
-            </a:r>
-            <a:r>
-              <a:rPr lang="fa-IR" sz="2000" dirty="0" smtClean="0">
-                <a:cs typeface="B Nazanin" panose="00000400000000000000" pitchFamily="2" charset="-78"/>
-              </a:rPr>
-              <a:t>تشکیل </a:t>
-            </a:r>
-            <a:r>
-              <a:rPr lang="fa-IR" sz="2000" dirty="0" smtClean="0">
-                <a:cs typeface="B Nazanin" panose="00000400000000000000" pitchFamily="2" charset="-78"/>
-              </a:rPr>
-              <a:t>می‌شود.</a:t>
+              <a:t>تشکیل می‌شود.</a:t>
             </a:r>
           </a:p>
           <a:p>
@@ -9635,13 +10053,7 @@
               <a:rPr lang="fa-IR" sz="2000" dirty="0" smtClean="0">
                 <a:cs typeface="B Nazanin" panose="00000400000000000000" pitchFamily="2" charset="-78"/>
               </a:rPr>
-              <a:t> </a:t>
-            </a:r>
-            <a:r>
-              <a:rPr lang="fa-IR" sz="2000" dirty="0" smtClean="0">
-                <a:cs typeface="B Nazanin" panose="00000400000000000000" pitchFamily="2" charset="-78"/>
-              </a:rPr>
-              <a:t>یک </a:t>
+              <a:t> یک </a:t>
             </a:r>
             <a:r>
               <a:rPr lang="fa-IR" sz="2000" dirty="0" smtClean="0">
@@ -9969,7 +10381,7 @@
           <a:p>
             <a:fld id="{006FBB09-33D0-4E85-A34E-7878EB333873}" type="uaqdatetime1">
               <a:rPr lang="fa-IR" smtClean="0"/>
-              <a:t>10/06/1443</a:t>
+              <a:t>11/06/1443</a:t>
             </a:fld>
             <a:endParaRPr lang="en-US"/>
           </a:p>
@@ -10045,12 +10457,19 @@
             <p:ph type="title"/>
           </p:nvPr>
         </p:nvSpPr>
-        <p:spPr/>
-        <p:txBody>
-          <a:bodyPr/>
-          <a:lstStyle/>
-          <a:p>
-            <a:pPr algn="ctr" rtl="1"/>
+        <p:spPr>
+          <a:xfrm>
+            <a:off x="838200" y="365126"/>
+            <a:ext cx="10515600" cy="613930"/>
+          </a:xfrm>
+        </p:spPr>
+        <p:txBody>
+          <a:bodyPr>
+            <a:normAutofit fontScale="90000"/>
+          </a:bodyPr>
+          <a:lstStyle/>
+          <a:p>
+            <a:pPr algn="ctr"/>
             <a:r>
               <a:rPr lang="fa-IR" u="sng" dirty="0" smtClean="0">
                 <a:solidFill>
@@ -10058,7 +10477,7 @@
                 </a:solidFill>
                 <a:cs typeface="B Nazanin" panose="00000400000000000000" pitchFamily="2" charset="-78"/>
               </a:rPr>
-              <a:t>سبك‌هاي مختلف الگوي معماري رويداد محور</a:t>
+              <a:t>نحوه كاركرد الگوي معماري رويداد محور </a:t>
             </a:r>
             <a:endParaRPr lang="en-US" u="sng" dirty="0">
               <a:solidFill>
@@ -10081,158 +10500,402 @@
         </p:nvSpPr>
         <p:spPr>
           <a:xfrm>
-            <a:off x="677333" y="1717965"/>
-            <a:ext cx="11071321" cy="4323398"/>
+            <a:off x="677333" y="1071419"/>
+            <a:ext cx="11126739" cy="4969944"/>
           </a:xfrm>
         </p:spPr>
         <p:txBody>
           <a:bodyPr>
-            <a:normAutofit/>
+            <a:noAutofit/>
           </a:bodyPr>
           <a:lstStyle/>
           <a:p>
             <a:pPr algn="r" rtl="1">
-              <a:buFont typeface="Arial" panose="020B0604020202020204" pitchFamily="34" charset="0"/>
-              <a:buChar char="•"/>
+              <a:lnSpc>
+                <a:spcPct val="150000"/>
+              </a:lnSpc>
+              <a:buFont typeface="Wingdings" panose="05000000000000000000" pitchFamily="2" charset="2"/>
+              <a:buChar char="§"/>
             </a:pPr>
             <a:r>
-              <a:rPr lang="fa-IR" sz="2400" dirty="0" smtClean="0">
-                <a:cs typeface="B Nazanin" panose="00000400000000000000" pitchFamily="2" charset="-78"/>
-              </a:rPr>
-              <a:t>سبك‌هاي مختلف الگوي معماري رويداد محور بر حسب نحوه عملكرد خود به دو مدل تقسيم ميشوند :</a:t>
+              <a:rPr lang="fa-IR" sz="2000" dirty="0" smtClean="0">
+                <a:cs typeface="B Nazanin" panose="00000400000000000000" pitchFamily="2" charset="-78"/>
+              </a:rPr>
+              <a:t>معماری </a:t>
+            </a:r>
+            <a:r>
+              <a:rPr lang="fa-IR" sz="2000" dirty="0" smtClean="0">
+                <a:cs typeface="B Nazanin" panose="00000400000000000000" pitchFamily="2" charset="-78"/>
+              </a:rPr>
+              <a:t>رویداد محور از سه بخش </a:t>
+            </a:r>
+            <a:r>
+              <a:rPr lang="fa-IR" sz="2000" dirty="0" smtClean="0">
+                <a:solidFill>
+                  <a:srgbClr val="C00000"/>
+                </a:solidFill>
+                <a:cs typeface="B Nazanin" panose="00000400000000000000" pitchFamily="2" charset="-78"/>
+              </a:rPr>
+              <a:t>تولییدکننده رویداد </a:t>
+            </a:r>
+            <a:r>
+              <a:rPr lang="fa-IR" sz="2000" dirty="0" smtClean="0">
+                <a:cs typeface="B Nazanin" panose="00000400000000000000" pitchFamily="2" charset="-78"/>
+              </a:rPr>
+              <a:t>، </a:t>
+            </a:r>
+            <a:r>
+              <a:rPr lang="fa-IR" sz="2000" dirty="0" smtClean="0">
+                <a:solidFill>
+                  <a:srgbClr val="C00000"/>
+                </a:solidFill>
+                <a:cs typeface="B Nazanin" panose="00000400000000000000" pitchFamily="2" charset="-78"/>
+              </a:rPr>
+              <a:t>مصرف‌کننده رویداد </a:t>
+            </a:r>
+            <a:r>
+              <a:rPr lang="fa-IR" sz="2000" dirty="0" smtClean="0">
+                <a:cs typeface="B Nazanin" panose="00000400000000000000" pitchFamily="2" charset="-78"/>
+              </a:rPr>
+              <a:t>و </a:t>
+            </a:r>
+            <a:r>
+              <a:rPr lang="fa-IR" sz="2000" dirty="0" smtClean="0">
+                <a:solidFill>
+                  <a:srgbClr val="C00000"/>
+                </a:solidFill>
+                <a:cs typeface="B Nazanin" panose="00000400000000000000" pitchFamily="2" charset="-78"/>
+              </a:rPr>
+              <a:t>مسیریاب رویداد </a:t>
+            </a:r>
+            <a:r>
+              <a:rPr lang="fa-IR" sz="2000" dirty="0" smtClean="0">
+                <a:cs typeface="B Nazanin" panose="00000400000000000000" pitchFamily="2" charset="-78"/>
+              </a:rPr>
+              <a:t>تشکیل می‌شود.</a:t>
             </a:r>
           </a:p>
           <a:p>
             <a:pPr algn="r" rtl="1">
+              <a:lnSpc>
+                <a:spcPct val="150000"/>
+              </a:lnSpc>
               <a:buFont typeface="Wingdings" panose="05000000000000000000" pitchFamily="2" charset="2"/>
-              <a:buChar char="q"/>
+              <a:buChar char="§"/>
             </a:pPr>
             <a:r>
-              <a:rPr lang="fa-IR" sz="2400" dirty="0" smtClean="0">
+              <a:rPr lang="fa-IR" sz="2000" dirty="0" smtClean="0">
+                <a:cs typeface="B Nazanin" panose="00000400000000000000" pitchFamily="2" charset="-78"/>
+              </a:rPr>
+              <a:t> یک </a:t>
+            </a:r>
+            <a:r>
+              <a:rPr lang="fa-IR" sz="2000" dirty="0" smtClean="0">
                 <a:solidFill>
                   <a:srgbClr val="C00000"/>
                 </a:solidFill>
                 <a:cs typeface="B Nazanin" panose="00000400000000000000" pitchFamily="2" charset="-78"/>
               </a:rPr>
-              <a:t>مدل انتشار اشتراك </a:t>
-            </a:r>
-          </a:p>
-          <a:p>
-            <a:pPr lvl="1" algn="r" rtl="1">
-              <a:buFont typeface="Arial" panose="020B0604020202020204" pitchFamily="34" charset="0"/>
-              <a:buChar char="•"/>
+              <a:t>تولییدکننده رویداد </a:t>
+            </a:r>
+            <a:r>
+              <a:rPr lang="fa-IR" sz="2000" dirty="0" smtClean="0">
+                <a:cs typeface="B Nazanin" panose="00000400000000000000" pitchFamily="2" charset="-78"/>
+              </a:rPr>
+              <a:t>یک </a:t>
+            </a:r>
+            <a:r>
+              <a:rPr lang="fa-IR" sz="2000" dirty="0" smtClean="0">
+                <a:solidFill>
+                  <a:srgbClr val="C00000"/>
+                </a:solidFill>
+                <a:cs typeface="B Nazanin" panose="00000400000000000000" pitchFamily="2" charset="-78"/>
+              </a:rPr>
+              <a:t>رویداد</a:t>
+            </a:r>
+            <a:r>
+              <a:rPr lang="fa-IR" sz="2000" dirty="0" smtClean="0">
+                <a:cs typeface="B Nazanin" panose="00000400000000000000" pitchFamily="2" charset="-78"/>
+              </a:rPr>
+              <a:t> را تشخیص یا حس می‌کند و رویداد  را به عنوان پیام نمایش می‌دهد . </a:t>
+            </a:r>
+          </a:p>
+          <a:p>
+            <a:pPr algn="r" rtl="1">
+              <a:lnSpc>
+                <a:spcPct val="150000"/>
+              </a:lnSpc>
+              <a:buFont typeface="Wingdings" panose="05000000000000000000" pitchFamily="2" charset="2"/>
+              <a:buChar char="§"/>
             </a:pPr>
             <a:r>
               <a:rPr lang="fa-IR" sz="2000" dirty="0" smtClean="0">
-                <a:solidFill>
-                  <a:schemeClr val="tx1"/>
-                </a:solidFill>
-                <a:cs typeface="B Nazanin" panose="00000400000000000000" pitchFamily="2" charset="-78"/>
-              </a:rPr>
-              <a:t>اين يك زير ساخت پيام رساني مبتني بر اشتراك داده است .</a:t>
-            </a:r>
-          </a:p>
-          <a:p>
-            <a:pPr lvl="1" algn="r" rtl="1">
-              <a:buFont typeface="Arial" panose="020B0604020202020204" pitchFamily="34" charset="0"/>
-              <a:buChar char="•"/>
-            </a:pPr>
+                <a:cs typeface="B Nazanin" panose="00000400000000000000" pitchFamily="2" charset="-78"/>
+              </a:rPr>
+              <a:t> </a:t>
+            </a:r>
             <a:r>
               <a:rPr lang="fa-IR" sz="2000" dirty="0">
-                <a:solidFill>
-                  <a:schemeClr val="tx1"/>
-                </a:solidFill>
-                <a:cs typeface="B Nazanin" panose="00000400000000000000" pitchFamily="2" charset="-78"/>
-              </a:rPr>
-              <a:t>در اين مدل بعد از اينكه يه رويداد رخ داد يا اينكه منتشر شد ، به مشتركيني (مصرف كنندگان) كه نياز به پيام رساني دارند ارسال مي‌شود .</a:t>
+                <a:cs typeface="B Nazanin" panose="00000400000000000000" pitchFamily="2" charset="-78"/>
+              </a:rPr>
+              <a:t>پس </a:t>
+            </a:r>
+            <a:r>
+              <a:rPr lang="fa-IR" sz="2000" dirty="0" smtClean="0">
+                <a:cs typeface="B Nazanin" panose="00000400000000000000" pitchFamily="2" charset="-78"/>
+              </a:rPr>
+              <a:t>از مرحله  شناسایی، </a:t>
+            </a:r>
+            <a:r>
+              <a:rPr lang="fa-IR" sz="2000" dirty="0">
+                <a:cs typeface="B Nazanin" panose="00000400000000000000" pitchFamily="2" charset="-78"/>
+              </a:rPr>
+              <a:t>یک </a:t>
+            </a:r>
+            <a:r>
+              <a:rPr lang="fa-IR" sz="2000" dirty="0" smtClean="0">
+                <a:solidFill>
+                  <a:srgbClr val="C00000"/>
+                </a:solidFill>
+                <a:cs typeface="B Nazanin" panose="00000400000000000000" pitchFamily="2" charset="-78"/>
+              </a:rPr>
+              <a:t>رویداد</a:t>
+            </a:r>
+            <a:r>
+              <a:rPr lang="fa-IR" sz="2000" dirty="0" smtClean="0">
+                <a:cs typeface="B Nazanin" panose="00000400000000000000" pitchFamily="2" charset="-78"/>
+              </a:rPr>
+              <a:t> </a:t>
+            </a:r>
+            <a:r>
+              <a:rPr lang="fa-IR" sz="2000" dirty="0">
+                <a:cs typeface="B Nazanin" panose="00000400000000000000" pitchFamily="2" charset="-78"/>
+              </a:rPr>
+              <a:t>از </a:t>
+            </a:r>
+            <a:r>
+              <a:rPr lang="fa-IR" sz="2000" dirty="0">
+                <a:solidFill>
+                  <a:srgbClr val="C00000"/>
+                </a:solidFill>
+                <a:cs typeface="B Nazanin" panose="00000400000000000000" pitchFamily="2" charset="-78"/>
+              </a:rPr>
+              <a:t>تولیدکننده رویداد </a:t>
+            </a:r>
+            <a:r>
+              <a:rPr lang="fa-IR" sz="2000" dirty="0">
+                <a:cs typeface="B Nazanin" panose="00000400000000000000" pitchFamily="2" charset="-78"/>
+              </a:rPr>
+              <a:t>از طریق </a:t>
+            </a:r>
+            <a:r>
+              <a:rPr lang="fa-IR" sz="2000" dirty="0">
+                <a:solidFill>
+                  <a:srgbClr val="C00000"/>
+                </a:solidFill>
+                <a:cs typeface="B Nazanin" panose="00000400000000000000" pitchFamily="2" charset="-78"/>
+              </a:rPr>
+              <a:t>مسیریاب رویداد  </a:t>
+            </a:r>
+            <a:r>
+              <a:rPr lang="fa-IR" sz="2000" dirty="0">
+                <a:cs typeface="B Nazanin" panose="00000400000000000000" pitchFamily="2" charset="-78"/>
+              </a:rPr>
+              <a:t>به </a:t>
+            </a:r>
+            <a:r>
+              <a:rPr lang="fa-IR" sz="2000" dirty="0">
+                <a:solidFill>
+                  <a:srgbClr val="C00000"/>
+                </a:solidFill>
+                <a:cs typeface="B Nazanin" panose="00000400000000000000" pitchFamily="2" charset="-78"/>
+              </a:rPr>
+              <a:t>مصرف کنندگان رویداد </a:t>
+            </a:r>
+            <a:r>
+              <a:rPr lang="fa-IR" sz="2000" dirty="0">
+                <a:cs typeface="B Nazanin" panose="00000400000000000000" pitchFamily="2" charset="-78"/>
+              </a:rPr>
+              <a:t>منتقل می شود، جایی که یک </a:t>
+            </a:r>
+            <a:r>
+              <a:rPr lang="fa-IR" sz="2000" dirty="0">
+                <a:solidFill>
+                  <a:srgbClr val="C00000"/>
+                </a:solidFill>
+                <a:cs typeface="B Nazanin" panose="00000400000000000000" pitchFamily="2" charset="-78"/>
+              </a:rPr>
+              <a:t>پلت فرم پردازش رویداد </a:t>
+            </a:r>
+            <a:r>
+              <a:rPr lang="fa-IR" sz="2000" dirty="0">
+                <a:cs typeface="B Nazanin" panose="00000400000000000000" pitchFamily="2" charset="-78"/>
+              </a:rPr>
+              <a:t>، رویداد را به صورت </a:t>
+            </a:r>
+            <a:r>
+              <a:rPr lang="fa-IR" sz="2000" dirty="0">
+                <a:solidFill>
+                  <a:srgbClr val="C00000"/>
+                </a:solidFill>
+                <a:cs typeface="B Nazanin" panose="00000400000000000000" pitchFamily="2" charset="-78"/>
+              </a:rPr>
+              <a:t>ناهمزمان</a:t>
+            </a:r>
+            <a:r>
+              <a:rPr lang="fa-IR" sz="2000" dirty="0">
+                <a:cs typeface="B Nazanin" panose="00000400000000000000" pitchFamily="2" charset="-78"/>
+              </a:rPr>
+              <a:t> پردازش می کند. </a:t>
             </a:r>
             <a:endParaRPr lang="fa-IR" sz="2000" dirty="0" smtClean="0">
-              <a:solidFill>
-                <a:schemeClr val="tx1"/>
-              </a:solidFill>
               <a:cs typeface="B Nazanin" panose="00000400000000000000" pitchFamily="2" charset="-78"/>
             </a:endParaRPr>
           </a:p>
           <a:p>
             <a:pPr algn="r" rtl="1">
+              <a:lnSpc>
+                <a:spcPct val="150000"/>
+              </a:lnSpc>
               <a:buFont typeface="Wingdings" panose="05000000000000000000" pitchFamily="2" charset="2"/>
-              <a:buChar char="q"/>
+              <a:buChar char="§"/>
             </a:pPr>
             <a:r>
-              <a:rPr lang="fa-IR" sz="2400" dirty="0" smtClean="0">
+              <a:rPr lang="fa-IR" sz="2000" dirty="0" smtClean="0">
                 <a:solidFill>
                   <a:srgbClr val="C00000"/>
                 </a:solidFill>
                 <a:cs typeface="B Nazanin" panose="00000400000000000000" pitchFamily="2" charset="-78"/>
               </a:rPr>
-              <a:t> مدل جريان رويداد </a:t>
-            </a:r>
-          </a:p>
-          <a:p>
-            <a:pPr marL="457200" lvl="1" indent="0" algn="r" rtl="1">
-              <a:buNone/>
+              <a:t>رویداد </a:t>
+            </a:r>
+            <a:r>
+              <a:rPr lang="fa-IR" sz="2000" dirty="0" smtClean="0">
+                <a:cs typeface="B Nazanin" panose="00000400000000000000" pitchFamily="2" charset="-78"/>
+              </a:rPr>
+              <a:t>ممکن است توسط </a:t>
+            </a:r>
+            <a:r>
+              <a:rPr lang="fa-IR" sz="2000" dirty="0" smtClean="0">
+                <a:solidFill>
+                  <a:srgbClr val="C00000"/>
+                </a:solidFill>
+                <a:cs typeface="B Nazanin" panose="00000400000000000000" pitchFamily="2" charset="-78"/>
+              </a:rPr>
+              <a:t>مصرف‌کننده‌های رویداد </a:t>
+            </a:r>
+            <a:r>
+              <a:rPr lang="fa-IR" sz="2000" dirty="0" smtClean="0">
+                <a:cs typeface="B Nazanin" panose="00000400000000000000" pitchFamily="2" charset="-78"/>
+              </a:rPr>
+              <a:t>پردازش شوند یا فقط آنها را تحت تاثیر قرار دهند . </a:t>
+            </a:r>
+          </a:p>
+          <a:p>
+            <a:pPr algn="r" rtl="1">
+              <a:lnSpc>
+                <a:spcPct val="150000"/>
+              </a:lnSpc>
+              <a:buFont typeface="Wingdings" panose="05000000000000000000" pitchFamily="2" charset="2"/>
+              <a:buChar char="§"/>
             </a:pPr>
             <a:r>
-              <a:rPr lang="fa-IR" sz="2200" dirty="0">
-                <a:cs typeface="B Nazanin" panose="00000400000000000000" pitchFamily="2" charset="-78"/>
-              </a:rPr>
-              <a:t> با یک مدل جریان رویداد ، رویداد‌ها در یک گزارش نوشته می‌شوند. </a:t>
-            </a:r>
-            <a:endParaRPr lang="fa-IR" sz="2200" dirty="0" smtClean="0">
+              <a:rPr lang="fa-IR" sz="2000" dirty="0">
+                <a:cs typeface="B Nazanin" panose="00000400000000000000" pitchFamily="2" charset="-78"/>
+              </a:rPr>
+              <a:t> </a:t>
+            </a:r>
+            <a:r>
+              <a:rPr lang="fa-IR" sz="2000" dirty="0">
+                <a:solidFill>
+                  <a:srgbClr val="C00000"/>
+                </a:solidFill>
+                <a:cs typeface="B Nazanin" panose="00000400000000000000" pitchFamily="2" charset="-78"/>
+              </a:rPr>
+              <a:t>پلتفرم پردازش رویداد </a:t>
+            </a:r>
+            <a:r>
+              <a:rPr lang="fa-IR" sz="2000" dirty="0">
+                <a:cs typeface="B Nazanin" panose="00000400000000000000" pitchFamily="2" charset="-78"/>
+              </a:rPr>
+              <a:t>پاسخ صحیح به یک</a:t>
+            </a:r>
+            <a:r>
+              <a:rPr lang="fa-IR" sz="2000" dirty="0">
+                <a:solidFill>
+                  <a:srgbClr val="C00000"/>
+                </a:solidFill>
+                <a:cs typeface="B Nazanin" panose="00000400000000000000" pitchFamily="2" charset="-78"/>
+              </a:rPr>
+              <a:t> رویداد </a:t>
+            </a:r>
+            <a:r>
+              <a:rPr lang="fa-IR" sz="2000" dirty="0">
+                <a:cs typeface="B Nazanin" panose="00000400000000000000" pitchFamily="2" charset="-78"/>
+              </a:rPr>
+              <a:t>را اجرا می کند و فعالیت را در یک </a:t>
+            </a:r>
+            <a:r>
+              <a:rPr lang="fa-IR" sz="2000" dirty="0">
+                <a:solidFill>
+                  <a:srgbClr val="C00000"/>
+                </a:solidFill>
+                <a:cs typeface="B Nazanin" panose="00000400000000000000" pitchFamily="2" charset="-78"/>
+              </a:rPr>
+              <a:t>جریان سرازیری  </a:t>
+            </a:r>
+            <a:r>
+              <a:rPr lang="fa-IR" sz="2000" dirty="0">
+                <a:cs typeface="B Nazanin" panose="00000400000000000000" pitchFamily="2" charset="-78"/>
+              </a:rPr>
+              <a:t>به مصرف کنندگان مناسب ارسال می کند. این فعالیت جریان سرازیری جایی است که نتیجه یک رویداد دیده می </a:t>
+            </a:r>
+            <a:r>
+              <a:rPr lang="fa-IR" sz="2000" dirty="0" smtClean="0">
+                <a:cs typeface="B Nazanin" panose="00000400000000000000" pitchFamily="2" charset="-78"/>
+              </a:rPr>
+              <a:t>شود.</a:t>
+            </a:r>
+          </a:p>
+          <a:p>
+            <a:pPr algn="r" rtl="1">
+              <a:lnSpc>
+                <a:spcPct val="150000"/>
+              </a:lnSpc>
+              <a:buFont typeface="Wingdings" panose="05000000000000000000" pitchFamily="2" charset="2"/>
+              <a:buChar char="§"/>
+            </a:pPr>
+            <a:r>
+              <a:rPr lang="en-US" sz="2000" dirty="0">
+                <a:cs typeface="B Nazanin" panose="00000400000000000000" pitchFamily="2" charset="-78"/>
+              </a:rPr>
+              <a:t> </a:t>
+            </a:r>
+            <a:r>
+              <a:rPr lang="ar-SA" sz="2000" dirty="0">
+                <a:cs typeface="B Nazanin" panose="00000400000000000000" pitchFamily="2" charset="-78"/>
+              </a:rPr>
+              <a:t>یک از مشهورترین پلتفرم‌های جریان‌داده توزیع شده </a:t>
+            </a:r>
+            <a:r>
+              <a:rPr lang="ar-SA" sz="2000" dirty="0">
+                <a:solidFill>
+                  <a:srgbClr val="C00000"/>
+                </a:solidFill>
+                <a:cs typeface="B Nazanin" panose="00000400000000000000" pitchFamily="2" charset="-78"/>
+              </a:rPr>
+              <a:t>آپاچی کافکا </a:t>
+            </a:r>
+            <a:r>
+              <a:rPr lang="ar-SA" sz="2000" dirty="0">
+                <a:cs typeface="B Nazanin" panose="00000400000000000000" pitchFamily="2" charset="-78"/>
+              </a:rPr>
+              <a:t>است که یک انتخاب محبوب برای پردازش رویداد است. این پلتفرم می تواند انتشار، اشتراک، ذخیره و پردازش جریان های رویداد را به صورت بلادرنگ  انجام دهد. </a:t>
+            </a:r>
+            <a:endParaRPr lang="en-US" sz="2000" dirty="0">
               <a:cs typeface="B Nazanin" panose="00000400000000000000" pitchFamily="2" charset="-78"/>
             </a:endParaRPr>
           </a:p>
-          <a:p>
-            <a:pPr marL="457200" lvl="1" indent="0" algn="r" rtl="1">
-              <a:buNone/>
-            </a:pPr>
-            <a:r>
-              <a:rPr lang="fa-IR" sz="2200" dirty="0" smtClean="0">
-                <a:cs typeface="B Nazanin" panose="00000400000000000000" pitchFamily="2" charset="-78"/>
-              </a:rPr>
-              <a:t>مصرف </a:t>
-            </a:r>
-            <a:r>
-              <a:rPr lang="fa-IR" sz="2200" dirty="0">
-                <a:cs typeface="B Nazanin" panose="00000400000000000000" pitchFamily="2" charset="-78"/>
-              </a:rPr>
-              <a:t>کنندگان رویداد در یک جریان رویداد مشترک نمی‌شوند . </a:t>
-            </a:r>
-            <a:endParaRPr lang="fa-IR" sz="2200" dirty="0" smtClean="0">
-              <a:cs typeface="B Nazanin" panose="00000400000000000000" pitchFamily="2" charset="-78"/>
-            </a:endParaRPr>
-          </a:p>
-          <a:p>
-            <a:pPr marL="457200" lvl="1" indent="0" algn="r" rtl="1">
-              <a:buNone/>
-            </a:pPr>
-            <a:r>
-              <a:rPr lang="fa-IR" sz="2200" dirty="0" smtClean="0">
-                <a:cs typeface="B Nazanin" panose="00000400000000000000" pitchFamily="2" charset="-78"/>
-              </a:rPr>
-              <a:t>در عوض </a:t>
-            </a:r>
-            <a:r>
-              <a:rPr lang="fa-IR" sz="2200" dirty="0">
-                <a:cs typeface="B Nazanin" panose="00000400000000000000" pitchFamily="2" charset="-78"/>
-              </a:rPr>
-              <a:t>آنها می توانند از هر بخشی از جریان بخوانند و در هر زمان می توانند به جریان بپیوندند</a:t>
-            </a:r>
-            <a:r>
-              <a:rPr lang="fa-IR" sz="2200" dirty="0" smtClean="0">
-                <a:cs typeface="B Nazanin" panose="00000400000000000000" pitchFamily="2" charset="-78"/>
-              </a:rPr>
-              <a:t>.</a:t>
-            </a:r>
-          </a:p>
-          <a:p>
-            <a:pPr marL="457200" lvl="1" indent="0" algn="r" rtl="1">
-              <a:buNone/>
-            </a:pPr>
-            <a:endParaRPr lang="en-US" sz="2200" dirty="0">
-              <a:cs typeface="B Nazanin" panose="00000400000000000000" pitchFamily="2" charset="-78"/>
-            </a:endParaRPr>
-          </a:p>
         </p:txBody>
       </p:sp>
       <p:sp>
@@ -10250,9 +10913,9 @@
           <a:bodyPr/>
           <a:lstStyle/>
           <a:p>
-            <a:fld id="{C2DB2716-ABCB-47E4-A5E7-31908A35B483}" type="uaqdatetime1">
+            <a:fld id="{006FBB09-33D0-4E85-A34E-7878EB333873}" type="uaqdatetime1">
               <a:rPr lang="fa-IR" smtClean="0"/>
-              <a:t>10/06/1443</a:t>
+              <a:t>11/06/1443</a:t>
             </a:fld>
             <a:endParaRPr lang="en-US"/>
           </a:p>
@@ -10284,7 +10947,7 @@
     </p:spTree>
     <p:extLst>
       <p:ext uri="{BB962C8B-B14F-4D97-AF65-F5344CB8AC3E}">
-        <p14:creationId xmlns:p14="http://schemas.microsoft.com/office/powerpoint/2010/main" val="4275060141"/>
+        <p14:creationId xmlns:p14="http://schemas.microsoft.com/office/powerpoint/2010/main" val="81556135"/>
       </p:ext>
     </p:extLst>
   </p:cSld>
@@ -10341,7 +11004,7 @@
                 </a:solidFill>
                 <a:cs typeface="B Nazanin" panose="00000400000000000000" pitchFamily="2" charset="-78"/>
               </a:rPr>
-              <a:t>سبك‌هاي مختلف الگوي معماري رويداد محور(ادامه)</a:t>
+              <a:t>سبك‌هاي مختلف الگوي معماري رويداد محور</a:t>
             </a:r>
             <a:endParaRPr lang="en-US" u="sng" dirty="0">
               <a:solidFill>
@@ -10364,8 +11027,8 @@
         </p:nvSpPr>
         <p:spPr>
           <a:xfrm>
-            <a:off x="677334" y="1902691"/>
-            <a:ext cx="10676466" cy="4138672"/>
+            <a:off x="677333" y="1717965"/>
+            <a:ext cx="11071321" cy="4323398"/>
           </a:xfrm>
         </p:spPr>
         <p:txBody>
@@ -10374,309 +11037,143 @@
           </a:bodyPr>
           <a:lstStyle/>
           <a:p>
-            <a:pPr marL="457200" lvl="1" indent="0" algn="r" rtl="1">
-              <a:buClr>
-                <a:srgbClr val="3494BA"/>
-              </a:buClr>
-              <a:buNone/>
+            <a:pPr algn="r" rtl="1">
+              <a:buFont typeface="Arial" panose="020B0604020202020204" pitchFamily="34" charset="0"/>
+              <a:buChar char="•"/>
             </a:pPr>
             <a:r>
+              <a:rPr lang="fa-IR" sz="2400" dirty="0" smtClean="0">
+                <a:cs typeface="B Nazanin" panose="00000400000000000000" pitchFamily="2" charset="-78"/>
+              </a:rPr>
+              <a:t>سبك‌هاي مختلف الگوي معماري رويداد محور بر حسب نحوه عملكرد خود به دو مدل تقسيم ميشوند :</a:t>
+            </a:r>
+          </a:p>
+          <a:p>
+            <a:pPr algn="r" rtl="1">
+              <a:buFont typeface="Wingdings" panose="05000000000000000000" pitchFamily="2" charset="2"/>
+              <a:buChar char="q"/>
+            </a:pPr>
+            <a:r>
+              <a:rPr lang="fa-IR" sz="2400" dirty="0" smtClean="0">
+                <a:solidFill>
+                  <a:srgbClr val="C00000"/>
+                </a:solidFill>
+                <a:cs typeface="B Nazanin" panose="00000400000000000000" pitchFamily="2" charset="-78"/>
+              </a:rPr>
+              <a:t>مدل انتشار اشتراك </a:t>
+            </a:r>
+          </a:p>
+          <a:p>
+            <a:pPr lvl="1" algn="r" rtl="1">
+              <a:buFont typeface="Arial" panose="020B0604020202020204" pitchFamily="34" charset="0"/>
+              <a:buChar char="•"/>
+            </a:pPr>
+            <a:r>
               <a:rPr lang="fa-IR" sz="2000" dirty="0" smtClean="0">
                 <a:solidFill>
-                  <a:prstClr val="black">
-                    <a:lumMod val="75000"/>
-                    <a:lumOff val="25000"/>
-                  </a:prstClr>
-                </a:solidFill>
-                <a:cs typeface="B Nazanin" panose="00000400000000000000" pitchFamily="2" charset="-78"/>
-              </a:rPr>
-              <a:t>مدل </a:t>
-            </a:r>
+                  <a:schemeClr val="tx1"/>
+                </a:solidFill>
+                <a:cs typeface="B Nazanin" panose="00000400000000000000" pitchFamily="2" charset="-78"/>
+              </a:rPr>
+              <a:t>اين يك زير ساخت پيام رساني مبتني بر اشتراك داده است .</a:t>
+            </a:r>
+          </a:p>
+          <a:p>
+            <a:pPr lvl="1" algn="r" rtl="1">
+              <a:buFont typeface="Arial" panose="020B0604020202020204" pitchFamily="34" charset="0"/>
+              <a:buChar char="•"/>
+            </a:pPr>
             <a:r>
               <a:rPr lang="fa-IR" sz="2000" dirty="0">
                 <a:solidFill>
-                  <a:prstClr val="black">
-                    <a:lumMod val="75000"/>
-                    <a:lumOff val="25000"/>
-                  </a:prstClr>
-                </a:solidFill>
-                <a:cs typeface="B Nazanin" panose="00000400000000000000" pitchFamily="2" charset="-78"/>
-              </a:rPr>
-              <a:t>جريان </a:t>
-            </a:r>
-            <a:r>
-              <a:rPr lang="fa-IR" sz="2000" dirty="0" smtClean="0">
-                <a:solidFill>
-                  <a:prstClr val="black">
-                    <a:lumMod val="75000"/>
-                    <a:lumOff val="25000"/>
-                  </a:prstClr>
-                </a:solidFill>
-                <a:cs typeface="B Nazanin" panose="00000400000000000000" pitchFamily="2" charset="-78"/>
-              </a:rPr>
-              <a:t>رويداد </a:t>
-            </a:r>
-            <a:r>
-              <a:rPr lang="fa-IR" sz="2000" dirty="0">
-                <a:solidFill>
-                  <a:prstClr val="black">
-                    <a:lumMod val="75000"/>
-                    <a:lumOff val="25000"/>
-                  </a:prstClr>
-                </a:solidFill>
-                <a:cs typeface="B Nazanin" panose="00000400000000000000" pitchFamily="2" charset="-78"/>
-              </a:rPr>
-              <a:t>برحسب نوع جريان رويداد به سه گونه زير است</a:t>
-            </a:r>
-            <a:r>
-              <a:rPr lang="fa-IR" sz="2000" dirty="0" smtClean="0">
-                <a:solidFill>
-                  <a:prstClr val="black">
-                    <a:lumMod val="75000"/>
-                    <a:lumOff val="25000"/>
-                  </a:prstClr>
-                </a:solidFill>
-                <a:cs typeface="B Nazanin" panose="00000400000000000000" pitchFamily="2" charset="-78"/>
-              </a:rPr>
-              <a:t>:</a:t>
-            </a:r>
-            <a:endParaRPr lang="fa-IR" sz="2200" dirty="0">
+                  <a:schemeClr val="tx1"/>
+                </a:solidFill>
+                <a:cs typeface="B Nazanin" panose="00000400000000000000" pitchFamily="2" charset="-78"/>
+              </a:rPr>
+              <a:t>در اين مدل بعد از اينكه يه رويداد رخ داد يا اينكه منتشر شد ، به مشتركيني (مصرف كنندگان) كه نياز به پيام رساني دارند ارسال مي‌شود .</a:t>
+            </a:r>
+            <a:endParaRPr lang="fa-IR" sz="2000" dirty="0" smtClean="0">
+              <a:solidFill>
+                <a:schemeClr val="tx1"/>
+              </a:solidFill>
               <a:cs typeface="B Nazanin" panose="00000400000000000000" pitchFamily="2" charset="-78"/>
             </a:endParaRPr>
           </a:p>
           <a:p>
-            <a:pPr lvl="1" algn="r" rtl="1">
+            <a:pPr algn="r" rtl="1">
               <a:buFont typeface="Wingdings" panose="05000000000000000000" pitchFamily="2" charset="2"/>
-              <a:buChar char="§"/>
+              <a:buChar char="q"/>
             </a:pPr>
             <a:r>
-              <a:rPr lang="fa-IR" sz="2200" dirty="0" smtClean="0">
-                <a:cs typeface="B Nazanin" panose="00000400000000000000" pitchFamily="2" charset="-78"/>
-              </a:rPr>
-              <a:t> </a:t>
-            </a:r>
-            <a:r>
-              <a:rPr lang="fa-IR" sz="2200" dirty="0" smtClean="0">
+              <a:rPr lang="fa-IR" sz="2400" dirty="0" smtClean="0">
                 <a:solidFill>
                   <a:srgbClr val="C00000"/>
                 </a:solidFill>
                 <a:cs typeface="B Nazanin" panose="00000400000000000000" pitchFamily="2" charset="-78"/>
               </a:rPr>
-              <a:t>پردازش رويداد گسترده </a:t>
-            </a:r>
-          </a:p>
-          <a:p>
-            <a:pPr marL="914400" lvl="2" indent="0" algn="r" rtl="1">
+              <a:t> مدل جريان رويداد </a:t>
+            </a:r>
+          </a:p>
+          <a:p>
+            <a:pPr marL="457200" lvl="1" indent="0" algn="r" rtl="1">
               <a:buNone/>
             </a:pPr>
             <a:r>
-              <a:rPr lang="fa-IR" sz="2000" dirty="0" smtClean="0">
-                <a:latin typeface="B Nazanin" panose="00000400000000000000" pitchFamily="2" charset="-78"/>
-                <a:ea typeface="Calibri" panose="020F0502020204030204" pitchFamily="34" charset="0"/>
-                <a:cs typeface="B Nazanin" panose="00000400000000000000" pitchFamily="2" charset="-78"/>
-              </a:rPr>
-              <a:t>در </a:t>
-            </a:r>
-            <a:r>
-              <a:rPr lang="fa-IR" sz="2000" dirty="0" smtClean="0">
-                <a:solidFill>
-                  <a:srgbClr val="C00000"/>
-                </a:solidFill>
-                <a:latin typeface="B Nazanin" panose="00000400000000000000" pitchFamily="2" charset="-78"/>
-                <a:ea typeface="Calibri" panose="020F0502020204030204" pitchFamily="34" charset="0"/>
-                <a:cs typeface="B Nazanin" panose="00000400000000000000" pitchFamily="2" charset="-78"/>
-              </a:rPr>
-              <a:t>پردازش رویداد گسترده </a:t>
-            </a:r>
-            <a:r>
-              <a:rPr lang="fa-IR" sz="2000" dirty="0">
-                <a:latin typeface="B Nazanin" panose="00000400000000000000" pitchFamily="2" charset="-78"/>
-                <a:ea typeface="Calibri" panose="020F0502020204030204" pitchFamily="34" charset="0"/>
-                <a:cs typeface="B Nazanin" panose="00000400000000000000" pitchFamily="2" charset="-78"/>
-              </a:rPr>
-              <a:t>یک جریان نامحدود از</a:t>
-            </a:r>
-            <a:r>
-              <a:rPr lang="fa-IR" sz="2000" dirty="0">
-                <a:solidFill>
-                  <a:srgbClr val="C00000"/>
-                </a:solidFill>
-                <a:latin typeface="B Nazanin" panose="00000400000000000000" pitchFamily="2" charset="-78"/>
-                <a:ea typeface="Calibri" panose="020F0502020204030204" pitchFamily="34" charset="0"/>
-                <a:cs typeface="B Nazanin" panose="00000400000000000000" pitchFamily="2" charset="-78"/>
-              </a:rPr>
-              <a:t> رویدادهای </a:t>
-            </a:r>
-            <a:r>
-              <a:rPr lang="fa-IR" sz="2000" dirty="0">
-                <a:latin typeface="B Nazanin" panose="00000400000000000000" pitchFamily="2" charset="-78"/>
-                <a:ea typeface="Calibri" panose="020F0502020204030204" pitchFamily="34" charset="0"/>
-                <a:cs typeface="B Nazanin" panose="00000400000000000000" pitchFamily="2" charset="-78"/>
-              </a:rPr>
-              <a:t>مرتبط، که در آن سوابق رویداد به ترتیب خاصي ظاهر می شوند و با آگاهی از رویدادهای گذشته پردازش می </a:t>
-            </a:r>
-            <a:r>
-              <a:rPr lang="fa-IR" sz="2000" dirty="0" smtClean="0">
-                <a:latin typeface="B Nazanin" panose="00000400000000000000" pitchFamily="2" charset="-78"/>
-                <a:ea typeface="Calibri" panose="020F0502020204030204" pitchFamily="34" charset="0"/>
-                <a:cs typeface="B Nazanin" panose="00000400000000000000" pitchFamily="2" charset="-78"/>
-              </a:rPr>
-              <a:t>شوند.</a:t>
-            </a:r>
-            <a:endParaRPr lang="fa-IR" sz="2000" dirty="0" smtClean="0">
+              <a:rPr lang="fa-IR" sz="2200" dirty="0">
+                <a:cs typeface="B Nazanin" panose="00000400000000000000" pitchFamily="2" charset="-78"/>
+              </a:rPr>
+              <a:t> با یک مدل جریان رویداد ، رویداد‌ها در یک گزارش نوشته می‌شوند. </a:t>
+            </a:r>
+            <a:endParaRPr lang="fa-IR" sz="2200" dirty="0" smtClean="0">
               <a:cs typeface="B Nazanin" panose="00000400000000000000" pitchFamily="2" charset="-78"/>
             </a:endParaRPr>
           </a:p>
           <a:p>
-            <a:pPr lvl="1" algn="r" rtl="1">
-              <a:buFont typeface="Wingdings" panose="05000000000000000000" pitchFamily="2" charset="2"/>
-              <a:buChar char="§"/>
+            <a:pPr marL="457200" lvl="1" indent="0" algn="r" rtl="1">
+              <a:buNone/>
             </a:pPr>
             <a:r>
               <a:rPr lang="fa-IR" sz="2200" dirty="0" smtClean="0">
-                <a:solidFill>
-                  <a:srgbClr val="C00000"/>
-                </a:solidFill>
-                <a:cs typeface="B Nazanin" panose="00000400000000000000" pitchFamily="2" charset="-78"/>
-              </a:rPr>
-              <a:t>پردازش رويداد ساده </a:t>
-            </a:r>
-          </a:p>
-          <a:p>
-            <a:pPr marL="914400" lvl="2" indent="0" algn="r" rtl="1">
-              <a:buNone/>
-            </a:pPr>
-            <a:r>
-              <a:rPr lang="fa-IR" sz="2000" dirty="0">
-                <a:latin typeface="Calibri" panose="020F0502020204030204" pitchFamily="34" charset="0"/>
-                <a:ea typeface="Calibri" panose="020F0502020204030204" pitchFamily="34" charset="0"/>
-                <a:cs typeface="B Nazanin" panose="00000400000000000000" pitchFamily="2" charset="-78"/>
-              </a:rPr>
-              <a:t> </a:t>
-            </a:r>
-            <a:r>
-              <a:rPr lang="fa-IR" sz="2000" dirty="0" smtClean="0">
-                <a:solidFill>
-                  <a:srgbClr val="C00000"/>
-                </a:solidFill>
-                <a:latin typeface="Calibri" panose="020F0502020204030204" pitchFamily="34" charset="0"/>
-                <a:ea typeface="Calibri" panose="020F0502020204030204" pitchFamily="34" charset="0"/>
-                <a:cs typeface="B Nazanin" panose="00000400000000000000" pitchFamily="2" charset="-78"/>
-              </a:rPr>
-              <a:t>پردازش‌رویداد‌ ساده </a:t>
-            </a:r>
-            <a:r>
-              <a:rPr lang="fa-IR" sz="2000" dirty="0">
-                <a:latin typeface="Calibri" panose="020F0502020204030204" pitchFamily="34" charset="0"/>
-                <a:ea typeface="Calibri" panose="020F0502020204030204" pitchFamily="34" charset="0"/>
-                <a:cs typeface="B Nazanin" panose="00000400000000000000" pitchFamily="2" charset="-78"/>
-              </a:rPr>
-              <a:t>زمانی است که یک </a:t>
-            </a:r>
-            <a:r>
-              <a:rPr lang="fa-IR" sz="2000" dirty="0">
-                <a:solidFill>
-                  <a:srgbClr val="C00000"/>
-                </a:solidFill>
-                <a:latin typeface="Calibri" panose="020F0502020204030204" pitchFamily="34" charset="0"/>
-                <a:ea typeface="Calibri" panose="020F0502020204030204" pitchFamily="34" charset="0"/>
-                <a:cs typeface="B Nazanin" panose="00000400000000000000" pitchFamily="2" charset="-78"/>
-              </a:rPr>
-              <a:t>رویداد</a:t>
-            </a:r>
-            <a:r>
-              <a:rPr lang="fa-IR" sz="2000" dirty="0">
-                <a:latin typeface="Calibri" panose="020F0502020204030204" pitchFamily="34" charset="0"/>
-                <a:ea typeface="Calibri" panose="020F0502020204030204" pitchFamily="34" charset="0"/>
-                <a:cs typeface="B Nazanin" panose="00000400000000000000" pitchFamily="2" charset="-78"/>
-              </a:rPr>
-              <a:t> بلافاصله اقدامی را در مصرف کننده رویداد ایجاد می کند.</a:t>
-            </a:r>
-            <a:endParaRPr lang="fa-IR" sz="2000" dirty="0" smtClean="0">
+                <a:cs typeface="B Nazanin" panose="00000400000000000000" pitchFamily="2" charset="-78"/>
+              </a:rPr>
+              <a:t>مصرف </a:t>
+            </a:r>
+            <a:r>
+              <a:rPr lang="fa-IR" sz="2200" dirty="0">
+                <a:cs typeface="B Nazanin" panose="00000400000000000000" pitchFamily="2" charset="-78"/>
+              </a:rPr>
+              <a:t>کنندگان رویداد در یک جریان رویداد مشترک نمی‌شوند . </a:t>
+            </a:r>
+            <a:endParaRPr lang="fa-IR" sz="2200" dirty="0" smtClean="0">
               <a:cs typeface="B Nazanin" panose="00000400000000000000" pitchFamily="2" charset="-78"/>
             </a:endParaRPr>
           </a:p>
           <a:p>
-            <a:pPr lvl="1" algn="r" rtl="1">
-              <a:buFont typeface="Wingdings" panose="05000000000000000000" pitchFamily="2" charset="2"/>
-              <a:buChar char="§"/>
+            <a:pPr marL="457200" lvl="1" indent="0" algn="r" rtl="1">
+              <a:buNone/>
             </a:pPr>
             <a:r>
               <a:rPr lang="fa-IR" sz="2200" dirty="0" smtClean="0">
                 <a:cs typeface="B Nazanin" panose="00000400000000000000" pitchFamily="2" charset="-78"/>
               </a:rPr>
-              <a:t> </a:t>
+              <a:t>در عوض </a:t>
+            </a:r>
+            <a:r>
+              <a:rPr lang="fa-IR" sz="2200" dirty="0">
+                <a:cs typeface="B Nazanin" panose="00000400000000000000" pitchFamily="2" charset="-78"/>
+              </a:rPr>
+              <a:t>آنها می توانند از هر بخشی از جریان بخوانند و در هر زمان می توانند به جریان بپیوندند</a:t>
             </a:r>
             <a:r>
               <a:rPr lang="fa-IR" sz="2200" dirty="0" smtClean="0">
-                <a:solidFill>
-                  <a:srgbClr val="C00000"/>
-                </a:solidFill>
-                <a:cs typeface="B Nazanin" panose="00000400000000000000" pitchFamily="2" charset="-78"/>
-              </a:rPr>
-              <a:t>پردازش رويداد پيچيده </a:t>
-            </a:r>
-          </a:p>
-          <a:p>
-            <a:pPr marL="857250" lvl="2" indent="0" algn="r" rtl="1">
-              <a:buNone/>
-            </a:pPr>
-            <a:r>
-              <a:rPr lang="fa-IR" sz="2000" dirty="0">
-                <a:cs typeface="B Nazanin" panose="00000400000000000000" pitchFamily="2" charset="-78"/>
-              </a:rPr>
-              <a:t> </a:t>
-            </a:r>
-            <a:r>
-              <a:rPr lang="fa-IR" sz="2000" dirty="0" smtClean="0">
-                <a:solidFill>
-                  <a:srgbClr val="C00000"/>
-                </a:solidFill>
-                <a:cs typeface="B Nazanin" panose="00000400000000000000" pitchFamily="2" charset="-78"/>
-              </a:rPr>
-              <a:t>پردازش‌رويداد </a:t>
-            </a:r>
-            <a:r>
-              <a:rPr lang="fa-IR" sz="2000" dirty="0">
-                <a:solidFill>
-                  <a:srgbClr val="C00000"/>
-                </a:solidFill>
-                <a:cs typeface="B Nazanin" panose="00000400000000000000" pitchFamily="2" charset="-78"/>
-              </a:rPr>
-              <a:t>پيچيده </a:t>
-            </a:r>
-            <a:r>
-              <a:rPr lang="fa-IR" sz="2000" dirty="0">
-                <a:cs typeface="B Nazanin" panose="00000400000000000000" pitchFamily="2" charset="-78"/>
-              </a:rPr>
-              <a:t>الگوهاي </a:t>
-            </a:r>
-            <a:r>
-              <a:rPr lang="fa-IR" sz="2000" dirty="0">
-                <a:solidFill>
-                  <a:srgbClr val="C00000"/>
-                </a:solidFill>
-                <a:cs typeface="B Nazanin" panose="00000400000000000000" pitchFamily="2" charset="-78"/>
-              </a:rPr>
-              <a:t>رويداد</a:t>
-            </a:r>
-            <a:r>
-              <a:rPr lang="fa-IR" sz="2000" dirty="0">
-                <a:cs typeface="B Nazanin" panose="00000400000000000000" pitchFamily="2" charset="-78"/>
-              </a:rPr>
-              <a:t> پيچيده را از يك سري رويداد‌هاي ساده استخراج يا شناسايي </a:t>
-            </a:r>
-            <a:r>
-              <a:rPr lang="fa-IR" sz="2000" dirty="0" smtClean="0">
-                <a:cs typeface="B Nazanin" panose="00000400000000000000" pitchFamily="2" charset="-78"/>
-              </a:rPr>
-              <a:t>مي‌كند. </a:t>
-            </a:r>
-          </a:p>
-          <a:p>
-            <a:pPr lvl="1" algn="r" rtl="1">
-              <a:buFont typeface="Wingdings" panose="05000000000000000000" pitchFamily="2" charset="2"/>
-              <a:buChar char="§"/>
+                <a:cs typeface="B Nazanin" panose="00000400000000000000" pitchFamily="2" charset="-78"/>
+              </a:rPr>
+              <a:t>.</a:t>
+            </a:r>
+          </a:p>
+          <a:p>
+            <a:pPr marL="457200" lvl="1" indent="0" algn="r" rtl="1">
+              <a:buNone/>
             </a:pPr>
             <a:endParaRPr lang="en-US" sz="2200" dirty="0">
               <a:cs typeface="B Nazanin" panose="00000400000000000000" pitchFamily="2" charset="-78"/>
@@ -10701,7 +11198,7 @@
           <a:p>
             <a:fld id="{C2DB2716-ABCB-47E4-A5E7-31908A35B483}" type="uaqdatetime1">
               <a:rPr lang="fa-IR" smtClean="0"/>
-              <a:t>10/06/1443</a:t>
+              <a:t>11/06/1443</a:t>
             </a:fld>
             <a:endParaRPr lang="en-US"/>
           </a:p>
@@ -10733,7 +11230,7 @@
     </p:spTree>
     <p:extLst>
       <p:ext uri="{BB962C8B-B14F-4D97-AF65-F5344CB8AC3E}">
-        <p14:creationId xmlns:p14="http://schemas.microsoft.com/office/powerpoint/2010/main" val="3318079166"/>
+        <p14:creationId xmlns:p14="http://schemas.microsoft.com/office/powerpoint/2010/main" val="4275060141"/>
       </p:ext>
     </p:extLst>
   </p:cSld>

--- a/پاورپوينت معماري.pptx
+++ b/پاورپوينت معماري.pptx
@@ -6,7 +6,7 @@
     <p:sldMasterId id="2147483684" r:id="rId2"/>
   </p:sldMasterIdLst>
   <p:notesMasterIdLst>
-    <p:notesMasterId r:id="rId20"/>
+    <p:notesMasterId r:id="rId21"/>
   </p:notesMasterIdLst>
   <p:sldIdLst>
     <p:sldId id="256" r:id="rId3"/>
@@ -14,18 +14,19 @@
     <p:sldId id="258" r:id="rId5"/>
     <p:sldId id="259" r:id="rId6"/>
     <p:sldId id="260" r:id="rId7"/>
-    <p:sldId id="272" r:id="rId8"/>
-    <p:sldId id="261" r:id="rId9"/>
-    <p:sldId id="273" r:id="rId10"/>
-    <p:sldId id="269" r:id="rId11"/>
-    <p:sldId id="270" r:id="rId12"/>
-    <p:sldId id="262" r:id="rId13"/>
-    <p:sldId id="263" r:id="rId14"/>
-    <p:sldId id="271" r:id="rId15"/>
-    <p:sldId id="264" r:id="rId16"/>
-    <p:sldId id="265" r:id="rId17"/>
-    <p:sldId id="266" r:id="rId18"/>
-    <p:sldId id="267" r:id="rId19"/>
+    <p:sldId id="274" r:id="rId8"/>
+    <p:sldId id="272" r:id="rId9"/>
+    <p:sldId id="261" r:id="rId10"/>
+    <p:sldId id="273" r:id="rId11"/>
+    <p:sldId id="269" r:id="rId12"/>
+    <p:sldId id="270" r:id="rId13"/>
+    <p:sldId id="262" r:id="rId14"/>
+    <p:sldId id="263" r:id="rId15"/>
+    <p:sldId id="271" r:id="rId16"/>
+    <p:sldId id="264" r:id="rId17"/>
+    <p:sldId id="265" r:id="rId18"/>
+    <p:sldId id="266" r:id="rId19"/>
+    <p:sldId id="267" r:id="rId20"/>
   </p:sldIdLst>
   <p:sldSz cx="12192000" cy="6858000"/>
   <p:notesSz cx="6858000" cy="9144000"/>
@@ -214,7 +215,7 @@
           <a:p>
             <a:fld id="{99A79AD5-89C0-4010-833A-1389C66235E8}" type="datetimeFigureOut">
               <a:rPr lang="en-US" smtClean="0"/>
-              <a:t>1/14/2022</a:t>
+              <a:t>1/15/2022</a:t>
             </a:fld>
             <a:endParaRPr lang="en-US"/>
           </a:p>
@@ -613,7 +614,7 @@
           <a:p>
             <a:fld id="{368C5E72-8645-4A1C-ABEF-CB6D5603A07D}" type="uaqdatetime1">
               <a:rPr lang="fa-IR" smtClean="0"/>
-              <a:t>11/06/1443</a:t>
+              <a:t>12/06/1443</a:t>
             </a:fld>
             <a:endParaRPr lang="en-US"/>
           </a:p>
@@ -783,7 +784,7 @@
           <a:p>
             <a:fld id="{FEE89845-ACCD-4029-B63C-55DACAC9F8A6}" type="uaqdatetime1">
               <a:rPr lang="fa-IR" smtClean="0"/>
-              <a:t>11/06/1443</a:t>
+              <a:t>12/06/1443</a:t>
             </a:fld>
             <a:endParaRPr lang="en-US"/>
           </a:p>
@@ -963,7 +964,7 @@
           <a:p>
             <a:fld id="{BFDBF3F9-34DA-49D7-B5B9-BF4380A179B7}" type="uaqdatetime1">
               <a:rPr lang="fa-IR" smtClean="0"/>
-              <a:t>11/06/1443</a:t>
+              <a:t>12/06/1443</a:t>
             </a:fld>
             <a:endParaRPr lang="en-US"/>
           </a:p>
@@ -1155,7 +1156,7 @@
           <a:p>
             <a:fld id="{368C5E72-8645-4A1C-ABEF-CB6D5603A07D}" type="uaqdatetime1">
               <a:rPr lang="fa-IR" smtClean="0"/>
-              <a:t>11/06/1443</a:t>
+              <a:t>12/06/1443</a:t>
             </a:fld>
             <a:endParaRPr lang="en-US"/>
           </a:p>
@@ -1332,7 +1333,7 @@
           <a:p>
             <a:fld id="{508AADD2-40D1-402F-9823-C486C22D7A8F}" type="uaqdatetime1">
               <a:rPr lang="fa-IR" smtClean="0"/>
-              <a:t>11/06/1443</a:t>
+              <a:t>12/06/1443</a:t>
             </a:fld>
             <a:endParaRPr lang="en-US"/>
           </a:p>
@@ -1578,7 +1579,7 @@
           <a:p>
             <a:fld id="{7402CB9B-D49C-43E8-87FF-3860F10A70AD}" type="uaqdatetime1">
               <a:rPr lang="fa-IR" smtClean="0"/>
-              <a:t>11/06/1443</a:t>
+              <a:t>12/06/1443</a:t>
             </a:fld>
             <a:endParaRPr lang="en-US"/>
           </a:p>
@@ -1817,7 +1818,7 @@
           <a:p>
             <a:fld id="{054213FF-4287-47B0-AEA1-26ED6271FDBD}" type="uaqdatetime1">
               <a:rPr lang="fa-IR" smtClean="0"/>
-              <a:t>11/06/1443</a:t>
+              <a:t>12/06/1443</a:t>
             </a:fld>
             <a:endParaRPr lang="en-US"/>
           </a:p>
@@ -2191,7 +2192,7 @@
           <a:p>
             <a:fld id="{B3E81681-D140-4A7C-AA8D-F6AF5CD222B2}" type="uaqdatetime1">
               <a:rPr lang="fa-IR" smtClean="0"/>
-              <a:t>11/06/1443</a:t>
+              <a:t>12/06/1443</a:t>
             </a:fld>
             <a:endParaRPr lang="en-US"/>
           </a:p>
@@ -2309,7 +2310,7 @@
           <a:p>
             <a:fld id="{A95CEF31-DA62-4E2F-9C89-3307C5A0C734}" type="uaqdatetime1">
               <a:rPr lang="fa-IR" smtClean="0"/>
-              <a:t>11/06/1443</a:t>
+              <a:t>12/06/1443</a:t>
             </a:fld>
             <a:endParaRPr lang="en-US"/>
           </a:p>
@@ -2404,7 +2405,7 @@
           <a:p>
             <a:fld id="{B1B4EA98-43D8-40B0-BB71-087C8B1FD830}" type="uaqdatetime1">
               <a:rPr lang="fa-IR" smtClean="0"/>
-              <a:t>11/06/1443</a:t>
+              <a:t>12/06/1443</a:t>
             </a:fld>
             <a:endParaRPr lang="en-US"/>
           </a:p>
@@ -2681,7 +2682,7 @@
           <a:p>
             <a:fld id="{C1E2536D-405E-4F6F-A4C1-8D3F6F41F560}" type="uaqdatetime1">
               <a:rPr lang="fa-IR" smtClean="0"/>
-              <a:t>11/06/1443</a:t>
+              <a:t>12/06/1443</a:t>
             </a:fld>
             <a:endParaRPr lang="en-US"/>
           </a:p>
@@ -2851,7 +2852,7 @@
           <a:p>
             <a:fld id="{508AADD2-40D1-402F-9823-C486C22D7A8F}" type="uaqdatetime1">
               <a:rPr lang="fa-IR" smtClean="0"/>
-              <a:t>11/06/1443</a:t>
+              <a:t>12/06/1443</a:t>
             </a:fld>
             <a:endParaRPr lang="en-US"/>
           </a:p>
@@ -3104,7 +3105,7 @@
           <a:p>
             <a:fld id="{4253EB68-0FB1-41FC-BD4A-2E738737AF01}" type="uaqdatetime1">
               <a:rPr lang="fa-IR" smtClean="0"/>
-              <a:t>11/06/1443</a:t>
+              <a:t>12/06/1443</a:t>
             </a:fld>
             <a:endParaRPr lang="en-US"/>
           </a:p>
@@ -3274,7 +3275,7 @@
           <a:p>
             <a:fld id="{FEE89845-ACCD-4029-B63C-55DACAC9F8A6}" type="uaqdatetime1">
               <a:rPr lang="fa-IR" smtClean="0"/>
-              <a:t>11/06/1443</a:t>
+              <a:t>12/06/1443</a:t>
             </a:fld>
             <a:endParaRPr lang="en-US"/>
           </a:p>
@@ -3454,7 +3455,7 @@
           <a:p>
             <a:fld id="{BFDBF3F9-34DA-49D7-B5B9-BF4380A179B7}" type="uaqdatetime1">
               <a:rPr lang="fa-IR" smtClean="0"/>
-              <a:t>11/06/1443</a:t>
+              <a:t>12/06/1443</a:t>
             </a:fld>
             <a:endParaRPr lang="en-US"/>
           </a:p>
@@ -3700,7 +3701,7 @@
           <a:p>
             <a:fld id="{7402CB9B-D49C-43E8-87FF-3860F10A70AD}" type="uaqdatetime1">
               <a:rPr lang="fa-IR" smtClean="0"/>
-              <a:t>11/06/1443</a:t>
+              <a:t>12/06/1443</a:t>
             </a:fld>
             <a:endParaRPr lang="en-US"/>
           </a:p>
@@ -3932,7 +3933,7 @@
           <a:p>
             <a:fld id="{054213FF-4287-47B0-AEA1-26ED6271FDBD}" type="uaqdatetime1">
               <a:rPr lang="fa-IR" smtClean="0"/>
-              <a:t>11/06/1443</a:t>
+              <a:t>12/06/1443</a:t>
             </a:fld>
             <a:endParaRPr lang="en-US"/>
           </a:p>
@@ -4299,7 +4300,7 @@
           <a:p>
             <a:fld id="{B3E81681-D140-4A7C-AA8D-F6AF5CD222B2}" type="uaqdatetime1">
               <a:rPr lang="fa-IR" smtClean="0"/>
-              <a:t>11/06/1443</a:t>
+              <a:t>12/06/1443</a:t>
             </a:fld>
             <a:endParaRPr lang="en-US"/>
           </a:p>
@@ -4417,7 +4418,7 @@
           <a:p>
             <a:fld id="{A95CEF31-DA62-4E2F-9C89-3307C5A0C734}" type="uaqdatetime1">
               <a:rPr lang="fa-IR" smtClean="0"/>
-              <a:t>11/06/1443</a:t>
+              <a:t>12/06/1443</a:t>
             </a:fld>
             <a:endParaRPr lang="en-US"/>
           </a:p>
@@ -4512,7 +4513,7 @@
           <a:p>
             <a:fld id="{B1B4EA98-43D8-40B0-BB71-087C8B1FD830}" type="uaqdatetime1">
               <a:rPr lang="fa-IR" smtClean="0"/>
-              <a:t>11/06/1443</a:t>
+              <a:t>12/06/1443</a:t>
             </a:fld>
             <a:endParaRPr lang="en-US"/>
           </a:p>
@@ -4789,7 +4790,7 @@
           <a:p>
             <a:fld id="{C1E2536D-405E-4F6F-A4C1-8D3F6F41F560}" type="uaqdatetime1">
               <a:rPr lang="fa-IR" smtClean="0"/>
-              <a:t>11/06/1443</a:t>
+              <a:t>12/06/1443</a:t>
             </a:fld>
             <a:endParaRPr lang="en-US"/>
           </a:p>
@@ -5042,7 +5043,7 @@
           <a:p>
             <a:fld id="{4253EB68-0FB1-41FC-BD4A-2E738737AF01}" type="uaqdatetime1">
               <a:rPr lang="fa-IR" smtClean="0"/>
-              <a:t>11/06/1443</a:t>
+              <a:t>12/06/1443</a:t>
             </a:fld>
             <a:endParaRPr lang="en-US"/>
           </a:p>
@@ -5255,7 +5256,7 @@
           <a:p>
             <a:fld id="{0083D68B-0458-4622-8439-EF1CD618009C}" type="uaqdatetime1">
               <a:rPr lang="fa-IR" smtClean="0"/>
-              <a:t>11/06/1443</a:t>
+              <a:t>12/06/1443</a:t>
             </a:fld>
             <a:endParaRPr lang="en-US"/>
           </a:p>
@@ -5803,7 +5804,7 @@
           <a:p>
             <a:fld id="{0083D68B-0458-4622-8439-EF1CD618009C}" type="uaqdatetime1">
               <a:rPr lang="fa-IR" smtClean="0"/>
-              <a:t>11/06/1443</a:t>
+              <a:t>12/06/1443</a:t>
             </a:fld>
             <a:endParaRPr lang="en-US"/>
           </a:p>
@@ -6373,7 +6374,7 @@
           <a:p>
             <a:fld id="{8C0179CC-04B9-4F54-B86D-A42F84AF298F}" type="uaqdatetime1">
               <a:rPr lang="fa-IR" smtClean="0"/>
-              <a:t>11/06/1443</a:t>
+              <a:t>12/06/1443</a:t>
             </a:fld>
             <a:endParaRPr lang="en-US"/>
           </a:p>
@@ -6492,7 +6493,7 @@
                 </a:solidFill>
                 <a:cs typeface="B Nazanin" panose="00000400000000000000" pitchFamily="2" charset="-78"/>
               </a:rPr>
-              <a:t>سبك‌هاي مختلف الگوي معماري رويداد محور(ادامه)</a:t>
+              <a:t>سبك‌هاي مختلف الگوي معماري رويداد محور</a:t>
             </a:r>
             <a:endParaRPr lang="en-US" u="sng" dirty="0">
               <a:solidFill>
@@ -6515,8 +6516,8 @@
         </p:nvSpPr>
         <p:spPr>
           <a:xfrm>
-            <a:off x="677334" y="1902691"/>
-            <a:ext cx="10676466" cy="4138672"/>
+            <a:off x="677333" y="1717965"/>
+            <a:ext cx="11071321" cy="4323398"/>
           </a:xfrm>
         </p:spPr>
         <p:txBody>
@@ -6525,309 +6526,143 @@
           </a:bodyPr>
           <a:lstStyle/>
           <a:p>
-            <a:pPr marL="457200" lvl="1" indent="0" algn="r" rtl="1">
-              <a:buClr>
-                <a:srgbClr val="3494BA"/>
-              </a:buClr>
-              <a:buNone/>
+            <a:pPr algn="r" rtl="1">
+              <a:buFont typeface="Arial" panose="020B0604020202020204" pitchFamily="34" charset="0"/>
+              <a:buChar char="•"/>
             </a:pPr>
             <a:r>
+              <a:rPr lang="fa-IR" sz="2400" dirty="0" smtClean="0">
+                <a:cs typeface="B Nazanin" panose="00000400000000000000" pitchFamily="2" charset="-78"/>
+              </a:rPr>
+              <a:t>سبك‌هاي مختلف الگوي معماري رويداد محور بر حسب نحوه عملكرد خود به دو مدل تقسيم ميشوند :</a:t>
+            </a:r>
+          </a:p>
+          <a:p>
+            <a:pPr algn="r" rtl="1">
+              <a:buFont typeface="Wingdings" panose="05000000000000000000" pitchFamily="2" charset="2"/>
+              <a:buChar char="q"/>
+            </a:pPr>
+            <a:r>
+              <a:rPr lang="fa-IR" sz="2400" dirty="0" smtClean="0">
+                <a:solidFill>
+                  <a:srgbClr val="C00000"/>
+                </a:solidFill>
+                <a:cs typeface="B Nazanin" panose="00000400000000000000" pitchFamily="2" charset="-78"/>
+              </a:rPr>
+              <a:t>مدل انتشار اشتراك </a:t>
+            </a:r>
+          </a:p>
+          <a:p>
+            <a:pPr lvl="1" algn="r" rtl="1">
+              <a:buFont typeface="Arial" panose="020B0604020202020204" pitchFamily="34" charset="0"/>
+              <a:buChar char="•"/>
+            </a:pPr>
+            <a:r>
               <a:rPr lang="fa-IR" sz="2000" dirty="0" smtClean="0">
                 <a:solidFill>
-                  <a:prstClr val="black">
-                    <a:lumMod val="75000"/>
-                    <a:lumOff val="25000"/>
-                  </a:prstClr>
-                </a:solidFill>
-                <a:cs typeface="B Nazanin" panose="00000400000000000000" pitchFamily="2" charset="-78"/>
-              </a:rPr>
-              <a:t>مدل </a:t>
-            </a:r>
+                  <a:schemeClr val="tx1"/>
+                </a:solidFill>
+                <a:cs typeface="B Nazanin" panose="00000400000000000000" pitchFamily="2" charset="-78"/>
+              </a:rPr>
+              <a:t>اين يك زير ساخت پيام رساني مبتني بر اشتراك داده است .</a:t>
+            </a:r>
+          </a:p>
+          <a:p>
+            <a:pPr lvl="1" algn="r" rtl="1">
+              <a:buFont typeface="Arial" panose="020B0604020202020204" pitchFamily="34" charset="0"/>
+              <a:buChar char="•"/>
+            </a:pPr>
             <a:r>
               <a:rPr lang="fa-IR" sz="2000" dirty="0">
                 <a:solidFill>
-                  <a:prstClr val="black">
-                    <a:lumMod val="75000"/>
-                    <a:lumOff val="25000"/>
-                  </a:prstClr>
-                </a:solidFill>
-                <a:cs typeface="B Nazanin" panose="00000400000000000000" pitchFamily="2" charset="-78"/>
-              </a:rPr>
-              <a:t>جريان </a:t>
-            </a:r>
-            <a:r>
-              <a:rPr lang="fa-IR" sz="2000" dirty="0" smtClean="0">
-                <a:solidFill>
-                  <a:prstClr val="black">
-                    <a:lumMod val="75000"/>
-                    <a:lumOff val="25000"/>
-                  </a:prstClr>
-                </a:solidFill>
-                <a:cs typeface="B Nazanin" panose="00000400000000000000" pitchFamily="2" charset="-78"/>
-              </a:rPr>
-              <a:t>رويداد </a:t>
-            </a:r>
-            <a:r>
-              <a:rPr lang="fa-IR" sz="2000" dirty="0">
-                <a:solidFill>
-                  <a:prstClr val="black">
-                    <a:lumMod val="75000"/>
-                    <a:lumOff val="25000"/>
-                  </a:prstClr>
-                </a:solidFill>
-                <a:cs typeface="B Nazanin" panose="00000400000000000000" pitchFamily="2" charset="-78"/>
-              </a:rPr>
-              <a:t>برحسب نوع جريان رويداد به سه گونه زير است</a:t>
-            </a:r>
-            <a:r>
-              <a:rPr lang="fa-IR" sz="2000" dirty="0" smtClean="0">
-                <a:solidFill>
-                  <a:prstClr val="black">
-                    <a:lumMod val="75000"/>
-                    <a:lumOff val="25000"/>
-                  </a:prstClr>
-                </a:solidFill>
-                <a:cs typeface="B Nazanin" panose="00000400000000000000" pitchFamily="2" charset="-78"/>
-              </a:rPr>
-              <a:t>:</a:t>
-            </a:r>
-            <a:endParaRPr lang="fa-IR" sz="2200" dirty="0">
+                  <a:schemeClr val="tx1"/>
+                </a:solidFill>
+                <a:cs typeface="B Nazanin" panose="00000400000000000000" pitchFamily="2" charset="-78"/>
+              </a:rPr>
+              <a:t>در اين مدل بعد از اينكه يه رويداد رخ داد يا اينكه منتشر شد ، به مشتركيني (مصرف كنندگان) كه نياز به پيام رساني دارند ارسال مي‌شود .</a:t>
+            </a:r>
+            <a:endParaRPr lang="fa-IR" sz="2000" dirty="0" smtClean="0">
+              <a:solidFill>
+                <a:schemeClr val="tx1"/>
+              </a:solidFill>
               <a:cs typeface="B Nazanin" panose="00000400000000000000" pitchFamily="2" charset="-78"/>
             </a:endParaRPr>
           </a:p>
           <a:p>
-            <a:pPr lvl="1" algn="r" rtl="1">
+            <a:pPr algn="r" rtl="1">
               <a:buFont typeface="Wingdings" panose="05000000000000000000" pitchFamily="2" charset="2"/>
-              <a:buChar char="§"/>
+              <a:buChar char="q"/>
             </a:pPr>
             <a:r>
-              <a:rPr lang="fa-IR" sz="2200" dirty="0" smtClean="0">
-                <a:cs typeface="B Nazanin" panose="00000400000000000000" pitchFamily="2" charset="-78"/>
-              </a:rPr>
-              <a:t> </a:t>
-            </a:r>
-            <a:r>
-              <a:rPr lang="fa-IR" sz="2200" dirty="0" smtClean="0">
+              <a:rPr lang="fa-IR" sz="2400" dirty="0" smtClean="0">
                 <a:solidFill>
                   <a:srgbClr val="C00000"/>
                 </a:solidFill>
                 <a:cs typeface="B Nazanin" panose="00000400000000000000" pitchFamily="2" charset="-78"/>
               </a:rPr>
-              <a:t>پردازش رويداد گسترده </a:t>
-            </a:r>
-          </a:p>
-          <a:p>
-            <a:pPr marL="914400" lvl="2" indent="0" algn="r" rtl="1">
+              <a:t> مدل جريان رويداد </a:t>
+            </a:r>
+          </a:p>
+          <a:p>
+            <a:pPr marL="457200" lvl="1" indent="0" algn="r" rtl="1">
               <a:buNone/>
             </a:pPr>
             <a:r>
-              <a:rPr lang="fa-IR" sz="2000" dirty="0" smtClean="0">
-                <a:latin typeface="B Nazanin" panose="00000400000000000000" pitchFamily="2" charset="-78"/>
-                <a:ea typeface="Calibri" panose="020F0502020204030204" pitchFamily="34" charset="0"/>
-                <a:cs typeface="B Nazanin" panose="00000400000000000000" pitchFamily="2" charset="-78"/>
-              </a:rPr>
-              <a:t>در </a:t>
-            </a:r>
-            <a:r>
-              <a:rPr lang="fa-IR" sz="2000" dirty="0" smtClean="0">
-                <a:solidFill>
-                  <a:srgbClr val="C00000"/>
-                </a:solidFill>
-                <a:latin typeface="B Nazanin" panose="00000400000000000000" pitchFamily="2" charset="-78"/>
-                <a:ea typeface="Calibri" panose="020F0502020204030204" pitchFamily="34" charset="0"/>
-                <a:cs typeface="B Nazanin" panose="00000400000000000000" pitchFamily="2" charset="-78"/>
-              </a:rPr>
-              <a:t>پردازش رویداد گسترده </a:t>
-            </a:r>
-            <a:r>
-              <a:rPr lang="fa-IR" sz="2000" dirty="0">
-                <a:latin typeface="B Nazanin" panose="00000400000000000000" pitchFamily="2" charset="-78"/>
-                <a:ea typeface="Calibri" panose="020F0502020204030204" pitchFamily="34" charset="0"/>
-                <a:cs typeface="B Nazanin" panose="00000400000000000000" pitchFamily="2" charset="-78"/>
-              </a:rPr>
-              <a:t>یک جریان نامحدود از</a:t>
-            </a:r>
-            <a:r>
-              <a:rPr lang="fa-IR" sz="2000" dirty="0">
-                <a:solidFill>
-                  <a:srgbClr val="C00000"/>
-                </a:solidFill>
-                <a:latin typeface="B Nazanin" panose="00000400000000000000" pitchFamily="2" charset="-78"/>
-                <a:ea typeface="Calibri" panose="020F0502020204030204" pitchFamily="34" charset="0"/>
-                <a:cs typeface="B Nazanin" panose="00000400000000000000" pitchFamily="2" charset="-78"/>
-              </a:rPr>
-              <a:t> رویدادهای </a:t>
-            </a:r>
-            <a:r>
-              <a:rPr lang="fa-IR" sz="2000" dirty="0">
-                <a:latin typeface="B Nazanin" panose="00000400000000000000" pitchFamily="2" charset="-78"/>
-                <a:ea typeface="Calibri" panose="020F0502020204030204" pitchFamily="34" charset="0"/>
-                <a:cs typeface="B Nazanin" panose="00000400000000000000" pitchFamily="2" charset="-78"/>
-              </a:rPr>
-              <a:t>مرتبط، که در آن سوابق رویداد به ترتیب خاصي ظاهر می شوند و با آگاهی از رویدادهای گذشته پردازش می </a:t>
-            </a:r>
-            <a:r>
-              <a:rPr lang="fa-IR" sz="2000" dirty="0" smtClean="0">
-                <a:latin typeface="B Nazanin" panose="00000400000000000000" pitchFamily="2" charset="-78"/>
-                <a:ea typeface="Calibri" panose="020F0502020204030204" pitchFamily="34" charset="0"/>
-                <a:cs typeface="B Nazanin" panose="00000400000000000000" pitchFamily="2" charset="-78"/>
-              </a:rPr>
-              <a:t>شوند.</a:t>
-            </a:r>
-            <a:endParaRPr lang="fa-IR" sz="2000" dirty="0" smtClean="0">
+              <a:rPr lang="fa-IR" sz="2200" dirty="0">
+                <a:cs typeface="B Nazanin" panose="00000400000000000000" pitchFamily="2" charset="-78"/>
+              </a:rPr>
+              <a:t> با یک مدل جریان رویداد ، رویداد‌ها در یک گزارش نوشته می‌شوند. </a:t>
+            </a:r>
+            <a:endParaRPr lang="fa-IR" sz="2200" dirty="0" smtClean="0">
               <a:cs typeface="B Nazanin" panose="00000400000000000000" pitchFamily="2" charset="-78"/>
             </a:endParaRPr>
           </a:p>
           <a:p>
-            <a:pPr lvl="1" algn="r" rtl="1">
-              <a:buFont typeface="Wingdings" panose="05000000000000000000" pitchFamily="2" charset="2"/>
-              <a:buChar char="§"/>
+            <a:pPr marL="457200" lvl="1" indent="0" algn="r" rtl="1">
+              <a:buNone/>
             </a:pPr>
             <a:r>
               <a:rPr lang="fa-IR" sz="2200" dirty="0" smtClean="0">
-                <a:solidFill>
-                  <a:srgbClr val="C00000"/>
-                </a:solidFill>
-                <a:cs typeface="B Nazanin" panose="00000400000000000000" pitchFamily="2" charset="-78"/>
-              </a:rPr>
-              <a:t>پردازش رويداد ساده </a:t>
-            </a:r>
-          </a:p>
-          <a:p>
-            <a:pPr marL="914400" lvl="2" indent="0" algn="r" rtl="1">
-              <a:buNone/>
-            </a:pPr>
-            <a:r>
-              <a:rPr lang="fa-IR" sz="2000" dirty="0">
-                <a:latin typeface="Calibri" panose="020F0502020204030204" pitchFamily="34" charset="0"/>
-                <a:ea typeface="Calibri" panose="020F0502020204030204" pitchFamily="34" charset="0"/>
-                <a:cs typeface="B Nazanin" panose="00000400000000000000" pitchFamily="2" charset="-78"/>
-              </a:rPr>
-              <a:t> </a:t>
-            </a:r>
-            <a:r>
-              <a:rPr lang="fa-IR" sz="2000" dirty="0" smtClean="0">
-                <a:solidFill>
-                  <a:srgbClr val="C00000"/>
-                </a:solidFill>
-                <a:latin typeface="Calibri" panose="020F0502020204030204" pitchFamily="34" charset="0"/>
-                <a:ea typeface="Calibri" panose="020F0502020204030204" pitchFamily="34" charset="0"/>
-                <a:cs typeface="B Nazanin" panose="00000400000000000000" pitchFamily="2" charset="-78"/>
-              </a:rPr>
-              <a:t>پردازش‌رویداد‌ ساده </a:t>
-            </a:r>
-            <a:r>
-              <a:rPr lang="fa-IR" sz="2000" dirty="0">
-                <a:latin typeface="Calibri" panose="020F0502020204030204" pitchFamily="34" charset="0"/>
-                <a:ea typeface="Calibri" panose="020F0502020204030204" pitchFamily="34" charset="0"/>
-                <a:cs typeface="B Nazanin" panose="00000400000000000000" pitchFamily="2" charset="-78"/>
-              </a:rPr>
-              <a:t>زمانی است که یک </a:t>
-            </a:r>
-            <a:r>
-              <a:rPr lang="fa-IR" sz="2000" dirty="0">
-                <a:solidFill>
-                  <a:srgbClr val="C00000"/>
-                </a:solidFill>
-                <a:latin typeface="Calibri" panose="020F0502020204030204" pitchFamily="34" charset="0"/>
-                <a:ea typeface="Calibri" panose="020F0502020204030204" pitchFamily="34" charset="0"/>
-                <a:cs typeface="B Nazanin" panose="00000400000000000000" pitchFamily="2" charset="-78"/>
-              </a:rPr>
-              <a:t>رویداد</a:t>
-            </a:r>
-            <a:r>
-              <a:rPr lang="fa-IR" sz="2000" dirty="0">
-                <a:latin typeface="Calibri" panose="020F0502020204030204" pitchFamily="34" charset="0"/>
-                <a:ea typeface="Calibri" panose="020F0502020204030204" pitchFamily="34" charset="0"/>
-                <a:cs typeface="B Nazanin" panose="00000400000000000000" pitchFamily="2" charset="-78"/>
-              </a:rPr>
-              <a:t> بلافاصله اقدامی را در مصرف کننده رویداد ایجاد می کند.</a:t>
-            </a:r>
-            <a:endParaRPr lang="fa-IR" sz="2000" dirty="0" smtClean="0">
+                <a:cs typeface="B Nazanin" panose="00000400000000000000" pitchFamily="2" charset="-78"/>
+              </a:rPr>
+              <a:t>مصرف </a:t>
+            </a:r>
+            <a:r>
+              <a:rPr lang="fa-IR" sz="2200" dirty="0">
+                <a:cs typeface="B Nazanin" panose="00000400000000000000" pitchFamily="2" charset="-78"/>
+              </a:rPr>
+              <a:t>کنندگان رویداد در یک جریان رویداد مشترک نمی‌شوند . </a:t>
+            </a:r>
+            <a:endParaRPr lang="fa-IR" sz="2200" dirty="0" smtClean="0">
               <a:cs typeface="B Nazanin" panose="00000400000000000000" pitchFamily="2" charset="-78"/>
             </a:endParaRPr>
           </a:p>
           <a:p>
-            <a:pPr lvl="1" algn="r" rtl="1">
-              <a:buFont typeface="Wingdings" panose="05000000000000000000" pitchFamily="2" charset="2"/>
-              <a:buChar char="§"/>
+            <a:pPr marL="457200" lvl="1" indent="0" algn="r" rtl="1">
+              <a:buNone/>
             </a:pPr>
             <a:r>
               <a:rPr lang="fa-IR" sz="2200" dirty="0" smtClean="0">
                 <a:cs typeface="B Nazanin" panose="00000400000000000000" pitchFamily="2" charset="-78"/>
               </a:rPr>
-              <a:t> </a:t>
+              <a:t>در عوض </a:t>
+            </a:r>
+            <a:r>
+              <a:rPr lang="fa-IR" sz="2200" dirty="0">
+                <a:cs typeface="B Nazanin" panose="00000400000000000000" pitchFamily="2" charset="-78"/>
+              </a:rPr>
+              <a:t>آنها می توانند از هر بخشی از جریان بخوانند و در هر زمان می توانند به جریان بپیوندند</a:t>
             </a:r>
             <a:r>
               <a:rPr lang="fa-IR" sz="2200" dirty="0" smtClean="0">
-                <a:solidFill>
-                  <a:srgbClr val="C00000"/>
-                </a:solidFill>
-                <a:cs typeface="B Nazanin" panose="00000400000000000000" pitchFamily="2" charset="-78"/>
-              </a:rPr>
-              <a:t>پردازش رويداد پيچيده </a:t>
-            </a:r>
-          </a:p>
-          <a:p>
-            <a:pPr marL="857250" lvl="2" indent="0" algn="r" rtl="1">
-              <a:buNone/>
-            </a:pPr>
-            <a:r>
-              <a:rPr lang="fa-IR" sz="2000" dirty="0">
-                <a:cs typeface="B Nazanin" panose="00000400000000000000" pitchFamily="2" charset="-78"/>
-              </a:rPr>
-              <a:t> </a:t>
-            </a:r>
-            <a:r>
-              <a:rPr lang="fa-IR" sz="2000" dirty="0" smtClean="0">
-                <a:solidFill>
-                  <a:srgbClr val="C00000"/>
-                </a:solidFill>
-                <a:cs typeface="B Nazanin" panose="00000400000000000000" pitchFamily="2" charset="-78"/>
-              </a:rPr>
-              <a:t>پردازش‌رويداد </a:t>
-            </a:r>
-            <a:r>
-              <a:rPr lang="fa-IR" sz="2000" dirty="0">
-                <a:solidFill>
-                  <a:srgbClr val="C00000"/>
-                </a:solidFill>
-                <a:cs typeface="B Nazanin" panose="00000400000000000000" pitchFamily="2" charset="-78"/>
-              </a:rPr>
-              <a:t>پيچيده </a:t>
-            </a:r>
-            <a:r>
-              <a:rPr lang="fa-IR" sz="2000" dirty="0">
-                <a:cs typeface="B Nazanin" panose="00000400000000000000" pitchFamily="2" charset="-78"/>
-              </a:rPr>
-              <a:t>الگوهاي </a:t>
-            </a:r>
-            <a:r>
-              <a:rPr lang="fa-IR" sz="2000" dirty="0">
-                <a:solidFill>
-                  <a:srgbClr val="C00000"/>
-                </a:solidFill>
-                <a:cs typeface="B Nazanin" panose="00000400000000000000" pitchFamily="2" charset="-78"/>
-              </a:rPr>
-              <a:t>رويداد</a:t>
-            </a:r>
-            <a:r>
-              <a:rPr lang="fa-IR" sz="2000" dirty="0">
-                <a:cs typeface="B Nazanin" panose="00000400000000000000" pitchFamily="2" charset="-78"/>
-              </a:rPr>
-              <a:t> پيچيده را از يك سري رويداد‌هاي ساده استخراج يا شناسايي </a:t>
-            </a:r>
-            <a:r>
-              <a:rPr lang="fa-IR" sz="2000" dirty="0" smtClean="0">
-                <a:cs typeface="B Nazanin" panose="00000400000000000000" pitchFamily="2" charset="-78"/>
-              </a:rPr>
-              <a:t>مي‌كند. </a:t>
-            </a:r>
-          </a:p>
-          <a:p>
-            <a:pPr lvl="1" algn="r" rtl="1">
-              <a:buFont typeface="Wingdings" panose="05000000000000000000" pitchFamily="2" charset="2"/>
-              <a:buChar char="§"/>
+                <a:cs typeface="B Nazanin" panose="00000400000000000000" pitchFamily="2" charset="-78"/>
+              </a:rPr>
+              <a:t>.</a:t>
+            </a:r>
+          </a:p>
+          <a:p>
+            <a:pPr marL="457200" lvl="1" indent="0" algn="r" rtl="1">
+              <a:buNone/>
             </a:pPr>
             <a:endParaRPr lang="en-US" sz="2200" dirty="0">
               <a:cs typeface="B Nazanin" panose="00000400000000000000" pitchFamily="2" charset="-78"/>
@@ -6852,7 +6687,7 @@
           <a:p>
             <a:fld id="{C2DB2716-ABCB-47E4-A5E7-31908A35B483}" type="uaqdatetime1">
               <a:rPr lang="fa-IR" smtClean="0"/>
-              <a:t>11/06/1443</a:t>
+              <a:t>12/06/1443</a:t>
             </a:fld>
             <a:endParaRPr lang="en-US"/>
           </a:p>
@@ -6884,7 +6719,7 @@
     </p:spTree>
     <p:extLst>
       <p:ext uri="{BB962C8B-B14F-4D97-AF65-F5344CB8AC3E}">
-        <p14:creationId xmlns:p14="http://schemas.microsoft.com/office/powerpoint/2010/main" val="3318079166"/>
+        <p14:creationId xmlns:p14="http://schemas.microsoft.com/office/powerpoint/2010/main" val="4275060141"/>
       </p:ext>
     </p:extLst>
   </p:cSld>
@@ -6928,29 +6763,22 @@
             <p:ph type="title"/>
           </p:nvPr>
         </p:nvSpPr>
-        <p:spPr>
-          <a:xfrm>
-            <a:off x="677333" y="325437"/>
-            <a:ext cx="11052849" cy="755217"/>
-          </a:xfrm>
-        </p:spPr>
-        <p:txBody>
-          <a:bodyPr>
-            <a:normAutofit/>
-          </a:bodyPr>
-          <a:lstStyle/>
-          <a:p>
-            <a:pPr algn="ctr"/>
-            <a:r>
-              <a:rPr lang="fa-IR" sz="3600" u="sng" dirty="0" smtClean="0">
+        <p:spPr/>
+        <p:txBody>
+          <a:bodyPr/>
+          <a:lstStyle/>
+          <a:p>
+            <a:pPr algn="ctr" rtl="1"/>
+            <a:r>
+              <a:rPr lang="fa-IR" u="sng" dirty="0" smtClean="0">
                 <a:solidFill>
                   <a:srgbClr val="C00000"/>
                 </a:solidFill>
                 <a:cs typeface="B Nazanin" panose="00000400000000000000" pitchFamily="2" charset="-78"/>
               </a:rPr>
-              <a:t>چه زمان هايي از الگوي معماري رويداد محور استفاده مي‌شود؟</a:t>
-            </a:r>
-            <a:endParaRPr lang="en-US" sz="3600" u="sng" dirty="0">
+              <a:t>سبك‌هاي مختلف الگوي معماري رويداد محور(ادامه)</a:t>
+            </a:r>
+            <a:endParaRPr lang="en-US" u="sng" dirty="0">
               <a:solidFill>
                 <a:srgbClr val="C00000"/>
               </a:solidFill>
@@ -6971,8 +6799,8 @@
         </p:nvSpPr>
         <p:spPr>
           <a:xfrm>
-            <a:off x="838200" y="1080654"/>
-            <a:ext cx="10515600" cy="5096309"/>
+            <a:off x="677334" y="1902691"/>
+            <a:ext cx="10676466" cy="4138672"/>
           </a:xfrm>
         </p:spPr>
         <p:txBody>
@@ -6981,104 +6809,313 @@
           </a:bodyPr>
           <a:lstStyle/>
           <a:p>
-            <a:pPr algn="r" rtl="1">
+            <a:pPr marL="457200" lvl="1" indent="0" algn="r" rtl="1">
+              <a:buClr>
+                <a:srgbClr val="3494BA"/>
+              </a:buClr>
+              <a:buNone/>
+            </a:pPr>
+            <a:r>
+              <a:rPr lang="fa-IR" sz="2000" dirty="0" smtClean="0">
+                <a:solidFill>
+                  <a:prstClr val="black">
+                    <a:lumMod val="75000"/>
+                    <a:lumOff val="25000"/>
+                  </a:prstClr>
+                </a:solidFill>
+                <a:cs typeface="B Nazanin" panose="00000400000000000000" pitchFamily="2" charset="-78"/>
+              </a:rPr>
+              <a:t>مدل </a:t>
+            </a:r>
+            <a:r>
+              <a:rPr lang="fa-IR" sz="2000" dirty="0">
+                <a:solidFill>
+                  <a:prstClr val="black">
+                    <a:lumMod val="75000"/>
+                    <a:lumOff val="25000"/>
+                  </a:prstClr>
+                </a:solidFill>
+                <a:cs typeface="B Nazanin" panose="00000400000000000000" pitchFamily="2" charset="-78"/>
+              </a:rPr>
+              <a:t>جريان </a:t>
+            </a:r>
+            <a:r>
+              <a:rPr lang="fa-IR" sz="2000" dirty="0" smtClean="0">
+                <a:solidFill>
+                  <a:prstClr val="black">
+                    <a:lumMod val="75000"/>
+                    <a:lumOff val="25000"/>
+                  </a:prstClr>
+                </a:solidFill>
+                <a:cs typeface="B Nazanin" panose="00000400000000000000" pitchFamily="2" charset="-78"/>
+              </a:rPr>
+              <a:t>رويداد </a:t>
+            </a:r>
+            <a:r>
+              <a:rPr lang="fa-IR" sz="2000" dirty="0">
+                <a:solidFill>
+                  <a:prstClr val="black">
+                    <a:lumMod val="75000"/>
+                    <a:lumOff val="25000"/>
+                  </a:prstClr>
+                </a:solidFill>
+                <a:cs typeface="B Nazanin" panose="00000400000000000000" pitchFamily="2" charset="-78"/>
+              </a:rPr>
+              <a:t>برحسب نوع جريان رويداد به سه گونه زير است</a:t>
+            </a:r>
+            <a:r>
+              <a:rPr lang="fa-IR" sz="2000" dirty="0" smtClean="0">
+                <a:solidFill>
+                  <a:prstClr val="black">
+                    <a:lumMod val="75000"/>
+                    <a:lumOff val="25000"/>
+                  </a:prstClr>
+                </a:solidFill>
+                <a:cs typeface="B Nazanin" panose="00000400000000000000" pitchFamily="2" charset="-78"/>
+              </a:rPr>
+              <a:t>:</a:t>
+            </a:r>
+            <a:endParaRPr lang="fa-IR" sz="2200" dirty="0">
+              <a:cs typeface="B Nazanin" panose="00000400000000000000" pitchFamily="2" charset="-78"/>
+            </a:endParaRPr>
+          </a:p>
+          <a:p>
+            <a:pPr lvl="1" algn="r" rtl="1">
               <a:buFont typeface="Wingdings" panose="05000000000000000000" pitchFamily="2" charset="2"/>
               <a:buChar char="§"/>
             </a:pPr>
             <a:r>
+              <a:rPr lang="fa-IR" sz="2200" dirty="0" smtClean="0">
+                <a:cs typeface="B Nazanin" panose="00000400000000000000" pitchFamily="2" charset="-78"/>
+              </a:rPr>
+              <a:t> </a:t>
+            </a:r>
+            <a:r>
+              <a:rPr lang="fa-IR" sz="2200" dirty="0" smtClean="0">
+                <a:solidFill>
+                  <a:srgbClr val="C00000"/>
+                </a:solidFill>
+                <a:cs typeface="B Nazanin" panose="00000400000000000000" pitchFamily="2" charset="-78"/>
+              </a:rPr>
+              <a:t>پردازش رويداد گسترده </a:t>
+            </a:r>
+          </a:p>
+          <a:p>
+            <a:pPr marL="914400" lvl="2" indent="0" algn="r" rtl="1">
+              <a:buNone/>
+            </a:pPr>
+            <a:r>
               <a:rPr lang="fa-IR" sz="2000" dirty="0" smtClean="0">
+                <a:latin typeface="B Nazanin" panose="00000400000000000000" pitchFamily="2" charset="-78"/>
+                <a:ea typeface="Calibri" panose="020F0502020204030204" pitchFamily="34" charset="0"/>
+                <a:cs typeface="B Nazanin" panose="00000400000000000000" pitchFamily="2" charset="-78"/>
+              </a:rPr>
+              <a:t>در </a:t>
+            </a:r>
+            <a:r>
+              <a:rPr lang="fa-IR" sz="2000" dirty="0" smtClean="0">
                 <a:solidFill>
                   <a:srgbClr val="C00000"/>
                 </a:solidFill>
-                <a:cs typeface="B Nazanin" panose="00000400000000000000" pitchFamily="2" charset="-78"/>
-              </a:rPr>
-              <a:t>تجمیع سیستم‌های ناهمگن</a:t>
-            </a:r>
-          </a:p>
-          <a:p>
-            <a:pPr marL="0" indent="0" algn="r" rtl="1">
-              <a:buNone/>
-            </a:pPr>
+                <a:latin typeface="B Nazanin" panose="00000400000000000000" pitchFamily="2" charset="-78"/>
+                <a:ea typeface="Calibri" panose="020F0502020204030204" pitchFamily="34" charset="0"/>
+                <a:cs typeface="B Nazanin" panose="00000400000000000000" pitchFamily="2" charset="-78"/>
+              </a:rPr>
+              <a:t>پردازش رویداد گسترده </a:t>
+            </a:r>
+            <a:r>
+              <a:rPr lang="fa-IR" sz="2000" dirty="0">
+                <a:latin typeface="B Nazanin" panose="00000400000000000000" pitchFamily="2" charset="-78"/>
+                <a:ea typeface="Calibri" panose="020F0502020204030204" pitchFamily="34" charset="0"/>
+                <a:cs typeface="B Nazanin" panose="00000400000000000000" pitchFamily="2" charset="-78"/>
+              </a:rPr>
+              <a:t>یک جریان نامحدود از</a:t>
+            </a:r>
+            <a:r>
+              <a:rPr lang="fa-IR" sz="2000" dirty="0">
+                <a:solidFill>
+                  <a:srgbClr val="C00000"/>
+                </a:solidFill>
+                <a:latin typeface="B Nazanin" panose="00000400000000000000" pitchFamily="2" charset="-78"/>
+                <a:ea typeface="Calibri" panose="020F0502020204030204" pitchFamily="34" charset="0"/>
+                <a:cs typeface="B Nazanin" panose="00000400000000000000" pitchFamily="2" charset="-78"/>
+              </a:rPr>
+              <a:t> رویدادهای </a:t>
+            </a:r>
+            <a:r>
+              <a:rPr lang="fa-IR" sz="2000" dirty="0">
+                <a:latin typeface="B Nazanin" panose="00000400000000000000" pitchFamily="2" charset="-78"/>
+                <a:ea typeface="Calibri" panose="020F0502020204030204" pitchFamily="34" charset="0"/>
+                <a:cs typeface="B Nazanin" panose="00000400000000000000" pitchFamily="2" charset="-78"/>
+              </a:rPr>
+              <a:t>مرتبط، که در آن سوابق رویداد به ترتیب خاصي ظاهر می شوند و با آگاهی از رویدادهای گذشته پردازش می </a:t>
+            </a:r>
             <a:r>
               <a:rPr lang="fa-IR" sz="2000" dirty="0" smtClean="0">
-                <a:cs typeface="B Nazanin" panose="00000400000000000000" pitchFamily="2" charset="-78"/>
-              </a:rPr>
-              <a:t>اگر نیاز باشد که دو سیستم را که بر دو پشته مختلف اجرا می‌شوند را بدون اینکه نیاز به جفت شدگی باشد، قابلیت همکاری را  در بین آنها به وجود آورد تا آنها  بتوانند با هم پیام‌ها و داده‌ها را به اشتراک بگذارند .</a:t>
-            </a:r>
-          </a:p>
-          <a:p>
-            <a:pPr marL="0" indent="0" algn="r" rtl="1">
-              <a:buNone/>
-            </a:pPr>
-            <a:r>
-              <a:rPr lang="fa-IR" sz="2000" dirty="0" smtClean="0">
-                <a:cs typeface="B Nazanin" panose="00000400000000000000" pitchFamily="2" charset="-78"/>
-              </a:rPr>
-              <a:t>در این زمان می‌توان از الگوی معماری رویداد محور استفاده کرد تا این قابلیت را به وجود آورد . </a:t>
-            </a:r>
-          </a:p>
-          <a:p>
-            <a:pPr algn="r" rtl="1">
+                <a:latin typeface="B Nazanin" panose="00000400000000000000" pitchFamily="2" charset="-78"/>
+                <a:ea typeface="Calibri" panose="020F0502020204030204" pitchFamily="34" charset="0"/>
+                <a:cs typeface="B Nazanin" panose="00000400000000000000" pitchFamily="2" charset="-78"/>
+              </a:rPr>
+              <a:t>شوند.</a:t>
+            </a:r>
+            <a:endParaRPr lang="fa-IR" sz="2000" dirty="0" smtClean="0">
+              <a:cs typeface="B Nazanin" panose="00000400000000000000" pitchFamily="2" charset="-78"/>
+            </a:endParaRPr>
+          </a:p>
+          <a:p>
+            <a:pPr lvl="1" algn="r" rtl="1">
               <a:buFont typeface="Wingdings" panose="05000000000000000000" pitchFamily="2" charset="2"/>
               <a:buChar char="§"/>
             </a:pPr>
             <a:r>
+              <a:rPr lang="fa-IR" sz="2200" dirty="0" smtClean="0">
+                <a:solidFill>
+                  <a:srgbClr val="C00000"/>
+                </a:solidFill>
+                <a:cs typeface="B Nazanin" panose="00000400000000000000" pitchFamily="2" charset="-78"/>
+              </a:rPr>
+              <a:t>پردازش رويداد ساده </a:t>
+            </a:r>
+          </a:p>
+          <a:p>
+            <a:pPr marL="914400" lvl="2" indent="0" algn="r" rtl="1">
+              <a:buNone/>
+            </a:pPr>
+            <a:r>
+              <a:rPr lang="fa-IR" sz="2000" dirty="0">
+                <a:latin typeface="Calibri" panose="020F0502020204030204" pitchFamily="34" charset="0"/>
+                <a:ea typeface="Calibri" panose="020F0502020204030204" pitchFamily="34" charset="0"/>
+                <a:cs typeface="B Nazanin" panose="00000400000000000000" pitchFamily="2" charset="-78"/>
+              </a:rPr>
+              <a:t> </a:t>
+            </a:r>
+            <a:r>
               <a:rPr lang="fa-IR" sz="2000" dirty="0" smtClean="0">
                 <a:solidFill>
                   <a:srgbClr val="C00000"/>
                 </a:solidFill>
-                <a:cs typeface="B Nazanin" panose="00000400000000000000" pitchFamily="2" charset="-78"/>
-              </a:rPr>
-              <a:t>ظرفیت خروجی بالا </a:t>
-            </a:r>
-          </a:p>
-          <a:p>
-            <a:pPr marL="0" indent="0" algn="r" rtl="1">
-              <a:buNone/>
-            </a:pPr>
-            <a:r>
-              <a:rPr lang="fa-IR" sz="2000" dirty="0" smtClean="0">
-                <a:cs typeface="B Nazanin" panose="00000400000000000000" pitchFamily="2" charset="-78"/>
-              </a:rPr>
-              <a:t>زمانی که سیستم‌هاي زيادي وجود دارند كه به عنوان مصرف‌‌كننده براي پاسخ‌دهي به يك رويداد كار مي‌كنند مي‌شود ،مي‌شود از الگوي معماري رويداد محور براي ارسال رويداد به هر مصرف كننده استفاده كرد .</a:t>
-            </a:r>
-          </a:p>
-          <a:p>
-            <a:pPr marL="0" indent="0" algn="r" rtl="1">
-              <a:buNone/>
-            </a:pPr>
-            <a:r>
-              <a:rPr lang="fa-IR" sz="2000" dirty="0" smtClean="0">
-                <a:cs typeface="B Nazanin" panose="00000400000000000000" pitchFamily="2" charset="-78"/>
-              </a:rPr>
-              <a:t>در اين موقعيت مسيرياب رويداد را به هريك از مصرف‌كنندگان ارسال مي‌كند و آنها به طور موازي اقدام به پردازش رويداد مي‌كنند . </a:t>
-            </a:r>
-          </a:p>
-          <a:p>
-            <a:pPr algn="r" rtl="1">
+                <a:latin typeface="Calibri" panose="020F0502020204030204" pitchFamily="34" charset="0"/>
+                <a:ea typeface="Calibri" panose="020F0502020204030204" pitchFamily="34" charset="0"/>
+                <a:cs typeface="B Nazanin" panose="00000400000000000000" pitchFamily="2" charset="-78"/>
+              </a:rPr>
+              <a:t>پردازش‌رویداد‌ ساده </a:t>
+            </a:r>
+            <a:r>
+              <a:rPr lang="fa-IR" sz="2000" dirty="0">
+                <a:latin typeface="Calibri" panose="020F0502020204030204" pitchFamily="34" charset="0"/>
+                <a:ea typeface="Calibri" panose="020F0502020204030204" pitchFamily="34" charset="0"/>
+                <a:cs typeface="B Nazanin" panose="00000400000000000000" pitchFamily="2" charset="-78"/>
+              </a:rPr>
+              <a:t>زمانی است که یک </a:t>
+            </a:r>
+            <a:r>
+              <a:rPr lang="fa-IR" sz="2000" dirty="0">
+                <a:solidFill>
+                  <a:srgbClr val="C00000"/>
+                </a:solidFill>
+                <a:latin typeface="Calibri" panose="020F0502020204030204" pitchFamily="34" charset="0"/>
+                <a:ea typeface="Calibri" panose="020F0502020204030204" pitchFamily="34" charset="0"/>
+                <a:cs typeface="B Nazanin" panose="00000400000000000000" pitchFamily="2" charset="-78"/>
+              </a:rPr>
+              <a:t>رویداد</a:t>
+            </a:r>
+            <a:r>
+              <a:rPr lang="fa-IR" sz="2000" dirty="0">
+                <a:latin typeface="Calibri" panose="020F0502020204030204" pitchFamily="34" charset="0"/>
+                <a:ea typeface="Calibri" panose="020F0502020204030204" pitchFamily="34" charset="0"/>
+                <a:cs typeface="B Nazanin" panose="00000400000000000000" pitchFamily="2" charset="-78"/>
+              </a:rPr>
+              <a:t> بلافاصله اقدامی را در مصرف کننده رویداد ایجاد می کند.</a:t>
+            </a:r>
+            <a:endParaRPr lang="fa-IR" sz="2000" dirty="0" smtClean="0">
+              <a:cs typeface="B Nazanin" panose="00000400000000000000" pitchFamily="2" charset="-78"/>
+            </a:endParaRPr>
+          </a:p>
+          <a:p>
+            <a:pPr lvl="1" algn="r" rtl="1">
               <a:buFont typeface="Wingdings" panose="05000000000000000000" pitchFamily="2" charset="2"/>
               <a:buChar char="§"/>
             </a:pPr>
             <a:r>
+              <a:rPr lang="fa-IR" sz="2200" dirty="0" smtClean="0">
+                <a:cs typeface="B Nazanin" panose="00000400000000000000" pitchFamily="2" charset="-78"/>
+              </a:rPr>
+              <a:t> </a:t>
+            </a:r>
+            <a:r>
+              <a:rPr lang="fa-IR" sz="2200" dirty="0" smtClean="0">
+                <a:solidFill>
+                  <a:srgbClr val="C00000"/>
+                </a:solidFill>
+                <a:cs typeface="B Nazanin" panose="00000400000000000000" pitchFamily="2" charset="-78"/>
+              </a:rPr>
+              <a:t>پردازش رويداد پيچيده </a:t>
+            </a:r>
+          </a:p>
+          <a:p>
+            <a:pPr marL="857250" lvl="2" indent="0" algn="r" rtl="1">
+              <a:buNone/>
+            </a:pPr>
+            <a:r>
+              <a:rPr lang="fa-IR" sz="2000" dirty="0">
+                <a:cs typeface="B Nazanin" panose="00000400000000000000" pitchFamily="2" charset="-78"/>
+              </a:rPr>
+              <a:t> </a:t>
+            </a:r>
+            <a:r>
               <a:rPr lang="fa-IR" sz="2000" dirty="0" smtClean="0">
                 <a:solidFill>
                   <a:srgbClr val="C00000"/>
                 </a:solidFill>
                 <a:cs typeface="B Nazanin" panose="00000400000000000000" pitchFamily="2" charset="-78"/>
               </a:rPr>
-              <a:t>نظارت بر منابع </a:t>
-            </a:r>
-          </a:p>
-          <a:p>
-            <a:pPr marL="0" indent="0" algn="r" rtl="1">
-              <a:buNone/>
+              <a:t>پردازش‌رويداد </a:t>
+            </a:r>
+            <a:r>
+              <a:rPr lang="fa-IR" sz="2000" dirty="0">
+                <a:solidFill>
+                  <a:srgbClr val="C00000"/>
+                </a:solidFill>
+                <a:cs typeface="B Nazanin" panose="00000400000000000000" pitchFamily="2" charset="-78"/>
+              </a:rPr>
+              <a:t>پيچيده </a:t>
+            </a:r>
+            <a:r>
+              <a:rPr lang="fa-IR" sz="2000" dirty="0">
+                <a:cs typeface="B Nazanin" panose="00000400000000000000" pitchFamily="2" charset="-78"/>
+              </a:rPr>
+              <a:t>الگوهاي </a:t>
+            </a:r>
+            <a:r>
+              <a:rPr lang="fa-IR" sz="2000" dirty="0">
+                <a:solidFill>
+                  <a:srgbClr val="C00000"/>
+                </a:solidFill>
+                <a:cs typeface="B Nazanin" panose="00000400000000000000" pitchFamily="2" charset="-78"/>
+              </a:rPr>
+              <a:t>رويداد</a:t>
+            </a:r>
+            <a:r>
+              <a:rPr lang="fa-IR" sz="2000" dirty="0">
+                <a:cs typeface="B Nazanin" panose="00000400000000000000" pitchFamily="2" charset="-78"/>
+              </a:rPr>
+              <a:t> پيچيده را از يك سري رويداد‌هاي ساده استخراج يا شناسايي </a:t>
+            </a:r>
+            <a:r>
+              <a:rPr lang="fa-IR" sz="2000" dirty="0" smtClean="0">
+                <a:cs typeface="B Nazanin" panose="00000400000000000000" pitchFamily="2" charset="-78"/>
+              </a:rPr>
+              <a:t>مي‌كند. </a:t>
+            </a:r>
+          </a:p>
+          <a:p>
+            <a:pPr lvl="1" algn="r" rtl="1">
+              <a:buFont typeface="Wingdings" panose="05000000000000000000" pitchFamily="2" charset="2"/>
+              <a:buChar char="§"/>
             </a:pPr>
-            <a:r>
-              <a:rPr lang="fa-IR" sz="2000" dirty="0" smtClean="0">
-                <a:cs typeface="B Nazanin" panose="00000400000000000000" pitchFamily="2" charset="-78"/>
-              </a:rPr>
-              <a:t>به جای بررسی مداوم منابع خود می‌شود از الگوی معماری رویداد محور برای نظارت و دریافت هشدار نسبت به هرگونه رخدادی در مورد منابع استفاده کرد .</a:t>
-            </a:r>
+            <a:endParaRPr lang="en-US" sz="2200" dirty="0">
+              <a:cs typeface="B Nazanin" panose="00000400000000000000" pitchFamily="2" charset="-78"/>
+            </a:endParaRPr>
           </a:p>
         </p:txBody>
       </p:sp>
@@ -7099,7 +7136,7 @@
           <a:p>
             <a:fld id="{C2DB2716-ABCB-47E4-A5E7-31908A35B483}" type="uaqdatetime1">
               <a:rPr lang="fa-IR" smtClean="0"/>
-              <a:t>11/06/1443</a:t>
+              <a:t>12/06/1443</a:t>
             </a:fld>
             <a:endParaRPr lang="en-US"/>
           </a:p>
@@ -7131,7 +7168,7 @@
     </p:spTree>
     <p:extLst>
       <p:ext uri="{BB962C8B-B14F-4D97-AF65-F5344CB8AC3E}">
-        <p14:creationId xmlns:p14="http://schemas.microsoft.com/office/powerpoint/2010/main" val="2415462884"/>
+        <p14:creationId xmlns:p14="http://schemas.microsoft.com/office/powerpoint/2010/main" val="3318079166"/>
       </p:ext>
     </p:extLst>
   </p:cSld>
@@ -7177,25 +7214,27 @@
         </p:nvSpPr>
         <p:spPr>
           <a:xfrm>
-            <a:off x="838200" y="365126"/>
-            <a:ext cx="10515600" cy="983384"/>
+            <a:off x="677333" y="325437"/>
+            <a:ext cx="11052849" cy="755217"/>
           </a:xfrm>
         </p:spPr>
         <p:txBody>
-          <a:bodyPr/>
+          <a:bodyPr>
+            <a:normAutofit/>
+          </a:bodyPr>
           <a:lstStyle/>
           <a:p>
             <a:pPr algn="ctr"/>
             <a:r>
-              <a:rPr lang="fa-IR" u="sng" dirty="0" smtClean="0">
+              <a:rPr lang="fa-IR" sz="3600" u="sng" dirty="0" smtClean="0">
                 <a:solidFill>
                   <a:srgbClr val="C00000"/>
                 </a:solidFill>
                 <a:cs typeface="B Nazanin" panose="00000400000000000000" pitchFamily="2" charset="-78"/>
               </a:rPr>
-              <a:t>مزاياي الگوي معماري رويداد محور </a:t>
-            </a:r>
-            <a:endParaRPr lang="en-US" u="sng" dirty="0">
+              <a:t>چه زمان هايي از الگوي معماري رويداد محور استفاده مي‌شود؟</a:t>
+            </a:r>
+            <a:endParaRPr lang="en-US" sz="3600" u="sng" dirty="0">
               <a:solidFill>
                 <a:srgbClr val="C00000"/>
               </a:solidFill>
@@ -7216,8 +7255,8 @@
         </p:nvSpPr>
         <p:spPr>
           <a:xfrm>
-            <a:off x="677334" y="1348510"/>
-            <a:ext cx="11154448" cy="4692852"/>
+            <a:off x="838200" y="1080654"/>
+            <a:ext cx="10515600" cy="5096309"/>
           </a:xfrm>
         </p:spPr>
         <p:txBody>
@@ -7225,81 +7264,6 @@
             <a:normAutofit/>
           </a:bodyPr>
           <a:lstStyle/>
-          <a:p>
-            <a:pPr algn="r" rtl="1">
-              <a:buFont typeface="Wingdings" panose="05000000000000000000" pitchFamily="2" charset="2"/>
-              <a:buChar char="q"/>
-            </a:pPr>
-            <a:r>
-              <a:rPr lang="fa-IR" sz="2000" dirty="0" smtClean="0">
-                <a:solidFill>
-                  <a:srgbClr val="C00000"/>
-                </a:solidFill>
-                <a:cs typeface="B Nazanin" panose="00000400000000000000" pitchFamily="2" charset="-78"/>
-              </a:rPr>
-              <a:t> قابلیت تحمل خطا و بافرکردن </a:t>
-            </a:r>
-          </a:p>
-          <a:p>
-            <a:pPr algn="r" rtl="1">
-              <a:buFont typeface="Arial" panose="020B0604020202020204" pitchFamily="34" charset="0"/>
-              <a:buChar char="•"/>
-            </a:pPr>
-            <a:r>
-              <a:rPr lang="fa-IR" sz="2000" dirty="0" smtClean="0">
-                <a:solidFill>
-                  <a:schemeClr val="tx1"/>
-                </a:solidFill>
-                <a:cs typeface="B Nazanin" panose="00000400000000000000" pitchFamily="2" charset="-78"/>
-              </a:rPr>
-              <a:t>رویدادها ناهمزامان هستند و به محض اینکه اتفاق بیافتند توسط تولييدكننده رويداد منتشر مي‌شوند.</a:t>
-            </a:r>
-          </a:p>
-          <a:p>
-            <a:pPr algn="r" rtl="1">
-              <a:buFont typeface="Arial" panose="020B0604020202020204" pitchFamily="34" charset="0"/>
-              <a:buChar char="•"/>
-            </a:pPr>
-            <a:r>
-              <a:rPr lang="fa-IR" sz="2000" dirty="0" smtClean="0">
-                <a:solidFill>
-                  <a:schemeClr val="tx1"/>
-                </a:solidFill>
-                <a:cs typeface="B Nazanin" panose="00000400000000000000" pitchFamily="2" charset="-78"/>
-              </a:rPr>
-              <a:t>مولفه مصرف كننده نيز يا در اين رويدادها مشترك مي‌شوند يا از جريان داده برداشت مي‌كنند .</a:t>
-            </a:r>
-          </a:p>
-          <a:p>
-            <a:pPr algn="r" rtl="1">
-              <a:buFont typeface="Arial" panose="020B0604020202020204" pitchFamily="34" charset="0"/>
-              <a:buChar char="•"/>
-            </a:pPr>
-            <a:r>
-              <a:rPr lang="fa-IR" sz="2000" dirty="0" smtClean="0">
-                <a:solidFill>
-                  <a:schemeClr val="tx1"/>
-                </a:solidFill>
-                <a:cs typeface="B Nazanin" panose="00000400000000000000" pitchFamily="2" charset="-78"/>
-              </a:rPr>
-              <a:t> بنابريان بر اثر از كارافتادن مصرف‌كننده ها ، رويداد ها در مسيرياب بافر مي‌شوند ، تا مصرف كننده ها از موقعيت شكست بيرون بيايند و اقدام به پردازش رويدادهاي ذخيره شده بنمايند . </a:t>
-            </a:r>
-          </a:p>
-          <a:p>
-            <a:pPr algn="r" rtl="1">
-              <a:buFont typeface="Wingdings" panose="05000000000000000000" pitchFamily="2" charset="2"/>
-              <a:buChar char="q"/>
-            </a:pPr>
-            <a:r>
-              <a:rPr lang="fa-IR" sz="2000" dirty="0" smtClean="0">
-                <a:solidFill>
-                  <a:srgbClr val="C00000"/>
-                </a:solidFill>
-                <a:cs typeface="B Nazanin" panose="00000400000000000000" pitchFamily="2" charset="-78"/>
-              </a:rPr>
-              <a:t> اتصال سست یا جداسازی تولییدکنندگان و مصرف‌کنندگان</a:t>
-            </a:r>
-          </a:p>
           <a:p>
             <a:pPr algn="r" rtl="1">
               <a:buFont typeface="Wingdings" panose="05000000000000000000" pitchFamily="2" charset="2"/>
@@ -7308,11 +7272,33 @@
             <a:r>
               <a:rPr lang="fa-IR" sz="2000" dirty="0" smtClean="0">
                 <a:solidFill>
-                  <a:schemeClr val="tx1"/>
-                </a:solidFill>
-                <a:cs typeface="B Nazanin" panose="00000400000000000000" pitchFamily="2" charset="-78"/>
-              </a:rPr>
-              <a:t>سيستم‌هايي كه از معماري رويداد محور استفاده مي‌كنند داراي اجزايي هستند كه به طور سست متصل شده اند .</a:t>
+                  <a:srgbClr val="C00000"/>
+                </a:solidFill>
+                <a:cs typeface="B Nazanin" panose="00000400000000000000" pitchFamily="2" charset="-78"/>
+              </a:rPr>
+              <a:t>تجمیع سیستم‌های ناهمگن</a:t>
+            </a:r>
+          </a:p>
+          <a:p>
+            <a:pPr marL="0" indent="0" algn="r" rtl="1">
+              <a:buNone/>
+            </a:pPr>
+            <a:r>
+              <a:rPr lang="fa-IR" sz="2000" dirty="0" smtClean="0">
+                <a:cs typeface="B Nazanin" panose="00000400000000000000" pitchFamily="2" charset="-78"/>
+              </a:rPr>
+              <a:t>اگر نیاز باشد که دو سیستم را که بر دو پشته مختلف اجرا می‌شوند را بدون اینکه نیاز به جفت شدگی باشد، قابلیت همکاری را  در بین آنها به وجود آورد تا آنها  بتوانند با هم پیام‌ها و داده‌ها را به اشتراک بگذارند .</a:t>
+            </a:r>
+          </a:p>
+          <a:p>
+            <a:pPr marL="0" indent="0" algn="r" rtl="1">
+              <a:buNone/>
+            </a:pPr>
+            <a:r>
+              <a:rPr lang="fa-IR" sz="2000" dirty="0" smtClean="0">
+                <a:cs typeface="B Nazanin" panose="00000400000000000000" pitchFamily="2" charset="-78"/>
+              </a:rPr>
+              <a:t>در این زمان می‌توان از الگوی معماری رویداد محور استفاده کرد تا این قابلیت را به وجود آورد . </a:t>
             </a:r>
           </a:p>
           <a:p>
@@ -7323,26 +7309,33 @@
             <a:r>
               <a:rPr lang="fa-IR" sz="2000" dirty="0" smtClean="0">
                 <a:solidFill>
-                  <a:schemeClr val="tx1"/>
-                </a:solidFill>
-                <a:cs typeface="B Nazanin" panose="00000400000000000000" pitchFamily="2" charset="-78"/>
-              </a:rPr>
-              <a:t>به دليل اين اتصال سست هر كدام از اجزا را مي‌توان توسط يك زبان ديگر يا از طريق يك فناوري ديگر گسترش داد . </a:t>
-            </a:r>
-          </a:p>
-          <a:p>
-            <a:pPr algn="r" rtl="1">
-              <a:buFont typeface="Wingdings" panose="05000000000000000000" pitchFamily="2" charset="2"/>
-              <a:buChar char="q"/>
+                  <a:srgbClr val="C00000"/>
+                </a:solidFill>
+                <a:cs typeface="B Nazanin" panose="00000400000000000000" pitchFamily="2" charset="-78"/>
+              </a:rPr>
+              <a:t>ظرفیت خروجی بالا </a:t>
+            </a:r>
+          </a:p>
+          <a:p>
+            <a:pPr marL="0" indent="0" algn="r" rtl="1">
+              <a:buNone/>
             </a:pPr>
             <a:r>
               <a:rPr lang="fa-IR" sz="2000" dirty="0" smtClean="0">
-                <a:solidFill>
-                  <a:srgbClr val="C00000"/>
-                </a:solidFill>
-                <a:cs typeface="B Nazanin" panose="00000400000000000000" pitchFamily="2" charset="-78"/>
-              </a:rPr>
-              <a:t>قابلیت مقیاس پذیری زیاد</a:t>
+                <a:cs typeface="B Nazanin" panose="00000400000000000000" pitchFamily="2" charset="-78"/>
+              </a:rPr>
+              <a:t>زمانی که سیستم‌هاي زيادي وجود دارند كه به عنوان مصرف‌‌كننده براي پاسخ‌دهي به يك رويداد كار مي‌كنند مي‌شود ،مي‌شود از الگوي معماري رويداد محور براي ارسال رويداد به هر مصرف كننده استفاده كرد .</a:t>
+            </a:r>
+          </a:p>
+          <a:p>
+            <a:pPr marL="0" indent="0" algn="r" rtl="1">
+              <a:buNone/>
+            </a:pPr>
+            <a:r>
+              <a:rPr lang="fa-IR" sz="2000" dirty="0" smtClean="0">
+                <a:cs typeface="B Nazanin" panose="00000400000000000000" pitchFamily="2" charset="-78"/>
+              </a:rPr>
+              <a:t>در اين موقعيت مسيرياب رويداد را به هريك از مصرف‌كنندگان ارسال مي‌كند و آنها به طور موازي اقدام به پردازش رويداد مي‌كنند . </a:t>
             </a:r>
           </a:p>
           <a:p>
@@ -7353,43 +7346,23 @@
             <a:r>
               <a:rPr lang="fa-IR" sz="2000" dirty="0" smtClean="0">
                 <a:solidFill>
-                  <a:schemeClr val="tx1"/>
-                </a:solidFill>
-                <a:cs typeface="B Nazanin" panose="00000400000000000000" pitchFamily="2" charset="-78"/>
-              </a:rPr>
-              <a:t>اغلب مي‌توان جريان رويداد را به زيرجريان‌هاي نامرتبط تقسيم كرد و آنها را به صورت موازي پردازش كرد .</a:t>
-            </a:r>
-          </a:p>
-          <a:p>
-            <a:pPr algn="r" rtl="1">
-              <a:buFont typeface="Wingdings" panose="05000000000000000000" pitchFamily="2" charset="2"/>
-              <a:buChar char="§"/>
+                  <a:srgbClr val="C00000"/>
+                </a:solidFill>
+                <a:cs typeface="B Nazanin" panose="00000400000000000000" pitchFamily="2" charset="-78"/>
+              </a:rPr>
+              <a:t>نظارت بر منابع </a:t>
+            </a:r>
+          </a:p>
+          <a:p>
+            <a:pPr marL="0" indent="0" algn="r" rtl="1">
+              <a:buNone/>
             </a:pPr>
             <a:r>
               <a:rPr lang="fa-IR" sz="2000" dirty="0" smtClean="0">
-                <a:latin typeface="B Nazanin" panose="00000400000000000000" pitchFamily="2" charset="-78"/>
-                <a:ea typeface="Calibri" panose="020F0502020204030204" pitchFamily="34" charset="0"/>
-              </a:rPr>
-              <a:t>همچنین می‌توانیم تعداد مصرف‌کنندگان را برای پاسخگویی به تقاضای بار ، در صورت افزایش حجم رویدادها، مقیاس کنیم.</a:t>
-            </a:r>
-            <a:endParaRPr lang="fa-IR" sz="2000" dirty="0" smtClean="0">
-              <a:solidFill>
-                <a:schemeClr val="tx1"/>
-              </a:solidFill>
-              <a:cs typeface="B Nazanin" panose="00000400000000000000" pitchFamily="2" charset="-78"/>
-            </a:endParaRPr>
-          </a:p>
-          <a:p>
-            <a:pPr algn="r" rtl="1">
-              <a:buFont typeface="Wingdings" panose="05000000000000000000" pitchFamily="2" charset="2"/>
-              <a:buChar char="§"/>
-            </a:pPr>
-            <a:endParaRPr lang="fa-IR" sz="2000" dirty="0" smtClean="0">
-              <a:solidFill>
-                <a:schemeClr val="tx1"/>
-              </a:solidFill>
-              <a:cs typeface="B Nazanin" panose="00000400000000000000" pitchFamily="2" charset="-78"/>
-            </a:endParaRPr>
+                <a:cs typeface="B Nazanin" panose="00000400000000000000" pitchFamily="2" charset="-78"/>
+              </a:rPr>
+              <a:t>به جای بررسی مداوم منابع خود می‌شود از الگوی معماری رویداد محور برای نظارت و دریافت هشدار نسبت به هرگونه رخدادی در مورد منابع استفاده کرد .</a:t>
+            </a:r>
           </a:p>
         </p:txBody>
       </p:sp>
@@ -7410,7 +7383,7 @@
           <a:p>
             <a:fld id="{C2DB2716-ABCB-47E4-A5E7-31908A35B483}" type="uaqdatetime1">
               <a:rPr lang="fa-IR" smtClean="0"/>
-              <a:t>11/06/1443</a:t>
+              <a:t>12/06/1443</a:t>
             </a:fld>
             <a:endParaRPr lang="en-US"/>
           </a:p>
@@ -7442,7 +7415,7 @@
     </p:spTree>
     <p:extLst>
       <p:ext uri="{BB962C8B-B14F-4D97-AF65-F5344CB8AC3E}">
-        <p14:creationId xmlns:p14="http://schemas.microsoft.com/office/powerpoint/2010/main" val="3294123311"/>
+        <p14:creationId xmlns:p14="http://schemas.microsoft.com/office/powerpoint/2010/main" val="2415462884"/>
       </p:ext>
     </p:extLst>
   </p:cSld>
@@ -7486,7 +7459,12 @@
             <p:ph type="title"/>
           </p:nvPr>
         </p:nvSpPr>
-        <p:spPr/>
+        <p:spPr>
+          <a:xfrm>
+            <a:off x="838200" y="365126"/>
+            <a:ext cx="10515600" cy="983384"/>
+          </a:xfrm>
+        </p:spPr>
         <p:txBody>
           <a:bodyPr/>
           <a:lstStyle/>
@@ -7499,7 +7477,7 @@
                 </a:solidFill>
                 <a:cs typeface="B Nazanin" panose="00000400000000000000" pitchFamily="2" charset="-78"/>
               </a:rPr>
-              <a:t>مزاياي الگوي معماري رويداد محور(ادامه) </a:t>
+              <a:t>مزاياي الگوي معماري رويداد محور </a:t>
             </a:r>
             <a:endParaRPr lang="en-US" u="sng" dirty="0">
               <a:solidFill>
@@ -7522,8 +7500,8 @@
         </p:nvSpPr>
         <p:spPr>
           <a:xfrm>
-            <a:off x="677334" y="1847273"/>
-            <a:ext cx="10997430" cy="4194089"/>
+            <a:off x="677334" y="1348510"/>
+            <a:ext cx="11154448" cy="4692852"/>
           </a:xfrm>
         </p:spPr>
         <p:txBody>
@@ -7531,75 +7509,6 @@
             <a:normAutofit/>
           </a:bodyPr>
           <a:lstStyle/>
-          <a:p>
-            <a:pPr lvl="0" algn="r" rtl="1">
-              <a:buFont typeface="Wingdings" panose="05000000000000000000" pitchFamily="2" charset="2"/>
-              <a:buChar char="q"/>
-            </a:pPr>
-            <a:r>
-              <a:rPr lang="fa-IR" sz="2000" dirty="0" smtClean="0">
-                <a:solidFill>
-                  <a:srgbClr val="C00000"/>
-                </a:solidFill>
-                <a:cs typeface="B Nazanin" panose="00000400000000000000" pitchFamily="2" charset="-78"/>
-              </a:rPr>
-              <a:t> </a:t>
-            </a:r>
-            <a:r>
-              <a:rPr lang="fa-IR" sz="2000" dirty="0">
-                <a:solidFill>
-                  <a:srgbClr val="C00000"/>
-                </a:solidFill>
-                <a:cs typeface="B Nazanin" panose="00000400000000000000" pitchFamily="2" charset="-78"/>
-              </a:rPr>
-              <a:t> مقرون به </a:t>
-            </a:r>
-            <a:r>
-              <a:rPr lang="fa-IR" sz="2000" dirty="0" smtClean="0">
-                <a:solidFill>
-                  <a:srgbClr val="C00000"/>
-                </a:solidFill>
-                <a:cs typeface="B Nazanin" panose="00000400000000000000" pitchFamily="2" charset="-78"/>
-              </a:rPr>
-              <a:t>صرفه</a:t>
-            </a:r>
-          </a:p>
-          <a:p>
-            <a:pPr lvl="0" algn="r" rtl="1"/>
-            <a:r>
-              <a:rPr lang="fa-IR" sz="2200" dirty="0" smtClean="0">
-                <a:cs typeface="B Nazanin" panose="00000400000000000000" pitchFamily="2" charset="-78"/>
-              </a:rPr>
-              <a:t>معماری‌های </a:t>
-            </a:r>
-            <a:r>
-              <a:rPr lang="fa-IR" sz="2200" dirty="0">
-                <a:cs typeface="B Nazanin" panose="00000400000000000000" pitchFamily="2" charset="-78"/>
-              </a:rPr>
-              <a:t>رویداد محور مبتنی بر عرضه هستند، بنابراین همه چیز بر حسب تقاضا اتفاق می‌افتد، زیرا رویداد خود را در روتر نشان </a:t>
-            </a:r>
-            <a:r>
-              <a:rPr lang="fa-IR" sz="2200" dirty="0" smtClean="0">
-                <a:cs typeface="B Nazanin" panose="00000400000000000000" pitchFamily="2" charset="-78"/>
-              </a:rPr>
-              <a:t>می‌دهد.</a:t>
-            </a:r>
-          </a:p>
-          <a:p>
-            <a:pPr lvl="0" algn="r" rtl="1"/>
-            <a:r>
-              <a:rPr lang="fa-IR" sz="2000" dirty="0">
-                <a:cs typeface="B Nazanin" panose="00000400000000000000" pitchFamily="2" charset="-78"/>
-              </a:rPr>
-              <a:t>به این ترتیب، برای نظرسنجی مداوم برای بررسی یک رویداد هزینه ای پرداخت نمی کنید. این به معنای مصرف کمتر پهنای باند شبکه، استفاده کمتر از پردازنده است </a:t>
-            </a:r>
-            <a:endParaRPr lang="fa-IR" sz="2000" dirty="0" smtClean="0">
-              <a:solidFill>
-                <a:srgbClr val="C00000"/>
-              </a:solidFill>
-              <a:cs typeface="B Nazanin" panose="00000400000000000000" pitchFamily="2" charset="-78"/>
-            </a:endParaRPr>
-          </a:p>
           <a:p>
             <a:pPr algn="r" rtl="1">
               <a:buFont typeface="Wingdings" panose="05000000000000000000" pitchFamily="2" charset="2"/>
@@ -7612,7 +7521,67 @@
                 </a:solidFill>
                 <a:cs typeface="B Nazanin" panose="00000400000000000000" pitchFamily="2" charset="-78"/>
               </a:rPr>
-              <a:t>تجربه کاربری بلادرنگ بهتر</a:t>
+              <a:t> قابلیت تحمل خطا و بافرکردن </a:t>
+            </a:r>
+          </a:p>
+          <a:p>
+            <a:pPr algn="r" rtl="1">
+              <a:buFont typeface="Arial" panose="020B0604020202020204" pitchFamily="34" charset="0"/>
+              <a:buChar char="•"/>
+            </a:pPr>
+            <a:r>
+              <a:rPr lang="fa-IR" sz="2000" dirty="0" smtClean="0">
+                <a:solidFill>
+                  <a:schemeClr val="tx1"/>
+                </a:solidFill>
+                <a:cs typeface="B Nazanin" panose="00000400000000000000" pitchFamily="2" charset="-78"/>
+              </a:rPr>
+              <a:t>رویدادها ناهمزامان هستند و به محض اینکه اتفاق بیافتند توسط تولييدكننده رويداد منتشر مي‌شوند.</a:t>
+            </a:r>
+          </a:p>
+          <a:p>
+            <a:pPr algn="r" rtl="1">
+              <a:buFont typeface="Arial" panose="020B0604020202020204" pitchFamily="34" charset="0"/>
+              <a:buChar char="•"/>
+            </a:pPr>
+            <a:r>
+              <a:rPr lang="fa-IR" sz="2000" dirty="0" smtClean="0">
+                <a:solidFill>
+                  <a:schemeClr val="tx1"/>
+                </a:solidFill>
+                <a:cs typeface="B Nazanin" panose="00000400000000000000" pitchFamily="2" charset="-78"/>
+              </a:rPr>
+              <a:t>مولفه مصرف كننده نيز يا در اين رويدادها مشترك مي‌شوند يا از جريان داده برداشت مي‌كنند .</a:t>
+            </a:r>
+          </a:p>
+          <a:p>
+            <a:pPr algn="r" rtl="1">
+              <a:buFont typeface="Arial" panose="020B0604020202020204" pitchFamily="34" charset="0"/>
+              <a:buChar char="•"/>
+            </a:pPr>
+            <a:r>
+              <a:rPr lang="fa-IR" sz="2000" dirty="0" smtClean="0">
+                <a:solidFill>
+                  <a:schemeClr val="tx1"/>
+                </a:solidFill>
+                <a:cs typeface="B Nazanin" panose="00000400000000000000" pitchFamily="2" charset="-78"/>
+              </a:rPr>
+              <a:t> بنابريان بر اثر از كارافتادن مصرف‌كننده ها ، رويداد ها در مسيرياب بافر مي‌شوند ، تا مصرف كننده ها از موقعيت شكست بيرون بيايند و اقدام به پردازش رويدادهاي ذخيره شده بنمايند . </a:t>
+            </a:r>
+          </a:p>
+          <a:p>
+            <a:pPr algn="r" rtl="1">
+              <a:buFont typeface="Wingdings" panose="05000000000000000000" pitchFamily="2" charset="2"/>
+              <a:buChar char="q"/>
+            </a:pPr>
+            <a:r>
+              <a:rPr lang="fa-IR" sz="2000" dirty="0" smtClean="0">
+                <a:solidFill>
+                  <a:srgbClr val="C00000"/>
+                </a:solidFill>
+                <a:cs typeface="B Nazanin" panose="00000400000000000000" pitchFamily="2" charset="-78"/>
+              </a:rPr>
+              <a:t> اتصال سست یا جداسازی تولییدکنندگان و مصرف‌کنندگان</a:t>
             </a:r>
           </a:p>
           <a:p>
@@ -7621,16 +7590,14 @@
               <a:buChar char="§"/>
             </a:pPr>
             <a:r>
-              <a:rPr lang="fa-IR" sz="2000" dirty="0">
-                <a:latin typeface="B Nazanin" panose="00000400000000000000" pitchFamily="2" charset="-78"/>
-                <a:ea typeface="Calibri" panose="020F0502020204030204" pitchFamily="34" charset="0"/>
-              </a:rPr>
-              <a:t>رابطهای برنامه نویسی کاربردی رویداد محور با حذف بسیاری از مسئولیت‌هایی که قبلاً به کاربران محول شده بود، منجر به تجربه تعاملی بهتری برای کاربر نهایی با نیازهای تعاملی مدرن می‌شوند. </a:t>
-            </a:r>
-            <a:endParaRPr lang="fa-IR" sz="2000" dirty="0" smtClean="0">
-              <a:latin typeface="B Nazanin" panose="00000400000000000000" pitchFamily="2" charset="-78"/>
-              <a:ea typeface="Calibri" panose="020F0502020204030204" pitchFamily="34" charset="0"/>
-            </a:endParaRPr>
+              <a:rPr lang="fa-IR" sz="2000" dirty="0" smtClean="0">
+                <a:solidFill>
+                  <a:schemeClr val="tx1"/>
+                </a:solidFill>
+                <a:cs typeface="B Nazanin" panose="00000400000000000000" pitchFamily="2" charset="-78"/>
+              </a:rPr>
+              <a:t>سيستم‌هايي كه از معماري رويداد محور استفاده مي‌كنند داراي اجزايي هستند كه به طور سست متصل شده اند .</a:t>
+            </a:r>
           </a:p>
           <a:p>
             <a:pPr algn="r" rtl="1">
@@ -7639,22 +7606,75 @@
             </a:pPr>
             <a:r>
               <a:rPr lang="fa-IR" sz="2000" dirty="0" smtClean="0">
+                <a:solidFill>
+                  <a:schemeClr val="tx1"/>
+                </a:solidFill>
+                <a:cs typeface="B Nazanin" panose="00000400000000000000" pitchFamily="2" charset="-78"/>
+              </a:rPr>
+              <a:t>به دليل اين اتصال سست هر كدام از اجزا را مي‌توان توسط يك زبان ديگر يا از طريق يك فناوري ديگر گسترش داد . </a:t>
+            </a:r>
+          </a:p>
+          <a:p>
+            <a:pPr algn="r" rtl="1">
+              <a:buFont typeface="Wingdings" panose="05000000000000000000" pitchFamily="2" charset="2"/>
+              <a:buChar char="q"/>
+            </a:pPr>
+            <a:r>
+              <a:rPr lang="fa-IR" sz="2000" dirty="0" smtClean="0">
+                <a:solidFill>
+                  <a:srgbClr val="C00000"/>
+                </a:solidFill>
+                <a:cs typeface="B Nazanin" panose="00000400000000000000" pitchFamily="2" charset="-78"/>
+              </a:rPr>
+              <a:t>قابلیت مقیاس پذیری زیاد</a:t>
+            </a:r>
+          </a:p>
+          <a:p>
+            <a:pPr algn="r" rtl="1">
+              <a:buFont typeface="Wingdings" panose="05000000000000000000" pitchFamily="2" charset="2"/>
+              <a:buChar char="§"/>
+            </a:pPr>
+            <a:r>
+              <a:rPr lang="fa-IR" sz="2000" dirty="0" smtClean="0">
+                <a:solidFill>
+                  <a:schemeClr val="tx1"/>
+                </a:solidFill>
+                <a:cs typeface="B Nazanin" panose="00000400000000000000" pitchFamily="2" charset="-78"/>
+              </a:rPr>
+              <a:t>اغلب مي‌توان جريان رويداد را به زيرجريان‌هاي نامرتبط تقسيم كرد و آنها را به صورت موازي پردازش كرد .</a:t>
+            </a:r>
+          </a:p>
+          <a:p>
+            <a:pPr algn="r" rtl="1">
+              <a:buFont typeface="Wingdings" panose="05000000000000000000" pitchFamily="2" charset="2"/>
+              <a:buChar char="§"/>
+            </a:pPr>
+            <a:r>
+              <a:rPr lang="fa-IR" sz="2000" dirty="0" smtClean="0">
                 <a:latin typeface="B Nazanin" panose="00000400000000000000" pitchFamily="2" charset="-78"/>
                 <a:ea typeface="Calibri" panose="020F0502020204030204" pitchFamily="34" charset="0"/>
               </a:rPr>
-              <a:t>البته</a:t>
-            </a:r>
-            <a:r>
-              <a:rPr lang="fa-IR" sz="2000" dirty="0">
-                <a:latin typeface="B Nazanin" panose="00000400000000000000" pitchFamily="2" charset="-78"/>
-                <a:ea typeface="Calibri" panose="020F0502020204030204" pitchFamily="34" charset="0"/>
-              </a:rPr>
-              <a:t>، این ممکن است پیچیدگی را در تولید کننده افزایش دهد، اما خروجی کار ارزش آن را دارد </a:t>
-            </a:r>
-            <a:endParaRPr lang="en-US" sz="2000" dirty="0">
+              <a:t>همچنین می‌توانیم تعداد مصرف‌کنندگان را برای پاسخگویی به تقاضای بار ، در صورت افزایش حجم رویدادها، مقیاس کنیم.</a:t>
+            </a:r>
+            <a:endParaRPr lang="fa-IR" sz="2000" dirty="0" smtClean="0">
+              <a:solidFill>
+                <a:schemeClr val="tx1"/>
+              </a:solidFill>
               <a:cs typeface="B Nazanin" panose="00000400000000000000" pitchFamily="2" charset="-78"/>
             </a:endParaRPr>
           </a:p>
+          <a:p>
+            <a:pPr algn="r" rtl="1">
+              <a:buFont typeface="Wingdings" panose="05000000000000000000" pitchFamily="2" charset="2"/>
+              <a:buChar char="§"/>
+            </a:pPr>
+            <a:endParaRPr lang="fa-IR" sz="2000" dirty="0" smtClean="0">
+              <a:solidFill>
+                <a:schemeClr val="tx1"/>
+              </a:solidFill>
+              <a:cs typeface="B Nazanin" panose="00000400000000000000" pitchFamily="2" charset="-78"/>
+            </a:endParaRPr>
+          </a:p>
         </p:txBody>
       </p:sp>
       <p:sp>
@@ -7674,7 +7694,7 @@
           <a:p>
             <a:fld id="{C2DB2716-ABCB-47E4-A5E7-31908A35B483}" type="uaqdatetime1">
               <a:rPr lang="fa-IR" smtClean="0"/>
-              <a:t>11/06/1443</a:t>
+              <a:t>12/06/1443</a:t>
             </a:fld>
             <a:endParaRPr lang="en-US"/>
           </a:p>
@@ -7706,7 +7726,7 @@
     </p:spTree>
     <p:extLst>
       <p:ext uri="{BB962C8B-B14F-4D97-AF65-F5344CB8AC3E}">
-        <p14:creationId xmlns:p14="http://schemas.microsoft.com/office/powerpoint/2010/main" val="3370708145"/>
+        <p14:creationId xmlns:p14="http://schemas.microsoft.com/office/powerpoint/2010/main" val="3294123311"/>
       </p:ext>
     </p:extLst>
   </p:cSld>
@@ -7750,29 +7770,22 @@
             <p:ph type="title"/>
           </p:nvPr>
         </p:nvSpPr>
-        <p:spPr>
-          <a:xfrm>
-            <a:off x="838200" y="365126"/>
-            <a:ext cx="10515600" cy="706292"/>
-          </a:xfrm>
-        </p:spPr>
-        <p:txBody>
-          <a:bodyPr>
-            <a:normAutofit/>
-          </a:bodyPr>
-          <a:lstStyle/>
-          <a:p>
-            <a:pPr algn="ctr" rtl="1"/>
-            <a:r>
-              <a:rPr lang="fa-IR" sz="4000" u="sng" dirty="0" smtClean="0">
+        <p:spPr/>
+        <p:txBody>
+          <a:bodyPr/>
+          <a:lstStyle/>
+          <a:p>
+            <a:pPr algn="ctr"/>
+            <a:r>
+              <a:rPr lang="fa-IR" u="sng" dirty="0" smtClean="0">
                 <a:solidFill>
                   <a:srgbClr val="C00000"/>
                 </a:solidFill>
                 <a:cs typeface="B Nazanin" panose="00000400000000000000" pitchFamily="2" charset="-78"/>
               </a:rPr>
-              <a:t>معايب الگوي معماري رويداد محور</a:t>
-            </a:r>
-            <a:endParaRPr lang="en-US" sz="4000" u="sng" dirty="0">
+              <a:t>مزاياي الگوي معماري رويداد محور(ادامه) </a:t>
+            </a:r>
+            <a:endParaRPr lang="en-US" u="sng" dirty="0">
               <a:solidFill>
                 <a:srgbClr val="C00000"/>
               </a:solidFill>
@@ -7793,17 +7806,17 @@
         </p:nvSpPr>
         <p:spPr>
           <a:xfrm>
-            <a:off x="838200" y="1182256"/>
-            <a:ext cx="10515600" cy="4994707"/>
+            <a:off x="677334" y="1847273"/>
+            <a:ext cx="10997430" cy="4194089"/>
           </a:xfrm>
         </p:spPr>
         <p:txBody>
           <a:bodyPr>
-            <a:normAutofit fontScale="92500" lnSpcReduction="10000"/>
+            <a:normAutofit/>
           </a:bodyPr>
           <a:lstStyle/>
           <a:p>
-            <a:pPr algn="r" rtl="1">
+            <a:pPr lvl="0" algn="r" rtl="1">
               <a:buFont typeface="Wingdings" panose="05000000000000000000" pitchFamily="2" charset="2"/>
               <a:buChar char="q"/>
             </a:pPr>
@@ -7814,37 +7827,55 @@
                 </a:solidFill>
                 <a:cs typeface="B Nazanin" panose="00000400000000000000" pitchFamily="2" charset="-78"/>
               </a:rPr>
-              <a:t>محدود به پردازش ناهمزمان </a:t>
-            </a:r>
-          </a:p>
-          <a:p>
-            <a:pPr algn="r" rtl="1">
-              <a:buFont typeface="Wingdings" panose="05000000000000000000" pitchFamily="2" charset="2"/>
-              <a:buChar char="§"/>
-            </a:pPr>
+              <a:t> </a:t>
+            </a:r>
+            <a:r>
+              <a:rPr lang="fa-IR" sz="2000" dirty="0">
+                <a:solidFill>
+                  <a:srgbClr val="C00000"/>
+                </a:solidFill>
+                <a:cs typeface="B Nazanin" panose="00000400000000000000" pitchFamily="2" charset="-78"/>
+              </a:rPr>
+              <a:t> مقرون به </a:t>
+            </a:r>
             <a:r>
               <a:rPr lang="fa-IR" sz="2000" dirty="0" smtClean="0">
-                <a:effectLst/>
-                <a:latin typeface="B Nazanin" panose="00000400000000000000" pitchFamily="2" charset="-78"/>
-                <a:ea typeface="Calibri" panose="020F0502020204030204" pitchFamily="34" charset="0"/>
-                <a:cs typeface="B Nazanin" panose="00000400000000000000" pitchFamily="2" charset="-78"/>
-              </a:rPr>
-              <a:t> اگرچه معماری رویداد محور یک الگوی قوی برای جداسازی سیستم‌هاست ، اما کاربرد آن به پردازش‌ رویداد‌های ناهمزمان محدود می‌شود</a:t>
-            </a:r>
-          </a:p>
-          <a:p>
-            <a:pPr algn="r" rtl="1">
-              <a:buFont typeface="Wingdings" panose="05000000000000000000" pitchFamily="2" charset="2"/>
-              <a:buChar char="§"/>
-            </a:pPr>
-            <a:r>
-              <a:rPr lang="fa-IR" sz="2000" dirty="0" smtClean="0">
-                <a:effectLst/>
-                <a:latin typeface="B Nazanin" panose="00000400000000000000" pitchFamily="2" charset="-78"/>
-                <a:ea typeface="Calibri" panose="020F0502020204030204" pitchFamily="34" charset="0"/>
-                <a:cs typeface="B Nazanin" panose="00000400000000000000" pitchFamily="2" charset="-78"/>
-              </a:rPr>
-              <a:t>. معماری رویداد محور در جایی که آغاز کننده باید قبل از ادامه به کار باید منتظر پاسخ باشد، نمی‌تواند به خوبی به عنوان جایگزینی برای تعاملات درخواست-پاسخ کار کند </a:t>
+                <a:solidFill>
+                  <a:srgbClr val="C00000"/>
+                </a:solidFill>
+                <a:cs typeface="B Nazanin" panose="00000400000000000000" pitchFamily="2" charset="-78"/>
+              </a:rPr>
+              <a:t>صرفه</a:t>
+            </a:r>
+          </a:p>
+          <a:p>
+            <a:pPr lvl="0" algn="r" rtl="1"/>
+            <a:r>
+              <a:rPr lang="fa-IR" sz="2200" dirty="0" smtClean="0">
+                <a:cs typeface="B Nazanin" panose="00000400000000000000" pitchFamily="2" charset="-78"/>
+              </a:rPr>
+              <a:t>معماری‌های </a:t>
+            </a:r>
+            <a:r>
+              <a:rPr lang="fa-IR" sz="2200" dirty="0">
+                <a:cs typeface="B Nazanin" panose="00000400000000000000" pitchFamily="2" charset="-78"/>
+              </a:rPr>
+              <a:t>رویداد محور مبتنی بر عرضه هستند، بنابراین همه چیز بر حسب تقاضا اتفاق می‌افتد، زیرا رویداد خود را در روتر نشان </a:t>
+            </a:r>
+            <a:r>
+              <a:rPr lang="fa-IR" sz="2200" dirty="0" smtClean="0">
+                <a:cs typeface="B Nazanin" panose="00000400000000000000" pitchFamily="2" charset="-78"/>
+              </a:rPr>
+              <a:t>می‌دهد.</a:t>
+            </a:r>
+          </a:p>
+          <a:p>
+            <a:pPr lvl="0" algn="r" rtl="1"/>
+            <a:r>
+              <a:rPr lang="fa-IR" sz="2000" dirty="0">
+                <a:cs typeface="B Nazanin" panose="00000400000000000000" pitchFamily="2" charset="-78"/>
+              </a:rPr>
+              <a:t>به این ترتیب، برای نظرسنجی مداوم برای بررسی یک رویداد هزینه ای پرداخت نمی کنید. این به معنای مصرف کمتر پهنای باند شبکه، استفاده کمتر از پردازنده است </a:t>
             </a:r>
             <a:endParaRPr lang="fa-IR" sz="2000" dirty="0" smtClean="0">
               <a:solidFill>
@@ -7865,40 +7896,7 @@
                 </a:solidFill>
                 <a:cs typeface="B Nazanin" panose="00000400000000000000" pitchFamily="2" charset="-78"/>
               </a:rPr>
-              <a:t>ايجاد پيچيدگي اضافي</a:t>
-            </a:r>
-          </a:p>
-          <a:p>
-            <a:pPr algn="r" rtl="1"/>
-            <a:r>
-              <a:rPr lang="fa-IR" sz="2000" dirty="0" smtClean="0">
-                <a:cs typeface="B Nazanin" panose="00000400000000000000" pitchFamily="2" charset="-78"/>
-              </a:rPr>
-              <a:t>در الگوهاي قديمي تر درخواست-پاسخ و مشتري سرور فقط شامل دو جزء اصلي بود . </a:t>
-            </a:r>
-          </a:p>
-          <a:p>
-            <a:pPr algn="r" rtl="1"/>
-            <a:r>
-              <a:rPr lang="fa-IR" sz="2000" dirty="0" smtClean="0">
-                <a:cs typeface="B Nazanin" panose="00000400000000000000" pitchFamily="2" charset="-78"/>
-              </a:rPr>
-              <a:t>پذيرش الگوي معماري رويداد محور نياز به يك كارگزار (مسيرياب رويداد) براي ميانجيگري تعاملات بين توليدكنندگان و مصرف‌كنندگان دارد . </a:t>
-            </a:r>
-          </a:p>
-          <a:p>
-            <a:pPr algn="r" rtl="1">
-              <a:buFont typeface="Wingdings" panose="05000000000000000000" pitchFamily="2" charset="2"/>
-              <a:buChar char="q"/>
-            </a:pPr>
-            <a:r>
-              <a:rPr lang="fa-IR" sz="2000" dirty="0" smtClean="0">
-                <a:solidFill>
-                  <a:srgbClr val="C00000"/>
-                </a:solidFill>
-                <a:cs typeface="B Nazanin" panose="00000400000000000000" pitchFamily="2" charset="-78"/>
-              </a:rPr>
-              <a:t>آزمون‌پذیری پایین </a:t>
+              <a:t>تجربه کاربری بلادرنگ بهتر</a:t>
             </a:r>
           </a:p>
           <a:p>
@@ -7907,14 +7905,16 @@
               <a:buChar char="§"/>
             </a:pPr>
             <a:r>
-              <a:rPr lang="fa-IR" sz="2000" dirty="0" smtClean="0">
-                <a:effectLst/>
+              <a:rPr lang="fa-IR" sz="2000" dirty="0">
                 <a:latin typeface="B Nazanin" panose="00000400000000000000" pitchFamily="2" charset="-78"/>
                 <a:ea typeface="Calibri" panose="020F0502020204030204" pitchFamily="34" charset="0"/>
-                <a:cs typeface="B Nazanin" panose="00000400000000000000" pitchFamily="2" charset="-78"/>
-              </a:rPr>
-              <a:t>گرچه تست واحد به طور کلی چندان سخت نیست . اما به یک سری ابزارهای تست خاص برای ایجاد رویدادها نیاز است .</a:t>
-            </a:r>
+              </a:rPr>
+              <a:t>رابطهای برنامه نویسی کاربردی رویداد محور با حذف بسیاری از مسئولیت‌هایی که قبلاً به کاربران محول شده بود، منجر به تجربه تعاملی بهتری برای کاربر نهایی با نیازهای تعاملی مدرن می‌شوند. </a:t>
+            </a:r>
+            <a:endParaRPr lang="fa-IR" sz="2000" dirty="0" smtClean="0">
+              <a:latin typeface="B Nazanin" panose="00000400000000000000" pitchFamily="2" charset="-78"/>
+              <a:ea typeface="Calibri" panose="020F0502020204030204" pitchFamily="34" charset="0"/>
+            </a:endParaRPr>
           </a:p>
           <a:p>
             <a:pPr algn="r" rtl="1">
@@ -7923,56 +7923,22 @@
             </a:pPr>
             <a:r>
               <a:rPr lang="fa-IR" sz="2000" dirty="0" smtClean="0">
-                <a:effectLst/>
                 <a:latin typeface="B Nazanin" panose="00000400000000000000" pitchFamily="2" charset="-78"/>
                 <a:ea typeface="Calibri" panose="020F0502020204030204" pitchFamily="34" charset="0"/>
-                <a:cs typeface="B Nazanin" panose="00000400000000000000" pitchFamily="2" charset="-78"/>
-              </a:rPr>
-              <a:t> به علاوه بابت ماهیت آسنکرون این الگو ، آزمون‌پذیری پیچیده‌تر می‌شود </a:t>
-            </a:r>
-            <a:endParaRPr lang="fa-IR" sz="2000" dirty="0" smtClean="0">
-              <a:solidFill>
-                <a:srgbClr val="C00000"/>
-              </a:solidFill>
+              </a:rPr>
+              <a:t>البته</a:t>
+            </a:r>
+            <a:r>
+              <a:rPr lang="fa-IR" sz="2000" dirty="0">
+                <a:latin typeface="B Nazanin" panose="00000400000000000000" pitchFamily="2" charset="-78"/>
+                <a:ea typeface="Calibri" panose="020F0502020204030204" pitchFamily="34" charset="0"/>
+              </a:rPr>
+              <a:t>، این ممکن است پیچیدگی را در تولید کننده افزایش دهد، اما خروجی کار ارزش آن را دارد </a:t>
+            </a:r>
+            <a:endParaRPr lang="en-US" sz="2000" dirty="0">
               <a:cs typeface="B Nazanin" panose="00000400000000000000" pitchFamily="2" charset="-78"/>
             </a:endParaRPr>
           </a:p>
-          <a:p>
-            <a:pPr algn="r" rtl="1">
-              <a:buFont typeface="Wingdings" panose="05000000000000000000" pitchFamily="2" charset="2"/>
-              <a:buChar char="q"/>
-            </a:pPr>
-            <a:r>
-              <a:rPr lang="fa-IR" sz="2000" dirty="0" smtClean="0">
-                <a:solidFill>
-                  <a:srgbClr val="C00000"/>
-                </a:solidFill>
-                <a:cs typeface="B Nazanin" panose="00000400000000000000" pitchFamily="2" charset="-78"/>
-              </a:rPr>
-              <a:t>توسعه سخت </a:t>
-            </a:r>
-          </a:p>
-          <a:p>
-            <a:pPr algn="r" rtl="1">
-              <a:buFont typeface="Wingdings" panose="05000000000000000000" pitchFamily="2" charset="2"/>
-              <a:buChar char="§"/>
-            </a:pPr>
-            <a:r>
-              <a:rPr lang="fa-IR" sz="2000" dirty="0" smtClean="0">
-                <a:effectLst/>
-                <a:latin typeface="B Nazanin" panose="00000400000000000000" pitchFamily="2" charset="-78"/>
-                <a:ea typeface="Calibri" panose="020F0502020204030204" pitchFamily="34" charset="0"/>
-                <a:cs typeface="B Nazanin" panose="00000400000000000000" pitchFamily="2" charset="-78"/>
-              </a:rPr>
-              <a:t>توسعه به دلیل ماهیت ناهمزمان الگو و همچنین ایجاد قرارداد ونیاز به شرایط مدیریت خطای پیشرفته‌‌‌‌‌‌‌‌‌‌‌‌‌تر در کد برای پردازشگرهای رویدادی که پاسخگو نیستند تا حدودی پیچیده می باشد</a:t>
-            </a:r>
-            <a:endParaRPr lang="en-US" sz="2000" dirty="0">
-              <a:solidFill>
-                <a:srgbClr val="C00000"/>
-              </a:solidFill>
-              <a:cs typeface="B Nazanin" panose="00000400000000000000" pitchFamily="2" charset="-78"/>
-            </a:endParaRPr>
-          </a:p>
         </p:txBody>
       </p:sp>
       <p:sp>
@@ -7992,7 +7958,7 @@
           <a:p>
             <a:fld id="{C2DB2716-ABCB-47E4-A5E7-31908A35B483}" type="uaqdatetime1">
               <a:rPr lang="fa-IR" smtClean="0"/>
-              <a:t>11/06/1443</a:t>
+              <a:t>12/06/1443</a:t>
             </a:fld>
             <a:endParaRPr lang="en-US"/>
           </a:p>
@@ -8024,7 +7990,7 @@
     </p:spTree>
     <p:extLst>
       <p:ext uri="{BB962C8B-B14F-4D97-AF65-F5344CB8AC3E}">
-        <p14:creationId xmlns:p14="http://schemas.microsoft.com/office/powerpoint/2010/main" val="3232359525"/>
+        <p14:creationId xmlns:p14="http://schemas.microsoft.com/office/powerpoint/2010/main" val="3370708145"/>
       </p:ext>
     </p:extLst>
   </p:cSld>
@@ -8068,54 +8034,32 @@
             <p:ph type="title"/>
           </p:nvPr>
         </p:nvSpPr>
-        <p:spPr/>
+        <p:spPr>
+          <a:xfrm>
+            <a:off x="838200" y="365126"/>
+            <a:ext cx="10515600" cy="706292"/>
+          </a:xfrm>
+        </p:spPr>
         <p:txBody>
           <a:bodyPr>
             <a:normAutofit/>
           </a:bodyPr>
           <a:lstStyle/>
           <a:p>
-            <a:pPr marL="342900" lvl="0" indent="-342900" algn="ctr" rtl="1">
-              <a:spcBef>
-                <a:spcPts val="1000"/>
-              </a:spcBef>
-            </a:pPr>
-            <a:r>
-              <a:rPr lang="fa-IR" u="sng" dirty="0">
+            <a:pPr algn="ctr" rtl="1"/>
+            <a:r>
+              <a:rPr lang="fa-IR" sz="4000" u="sng" dirty="0" smtClean="0">
                 <a:solidFill>
                   <a:srgbClr val="C00000"/>
                 </a:solidFill>
-                <a:ea typeface="+mn-ea"/>
-                <a:cs typeface="B Nazanin" panose="00000400000000000000" pitchFamily="2" charset="-78"/>
-              </a:rPr>
-              <a:t>نكات ضرروري راجب استفاده از الگوي معماري رويداد محور </a:t>
-            </a:r>
-            <a:r>
-              <a:rPr lang="fa-IR" sz="2400" dirty="0">
-                <a:solidFill>
-                  <a:prstClr val="black">
-                    <a:lumMod val="75000"/>
-                    <a:lumOff val="25000"/>
-                  </a:prstClr>
-                </a:solidFill>
-                <a:ea typeface="+mn-ea"/>
-                <a:cs typeface="B Nazanin" panose="00000400000000000000" pitchFamily="2" charset="-78"/>
-              </a:rPr>
-              <a:t/>
-            </a:r>
-            <a:br>
-              <a:rPr lang="fa-IR" sz="2400" dirty="0">
-                <a:solidFill>
-                  <a:prstClr val="black">
-                    <a:lumMod val="75000"/>
-                    <a:lumOff val="25000"/>
-                  </a:prstClr>
-                </a:solidFill>
-                <a:ea typeface="+mn-ea"/>
-                <a:cs typeface="B Nazanin" panose="00000400000000000000" pitchFamily="2" charset="-78"/>
-              </a:rPr>
-            </a:br>
-            <a:endParaRPr lang="en-US" dirty="0">
+                <a:cs typeface="B Nazanin" panose="00000400000000000000" pitchFamily="2" charset="-78"/>
+              </a:rPr>
+              <a:t>معايب الگوي معماري رويداد محور</a:t>
+            </a:r>
+            <a:endParaRPr lang="en-US" sz="4000" u="sng" dirty="0">
+              <a:solidFill>
+                <a:srgbClr val="C00000"/>
+              </a:solidFill>
               <a:cs typeface="B Nazanin" panose="00000400000000000000" pitchFamily="2" charset="-78"/>
             </a:endParaRPr>
           </a:p>
@@ -8131,12 +8075,187 @@
             <p:ph idx="1"/>
           </p:nvPr>
         </p:nvSpPr>
-        <p:spPr/>
-        <p:txBody>
-          <a:bodyPr/>
-          <a:lstStyle/>
-          <a:p>
-            <a:endParaRPr lang="en-US"/>
+        <p:spPr>
+          <a:xfrm>
+            <a:off x="838200" y="1182256"/>
+            <a:ext cx="10515600" cy="4994707"/>
+          </a:xfrm>
+        </p:spPr>
+        <p:txBody>
+          <a:bodyPr>
+            <a:normAutofit fontScale="92500" lnSpcReduction="10000"/>
+          </a:bodyPr>
+          <a:lstStyle/>
+          <a:p>
+            <a:pPr algn="r" rtl="1">
+              <a:buFont typeface="Wingdings" panose="05000000000000000000" pitchFamily="2" charset="2"/>
+              <a:buChar char="q"/>
+            </a:pPr>
+            <a:r>
+              <a:rPr lang="fa-IR" sz="2000" dirty="0" smtClean="0">
+                <a:solidFill>
+                  <a:srgbClr val="C00000"/>
+                </a:solidFill>
+                <a:cs typeface="B Nazanin" panose="00000400000000000000" pitchFamily="2" charset="-78"/>
+              </a:rPr>
+              <a:t>محدود به پردازش ناهمزمان </a:t>
+            </a:r>
+          </a:p>
+          <a:p>
+            <a:pPr algn="r" rtl="1">
+              <a:buFont typeface="Wingdings" panose="05000000000000000000" pitchFamily="2" charset="2"/>
+              <a:buChar char="§"/>
+            </a:pPr>
+            <a:r>
+              <a:rPr lang="fa-IR" sz="2000" dirty="0" smtClean="0">
+                <a:effectLst/>
+                <a:latin typeface="B Nazanin" panose="00000400000000000000" pitchFamily="2" charset="-78"/>
+                <a:ea typeface="Calibri" panose="020F0502020204030204" pitchFamily="34" charset="0"/>
+                <a:cs typeface="B Nazanin" panose="00000400000000000000" pitchFamily="2" charset="-78"/>
+              </a:rPr>
+              <a:t> اگرچه معماری رویداد محور یک الگوی قوی برای جداسازی سیستم‌هاست ، اما کاربرد آن به پردازش‌ رویداد‌های ناهمزمان محدود می‌شود</a:t>
+            </a:r>
+          </a:p>
+          <a:p>
+            <a:pPr algn="r" rtl="1">
+              <a:buFont typeface="Wingdings" panose="05000000000000000000" pitchFamily="2" charset="2"/>
+              <a:buChar char="§"/>
+            </a:pPr>
+            <a:r>
+              <a:rPr lang="fa-IR" sz="2000" dirty="0" smtClean="0">
+                <a:effectLst/>
+                <a:latin typeface="B Nazanin" panose="00000400000000000000" pitchFamily="2" charset="-78"/>
+                <a:ea typeface="Calibri" panose="020F0502020204030204" pitchFamily="34" charset="0"/>
+                <a:cs typeface="B Nazanin" panose="00000400000000000000" pitchFamily="2" charset="-78"/>
+              </a:rPr>
+              <a:t>. معماری رویداد محور در جایی که آغاز کننده باید قبل از ادامه به کار باید منتظر پاسخ باشد، نمی‌تواند به خوبی به عنوان جایگزینی برای تعاملات درخواست-پاسخ کار کند </a:t>
+            </a:r>
+            <a:endParaRPr lang="fa-IR" sz="2000" dirty="0" smtClean="0">
+              <a:solidFill>
+                <a:srgbClr val="C00000"/>
+              </a:solidFill>
+              <a:cs typeface="B Nazanin" panose="00000400000000000000" pitchFamily="2" charset="-78"/>
+            </a:endParaRPr>
+          </a:p>
+          <a:p>
+            <a:pPr algn="r" rtl="1">
+              <a:buFont typeface="Wingdings" panose="05000000000000000000" pitchFamily="2" charset="2"/>
+              <a:buChar char="q"/>
+            </a:pPr>
+            <a:r>
+              <a:rPr lang="fa-IR" sz="2000" dirty="0" smtClean="0">
+                <a:solidFill>
+                  <a:srgbClr val="C00000"/>
+                </a:solidFill>
+                <a:cs typeface="B Nazanin" panose="00000400000000000000" pitchFamily="2" charset="-78"/>
+              </a:rPr>
+              <a:t>ايجاد پيچيدگي اضافي</a:t>
+            </a:r>
+          </a:p>
+          <a:p>
+            <a:pPr algn="r" rtl="1"/>
+            <a:r>
+              <a:rPr lang="fa-IR" sz="2000" dirty="0" smtClean="0">
+                <a:cs typeface="B Nazanin" panose="00000400000000000000" pitchFamily="2" charset="-78"/>
+              </a:rPr>
+              <a:t>در الگوهاي قديمي تر درخواست-پاسخ و مشتري سرور فقط شامل دو جزء اصلي بود . </a:t>
+            </a:r>
+          </a:p>
+          <a:p>
+            <a:pPr algn="r" rtl="1"/>
+            <a:r>
+              <a:rPr lang="fa-IR" sz="2000" dirty="0" smtClean="0">
+                <a:cs typeface="B Nazanin" panose="00000400000000000000" pitchFamily="2" charset="-78"/>
+              </a:rPr>
+              <a:t>پذيرش الگوي معماري رويداد محور نياز به يك كارگزار (مسيرياب رويداد) براي ميانجيگري تعاملات بين توليدكنندگان و مصرف‌كنندگان دارد . </a:t>
+            </a:r>
+          </a:p>
+          <a:p>
+            <a:pPr algn="r" rtl="1">
+              <a:buFont typeface="Wingdings" panose="05000000000000000000" pitchFamily="2" charset="2"/>
+              <a:buChar char="q"/>
+            </a:pPr>
+            <a:r>
+              <a:rPr lang="fa-IR" sz="2000" dirty="0" smtClean="0">
+                <a:solidFill>
+                  <a:srgbClr val="C00000"/>
+                </a:solidFill>
+                <a:cs typeface="B Nazanin" panose="00000400000000000000" pitchFamily="2" charset="-78"/>
+              </a:rPr>
+              <a:t>آزمون‌پذیری پایین </a:t>
+            </a:r>
+          </a:p>
+          <a:p>
+            <a:pPr algn="r" rtl="1">
+              <a:buFont typeface="Wingdings" panose="05000000000000000000" pitchFamily="2" charset="2"/>
+              <a:buChar char="§"/>
+            </a:pPr>
+            <a:r>
+              <a:rPr lang="fa-IR" sz="2000" dirty="0" smtClean="0">
+                <a:effectLst/>
+                <a:latin typeface="B Nazanin" panose="00000400000000000000" pitchFamily="2" charset="-78"/>
+                <a:ea typeface="Calibri" panose="020F0502020204030204" pitchFamily="34" charset="0"/>
+                <a:cs typeface="B Nazanin" panose="00000400000000000000" pitchFamily="2" charset="-78"/>
+              </a:rPr>
+              <a:t>گرچه تست واحد به طور کلی چندان سخت نیست . اما به یک سری ابزارهای تست خاص برای ایجاد رویدادها نیاز است .</a:t>
+            </a:r>
+          </a:p>
+          <a:p>
+            <a:pPr algn="r" rtl="1">
+              <a:buFont typeface="Wingdings" panose="05000000000000000000" pitchFamily="2" charset="2"/>
+              <a:buChar char="§"/>
+            </a:pPr>
+            <a:r>
+              <a:rPr lang="fa-IR" sz="2000" dirty="0" smtClean="0">
+                <a:effectLst/>
+                <a:latin typeface="B Nazanin" panose="00000400000000000000" pitchFamily="2" charset="-78"/>
+                <a:ea typeface="Calibri" panose="020F0502020204030204" pitchFamily="34" charset="0"/>
+                <a:cs typeface="B Nazanin" panose="00000400000000000000" pitchFamily="2" charset="-78"/>
+              </a:rPr>
+              <a:t> به علاوه بابت ماهیت آسنکرون این الگو ، آزمون‌پذیری پیچیده‌تر می‌شود </a:t>
+            </a:r>
+            <a:endParaRPr lang="fa-IR" sz="2000" dirty="0" smtClean="0">
+              <a:solidFill>
+                <a:srgbClr val="C00000"/>
+              </a:solidFill>
+              <a:cs typeface="B Nazanin" panose="00000400000000000000" pitchFamily="2" charset="-78"/>
+            </a:endParaRPr>
+          </a:p>
+          <a:p>
+            <a:pPr algn="r" rtl="1">
+              <a:buFont typeface="Wingdings" panose="05000000000000000000" pitchFamily="2" charset="2"/>
+              <a:buChar char="q"/>
+            </a:pPr>
+            <a:r>
+              <a:rPr lang="fa-IR" sz="2000" dirty="0" smtClean="0">
+                <a:solidFill>
+                  <a:srgbClr val="C00000"/>
+                </a:solidFill>
+                <a:cs typeface="B Nazanin" panose="00000400000000000000" pitchFamily="2" charset="-78"/>
+              </a:rPr>
+              <a:t>توسعه سخت </a:t>
+            </a:r>
+          </a:p>
+          <a:p>
+            <a:pPr algn="r" rtl="1">
+              <a:buFont typeface="Wingdings" panose="05000000000000000000" pitchFamily="2" charset="2"/>
+              <a:buChar char="§"/>
+            </a:pPr>
+            <a:r>
+              <a:rPr lang="fa-IR" sz="2000" dirty="0" smtClean="0">
+                <a:effectLst/>
+                <a:latin typeface="B Nazanin" panose="00000400000000000000" pitchFamily="2" charset="-78"/>
+                <a:ea typeface="Calibri" panose="020F0502020204030204" pitchFamily="34" charset="0"/>
+                <a:cs typeface="B Nazanin" panose="00000400000000000000" pitchFamily="2" charset="-78"/>
+              </a:rPr>
+              <a:t>توسعه به دلیل ماهیت ناهمزمان الگو و همچنین ایجاد قرارداد ونیاز به شرایط مدیریت خطای پیشرفته‌‌‌‌‌‌‌‌‌‌‌‌‌تر در کد برای پردازشگرهای رویدادی که پاسخگو نیستند تا حدودی پیچیده می باشد</a:t>
+            </a:r>
+            <a:endParaRPr lang="en-US" sz="2000" dirty="0">
+              <a:solidFill>
+                <a:srgbClr val="C00000"/>
+              </a:solidFill>
+              <a:cs typeface="B Nazanin" panose="00000400000000000000" pitchFamily="2" charset="-78"/>
+            </a:endParaRPr>
           </a:p>
         </p:txBody>
       </p:sp>
@@ -8157,7 +8276,7 @@
           <a:p>
             <a:fld id="{C2DB2716-ABCB-47E4-A5E7-31908A35B483}" type="uaqdatetime1">
               <a:rPr lang="fa-IR" smtClean="0"/>
-              <a:t>11/06/1443</a:t>
+              <a:t>12/06/1443</a:t>
             </a:fld>
             <a:endParaRPr lang="en-US"/>
           </a:p>
@@ -8189,7 +8308,7 @@
     </p:spTree>
     <p:extLst>
       <p:ext uri="{BB962C8B-B14F-4D97-AF65-F5344CB8AC3E}">
-        <p14:creationId xmlns:p14="http://schemas.microsoft.com/office/powerpoint/2010/main" val="4067526682"/>
+        <p14:creationId xmlns:p14="http://schemas.microsoft.com/office/powerpoint/2010/main" val="3232359525"/>
       </p:ext>
     </p:extLst>
   </p:cSld>
@@ -8235,23 +8354,52 @@
         </p:nvSpPr>
         <p:spPr/>
         <p:txBody>
-          <a:bodyPr/>
-          <a:lstStyle/>
-          <a:p>
-            <a:pPr algn="ctr" rtl="1"/>
-            <a:r>
-              <a:rPr lang="fa-IR" u="sng" dirty="0" smtClean="0">
+          <a:bodyPr>
+            <a:normAutofit/>
+          </a:bodyPr>
+          <a:lstStyle/>
+          <a:p>
+            <a:pPr marL="342900" lvl="0" indent="-342900" algn="ctr" rtl="1">
+              <a:spcBef>
+                <a:spcPts val="1000"/>
+              </a:spcBef>
+            </a:pPr>
+            <a:r>
+              <a:rPr lang="fa-IR" u="sng" dirty="0">
                 <a:solidFill>
                   <a:srgbClr val="C00000"/>
                 </a:solidFill>
-                <a:cs typeface="B Nazanin" panose="00000400000000000000" pitchFamily="2" charset="-78"/>
-              </a:rPr>
-              <a:t>جمع بندي </a:t>
-            </a:r>
-            <a:endParaRPr lang="en-US" u="sng" dirty="0">
-              <a:solidFill>
-                <a:srgbClr val="C00000"/>
-              </a:solidFill>
+                <a:ea typeface="+mn-ea"/>
+                <a:cs typeface="B Nazanin" panose="00000400000000000000" pitchFamily="2" charset="-78"/>
+              </a:rPr>
+              <a:t>نكات ضرروري راجب استفاده از الگوي معماري رويداد محور </a:t>
+            </a:r>
+            <a:r>
+              <a:rPr lang="fa-IR" sz="2400" dirty="0">
+                <a:solidFill>
+                  <a:prstClr val="black">
+                    <a:lumMod val="75000"/>
+                    <a:lumOff val="25000"/>
+                  </a:prstClr>
+                </a:solidFill>
+                <a:ea typeface="+mn-ea"/>
+                <a:cs typeface="B Nazanin" panose="00000400000000000000" pitchFamily="2" charset="-78"/>
+              </a:rPr>
+              <a:t/>
+            </a:r>
+            <a:br>
+              <a:rPr lang="fa-IR" sz="2400" dirty="0">
+                <a:solidFill>
+                  <a:prstClr val="black">
+                    <a:lumMod val="75000"/>
+                    <a:lumOff val="25000"/>
+                  </a:prstClr>
+                </a:solidFill>
+                <a:ea typeface="+mn-ea"/>
+                <a:cs typeface="B Nazanin" panose="00000400000000000000" pitchFamily="2" charset="-78"/>
+              </a:rPr>
+            </a:br>
+            <a:endParaRPr lang="en-US" dirty="0">
               <a:cs typeface="B Nazanin" panose="00000400000000000000" pitchFamily="2" charset="-78"/>
             </a:endParaRPr>
           </a:p>
@@ -8293,7 +8441,7 @@
           <a:p>
             <a:fld id="{C2DB2716-ABCB-47E4-A5E7-31908A35B483}" type="uaqdatetime1">
               <a:rPr lang="fa-IR" smtClean="0"/>
-              <a:t>11/06/1443</a:t>
+              <a:t>12/06/1443</a:t>
             </a:fld>
             <a:endParaRPr lang="en-US"/>
           </a:p>
@@ -8325,7 +8473,7 @@
     </p:spTree>
     <p:extLst>
       <p:ext uri="{BB962C8B-B14F-4D97-AF65-F5344CB8AC3E}">
-        <p14:creationId xmlns:p14="http://schemas.microsoft.com/office/powerpoint/2010/main" val="3418445611"/>
+        <p14:creationId xmlns:p14="http://schemas.microsoft.com/office/powerpoint/2010/main" val="4067526682"/>
       </p:ext>
     </p:extLst>
   </p:cSld>
@@ -8374,7 +8522,7 @@
           <a:bodyPr/>
           <a:lstStyle/>
           <a:p>
-            <a:pPr algn="ctr"/>
+            <a:pPr algn="ctr" rtl="1"/>
             <a:r>
               <a:rPr lang="fa-IR" u="sng" dirty="0" smtClean="0">
                 <a:solidFill>
@@ -8382,7 +8530,7 @@
                 </a:solidFill>
                 <a:cs typeface="B Nazanin" panose="00000400000000000000" pitchFamily="2" charset="-78"/>
               </a:rPr>
-              <a:t>مراجع</a:t>
+              <a:t>جمع بندي </a:t>
             </a:r>
             <a:endParaRPr lang="en-US" u="sng" dirty="0">
               <a:solidFill>
@@ -8429,7 +8577,7 @@
           <a:p>
             <a:fld id="{C2DB2716-ABCB-47E4-A5E7-31908A35B483}" type="uaqdatetime1">
               <a:rPr lang="fa-IR" smtClean="0"/>
-              <a:t>11/06/1443</a:t>
+              <a:t>12/06/1443</a:t>
             </a:fld>
             <a:endParaRPr lang="en-US"/>
           </a:p>
@@ -8453,6 +8601,142 @@
             <a:fld id="{4BC6469D-48EF-44E1-BF07-A9CE4893D6D6}" type="slidenum">
               <a:rPr lang="en-US" smtClean="0"/>
               <a:t>17</a:t>
+            </a:fld>
+            <a:endParaRPr lang="en-US"/>
+          </a:p>
+        </p:txBody>
+      </p:sp>
+    </p:spTree>
+    <p:extLst>
+      <p:ext uri="{BB962C8B-B14F-4D97-AF65-F5344CB8AC3E}">
+        <p14:creationId xmlns:p14="http://schemas.microsoft.com/office/powerpoint/2010/main" val="3418445611"/>
+      </p:ext>
+    </p:extLst>
+  </p:cSld>
+  <p:clrMapOvr>
+    <a:masterClrMapping/>
+  </p:clrMapOvr>
+  <p:timing>
+    <p:tnLst>
+      <p:par>
+        <p:cTn id="1" dur="indefinite" restart="never" nodeType="tmRoot"/>
+      </p:par>
+    </p:tnLst>
+  </p:timing>
+</p:sld>
+</file>
+
+<file path=ppt/slides/slide18.xml><?xml version="1.0" encoding="utf-8"?>
+<p:sld xmlns:a="http://schemas.openxmlformats.org/drawingml/2006/main" xmlns:r="http://schemas.openxmlformats.org/officeDocument/2006/relationships" xmlns:p="http://schemas.openxmlformats.org/presentationml/2006/main">
+  <p:cSld>
+    <p:spTree>
+      <p:nvGrpSpPr>
+        <p:cNvPr id="1" name=""/>
+        <p:cNvGrpSpPr/>
+        <p:nvPr/>
+      </p:nvGrpSpPr>
+      <p:grpSpPr>
+        <a:xfrm>
+          <a:off x="0" y="0"/>
+          <a:ext cx="0" cy="0"/>
+          <a:chOff x="0" y="0"/>
+          <a:chExt cx="0" cy="0"/>
+        </a:xfrm>
+      </p:grpSpPr>
+      <p:sp>
+        <p:nvSpPr>
+          <p:cNvPr id="2" name="Title 1"/>
+          <p:cNvSpPr>
+            <a:spLocks noGrp="1"/>
+          </p:cNvSpPr>
+          <p:nvPr>
+            <p:ph type="title"/>
+          </p:nvPr>
+        </p:nvSpPr>
+        <p:spPr/>
+        <p:txBody>
+          <a:bodyPr/>
+          <a:lstStyle/>
+          <a:p>
+            <a:pPr algn="ctr"/>
+            <a:r>
+              <a:rPr lang="fa-IR" u="sng" dirty="0" smtClean="0">
+                <a:solidFill>
+                  <a:srgbClr val="C00000"/>
+                </a:solidFill>
+                <a:cs typeface="B Nazanin" panose="00000400000000000000" pitchFamily="2" charset="-78"/>
+              </a:rPr>
+              <a:t>مراجع</a:t>
+            </a:r>
+            <a:endParaRPr lang="en-US" u="sng" dirty="0">
+              <a:solidFill>
+                <a:srgbClr val="C00000"/>
+              </a:solidFill>
+              <a:cs typeface="B Nazanin" panose="00000400000000000000" pitchFamily="2" charset="-78"/>
+            </a:endParaRPr>
+          </a:p>
+        </p:txBody>
+      </p:sp>
+      <p:sp>
+        <p:nvSpPr>
+          <p:cNvPr id="3" name="Content Placeholder 2"/>
+          <p:cNvSpPr>
+            <a:spLocks noGrp="1"/>
+          </p:cNvSpPr>
+          <p:nvPr>
+            <p:ph idx="1"/>
+          </p:nvPr>
+        </p:nvSpPr>
+        <p:spPr/>
+        <p:txBody>
+          <a:bodyPr/>
+          <a:lstStyle/>
+          <a:p>
+            <a:endParaRPr lang="en-US"/>
+          </a:p>
+        </p:txBody>
+      </p:sp>
+      <p:sp>
+        <p:nvSpPr>
+          <p:cNvPr id="4" name="Date Placeholder 3"/>
+          <p:cNvSpPr>
+            <a:spLocks noGrp="1"/>
+          </p:cNvSpPr>
+          <p:nvPr>
+            <p:ph type="dt" sz="half" idx="10"/>
+          </p:nvPr>
+        </p:nvSpPr>
+        <p:spPr/>
+        <p:txBody>
+          <a:bodyPr/>
+          <a:lstStyle/>
+          <a:p>
+            <a:fld id="{C2DB2716-ABCB-47E4-A5E7-31908A35B483}" type="uaqdatetime1">
+              <a:rPr lang="fa-IR" smtClean="0"/>
+              <a:t>12/06/1443</a:t>
+            </a:fld>
+            <a:endParaRPr lang="en-US"/>
+          </a:p>
+        </p:txBody>
+      </p:sp>
+      <p:sp>
+        <p:nvSpPr>
+          <p:cNvPr id="5" name="Slide Number Placeholder 4"/>
+          <p:cNvSpPr>
+            <a:spLocks noGrp="1"/>
+          </p:cNvSpPr>
+          <p:nvPr>
+            <p:ph type="sldNum" sz="quarter" idx="12"/>
+          </p:nvPr>
+        </p:nvSpPr>
+        <p:spPr/>
+        <p:txBody>
+          <a:bodyPr/>
+          <a:lstStyle/>
+          <a:p>
+            <a:fld id="{4BC6469D-48EF-44E1-BF07-A9CE4893D6D6}" type="slidenum">
+              <a:rPr lang="en-US" smtClean="0"/>
+              <a:t>18</a:t>
             </a:fld>
             <a:endParaRPr lang="en-US"/>
           </a:p>
@@ -8574,6 +8858,9 @@
               </a:rPr>
               <a:t>تعريف رويداد </a:t>
             </a:r>
+            <a:endParaRPr lang="fa-IR" sz="2400" dirty="0" smtClean="0">
+              <a:cs typeface="B Nazanin" panose="00000400000000000000" pitchFamily="2" charset="-78"/>
+            </a:endParaRPr>
           </a:p>
           <a:p>
             <a:pPr algn="r" rtl="1">
@@ -8584,8 +8871,11 @@
               <a:rPr lang="fa-IR" sz="2400" dirty="0" smtClean="0">
                 <a:cs typeface="B Nazanin" panose="00000400000000000000" pitchFamily="2" charset="-78"/>
               </a:rPr>
-              <a:t>نحوه كاركرد الگوي معماري رويداد محور</a:t>
-            </a:r>
+              <a:t>ویژگی های اصلی الگوی معماری رویداد محور</a:t>
+            </a:r>
+            <a:endParaRPr lang="fa-IR" sz="2400" dirty="0" smtClean="0">
+              <a:cs typeface="B Nazanin" panose="00000400000000000000" pitchFamily="2" charset="-78"/>
+            </a:endParaRPr>
           </a:p>
           <a:p>
             <a:pPr algn="r" rtl="1">
@@ -8596,7 +8886,7 @@
               <a:rPr lang="fa-IR" sz="2400" dirty="0" smtClean="0">
                 <a:cs typeface="B Nazanin" panose="00000400000000000000" pitchFamily="2" charset="-78"/>
               </a:rPr>
-              <a:t>فرصت‌هاي استفاده از الگوي معماري رويداد محور </a:t>
+              <a:t>نحوه كاركرد الگوي معماري رويداد محور</a:t>
             </a:r>
           </a:p>
           <a:p>
@@ -8608,7 +8898,7 @@
               <a:rPr lang="fa-IR" sz="2400" dirty="0" smtClean="0">
                 <a:cs typeface="B Nazanin" panose="00000400000000000000" pitchFamily="2" charset="-78"/>
               </a:rPr>
-              <a:t>مزاياي الگوي معماري رويداد محور </a:t>
+              <a:t>فرصت‌هاي استفاده از الگوي معماري رويداد محور </a:t>
             </a:r>
           </a:p>
           <a:p>
@@ -8620,7 +8910,7 @@
               <a:rPr lang="fa-IR" sz="2400" dirty="0" smtClean="0">
                 <a:cs typeface="B Nazanin" panose="00000400000000000000" pitchFamily="2" charset="-78"/>
               </a:rPr>
-              <a:t>معايب الگوي معماري رويداد محور </a:t>
+              <a:t>مزاياي الگوي معماري رويداد محور </a:t>
             </a:r>
           </a:p>
           <a:p>
@@ -8632,11 +8922,8 @@
               <a:rPr lang="fa-IR" sz="2400" dirty="0" smtClean="0">
                 <a:cs typeface="B Nazanin" panose="00000400000000000000" pitchFamily="2" charset="-78"/>
               </a:rPr>
-              <a:t>نكات ضرروري راجب استفاده از الگوي معماري رويداد محور</a:t>
-            </a:r>
-            <a:endParaRPr lang="en-US" sz="2400" dirty="0" smtClean="0">
-              <a:cs typeface="B Nazanin" panose="00000400000000000000" pitchFamily="2" charset="-78"/>
-            </a:endParaRPr>
+              <a:t>معايب الگوي معماري رويداد محور </a:t>
+            </a:r>
           </a:p>
           <a:p>
             <a:pPr algn="r" rtl="1">
@@ -8647,6 +8934,21 @@
               <a:rPr lang="fa-IR" sz="2400" dirty="0" smtClean="0">
                 <a:cs typeface="B Nazanin" panose="00000400000000000000" pitchFamily="2" charset="-78"/>
               </a:rPr>
+              <a:t>نكات ضرروري راجب استفاده از الگوي معماري رويداد محور</a:t>
+            </a:r>
+            <a:endParaRPr lang="en-US" sz="2400" dirty="0" smtClean="0">
+              <a:cs typeface="B Nazanin" panose="00000400000000000000" pitchFamily="2" charset="-78"/>
+            </a:endParaRPr>
+          </a:p>
+          <a:p>
+            <a:pPr algn="r" rtl="1">
+              <a:buFont typeface="Wingdings" panose="05000000000000000000" pitchFamily="2" charset="2"/>
+              <a:buChar char="§"/>
+            </a:pPr>
+            <a:r>
+              <a:rPr lang="fa-IR" sz="2400" dirty="0" smtClean="0">
+                <a:cs typeface="B Nazanin" panose="00000400000000000000" pitchFamily="2" charset="-78"/>
+              </a:rPr>
               <a:t>جمع بندي </a:t>
             </a:r>
             <a:endParaRPr lang="fa-IR" sz="2400" dirty="0">
@@ -8672,7 +8974,7 @@
           <a:p>
             <a:fld id="{85D879EB-1AC6-4DAD-A7D9-A5ED0E43FD94}" type="uaqdatetime1">
               <a:rPr lang="fa-IR" smtClean="0"/>
-              <a:t>11/06/1443</a:t>
+              <a:t>12/06/1443</a:t>
             </a:fld>
             <a:endParaRPr lang="en-US"/>
           </a:p>
@@ -8896,7 +9198,7 @@
           <a:p>
             <a:fld id="{44424082-5CA2-48E6-9B05-0898A8B9FA3C}" type="uaqdatetime1">
               <a:rPr lang="fa-IR" smtClean="0"/>
-              <a:t>11/06/1443</a:t>
+              <a:t>12/06/1443</a:t>
             </a:fld>
             <a:endParaRPr lang="en-US"/>
           </a:p>
@@ -9204,7 +9506,7 @@
           <a:p>
             <a:fld id="{97B56645-9C37-419D-86C0-AA05FDDD1398}" type="uaqdatetime1">
               <a:rPr lang="fa-IR" smtClean="0"/>
-              <a:t>11/06/1443</a:t>
+              <a:t>12/06/1443</a:t>
             </a:fld>
             <a:endParaRPr lang="en-US"/>
           </a:p>
@@ -9500,7 +9802,7 @@
           <a:p>
             <a:fld id="{99F17209-2804-43DE-A57B-2B84D7B02C1B}" type="uaqdatetime1">
               <a:rPr lang="fa-IR" smtClean="0"/>
-              <a:t>11/06/1443</a:t>
+              <a:t>12/06/1443</a:t>
             </a:fld>
             <a:endParaRPr lang="en-US"/>
           </a:p>
@@ -9579,7 +9881,7 @@
         <p:spPr>
           <a:xfrm>
             <a:off x="838200" y="365126"/>
-            <a:ext cx="10515600" cy="937202"/>
+            <a:ext cx="10515600" cy="872548"/>
           </a:xfrm>
         </p:spPr>
         <p:txBody>
@@ -9588,26 +9890,17 @@
           </a:bodyPr>
           <a:lstStyle/>
           <a:p>
-            <a:pPr algn="ctr"/>
-            <a:r>
-              <a:rPr lang="fa-IR" sz="4000" dirty="0" smtClean="0">
+            <a:pPr algn="ctr" rtl="1"/>
+            <a:r>
+              <a:rPr lang="fa-IR" sz="3600" u="sng" dirty="0" smtClean="0">
                 <a:solidFill>
                   <a:srgbClr val="C00000"/>
                 </a:solidFill>
                 <a:cs typeface="B Nazanin" panose="00000400000000000000" pitchFamily="2" charset="-78"/>
               </a:rPr>
-              <a:t>ا</a:t>
-            </a:r>
-            <a:r>
-              <a:rPr lang="fa-IR" sz="4000" u="sng" dirty="0" smtClean="0">
-                <a:solidFill>
-                  <a:srgbClr val="C00000"/>
-                </a:solidFill>
-                <a:cs typeface="B Nazanin" panose="00000400000000000000" pitchFamily="2" charset="-78"/>
-              </a:rPr>
-              <a:t>جزای اصلی تشکیل دهنده الگوی معماری رویداد محور </a:t>
-            </a:r>
-            <a:endParaRPr lang="fa-IR" sz="4000" u="sng" dirty="0">
+              <a:t>ویژگی های اصلی رویداد محور</a:t>
+            </a:r>
+            <a:endParaRPr lang="en-US" sz="3600" u="sng" dirty="0">
               <a:solidFill>
                 <a:srgbClr val="C00000"/>
               </a:solidFill>
@@ -9626,207 +9919,284 @@
             <p:ph idx="1"/>
           </p:nvPr>
         </p:nvSpPr>
-        <p:spPr/>
-        <p:txBody>
-          <a:bodyPr/>
-          <a:lstStyle/>
-          <a:p>
-            <a:pPr marL="0" indent="0" algn="r" rtl="1">
-              <a:buNone/>
-            </a:pPr>
-            <a:r>
-              <a:rPr lang="fa-IR" sz="2000" dirty="0" smtClean="0">
-                <a:cs typeface="B Nazanin" panose="00000400000000000000" pitchFamily="2" charset="-78"/>
-              </a:rPr>
-              <a:t>الگوی معماری رویداد محور از سه بخش اصلی تشکیل می‌شوند که عبارتند از:</a:t>
-            </a:r>
-          </a:p>
-          <a:p>
-            <a:pPr algn="r" rtl="1">
+        <p:spPr>
+          <a:xfrm>
+            <a:off x="838200" y="1237674"/>
+            <a:ext cx="10515600" cy="4939289"/>
+          </a:xfrm>
+        </p:spPr>
+        <p:txBody>
+          <a:bodyPr>
+            <a:normAutofit fontScale="85000" lnSpcReduction="10000"/>
+          </a:bodyPr>
+          <a:lstStyle/>
+          <a:p>
+            <a:pPr marL="114300" marR="0" indent="-342900" algn="just" rtl="1">
+              <a:lnSpc>
+                <a:spcPct val="150000"/>
+              </a:lnSpc>
+              <a:spcBef>
+                <a:spcPts val="600"/>
+              </a:spcBef>
+              <a:spcAft>
+                <a:spcPts val="600"/>
+              </a:spcAft>
               <a:buFont typeface="Wingdings" panose="05000000000000000000" pitchFamily="2" charset="2"/>
               <a:buChar char="§"/>
             </a:pPr>
             <a:r>
-              <a:rPr lang="fa-IR" sz="2000" dirty="0" smtClean="0">
+              <a:rPr lang="fa-IR" sz="2200" dirty="0" smtClean="0">
                 <a:solidFill>
                   <a:srgbClr val="C00000"/>
                 </a:solidFill>
-                <a:cs typeface="B Nazanin" panose="00000400000000000000" pitchFamily="2" charset="-78"/>
-              </a:rPr>
-              <a:t>تولیید‌کننده‌رویداد </a:t>
-            </a:r>
-          </a:p>
-          <a:p>
-            <a:pPr marL="0" indent="0" algn="r" rtl="1">
+                <a:latin typeface="B Nazanin" panose="00000400000000000000" pitchFamily="2" charset="-78"/>
+                <a:ea typeface="Calibri" panose="020F0502020204030204" pitchFamily="34" charset="0"/>
+                <a:cs typeface="B Nazanin" panose="00000400000000000000" pitchFamily="2" charset="-78"/>
+              </a:rPr>
+              <a:t>ارتباطات چند بخشی</a:t>
+            </a:r>
+          </a:p>
+          <a:p>
+            <a:pPr marL="0" marR="0" indent="0" algn="just" rtl="1">
+              <a:lnSpc>
+                <a:spcPct val="150000"/>
+              </a:lnSpc>
+              <a:spcBef>
+                <a:spcPts val="600"/>
+              </a:spcBef>
+              <a:spcAft>
+                <a:spcPts val="600"/>
+              </a:spcAft>
               <a:buNone/>
             </a:pPr>
             <a:r>
-              <a:rPr lang="fa-IR" sz="2000" dirty="0" smtClean="0">
-                <a:cs typeface="B Nazanin" panose="00000400000000000000" pitchFamily="2" charset="-78"/>
-              </a:rPr>
-              <a:t>مسئول تولیید و انتشار</a:t>
-            </a:r>
-            <a:r>
-              <a:rPr lang="fa-IR" sz="2000" dirty="0" smtClean="0">
-                <a:solidFill>
-                  <a:srgbClr val="FF0000"/>
-                </a:solidFill>
-                <a:cs typeface="B Nazanin" panose="00000400000000000000" pitchFamily="2" charset="-78"/>
-              </a:rPr>
-              <a:t> </a:t>
-            </a:r>
-            <a:r>
-              <a:rPr lang="fa-IR" sz="2000" dirty="0" smtClean="0">
-                <a:solidFill>
-                  <a:srgbClr val="C00000"/>
-                </a:solidFill>
-                <a:cs typeface="B Nazanin" panose="00000400000000000000" pitchFamily="2" charset="-78"/>
-              </a:rPr>
-              <a:t>رویدادها</a:t>
-            </a:r>
-            <a:r>
-              <a:rPr lang="fa-IR" sz="2000" dirty="0" smtClean="0">
-                <a:solidFill>
-                  <a:srgbClr val="FF0000"/>
-                </a:solidFill>
-                <a:cs typeface="B Nazanin" panose="00000400000000000000" pitchFamily="2" charset="-78"/>
-              </a:rPr>
-              <a:t> </a:t>
-            </a:r>
-            <a:r>
-              <a:rPr lang="fa-IR" sz="2000" dirty="0" smtClean="0">
-                <a:cs typeface="B Nazanin" panose="00000400000000000000" pitchFamily="2" charset="-78"/>
-              </a:rPr>
-              <a:t>می‌باشد .</a:t>
-            </a:r>
-          </a:p>
-          <a:p>
-            <a:pPr algn="r" rtl="1">
+              <a:rPr lang="fa-IR" sz="2200" dirty="0">
+                <a:latin typeface="B Nazanin" panose="00000400000000000000" pitchFamily="2" charset="-78"/>
+                <a:ea typeface="Calibri" panose="020F0502020204030204" pitchFamily="34" charset="0"/>
+                <a:cs typeface="B Nazanin" panose="00000400000000000000" pitchFamily="2" charset="-78"/>
+              </a:rPr>
+              <a:t>تولییدکنندگان این قابلیت را دارند که رویدادها را به مصرف‌کنندگان متعددی که در یک رویداد مشترک شده‌اند، ارسال کنند .</a:t>
+            </a:r>
+            <a:endParaRPr lang="fa-IR" sz="2200" dirty="0" smtClean="0">
+              <a:solidFill>
+                <a:srgbClr val="C00000"/>
+              </a:solidFill>
+              <a:latin typeface="B Nazanin" panose="00000400000000000000" pitchFamily="2" charset="-78"/>
+              <a:ea typeface="Calibri" panose="020F0502020204030204" pitchFamily="34" charset="0"/>
+              <a:cs typeface="B Nazanin" panose="00000400000000000000" pitchFamily="2" charset="-78"/>
+            </a:endParaRPr>
+          </a:p>
+          <a:p>
+            <a:pPr marL="114300" marR="0" indent="-342900" algn="just" rtl="1">
+              <a:lnSpc>
+                <a:spcPct val="150000"/>
+              </a:lnSpc>
+              <a:spcBef>
+                <a:spcPts val="600"/>
+              </a:spcBef>
+              <a:spcAft>
+                <a:spcPts val="600"/>
+              </a:spcAft>
               <a:buFont typeface="Wingdings" panose="05000000000000000000" pitchFamily="2" charset="2"/>
               <a:buChar char="§"/>
             </a:pPr>
             <a:r>
-              <a:rPr lang="fa-IR" sz="2000" dirty="0" smtClean="0">
+              <a:rPr lang="fa-IR" sz="2200" dirty="0" smtClean="0">
                 <a:solidFill>
                   <a:srgbClr val="C00000"/>
                 </a:solidFill>
-                <a:cs typeface="B Nazanin" panose="00000400000000000000" pitchFamily="2" charset="-78"/>
-              </a:rPr>
-              <a:t>مسیریاب‌رویداد</a:t>
-            </a:r>
-            <a:r>
-              <a:rPr lang="fa-IR" sz="2000" dirty="0" smtClean="0">
-                <a:cs typeface="B Nazanin" panose="00000400000000000000" pitchFamily="2" charset="-78"/>
-              </a:rPr>
-              <a:t> </a:t>
-            </a:r>
-          </a:p>
-          <a:p>
-            <a:pPr marL="0" indent="0" algn="r" rtl="1">
+                <a:latin typeface="B Nazanin" panose="00000400000000000000" pitchFamily="2" charset="-78"/>
+                <a:ea typeface="Calibri" panose="020F0502020204030204" pitchFamily="34" charset="0"/>
+                <a:cs typeface="B Nazanin" panose="00000400000000000000" pitchFamily="2" charset="-78"/>
+              </a:rPr>
+              <a:t>انتقال بلادرنگ</a:t>
+            </a:r>
+          </a:p>
+          <a:p>
+            <a:pPr marL="0" marR="0" indent="0" algn="just" rtl="1">
+              <a:lnSpc>
+                <a:spcPct val="150000"/>
+              </a:lnSpc>
+              <a:spcBef>
+                <a:spcPts val="600"/>
+              </a:spcBef>
+              <a:spcAft>
+                <a:spcPts val="600"/>
+              </a:spcAft>
               <a:buNone/>
             </a:pPr>
             <a:r>
-              <a:rPr lang="fa-IR" sz="2000" dirty="0" smtClean="0">
-                <a:cs typeface="B Nazanin" panose="00000400000000000000" pitchFamily="2" charset="-78"/>
-              </a:rPr>
-              <a:t>    وظیفه </a:t>
-            </a:r>
-            <a:r>
-              <a:rPr lang="fa-IR" sz="2000" dirty="0">
-                <a:cs typeface="B Nazanin" panose="00000400000000000000" pitchFamily="2" charset="-78"/>
-              </a:rPr>
-              <a:t>فیلتر ، پردازش و مسیریابی رویدادها برای رسیدن به </a:t>
-            </a:r>
-            <a:r>
-              <a:rPr lang="fa-IR" sz="2000" dirty="0" smtClean="0">
-                <a:solidFill>
-                  <a:srgbClr val="C00000"/>
-                </a:solidFill>
-                <a:cs typeface="B Nazanin" panose="00000400000000000000" pitchFamily="2" charset="-78"/>
-              </a:rPr>
-              <a:t>مصرف‌کنندگان رویداد </a:t>
-            </a:r>
-            <a:r>
-              <a:rPr lang="fa-IR" sz="2000" dirty="0">
-                <a:cs typeface="B Nazanin" panose="00000400000000000000" pitchFamily="2" charset="-78"/>
-              </a:rPr>
-              <a:t>برعهده</a:t>
-            </a:r>
-            <a:r>
-              <a:rPr lang="fa-IR" sz="2000" dirty="0">
-                <a:solidFill>
-                  <a:srgbClr val="C00000"/>
-                </a:solidFill>
-                <a:cs typeface="B Nazanin" panose="00000400000000000000" pitchFamily="2" charset="-78"/>
-              </a:rPr>
-              <a:t> </a:t>
-            </a:r>
-            <a:r>
-              <a:rPr lang="fa-IR" sz="2000" dirty="0" smtClean="0">
-                <a:solidFill>
-                  <a:srgbClr val="C00000"/>
-                </a:solidFill>
-                <a:cs typeface="B Nazanin" panose="00000400000000000000" pitchFamily="2" charset="-78"/>
-              </a:rPr>
-              <a:t>مسیریاب‌رویداد </a:t>
-            </a:r>
-            <a:r>
-              <a:rPr lang="fa-IR" sz="2000" dirty="0">
-                <a:cs typeface="B Nazanin" panose="00000400000000000000" pitchFamily="2" charset="-78"/>
-              </a:rPr>
-              <a:t>است </a:t>
-            </a:r>
-            <a:endParaRPr lang="fa-IR" sz="2000" dirty="0" smtClean="0">
+              <a:rPr lang="fa-IR" sz="2200" dirty="0">
+                <a:latin typeface="B Nazanin" panose="00000400000000000000" pitchFamily="2" charset="-78"/>
+                <a:ea typeface="Calibri" panose="020F0502020204030204" pitchFamily="34" charset="0"/>
+                <a:cs typeface="B Nazanin" panose="00000400000000000000" pitchFamily="2" charset="-78"/>
+              </a:rPr>
+              <a:t>تولییدکنندگان رویداد، رویدادها را در صورت وقوع و به صورت بلادرنگ برای مصرف کنندگان رویداد منتشر می کنند. نحوه پردازش یا انتقال به جای پردازش دسته ای به صورت بلادرنگ  است </a:t>
+            </a:r>
+            <a:r>
+              <a:rPr lang="fa-IR" sz="2200" dirty="0" smtClean="0">
+                <a:latin typeface="B Nazanin" panose="00000400000000000000" pitchFamily="2" charset="-78"/>
+                <a:ea typeface="Calibri" panose="020F0502020204030204" pitchFamily="34" charset="0"/>
+                <a:cs typeface="B Nazanin" panose="00000400000000000000" pitchFamily="2" charset="-78"/>
+              </a:rPr>
+              <a:t>.</a:t>
+            </a:r>
+            <a:endParaRPr lang="fa-IR" sz="2200" dirty="0" smtClean="0">
+              <a:solidFill>
+                <a:srgbClr val="C00000"/>
+              </a:solidFill>
+              <a:latin typeface="B Nazanin" panose="00000400000000000000" pitchFamily="2" charset="-78"/>
+              <a:ea typeface="Calibri" panose="020F0502020204030204" pitchFamily="34" charset="0"/>
               <a:cs typeface="B Nazanin" panose="00000400000000000000" pitchFamily="2" charset="-78"/>
             </a:endParaRPr>
           </a:p>
           <a:p>
-            <a:pPr algn="r" rtl="1">
+            <a:pPr marL="114300" marR="0" indent="-342900" algn="just" rtl="1">
+              <a:lnSpc>
+                <a:spcPct val="150000"/>
+              </a:lnSpc>
+              <a:spcBef>
+                <a:spcPts val="600"/>
+              </a:spcBef>
+              <a:spcAft>
+                <a:spcPts val="600"/>
+              </a:spcAft>
               <a:buFont typeface="Wingdings" panose="05000000000000000000" pitchFamily="2" charset="2"/>
               <a:buChar char="§"/>
             </a:pPr>
             <a:r>
-              <a:rPr lang="fa-IR" sz="2000" dirty="0" smtClean="0">
+              <a:rPr lang="fa-IR" sz="2200" dirty="0" smtClean="0">
                 <a:solidFill>
                   <a:srgbClr val="C00000"/>
                 </a:solidFill>
-                <a:cs typeface="B Nazanin" panose="00000400000000000000" pitchFamily="2" charset="-78"/>
-              </a:rPr>
-              <a:t>مصرف‌کننده‌رویداد </a:t>
-            </a:r>
-          </a:p>
-          <a:p>
-            <a:pPr marL="0" indent="0" algn="r" rtl="1">
+                <a:latin typeface="B Nazanin" panose="00000400000000000000" pitchFamily="2" charset="-78"/>
+                <a:ea typeface="Calibri" panose="020F0502020204030204" pitchFamily="34" charset="0"/>
+                <a:cs typeface="B Nazanin" panose="00000400000000000000" pitchFamily="2" charset="-78"/>
+              </a:rPr>
+              <a:t>ارتباطات ناهمزمان</a:t>
+            </a:r>
+          </a:p>
+          <a:p>
+            <a:pPr marL="0" marR="0" indent="0" algn="just" rtl="1">
+              <a:lnSpc>
+                <a:spcPct val="150000"/>
+              </a:lnSpc>
+              <a:spcBef>
+                <a:spcPts val="600"/>
+              </a:spcBef>
+              <a:spcAft>
+                <a:spcPts val="600"/>
+              </a:spcAft>
               <a:buNone/>
             </a:pPr>
             <a:r>
-              <a:rPr lang="fa-IR" sz="2000" dirty="0" smtClean="0">
-                <a:solidFill>
-                  <a:srgbClr val="C00000"/>
-                </a:solidFill>
-                <a:cs typeface="B Nazanin" panose="00000400000000000000" pitchFamily="2" charset="-78"/>
-              </a:rPr>
-              <a:t>رویداد</a:t>
-            </a:r>
-            <a:r>
-              <a:rPr lang="fa-IR" sz="2000" dirty="0" smtClean="0">
-                <a:cs typeface="B Nazanin" panose="00000400000000000000" pitchFamily="2" charset="-78"/>
-              </a:rPr>
-              <a:t> را دریافت و پردازش کرده  و نسبت به آن اقدام مناسبی را اتخاذ می‌کند </a:t>
-            </a:r>
-            <a:r>
-              <a:rPr lang="fa-IR" dirty="0" smtClean="0">
-                <a:cs typeface="B Nazanin" panose="00000400000000000000" pitchFamily="2" charset="-78"/>
-              </a:rPr>
-              <a:t>. </a:t>
-            </a:r>
-          </a:p>
-          <a:p>
-            <a:pPr algn="r" rtl="1">
+              <a:rPr lang="fa-IR" sz="2200" dirty="0">
+                <a:latin typeface="B Nazanin" panose="00000400000000000000" pitchFamily="2" charset="-78"/>
+                <a:ea typeface="Calibri" panose="020F0502020204030204" pitchFamily="34" charset="0"/>
+                <a:cs typeface="B Nazanin" panose="00000400000000000000" pitchFamily="2" charset="-78"/>
+              </a:rPr>
+              <a:t>تولییدکنده رویداد منتظر نمی ماند تا مصرف‌کننده رویداد یک رویداد را قبل از ارسال رویداد بعدی پردازش </a:t>
+            </a:r>
+            <a:r>
+              <a:rPr lang="fa-IR" sz="2200" dirty="0" smtClean="0">
+                <a:latin typeface="B Nazanin" panose="00000400000000000000" pitchFamily="2" charset="-78"/>
+                <a:ea typeface="Calibri" panose="020F0502020204030204" pitchFamily="34" charset="0"/>
+                <a:cs typeface="B Nazanin" panose="00000400000000000000" pitchFamily="2" charset="-78"/>
+              </a:rPr>
+              <a:t>کند.</a:t>
+            </a:r>
+            <a:endParaRPr lang="fa-IR" sz="2200" dirty="0" smtClean="0">
+              <a:solidFill>
+                <a:srgbClr val="C00000"/>
+              </a:solidFill>
+              <a:latin typeface="B Nazanin" panose="00000400000000000000" pitchFamily="2" charset="-78"/>
+              <a:ea typeface="Calibri" panose="020F0502020204030204" pitchFamily="34" charset="0"/>
+              <a:cs typeface="B Nazanin" panose="00000400000000000000" pitchFamily="2" charset="-78"/>
+            </a:endParaRPr>
+          </a:p>
+          <a:p>
+            <a:pPr marL="114300" marR="0" indent="-342900" algn="just" rtl="1">
+              <a:lnSpc>
+                <a:spcPct val="150000"/>
+              </a:lnSpc>
+              <a:spcBef>
+                <a:spcPts val="600"/>
+              </a:spcBef>
+              <a:spcAft>
+                <a:spcPts val="600"/>
+              </a:spcAft>
               <a:buFont typeface="Wingdings" panose="05000000000000000000" pitchFamily="2" charset="2"/>
               <a:buChar char="§"/>
             </a:pPr>
-            <a:endParaRPr lang="fa-IR" dirty="0"/>
+            <a:r>
+              <a:rPr lang="fa-IR" sz="2200" dirty="0" smtClean="0">
+                <a:solidFill>
+                  <a:srgbClr val="C00000"/>
+                </a:solidFill>
+                <a:latin typeface="B Nazanin" panose="00000400000000000000" pitchFamily="2" charset="-78"/>
+                <a:ea typeface="Calibri" panose="020F0502020204030204" pitchFamily="34" charset="0"/>
+                <a:cs typeface="B Nazanin" panose="00000400000000000000" pitchFamily="2" charset="-78"/>
+              </a:rPr>
+              <a:t>ارتباطات ریز دانه</a:t>
+            </a:r>
+            <a:endParaRPr lang="fa-IR" sz="2200" dirty="0">
+              <a:solidFill>
+                <a:srgbClr val="C00000"/>
+              </a:solidFill>
+              <a:latin typeface="B Nazanin" panose="00000400000000000000" pitchFamily="2" charset="-78"/>
+              <a:ea typeface="Calibri" panose="020F0502020204030204" pitchFamily="34" charset="0"/>
+              <a:cs typeface="B Nazanin" panose="00000400000000000000" pitchFamily="2" charset="-78"/>
+            </a:endParaRPr>
+          </a:p>
+          <a:p>
+            <a:pPr marL="0" marR="0" indent="0" algn="just" rtl="1">
+              <a:lnSpc>
+                <a:spcPct val="150000"/>
+              </a:lnSpc>
+              <a:spcBef>
+                <a:spcPts val="600"/>
+              </a:spcBef>
+              <a:spcAft>
+                <a:spcPts val="600"/>
+              </a:spcAft>
+              <a:buNone/>
+            </a:pPr>
+            <a:r>
+              <a:rPr lang="fa-IR" sz="2200" dirty="0">
+                <a:latin typeface="B Nazanin" panose="00000400000000000000" pitchFamily="2" charset="-78"/>
+                <a:ea typeface="Calibri" panose="020F0502020204030204" pitchFamily="34" charset="0"/>
+                <a:cs typeface="B Nazanin" panose="00000400000000000000" pitchFamily="2" charset="-78"/>
+              </a:rPr>
+              <a:t>تولییدکنندگان رویداد به جای اینکه منتظر یک رویداد تجمعی باشند تا آنرا منتشر کنند اقدام به انتشار رویدادهای ریزدانه تکی می‌نمایند </a:t>
+            </a:r>
+            <a:r>
+              <a:rPr lang="fa-IR" sz="2200" dirty="0" smtClean="0">
+                <a:latin typeface="B Nazanin" panose="00000400000000000000" pitchFamily="2" charset="-78"/>
+                <a:ea typeface="Calibri" panose="020F0502020204030204" pitchFamily="34" charset="0"/>
+                <a:cs typeface="B Nazanin" panose="00000400000000000000" pitchFamily="2" charset="-78"/>
+              </a:rPr>
+              <a:t>.</a:t>
+            </a:r>
+            <a:endParaRPr lang="fa-IR" sz="2200" dirty="0" smtClean="0">
+              <a:latin typeface="B Nazanin" panose="00000400000000000000" pitchFamily="2" charset="-78"/>
+              <a:ea typeface="Calibri" panose="020F0502020204030204" pitchFamily="34" charset="0"/>
+              <a:cs typeface="B Nazanin" panose="00000400000000000000" pitchFamily="2" charset="-78"/>
+            </a:endParaRPr>
+          </a:p>
+          <a:p>
+            <a:pPr marL="0" marR="0" indent="0" algn="just" rtl="1">
+              <a:lnSpc>
+                <a:spcPct val="150000"/>
+              </a:lnSpc>
+              <a:spcBef>
+                <a:spcPts val="600"/>
+              </a:spcBef>
+              <a:spcAft>
+                <a:spcPts val="600"/>
+              </a:spcAft>
+              <a:buNone/>
+            </a:pPr>
+            <a:endParaRPr lang="en-US" dirty="0"/>
           </a:p>
         </p:txBody>
       </p:sp>
@@ -9845,9 +10215,9 @@
           <a:bodyPr/>
           <a:lstStyle/>
           <a:p>
-            <a:fld id="{C2DB2716-ABCB-47E4-A5E7-31908A35B483}" type="uaqdatetime1">
+            <a:fld id="{99F17209-2804-43DE-A57B-2B84D7B02C1B}" type="uaqdatetime1">
               <a:rPr lang="fa-IR" smtClean="0"/>
-              <a:t>11/06/1443</a:t>
+              <a:t>12/06/1443</a:t>
             </a:fld>
             <a:endParaRPr lang="en-US"/>
           </a:p>
@@ -9879,7 +10249,7 @@
     </p:spTree>
     <p:extLst>
       <p:ext uri="{BB962C8B-B14F-4D97-AF65-F5344CB8AC3E}">
-        <p14:creationId xmlns:p14="http://schemas.microsoft.com/office/powerpoint/2010/main" val="2342865760"/>
+        <p14:creationId xmlns:p14="http://schemas.microsoft.com/office/powerpoint/2010/main" val="842503306"/>
       </p:ext>
     </p:extLst>
   </p:cSld>
@@ -9926,26 +10296,35 @@
         <p:spPr>
           <a:xfrm>
             <a:off x="838200" y="365126"/>
-            <a:ext cx="10515600" cy="613930"/>
+            <a:ext cx="10515600" cy="937202"/>
           </a:xfrm>
         </p:spPr>
         <p:txBody>
           <a:bodyPr>
-            <a:normAutofit fontScale="90000"/>
+            <a:normAutofit/>
           </a:bodyPr>
           <a:lstStyle/>
           <a:p>
             <a:pPr algn="ctr"/>
             <a:r>
-              <a:rPr lang="fa-IR" u="sng" dirty="0" smtClean="0">
+              <a:rPr lang="fa-IR" sz="4000" dirty="0" smtClean="0">
                 <a:solidFill>
                   <a:srgbClr val="C00000"/>
                 </a:solidFill>
                 <a:cs typeface="B Nazanin" panose="00000400000000000000" pitchFamily="2" charset="-78"/>
               </a:rPr>
-              <a:t>نحوه كاركرد الگوي معماري رويداد محور </a:t>
-            </a:r>
-            <a:endParaRPr lang="en-US" u="sng" dirty="0">
+              <a:t>ا</a:t>
+            </a:r>
+            <a:r>
+              <a:rPr lang="fa-IR" sz="4000" u="sng" dirty="0" smtClean="0">
+                <a:solidFill>
+                  <a:srgbClr val="C00000"/>
+                </a:solidFill>
+                <a:cs typeface="B Nazanin" panose="00000400000000000000" pitchFamily="2" charset="-78"/>
+              </a:rPr>
+              <a:t>جزای اصلی تشکیل دهنده الگوی معماری رویداد محور </a:t>
+            </a:r>
+            <a:endParaRPr lang="fa-IR" sz="4000" u="sng" dirty="0">
               <a:solidFill>
                 <a:srgbClr val="C00000"/>
               </a:solidFill>
@@ -9964,403 +10343,207 @@
             <p:ph idx="1"/>
           </p:nvPr>
         </p:nvSpPr>
-        <p:spPr>
-          <a:xfrm>
-            <a:off x="677333" y="1071419"/>
-            <a:ext cx="11126739" cy="4969944"/>
-          </a:xfrm>
-        </p:spPr>
-        <p:txBody>
-          <a:bodyPr>
-            <a:noAutofit/>
-          </a:bodyPr>
-          <a:lstStyle/>
+        <p:spPr/>
+        <p:txBody>
+          <a:bodyPr/>
+          <a:lstStyle/>
+          <a:p>
+            <a:pPr marL="0" indent="0" algn="r" rtl="1">
+              <a:buNone/>
+            </a:pPr>
+            <a:r>
+              <a:rPr lang="fa-IR" sz="2000" dirty="0" smtClean="0">
+                <a:cs typeface="B Nazanin" panose="00000400000000000000" pitchFamily="2" charset="-78"/>
+              </a:rPr>
+              <a:t>الگوی معماری رویداد محور از سه بخش اصلی تشکیل می‌شوند که عبارتند از:</a:t>
+            </a:r>
+          </a:p>
           <a:p>
             <a:pPr algn="r" rtl="1">
-              <a:lnSpc>
-                <a:spcPct val="150000"/>
-              </a:lnSpc>
               <a:buFont typeface="Wingdings" panose="05000000000000000000" pitchFamily="2" charset="2"/>
               <a:buChar char="§"/>
             </a:pPr>
             <a:r>
               <a:rPr lang="fa-IR" sz="2000" dirty="0" smtClean="0">
-                <a:cs typeface="B Nazanin" panose="00000400000000000000" pitchFamily="2" charset="-78"/>
-              </a:rPr>
-              <a:t>معماری </a:t>
-            </a:r>
+                <a:solidFill>
+                  <a:srgbClr val="C00000"/>
+                </a:solidFill>
+                <a:cs typeface="B Nazanin" panose="00000400000000000000" pitchFamily="2" charset="-78"/>
+              </a:rPr>
+              <a:t>تولیید‌کننده‌رویداد </a:t>
+            </a:r>
+          </a:p>
+          <a:p>
+            <a:pPr marL="0" indent="0" algn="r" rtl="1">
+              <a:buNone/>
+            </a:pPr>
             <a:r>
               <a:rPr lang="fa-IR" sz="2000" dirty="0" smtClean="0">
                 <a:cs typeface="B Nazanin" panose="00000400000000000000" pitchFamily="2" charset="-78"/>
               </a:rPr>
-              <a:t>رویداد محور از سه بخش </a:t>
+              <a:t>مسئول تولیید و انتشار</a:t>
             </a:r>
             <a:r>
               <a:rPr lang="fa-IR" sz="2000" dirty="0" smtClean="0">
                 <a:solidFill>
+                  <a:srgbClr val="FF0000"/>
+                </a:solidFill>
+                <a:cs typeface="B Nazanin" panose="00000400000000000000" pitchFamily="2" charset="-78"/>
+              </a:rPr>
+              <a:t> </a:t>
+            </a:r>
+            <a:r>
+              <a:rPr lang="fa-IR" sz="2000" dirty="0" smtClean="0">
+                <a:solidFill>
                   <a:srgbClr val="C00000"/>
                 </a:solidFill>
                 <a:cs typeface="B Nazanin" panose="00000400000000000000" pitchFamily="2" charset="-78"/>
               </a:rPr>
-              <a:t>تولییدکننده رویداد </a:t>
+              <a:t>رویدادها</a:t>
             </a:r>
             <a:r>
               <a:rPr lang="fa-IR" sz="2000" dirty="0" smtClean="0">
-                <a:cs typeface="B Nazanin" panose="00000400000000000000" pitchFamily="2" charset="-78"/>
-              </a:rPr>
-              <a:t>، </a:t>
+                <a:solidFill>
+                  <a:srgbClr val="FF0000"/>
+                </a:solidFill>
+                <a:cs typeface="B Nazanin" panose="00000400000000000000" pitchFamily="2" charset="-78"/>
+              </a:rPr>
+              <a:t> </a:t>
             </a:r>
             <a:r>
               <a:rPr lang="fa-IR" sz="2000" dirty="0" smtClean="0">
-                <a:solidFill>
-                  <a:srgbClr val="C00000"/>
-                </a:solidFill>
-                <a:cs typeface="B Nazanin" panose="00000400000000000000" pitchFamily="2" charset="-78"/>
-              </a:rPr>
-              <a:t>مصرف‌کننده رویداد </a:t>
-            </a:r>
-            <a:r>
-              <a:rPr lang="fa-IR" sz="2000" dirty="0" smtClean="0">
-                <a:cs typeface="B Nazanin" panose="00000400000000000000" pitchFamily="2" charset="-78"/>
-              </a:rPr>
-              <a:t>و </a:t>
-            </a:r>
-            <a:r>
-              <a:rPr lang="fa-IR" sz="2000" dirty="0" smtClean="0">
-                <a:solidFill>
-                  <a:srgbClr val="C00000"/>
-                </a:solidFill>
-                <a:cs typeface="B Nazanin" panose="00000400000000000000" pitchFamily="2" charset="-78"/>
-              </a:rPr>
-              <a:t>مسیریاب رویداد </a:t>
-            </a:r>
-            <a:r>
-              <a:rPr lang="fa-IR" sz="2000" dirty="0" smtClean="0">
-                <a:cs typeface="B Nazanin" panose="00000400000000000000" pitchFamily="2" charset="-78"/>
-              </a:rPr>
-              <a:t>تشکیل می‌شود.</a:t>
+                <a:cs typeface="B Nazanin" panose="00000400000000000000" pitchFamily="2" charset="-78"/>
+              </a:rPr>
+              <a:t>می‌باشد .</a:t>
             </a:r>
           </a:p>
           <a:p>
             <a:pPr algn="r" rtl="1">
-              <a:lnSpc>
-                <a:spcPct val="150000"/>
-              </a:lnSpc>
               <a:buFont typeface="Wingdings" panose="05000000000000000000" pitchFamily="2" charset="2"/>
               <a:buChar char="§"/>
             </a:pPr>
             <a:r>
               <a:rPr lang="fa-IR" sz="2000" dirty="0" smtClean="0">
-                <a:cs typeface="B Nazanin" panose="00000400000000000000" pitchFamily="2" charset="-78"/>
-              </a:rPr>
-              <a:t> یک </a:t>
+                <a:solidFill>
+                  <a:srgbClr val="C00000"/>
+                </a:solidFill>
+                <a:cs typeface="B Nazanin" panose="00000400000000000000" pitchFamily="2" charset="-78"/>
+              </a:rPr>
+              <a:t>مسیریاب‌رویداد</a:t>
             </a:r>
             <a:r>
               <a:rPr lang="fa-IR" sz="2000" dirty="0" smtClean="0">
+                <a:cs typeface="B Nazanin" panose="00000400000000000000" pitchFamily="2" charset="-78"/>
+              </a:rPr>
+              <a:t> </a:t>
+            </a:r>
+          </a:p>
+          <a:p>
+            <a:pPr marL="0" indent="0" algn="r" rtl="1">
+              <a:buNone/>
+            </a:pPr>
+            <a:r>
+              <a:rPr lang="fa-IR" sz="2000" dirty="0" smtClean="0">
+                <a:cs typeface="B Nazanin" panose="00000400000000000000" pitchFamily="2" charset="-78"/>
+              </a:rPr>
+              <a:t>    وظیفه </a:t>
+            </a:r>
+            <a:r>
+              <a:rPr lang="fa-IR" sz="2000" dirty="0">
+                <a:cs typeface="B Nazanin" panose="00000400000000000000" pitchFamily="2" charset="-78"/>
+              </a:rPr>
+              <a:t>فیلتر ، پردازش و مسیریابی رویدادها برای رسیدن به </a:t>
+            </a:r>
+            <a:r>
+              <a:rPr lang="fa-IR" sz="2000" dirty="0" smtClean="0">
                 <a:solidFill>
                   <a:srgbClr val="C00000"/>
                 </a:solidFill>
                 <a:cs typeface="B Nazanin" panose="00000400000000000000" pitchFamily="2" charset="-78"/>
               </a:rPr>
-              <a:t>تولییدکننده رویداد </a:t>
+              <a:t>مصرف‌کنندگان رویداد </a:t>
+            </a:r>
+            <a:r>
+              <a:rPr lang="fa-IR" sz="2000" dirty="0">
+                <a:cs typeface="B Nazanin" panose="00000400000000000000" pitchFamily="2" charset="-78"/>
+              </a:rPr>
+              <a:t>برعهده</a:t>
+            </a:r>
+            <a:r>
+              <a:rPr lang="fa-IR" sz="2000" dirty="0">
+                <a:solidFill>
+                  <a:srgbClr val="C00000"/>
+                </a:solidFill>
+                <a:cs typeface="B Nazanin" panose="00000400000000000000" pitchFamily="2" charset="-78"/>
+              </a:rPr>
+              <a:t> </a:t>
             </a:r>
             <a:r>
               <a:rPr lang="fa-IR" sz="2000" dirty="0" smtClean="0">
-                <a:cs typeface="B Nazanin" panose="00000400000000000000" pitchFamily="2" charset="-78"/>
-              </a:rPr>
-              <a:t>یک </a:t>
-            </a:r>
-            <a:r>
-              <a:rPr lang="fa-IR" sz="2000" dirty="0" smtClean="0">
                 <a:solidFill>
                   <a:srgbClr val="C00000"/>
                 </a:solidFill>
                 <a:cs typeface="B Nazanin" panose="00000400000000000000" pitchFamily="2" charset="-78"/>
               </a:rPr>
-              <a:t>رویداد</a:t>
-            </a:r>
-            <a:r>
-              <a:rPr lang="fa-IR" sz="2000" dirty="0" smtClean="0">
-                <a:cs typeface="B Nazanin" panose="00000400000000000000" pitchFamily="2" charset="-78"/>
-              </a:rPr>
-              <a:t> را تشخیص یا حس می‌کند و رویداد  را به عنوان پیام نمایش می‌دهد . </a:t>
-            </a:r>
+              <a:t>مسیریاب‌رویداد </a:t>
+            </a:r>
+            <a:r>
+              <a:rPr lang="fa-IR" sz="2000" dirty="0">
+                <a:cs typeface="B Nazanin" panose="00000400000000000000" pitchFamily="2" charset="-78"/>
+              </a:rPr>
+              <a:t>است </a:t>
+            </a:r>
+            <a:endParaRPr lang="fa-IR" sz="2000" dirty="0" smtClean="0">
+              <a:cs typeface="B Nazanin" panose="00000400000000000000" pitchFamily="2" charset="-78"/>
+            </a:endParaRPr>
           </a:p>
           <a:p>
             <a:pPr algn="r" rtl="1">
-              <a:lnSpc>
-                <a:spcPct val="150000"/>
-              </a:lnSpc>
               <a:buFont typeface="Wingdings" panose="05000000000000000000" pitchFamily="2" charset="2"/>
               <a:buChar char="§"/>
             </a:pPr>
             <a:r>
               <a:rPr lang="fa-IR" sz="2000" dirty="0" smtClean="0">
-                <a:cs typeface="B Nazanin" panose="00000400000000000000" pitchFamily="2" charset="-78"/>
-              </a:rPr>
-              <a:t> </a:t>
-            </a:r>
-            <a:r>
-              <a:rPr lang="fa-IR" sz="2000" dirty="0">
-                <a:cs typeface="B Nazanin" panose="00000400000000000000" pitchFamily="2" charset="-78"/>
-              </a:rPr>
-              <a:t>پس </a:t>
-            </a:r>
+                <a:solidFill>
+                  <a:srgbClr val="C00000"/>
+                </a:solidFill>
+                <a:cs typeface="B Nazanin" panose="00000400000000000000" pitchFamily="2" charset="-78"/>
+              </a:rPr>
+              <a:t>مصرف‌کننده‌رویداد </a:t>
+            </a:r>
+          </a:p>
+          <a:p>
+            <a:pPr marL="0" indent="0" algn="r" rtl="1">
+              <a:buNone/>
+            </a:pPr>
             <a:r>
               <a:rPr lang="fa-IR" sz="2000" dirty="0" smtClean="0">
-                <a:cs typeface="B Nazanin" panose="00000400000000000000" pitchFamily="2" charset="-78"/>
-              </a:rPr>
-              <a:t>از مرحله  شناسایی، </a:t>
-            </a:r>
-            <a:r>
-              <a:rPr lang="fa-IR" sz="2000" dirty="0">
-                <a:cs typeface="B Nazanin" panose="00000400000000000000" pitchFamily="2" charset="-78"/>
-              </a:rPr>
-              <a:t>یک </a:t>
+                <a:solidFill>
+                  <a:srgbClr val="C00000"/>
+                </a:solidFill>
+                <a:cs typeface="B Nazanin" panose="00000400000000000000" pitchFamily="2" charset="-78"/>
+              </a:rPr>
+              <a:t>رویداد</a:t>
             </a:r>
             <a:r>
               <a:rPr lang="fa-IR" sz="2000" dirty="0" smtClean="0">
-                <a:solidFill>
-                  <a:srgbClr val="C00000"/>
-                </a:solidFill>
-                <a:cs typeface="B Nazanin" panose="00000400000000000000" pitchFamily="2" charset="-78"/>
-              </a:rPr>
-              <a:t>رویداد</a:t>
-            </a:r>
-            <a:r>
-              <a:rPr lang="fa-IR" sz="2000" dirty="0" smtClean="0">
-                <a:cs typeface="B Nazanin" panose="00000400000000000000" pitchFamily="2" charset="-78"/>
-              </a:rPr>
-              <a:t> </a:t>
-            </a:r>
-            <a:r>
-              <a:rPr lang="fa-IR" sz="2000" dirty="0">
-                <a:cs typeface="B Nazanin" panose="00000400000000000000" pitchFamily="2" charset="-78"/>
-              </a:rPr>
-              <a:t>از </a:t>
-            </a:r>
-            <a:r>
-              <a:rPr lang="fa-IR" sz="2000" dirty="0">
-                <a:solidFill>
-                  <a:srgbClr val="C00000"/>
-                </a:solidFill>
-                <a:cs typeface="B Nazanin" panose="00000400000000000000" pitchFamily="2" charset="-78"/>
-              </a:rPr>
-              <a:t>تولیدکننده رویداد </a:t>
-            </a:r>
-            <a:r>
-              <a:rPr lang="fa-IR" sz="2000" dirty="0">
-                <a:cs typeface="B Nazanin" panose="00000400000000000000" pitchFamily="2" charset="-78"/>
-              </a:rPr>
-              <a:t>از طریق </a:t>
-            </a:r>
-            <a:r>
-              <a:rPr lang="fa-IR" sz="2000" dirty="0">
-                <a:solidFill>
-                  <a:srgbClr val="C00000"/>
-                </a:solidFill>
-                <a:cs typeface="B Nazanin" panose="00000400000000000000" pitchFamily="2" charset="-78"/>
-              </a:rPr>
-              <a:t>مسیریاب رویداد  </a:t>
-            </a:r>
-            <a:r>
-              <a:rPr lang="fa-IR" sz="2000" dirty="0">
-                <a:cs typeface="B Nazanin" panose="00000400000000000000" pitchFamily="2" charset="-78"/>
-              </a:rPr>
-              <a:t>به </a:t>
-            </a:r>
-            <a:r>
-              <a:rPr lang="fa-IR" sz="2000" dirty="0">
-                <a:solidFill>
-                  <a:srgbClr val="C00000"/>
-                </a:solidFill>
-                <a:cs typeface="B Nazanin" panose="00000400000000000000" pitchFamily="2" charset="-78"/>
-              </a:rPr>
-              <a:t>مصرف کنندگان رویداد </a:t>
-            </a:r>
-            <a:r>
-              <a:rPr lang="fa-IR" sz="2000" dirty="0">
-                <a:cs typeface="B Nazanin" panose="00000400000000000000" pitchFamily="2" charset="-78"/>
-              </a:rPr>
-              <a:t>منتقل می شود، جایی که یک </a:t>
-            </a:r>
-            <a:r>
-              <a:rPr lang="fa-IR" sz="2000" dirty="0">
-                <a:solidFill>
-                  <a:srgbClr val="C00000"/>
-                </a:solidFill>
-                <a:cs typeface="B Nazanin" panose="00000400000000000000" pitchFamily="2" charset="-78"/>
-              </a:rPr>
-              <a:t>پلت فرم پردازش رویداد </a:t>
-            </a:r>
-            <a:r>
-              <a:rPr lang="fa-IR" sz="2000" dirty="0">
-                <a:cs typeface="B Nazanin" panose="00000400000000000000" pitchFamily="2" charset="-78"/>
-              </a:rPr>
-              <a:t>، رویداد را به صورت </a:t>
-            </a:r>
-            <a:r>
-              <a:rPr lang="fa-IR" sz="2000" dirty="0">
-                <a:solidFill>
-                  <a:srgbClr val="C00000"/>
-                </a:solidFill>
-                <a:cs typeface="B Nazanin" panose="00000400000000000000" pitchFamily="2" charset="-78"/>
-              </a:rPr>
-              <a:t>ناهمزمان</a:t>
-            </a:r>
-            <a:r>
-              <a:rPr lang="fa-IR" sz="2000" dirty="0">
-                <a:cs typeface="B Nazanin" panose="00000400000000000000" pitchFamily="2" charset="-78"/>
-              </a:rPr>
-              <a:t> پردازش می کند. </a:t>
-            </a:r>
-            <a:endParaRPr lang="fa-IR" sz="2000" dirty="0" smtClean="0">
-              <a:cs typeface="B Nazanin" panose="00000400000000000000" pitchFamily="2" charset="-78"/>
-            </a:endParaRPr>
+                <a:cs typeface="B Nazanin" panose="00000400000000000000" pitchFamily="2" charset="-78"/>
+              </a:rPr>
+              <a:t> را دریافت و پردازش کرده  و نسبت به آن اقدام مناسبی را اتخاذ می‌کند </a:t>
+            </a:r>
+            <a:r>
+              <a:rPr lang="fa-IR" dirty="0" smtClean="0">
+                <a:cs typeface="B Nazanin" panose="00000400000000000000" pitchFamily="2" charset="-78"/>
+              </a:rPr>
+              <a:t>. </a:t>
+            </a:r>
           </a:p>
           <a:p>
             <a:pPr algn="r" rtl="1">
-              <a:lnSpc>
-                <a:spcPct val="150000"/>
-              </a:lnSpc>
               <a:buFont typeface="Wingdings" panose="05000000000000000000" pitchFamily="2" charset="2"/>
               <a:buChar char="§"/>
             </a:pPr>
-            <a:r>
-              <a:rPr lang="fa-IR" sz="2000" dirty="0" smtClean="0">
-                <a:solidFill>
-                  <a:srgbClr val="C00000"/>
-                </a:solidFill>
-                <a:cs typeface="B Nazanin" panose="00000400000000000000" pitchFamily="2" charset="-78"/>
-              </a:rPr>
-              <a:t>رویداد </a:t>
-            </a:r>
-            <a:r>
-              <a:rPr lang="fa-IR" sz="2000" dirty="0" smtClean="0">
-                <a:cs typeface="B Nazanin" panose="00000400000000000000" pitchFamily="2" charset="-78"/>
-              </a:rPr>
-              <a:t>ممکن است توسط </a:t>
-            </a:r>
-            <a:r>
-              <a:rPr lang="fa-IR" sz="2000" dirty="0" smtClean="0">
-                <a:solidFill>
-                  <a:srgbClr val="C00000"/>
-                </a:solidFill>
-                <a:cs typeface="B Nazanin" panose="00000400000000000000" pitchFamily="2" charset="-78"/>
-              </a:rPr>
-              <a:t>مصرف‌کننده‌های رویداد </a:t>
-            </a:r>
-            <a:r>
-              <a:rPr lang="fa-IR" sz="2000" dirty="0" smtClean="0">
-                <a:cs typeface="B Nazanin" panose="00000400000000000000" pitchFamily="2" charset="-78"/>
-              </a:rPr>
-              <a:t>پردازش شوند یا فقط آنها را تحت تاثیر قرار دهند . </a:t>
-            </a:r>
-          </a:p>
-          <a:p>
-            <a:pPr algn="r" rtl="1">
-              <a:lnSpc>
-                <a:spcPct val="150000"/>
-              </a:lnSpc>
-              <a:buFont typeface="Wingdings" panose="05000000000000000000" pitchFamily="2" charset="2"/>
-              <a:buChar char="§"/>
-            </a:pPr>
-            <a:r>
-              <a:rPr lang="fa-IR" sz="2000" dirty="0">
-                <a:cs typeface="B Nazanin" panose="00000400000000000000" pitchFamily="2" charset="-78"/>
-              </a:rPr>
-              <a:t> </a:t>
-            </a:r>
-            <a:r>
-              <a:rPr lang="fa-IR" sz="2000" dirty="0">
-                <a:solidFill>
-                  <a:srgbClr val="C00000"/>
-                </a:solidFill>
-                <a:cs typeface="B Nazanin" panose="00000400000000000000" pitchFamily="2" charset="-78"/>
-              </a:rPr>
-              <a:t>پلتفرم پردازش رویداد </a:t>
-            </a:r>
-            <a:r>
-              <a:rPr lang="fa-IR" sz="2000" dirty="0">
-                <a:cs typeface="B Nazanin" panose="00000400000000000000" pitchFamily="2" charset="-78"/>
-              </a:rPr>
-              <a:t>پاسخ صحیح به یک</a:t>
-            </a:r>
-            <a:r>
-              <a:rPr lang="fa-IR" sz="2000" dirty="0">
-                <a:solidFill>
-                  <a:srgbClr val="C00000"/>
-                </a:solidFill>
-                <a:cs typeface="B Nazanin" panose="00000400000000000000" pitchFamily="2" charset="-78"/>
-              </a:rPr>
-              <a:t> رویداد </a:t>
-            </a:r>
-            <a:r>
-              <a:rPr lang="fa-IR" sz="2000" dirty="0">
-                <a:cs typeface="B Nazanin" panose="00000400000000000000" pitchFamily="2" charset="-78"/>
-              </a:rPr>
-              <a:t>را اجرا می کند و فعالیت را در یک </a:t>
-            </a:r>
-            <a:r>
-              <a:rPr lang="fa-IR" sz="2000" dirty="0">
-                <a:solidFill>
-                  <a:srgbClr val="C00000"/>
-                </a:solidFill>
-                <a:cs typeface="B Nazanin" panose="00000400000000000000" pitchFamily="2" charset="-78"/>
-              </a:rPr>
-              <a:t>جریان سرازیری  </a:t>
-            </a:r>
-            <a:r>
-              <a:rPr lang="fa-IR" sz="2000" dirty="0">
-                <a:cs typeface="B Nazanin" panose="00000400000000000000" pitchFamily="2" charset="-78"/>
-              </a:rPr>
-              <a:t>به مصرف کنندگان مناسب ارسال می کند. این فعالیت جریان سرازیری جایی است که نتیجه یک رویداد دیده می </a:t>
-            </a:r>
-            <a:r>
-              <a:rPr lang="fa-IR" sz="2000" dirty="0" smtClean="0">
-                <a:cs typeface="B Nazanin" panose="00000400000000000000" pitchFamily="2" charset="-78"/>
-              </a:rPr>
-              <a:t>شود.</a:t>
-            </a:r>
-          </a:p>
-          <a:p>
-            <a:pPr algn="r" rtl="1">
-              <a:lnSpc>
-                <a:spcPct val="150000"/>
-              </a:lnSpc>
-              <a:buFont typeface="Wingdings" panose="05000000000000000000" pitchFamily="2" charset="2"/>
-              <a:buChar char="§"/>
-            </a:pPr>
-            <a:r>
-              <a:rPr lang="en-US" sz="2000" dirty="0">
-                <a:cs typeface="B Nazanin" panose="00000400000000000000" pitchFamily="2" charset="-78"/>
-              </a:rPr>
-              <a:t> </a:t>
-            </a:r>
-            <a:r>
-              <a:rPr lang="ar-SA" sz="2000" dirty="0">
-                <a:cs typeface="B Nazanin" panose="00000400000000000000" pitchFamily="2" charset="-78"/>
-              </a:rPr>
-              <a:t>یک از مشهورترین پلتفرم‌های جریان‌داده توزیع شده </a:t>
-            </a:r>
-            <a:r>
-              <a:rPr lang="ar-SA" sz="2000" dirty="0">
-                <a:solidFill>
-                  <a:srgbClr val="C00000"/>
-                </a:solidFill>
-                <a:cs typeface="B Nazanin" panose="00000400000000000000" pitchFamily="2" charset="-78"/>
-              </a:rPr>
-              <a:t>آپاچی کافکا </a:t>
-            </a:r>
-            <a:r>
-              <a:rPr lang="ar-SA" sz="2000" dirty="0">
-                <a:cs typeface="B Nazanin" panose="00000400000000000000" pitchFamily="2" charset="-78"/>
-              </a:rPr>
-              <a:t>است که یک انتخاب محبوب برای پردازش رویداد است. این پلتفرم می تواند انتشار، اشتراک، ذخیره و پردازش جریان های رویداد را به صورت بلادرنگ  انجام دهد. </a:t>
-            </a:r>
-            <a:endParaRPr lang="en-US" sz="2000" dirty="0">
-              <a:cs typeface="B Nazanin" panose="00000400000000000000" pitchFamily="2" charset="-78"/>
-            </a:endParaRPr>
+            <a:endParaRPr lang="fa-IR" dirty="0"/>
           </a:p>
         </p:txBody>
       </p:sp>
@@ -10379,9 +10562,9 @@
           <a:bodyPr/>
           <a:lstStyle/>
           <a:p>
-            <a:fld id="{006FBB09-33D0-4E85-A34E-7878EB333873}" type="uaqdatetime1">
+            <a:fld id="{C2DB2716-ABCB-47E4-A5E7-31908A35B483}" type="uaqdatetime1">
               <a:rPr lang="fa-IR" smtClean="0"/>
-              <a:t>11/06/1443</a:t>
+              <a:t>12/06/1443</a:t>
             </a:fld>
             <a:endParaRPr lang="en-US"/>
           </a:p>
@@ -10413,7 +10596,7 @@
     </p:spTree>
     <p:extLst>
       <p:ext uri="{BB962C8B-B14F-4D97-AF65-F5344CB8AC3E}">
-        <p14:creationId xmlns:p14="http://schemas.microsoft.com/office/powerpoint/2010/main" val="2605075168"/>
+        <p14:creationId xmlns:p14="http://schemas.microsoft.com/office/powerpoint/2010/main" val="2342865760"/>
       </p:ext>
     </p:extLst>
   </p:cSld>
@@ -10521,13 +10704,7 @@
               <a:rPr lang="fa-IR" sz="2000" dirty="0" smtClean="0">
                 <a:cs typeface="B Nazanin" panose="00000400000000000000" pitchFamily="2" charset="-78"/>
               </a:rPr>
-              <a:t>معماری </a:t>
-            </a:r>
-            <a:r>
-              <a:rPr lang="fa-IR" sz="2000" dirty="0" smtClean="0">
-                <a:cs typeface="B Nazanin" panose="00000400000000000000" pitchFamily="2" charset="-78"/>
-              </a:rPr>
-              <a:t>رویداد محور از سه بخش </a:t>
+              <a:t>معماری رویداد محور از سه بخش </a:t>
             </a:r>
             <a:r>
               <a:rPr lang="fa-IR" sz="2000" dirty="0" smtClean="0">
@@ -10915,7 +11092,7 @@
           <a:p>
             <a:fld id="{006FBB09-33D0-4E85-A34E-7878EB333873}" type="uaqdatetime1">
               <a:rPr lang="fa-IR" smtClean="0"/>
-              <a:t>11/06/1443</a:t>
+              <a:t>12/06/1443</a:t>
             </a:fld>
             <a:endParaRPr lang="en-US"/>
           </a:p>
@@ -10947,7 +11124,7 @@
     </p:spTree>
     <p:extLst>
       <p:ext uri="{BB962C8B-B14F-4D97-AF65-F5344CB8AC3E}">
-        <p14:creationId xmlns:p14="http://schemas.microsoft.com/office/powerpoint/2010/main" val="81556135"/>
+        <p14:creationId xmlns:p14="http://schemas.microsoft.com/office/powerpoint/2010/main" val="2605075168"/>
       </p:ext>
     </p:extLst>
   </p:cSld>
@@ -10991,12 +11168,19 @@
             <p:ph type="title"/>
           </p:nvPr>
         </p:nvSpPr>
-        <p:spPr/>
-        <p:txBody>
-          <a:bodyPr/>
-          <a:lstStyle/>
-          <a:p>
-            <a:pPr algn="ctr" rtl="1"/>
+        <p:spPr>
+          <a:xfrm>
+            <a:off x="838200" y="365126"/>
+            <a:ext cx="10515600" cy="613930"/>
+          </a:xfrm>
+        </p:spPr>
+        <p:txBody>
+          <a:bodyPr>
+            <a:normAutofit fontScale="90000"/>
+          </a:bodyPr>
+          <a:lstStyle/>
+          <a:p>
+            <a:pPr algn="ctr"/>
             <a:r>
               <a:rPr lang="fa-IR" u="sng" dirty="0" smtClean="0">
                 <a:solidFill>
@@ -11004,7 +11188,7 @@
                 </a:solidFill>
                 <a:cs typeface="B Nazanin" panose="00000400000000000000" pitchFamily="2" charset="-78"/>
               </a:rPr>
-              <a:t>سبك‌هاي مختلف الگوي معماري رويداد محور</a:t>
+              <a:t>نحوه كاركرد الگوي معماري رويداد محور </a:t>
             </a:r>
             <a:endParaRPr lang="en-US" u="sng" dirty="0">
               <a:solidFill>
@@ -11027,158 +11211,396 @@
         </p:nvSpPr>
         <p:spPr>
           <a:xfrm>
-            <a:off x="677333" y="1717965"/>
-            <a:ext cx="11071321" cy="4323398"/>
+            <a:off x="677333" y="1071419"/>
+            <a:ext cx="11126739" cy="4969944"/>
           </a:xfrm>
         </p:spPr>
         <p:txBody>
           <a:bodyPr>
-            <a:normAutofit/>
+            <a:noAutofit/>
           </a:bodyPr>
           <a:lstStyle/>
           <a:p>
             <a:pPr algn="r" rtl="1">
-              <a:buFont typeface="Arial" panose="020B0604020202020204" pitchFamily="34" charset="0"/>
-              <a:buChar char="•"/>
+              <a:lnSpc>
+                <a:spcPct val="150000"/>
+              </a:lnSpc>
+              <a:buFont typeface="Wingdings" panose="05000000000000000000" pitchFamily="2" charset="2"/>
+              <a:buChar char="§"/>
             </a:pPr>
             <a:r>
-              <a:rPr lang="fa-IR" sz="2400" dirty="0" smtClean="0">
-                <a:cs typeface="B Nazanin" panose="00000400000000000000" pitchFamily="2" charset="-78"/>
-              </a:rPr>
-              <a:t>سبك‌هاي مختلف الگوي معماري رويداد محور بر حسب نحوه عملكرد خود به دو مدل تقسيم ميشوند :</a:t>
+              <a:rPr lang="fa-IR" sz="2000" dirty="0" smtClean="0">
+                <a:cs typeface="B Nazanin" panose="00000400000000000000" pitchFamily="2" charset="-78"/>
+              </a:rPr>
+              <a:t>معماری رویداد محور از سه بخش </a:t>
+            </a:r>
+            <a:r>
+              <a:rPr lang="fa-IR" sz="2000" dirty="0" smtClean="0">
+                <a:solidFill>
+                  <a:srgbClr val="C00000"/>
+                </a:solidFill>
+                <a:cs typeface="B Nazanin" panose="00000400000000000000" pitchFamily="2" charset="-78"/>
+              </a:rPr>
+              <a:t>تولییدکننده رویداد </a:t>
+            </a:r>
+            <a:r>
+              <a:rPr lang="fa-IR" sz="2000" dirty="0" smtClean="0">
+                <a:cs typeface="B Nazanin" panose="00000400000000000000" pitchFamily="2" charset="-78"/>
+              </a:rPr>
+              <a:t>، </a:t>
+            </a:r>
+            <a:r>
+              <a:rPr lang="fa-IR" sz="2000" dirty="0" smtClean="0">
+                <a:solidFill>
+                  <a:srgbClr val="C00000"/>
+                </a:solidFill>
+                <a:cs typeface="B Nazanin" panose="00000400000000000000" pitchFamily="2" charset="-78"/>
+              </a:rPr>
+              <a:t>مصرف‌کننده رویداد </a:t>
+            </a:r>
+            <a:r>
+              <a:rPr lang="fa-IR" sz="2000" dirty="0" smtClean="0">
+                <a:cs typeface="B Nazanin" panose="00000400000000000000" pitchFamily="2" charset="-78"/>
+              </a:rPr>
+              <a:t>و </a:t>
+            </a:r>
+            <a:r>
+              <a:rPr lang="fa-IR" sz="2000" dirty="0" smtClean="0">
+                <a:solidFill>
+                  <a:srgbClr val="C00000"/>
+                </a:solidFill>
+                <a:cs typeface="B Nazanin" panose="00000400000000000000" pitchFamily="2" charset="-78"/>
+              </a:rPr>
+              <a:t>مسیریاب رویداد </a:t>
+            </a:r>
+            <a:r>
+              <a:rPr lang="fa-IR" sz="2000" dirty="0" smtClean="0">
+                <a:cs typeface="B Nazanin" panose="00000400000000000000" pitchFamily="2" charset="-78"/>
+              </a:rPr>
+              <a:t>تشکیل می‌شود.</a:t>
             </a:r>
           </a:p>
           <a:p>
             <a:pPr algn="r" rtl="1">
+              <a:lnSpc>
+                <a:spcPct val="150000"/>
+              </a:lnSpc>
               <a:buFont typeface="Wingdings" panose="05000000000000000000" pitchFamily="2" charset="2"/>
-              <a:buChar char="q"/>
+              <a:buChar char="§"/>
             </a:pPr>
             <a:r>
-              <a:rPr lang="fa-IR" sz="2400" dirty="0" smtClean="0">
+              <a:rPr lang="fa-IR" sz="2000" dirty="0" smtClean="0">
+                <a:cs typeface="B Nazanin" panose="00000400000000000000" pitchFamily="2" charset="-78"/>
+              </a:rPr>
+              <a:t> یک </a:t>
+            </a:r>
+            <a:r>
+              <a:rPr lang="fa-IR" sz="2000" dirty="0" smtClean="0">
                 <a:solidFill>
                   <a:srgbClr val="C00000"/>
                 </a:solidFill>
                 <a:cs typeface="B Nazanin" panose="00000400000000000000" pitchFamily="2" charset="-78"/>
               </a:rPr>
-              <a:t>مدل انتشار اشتراك </a:t>
-            </a:r>
-          </a:p>
-          <a:p>
-            <a:pPr lvl="1" algn="r" rtl="1">
-              <a:buFont typeface="Arial" panose="020B0604020202020204" pitchFamily="34" charset="0"/>
-              <a:buChar char="•"/>
+              <a:t>تولییدکننده رویداد </a:t>
+            </a:r>
+            <a:r>
+              <a:rPr lang="fa-IR" sz="2000" dirty="0" smtClean="0">
+                <a:cs typeface="B Nazanin" panose="00000400000000000000" pitchFamily="2" charset="-78"/>
+              </a:rPr>
+              <a:t>یک </a:t>
+            </a:r>
+            <a:r>
+              <a:rPr lang="fa-IR" sz="2000" dirty="0" smtClean="0">
+                <a:solidFill>
+                  <a:srgbClr val="C00000"/>
+                </a:solidFill>
+                <a:cs typeface="B Nazanin" panose="00000400000000000000" pitchFamily="2" charset="-78"/>
+              </a:rPr>
+              <a:t>رویداد</a:t>
+            </a:r>
+            <a:r>
+              <a:rPr lang="fa-IR" sz="2000" dirty="0" smtClean="0">
+                <a:cs typeface="B Nazanin" panose="00000400000000000000" pitchFamily="2" charset="-78"/>
+              </a:rPr>
+              <a:t> را تشخیص یا حس می‌کند و رویداد  را به عنوان پیام نمایش می‌دهد . </a:t>
+            </a:r>
+          </a:p>
+          <a:p>
+            <a:pPr algn="r" rtl="1">
+              <a:lnSpc>
+                <a:spcPct val="150000"/>
+              </a:lnSpc>
+              <a:buFont typeface="Wingdings" panose="05000000000000000000" pitchFamily="2" charset="2"/>
+              <a:buChar char="§"/>
             </a:pPr>
             <a:r>
               <a:rPr lang="fa-IR" sz="2000" dirty="0" smtClean="0">
-                <a:solidFill>
-                  <a:schemeClr val="tx1"/>
-                </a:solidFill>
-                <a:cs typeface="B Nazanin" panose="00000400000000000000" pitchFamily="2" charset="-78"/>
-              </a:rPr>
-              <a:t>اين يك زير ساخت پيام رساني مبتني بر اشتراك داده است .</a:t>
-            </a:r>
-          </a:p>
-          <a:p>
-            <a:pPr lvl="1" algn="r" rtl="1">
-              <a:buFont typeface="Arial" panose="020B0604020202020204" pitchFamily="34" charset="0"/>
-              <a:buChar char="•"/>
-            </a:pPr>
+                <a:cs typeface="B Nazanin" panose="00000400000000000000" pitchFamily="2" charset="-78"/>
+              </a:rPr>
+              <a:t> </a:t>
+            </a:r>
             <a:r>
               <a:rPr lang="fa-IR" sz="2000" dirty="0">
-                <a:solidFill>
-                  <a:schemeClr val="tx1"/>
-                </a:solidFill>
-                <a:cs typeface="B Nazanin" panose="00000400000000000000" pitchFamily="2" charset="-78"/>
-              </a:rPr>
-              <a:t>در اين مدل بعد از اينكه يه رويداد رخ داد يا اينكه منتشر شد ، به مشتركيني (مصرف كنندگان) كه نياز به پيام رساني دارند ارسال مي‌شود .</a:t>
+                <a:cs typeface="B Nazanin" panose="00000400000000000000" pitchFamily="2" charset="-78"/>
+              </a:rPr>
+              <a:t>پس </a:t>
+            </a:r>
+            <a:r>
+              <a:rPr lang="fa-IR" sz="2000" dirty="0" smtClean="0">
+                <a:cs typeface="B Nazanin" panose="00000400000000000000" pitchFamily="2" charset="-78"/>
+              </a:rPr>
+              <a:t>از مرحله  شناسایی، </a:t>
+            </a:r>
+            <a:r>
+              <a:rPr lang="fa-IR" sz="2000" dirty="0">
+                <a:cs typeface="B Nazanin" panose="00000400000000000000" pitchFamily="2" charset="-78"/>
+              </a:rPr>
+              <a:t>یک </a:t>
+            </a:r>
+            <a:r>
+              <a:rPr lang="fa-IR" sz="2000" dirty="0" smtClean="0">
+                <a:solidFill>
+                  <a:srgbClr val="C00000"/>
+                </a:solidFill>
+                <a:cs typeface="B Nazanin" panose="00000400000000000000" pitchFamily="2" charset="-78"/>
+              </a:rPr>
+              <a:t>رویداد</a:t>
+            </a:r>
+            <a:r>
+              <a:rPr lang="fa-IR" sz="2000" dirty="0" smtClean="0">
+                <a:cs typeface="B Nazanin" panose="00000400000000000000" pitchFamily="2" charset="-78"/>
+              </a:rPr>
+              <a:t> </a:t>
+            </a:r>
+            <a:r>
+              <a:rPr lang="fa-IR" sz="2000" dirty="0">
+                <a:cs typeface="B Nazanin" panose="00000400000000000000" pitchFamily="2" charset="-78"/>
+              </a:rPr>
+              <a:t>از </a:t>
+            </a:r>
+            <a:r>
+              <a:rPr lang="fa-IR" sz="2000" dirty="0">
+                <a:solidFill>
+                  <a:srgbClr val="C00000"/>
+                </a:solidFill>
+                <a:cs typeface="B Nazanin" panose="00000400000000000000" pitchFamily="2" charset="-78"/>
+              </a:rPr>
+              <a:t>تولیدکننده رویداد </a:t>
+            </a:r>
+            <a:r>
+              <a:rPr lang="fa-IR" sz="2000" dirty="0">
+                <a:cs typeface="B Nazanin" panose="00000400000000000000" pitchFamily="2" charset="-78"/>
+              </a:rPr>
+              <a:t>از طریق </a:t>
+            </a:r>
+            <a:r>
+              <a:rPr lang="fa-IR" sz="2000" dirty="0">
+                <a:solidFill>
+                  <a:srgbClr val="C00000"/>
+                </a:solidFill>
+                <a:cs typeface="B Nazanin" panose="00000400000000000000" pitchFamily="2" charset="-78"/>
+              </a:rPr>
+              <a:t>مسیریاب رویداد  </a:t>
+            </a:r>
+            <a:r>
+              <a:rPr lang="fa-IR" sz="2000" dirty="0">
+                <a:cs typeface="B Nazanin" panose="00000400000000000000" pitchFamily="2" charset="-78"/>
+              </a:rPr>
+              <a:t>به </a:t>
+            </a:r>
+            <a:r>
+              <a:rPr lang="fa-IR" sz="2000" dirty="0">
+                <a:solidFill>
+                  <a:srgbClr val="C00000"/>
+                </a:solidFill>
+                <a:cs typeface="B Nazanin" panose="00000400000000000000" pitchFamily="2" charset="-78"/>
+              </a:rPr>
+              <a:t>مصرف کنندگان رویداد </a:t>
+            </a:r>
+            <a:r>
+              <a:rPr lang="fa-IR" sz="2000" dirty="0">
+                <a:cs typeface="B Nazanin" panose="00000400000000000000" pitchFamily="2" charset="-78"/>
+              </a:rPr>
+              <a:t>منتقل می شود، جایی که یک </a:t>
+            </a:r>
+            <a:r>
+              <a:rPr lang="fa-IR" sz="2000" dirty="0">
+                <a:solidFill>
+                  <a:srgbClr val="C00000"/>
+                </a:solidFill>
+                <a:cs typeface="B Nazanin" panose="00000400000000000000" pitchFamily="2" charset="-78"/>
+              </a:rPr>
+              <a:t>پلت فرم پردازش رویداد </a:t>
+            </a:r>
+            <a:r>
+              <a:rPr lang="fa-IR" sz="2000" dirty="0">
+                <a:cs typeface="B Nazanin" panose="00000400000000000000" pitchFamily="2" charset="-78"/>
+              </a:rPr>
+              <a:t>، رویداد را به صورت </a:t>
+            </a:r>
+            <a:r>
+              <a:rPr lang="fa-IR" sz="2000" dirty="0">
+                <a:solidFill>
+                  <a:srgbClr val="C00000"/>
+                </a:solidFill>
+                <a:cs typeface="B Nazanin" panose="00000400000000000000" pitchFamily="2" charset="-78"/>
+              </a:rPr>
+              <a:t>ناهمزمان</a:t>
+            </a:r>
+            <a:r>
+              <a:rPr lang="fa-IR" sz="2000" dirty="0">
+                <a:cs typeface="B Nazanin" panose="00000400000000000000" pitchFamily="2" charset="-78"/>
+              </a:rPr>
+              <a:t> پردازش می کند. </a:t>
             </a:r>
             <a:endParaRPr lang="fa-IR" sz="2000" dirty="0" smtClean="0">
-              <a:solidFill>
-                <a:schemeClr val="tx1"/>
-              </a:solidFill>
               <a:cs typeface="B Nazanin" panose="00000400000000000000" pitchFamily="2" charset="-78"/>
             </a:endParaRPr>
           </a:p>
           <a:p>
             <a:pPr algn="r" rtl="1">
+              <a:lnSpc>
+                <a:spcPct val="150000"/>
+              </a:lnSpc>
               <a:buFont typeface="Wingdings" panose="05000000000000000000" pitchFamily="2" charset="2"/>
-              <a:buChar char="q"/>
+              <a:buChar char="§"/>
             </a:pPr>
             <a:r>
-              <a:rPr lang="fa-IR" sz="2400" dirty="0" smtClean="0">
+              <a:rPr lang="fa-IR" sz="2000" dirty="0" smtClean="0">
                 <a:solidFill>
                   <a:srgbClr val="C00000"/>
                 </a:solidFill>
                 <a:cs typeface="B Nazanin" panose="00000400000000000000" pitchFamily="2" charset="-78"/>
               </a:rPr>
-              <a:t> مدل جريان رويداد </a:t>
-            </a:r>
-          </a:p>
-          <a:p>
-            <a:pPr marL="457200" lvl="1" indent="0" algn="r" rtl="1">
-              <a:buNone/>
+              <a:t>رویداد </a:t>
+            </a:r>
+            <a:r>
+              <a:rPr lang="fa-IR" sz="2000" dirty="0" smtClean="0">
+                <a:cs typeface="B Nazanin" panose="00000400000000000000" pitchFamily="2" charset="-78"/>
+              </a:rPr>
+              <a:t>ممکن است توسط </a:t>
+            </a:r>
+            <a:r>
+              <a:rPr lang="fa-IR" sz="2000" dirty="0" smtClean="0">
+                <a:solidFill>
+                  <a:srgbClr val="C00000"/>
+                </a:solidFill>
+                <a:cs typeface="B Nazanin" panose="00000400000000000000" pitchFamily="2" charset="-78"/>
+              </a:rPr>
+              <a:t>مصرف‌کننده‌های رویداد </a:t>
+            </a:r>
+            <a:r>
+              <a:rPr lang="fa-IR" sz="2000" dirty="0" smtClean="0">
+                <a:cs typeface="B Nazanin" panose="00000400000000000000" pitchFamily="2" charset="-78"/>
+              </a:rPr>
+              <a:t>پردازش شوند یا فقط آنها را تحت تاثیر قرار دهند . </a:t>
+            </a:r>
+          </a:p>
+          <a:p>
+            <a:pPr algn="r" rtl="1">
+              <a:lnSpc>
+                <a:spcPct val="150000"/>
+              </a:lnSpc>
+              <a:buFont typeface="Wingdings" panose="05000000000000000000" pitchFamily="2" charset="2"/>
+              <a:buChar char="§"/>
             </a:pPr>
             <a:r>
-              <a:rPr lang="fa-IR" sz="2200" dirty="0">
-                <a:cs typeface="B Nazanin" panose="00000400000000000000" pitchFamily="2" charset="-78"/>
-              </a:rPr>
-              <a:t> با یک مدل جریان رویداد ، رویداد‌ها در یک گزارش نوشته می‌شوند. </a:t>
-            </a:r>
-            <a:endParaRPr lang="fa-IR" sz="2200" dirty="0" smtClean="0">
+              <a:rPr lang="fa-IR" sz="2000" dirty="0">
+                <a:cs typeface="B Nazanin" panose="00000400000000000000" pitchFamily="2" charset="-78"/>
+              </a:rPr>
+              <a:t> </a:t>
+            </a:r>
+            <a:r>
+              <a:rPr lang="fa-IR" sz="2000" dirty="0">
+                <a:solidFill>
+                  <a:srgbClr val="C00000"/>
+                </a:solidFill>
+                <a:cs typeface="B Nazanin" panose="00000400000000000000" pitchFamily="2" charset="-78"/>
+              </a:rPr>
+              <a:t>پلتفرم پردازش رویداد </a:t>
+            </a:r>
+            <a:r>
+              <a:rPr lang="fa-IR" sz="2000" dirty="0">
+                <a:cs typeface="B Nazanin" panose="00000400000000000000" pitchFamily="2" charset="-78"/>
+              </a:rPr>
+              <a:t>پاسخ صحیح به یک</a:t>
+            </a:r>
+            <a:r>
+              <a:rPr lang="fa-IR" sz="2000" dirty="0">
+                <a:solidFill>
+                  <a:srgbClr val="C00000"/>
+                </a:solidFill>
+                <a:cs typeface="B Nazanin" panose="00000400000000000000" pitchFamily="2" charset="-78"/>
+              </a:rPr>
+              <a:t> رویداد </a:t>
+            </a:r>
+            <a:r>
+              <a:rPr lang="fa-IR" sz="2000" dirty="0">
+                <a:cs typeface="B Nazanin" panose="00000400000000000000" pitchFamily="2" charset="-78"/>
+              </a:rPr>
+              <a:t>را اجرا می کند و فعالیت را در یک </a:t>
+            </a:r>
+            <a:r>
+              <a:rPr lang="fa-IR" sz="2000" dirty="0">
+                <a:solidFill>
+                  <a:srgbClr val="C00000"/>
+                </a:solidFill>
+                <a:cs typeface="B Nazanin" panose="00000400000000000000" pitchFamily="2" charset="-78"/>
+              </a:rPr>
+              <a:t>جریان سرازیری  </a:t>
+            </a:r>
+            <a:r>
+              <a:rPr lang="fa-IR" sz="2000" dirty="0">
+                <a:cs typeface="B Nazanin" panose="00000400000000000000" pitchFamily="2" charset="-78"/>
+              </a:rPr>
+              <a:t>به مصرف کنندگان مناسب ارسال می کند. این فعالیت جریان سرازیری جایی است که نتیجه یک رویداد دیده می </a:t>
+            </a:r>
+            <a:r>
+              <a:rPr lang="fa-IR" sz="2000" dirty="0" smtClean="0">
+                <a:cs typeface="B Nazanin" panose="00000400000000000000" pitchFamily="2" charset="-78"/>
+              </a:rPr>
+              <a:t>شود.</a:t>
+            </a:r>
+          </a:p>
+          <a:p>
+            <a:pPr algn="r" rtl="1">
+              <a:lnSpc>
+                <a:spcPct val="150000"/>
+              </a:lnSpc>
+              <a:buFont typeface="Wingdings" panose="05000000000000000000" pitchFamily="2" charset="2"/>
+              <a:buChar char="§"/>
+            </a:pPr>
+            <a:r>
+              <a:rPr lang="en-US" sz="2000" dirty="0">
+                <a:cs typeface="B Nazanin" panose="00000400000000000000" pitchFamily="2" charset="-78"/>
+              </a:rPr>
+              <a:t> </a:t>
+            </a:r>
+            <a:r>
+              <a:rPr lang="ar-SA" sz="2000" dirty="0">
+                <a:cs typeface="B Nazanin" panose="00000400000000000000" pitchFamily="2" charset="-78"/>
+              </a:rPr>
+              <a:t>یک از مشهورترین پلتفرم‌های جریان‌داده توزیع شده </a:t>
+            </a:r>
+            <a:r>
+              <a:rPr lang="ar-SA" sz="2000" dirty="0">
+                <a:solidFill>
+                  <a:srgbClr val="C00000"/>
+                </a:solidFill>
+                <a:cs typeface="B Nazanin" panose="00000400000000000000" pitchFamily="2" charset="-78"/>
+              </a:rPr>
+              <a:t>آپاچی کافکا </a:t>
+            </a:r>
+            <a:r>
+              <a:rPr lang="ar-SA" sz="2000" dirty="0">
+                <a:cs typeface="B Nazanin" panose="00000400000000000000" pitchFamily="2" charset="-78"/>
+              </a:rPr>
+              <a:t>است که یک انتخاب محبوب برای پردازش رویداد است. این پلتفرم می تواند انتشار، اشتراک، ذخیره و پردازش جریان های رویداد را به صورت بلادرنگ  انجام دهد. </a:t>
+            </a:r>
+            <a:endParaRPr lang="en-US" sz="2000" dirty="0">
               <a:cs typeface="B Nazanin" panose="00000400000000000000" pitchFamily="2" charset="-78"/>
             </a:endParaRPr>
           </a:p>
-          <a:p>
-            <a:pPr marL="457200" lvl="1" indent="0" algn="r" rtl="1">
-              <a:buNone/>
-            </a:pPr>
-            <a:r>
-              <a:rPr lang="fa-IR" sz="2200" dirty="0" smtClean="0">
-                <a:cs typeface="B Nazanin" panose="00000400000000000000" pitchFamily="2" charset="-78"/>
-              </a:rPr>
-              <a:t>مصرف </a:t>
-            </a:r>
-            <a:r>
-              <a:rPr lang="fa-IR" sz="2200" dirty="0">
-                <a:cs typeface="B Nazanin" panose="00000400000000000000" pitchFamily="2" charset="-78"/>
-              </a:rPr>
-              <a:t>کنندگان رویداد در یک جریان رویداد مشترک نمی‌شوند . </a:t>
-            </a:r>
-            <a:endParaRPr lang="fa-IR" sz="2200" dirty="0" smtClean="0">
-              <a:cs typeface="B Nazanin" panose="00000400000000000000" pitchFamily="2" charset="-78"/>
-            </a:endParaRPr>
-          </a:p>
-          <a:p>
-            <a:pPr marL="457200" lvl="1" indent="0" algn="r" rtl="1">
-              <a:buNone/>
-            </a:pPr>
-            <a:r>
-              <a:rPr lang="fa-IR" sz="2200" dirty="0" smtClean="0">
-                <a:cs typeface="B Nazanin" panose="00000400000000000000" pitchFamily="2" charset="-78"/>
-              </a:rPr>
-              <a:t>در عوض </a:t>
-            </a:r>
-            <a:r>
-              <a:rPr lang="fa-IR" sz="2200" dirty="0">
-                <a:cs typeface="B Nazanin" panose="00000400000000000000" pitchFamily="2" charset="-78"/>
-              </a:rPr>
-              <a:t>آنها می توانند از هر بخشی از جریان بخوانند و در هر زمان می توانند به جریان بپیوندند</a:t>
-            </a:r>
-            <a:r>
-              <a:rPr lang="fa-IR" sz="2200" dirty="0" smtClean="0">
-                <a:cs typeface="B Nazanin" panose="00000400000000000000" pitchFamily="2" charset="-78"/>
-              </a:rPr>
-              <a:t>.</a:t>
-            </a:r>
-          </a:p>
-          <a:p>
-            <a:pPr marL="457200" lvl="1" indent="0" algn="r" rtl="1">
-              <a:buNone/>
-            </a:pPr>
-            <a:endParaRPr lang="en-US" sz="2200" dirty="0">
-              <a:cs typeface="B Nazanin" panose="00000400000000000000" pitchFamily="2" charset="-78"/>
-            </a:endParaRPr>
-          </a:p>
         </p:txBody>
       </p:sp>
       <p:sp>
@@ -11196,9 +11618,9 @@
           <a:bodyPr/>
           <a:lstStyle/>
           <a:p>
-            <a:fld id="{C2DB2716-ABCB-47E4-A5E7-31908A35B483}" type="uaqdatetime1">
+            <a:fld id="{006FBB09-33D0-4E85-A34E-7878EB333873}" type="uaqdatetime1">
               <a:rPr lang="fa-IR" smtClean="0"/>
-              <a:t>11/06/1443</a:t>
+              <a:t>12/06/1443</a:t>
             </a:fld>
             <a:endParaRPr lang="en-US"/>
           </a:p>
@@ -11230,7 +11652,7 @@
     </p:spTree>
     <p:extLst>
       <p:ext uri="{BB962C8B-B14F-4D97-AF65-F5344CB8AC3E}">
-        <p14:creationId xmlns:p14="http://schemas.microsoft.com/office/powerpoint/2010/main" val="4275060141"/>
+        <p14:creationId xmlns:p14="http://schemas.microsoft.com/office/powerpoint/2010/main" val="81556135"/>
       </p:ext>
     </p:extLst>
   </p:cSld>
